--- a/00_Document/00_development_process/PPT_FunctionSpecification_R00.pptx
+++ b/00_Document/00_development_process/PPT_FunctionSpecification_R00.pptx
@@ -5,7 +5,7 @@
     <p:sldMasterId id="2147483648" r:id="rId1"/>
   </p:sldMasterIdLst>
   <p:notesMasterIdLst>
-    <p:notesMasterId r:id="rId21"/>
+    <p:notesMasterId r:id="rId22"/>
   </p:notesMasterIdLst>
   <p:sldIdLst>
     <p:sldId id="270" r:id="rId2"/>
@@ -14,19 +14,20 @@
     <p:sldId id="271" r:id="rId5"/>
     <p:sldId id="272" r:id="rId6"/>
     <p:sldId id="258" r:id="rId7"/>
-    <p:sldId id="277" r:id="rId8"/>
-    <p:sldId id="273" r:id="rId9"/>
-    <p:sldId id="274" r:id="rId10"/>
-    <p:sldId id="275" r:id="rId11"/>
-    <p:sldId id="276" r:id="rId12"/>
-    <p:sldId id="280" r:id="rId13"/>
-    <p:sldId id="279" r:id="rId14"/>
-    <p:sldId id="278" r:id="rId15"/>
-    <p:sldId id="281" r:id="rId16"/>
+    <p:sldId id="280" r:id="rId8"/>
+    <p:sldId id="279" r:id="rId9"/>
+    <p:sldId id="281" r:id="rId10"/>
+    <p:sldId id="277" r:id="rId11"/>
+    <p:sldId id="274" r:id="rId12"/>
+    <p:sldId id="276" r:id="rId13"/>
+    <p:sldId id="273" r:id="rId14"/>
+    <p:sldId id="275" r:id="rId15"/>
+    <p:sldId id="278" r:id="rId16"/>
     <p:sldId id="282" r:id="rId17"/>
     <p:sldId id="265" r:id="rId18"/>
-    <p:sldId id="283" r:id="rId19"/>
-    <p:sldId id="284" r:id="rId20"/>
+    <p:sldId id="285" r:id="rId19"/>
+    <p:sldId id="283" r:id="rId20"/>
+    <p:sldId id="284" r:id="rId21"/>
   </p:sldIdLst>
   <p:sldSz cx="12192000" cy="6858000"/>
   <p:notesSz cx="6858000" cy="9144000"/>
@@ -2540,8 +2541,8 @@
         <a:lstStyle/>
         <a:p>
           <a:r>
-            <a:rPr lang="en-US" dirty="0" smtClean="0"/>
-            <a:t>TBD</a:t>
+            <a:rPr lang="en-US" dirty="0" err="1" smtClean="0"/>
+            <a:t>Lý</a:t>
           </a:r>
           <a:endParaRPr lang="en-US" dirty="0"/>
         </a:p>
@@ -2589,8 +2590,8 @@
         <a:lstStyle/>
         <a:p>
           <a:r>
-            <a:rPr lang="en-US" dirty="0" smtClean="0"/>
-            <a:t>No change</a:t>
+            <a:rPr lang="en-US" dirty="0" err="1" smtClean="0"/>
+            <a:t>Lý</a:t>
           </a:r>
           <a:endParaRPr lang="en-US" dirty="0"/>
         </a:p>
@@ -2638,8 +2639,8 @@
         <a:lstStyle/>
         <a:p>
           <a:r>
-            <a:rPr lang="en-US" dirty="0" smtClean="0"/>
-            <a:t>TBD</a:t>
+            <a:rPr lang="en-US" dirty="0" err="1" smtClean="0"/>
+            <a:t>Viễn</a:t>
           </a:r>
           <a:endParaRPr lang="en-US" dirty="0"/>
         </a:p>
@@ -2736,8 +2737,8 @@
         <a:lstStyle/>
         <a:p>
           <a:r>
-            <a:rPr lang="en-US" dirty="0" smtClean="0"/>
-            <a:t>TBD</a:t>
+            <a:rPr lang="en-US" dirty="0" err="1" smtClean="0"/>
+            <a:t>Viễn</a:t>
           </a:r>
           <a:endParaRPr lang="en-US" dirty="0"/>
         </a:p>
@@ -2940,8 +2941,16 @@
         <a:lstStyle/>
         <a:p>
           <a:r>
+            <a:rPr lang="en-US" dirty="0" err="1" smtClean="0"/>
+            <a:t>Quang</a:t>
+          </a:r>
+          <a:r>
             <a:rPr lang="en-US" dirty="0" smtClean="0"/>
-            <a:t>TBD</a:t>
+            <a:t> + </a:t>
+          </a:r>
+          <a:r>
+            <a:rPr lang="en-US" dirty="0" err="1" smtClean="0"/>
+            <a:t>Lý</a:t>
           </a:r>
           <a:endParaRPr lang="en-US" dirty="0"/>
         </a:p>
@@ -3237,7 +3246,7 @@
                 <a:noFill/>
               </a:ln>
             </a:rPr>
-            <a:t>Android app</a:t>
+            <a:t>Android phone</a:t>
           </a:r>
           <a:endParaRPr lang="en-US" dirty="0">
             <a:ln>
@@ -3267,9 +3276,13 @@
         <a:p>
           <a:r>
             <a:rPr lang="en-US" dirty="0" smtClean="0"/>
-            <a:t>C + Q + T + L</a:t>
+            <a:t>Chung + </a:t>
           </a:r>
-          <a:endParaRPr lang="en-US" dirty="0"/>
+          <a:r>
+            <a:rPr lang="en-US" dirty="0" err="1" smtClean="0"/>
+            <a:t>Thành</a:t>
+          </a:r>
+          <a:endParaRPr lang="en-US" dirty="0" smtClean="0"/>
         </a:p>
       </dgm:t>
     </dgm:pt>
@@ -3371,7 +3384,7 @@
         </a:p>
       </dgm:t>
     </dgm:pt>
-    <dgm:pt modelId="{3DCEE1FB-48D6-4804-96BC-AF81DFB1F4BE}">
+    <dgm:pt modelId="{86A71A5C-84DA-47D8-98E2-97D31FE5DF8F}">
       <dgm:prSet phldrT="[Text]"/>
       <dgm:spPr/>
       <dgm:t>
@@ -3384,7 +3397,7 @@
                 <a:noFill/>
               </a:ln>
             </a:rPr>
-            <a:t>Connect server</a:t>
+            <a:t>Server</a:t>
           </a:r>
           <a:endParaRPr lang="en-US" dirty="0">
             <a:ln>
@@ -3394,7 +3407,7 @@
         </a:p>
       </dgm:t>
     </dgm:pt>
-    <dgm:pt modelId="{14FACFD4-F83B-4F0E-A340-2DB2F6C66AD7}" type="parTrans" cxnId="{9CBD5FBD-F13C-44EC-BE26-8AF4A727B61A}">
+    <dgm:pt modelId="{452CF9BE-6602-4664-89EC-DEAFB834CB92}" type="parTrans" cxnId="{A9A5ED3E-2474-4C51-B373-F6BA9174EBCA}">
       <dgm:prSet/>
       <dgm:spPr/>
       <dgm:t>
@@ -3405,7 +3418,7 @@
         </a:p>
       </dgm:t>
     </dgm:pt>
-    <dgm:pt modelId="{D20A098D-1842-419C-A873-AEB168A0938C}" type="sibTrans" cxnId="{9CBD5FBD-F13C-44EC-BE26-8AF4A727B61A}">
+    <dgm:pt modelId="{23A6B63E-4755-46A3-ABA9-10130745CFEB}" type="sibTrans" cxnId="{A9A5ED3E-2474-4C51-B373-F6BA9174EBCA}">
       <dgm:prSet/>
       <dgm:spPr/>
       <dgm:t>
@@ -3428,63 +3441,6 @@
         </a:p>
       </dgm:t>
     </dgm:pt>
-    <dgm:pt modelId="{86A71A5C-84DA-47D8-98E2-97D31FE5DF8F}">
-      <dgm:prSet phldrT="[Text]"/>
-      <dgm:spPr/>
-      <dgm:t>
-        <a:bodyPr/>
-        <a:lstStyle/>
-        <a:p>
-          <a:r>
-            <a:rPr lang="en-US" dirty="0" smtClean="0">
-              <a:ln>
-                <a:noFill/>
-              </a:ln>
-            </a:rPr>
-            <a:t>Server</a:t>
-          </a:r>
-          <a:endParaRPr lang="en-US" dirty="0">
-            <a:ln>
-              <a:noFill/>
-            </a:ln>
-          </a:endParaRPr>
-        </a:p>
-      </dgm:t>
-    </dgm:pt>
-    <dgm:pt modelId="{452CF9BE-6602-4664-89EC-DEAFB834CB92}" type="parTrans" cxnId="{A9A5ED3E-2474-4C51-B373-F6BA9174EBCA}">
-      <dgm:prSet/>
-      <dgm:spPr/>
-      <dgm:t>
-        <a:bodyPr/>
-        <a:lstStyle/>
-        <a:p>
-          <a:endParaRPr lang="en-US"/>
-        </a:p>
-      </dgm:t>
-    </dgm:pt>
-    <dgm:pt modelId="{23A6B63E-4755-46A3-ABA9-10130745CFEB}" type="sibTrans" cxnId="{A9A5ED3E-2474-4C51-B373-F6BA9174EBCA}">
-      <dgm:prSet/>
-      <dgm:spPr/>
-      <dgm:t>
-        <a:bodyPr/>
-        <a:lstStyle/>
-        <a:p>
-          <a:r>
-            <a:rPr lang="en-US" dirty="0" err="1" smtClean="0"/>
-            <a:t>Quang</a:t>
-          </a:r>
-          <a:r>
-            <a:rPr lang="en-US" dirty="0" smtClean="0"/>
-            <a:t> + </a:t>
-          </a:r>
-          <a:r>
-            <a:rPr lang="en-US" dirty="0" err="1" smtClean="0"/>
-            <a:t>Lý</a:t>
-          </a:r>
-          <a:endParaRPr lang="en-US" dirty="0"/>
-        </a:p>
-      </dgm:t>
-    </dgm:pt>
     <dgm:pt modelId="{0515EDE4-C812-4B8D-BEEF-9837D84150D0}" type="pres">
       <dgm:prSet presAssocID="{19127AE9-BD2E-45E1-A492-3B7C2D1C6F2D}" presName="hierChild1" presStyleCnt="0">
         <dgm:presLayoutVars>
@@ -3550,7 +3506,7 @@
       </dgm:t>
     </dgm:pt>
     <dgm:pt modelId="{6E91267B-49DE-42AE-A8CD-852EF350B49A}" type="pres">
-      <dgm:prSet presAssocID="{839D0158-2D7A-439B-96A9-1BF3FE626DDC}" presName="rootConnector1" presStyleLbl="node1" presStyleIdx="0" presStyleCnt="20"/>
+      <dgm:prSet presAssocID="{839D0158-2D7A-439B-96A9-1BF3FE626DDC}" presName="rootConnector1" presStyleLbl="node1" presStyleIdx="0" presStyleCnt="19"/>
       <dgm:spPr/>
       <dgm:t>
         <a:bodyPr/>
@@ -3588,7 +3544,7 @@
       <dgm:spPr/>
     </dgm:pt>
     <dgm:pt modelId="{10B43682-6687-4DC5-BFA2-AB85A8D85C36}" type="pres">
-      <dgm:prSet presAssocID="{DEED3D8B-AD70-47D9-8789-8CDEB3F75D86}" presName="rootText" presStyleLbl="node1" presStyleIdx="0" presStyleCnt="20" custLinFactX="233776" custLinFactY="-200000" custLinFactNeighborX="300000" custLinFactNeighborY="-260162">
+      <dgm:prSet presAssocID="{DEED3D8B-AD70-47D9-8789-8CDEB3F75D86}" presName="rootText" presStyleLbl="node1" presStyleIdx="0" presStyleCnt="19" custLinFactX="233776" custLinFactY="-200000" custLinFactNeighborX="300000" custLinFactNeighborY="-260162">
         <dgm:presLayoutVars>
           <dgm:chMax/>
           <dgm:chPref val="3"/>
@@ -3604,7 +3560,7 @@
       </dgm:t>
     </dgm:pt>
     <dgm:pt modelId="{0FD5DF1D-EC21-4B09-AC24-AA027332DCDD}" type="pres">
-      <dgm:prSet presAssocID="{DEED3D8B-AD70-47D9-8789-8CDEB3F75D86}" presName="titleText2" presStyleLbl="fgAcc1" presStyleIdx="0" presStyleCnt="20" custLinFactX="293085" custLinFactY="-680490" custLinFactNeighborX="300000" custLinFactNeighborY="-700000">
+      <dgm:prSet presAssocID="{DEED3D8B-AD70-47D9-8789-8CDEB3F75D86}" presName="titleText2" presStyleLbl="fgAcc1" presStyleIdx="0" presStyleCnt="19" custLinFactX="293085" custLinFactY="-680490" custLinFactNeighborX="300000" custLinFactNeighborY="-700000">
         <dgm:presLayoutVars>
           <dgm:chMax val="0"/>
           <dgm:chPref val="0"/>
@@ -3662,7 +3618,7 @@
       <dgm:spPr/>
     </dgm:pt>
     <dgm:pt modelId="{58658A57-F34E-43CB-B848-40532E461413}" type="pres">
-      <dgm:prSet presAssocID="{179106C3-F190-4BD3-BC41-BEBA58C28C4A}" presName="rootText" presStyleLbl="node1" presStyleIdx="1" presStyleCnt="20">
+      <dgm:prSet presAssocID="{179106C3-F190-4BD3-BC41-BEBA58C28C4A}" presName="rootText" presStyleLbl="node1" presStyleIdx="1" presStyleCnt="19">
         <dgm:presLayoutVars>
           <dgm:chMax/>
           <dgm:chPref val="3"/>
@@ -3678,7 +3634,7 @@
       </dgm:t>
     </dgm:pt>
     <dgm:pt modelId="{D693B454-6F4B-4970-B8B6-949289197DB8}" type="pres">
-      <dgm:prSet presAssocID="{179106C3-F190-4BD3-BC41-BEBA58C28C4A}" presName="titleText2" presStyleLbl="fgAcc1" presStyleIdx="1" presStyleCnt="20">
+      <dgm:prSet presAssocID="{179106C3-F190-4BD3-BC41-BEBA58C28C4A}" presName="titleText2" presStyleLbl="fgAcc1" presStyleIdx="1" presStyleCnt="19">
         <dgm:presLayoutVars>
           <dgm:chMax val="0"/>
           <dgm:chPref val="0"/>
@@ -3732,7 +3688,7 @@
       <dgm:spPr/>
     </dgm:pt>
     <dgm:pt modelId="{ACBB3B08-68C2-4344-A50D-E204FD0C0CFB}" type="pres">
-      <dgm:prSet presAssocID="{F7829F92-C1D2-4A56-BD64-4CFC1900FEC0}" presName="rootText" presStyleLbl="node1" presStyleIdx="2" presStyleCnt="20">
+      <dgm:prSet presAssocID="{F7829F92-C1D2-4A56-BD64-4CFC1900FEC0}" presName="rootText" presStyleLbl="node1" presStyleIdx="2" presStyleCnt="19">
         <dgm:presLayoutVars>
           <dgm:chMax/>
           <dgm:chPref val="3"/>
@@ -3748,7 +3704,7 @@
       </dgm:t>
     </dgm:pt>
     <dgm:pt modelId="{3ECB79BF-956F-4515-82CE-A34E2A419DED}" type="pres">
-      <dgm:prSet presAssocID="{F7829F92-C1D2-4A56-BD64-4CFC1900FEC0}" presName="titleText2" presStyleLbl="fgAcc1" presStyleIdx="2" presStyleCnt="20">
+      <dgm:prSet presAssocID="{F7829F92-C1D2-4A56-BD64-4CFC1900FEC0}" presName="titleText2" presStyleLbl="fgAcc1" presStyleIdx="2" presStyleCnt="19">
         <dgm:presLayoutVars>
           <dgm:chMax val="0"/>
           <dgm:chPref val="0"/>
@@ -3810,7 +3766,7 @@
       <dgm:spPr/>
     </dgm:pt>
     <dgm:pt modelId="{4A3C919E-E6ED-4AE4-A060-6F2B545E9E90}" type="pres">
-      <dgm:prSet presAssocID="{A59A882A-DB75-41DB-B951-04286F711748}" presName="rootText" presStyleLbl="node1" presStyleIdx="3" presStyleCnt="20" custLinFactNeighborX="17185" custLinFactNeighborY="-2131">
+      <dgm:prSet presAssocID="{A59A882A-DB75-41DB-B951-04286F711748}" presName="rootText" presStyleLbl="node1" presStyleIdx="3" presStyleCnt="19" custLinFactNeighborX="17185" custLinFactNeighborY="-2131">
         <dgm:presLayoutVars>
           <dgm:chMax/>
           <dgm:chPref val="3"/>
@@ -3826,7 +3782,7 @@
       </dgm:t>
     </dgm:pt>
     <dgm:pt modelId="{4933D671-7E56-43F7-8E77-31F8A7226A7E}" type="pres">
-      <dgm:prSet presAssocID="{A59A882A-DB75-41DB-B951-04286F711748}" presName="titleText2" presStyleLbl="fgAcc1" presStyleIdx="3" presStyleCnt="20" custLinFactNeighborX="19094" custLinFactNeighborY="-6392">
+      <dgm:prSet presAssocID="{A59A882A-DB75-41DB-B951-04286F711748}" presName="titleText2" presStyleLbl="fgAcc1" presStyleIdx="3" presStyleCnt="19" custLinFactNeighborX="19094" custLinFactNeighborY="-6392">
         <dgm:presLayoutVars>
           <dgm:chMax val="0"/>
           <dgm:chPref val="0"/>
@@ -3880,7 +3836,7 @@
       <dgm:spPr/>
     </dgm:pt>
     <dgm:pt modelId="{61AB0F4D-CF14-4B60-BD1D-D6A5B82A4AE4}" type="pres">
-      <dgm:prSet presAssocID="{66B814A5-3D43-465C-A767-670B97E547F1}" presName="rootText" presStyleLbl="node1" presStyleIdx="4" presStyleCnt="20" custLinFactNeighborX="17185" custLinFactNeighborY="-2131">
+      <dgm:prSet presAssocID="{66B814A5-3D43-465C-A767-670B97E547F1}" presName="rootText" presStyleLbl="node1" presStyleIdx="4" presStyleCnt="19" custLinFactNeighborX="17185" custLinFactNeighborY="-2131">
         <dgm:presLayoutVars>
           <dgm:chMax/>
           <dgm:chPref val="3"/>
@@ -3896,7 +3852,7 @@
       </dgm:t>
     </dgm:pt>
     <dgm:pt modelId="{F5E01D96-F901-42BD-8A6F-51F03A5B3052}" type="pres">
-      <dgm:prSet presAssocID="{66B814A5-3D43-465C-A767-670B97E547F1}" presName="titleText2" presStyleLbl="fgAcc1" presStyleIdx="4" presStyleCnt="20" custLinFactNeighborX="19094" custLinFactNeighborY="-6392">
+      <dgm:prSet presAssocID="{66B814A5-3D43-465C-A767-670B97E547F1}" presName="titleText2" presStyleLbl="fgAcc1" presStyleIdx="4" presStyleCnt="19" custLinFactNeighborX="19094" custLinFactNeighborY="-6392">
         <dgm:presLayoutVars>
           <dgm:chMax val="0"/>
           <dgm:chPref val="0"/>
@@ -3954,7 +3910,7 @@
       <dgm:spPr/>
     </dgm:pt>
     <dgm:pt modelId="{0A2CE9A4-8D25-49F6-8B49-D81B37C989C7}" type="pres">
-      <dgm:prSet presAssocID="{7C310BC2-4A8D-4D92-B685-8EA0559FF6E9}" presName="rootText" presStyleLbl="node1" presStyleIdx="5" presStyleCnt="20" custLinFactNeighborX="17185" custLinFactNeighborY="-2131">
+      <dgm:prSet presAssocID="{7C310BC2-4A8D-4D92-B685-8EA0559FF6E9}" presName="rootText" presStyleLbl="node1" presStyleIdx="5" presStyleCnt="19" custLinFactNeighborX="17185" custLinFactNeighborY="-2131">
         <dgm:presLayoutVars>
           <dgm:chMax/>
           <dgm:chPref val="3"/>
@@ -3970,7 +3926,7 @@
       </dgm:t>
     </dgm:pt>
     <dgm:pt modelId="{857C9215-7C13-4516-AC18-FD3F2C4BFD5F}" type="pres">
-      <dgm:prSet presAssocID="{7C310BC2-4A8D-4D92-B685-8EA0559FF6E9}" presName="titleText2" presStyleLbl="fgAcc1" presStyleIdx="5" presStyleCnt="20" custLinFactNeighborX="19094" custLinFactNeighborY="-6392">
+      <dgm:prSet presAssocID="{7C310BC2-4A8D-4D92-B685-8EA0559FF6E9}" presName="titleText2" presStyleLbl="fgAcc1" presStyleIdx="5" presStyleCnt="19" custLinFactNeighborX="19094" custLinFactNeighborY="-6392">
         <dgm:presLayoutVars>
           <dgm:chMax val="0"/>
           <dgm:chPref val="0"/>
@@ -4032,7 +3988,7 @@
       <dgm:spPr/>
     </dgm:pt>
     <dgm:pt modelId="{4996D975-3F95-46BE-839D-5AB048C8D420}" type="pres">
-      <dgm:prSet presAssocID="{8831E232-1DDF-4F98-A671-873C040D256E}" presName="rootText" presStyleLbl="node1" presStyleIdx="6" presStyleCnt="20" custLinFactNeighborX="17185" custLinFactNeighborY="-2131">
+      <dgm:prSet presAssocID="{8831E232-1DDF-4F98-A671-873C040D256E}" presName="rootText" presStyleLbl="node1" presStyleIdx="6" presStyleCnt="19" custLinFactNeighborX="17185" custLinFactNeighborY="-2131">
         <dgm:presLayoutVars>
           <dgm:chMax/>
           <dgm:chPref val="3"/>
@@ -4048,7 +4004,7 @@
       </dgm:t>
     </dgm:pt>
     <dgm:pt modelId="{C7AEA70C-6D94-449E-9630-786CC9F377F0}" type="pres">
-      <dgm:prSet presAssocID="{8831E232-1DDF-4F98-A671-873C040D256E}" presName="titleText2" presStyleLbl="fgAcc1" presStyleIdx="6" presStyleCnt="20" custLinFactNeighborX="19094" custLinFactNeighborY="-6392">
+      <dgm:prSet presAssocID="{8831E232-1DDF-4F98-A671-873C040D256E}" presName="titleText2" presStyleLbl="fgAcc1" presStyleIdx="6" presStyleCnt="19" custLinFactNeighborX="19094" custLinFactNeighborY="-6392">
         <dgm:presLayoutVars>
           <dgm:chMax val="0"/>
           <dgm:chPref val="0"/>
@@ -4106,7 +4062,7 @@
       <dgm:spPr/>
     </dgm:pt>
     <dgm:pt modelId="{CFE89546-24BB-4E4C-B9D2-6DC5A4860191}" type="pres">
-      <dgm:prSet presAssocID="{3C929C3A-6CFD-4E11-899D-9E60034B356D}" presName="rootText" presStyleLbl="node1" presStyleIdx="7" presStyleCnt="20" custLinFactNeighborX="17185" custLinFactNeighborY="-2131">
+      <dgm:prSet presAssocID="{3C929C3A-6CFD-4E11-899D-9E60034B356D}" presName="rootText" presStyleLbl="node1" presStyleIdx="7" presStyleCnt="19" custLinFactNeighborX="17185" custLinFactNeighborY="-2131">
         <dgm:presLayoutVars>
           <dgm:chMax/>
           <dgm:chPref val="3"/>
@@ -4122,7 +4078,7 @@
       </dgm:t>
     </dgm:pt>
     <dgm:pt modelId="{90FBBA83-F3A2-496E-B603-5C919CDC1663}" type="pres">
-      <dgm:prSet presAssocID="{3C929C3A-6CFD-4E11-899D-9E60034B356D}" presName="titleText2" presStyleLbl="fgAcc1" presStyleIdx="7" presStyleCnt="20" custLinFactNeighborX="19094" custLinFactNeighborY="-6392">
+      <dgm:prSet presAssocID="{3C929C3A-6CFD-4E11-899D-9E60034B356D}" presName="titleText2" presStyleLbl="fgAcc1" presStyleIdx="7" presStyleCnt="19" custLinFactNeighborX="19094" custLinFactNeighborY="-6392">
         <dgm:presLayoutVars>
           <dgm:chMax val="0"/>
           <dgm:chPref val="0"/>
@@ -4180,7 +4136,7 @@
       <dgm:spPr/>
     </dgm:pt>
     <dgm:pt modelId="{AFB9D362-2BF1-4804-8A88-816D440A7C19}" type="pres">
-      <dgm:prSet presAssocID="{54D5FA36-A3D8-4678-ACD4-FE4D9BECE446}" presName="rootText" presStyleLbl="node1" presStyleIdx="8" presStyleCnt="20" custLinFactNeighborX="17185" custLinFactNeighborY="-2131">
+      <dgm:prSet presAssocID="{54D5FA36-A3D8-4678-ACD4-FE4D9BECE446}" presName="rootText" presStyleLbl="node1" presStyleIdx="8" presStyleCnt="19" custLinFactNeighborX="17185" custLinFactNeighborY="-2131">
         <dgm:presLayoutVars>
           <dgm:chMax/>
           <dgm:chPref val="3"/>
@@ -4196,7 +4152,7 @@
       </dgm:t>
     </dgm:pt>
     <dgm:pt modelId="{55B4F1BF-50C6-4C22-949C-BA9C1E23C5FB}" type="pres">
-      <dgm:prSet presAssocID="{54D5FA36-A3D8-4678-ACD4-FE4D9BECE446}" presName="titleText2" presStyleLbl="fgAcc1" presStyleIdx="8" presStyleCnt="20" custLinFactNeighborX="19094" custLinFactNeighborY="-6392">
+      <dgm:prSet presAssocID="{54D5FA36-A3D8-4678-ACD4-FE4D9BECE446}" presName="titleText2" presStyleLbl="fgAcc1" presStyleIdx="8" presStyleCnt="19" custLinFactNeighborX="19094" custLinFactNeighborY="-6392">
         <dgm:presLayoutVars>
           <dgm:chMax val="0"/>
           <dgm:chPref val="0"/>
@@ -4254,7 +4210,7 @@
       <dgm:spPr/>
     </dgm:pt>
     <dgm:pt modelId="{DF34769E-4D2F-4126-BB2D-4B4F109CD033}" type="pres">
-      <dgm:prSet presAssocID="{7968A9B6-6788-4558-8319-D9450A153A57}" presName="rootText" presStyleLbl="node1" presStyleIdx="9" presStyleCnt="20" custLinFactNeighborX="17185" custLinFactNeighborY="-2131">
+      <dgm:prSet presAssocID="{7968A9B6-6788-4558-8319-D9450A153A57}" presName="rootText" presStyleLbl="node1" presStyleIdx="9" presStyleCnt="19" custLinFactNeighborX="17185" custLinFactNeighborY="-2131">
         <dgm:presLayoutVars>
           <dgm:chMax/>
           <dgm:chPref val="3"/>
@@ -4270,7 +4226,7 @@
       </dgm:t>
     </dgm:pt>
     <dgm:pt modelId="{1C8C9553-1E22-430B-9DE4-B54B68EA990F}" type="pres">
-      <dgm:prSet presAssocID="{7968A9B6-6788-4558-8319-D9450A153A57}" presName="titleText2" presStyleLbl="fgAcc1" presStyleIdx="9" presStyleCnt="20" custLinFactNeighborX="19094" custLinFactNeighborY="-6392">
+      <dgm:prSet presAssocID="{7968A9B6-6788-4558-8319-D9450A153A57}" presName="titleText2" presStyleLbl="fgAcc1" presStyleIdx="9" presStyleCnt="19" custLinFactNeighborX="19094" custLinFactNeighborY="-6392">
         <dgm:presLayoutVars>
           <dgm:chMax val="0"/>
           <dgm:chPref val="0"/>
@@ -4328,7 +4284,7 @@
       <dgm:spPr/>
     </dgm:pt>
     <dgm:pt modelId="{2362714B-268E-415C-AD8D-34969D37B522}" type="pres">
-      <dgm:prSet presAssocID="{83592EB9-3381-45F0-82A0-8B6D444044AF}" presName="rootText" presStyleLbl="node1" presStyleIdx="10" presStyleCnt="20" custLinFactY="-100000" custLinFactNeighborX="49299" custLinFactNeighborY="-113155">
+      <dgm:prSet presAssocID="{83592EB9-3381-45F0-82A0-8B6D444044AF}" presName="rootText" presStyleLbl="node1" presStyleIdx="10" presStyleCnt="19" custLinFactY="-100000" custLinFactNeighborX="49299" custLinFactNeighborY="-113155">
         <dgm:presLayoutVars>
           <dgm:chMax/>
           <dgm:chPref val="3"/>
@@ -4344,7 +4300,7 @@
       </dgm:t>
     </dgm:pt>
     <dgm:pt modelId="{56485E68-E0FD-4042-AB19-9272D79CF94C}" type="pres">
-      <dgm:prSet presAssocID="{83592EB9-3381-45F0-82A0-8B6D444044AF}" presName="titleText2" presStyleLbl="fgAcc1" presStyleIdx="10" presStyleCnt="20" custLinFactY="-300000" custLinFactNeighborX="54777" custLinFactNeighborY="-339466">
+      <dgm:prSet presAssocID="{83592EB9-3381-45F0-82A0-8B6D444044AF}" presName="titleText2" presStyleLbl="fgAcc1" presStyleIdx="10" presStyleCnt="19" custLinFactY="-300000" custLinFactNeighborX="54777" custLinFactNeighborY="-339466">
         <dgm:presLayoutVars>
           <dgm:chMax val="0"/>
           <dgm:chPref val="0"/>
@@ -4402,7 +4358,7 @@
       <dgm:spPr/>
     </dgm:pt>
     <dgm:pt modelId="{5869D7B0-BA87-41ED-83EA-DF4BB10E1B9B}" type="pres">
-      <dgm:prSet presAssocID="{0B74BEE4-2FFC-4996-AF92-6CE7164FBD9A}" presName="rootText" presStyleLbl="node1" presStyleIdx="11" presStyleCnt="20" custLinFactX="-1483" custLinFactNeighborX="-100000" custLinFactNeighborY="-2131">
+      <dgm:prSet presAssocID="{0B74BEE4-2FFC-4996-AF92-6CE7164FBD9A}" presName="rootText" presStyleLbl="node1" presStyleIdx="11" presStyleCnt="19" custLinFactX="-1483" custLinFactNeighborX="-100000" custLinFactNeighborY="-2131">
         <dgm:presLayoutVars>
           <dgm:chMax/>
           <dgm:chPref val="3"/>
@@ -4418,7 +4374,7 @@
       </dgm:t>
     </dgm:pt>
     <dgm:pt modelId="{E54940C6-58E8-4CBA-B778-765232A8B46F}" type="pres">
-      <dgm:prSet presAssocID="{0B74BEE4-2FFC-4996-AF92-6CE7164FBD9A}" presName="titleText2" presStyleLbl="fgAcc1" presStyleIdx="11" presStyleCnt="20" custLinFactX="-12740" custLinFactNeighborX="-100000" custLinFactNeighborY="-6392">
+      <dgm:prSet presAssocID="{0B74BEE4-2FFC-4996-AF92-6CE7164FBD9A}" presName="titleText2" presStyleLbl="fgAcc1" presStyleIdx="11" presStyleCnt="19" custLinFactX="-12740" custLinFactNeighborX="-100000" custLinFactNeighborY="-6392">
         <dgm:presLayoutVars>
           <dgm:chMax val="0"/>
           <dgm:chPref val="0"/>
@@ -4472,7 +4428,7 @@
       <dgm:spPr/>
     </dgm:pt>
     <dgm:pt modelId="{A87A984C-6CFD-4577-959C-7E3FFD394C91}" type="pres">
-      <dgm:prSet presAssocID="{A9F4D88D-4132-4EAF-B724-9AA7085ED846}" presName="rootText" presStyleLbl="node1" presStyleIdx="12" presStyleCnt="20" custLinFactX="-1483" custLinFactNeighborX="-100000" custLinFactNeighborY="-2131">
+      <dgm:prSet presAssocID="{A9F4D88D-4132-4EAF-B724-9AA7085ED846}" presName="rootText" presStyleLbl="node1" presStyleIdx="12" presStyleCnt="19" custLinFactX="-1483" custLinFactNeighborX="-100000" custLinFactNeighborY="-2131">
         <dgm:presLayoutVars>
           <dgm:chMax/>
           <dgm:chPref val="3"/>
@@ -4488,7 +4444,7 @@
       </dgm:t>
     </dgm:pt>
     <dgm:pt modelId="{B8678737-CE7A-439C-B1F9-46646F440843}" type="pres">
-      <dgm:prSet presAssocID="{A9F4D88D-4132-4EAF-B724-9AA7085ED846}" presName="titleText2" presStyleLbl="fgAcc1" presStyleIdx="12" presStyleCnt="20" custLinFactX="-12740" custLinFactNeighborX="-100000" custLinFactNeighborY="-6392">
+      <dgm:prSet presAssocID="{A9F4D88D-4132-4EAF-B724-9AA7085ED846}" presName="titleText2" presStyleLbl="fgAcc1" presStyleIdx="12" presStyleCnt="19" custLinFactX="-12740" custLinFactNeighborX="-100000" custLinFactNeighborY="-6392">
         <dgm:presLayoutVars>
           <dgm:chMax val="0"/>
           <dgm:chPref val="0"/>
@@ -4546,7 +4502,7 @@
       <dgm:spPr/>
     </dgm:pt>
     <dgm:pt modelId="{8640947B-194A-47A9-B1AF-1EA261CF2D9A}" type="pres">
-      <dgm:prSet presAssocID="{661C8416-2309-47AC-8FAB-6743BC342425}" presName="rootText" presStyleLbl="node1" presStyleIdx="13" presStyleCnt="20" custLinFactX="-1483" custLinFactNeighborX="-100000" custLinFactNeighborY="-2131">
+      <dgm:prSet presAssocID="{661C8416-2309-47AC-8FAB-6743BC342425}" presName="rootText" presStyleLbl="node1" presStyleIdx="13" presStyleCnt="19" custLinFactX="-1483" custLinFactNeighborX="-100000" custLinFactNeighborY="-2131">
         <dgm:presLayoutVars>
           <dgm:chMax/>
           <dgm:chPref val="3"/>
@@ -4562,7 +4518,7 @@
       </dgm:t>
     </dgm:pt>
     <dgm:pt modelId="{C48C0AD5-7FDA-402D-8C54-E342ACEB9FDD}" type="pres">
-      <dgm:prSet presAssocID="{661C8416-2309-47AC-8FAB-6743BC342425}" presName="titleText2" presStyleLbl="fgAcc1" presStyleIdx="13" presStyleCnt="20" custLinFactX="-12740" custLinFactNeighborX="-100000" custLinFactNeighborY="-6392">
+      <dgm:prSet presAssocID="{661C8416-2309-47AC-8FAB-6743BC342425}" presName="titleText2" presStyleLbl="fgAcc1" presStyleIdx="13" presStyleCnt="19" custLinFactX="-12740" custLinFactNeighborX="-100000" custLinFactNeighborY="-6392">
         <dgm:presLayoutVars>
           <dgm:chMax val="0"/>
           <dgm:chPref val="0"/>
@@ -4624,7 +4580,7 @@
       <dgm:spPr/>
     </dgm:pt>
     <dgm:pt modelId="{14D029E2-857D-44DD-8D05-298004F76829}" type="pres">
-      <dgm:prSet presAssocID="{6F5B298D-7679-40B4-9A1D-1B61326E82DE}" presName="rootText" presStyleLbl="node1" presStyleIdx="14" presStyleCnt="20">
+      <dgm:prSet presAssocID="{6F5B298D-7679-40B4-9A1D-1B61326E82DE}" presName="rootText" presStyleLbl="node1" presStyleIdx="14" presStyleCnt="19">
         <dgm:presLayoutVars>
           <dgm:chMax/>
           <dgm:chPref val="3"/>
@@ -4640,7 +4596,7 @@
       </dgm:t>
     </dgm:pt>
     <dgm:pt modelId="{B0382EE2-FD72-417B-AE7B-C303E355B02A}" type="pres">
-      <dgm:prSet presAssocID="{6F5B298D-7679-40B4-9A1D-1B61326E82DE}" presName="titleText2" presStyleLbl="fgAcc1" presStyleIdx="14" presStyleCnt="20">
+      <dgm:prSet presAssocID="{6F5B298D-7679-40B4-9A1D-1B61326E82DE}" presName="titleText2" presStyleLbl="fgAcc1" presStyleIdx="14" presStyleCnt="19">
         <dgm:presLayoutVars>
           <dgm:chMax val="0"/>
           <dgm:chPref val="0"/>
@@ -4694,7 +4650,7 @@
       <dgm:spPr/>
     </dgm:pt>
     <dgm:pt modelId="{B808BE66-9B95-4F1D-AFF5-D7D093912E44}" type="pres">
-      <dgm:prSet presAssocID="{B4004ED0-5747-4E91-A59B-6D917C70026C}" presName="rootText" presStyleLbl="node1" presStyleIdx="15" presStyleCnt="20">
+      <dgm:prSet presAssocID="{B4004ED0-5747-4E91-A59B-6D917C70026C}" presName="rootText" presStyleLbl="node1" presStyleIdx="15" presStyleCnt="19">
         <dgm:presLayoutVars>
           <dgm:chMax/>
           <dgm:chPref val="3"/>
@@ -4710,7 +4666,7 @@
       </dgm:t>
     </dgm:pt>
     <dgm:pt modelId="{70C66616-33FA-4CCF-A1A3-BCA0E7916AFC}" type="pres">
-      <dgm:prSet presAssocID="{B4004ED0-5747-4E91-A59B-6D917C70026C}" presName="titleText2" presStyleLbl="fgAcc1" presStyleIdx="15" presStyleCnt="20">
+      <dgm:prSet presAssocID="{B4004ED0-5747-4E91-A59B-6D917C70026C}" presName="titleText2" presStyleLbl="fgAcc1" presStyleIdx="15" presStyleCnt="19">
         <dgm:presLayoutVars>
           <dgm:chMax val="0"/>
           <dgm:chPref val="0"/>
@@ -4741,7 +4697,7 @@
       <dgm:spPr/>
     </dgm:pt>
     <dgm:pt modelId="{A1C40F7D-B33A-4D66-8640-9219BB096776}" type="pres">
-      <dgm:prSet presAssocID="{BBC5FBD0-C1F6-45C5-964C-E7526E4C4A4E}" presName="Name37" presStyleLbl="parChTrans1D4" presStyleIdx="0" presStyleCnt="3"/>
+      <dgm:prSet presAssocID="{BBC5FBD0-C1F6-45C5-964C-E7526E4C4A4E}" presName="Name37" presStyleLbl="parChTrans1D4" presStyleIdx="0" presStyleCnt="2"/>
       <dgm:spPr/>
       <dgm:t>
         <a:bodyPr/>
@@ -4764,7 +4720,7 @@
       <dgm:spPr/>
     </dgm:pt>
     <dgm:pt modelId="{35F89F19-3BE9-457B-A320-CF709CA75AF1}" type="pres">
-      <dgm:prSet presAssocID="{876C00F9-F4DC-460A-86FB-A95C17B0B838}" presName="rootText" presStyleLbl="node1" presStyleIdx="16" presStyleCnt="20">
+      <dgm:prSet presAssocID="{876C00F9-F4DC-460A-86FB-A95C17B0B838}" presName="rootText" presStyleLbl="node1" presStyleIdx="16" presStyleCnt="19">
         <dgm:presLayoutVars>
           <dgm:chMax/>
           <dgm:chPref val="3"/>
@@ -4780,7 +4736,7 @@
       </dgm:t>
     </dgm:pt>
     <dgm:pt modelId="{EC7D588F-274C-4279-B592-07150993AB65}" type="pres">
-      <dgm:prSet presAssocID="{876C00F9-F4DC-460A-86FB-A95C17B0B838}" presName="titleText2" presStyleLbl="fgAcc1" presStyleIdx="16" presStyleCnt="20">
+      <dgm:prSet presAssocID="{876C00F9-F4DC-460A-86FB-A95C17B0B838}" presName="titleText2" presStyleLbl="fgAcc1" presStyleIdx="16" presStyleCnt="19">
         <dgm:presLayoutVars>
           <dgm:chMax val="0"/>
           <dgm:chPref val="0"/>
@@ -4815,7 +4771,7 @@
       <dgm:spPr/>
     </dgm:pt>
     <dgm:pt modelId="{E40C5F05-0338-45A8-B7D0-E8A053335D38}" type="pres">
-      <dgm:prSet presAssocID="{7958BAF1-AC0E-4C1B-B8C7-3A4CD7E685F1}" presName="Name37" presStyleLbl="parChTrans1D4" presStyleIdx="1" presStyleCnt="3"/>
+      <dgm:prSet presAssocID="{7958BAF1-AC0E-4C1B-B8C7-3A4CD7E685F1}" presName="Name37" presStyleLbl="parChTrans1D4" presStyleIdx="1" presStyleCnt="2"/>
       <dgm:spPr/>
       <dgm:t>
         <a:bodyPr/>
@@ -4838,7 +4794,7 @@
       <dgm:spPr/>
     </dgm:pt>
     <dgm:pt modelId="{DF81E026-8D62-4CFD-8127-7E01BB051911}" type="pres">
-      <dgm:prSet presAssocID="{7B73A93D-1999-4910-A10B-4A7287EC5FD2}" presName="rootText" presStyleLbl="node1" presStyleIdx="17" presStyleCnt="20">
+      <dgm:prSet presAssocID="{7B73A93D-1999-4910-A10B-4A7287EC5FD2}" presName="rootText" presStyleLbl="node1" presStyleIdx="17" presStyleCnt="19">
         <dgm:presLayoutVars>
           <dgm:chMax/>
           <dgm:chPref val="3"/>
@@ -4854,7 +4810,7 @@
       </dgm:t>
     </dgm:pt>
     <dgm:pt modelId="{924AB995-52E5-4691-B0B0-CD1C97DD046B}" type="pres">
-      <dgm:prSet presAssocID="{7B73A93D-1999-4910-A10B-4A7287EC5FD2}" presName="titleText2" presStyleLbl="fgAcc1" presStyleIdx="17" presStyleCnt="20">
+      <dgm:prSet presAssocID="{7B73A93D-1999-4910-A10B-4A7287EC5FD2}" presName="titleText2" presStyleLbl="fgAcc1" presStyleIdx="17" presStyleCnt="19">
         <dgm:presLayoutVars>
           <dgm:chMax val="0"/>
           <dgm:chPref val="0"/>
@@ -4886,80 +4842,6 @@
     </dgm:pt>
     <dgm:pt modelId="{69D9C748-D251-45AC-AD63-903854A6D29E}" type="pres">
       <dgm:prSet presAssocID="{7B73A93D-1999-4910-A10B-4A7287EC5FD2}" presName="hierChild5" presStyleCnt="0"/>
-      <dgm:spPr/>
-    </dgm:pt>
-    <dgm:pt modelId="{5B084459-FB95-42C9-8D52-80E46892DA63}" type="pres">
-      <dgm:prSet presAssocID="{14FACFD4-F83B-4F0E-A340-2DB2F6C66AD7}" presName="Name37" presStyleLbl="parChTrans1D4" presStyleIdx="2" presStyleCnt="3"/>
-      <dgm:spPr/>
-      <dgm:t>
-        <a:bodyPr/>
-        <a:lstStyle/>
-        <a:p>
-          <a:endParaRPr lang="en-US"/>
-        </a:p>
-      </dgm:t>
-    </dgm:pt>
-    <dgm:pt modelId="{1442F8E7-DA4C-43CF-91A3-C533361C3F38}" type="pres">
-      <dgm:prSet presAssocID="{3DCEE1FB-48D6-4804-96BC-AF81DFB1F4BE}" presName="hierRoot2" presStyleCnt="0">
-        <dgm:presLayoutVars>
-          <dgm:hierBranch val="init"/>
-        </dgm:presLayoutVars>
-      </dgm:prSet>
-      <dgm:spPr/>
-    </dgm:pt>
-    <dgm:pt modelId="{66C2624F-DECF-48F5-9A17-D35A8E40CF5E}" type="pres">
-      <dgm:prSet presAssocID="{3DCEE1FB-48D6-4804-96BC-AF81DFB1F4BE}" presName="rootComposite" presStyleCnt="0"/>
-      <dgm:spPr/>
-    </dgm:pt>
-    <dgm:pt modelId="{28C31169-EC05-4603-96D5-FA22A046780E}" type="pres">
-      <dgm:prSet presAssocID="{3DCEE1FB-48D6-4804-96BC-AF81DFB1F4BE}" presName="rootText" presStyleLbl="node1" presStyleIdx="18" presStyleCnt="20">
-        <dgm:presLayoutVars>
-          <dgm:chMax/>
-          <dgm:chPref val="3"/>
-        </dgm:presLayoutVars>
-      </dgm:prSet>
-      <dgm:spPr/>
-      <dgm:t>
-        <a:bodyPr/>
-        <a:lstStyle/>
-        <a:p>
-          <a:endParaRPr lang="en-US"/>
-        </a:p>
-      </dgm:t>
-    </dgm:pt>
-    <dgm:pt modelId="{7F716FD6-172F-4228-B3DC-34B93A56214D}" type="pres">
-      <dgm:prSet presAssocID="{3DCEE1FB-48D6-4804-96BC-AF81DFB1F4BE}" presName="titleText2" presStyleLbl="fgAcc1" presStyleIdx="18" presStyleCnt="20">
-        <dgm:presLayoutVars>
-          <dgm:chMax val="0"/>
-          <dgm:chPref val="0"/>
-        </dgm:presLayoutVars>
-      </dgm:prSet>
-      <dgm:spPr/>
-      <dgm:t>
-        <a:bodyPr/>
-        <a:lstStyle/>
-        <a:p>
-          <a:endParaRPr lang="en-US"/>
-        </a:p>
-      </dgm:t>
-    </dgm:pt>
-    <dgm:pt modelId="{BF279589-EF5A-4984-8472-BFFBC21D1A1A}" type="pres">
-      <dgm:prSet presAssocID="{3DCEE1FB-48D6-4804-96BC-AF81DFB1F4BE}" presName="rootConnector" presStyleLbl="node4" presStyleIdx="0" presStyleCnt="0"/>
-      <dgm:spPr/>
-      <dgm:t>
-        <a:bodyPr/>
-        <a:lstStyle/>
-        <a:p>
-          <a:endParaRPr lang="en-US"/>
-        </a:p>
-      </dgm:t>
-    </dgm:pt>
-    <dgm:pt modelId="{195CBE7A-E710-460C-996F-1E848B22A53D}" type="pres">
-      <dgm:prSet presAssocID="{3DCEE1FB-48D6-4804-96BC-AF81DFB1F4BE}" presName="hierChild4" presStyleCnt="0"/>
-      <dgm:spPr/>
-    </dgm:pt>
-    <dgm:pt modelId="{73FAE778-E2FB-42FF-9161-892F47282E88}" type="pres">
-      <dgm:prSet presAssocID="{3DCEE1FB-48D6-4804-96BC-AF81DFB1F4BE}" presName="hierChild5" presStyleCnt="0"/>
       <dgm:spPr/>
     </dgm:pt>
     <dgm:pt modelId="{1F49B298-AC83-450C-ABC1-F265ED0A9434}" type="pres">
@@ -4990,7 +4872,7 @@
       <dgm:spPr/>
     </dgm:pt>
     <dgm:pt modelId="{53E57540-F07D-4AD0-801A-F2AEFDAC6361}" type="pres">
-      <dgm:prSet presAssocID="{86A71A5C-84DA-47D8-98E2-97D31FE5DF8F}" presName="rootText" presStyleLbl="node1" presStyleIdx="19" presStyleCnt="20">
+      <dgm:prSet presAssocID="{86A71A5C-84DA-47D8-98E2-97D31FE5DF8F}" presName="rootText" presStyleLbl="node1" presStyleIdx="18" presStyleCnt="19">
         <dgm:presLayoutVars>
           <dgm:chMax/>
           <dgm:chPref val="3"/>
@@ -5006,7 +4888,7 @@
       </dgm:t>
     </dgm:pt>
     <dgm:pt modelId="{9F7A1D53-E16F-4AD8-AF3E-59D7C104F119}" type="pres">
-      <dgm:prSet presAssocID="{86A71A5C-84DA-47D8-98E2-97D31FE5DF8F}" presName="titleText2" presStyleLbl="fgAcc1" presStyleIdx="19" presStyleCnt="20">
+      <dgm:prSet presAssocID="{86A71A5C-84DA-47D8-98E2-97D31FE5DF8F}" presName="titleText2" presStyleLbl="fgAcc1" presStyleIdx="18" presStyleCnt="19">
         <dgm:presLayoutVars>
           <dgm:chMax val="0"/>
           <dgm:chPref val="0"/>
@@ -5050,278 +4932,265 @@
     </dgm:pt>
   </dgm:ptLst>
   <dgm:cxnLst>
-    <dgm:cxn modelId="{9CBD5FBD-F13C-44EC-BE26-8AF4A727B61A}" srcId="{B4004ED0-5747-4E91-A59B-6D917C70026C}" destId="{3DCEE1FB-48D6-4804-96BC-AF81DFB1F4BE}" srcOrd="2" destOrd="0" parTransId="{14FACFD4-F83B-4F0E-A340-2DB2F6C66AD7}" sibTransId="{D20A098D-1842-419C-A873-AEB168A0938C}"/>
-    <dgm:cxn modelId="{7697F4BF-7EDC-481F-8C47-F85978189ADE}" type="presOf" srcId="{0B74BEE4-2FFC-4996-AF92-6CE7164FBD9A}" destId="{D0696D74-BB52-428D-8797-9FAAE6454F09}" srcOrd="1" destOrd="0" presId="urn:microsoft.com/office/officeart/2008/layout/NameandTitleOrganizationalChart"/>
-    <dgm:cxn modelId="{B7B2DCB9-1073-4E83-9D2A-92C5B6223457}" type="presOf" srcId="{2E4954EE-BF40-4C02-B746-0281CA8DF6F9}" destId="{C48C0AD5-7FDA-402D-8C54-E342ACEB9FDD}" srcOrd="0" destOrd="0" presId="urn:microsoft.com/office/officeart/2008/layout/NameandTitleOrganizationalChart"/>
-    <dgm:cxn modelId="{D437072B-3C53-4B2C-92C6-9E579555573E}" type="presOf" srcId="{7B73A93D-1999-4910-A10B-4A7287EC5FD2}" destId="{DF81E026-8D62-4CFD-8127-7E01BB051911}" srcOrd="0" destOrd="0" presId="urn:microsoft.com/office/officeart/2008/layout/NameandTitleOrganizationalChart"/>
+    <dgm:cxn modelId="{3C5B917C-366C-4D28-A826-ADEFF433915E}" type="presOf" srcId="{C10F6338-9841-4CD1-AFD1-284999EABFF2}" destId="{3ECB79BF-956F-4515-82CE-A34E2A419DED}" srcOrd="0" destOrd="0" presId="urn:microsoft.com/office/officeart/2008/layout/NameandTitleOrganizationalChart"/>
+    <dgm:cxn modelId="{94ED5A11-2E61-4F19-B1DA-456EF9B8D3AE}" type="presOf" srcId="{1D77B77E-6463-40AE-9FE1-1B42CE4CE445}" destId="{B8678737-CE7A-439C-B1F9-46646F440843}" srcOrd="0" destOrd="0" presId="urn:microsoft.com/office/officeart/2008/layout/NameandTitleOrganizationalChart"/>
+    <dgm:cxn modelId="{3713B88E-BA5F-4AC3-898F-DE5B5373144A}" type="presOf" srcId="{BD5928DC-A586-4D52-A77B-27128F3B96B2}" destId="{55B4F1BF-50C6-4C22-949C-BA9C1E23C5FB}" srcOrd="0" destOrd="0" presId="urn:microsoft.com/office/officeart/2008/layout/NameandTitleOrganizationalChart"/>
+    <dgm:cxn modelId="{2222325D-923B-4ED1-959F-0833612D8F50}" type="presOf" srcId="{441787D9-1671-404B-ACD0-CF717B221097}" destId="{C7AEA70C-6D94-449E-9630-786CC9F377F0}" srcOrd="0" destOrd="0" presId="urn:microsoft.com/office/officeart/2008/layout/NameandTitleOrganizationalChart"/>
+    <dgm:cxn modelId="{8CA1365F-3E26-4FC2-9378-CFD9EB00051A}" type="presOf" srcId="{839D0158-2D7A-439B-96A9-1BF3FE626DDC}" destId="{555700FD-AA40-4582-B659-59AC4E37F049}" srcOrd="0" destOrd="0" presId="urn:microsoft.com/office/officeart/2008/layout/NameandTitleOrganizationalChart"/>
+    <dgm:cxn modelId="{119340ED-1400-443B-9E12-9F009A8762C1}" type="presOf" srcId="{EF360562-5E1C-4A81-AF60-EBAEEE7278B6}" destId="{4FC0B709-2FD3-435C-A778-E0A0FCB0CF86}" srcOrd="0" destOrd="0" presId="urn:microsoft.com/office/officeart/2008/layout/NameandTitleOrganizationalChart"/>
+    <dgm:cxn modelId="{87AC8BFC-94F0-4681-9358-72734138BFDD}" type="presOf" srcId="{92479511-64C4-41C1-A900-F21D820C1777}" destId="{A6BB3BB5-F189-4A90-B369-04D4E83D3F6C}" srcOrd="0" destOrd="0" presId="urn:microsoft.com/office/officeart/2008/layout/NameandTitleOrganizationalChart"/>
+    <dgm:cxn modelId="{639EC14A-F58D-4AC5-A83A-494AC91354CB}" type="presOf" srcId="{876C00F9-F4DC-460A-86FB-A95C17B0B838}" destId="{9AAEC09D-7BC5-4EE4-89C0-F7CBBA842612}" srcOrd="1" destOrd="0" presId="urn:microsoft.com/office/officeart/2008/layout/NameandTitleOrganizationalChart"/>
+    <dgm:cxn modelId="{4D4CAB76-7FE2-4690-AB8E-35DBAF242697}" type="presOf" srcId="{7968A9B6-6788-4558-8319-D9450A153A57}" destId="{DF34769E-4D2F-4126-BB2D-4B4F109CD033}" srcOrd="0" destOrd="0" presId="urn:microsoft.com/office/officeart/2008/layout/NameandTitleOrganizationalChart"/>
+    <dgm:cxn modelId="{C9A88214-83D2-45B5-9B83-5F9D39FB662E}" type="presOf" srcId="{DEED3D8B-AD70-47D9-8789-8CDEB3F75D86}" destId="{F53F67C0-7E76-44D4-884F-9AC6B9873796}" srcOrd="1" destOrd="0" presId="urn:microsoft.com/office/officeart/2008/layout/NameandTitleOrganizationalChart"/>
+    <dgm:cxn modelId="{BE6B20C3-4CCE-48E6-8B31-5C244C760982}" type="presOf" srcId="{19127AE9-BD2E-45E1-A492-3B7C2D1C6F2D}" destId="{0515EDE4-C812-4B8D-BEEF-9837D84150D0}" srcOrd="0" destOrd="0" presId="urn:microsoft.com/office/officeart/2008/layout/NameandTitleOrganizationalChart"/>
+    <dgm:cxn modelId="{8CF19449-683E-4C59-AC25-C6246773EA51}" type="presOf" srcId="{98310832-3890-459E-815F-2A4D5C2E0FA0}" destId="{70C66616-33FA-4CCF-A1A3-BCA0E7916AFC}" srcOrd="0" destOrd="0" presId="urn:microsoft.com/office/officeart/2008/layout/NameandTitleOrganizationalChart"/>
+    <dgm:cxn modelId="{105133FA-0E85-403F-9EA7-97F327D896C3}" type="presOf" srcId="{A9F4D88D-4132-4EAF-B724-9AA7085ED846}" destId="{56F7B4C0-ABE6-47C3-BD17-563D7F841F63}" srcOrd="1" destOrd="0" presId="urn:microsoft.com/office/officeart/2008/layout/NameandTitleOrganizationalChart"/>
+    <dgm:cxn modelId="{67A6635C-D562-4E70-9C47-656385C9F7C1}" type="presOf" srcId="{FC15B22A-B6DA-4BC6-9C69-FBCCE6130988}" destId="{CE2E4353-BD8A-4F45-A638-E6358569883D}" srcOrd="0" destOrd="0" presId="urn:microsoft.com/office/officeart/2008/layout/NameandTitleOrganizationalChart"/>
+    <dgm:cxn modelId="{B15A38AD-2A52-4845-8E2B-F217A464AFE7}" type="presOf" srcId="{B4004ED0-5747-4E91-A59B-6D917C70026C}" destId="{010D3747-F6B2-4080-9FFF-0FCCED84BDC0}" srcOrd="1" destOrd="0" presId="urn:microsoft.com/office/officeart/2008/layout/NameandTitleOrganizationalChart"/>
+    <dgm:cxn modelId="{F0639B5F-010C-4F15-B140-DDD5AC13C0FB}" type="presOf" srcId="{7354ABA8-9E80-429F-B1E9-156C636CA7FA}" destId="{A915B997-D069-4A8C-B1E7-D46EF803B71E}" srcOrd="0" destOrd="0" presId="urn:microsoft.com/office/officeart/2008/layout/NameandTitleOrganizationalChart"/>
+    <dgm:cxn modelId="{DC67D55E-D866-4C95-98DE-1120565FAB6A}" type="presOf" srcId="{9633CF23-5BFC-4CA1-B291-0F9C5ACED95A}" destId="{4D5260ED-8E71-43CF-B018-BE752892951C}" srcOrd="0" destOrd="0" presId="urn:microsoft.com/office/officeart/2008/layout/NameandTitleOrganizationalChart"/>
+    <dgm:cxn modelId="{B3558280-C0CD-4C5A-B621-C74687F8DE36}" srcId="{179106C3-F190-4BD3-BC41-BEBA58C28C4A}" destId="{F7829F92-C1D2-4A56-BD64-4CFC1900FEC0}" srcOrd="0" destOrd="0" parTransId="{D4457421-2F1E-4078-85D6-83C82A54A7EA}" sibTransId="{C10F6338-9841-4CD1-AFD1-284999EABFF2}"/>
+    <dgm:cxn modelId="{269D55A4-2083-45FC-BC48-CEB957CCCF57}" type="presOf" srcId="{A13B94FC-67E7-4CBC-8EFC-B616EF306B84}" destId="{F5E01D96-F901-42BD-8A6F-51F03A5B3052}" srcOrd="0" destOrd="0" presId="urn:microsoft.com/office/officeart/2008/layout/NameandTitleOrganizationalChart"/>
+    <dgm:cxn modelId="{AB7B3292-3427-4A3C-B868-88D69C0F1BE8}" type="presOf" srcId="{4B0D2A92-7CFF-4912-8108-66562344DE63}" destId="{0FD5DF1D-EC21-4B09-AC24-AA027332DCDD}" srcOrd="0" destOrd="0" presId="urn:microsoft.com/office/officeart/2008/layout/NameandTitleOrganizationalChart"/>
+    <dgm:cxn modelId="{359C9E8C-4556-41D8-9481-56768C3F9235}" type="presOf" srcId="{7968A9B6-6788-4558-8319-D9450A153A57}" destId="{03155D01-EEDA-410A-BB21-82536405A280}" srcOrd="1" destOrd="0" presId="urn:microsoft.com/office/officeart/2008/layout/NameandTitleOrganizationalChart"/>
+    <dgm:cxn modelId="{C26B034E-DA1D-4D2E-800B-CDBEB7DB94C0}" srcId="{A59A882A-DB75-41DB-B951-04286F711748}" destId="{66B814A5-3D43-465C-A767-670B97E547F1}" srcOrd="0" destOrd="0" parTransId="{7354ABA8-9E80-429F-B1E9-156C636CA7FA}" sibTransId="{A13B94FC-67E7-4CBC-8EFC-B616EF306B84}"/>
+    <dgm:cxn modelId="{61F1983F-D703-48F9-B7F7-CCE5042E9E08}" type="presOf" srcId="{A59A882A-DB75-41DB-B951-04286F711748}" destId="{4A3C919E-E6ED-4AE4-A060-6F2B545E9E90}" srcOrd="0" destOrd="0" presId="urn:microsoft.com/office/officeart/2008/layout/NameandTitleOrganizationalChart"/>
+    <dgm:cxn modelId="{B9074A9D-A0B4-46F1-8497-006683399EA6}" type="presOf" srcId="{86A71A5C-84DA-47D8-98E2-97D31FE5DF8F}" destId="{A7095C8A-4BDF-4D4B-AE92-21855B2E53F7}" srcOrd="1" destOrd="0" presId="urn:microsoft.com/office/officeart/2008/layout/NameandTitleOrganizationalChart"/>
+    <dgm:cxn modelId="{B367A851-3E4E-4312-A9AB-CF7CE00428DB}" srcId="{0B74BEE4-2FFC-4996-AF92-6CE7164FBD9A}" destId="{661C8416-2309-47AC-8FAB-6743BC342425}" srcOrd="1" destOrd="0" parTransId="{0D1F3A8F-3F9C-46BD-8C9D-7CED5DBAE0B9}" sibTransId="{2E4954EE-BF40-4C02-B746-0281CA8DF6F9}"/>
+    <dgm:cxn modelId="{48E21A35-62CD-49C7-9753-782F4F195C95}" type="presOf" srcId="{3364D6F5-F7E7-49CE-B10C-C112F03EC495}" destId="{6B22B48A-0202-4F36-B2F7-FB3011BAC22B}" srcOrd="0" destOrd="0" presId="urn:microsoft.com/office/officeart/2008/layout/NameandTitleOrganizationalChart"/>
+    <dgm:cxn modelId="{3DE3BCC7-86C3-40E0-BBDF-487841C344C8}" type="presOf" srcId="{452CF9BE-6602-4664-89EC-DEAFB834CB92}" destId="{ABF75C28-00CF-4ED6-9781-A854999AFAA9}" srcOrd="0" destOrd="0" presId="urn:microsoft.com/office/officeart/2008/layout/NameandTitleOrganizationalChart"/>
+    <dgm:cxn modelId="{16F26708-D5C3-4902-823A-0967E1862630}" type="presOf" srcId="{BBC5FBD0-C1F6-45C5-964C-E7526E4C4A4E}" destId="{A1C40F7D-B33A-4D66-8640-9219BB096776}" srcOrd="0" destOrd="0" presId="urn:microsoft.com/office/officeart/2008/layout/NameandTitleOrganizationalChart"/>
+    <dgm:cxn modelId="{9AFB1BEA-349A-4FB6-881F-CDE369196150}" type="presOf" srcId="{661C8416-2309-47AC-8FAB-6743BC342425}" destId="{8640947B-194A-47A9-B1AF-1EA261CF2D9A}" srcOrd="0" destOrd="0" presId="urn:microsoft.com/office/officeart/2008/layout/NameandTitleOrganizationalChart"/>
+    <dgm:cxn modelId="{44EFE6BB-05FE-454A-AC79-9D410A37D27C}" type="presOf" srcId="{66B814A5-3D43-465C-A767-670B97E547F1}" destId="{61AB0F4D-CF14-4B60-BD1D-D6A5B82A4AE4}" srcOrd="0" destOrd="0" presId="urn:microsoft.com/office/officeart/2008/layout/NameandTitleOrganizationalChart"/>
+    <dgm:cxn modelId="{502A25CD-97EC-45B6-BEFC-ABC129BC3195}" type="presOf" srcId="{2E4954EE-BF40-4C02-B746-0281CA8DF6F9}" destId="{C48C0AD5-7FDA-402D-8C54-E342ACEB9FDD}" srcOrd="0" destOrd="0" presId="urn:microsoft.com/office/officeart/2008/layout/NameandTitleOrganizationalChart"/>
+    <dgm:cxn modelId="{1EBC27CB-5D64-49DF-A95C-E91344A300F4}" type="presOf" srcId="{54D5FA36-A3D8-4678-ACD4-FE4D9BECE446}" destId="{AFB9D362-2BF1-4804-8A88-816D440A7C19}" srcOrd="0" destOrd="0" presId="urn:microsoft.com/office/officeart/2008/layout/NameandTitleOrganizationalChart"/>
+    <dgm:cxn modelId="{0CE35A28-4056-406D-9C32-8C88CA9267E0}" srcId="{19127AE9-BD2E-45E1-A492-3B7C2D1C6F2D}" destId="{839D0158-2D7A-439B-96A9-1BF3FE626DDC}" srcOrd="0" destOrd="0" parTransId="{030FCB8D-FC0A-4F74-AFF7-56F2D3CDE7A7}" sibTransId="{C8740853-7ABC-4344-BDBB-CA1A0A5268B0}"/>
+    <dgm:cxn modelId="{BB46BF90-BE07-4C23-A31A-7994B701126E}" type="presOf" srcId="{E4D015CA-A6DE-45A8-9CA9-57F6ECA786E1}" destId="{90FBBA83-F3A2-496E-B603-5C919CDC1663}" srcOrd="0" destOrd="0" presId="urn:microsoft.com/office/officeart/2008/layout/NameandTitleOrganizationalChart"/>
+    <dgm:cxn modelId="{D52E0DA1-3A99-4122-B08A-DBD1AC66890A}" type="presOf" srcId="{179106C3-F190-4BD3-BC41-BEBA58C28C4A}" destId="{D4BF0491-8AF1-4260-8571-05B457FDA218}" srcOrd="1" destOrd="0" presId="urn:microsoft.com/office/officeart/2008/layout/NameandTitleOrganizationalChart"/>
+    <dgm:cxn modelId="{4C001A71-7937-4D52-833B-5DCE620F3129}" type="presOf" srcId="{F7829F92-C1D2-4A56-BD64-4CFC1900FEC0}" destId="{ACBB3B08-68C2-4344-A50D-E204FD0C0CFB}" srcOrd="0" destOrd="0" presId="urn:microsoft.com/office/officeart/2008/layout/NameandTitleOrganizationalChart"/>
+    <dgm:cxn modelId="{801275B1-8361-4693-8868-768D735B858A}" srcId="{839D0158-2D7A-439B-96A9-1BF3FE626DDC}" destId="{6F5B298D-7679-40B4-9A1D-1B61326E82DE}" srcOrd="9" destOrd="0" parTransId="{CD987D68-B29C-4128-8E18-9EA8E1C568EF}" sibTransId="{29C78A7A-A19E-4A26-BA7E-F5DCB01B3A00}"/>
+    <dgm:cxn modelId="{557BAECF-AD04-48B9-80C0-6E92447FA9AE}" type="presOf" srcId="{5993E7F5-AC4B-4F78-A6D1-6E6A5C300500}" destId="{4A414198-6913-4403-B86E-D9CC3557EE96}" srcOrd="0" destOrd="0" presId="urn:microsoft.com/office/officeart/2008/layout/NameandTitleOrganizationalChart"/>
+    <dgm:cxn modelId="{ACF4D363-6967-4EDB-BBC7-AC9B7980FB70}" type="presOf" srcId="{2526126A-692D-4A54-91CB-3B7A87B10582}" destId="{45A787A3-FFA2-407A-BB12-A7C99D2DDA1B}" srcOrd="0" destOrd="0" presId="urn:microsoft.com/office/officeart/2008/layout/NameandTitleOrganizationalChart"/>
+    <dgm:cxn modelId="{6DB9D295-F7B3-4F55-8ECE-F187A7EC7866}" type="presOf" srcId="{0B74BEE4-2FFC-4996-AF92-6CE7164FBD9A}" destId="{5869D7B0-BA87-41ED-83EA-DF4BB10E1B9B}" srcOrd="0" destOrd="0" presId="urn:microsoft.com/office/officeart/2008/layout/NameandTitleOrganizationalChart"/>
+    <dgm:cxn modelId="{1701C702-F4E0-424C-8C3D-CF7B0D330D11}" type="presOf" srcId="{661C8416-2309-47AC-8FAB-6743BC342425}" destId="{1B539F46-2427-4495-B461-E8B9E90B0F50}" srcOrd="1" destOrd="0" presId="urn:microsoft.com/office/officeart/2008/layout/NameandTitleOrganizationalChart"/>
+    <dgm:cxn modelId="{16713121-8851-4337-8ED0-F9968EC19052}" type="presOf" srcId="{0D1F3A8F-3F9C-46BD-8C9D-7CED5DBAE0B9}" destId="{04E9606A-0524-4A97-AE53-27041C1DD722}" srcOrd="0" destOrd="0" presId="urn:microsoft.com/office/officeart/2008/layout/NameandTitleOrganizationalChart"/>
+    <dgm:cxn modelId="{5DA2EEC0-9C5E-4C07-ACC2-7C0F272B0F96}" srcId="{839D0158-2D7A-439B-96A9-1BF3FE626DDC}" destId="{DEED3D8B-AD70-47D9-8789-8CDEB3F75D86}" srcOrd="0" destOrd="0" parTransId="{92479511-64C4-41C1-A900-F21D820C1777}" sibTransId="{4B0D2A92-7CFF-4912-8108-66562344DE63}"/>
+    <dgm:cxn modelId="{7A677754-BABF-4D3B-A1DE-5445F7E8B772}" type="presOf" srcId="{A59A882A-DB75-41DB-B951-04286F711748}" destId="{2A230014-4953-407B-9C6D-3E2CCF513391}" srcOrd="1" destOrd="0" presId="urn:microsoft.com/office/officeart/2008/layout/NameandTitleOrganizationalChart"/>
+    <dgm:cxn modelId="{2593650B-B614-4D95-B6C6-1767C63121FA}" type="presOf" srcId="{CA2D6A72-D640-4EB9-9F50-B58031E05322}" destId="{4933D671-7E56-43F7-8E77-31F8A7226A7E}" srcOrd="0" destOrd="0" presId="urn:microsoft.com/office/officeart/2008/layout/NameandTitleOrganizationalChart"/>
+    <dgm:cxn modelId="{53087F12-8ED6-4EBC-999D-A136E05265C2}" srcId="{A59A882A-DB75-41DB-B951-04286F711748}" destId="{7C310BC2-4A8D-4D92-B685-8EA0559FF6E9}" srcOrd="1" destOrd="0" parTransId="{FC15B22A-B6DA-4BC6-9C69-FBCCE6130988}" sibTransId="{2DD29D65-0C80-4BD4-BEBE-6312B8FC4F32}"/>
+    <dgm:cxn modelId="{3E509FA4-72BB-4A30-916B-F10814F75A00}" type="presOf" srcId="{7958BAF1-AC0E-4C1B-B8C7-3A4CD7E685F1}" destId="{E40C5F05-0338-45A8-B7D0-E8A053335D38}" srcOrd="0" destOrd="0" presId="urn:microsoft.com/office/officeart/2008/layout/NameandTitleOrganizationalChart"/>
+    <dgm:cxn modelId="{9E04A274-1FA9-4538-B2A3-75EDE40C2604}" type="presOf" srcId="{2DD29D65-0C80-4BD4-BEBE-6312B8FC4F32}" destId="{857C9215-7C13-4516-AC18-FD3F2C4BFD5F}" srcOrd="0" destOrd="0" presId="urn:microsoft.com/office/officeart/2008/layout/NameandTitleOrganizationalChart"/>
+    <dgm:cxn modelId="{92E1DDE8-70F9-41EC-BCA7-B35532A3D46C}" srcId="{B4004ED0-5747-4E91-A59B-6D917C70026C}" destId="{7B73A93D-1999-4910-A10B-4A7287EC5FD2}" srcOrd="1" destOrd="0" parTransId="{7958BAF1-AC0E-4C1B-B8C7-3A4CD7E685F1}" sibTransId="{9CAABF24-0288-48A9-9D16-D93236A22541}"/>
+    <dgm:cxn modelId="{D971449A-5143-4010-BECC-52224C5BFBA9}" srcId="{B4004ED0-5747-4E91-A59B-6D917C70026C}" destId="{876C00F9-F4DC-460A-86FB-A95C17B0B838}" srcOrd="0" destOrd="0" parTransId="{BBC5FBD0-C1F6-45C5-964C-E7526E4C4A4E}" sibTransId="{1546509B-B051-47E7-AECB-3C64EE4630DE}"/>
+    <dgm:cxn modelId="{ED9CA9E1-6652-413F-A70E-49DF282CCAE8}" type="presOf" srcId="{E3496A37-7A15-4496-8852-4FCC727CF4FE}" destId="{CC3A7496-1B4D-4162-A553-EB4E0CE86024}" srcOrd="0" destOrd="0" presId="urn:microsoft.com/office/officeart/2008/layout/NameandTitleOrganizationalChart"/>
+    <dgm:cxn modelId="{D5B8232D-06CF-46C8-81F6-218253B13B1F}" type="presOf" srcId="{66B814A5-3D43-465C-A767-670B97E547F1}" destId="{E647ED3E-EC79-4DD6-A13C-2DDECC481E0D}" srcOrd="1" destOrd="0" presId="urn:microsoft.com/office/officeart/2008/layout/NameandTitleOrganizationalChart"/>
+    <dgm:cxn modelId="{89053D64-BC43-4D50-89E7-39ACB61D04AC}" type="presOf" srcId="{8360DCAC-8921-42E0-9DA3-F67B2920AC10}" destId="{29E9665A-8523-4979-A9A9-9985C65AD5BF}" srcOrd="0" destOrd="0" presId="urn:microsoft.com/office/officeart/2008/layout/NameandTitleOrganizationalChart"/>
+    <dgm:cxn modelId="{B601A6C3-2689-40F2-8592-7A33C144D4E3}" type="presOf" srcId="{178422F2-C4EF-451F-A4AF-9E547E0A5107}" destId="{D693B454-6F4B-4970-B8B6-949289197DB8}" srcOrd="0" destOrd="0" presId="urn:microsoft.com/office/officeart/2008/layout/NameandTitleOrganizationalChart"/>
+    <dgm:cxn modelId="{7CC653DA-CEC4-4DF3-B046-54880250B103}" type="presOf" srcId="{83592EB9-3381-45F0-82A0-8B6D444044AF}" destId="{CAE0588A-30B1-498D-83C1-854AB145B671}" srcOrd="1" destOrd="0" presId="urn:microsoft.com/office/officeart/2008/layout/NameandTitleOrganizationalChart"/>
+    <dgm:cxn modelId="{AD8DA0E4-1854-48DC-BD00-581111CC071E}" type="presOf" srcId="{876C00F9-F4DC-460A-86FB-A95C17B0B838}" destId="{35F89F19-3BE9-457B-A320-CF709CA75AF1}" srcOrd="0" destOrd="0" presId="urn:microsoft.com/office/officeart/2008/layout/NameandTitleOrganizationalChart"/>
+    <dgm:cxn modelId="{F88B79F8-199C-4156-B804-50FA6D6DBF89}" type="presOf" srcId="{A9F4D88D-4132-4EAF-B724-9AA7085ED846}" destId="{A87A984C-6CFD-4577-959C-7E3FFD394C91}" srcOrd="0" destOrd="0" presId="urn:microsoft.com/office/officeart/2008/layout/NameandTitleOrganizationalChart"/>
+    <dgm:cxn modelId="{6B3359CA-A9E1-4EC1-BBA9-AE993F19CEE8}" srcId="{839D0158-2D7A-439B-96A9-1BF3FE626DDC}" destId="{0B74BEE4-2FFC-4996-AF92-6CE7164FBD9A}" srcOrd="8" destOrd="0" parTransId="{E3496A37-7A15-4496-8852-4FCC727CF4FE}" sibTransId="{5BFC521A-6CDA-416E-BC9B-E6C28D4631DD}"/>
+    <dgm:cxn modelId="{ABB8F577-DDCC-4152-B5AC-AE0BF3930BE2}" srcId="{839D0158-2D7A-439B-96A9-1BF3FE626DDC}" destId="{8831E232-1DDF-4F98-A671-873C040D256E}" srcOrd="3" destOrd="0" parTransId="{5993E7F5-AC4B-4F78-A6D1-6E6A5C300500}" sibTransId="{441787D9-1671-404B-ACD0-CF717B221097}"/>
+    <dgm:cxn modelId="{5644385E-DB47-42C8-AF35-7EE20050C77D}" srcId="{839D0158-2D7A-439B-96A9-1BF3FE626DDC}" destId="{54D5FA36-A3D8-4678-ACD4-FE4D9BECE446}" srcOrd="5" destOrd="0" parTransId="{EF360562-5E1C-4A81-AF60-EBAEEE7278B6}" sibTransId="{BD5928DC-A586-4D52-A77B-27128F3B96B2}"/>
+    <dgm:cxn modelId="{016AB22E-3384-470C-B42E-C5168C0941ED}" type="presOf" srcId="{9CAABF24-0288-48A9-9D16-D93236A22541}" destId="{924AB995-52E5-4691-B0B0-CD1C97DD046B}" srcOrd="0" destOrd="0" presId="urn:microsoft.com/office/officeart/2008/layout/NameandTitleOrganizationalChart"/>
+    <dgm:cxn modelId="{9DD5FDF6-261A-4B75-AE98-83976C13BD44}" type="presOf" srcId="{7B73A93D-1999-4910-A10B-4A7287EC5FD2}" destId="{DF81E026-8D62-4CFD-8127-7E01BB051911}" srcOrd="0" destOrd="0" presId="urn:microsoft.com/office/officeart/2008/layout/NameandTitleOrganizationalChart"/>
+    <dgm:cxn modelId="{AB94E84C-23A3-4B56-850B-2206B2E84C05}" type="presOf" srcId="{6F5B298D-7679-40B4-9A1D-1B61326E82DE}" destId="{14D029E2-857D-44DD-8D05-298004F76829}" srcOrd="0" destOrd="0" presId="urn:microsoft.com/office/officeart/2008/layout/NameandTitleOrganizationalChart"/>
+    <dgm:cxn modelId="{646E4872-2E37-44C0-8344-4E11E759E759}" type="presOf" srcId="{5BFC521A-6CDA-416E-BC9B-E6C28D4631DD}" destId="{E54940C6-58E8-4CBA-B778-765232A8B46F}" srcOrd="0" destOrd="0" presId="urn:microsoft.com/office/officeart/2008/layout/NameandTitleOrganizationalChart"/>
+    <dgm:cxn modelId="{F3FC9E35-77F7-47F7-B3DF-B71E5084B06B}" srcId="{6F5B298D-7679-40B4-9A1D-1B61326E82DE}" destId="{B4004ED0-5747-4E91-A59B-6D917C70026C}" srcOrd="0" destOrd="0" parTransId="{9633CF23-5BFC-4CA1-B291-0F9C5ACED95A}" sibTransId="{98310832-3890-459E-815F-2A4D5C2E0FA0}"/>
+    <dgm:cxn modelId="{1AE5F7EA-674F-4C52-BE2D-5AB67E713114}" type="presOf" srcId="{7C310BC2-4A8D-4D92-B685-8EA0559FF6E9}" destId="{CDF69DB3-4B84-4537-9CD9-B425CFF0D429}" srcOrd="1" destOrd="0" presId="urn:microsoft.com/office/officeart/2008/layout/NameandTitleOrganizationalChart"/>
+    <dgm:cxn modelId="{DA37EC02-56A7-4524-8B58-0706335153EE}" type="presOf" srcId="{7C310BC2-4A8D-4D92-B685-8EA0559FF6E9}" destId="{0A2CE9A4-8D25-49F6-8B49-D81B37C989C7}" srcOrd="0" destOrd="0" presId="urn:microsoft.com/office/officeart/2008/layout/NameandTitleOrganizationalChart"/>
+    <dgm:cxn modelId="{B0A8BBFE-9172-443C-B248-6118225A134C}" type="presOf" srcId="{3E15AE75-C3E9-441B-9AE9-1D007AD52404}" destId="{8BA98E0A-A619-4440-8B4C-83924A4097B9}" srcOrd="0" destOrd="0" presId="urn:microsoft.com/office/officeart/2008/layout/NameandTitleOrganizationalChart"/>
+    <dgm:cxn modelId="{408C4E1E-2AD8-4FF2-9C0E-0EFDF2230DCD}" srcId="{839D0158-2D7A-439B-96A9-1BF3FE626DDC}" destId="{83592EB9-3381-45F0-82A0-8B6D444044AF}" srcOrd="7" destOrd="0" parTransId="{5B7FE37C-D7DA-4059-9B19-2EFB3EBB79E5}" sibTransId="{F47FB239-8961-45D2-A0CA-D58B5900A58F}"/>
+    <dgm:cxn modelId="{C3D9D971-6BEB-447D-BB0D-77C74E5693FA}" type="presOf" srcId="{8831E232-1DDF-4F98-A671-873C040D256E}" destId="{4996D975-3F95-46BE-839D-5AB048C8D420}" srcOrd="0" destOrd="0" presId="urn:microsoft.com/office/officeart/2008/layout/NameandTitleOrganizationalChart"/>
+    <dgm:cxn modelId="{63BE01F5-784F-40F5-BB96-2E0D407A8400}" srcId="{839D0158-2D7A-439B-96A9-1BF3FE626DDC}" destId="{7968A9B6-6788-4558-8319-D9450A153A57}" srcOrd="6" destOrd="0" parTransId="{3E15AE75-C3E9-441B-9AE9-1D007AD52404}" sibTransId="{DDBA5183-6522-4DA5-B920-85B1D29099FC}"/>
+    <dgm:cxn modelId="{25F5795D-7276-4D6A-86E6-6A8FBAFFA004}" type="presOf" srcId="{5B7FE37C-D7DA-4059-9B19-2EFB3EBB79E5}" destId="{A2DC62C8-A6EB-4BF0-A343-4B7E2267ACE8}" srcOrd="0" destOrd="0" presId="urn:microsoft.com/office/officeart/2008/layout/NameandTitleOrganizationalChart"/>
+    <dgm:cxn modelId="{EBD95FC0-694C-4C78-B6DA-29A986578EA9}" type="presOf" srcId="{6F5B298D-7679-40B4-9A1D-1B61326E82DE}" destId="{E9E3F63D-5E34-4BEC-B741-6FAB9B9F6EA4}" srcOrd="1" destOrd="0" presId="urn:microsoft.com/office/officeart/2008/layout/NameandTitleOrganizationalChart"/>
+    <dgm:cxn modelId="{EB32D657-1822-4829-9609-4AF163B2B488}" type="presOf" srcId="{DEED3D8B-AD70-47D9-8789-8CDEB3F75D86}" destId="{10B43682-6687-4DC5-BFA2-AB85A8D85C36}" srcOrd="0" destOrd="0" presId="urn:microsoft.com/office/officeart/2008/layout/NameandTitleOrganizationalChart"/>
+    <dgm:cxn modelId="{828E553B-40BF-4385-80A0-F9AAB2B3E938}" type="presOf" srcId="{3C929C3A-6CFD-4E11-899D-9E60034B356D}" destId="{CFE89546-24BB-4E4C-B9D2-6DC5A4860191}" srcOrd="0" destOrd="0" presId="urn:microsoft.com/office/officeart/2008/layout/NameandTitleOrganizationalChart"/>
+    <dgm:cxn modelId="{D2C8539C-9872-46E0-A98C-B6A78318E8F5}" type="presOf" srcId="{839D0158-2D7A-439B-96A9-1BF3FE626DDC}" destId="{6E91267B-49DE-42AE-A8CD-852EF350B49A}" srcOrd="1" destOrd="0" presId="urn:microsoft.com/office/officeart/2008/layout/NameandTitleOrganizationalChart"/>
+    <dgm:cxn modelId="{F9DB33C9-6EF7-442B-BBBD-69105D17D66E}" type="presOf" srcId="{0B74BEE4-2FFC-4996-AF92-6CE7164FBD9A}" destId="{D0696D74-BB52-428D-8797-9FAAE6454F09}" srcOrd="1" destOrd="0" presId="urn:microsoft.com/office/officeart/2008/layout/NameandTitleOrganizationalChart"/>
+    <dgm:cxn modelId="{47B3EDF8-9D86-4ECF-9F1A-12293DF8CCEE}" type="presOf" srcId="{7B73A93D-1999-4910-A10B-4A7287EC5FD2}" destId="{3857FA20-290F-4B1D-9230-AD8E5431E2D0}" srcOrd="1" destOrd="0" presId="urn:microsoft.com/office/officeart/2008/layout/NameandTitleOrganizationalChart"/>
+    <dgm:cxn modelId="{12FBAA0D-9324-4E3B-9A03-03533E06983F}" type="presOf" srcId="{CD987D68-B29C-4128-8E18-9EA8E1C568EF}" destId="{C40F3056-348C-4839-8FB5-7532DAEAD4EB}" srcOrd="0" destOrd="0" presId="urn:microsoft.com/office/officeart/2008/layout/NameandTitleOrganizationalChart"/>
+    <dgm:cxn modelId="{DDCDA5F5-BF4D-46BA-B6C3-73979D252885}" type="presOf" srcId="{8831E232-1DDF-4F98-A671-873C040D256E}" destId="{C4C2EEC8-66DD-454D-8C32-9EA356F00020}" srcOrd="1" destOrd="0" presId="urn:microsoft.com/office/officeart/2008/layout/NameandTitleOrganizationalChart"/>
+    <dgm:cxn modelId="{B6D207EF-7B38-47CC-A768-240A4D2C5D5E}" type="presOf" srcId="{23A6B63E-4755-46A3-ABA9-10130745CFEB}" destId="{9F7A1D53-E16F-4AD8-AF3E-59D7C104F119}" srcOrd="0" destOrd="0" presId="urn:microsoft.com/office/officeart/2008/layout/NameandTitleOrganizationalChart"/>
+    <dgm:cxn modelId="{AE3DF29B-AB54-4EAE-9C84-4D8C14BC41AE}" type="presOf" srcId="{1546509B-B051-47E7-AECB-3C64EE4630DE}" destId="{EC7D588F-274C-4279-B592-07150993AB65}" srcOrd="0" destOrd="0" presId="urn:microsoft.com/office/officeart/2008/layout/NameandTitleOrganizationalChart"/>
+    <dgm:cxn modelId="{284A4E6C-6FC6-475B-AF38-0C26C8A197A8}" type="presOf" srcId="{C8740853-7ABC-4344-BDBB-CA1A0A5268B0}" destId="{1F05F368-BF99-46C6-A7E9-3EBDC2C62F57}" srcOrd="0" destOrd="0" presId="urn:microsoft.com/office/officeart/2008/layout/NameandTitleOrganizationalChart"/>
+    <dgm:cxn modelId="{C7C7079F-9B8C-44BB-99C9-74FD0BE833F8}" type="presOf" srcId="{F47FB239-8961-45D2-A0CA-D58B5900A58F}" destId="{56485E68-E0FD-4042-AB19-9272D79CF94C}" srcOrd="0" destOrd="0" presId="urn:microsoft.com/office/officeart/2008/layout/NameandTitleOrganizationalChart"/>
     <dgm:cxn modelId="{3E3C58B4-A52A-45D2-9327-E96A79B07B70}" srcId="{839D0158-2D7A-439B-96A9-1BF3FE626DDC}" destId="{3C929C3A-6CFD-4E11-899D-9E60034B356D}" srcOrd="4" destOrd="0" parTransId="{4D9DC2CA-78B9-44B8-93D7-6BE36710F151}" sibTransId="{E4D015CA-A6DE-45A8-9CA9-57F6ECA786E1}"/>
-    <dgm:cxn modelId="{9CC863AF-C2F6-4E0A-8A13-45EC804B461C}" type="presOf" srcId="{FC15B22A-B6DA-4BC6-9C69-FBCCE6130988}" destId="{CE2E4353-BD8A-4F45-A638-E6358569883D}" srcOrd="0" destOrd="0" presId="urn:microsoft.com/office/officeart/2008/layout/NameandTitleOrganizationalChart"/>
-    <dgm:cxn modelId="{FB5353DF-393D-4F6E-BA18-E000E5C50BD2}" type="presOf" srcId="{178422F2-C4EF-451F-A4AF-9E547E0A5107}" destId="{D693B454-6F4B-4970-B8B6-949289197DB8}" srcOrd="0" destOrd="0" presId="urn:microsoft.com/office/officeart/2008/layout/NameandTitleOrganizationalChart"/>
-    <dgm:cxn modelId="{E631FE8C-0249-4EB9-A2EF-3056AF86A8A6}" type="presOf" srcId="{0D1F3A8F-3F9C-46BD-8C9D-7CED5DBAE0B9}" destId="{04E9606A-0524-4A97-AE53-27041C1DD722}" srcOrd="0" destOrd="0" presId="urn:microsoft.com/office/officeart/2008/layout/NameandTitleOrganizationalChart"/>
-    <dgm:cxn modelId="{BDC0F040-5209-4C76-8E51-54EE54E36BD6}" type="presOf" srcId="{9CAABF24-0288-48A9-9D16-D93236A22541}" destId="{924AB995-52E5-4691-B0B0-CD1C97DD046B}" srcOrd="0" destOrd="0" presId="urn:microsoft.com/office/officeart/2008/layout/NameandTitleOrganizationalChart"/>
-    <dgm:cxn modelId="{473A51D4-E826-45A3-ADA5-822797C819E8}" type="presOf" srcId="{14FACFD4-F83B-4F0E-A340-2DB2F6C66AD7}" destId="{5B084459-FB95-42C9-8D52-80E46892DA63}" srcOrd="0" destOrd="0" presId="urn:microsoft.com/office/officeart/2008/layout/NameandTitleOrganizationalChart"/>
-    <dgm:cxn modelId="{39CCE65C-E1DA-4FF3-A0CC-6A8F0E7F987A}" type="presOf" srcId="{7968A9B6-6788-4558-8319-D9450A153A57}" destId="{03155D01-EEDA-410A-BB21-82536405A280}" srcOrd="1" destOrd="0" presId="urn:microsoft.com/office/officeart/2008/layout/NameandTitleOrganizationalChart"/>
-    <dgm:cxn modelId="{A095C490-946F-4E9C-B383-35F654C076A4}" type="presOf" srcId="{3C929C3A-6CFD-4E11-899D-9E60034B356D}" destId="{CFE89546-24BB-4E4C-B9D2-6DC5A4860191}" srcOrd="0" destOrd="0" presId="urn:microsoft.com/office/officeart/2008/layout/NameandTitleOrganizationalChart"/>
-    <dgm:cxn modelId="{8ED0AF5F-E4D7-481D-9087-898A92BC30FD}" type="presOf" srcId="{3DCEE1FB-48D6-4804-96BC-AF81DFB1F4BE}" destId="{BF279589-EF5A-4984-8472-BFFBC21D1A1A}" srcOrd="1" destOrd="0" presId="urn:microsoft.com/office/officeart/2008/layout/NameandTitleOrganizationalChart"/>
-    <dgm:cxn modelId="{AC3B965B-33A9-4478-AB54-B00D3ACB7AD9}" type="presOf" srcId="{661C8416-2309-47AC-8FAB-6743BC342425}" destId="{8640947B-194A-47A9-B1AF-1EA261CF2D9A}" srcOrd="0" destOrd="0" presId="urn:microsoft.com/office/officeart/2008/layout/NameandTitleOrganizationalChart"/>
+    <dgm:cxn modelId="{32AEC4C2-40F3-4A75-AD4A-FB9B9B233CE1}" type="presOf" srcId="{DDBA5183-6522-4DA5-B920-85B1D29099FC}" destId="{1C8C9553-1E22-430B-9DE4-B54B68EA990F}" srcOrd="0" destOrd="0" presId="urn:microsoft.com/office/officeart/2008/layout/NameandTitleOrganizationalChart"/>
+    <dgm:cxn modelId="{3B358D86-98B0-45D6-8DE4-B28DAB726CD3}" type="presOf" srcId="{179106C3-F190-4BD3-BC41-BEBA58C28C4A}" destId="{58658A57-F34E-43CB-B848-40532E461413}" srcOrd="0" destOrd="0" presId="urn:microsoft.com/office/officeart/2008/layout/NameandTitleOrganizationalChart"/>
+    <dgm:cxn modelId="{9F718F48-8F81-4F3D-B6CB-DB6DB148E83D}" type="presOf" srcId="{83592EB9-3381-45F0-82A0-8B6D444044AF}" destId="{2362714B-268E-415C-AD8D-34969D37B522}" srcOrd="0" destOrd="0" presId="urn:microsoft.com/office/officeart/2008/layout/NameandTitleOrganizationalChart"/>
+    <dgm:cxn modelId="{6D5302B7-9299-4800-BC4B-17031673E746}" type="presOf" srcId="{86A71A5C-84DA-47D8-98E2-97D31FE5DF8F}" destId="{53E57540-F07D-4AD0-801A-F2AEFDAC6361}" srcOrd="0" destOrd="0" presId="urn:microsoft.com/office/officeart/2008/layout/NameandTitleOrganizationalChart"/>
+    <dgm:cxn modelId="{2FE9D308-FEC1-4B3D-975A-2535AB5481FA}" srcId="{839D0158-2D7A-439B-96A9-1BF3FE626DDC}" destId="{A59A882A-DB75-41DB-B951-04286F711748}" srcOrd="2" destOrd="0" parTransId="{3364D6F5-F7E7-49CE-B10C-C112F03EC495}" sibTransId="{CA2D6A72-D640-4EB9-9F50-B58031E05322}"/>
+    <dgm:cxn modelId="{D46F34E6-B6DB-4236-82CF-32359398F5A1}" type="presOf" srcId="{D4457421-2F1E-4078-85D6-83C82A54A7EA}" destId="{544E9106-F8F5-4B6A-996B-D0DD8FAA5BC1}" srcOrd="0" destOrd="0" presId="urn:microsoft.com/office/officeart/2008/layout/NameandTitleOrganizationalChart"/>
+    <dgm:cxn modelId="{54A2873C-A943-4AEB-8432-63C3EB44211C}" type="presOf" srcId="{29C78A7A-A19E-4A26-BA7E-F5DCB01B3A00}" destId="{B0382EE2-FD72-417B-AE7B-C303E355B02A}" srcOrd="0" destOrd="0" presId="urn:microsoft.com/office/officeart/2008/layout/NameandTitleOrganizationalChart"/>
     <dgm:cxn modelId="{A9A5ED3E-2474-4C51-B373-F6BA9174EBCA}" srcId="{6F5B298D-7679-40B4-9A1D-1B61326E82DE}" destId="{86A71A5C-84DA-47D8-98E2-97D31FE5DF8F}" srcOrd="1" destOrd="0" parTransId="{452CF9BE-6602-4664-89EC-DEAFB834CB92}" sibTransId="{23A6B63E-4755-46A3-ABA9-10130745CFEB}"/>
-    <dgm:cxn modelId="{61D6A9E1-C221-4C9D-B30C-4286028C7D7C}" type="presOf" srcId="{6F5B298D-7679-40B4-9A1D-1B61326E82DE}" destId="{E9E3F63D-5E34-4BEC-B741-6FAB9B9F6EA4}" srcOrd="1" destOrd="0" presId="urn:microsoft.com/office/officeart/2008/layout/NameandTitleOrganizationalChart"/>
-    <dgm:cxn modelId="{E55D0030-DD2C-4283-9BB1-DF4AB711E548}" type="presOf" srcId="{66B814A5-3D43-465C-A767-670B97E547F1}" destId="{E647ED3E-EC79-4DD6-A13C-2DDECC481E0D}" srcOrd="1" destOrd="0" presId="urn:microsoft.com/office/officeart/2008/layout/NameandTitleOrganizationalChart"/>
-    <dgm:cxn modelId="{F6F04821-B073-4F14-8A5B-CA17B77CE68D}" type="presOf" srcId="{839D0158-2D7A-439B-96A9-1BF3FE626DDC}" destId="{6E91267B-49DE-42AE-A8CD-852EF350B49A}" srcOrd="1" destOrd="0" presId="urn:microsoft.com/office/officeart/2008/layout/NameandTitleOrganizationalChart"/>
-    <dgm:cxn modelId="{3B0F96DC-9366-4131-958D-740F3815767E}" type="presOf" srcId="{B4004ED0-5747-4E91-A59B-6D917C70026C}" destId="{B808BE66-9B95-4F1D-AFF5-D7D093912E44}" srcOrd="0" destOrd="0" presId="urn:microsoft.com/office/officeart/2008/layout/NameandTitleOrganizationalChart"/>
-    <dgm:cxn modelId="{DFE37504-572A-4857-AB82-D27C5DCB201F}" type="presOf" srcId="{DEED3D8B-AD70-47D9-8789-8CDEB3F75D86}" destId="{F53F67C0-7E76-44D4-884F-9AC6B9873796}" srcOrd="1" destOrd="0" presId="urn:microsoft.com/office/officeart/2008/layout/NameandTitleOrganizationalChart"/>
-    <dgm:cxn modelId="{801275B1-8361-4693-8868-768D735B858A}" srcId="{839D0158-2D7A-439B-96A9-1BF3FE626DDC}" destId="{6F5B298D-7679-40B4-9A1D-1B61326E82DE}" srcOrd="9" destOrd="0" parTransId="{CD987D68-B29C-4128-8E18-9EA8E1C568EF}" sibTransId="{29C78A7A-A19E-4A26-BA7E-F5DCB01B3A00}"/>
-    <dgm:cxn modelId="{EE61A6E0-7A1C-4584-A4D6-8D38E438797A}" type="presOf" srcId="{8831E232-1DDF-4F98-A671-873C040D256E}" destId="{4996D975-3F95-46BE-839D-5AB048C8D420}" srcOrd="0" destOrd="0" presId="urn:microsoft.com/office/officeart/2008/layout/NameandTitleOrganizationalChart"/>
-    <dgm:cxn modelId="{F7B96973-B45D-4517-A81C-D23119545EC2}" type="presOf" srcId="{CD987D68-B29C-4128-8E18-9EA8E1C568EF}" destId="{C40F3056-348C-4839-8FB5-7532DAEAD4EB}" srcOrd="0" destOrd="0" presId="urn:microsoft.com/office/officeart/2008/layout/NameandTitleOrganizationalChart"/>
-    <dgm:cxn modelId="{0043DA05-E774-4970-9696-8AEE7F281176}" type="presOf" srcId="{A13B94FC-67E7-4CBC-8EFC-B616EF306B84}" destId="{F5E01D96-F901-42BD-8A6F-51F03A5B3052}" srcOrd="0" destOrd="0" presId="urn:microsoft.com/office/officeart/2008/layout/NameandTitleOrganizationalChart"/>
-    <dgm:cxn modelId="{EB66758B-3910-4FCF-8938-8584F6534E1D}" type="presOf" srcId="{A9F4D88D-4132-4EAF-B724-9AA7085ED846}" destId="{A87A984C-6CFD-4577-959C-7E3FFD394C91}" srcOrd="0" destOrd="0" presId="urn:microsoft.com/office/officeart/2008/layout/NameandTitleOrganizationalChart"/>
-    <dgm:cxn modelId="{973B280A-A5DA-4F2F-ABD1-767266A1A63A}" type="presOf" srcId="{D20A098D-1842-419C-A873-AEB168A0938C}" destId="{7F716FD6-172F-4228-B3DC-34B93A56214D}" srcOrd="0" destOrd="0" presId="urn:microsoft.com/office/officeart/2008/layout/NameandTitleOrganizationalChart"/>
-    <dgm:cxn modelId="{12F13B39-1A07-438F-9220-48EB9933E598}" type="presOf" srcId="{4B0D2A92-7CFF-4912-8108-66562344DE63}" destId="{0FD5DF1D-EC21-4B09-AC24-AA027332DCDD}" srcOrd="0" destOrd="0" presId="urn:microsoft.com/office/officeart/2008/layout/NameandTitleOrganizationalChart"/>
-    <dgm:cxn modelId="{8516753D-C24F-427F-B2E5-BCB6739AE39B}" type="presOf" srcId="{F7829F92-C1D2-4A56-BD64-4CFC1900FEC0}" destId="{ACBB3B08-68C2-4344-A50D-E204FD0C0CFB}" srcOrd="0" destOrd="0" presId="urn:microsoft.com/office/officeart/2008/layout/NameandTitleOrganizationalChart"/>
-    <dgm:cxn modelId="{C26B034E-DA1D-4D2E-800B-CDBEB7DB94C0}" srcId="{A59A882A-DB75-41DB-B951-04286F711748}" destId="{66B814A5-3D43-465C-A767-670B97E547F1}" srcOrd="0" destOrd="0" parTransId="{7354ABA8-9E80-429F-B1E9-156C636CA7FA}" sibTransId="{A13B94FC-67E7-4CBC-8EFC-B616EF306B84}"/>
-    <dgm:cxn modelId="{7FF0610E-9DAE-4F89-9C3F-6C4D1B2D819C}" type="presOf" srcId="{7968A9B6-6788-4558-8319-D9450A153A57}" destId="{DF34769E-4D2F-4126-BB2D-4B4F109CD033}" srcOrd="0" destOrd="0" presId="urn:microsoft.com/office/officeart/2008/layout/NameandTitleOrganizationalChart"/>
-    <dgm:cxn modelId="{E72F62EA-4D4B-444E-8985-CD7A97E2DC81}" type="presOf" srcId="{A59A882A-DB75-41DB-B951-04286F711748}" destId="{2A230014-4953-407B-9C6D-3E2CCF513391}" srcOrd="1" destOrd="0" presId="urn:microsoft.com/office/officeart/2008/layout/NameandTitleOrganizationalChart"/>
-    <dgm:cxn modelId="{B367A851-3E4E-4312-A9AB-CF7CE00428DB}" srcId="{0B74BEE4-2FFC-4996-AF92-6CE7164FBD9A}" destId="{661C8416-2309-47AC-8FAB-6743BC342425}" srcOrd="1" destOrd="0" parTransId="{0D1F3A8F-3F9C-46BD-8C9D-7CED5DBAE0B9}" sibTransId="{2E4954EE-BF40-4C02-B746-0281CA8DF6F9}"/>
-    <dgm:cxn modelId="{BA763516-44D1-4A19-A39E-5B7F3980D51D}" type="presOf" srcId="{C10F6338-9841-4CD1-AFD1-284999EABFF2}" destId="{3ECB79BF-956F-4515-82CE-A34E2A419DED}" srcOrd="0" destOrd="0" presId="urn:microsoft.com/office/officeart/2008/layout/NameandTitleOrganizationalChart"/>
-    <dgm:cxn modelId="{44F75ED2-E036-4778-96F1-B0F2EBDE4B94}" type="presOf" srcId="{179106C3-F190-4BD3-BC41-BEBA58C28C4A}" destId="{D4BF0491-8AF1-4260-8571-05B457FDA218}" srcOrd="1" destOrd="0" presId="urn:microsoft.com/office/officeart/2008/layout/NameandTitleOrganizationalChart"/>
-    <dgm:cxn modelId="{1450DA91-D61F-4EA5-8B14-8915955676F8}" type="presOf" srcId="{3DCEE1FB-48D6-4804-96BC-AF81DFB1F4BE}" destId="{28C31169-EC05-4603-96D5-FA22A046780E}" srcOrd="0" destOrd="0" presId="urn:microsoft.com/office/officeart/2008/layout/NameandTitleOrganizationalChart"/>
-    <dgm:cxn modelId="{9F01B7E9-360A-4A2C-BDD1-53144D789087}" type="presOf" srcId="{CA2D6A72-D640-4EB9-9F50-B58031E05322}" destId="{4933D671-7E56-43F7-8E77-31F8A7226A7E}" srcOrd="0" destOrd="0" presId="urn:microsoft.com/office/officeart/2008/layout/NameandTitleOrganizationalChart"/>
-    <dgm:cxn modelId="{B54BA918-F456-40EF-B728-30DAFCD5B764}" type="presOf" srcId="{B4004ED0-5747-4E91-A59B-6D917C70026C}" destId="{010D3747-F6B2-4080-9FFF-0FCCED84BDC0}" srcOrd="1" destOrd="0" presId="urn:microsoft.com/office/officeart/2008/layout/NameandTitleOrganizationalChart"/>
-    <dgm:cxn modelId="{5E00B180-7608-4AE7-B715-D649C73C812D}" type="presOf" srcId="{0B74BEE4-2FFC-4996-AF92-6CE7164FBD9A}" destId="{5869D7B0-BA87-41ED-83EA-DF4BB10E1B9B}" srcOrd="0" destOrd="0" presId="urn:microsoft.com/office/officeart/2008/layout/NameandTitleOrganizationalChart"/>
-    <dgm:cxn modelId="{4CE26A7A-C2EC-4DB7-942B-26486B5812CC}" type="presOf" srcId="{86A71A5C-84DA-47D8-98E2-97D31FE5DF8F}" destId="{A7095C8A-4BDF-4D4B-AE92-21855B2E53F7}" srcOrd="1" destOrd="0" presId="urn:microsoft.com/office/officeart/2008/layout/NameandTitleOrganizationalChart"/>
-    <dgm:cxn modelId="{2FCEBF8D-D234-4DC6-8E89-DDC9558848B0}" type="presOf" srcId="{98310832-3890-459E-815F-2A4D5C2E0FA0}" destId="{70C66616-33FA-4CCF-A1A3-BCA0E7916AFC}" srcOrd="0" destOrd="0" presId="urn:microsoft.com/office/officeart/2008/layout/NameandTitleOrganizationalChart"/>
-    <dgm:cxn modelId="{41D92783-79A1-4D24-B426-D0B4BE417234}" type="presOf" srcId="{F7829F92-C1D2-4A56-BD64-4CFC1900FEC0}" destId="{85EEEA9E-9FAE-47B3-9A20-BA45C5BA6C2E}" srcOrd="1" destOrd="0" presId="urn:microsoft.com/office/officeart/2008/layout/NameandTitleOrganizationalChart"/>
-    <dgm:cxn modelId="{B759A6C8-3731-4F7F-B7DD-8276B2913460}" type="presOf" srcId="{3C929C3A-6CFD-4E11-899D-9E60034B356D}" destId="{E32E92E3-3108-403C-91EB-FD05497EC20B}" srcOrd="1" destOrd="0" presId="urn:microsoft.com/office/officeart/2008/layout/NameandTitleOrganizationalChart"/>
-    <dgm:cxn modelId="{408C4E1E-2AD8-4FF2-9C0E-0EFDF2230DCD}" srcId="{839D0158-2D7A-439B-96A9-1BF3FE626DDC}" destId="{83592EB9-3381-45F0-82A0-8B6D444044AF}" srcOrd="7" destOrd="0" parTransId="{5B7FE37C-D7DA-4059-9B19-2EFB3EBB79E5}" sibTransId="{F47FB239-8961-45D2-A0CA-D58B5900A58F}"/>
-    <dgm:cxn modelId="{B3558280-C0CD-4C5A-B621-C74687F8DE36}" srcId="{179106C3-F190-4BD3-BC41-BEBA58C28C4A}" destId="{F7829F92-C1D2-4A56-BD64-4CFC1900FEC0}" srcOrd="0" destOrd="0" parTransId="{D4457421-2F1E-4078-85D6-83C82A54A7EA}" sibTransId="{C10F6338-9841-4CD1-AFD1-284999EABFF2}"/>
-    <dgm:cxn modelId="{791819BF-C3B7-4FAF-A8E2-744B32247CC6}" type="presOf" srcId="{7B73A93D-1999-4910-A10B-4A7287EC5FD2}" destId="{3857FA20-290F-4B1D-9230-AD8E5431E2D0}" srcOrd="1" destOrd="0" presId="urn:microsoft.com/office/officeart/2008/layout/NameandTitleOrganizationalChart"/>
-    <dgm:cxn modelId="{5DD1CCC3-1E77-4EF0-9CFF-069AEA20E4C6}" type="presOf" srcId="{441787D9-1671-404B-ACD0-CF717B221097}" destId="{C7AEA70C-6D94-449E-9630-786CC9F377F0}" srcOrd="0" destOrd="0" presId="urn:microsoft.com/office/officeart/2008/layout/NameandTitleOrganizationalChart"/>
-    <dgm:cxn modelId="{2D81B337-60C9-4CCC-8DF5-C2CA6BCFB0B5}" type="presOf" srcId="{5993E7F5-AC4B-4F78-A6D1-6E6A5C300500}" destId="{4A414198-6913-4403-B86E-D9CC3557EE96}" srcOrd="0" destOrd="0" presId="urn:microsoft.com/office/officeart/2008/layout/NameandTitleOrganizationalChart"/>
-    <dgm:cxn modelId="{73F7F68C-64B9-4FE9-9200-AE90702EECCA}" type="presOf" srcId="{54D5FA36-A3D8-4678-ACD4-FE4D9BECE446}" destId="{57B1C94E-13F2-4F04-B8AC-E2408A4C2CE8}" srcOrd="1" destOrd="0" presId="urn:microsoft.com/office/officeart/2008/layout/NameandTitleOrganizationalChart"/>
-    <dgm:cxn modelId="{AFBE0575-76B7-4B90-8029-C127CC2A4C79}" type="presOf" srcId="{E3496A37-7A15-4496-8852-4FCC727CF4FE}" destId="{CC3A7496-1B4D-4162-A553-EB4E0CE86024}" srcOrd="0" destOrd="0" presId="urn:microsoft.com/office/officeart/2008/layout/NameandTitleOrganizationalChart"/>
-    <dgm:cxn modelId="{7733FAD1-2DDC-46E6-9C88-16032B8FB950}" type="presOf" srcId="{29C78A7A-A19E-4A26-BA7E-F5DCB01B3A00}" destId="{B0382EE2-FD72-417B-AE7B-C303E355B02A}" srcOrd="0" destOrd="0" presId="urn:microsoft.com/office/officeart/2008/layout/NameandTitleOrganizationalChart"/>
-    <dgm:cxn modelId="{E4C2114F-C043-4D77-9B23-8645E896BF0A}" type="presOf" srcId="{7C310BC2-4A8D-4D92-B685-8EA0559FF6E9}" destId="{CDF69DB3-4B84-4537-9CD9-B425CFF0D429}" srcOrd="1" destOrd="0" presId="urn:microsoft.com/office/officeart/2008/layout/NameandTitleOrganizationalChart"/>
-    <dgm:cxn modelId="{F41944DD-F5C0-4F51-B6B3-2504856FC41C}" type="presOf" srcId="{23A6B63E-4755-46A3-ABA9-10130745CFEB}" destId="{9F7A1D53-E16F-4AD8-AF3E-59D7C104F119}" srcOrd="0" destOrd="0" presId="urn:microsoft.com/office/officeart/2008/layout/NameandTitleOrganizationalChart"/>
-    <dgm:cxn modelId="{A9F0EE74-5EF4-490D-8A02-185E57B65D38}" type="presOf" srcId="{C8740853-7ABC-4344-BDBB-CA1A0A5268B0}" destId="{1F05F368-BF99-46C6-A7E9-3EBDC2C62F57}" srcOrd="0" destOrd="0" presId="urn:microsoft.com/office/officeart/2008/layout/NameandTitleOrganizationalChart"/>
-    <dgm:cxn modelId="{E8989B91-CB4B-4435-9AD6-879F09BD86FC}" type="presOf" srcId="{E4D015CA-A6DE-45A8-9CA9-57F6ECA786E1}" destId="{90FBBA83-F3A2-496E-B603-5C919CDC1663}" srcOrd="0" destOrd="0" presId="urn:microsoft.com/office/officeart/2008/layout/NameandTitleOrganizationalChart"/>
-    <dgm:cxn modelId="{153A57E3-263D-4BCC-82EF-5131E524A7D1}" type="presOf" srcId="{8831E232-1DDF-4F98-A671-873C040D256E}" destId="{C4C2EEC8-66DD-454D-8C32-9EA356F00020}" srcOrd="1" destOrd="0" presId="urn:microsoft.com/office/officeart/2008/layout/NameandTitleOrganizationalChart"/>
+    <dgm:cxn modelId="{45F5603E-C7CE-4AA1-B1B6-ABCE94AB9B17}" type="presOf" srcId="{4D9DC2CA-78B9-44B8-93D7-6BE36710F151}" destId="{8845CA0E-BE2B-4F5A-855D-010C1ECEB759}" srcOrd="0" destOrd="0" presId="urn:microsoft.com/office/officeart/2008/layout/NameandTitleOrganizationalChart"/>
+    <dgm:cxn modelId="{28DA9410-1F13-4CBF-9D46-A1F736FC900B}" type="presOf" srcId="{54D5FA36-A3D8-4678-ACD4-FE4D9BECE446}" destId="{57B1C94E-13F2-4F04-B8AC-E2408A4C2CE8}" srcOrd="1" destOrd="0" presId="urn:microsoft.com/office/officeart/2008/layout/NameandTitleOrganizationalChart"/>
+    <dgm:cxn modelId="{1E45B512-EBAB-43B3-AEEA-A9AC264672B6}" type="presOf" srcId="{F7829F92-C1D2-4A56-BD64-4CFC1900FEC0}" destId="{85EEEA9E-9FAE-47B3-9A20-BA45C5BA6C2E}" srcOrd="1" destOrd="0" presId="urn:microsoft.com/office/officeart/2008/layout/NameandTitleOrganizationalChart"/>
+    <dgm:cxn modelId="{D65CA4B0-56E9-4B9C-8F32-F9576BC3D7F6}" type="presOf" srcId="{B4004ED0-5747-4E91-A59B-6D917C70026C}" destId="{B808BE66-9B95-4F1D-AFF5-D7D093912E44}" srcOrd="0" destOrd="0" presId="urn:microsoft.com/office/officeart/2008/layout/NameandTitleOrganizationalChart"/>
+    <dgm:cxn modelId="{1209604D-7614-476C-86F4-78D0470A5AED}" type="presOf" srcId="{3C929C3A-6CFD-4E11-899D-9E60034B356D}" destId="{E32E92E3-3108-403C-91EB-FD05497EC20B}" srcOrd="1" destOrd="0" presId="urn:microsoft.com/office/officeart/2008/layout/NameandTitleOrganizationalChart"/>
     <dgm:cxn modelId="{3D2CDC23-937A-4EFA-901A-4742DA364D0E}" srcId="{0B74BEE4-2FFC-4996-AF92-6CE7164FBD9A}" destId="{A9F4D88D-4132-4EAF-B724-9AA7085ED846}" srcOrd="0" destOrd="0" parTransId="{8360DCAC-8921-42E0-9DA3-F67B2920AC10}" sibTransId="{1D77B77E-6463-40AE-9FE1-1B42CE4CE445}"/>
-    <dgm:cxn modelId="{3799942B-3248-47B5-8BCF-7BEAE2C028F9}" type="presOf" srcId="{3364D6F5-F7E7-49CE-B10C-C112F03EC495}" destId="{6B22B48A-0202-4F36-B2F7-FB3011BAC22B}" srcOrd="0" destOrd="0" presId="urn:microsoft.com/office/officeart/2008/layout/NameandTitleOrganizationalChart"/>
-    <dgm:cxn modelId="{C3251439-C1EA-4A9F-A0A3-FCCC36FB1B75}" type="presOf" srcId="{179106C3-F190-4BD3-BC41-BEBA58C28C4A}" destId="{58658A57-F34E-43CB-B848-40532E461413}" srcOrd="0" destOrd="0" presId="urn:microsoft.com/office/officeart/2008/layout/NameandTitleOrganizationalChart"/>
-    <dgm:cxn modelId="{B6383213-4B13-4D5F-B623-04169DF20088}" type="presOf" srcId="{DDBA5183-6522-4DA5-B920-85B1D29099FC}" destId="{1C8C9553-1E22-430B-9DE4-B54B68EA990F}" srcOrd="0" destOrd="0" presId="urn:microsoft.com/office/officeart/2008/layout/NameandTitleOrganizationalChart"/>
-    <dgm:cxn modelId="{6934D967-BDBA-4A5A-B79D-8A6C2B724D85}" type="presOf" srcId="{7C310BC2-4A8D-4D92-B685-8EA0559FF6E9}" destId="{0A2CE9A4-8D25-49F6-8B49-D81B37C989C7}" srcOrd="0" destOrd="0" presId="urn:microsoft.com/office/officeart/2008/layout/NameandTitleOrganizationalChart"/>
-    <dgm:cxn modelId="{263C4345-7A9D-4498-91AF-B14D18F9F42F}" type="presOf" srcId="{92479511-64C4-41C1-A900-F21D820C1777}" destId="{A6BB3BB5-F189-4A90-B369-04D4E83D3F6C}" srcOrd="0" destOrd="0" presId="urn:microsoft.com/office/officeart/2008/layout/NameandTitleOrganizationalChart"/>
-    <dgm:cxn modelId="{63BE01F5-784F-40F5-BB96-2E0D407A8400}" srcId="{839D0158-2D7A-439B-96A9-1BF3FE626DDC}" destId="{7968A9B6-6788-4558-8319-D9450A153A57}" srcOrd="6" destOrd="0" parTransId="{3E15AE75-C3E9-441B-9AE9-1D007AD52404}" sibTransId="{DDBA5183-6522-4DA5-B920-85B1D29099FC}"/>
-    <dgm:cxn modelId="{03A39634-2750-4775-B567-5FC2D74C0663}" type="presOf" srcId="{5BFC521A-6CDA-416E-BC9B-E6C28D4631DD}" destId="{E54940C6-58E8-4CBA-B778-765232A8B46F}" srcOrd="0" destOrd="0" presId="urn:microsoft.com/office/officeart/2008/layout/NameandTitleOrganizationalChart"/>
-    <dgm:cxn modelId="{46C6F11C-1B0F-436B-BA65-616AD2088B04}" type="presOf" srcId="{83592EB9-3381-45F0-82A0-8B6D444044AF}" destId="{CAE0588A-30B1-498D-83C1-854AB145B671}" srcOrd="1" destOrd="0" presId="urn:microsoft.com/office/officeart/2008/layout/NameandTitleOrganizationalChart"/>
-    <dgm:cxn modelId="{92E1DDE8-70F9-41EC-BCA7-B35532A3D46C}" srcId="{B4004ED0-5747-4E91-A59B-6D917C70026C}" destId="{7B73A93D-1999-4910-A10B-4A7287EC5FD2}" srcOrd="1" destOrd="0" parTransId="{7958BAF1-AC0E-4C1B-B8C7-3A4CD7E685F1}" sibTransId="{9CAABF24-0288-48A9-9D16-D93236A22541}"/>
-    <dgm:cxn modelId="{7C0666A1-DE11-4C5F-8A58-BDEBFE626AA8}" type="presOf" srcId="{3E15AE75-C3E9-441B-9AE9-1D007AD52404}" destId="{8BA98E0A-A619-4440-8B4C-83924A4097B9}" srcOrd="0" destOrd="0" presId="urn:microsoft.com/office/officeart/2008/layout/NameandTitleOrganizationalChart"/>
-    <dgm:cxn modelId="{D971449A-5143-4010-BECC-52224C5BFBA9}" srcId="{B4004ED0-5747-4E91-A59B-6D917C70026C}" destId="{876C00F9-F4DC-460A-86FB-A95C17B0B838}" srcOrd="0" destOrd="0" parTransId="{BBC5FBD0-C1F6-45C5-964C-E7526E4C4A4E}" sibTransId="{1546509B-B051-47E7-AECB-3C64EE4630DE}"/>
-    <dgm:cxn modelId="{F3FC9E35-77F7-47F7-B3DF-B71E5084B06B}" srcId="{6F5B298D-7679-40B4-9A1D-1B61326E82DE}" destId="{B4004ED0-5747-4E91-A59B-6D917C70026C}" srcOrd="0" destOrd="0" parTransId="{9633CF23-5BFC-4CA1-B291-0F9C5ACED95A}" sibTransId="{98310832-3890-459E-815F-2A4D5C2E0FA0}"/>
-    <dgm:cxn modelId="{954EDCBB-1159-4BE3-B161-AB38739D9130}" type="presOf" srcId="{8360DCAC-8921-42E0-9DA3-F67B2920AC10}" destId="{29E9665A-8523-4979-A9A9-9985C65AD5BF}" srcOrd="0" destOrd="0" presId="urn:microsoft.com/office/officeart/2008/layout/NameandTitleOrganizationalChart"/>
-    <dgm:cxn modelId="{6B3359CA-A9E1-4EC1-BBA9-AE993F19CEE8}" srcId="{839D0158-2D7A-439B-96A9-1BF3FE626DDC}" destId="{0B74BEE4-2FFC-4996-AF92-6CE7164FBD9A}" srcOrd="8" destOrd="0" parTransId="{E3496A37-7A15-4496-8852-4FCC727CF4FE}" sibTransId="{5BFC521A-6CDA-416E-BC9B-E6C28D4631DD}"/>
-    <dgm:cxn modelId="{77E0DA25-F95C-4AA7-AA33-A5CA1264E68F}" type="presOf" srcId="{1546509B-B051-47E7-AECB-3C64EE4630DE}" destId="{EC7D588F-274C-4279-B592-07150993AB65}" srcOrd="0" destOrd="0" presId="urn:microsoft.com/office/officeart/2008/layout/NameandTitleOrganizationalChart"/>
-    <dgm:cxn modelId="{A3D72931-0505-44E1-A773-6DC0E258B655}" type="presOf" srcId="{876C00F9-F4DC-460A-86FB-A95C17B0B838}" destId="{35F89F19-3BE9-457B-A320-CF709CA75AF1}" srcOrd="0" destOrd="0" presId="urn:microsoft.com/office/officeart/2008/layout/NameandTitleOrganizationalChart"/>
-    <dgm:cxn modelId="{BA55B82E-D1F1-4645-A3CA-1C6F0482D5C6}" type="presOf" srcId="{19127AE9-BD2E-45E1-A492-3B7C2D1C6F2D}" destId="{0515EDE4-C812-4B8D-BEEF-9837D84150D0}" srcOrd="0" destOrd="0" presId="urn:microsoft.com/office/officeart/2008/layout/NameandTitleOrganizationalChart"/>
-    <dgm:cxn modelId="{EE8C6457-4F59-4D2B-9EA4-EA17904C6063}" type="presOf" srcId="{83592EB9-3381-45F0-82A0-8B6D444044AF}" destId="{2362714B-268E-415C-AD8D-34969D37B522}" srcOrd="0" destOrd="0" presId="urn:microsoft.com/office/officeart/2008/layout/NameandTitleOrganizationalChart"/>
-    <dgm:cxn modelId="{7DCACB3B-2254-4B27-8ABE-6174697870CA}" type="presOf" srcId="{5B7FE37C-D7DA-4059-9B19-2EFB3EBB79E5}" destId="{A2DC62C8-A6EB-4BF0-A343-4B7E2267ACE8}" srcOrd="0" destOrd="0" presId="urn:microsoft.com/office/officeart/2008/layout/NameandTitleOrganizationalChart"/>
-    <dgm:cxn modelId="{4810E550-E29F-487E-BE50-1E4D68C2D5D6}" type="presOf" srcId="{839D0158-2D7A-439B-96A9-1BF3FE626DDC}" destId="{555700FD-AA40-4582-B659-59AC4E37F049}" srcOrd="0" destOrd="0" presId="urn:microsoft.com/office/officeart/2008/layout/NameandTitleOrganizationalChart"/>
-    <dgm:cxn modelId="{8C431281-230E-45D0-896B-4E3B130B5128}" type="presOf" srcId="{9633CF23-5BFC-4CA1-B291-0F9C5ACED95A}" destId="{4D5260ED-8E71-43CF-B018-BE752892951C}" srcOrd="0" destOrd="0" presId="urn:microsoft.com/office/officeart/2008/layout/NameandTitleOrganizationalChart"/>
-    <dgm:cxn modelId="{87DA825B-3EBA-4E9E-BEDD-5A1FB1C686C0}" type="presOf" srcId="{4D9DC2CA-78B9-44B8-93D7-6BE36710F151}" destId="{8845CA0E-BE2B-4F5A-855D-010C1ECEB759}" srcOrd="0" destOrd="0" presId="urn:microsoft.com/office/officeart/2008/layout/NameandTitleOrganizationalChart"/>
-    <dgm:cxn modelId="{5DA2EEC0-9C5E-4C07-ACC2-7C0F272B0F96}" srcId="{839D0158-2D7A-439B-96A9-1BF3FE626DDC}" destId="{DEED3D8B-AD70-47D9-8789-8CDEB3F75D86}" srcOrd="0" destOrd="0" parTransId="{92479511-64C4-41C1-A900-F21D820C1777}" sibTransId="{4B0D2A92-7CFF-4912-8108-66562344DE63}"/>
-    <dgm:cxn modelId="{E06D91F1-8C6D-4BEB-A18F-4044E195F184}" type="presOf" srcId="{A59A882A-DB75-41DB-B951-04286F711748}" destId="{4A3C919E-E6ED-4AE4-A060-6F2B545E9E90}" srcOrd="0" destOrd="0" presId="urn:microsoft.com/office/officeart/2008/layout/NameandTitleOrganizationalChart"/>
-    <dgm:cxn modelId="{E8169CB4-05E5-4349-AD11-7DBAE161EC8F}" type="presOf" srcId="{BD5928DC-A586-4D52-A77B-27128F3B96B2}" destId="{55B4F1BF-50C6-4C22-949C-BA9C1E23C5FB}" srcOrd="0" destOrd="0" presId="urn:microsoft.com/office/officeart/2008/layout/NameandTitleOrganizationalChart"/>
-    <dgm:cxn modelId="{473EB78A-A349-4077-BA3D-0B7BF3D422E3}" type="presOf" srcId="{A9F4D88D-4132-4EAF-B724-9AA7085ED846}" destId="{56F7B4C0-ABE6-47C3-BD17-563D7F841F63}" srcOrd="1" destOrd="0" presId="urn:microsoft.com/office/officeart/2008/layout/NameandTitleOrganizationalChart"/>
-    <dgm:cxn modelId="{F6E44720-9158-4377-9A40-47767DEB5143}" type="presOf" srcId="{876C00F9-F4DC-460A-86FB-A95C17B0B838}" destId="{9AAEC09D-7BC5-4EE4-89C0-F7CBBA842612}" srcOrd="1" destOrd="0" presId="urn:microsoft.com/office/officeart/2008/layout/NameandTitleOrganizationalChart"/>
     <dgm:cxn modelId="{B4F14B8D-633F-4D46-8619-9D5C9E499E47}" srcId="{839D0158-2D7A-439B-96A9-1BF3FE626DDC}" destId="{179106C3-F190-4BD3-BC41-BEBA58C28C4A}" srcOrd="1" destOrd="0" parTransId="{2526126A-692D-4A54-91CB-3B7A87B10582}" sibTransId="{178422F2-C4EF-451F-A4AF-9E547E0A5107}"/>
-    <dgm:cxn modelId="{D24BD579-F935-4B88-BBF4-117AF67106F5}" type="presOf" srcId="{D4457421-2F1E-4078-85D6-83C82A54A7EA}" destId="{544E9106-F8F5-4B6A-996B-D0DD8FAA5BC1}" srcOrd="0" destOrd="0" presId="urn:microsoft.com/office/officeart/2008/layout/NameandTitleOrganizationalChart"/>
-    <dgm:cxn modelId="{53087F12-8ED6-4EBC-999D-A136E05265C2}" srcId="{A59A882A-DB75-41DB-B951-04286F711748}" destId="{7C310BC2-4A8D-4D92-B685-8EA0559FF6E9}" srcOrd="1" destOrd="0" parTransId="{FC15B22A-B6DA-4BC6-9C69-FBCCE6130988}" sibTransId="{2DD29D65-0C80-4BD4-BEBE-6312B8FC4F32}"/>
-    <dgm:cxn modelId="{B46F2943-8701-4623-8D4C-D765C977AAE5}" type="presOf" srcId="{54D5FA36-A3D8-4678-ACD4-FE4D9BECE446}" destId="{AFB9D362-2BF1-4804-8A88-816D440A7C19}" srcOrd="0" destOrd="0" presId="urn:microsoft.com/office/officeart/2008/layout/NameandTitleOrganizationalChart"/>
-    <dgm:cxn modelId="{FD867B0B-A4BB-41B3-94BC-4C503A9892CD}" type="presOf" srcId="{F47FB239-8961-45D2-A0CA-D58B5900A58F}" destId="{56485E68-E0FD-4042-AB19-9272D79CF94C}" srcOrd="0" destOrd="0" presId="urn:microsoft.com/office/officeart/2008/layout/NameandTitleOrganizationalChart"/>
-    <dgm:cxn modelId="{1F783946-F5B0-4577-BF71-92D73CFBCED2}" type="presOf" srcId="{2526126A-692D-4A54-91CB-3B7A87B10582}" destId="{45A787A3-FFA2-407A-BB12-A7C99D2DDA1B}" srcOrd="0" destOrd="0" presId="urn:microsoft.com/office/officeart/2008/layout/NameandTitleOrganizationalChart"/>
-    <dgm:cxn modelId="{A7240C22-8EE3-4F80-8D3D-CB102F75DFAD}" type="presOf" srcId="{66B814A5-3D43-465C-A767-670B97E547F1}" destId="{61AB0F4D-CF14-4B60-BD1D-D6A5B82A4AE4}" srcOrd="0" destOrd="0" presId="urn:microsoft.com/office/officeart/2008/layout/NameandTitleOrganizationalChart"/>
-    <dgm:cxn modelId="{0CE35A28-4056-406D-9C32-8C88CA9267E0}" srcId="{19127AE9-BD2E-45E1-A492-3B7C2D1C6F2D}" destId="{839D0158-2D7A-439B-96A9-1BF3FE626DDC}" srcOrd="0" destOrd="0" parTransId="{030FCB8D-FC0A-4F74-AFF7-56F2D3CDE7A7}" sibTransId="{C8740853-7ABC-4344-BDBB-CA1A0A5268B0}"/>
-    <dgm:cxn modelId="{27663EF2-8699-4AE2-B129-89AB6E8079B7}" type="presOf" srcId="{452CF9BE-6602-4664-89EC-DEAFB834CB92}" destId="{ABF75C28-00CF-4ED6-9781-A854999AFAA9}" srcOrd="0" destOrd="0" presId="urn:microsoft.com/office/officeart/2008/layout/NameandTitleOrganizationalChart"/>
-    <dgm:cxn modelId="{5644385E-DB47-42C8-AF35-7EE20050C77D}" srcId="{839D0158-2D7A-439B-96A9-1BF3FE626DDC}" destId="{54D5FA36-A3D8-4678-ACD4-FE4D9BECE446}" srcOrd="5" destOrd="0" parTransId="{EF360562-5E1C-4A81-AF60-EBAEEE7278B6}" sibTransId="{BD5928DC-A586-4D52-A77B-27128F3B96B2}"/>
-    <dgm:cxn modelId="{102AA3DA-BCC3-485A-AD3A-28D374444306}" type="presOf" srcId="{EF360562-5E1C-4A81-AF60-EBAEEE7278B6}" destId="{4FC0B709-2FD3-435C-A778-E0A0FCB0CF86}" srcOrd="0" destOrd="0" presId="urn:microsoft.com/office/officeart/2008/layout/NameandTitleOrganizationalChart"/>
-    <dgm:cxn modelId="{BC860964-6F98-453E-84D1-50C828F6ABF3}" type="presOf" srcId="{BBC5FBD0-C1F6-45C5-964C-E7526E4C4A4E}" destId="{A1C40F7D-B33A-4D66-8640-9219BB096776}" srcOrd="0" destOrd="0" presId="urn:microsoft.com/office/officeart/2008/layout/NameandTitleOrganizationalChart"/>
-    <dgm:cxn modelId="{ABB8F577-DDCC-4152-B5AC-AE0BF3930BE2}" srcId="{839D0158-2D7A-439B-96A9-1BF3FE626DDC}" destId="{8831E232-1DDF-4F98-A671-873C040D256E}" srcOrd="3" destOrd="0" parTransId="{5993E7F5-AC4B-4F78-A6D1-6E6A5C300500}" sibTransId="{441787D9-1671-404B-ACD0-CF717B221097}"/>
-    <dgm:cxn modelId="{880B86BB-131D-42E2-8E5B-A66DA7075072}" type="presOf" srcId="{1D77B77E-6463-40AE-9FE1-1B42CE4CE445}" destId="{B8678737-CE7A-439C-B1F9-46646F440843}" srcOrd="0" destOrd="0" presId="urn:microsoft.com/office/officeart/2008/layout/NameandTitleOrganizationalChart"/>
-    <dgm:cxn modelId="{CEFD222E-3B30-45AC-B3D5-3F4B05CF9716}" type="presOf" srcId="{86A71A5C-84DA-47D8-98E2-97D31FE5DF8F}" destId="{53E57540-F07D-4AD0-801A-F2AEFDAC6361}" srcOrd="0" destOrd="0" presId="urn:microsoft.com/office/officeart/2008/layout/NameandTitleOrganizationalChart"/>
-    <dgm:cxn modelId="{2FE9D308-FEC1-4B3D-975A-2535AB5481FA}" srcId="{839D0158-2D7A-439B-96A9-1BF3FE626DDC}" destId="{A59A882A-DB75-41DB-B951-04286F711748}" srcOrd="2" destOrd="0" parTransId="{3364D6F5-F7E7-49CE-B10C-C112F03EC495}" sibTransId="{CA2D6A72-D640-4EB9-9F50-B58031E05322}"/>
-    <dgm:cxn modelId="{D4C67C49-859F-46A2-BA4E-EDB2E82A4BC1}" type="presOf" srcId="{DEED3D8B-AD70-47D9-8789-8CDEB3F75D86}" destId="{10B43682-6687-4DC5-BFA2-AB85A8D85C36}" srcOrd="0" destOrd="0" presId="urn:microsoft.com/office/officeart/2008/layout/NameandTitleOrganizationalChart"/>
-    <dgm:cxn modelId="{0D1B10B0-B975-4527-8276-40D290C7BEB7}" type="presOf" srcId="{6F5B298D-7679-40B4-9A1D-1B61326E82DE}" destId="{14D029E2-857D-44DD-8D05-298004F76829}" srcOrd="0" destOrd="0" presId="urn:microsoft.com/office/officeart/2008/layout/NameandTitleOrganizationalChart"/>
-    <dgm:cxn modelId="{B43EBA2E-CAD9-4D2A-BF90-5C8FB9E280DF}" type="presOf" srcId="{7958BAF1-AC0E-4C1B-B8C7-3A4CD7E685F1}" destId="{E40C5F05-0338-45A8-B7D0-E8A053335D38}" srcOrd="0" destOrd="0" presId="urn:microsoft.com/office/officeart/2008/layout/NameandTitleOrganizationalChart"/>
-    <dgm:cxn modelId="{6235C5E6-65F8-4660-8559-3C633A74D395}" type="presOf" srcId="{7354ABA8-9E80-429F-B1E9-156C636CA7FA}" destId="{A915B997-D069-4A8C-B1E7-D46EF803B71E}" srcOrd="0" destOrd="0" presId="urn:microsoft.com/office/officeart/2008/layout/NameandTitleOrganizationalChart"/>
-    <dgm:cxn modelId="{E553A047-77B2-451E-9FBC-8A890DC85378}" type="presOf" srcId="{2DD29D65-0C80-4BD4-BEBE-6312B8FC4F32}" destId="{857C9215-7C13-4516-AC18-FD3F2C4BFD5F}" srcOrd="0" destOrd="0" presId="urn:microsoft.com/office/officeart/2008/layout/NameandTitleOrganizationalChart"/>
-    <dgm:cxn modelId="{E8C3DC23-16C9-4CDB-8BB7-3CFC4B15713A}" type="presOf" srcId="{661C8416-2309-47AC-8FAB-6743BC342425}" destId="{1B539F46-2427-4495-B461-E8B9E90B0F50}" srcOrd="1" destOrd="0" presId="urn:microsoft.com/office/officeart/2008/layout/NameandTitleOrganizationalChart"/>
-    <dgm:cxn modelId="{4C4AEF4C-6010-45EA-B27E-0415DE868B5D}" type="presParOf" srcId="{0515EDE4-C812-4B8D-BEEF-9837D84150D0}" destId="{41679268-1CA9-44EF-B555-051460466F09}" srcOrd="0" destOrd="0" presId="urn:microsoft.com/office/officeart/2008/layout/NameandTitleOrganizationalChart"/>
-    <dgm:cxn modelId="{A1CB1966-844E-43FE-8153-2DF6B5991B84}" type="presParOf" srcId="{41679268-1CA9-44EF-B555-051460466F09}" destId="{35A51423-09A5-4E46-AC5E-BBDBB1DFEEA3}" srcOrd="0" destOrd="0" presId="urn:microsoft.com/office/officeart/2008/layout/NameandTitleOrganizationalChart"/>
-    <dgm:cxn modelId="{9A7675E3-BC4D-4A90-9995-164E18BE3BEA}" type="presParOf" srcId="{35A51423-09A5-4E46-AC5E-BBDBB1DFEEA3}" destId="{555700FD-AA40-4582-B659-59AC4E37F049}" srcOrd="0" destOrd="0" presId="urn:microsoft.com/office/officeart/2008/layout/NameandTitleOrganizationalChart"/>
-    <dgm:cxn modelId="{9D2868F8-AC33-410A-82A9-A06BF931D00B}" type="presParOf" srcId="{35A51423-09A5-4E46-AC5E-BBDBB1DFEEA3}" destId="{1F05F368-BF99-46C6-A7E9-3EBDC2C62F57}" srcOrd="1" destOrd="0" presId="urn:microsoft.com/office/officeart/2008/layout/NameandTitleOrganizationalChart"/>
-    <dgm:cxn modelId="{8D05B1E1-542D-45CD-A337-D83662FCDD67}" type="presParOf" srcId="{35A51423-09A5-4E46-AC5E-BBDBB1DFEEA3}" destId="{6E91267B-49DE-42AE-A8CD-852EF350B49A}" srcOrd="2" destOrd="0" presId="urn:microsoft.com/office/officeart/2008/layout/NameandTitleOrganizationalChart"/>
-    <dgm:cxn modelId="{B41A4C21-F883-47C4-8B0D-E7750DC821F9}" type="presParOf" srcId="{41679268-1CA9-44EF-B555-051460466F09}" destId="{E4DBF0F7-9D37-49B1-AB3E-5E8D1041450A}" srcOrd="1" destOrd="0" presId="urn:microsoft.com/office/officeart/2008/layout/NameandTitleOrganizationalChart"/>
-    <dgm:cxn modelId="{DFEB9A8E-DB84-461B-A66A-B036C454569E}" type="presParOf" srcId="{E4DBF0F7-9D37-49B1-AB3E-5E8D1041450A}" destId="{A6BB3BB5-F189-4A90-B369-04D4E83D3F6C}" srcOrd="0" destOrd="0" presId="urn:microsoft.com/office/officeart/2008/layout/NameandTitleOrganizationalChart"/>
-    <dgm:cxn modelId="{8E66A856-F0D9-47CD-A741-649E8C304FC1}" type="presParOf" srcId="{E4DBF0F7-9D37-49B1-AB3E-5E8D1041450A}" destId="{FA2DDA53-AE05-4A24-BE1D-0D1BA18C8B46}" srcOrd="1" destOrd="0" presId="urn:microsoft.com/office/officeart/2008/layout/NameandTitleOrganizationalChart"/>
-    <dgm:cxn modelId="{C8193C83-325F-4E24-BB93-5B1DFB9F7959}" type="presParOf" srcId="{FA2DDA53-AE05-4A24-BE1D-0D1BA18C8B46}" destId="{728BB34D-1891-4525-9433-E4FC1A17630F}" srcOrd="0" destOrd="0" presId="urn:microsoft.com/office/officeart/2008/layout/NameandTitleOrganizationalChart"/>
-    <dgm:cxn modelId="{43CFE072-6DBD-47FB-93DA-D563686C5D82}" type="presParOf" srcId="{728BB34D-1891-4525-9433-E4FC1A17630F}" destId="{10B43682-6687-4DC5-BFA2-AB85A8D85C36}" srcOrd="0" destOrd="0" presId="urn:microsoft.com/office/officeart/2008/layout/NameandTitleOrganizationalChart"/>
-    <dgm:cxn modelId="{A4EAA328-3F3A-44DC-BAA5-458E6D41ABC3}" type="presParOf" srcId="{728BB34D-1891-4525-9433-E4FC1A17630F}" destId="{0FD5DF1D-EC21-4B09-AC24-AA027332DCDD}" srcOrd="1" destOrd="0" presId="urn:microsoft.com/office/officeart/2008/layout/NameandTitleOrganizationalChart"/>
-    <dgm:cxn modelId="{4BDC882C-F697-4CCA-9BD1-8D346239BD97}" type="presParOf" srcId="{728BB34D-1891-4525-9433-E4FC1A17630F}" destId="{F53F67C0-7E76-44D4-884F-9AC6B9873796}" srcOrd="2" destOrd="0" presId="urn:microsoft.com/office/officeart/2008/layout/NameandTitleOrganizationalChart"/>
-    <dgm:cxn modelId="{591CF74E-BEB2-460E-87B7-FD7627352CA4}" type="presParOf" srcId="{FA2DDA53-AE05-4A24-BE1D-0D1BA18C8B46}" destId="{D5D005EE-9E2D-48F6-A1C9-396306805A58}" srcOrd="1" destOrd="0" presId="urn:microsoft.com/office/officeart/2008/layout/NameandTitleOrganizationalChart"/>
-    <dgm:cxn modelId="{64985802-311D-409D-9AAA-47F259BFC1FB}" type="presParOf" srcId="{FA2DDA53-AE05-4A24-BE1D-0D1BA18C8B46}" destId="{3F0B8500-1FE7-4B80-8486-0C968B4364F7}" srcOrd="2" destOrd="0" presId="urn:microsoft.com/office/officeart/2008/layout/NameandTitleOrganizationalChart"/>
-    <dgm:cxn modelId="{37B4F2E5-13DC-4410-A42D-026D6B2A2CAF}" type="presParOf" srcId="{E4DBF0F7-9D37-49B1-AB3E-5E8D1041450A}" destId="{45A787A3-FFA2-407A-BB12-A7C99D2DDA1B}" srcOrd="2" destOrd="0" presId="urn:microsoft.com/office/officeart/2008/layout/NameandTitleOrganizationalChart"/>
-    <dgm:cxn modelId="{6D2827AC-F5F2-46E4-938D-17F2DD9E8D0C}" type="presParOf" srcId="{E4DBF0F7-9D37-49B1-AB3E-5E8D1041450A}" destId="{946363A1-6EDD-4C9D-9EB7-431BE1EDC79D}" srcOrd="3" destOrd="0" presId="urn:microsoft.com/office/officeart/2008/layout/NameandTitleOrganizationalChart"/>
-    <dgm:cxn modelId="{753DEC34-6B3C-474B-8080-224C0755843A}" type="presParOf" srcId="{946363A1-6EDD-4C9D-9EB7-431BE1EDC79D}" destId="{30982805-3EEE-4730-AE3B-A01DA94D6EEC}" srcOrd="0" destOrd="0" presId="urn:microsoft.com/office/officeart/2008/layout/NameandTitleOrganizationalChart"/>
-    <dgm:cxn modelId="{EA3BBBEB-37F7-44B5-B3B3-D818B9F3ED18}" type="presParOf" srcId="{30982805-3EEE-4730-AE3B-A01DA94D6EEC}" destId="{58658A57-F34E-43CB-B848-40532E461413}" srcOrd="0" destOrd="0" presId="urn:microsoft.com/office/officeart/2008/layout/NameandTitleOrganizationalChart"/>
-    <dgm:cxn modelId="{914E0895-C251-4B92-B81B-B714EDF7C13A}" type="presParOf" srcId="{30982805-3EEE-4730-AE3B-A01DA94D6EEC}" destId="{D693B454-6F4B-4970-B8B6-949289197DB8}" srcOrd="1" destOrd="0" presId="urn:microsoft.com/office/officeart/2008/layout/NameandTitleOrganizationalChart"/>
-    <dgm:cxn modelId="{55E5B4E4-440F-46FC-A7E4-62347B81FBD7}" type="presParOf" srcId="{30982805-3EEE-4730-AE3B-A01DA94D6EEC}" destId="{D4BF0491-8AF1-4260-8571-05B457FDA218}" srcOrd="2" destOrd="0" presId="urn:microsoft.com/office/officeart/2008/layout/NameandTitleOrganizationalChart"/>
-    <dgm:cxn modelId="{3D3061D6-9AC5-482C-9710-234F412A26E6}" type="presParOf" srcId="{946363A1-6EDD-4C9D-9EB7-431BE1EDC79D}" destId="{3FE27E54-4C27-49BB-A1B4-7D9B0832F4B9}" srcOrd="1" destOrd="0" presId="urn:microsoft.com/office/officeart/2008/layout/NameandTitleOrganizationalChart"/>
-    <dgm:cxn modelId="{FBC04EA5-9B26-438C-B18C-E2602EA52FE9}" type="presParOf" srcId="{3FE27E54-4C27-49BB-A1B4-7D9B0832F4B9}" destId="{544E9106-F8F5-4B6A-996B-D0DD8FAA5BC1}" srcOrd="0" destOrd="0" presId="urn:microsoft.com/office/officeart/2008/layout/NameandTitleOrganizationalChart"/>
-    <dgm:cxn modelId="{9F215845-7EC6-4A14-A80D-C706D7FF7950}" type="presParOf" srcId="{3FE27E54-4C27-49BB-A1B4-7D9B0832F4B9}" destId="{C7493CF4-ACD1-4280-A1D2-B89E8C39F8BB}" srcOrd="1" destOrd="0" presId="urn:microsoft.com/office/officeart/2008/layout/NameandTitleOrganizationalChart"/>
-    <dgm:cxn modelId="{7AD36665-E6A3-41EC-8AE8-2677BECAAD0A}" type="presParOf" srcId="{C7493CF4-ACD1-4280-A1D2-B89E8C39F8BB}" destId="{D8D8F905-498C-407E-9018-7DD375C0C869}" srcOrd="0" destOrd="0" presId="urn:microsoft.com/office/officeart/2008/layout/NameandTitleOrganizationalChart"/>
-    <dgm:cxn modelId="{18987693-2503-4165-8061-66949A58EED8}" type="presParOf" srcId="{D8D8F905-498C-407E-9018-7DD375C0C869}" destId="{ACBB3B08-68C2-4344-A50D-E204FD0C0CFB}" srcOrd="0" destOrd="0" presId="urn:microsoft.com/office/officeart/2008/layout/NameandTitleOrganizationalChart"/>
-    <dgm:cxn modelId="{9F2D7A67-F7AA-49BF-BDDB-696F2A6921C0}" type="presParOf" srcId="{D8D8F905-498C-407E-9018-7DD375C0C869}" destId="{3ECB79BF-956F-4515-82CE-A34E2A419DED}" srcOrd="1" destOrd="0" presId="urn:microsoft.com/office/officeart/2008/layout/NameandTitleOrganizationalChart"/>
-    <dgm:cxn modelId="{8E1ABE72-E24E-4E93-B95A-F7465831A92E}" type="presParOf" srcId="{D8D8F905-498C-407E-9018-7DD375C0C869}" destId="{85EEEA9E-9FAE-47B3-9A20-BA45C5BA6C2E}" srcOrd="2" destOrd="0" presId="urn:microsoft.com/office/officeart/2008/layout/NameandTitleOrganizationalChart"/>
-    <dgm:cxn modelId="{F1610E0C-FC3B-4EF0-B8BB-A22DB67D1A19}" type="presParOf" srcId="{C7493CF4-ACD1-4280-A1D2-B89E8C39F8BB}" destId="{737E95F7-4ECC-467D-8519-B73D920F6687}" srcOrd="1" destOrd="0" presId="urn:microsoft.com/office/officeart/2008/layout/NameandTitleOrganizationalChart"/>
-    <dgm:cxn modelId="{49AB111C-5E47-4D93-ABCC-AAC8EE3A99B2}" type="presParOf" srcId="{C7493CF4-ACD1-4280-A1D2-B89E8C39F8BB}" destId="{CA818349-FBB4-4653-A46D-751EF72A58DF}" srcOrd="2" destOrd="0" presId="urn:microsoft.com/office/officeart/2008/layout/NameandTitleOrganizationalChart"/>
-    <dgm:cxn modelId="{57D8EDE5-40B1-474D-900E-AC6943F824D7}" type="presParOf" srcId="{946363A1-6EDD-4C9D-9EB7-431BE1EDC79D}" destId="{D87E9A05-5543-4872-8A34-5B25BEFEF8C9}" srcOrd="2" destOrd="0" presId="urn:microsoft.com/office/officeart/2008/layout/NameandTitleOrganizationalChart"/>
-    <dgm:cxn modelId="{297EB4B4-5E80-4981-99EE-F7E670D87925}" type="presParOf" srcId="{E4DBF0F7-9D37-49B1-AB3E-5E8D1041450A}" destId="{6B22B48A-0202-4F36-B2F7-FB3011BAC22B}" srcOrd="4" destOrd="0" presId="urn:microsoft.com/office/officeart/2008/layout/NameandTitleOrganizationalChart"/>
-    <dgm:cxn modelId="{6E0EB9AD-4842-4C40-8352-795040AF9033}" type="presParOf" srcId="{E4DBF0F7-9D37-49B1-AB3E-5E8D1041450A}" destId="{6A4AAA56-DB58-4F17-9E8A-793C0CF7B0D6}" srcOrd="5" destOrd="0" presId="urn:microsoft.com/office/officeart/2008/layout/NameandTitleOrganizationalChart"/>
-    <dgm:cxn modelId="{BA98D874-2F84-4477-88D2-64FEBC22C34B}" type="presParOf" srcId="{6A4AAA56-DB58-4F17-9E8A-793C0CF7B0D6}" destId="{1DD1B8FA-9112-4C8B-98B7-757E89ECECEB}" srcOrd="0" destOrd="0" presId="urn:microsoft.com/office/officeart/2008/layout/NameandTitleOrganizationalChart"/>
-    <dgm:cxn modelId="{D3ACA463-CB68-4360-A72C-E93CE47C9D88}" type="presParOf" srcId="{1DD1B8FA-9112-4C8B-98B7-757E89ECECEB}" destId="{4A3C919E-E6ED-4AE4-A060-6F2B545E9E90}" srcOrd="0" destOrd="0" presId="urn:microsoft.com/office/officeart/2008/layout/NameandTitleOrganizationalChart"/>
-    <dgm:cxn modelId="{6CCFC0CC-2474-4866-BA46-A06E28DDC0D7}" type="presParOf" srcId="{1DD1B8FA-9112-4C8B-98B7-757E89ECECEB}" destId="{4933D671-7E56-43F7-8E77-31F8A7226A7E}" srcOrd="1" destOrd="0" presId="urn:microsoft.com/office/officeart/2008/layout/NameandTitleOrganizationalChart"/>
-    <dgm:cxn modelId="{8C86E75D-A714-40C2-B661-6F3E36AA7F5E}" type="presParOf" srcId="{1DD1B8FA-9112-4C8B-98B7-757E89ECECEB}" destId="{2A230014-4953-407B-9C6D-3E2CCF513391}" srcOrd="2" destOrd="0" presId="urn:microsoft.com/office/officeart/2008/layout/NameandTitleOrganizationalChart"/>
-    <dgm:cxn modelId="{94BCEDD5-4C5D-427C-998F-7CC4E93B1895}" type="presParOf" srcId="{6A4AAA56-DB58-4F17-9E8A-793C0CF7B0D6}" destId="{D47B46A5-AA2C-4298-A5FC-1E081607BC50}" srcOrd="1" destOrd="0" presId="urn:microsoft.com/office/officeart/2008/layout/NameandTitleOrganizationalChart"/>
-    <dgm:cxn modelId="{30C100F5-F8E6-4E52-8B15-16F0267AB382}" type="presParOf" srcId="{D47B46A5-AA2C-4298-A5FC-1E081607BC50}" destId="{A915B997-D069-4A8C-B1E7-D46EF803B71E}" srcOrd="0" destOrd="0" presId="urn:microsoft.com/office/officeart/2008/layout/NameandTitleOrganizationalChart"/>
-    <dgm:cxn modelId="{4D09ACC6-69D0-4761-8EC5-CE99A3246DCD}" type="presParOf" srcId="{D47B46A5-AA2C-4298-A5FC-1E081607BC50}" destId="{F5FA87FE-DF4A-4BEF-B611-643CC76A9E5E}" srcOrd="1" destOrd="0" presId="urn:microsoft.com/office/officeart/2008/layout/NameandTitleOrganizationalChart"/>
-    <dgm:cxn modelId="{3257A9AB-A3D1-48A5-96C0-B106134ED610}" type="presParOf" srcId="{F5FA87FE-DF4A-4BEF-B611-643CC76A9E5E}" destId="{5C5375EC-F438-4145-AF73-DDC770F48C03}" srcOrd="0" destOrd="0" presId="urn:microsoft.com/office/officeart/2008/layout/NameandTitleOrganizationalChart"/>
-    <dgm:cxn modelId="{07BA500E-7CAA-4170-8B4E-E14DE16E666E}" type="presParOf" srcId="{5C5375EC-F438-4145-AF73-DDC770F48C03}" destId="{61AB0F4D-CF14-4B60-BD1D-D6A5B82A4AE4}" srcOrd="0" destOrd="0" presId="urn:microsoft.com/office/officeart/2008/layout/NameandTitleOrganizationalChart"/>
-    <dgm:cxn modelId="{B6672E78-0635-4826-9605-41F1919D04C2}" type="presParOf" srcId="{5C5375EC-F438-4145-AF73-DDC770F48C03}" destId="{F5E01D96-F901-42BD-8A6F-51F03A5B3052}" srcOrd="1" destOrd="0" presId="urn:microsoft.com/office/officeart/2008/layout/NameandTitleOrganizationalChart"/>
-    <dgm:cxn modelId="{3FDDA2E8-6FBE-4870-8192-ADE04F29C52E}" type="presParOf" srcId="{5C5375EC-F438-4145-AF73-DDC770F48C03}" destId="{E647ED3E-EC79-4DD6-A13C-2DDECC481E0D}" srcOrd="2" destOrd="0" presId="urn:microsoft.com/office/officeart/2008/layout/NameandTitleOrganizationalChart"/>
-    <dgm:cxn modelId="{93191D5E-78AA-433D-888E-FF05F80AFEBD}" type="presParOf" srcId="{F5FA87FE-DF4A-4BEF-B611-643CC76A9E5E}" destId="{1D89FFB0-331C-485E-84F8-83A7B740318D}" srcOrd="1" destOrd="0" presId="urn:microsoft.com/office/officeart/2008/layout/NameandTitleOrganizationalChart"/>
-    <dgm:cxn modelId="{B7F4D3B1-474B-4C44-B376-85B80C3F2ABC}" type="presParOf" srcId="{F5FA87FE-DF4A-4BEF-B611-643CC76A9E5E}" destId="{6906AEA4-A31E-4868-AF4A-BA8341C6F986}" srcOrd="2" destOrd="0" presId="urn:microsoft.com/office/officeart/2008/layout/NameandTitleOrganizationalChart"/>
-    <dgm:cxn modelId="{66DCA848-AECF-4DC0-BAF2-2DF40865E544}" type="presParOf" srcId="{D47B46A5-AA2C-4298-A5FC-1E081607BC50}" destId="{CE2E4353-BD8A-4F45-A638-E6358569883D}" srcOrd="2" destOrd="0" presId="urn:microsoft.com/office/officeart/2008/layout/NameandTitleOrganizationalChart"/>
-    <dgm:cxn modelId="{6D141D5A-DA8B-423E-B1BB-3A8459519C6D}" type="presParOf" srcId="{D47B46A5-AA2C-4298-A5FC-1E081607BC50}" destId="{EA4A0A70-82E7-44D7-A372-AAC17ED7FB51}" srcOrd="3" destOrd="0" presId="urn:microsoft.com/office/officeart/2008/layout/NameandTitleOrganizationalChart"/>
-    <dgm:cxn modelId="{54B7CFEA-DC69-4AE8-9C6E-6C27D2EE1E79}" type="presParOf" srcId="{EA4A0A70-82E7-44D7-A372-AAC17ED7FB51}" destId="{1AB4EC99-FD4F-40E8-877A-EC39EEAC4A48}" srcOrd="0" destOrd="0" presId="urn:microsoft.com/office/officeart/2008/layout/NameandTitleOrganizationalChart"/>
-    <dgm:cxn modelId="{D79C8938-0D16-425F-A8FB-9D962347254B}" type="presParOf" srcId="{1AB4EC99-FD4F-40E8-877A-EC39EEAC4A48}" destId="{0A2CE9A4-8D25-49F6-8B49-D81B37C989C7}" srcOrd="0" destOrd="0" presId="urn:microsoft.com/office/officeart/2008/layout/NameandTitleOrganizationalChart"/>
-    <dgm:cxn modelId="{0CBC7FC2-9700-4D54-BAD5-061EDA7DC373}" type="presParOf" srcId="{1AB4EC99-FD4F-40E8-877A-EC39EEAC4A48}" destId="{857C9215-7C13-4516-AC18-FD3F2C4BFD5F}" srcOrd="1" destOrd="0" presId="urn:microsoft.com/office/officeart/2008/layout/NameandTitleOrganizationalChart"/>
-    <dgm:cxn modelId="{6692DF55-114A-489A-ABD0-AE4A65AFDED1}" type="presParOf" srcId="{1AB4EC99-FD4F-40E8-877A-EC39EEAC4A48}" destId="{CDF69DB3-4B84-4537-9CD9-B425CFF0D429}" srcOrd="2" destOrd="0" presId="urn:microsoft.com/office/officeart/2008/layout/NameandTitleOrganizationalChart"/>
-    <dgm:cxn modelId="{293B6E37-3843-4E59-93E9-7BF0420DDB65}" type="presParOf" srcId="{EA4A0A70-82E7-44D7-A372-AAC17ED7FB51}" destId="{A1151F11-41F7-4F62-B5D1-16870F6FE0BA}" srcOrd="1" destOrd="0" presId="urn:microsoft.com/office/officeart/2008/layout/NameandTitleOrganizationalChart"/>
-    <dgm:cxn modelId="{9814BD66-357B-44F3-8D40-637F7729D09C}" type="presParOf" srcId="{EA4A0A70-82E7-44D7-A372-AAC17ED7FB51}" destId="{0D807E9D-22BD-4953-A153-39A721D8D8A1}" srcOrd="2" destOrd="0" presId="urn:microsoft.com/office/officeart/2008/layout/NameandTitleOrganizationalChart"/>
-    <dgm:cxn modelId="{DADC4CAC-2F52-4817-B793-8EDDF43275C7}" type="presParOf" srcId="{6A4AAA56-DB58-4F17-9E8A-793C0CF7B0D6}" destId="{9A4A9C17-0923-46D4-A1A1-A636CEF4C260}" srcOrd="2" destOrd="0" presId="urn:microsoft.com/office/officeart/2008/layout/NameandTitleOrganizationalChart"/>
-    <dgm:cxn modelId="{30C7705B-195C-475D-9BF0-E4AB7079DBDB}" type="presParOf" srcId="{E4DBF0F7-9D37-49B1-AB3E-5E8D1041450A}" destId="{4A414198-6913-4403-B86E-D9CC3557EE96}" srcOrd="6" destOrd="0" presId="urn:microsoft.com/office/officeart/2008/layout/NameandTitleOrganizationalChart"/>
-    <dgm:cxn modelId="{6F0AB365-473D-468C-87B7-DCEC54E17E30}" type="presParOf" srcId="{E4DBF0F7-9D37-49B1-AB3E-5E8D1041450A}" destId="{C90FCA71-8B41-4D73-98B2-044CFFBF4C8D}" srcOrd="7" destOrd="0" presId="urn:microsoft.com/office/officeart/2008/layout/NameandTitleOrganizationalChart"/>
-    <dgm:cxn modelId="{21462A8E-A09A-48CC-9310-6D593FF7F5A3}" type="presParOf" srcId="{C90FCA71-8B41-4D73-98B2-044CFFBF4C8D}" destId="{96D29FB0-2F89-432F-BE64-BF9D1D4C58DA}" srcOrd="0" destOrd="0" presId="urn:microsoft.com/office/officeart/2008/layout/NameandTitleOrganizationalChart"/>
-    <dgm:cxn modelId="{B7EEF956-3C53-4F40-BCBD-DD0FAD347161}" type="presParOf" srcId="{96D29FB0-2F89-432F-BE64-BF9D1D4C58DA}" destId="{4996D975-3F95-46BE-839D-5AB048C8D420}" srcOrd="0" destOrd="0" presId="urn:microsoft.com/office/officeart/2008/layout/NameandTitleOrganizationalChart"/>
-    <dgm:cxn modelId="{72DB414D-BBDF-490F-929D-49CBF87974B6}" type="presParOf" srcId="{96D29FB0-2F89-432F-BE64-BF9D1D4C58DA}" destId="{C7AEA70C-6D94-449E-9630-786CC9F377F0}" srcOrd="1" destOrd="0" presId="urn:microsoft.com/office/officeart/2008/layout/NameandTitleOrganizationalChart"/>
-    <dgm:cxn modelId="{B82A28F5-8C60-4716-8926-92757DC1D44C}" type="presParOf" srcId="{96D29FB0-2F89-432F-BE64-BF9D1D4C58DA}" destId="{C4C2EEC8-66DD-454D-8C32-9EA356F00020}" srcOrd="2" destOrd="0" presId="urn:microsoft.com/office/officeart/2008/layout/NameandTitleOrganizationalChart"/>
-    <dgm:cxn modelId="{4C3AB3A5-F27E-4952-B4DC-57ACCD57638C}" type="presParOf" srcId="{C90FCA71-8B41-4D73-98B2-044CFFBF4C8D}" destId="{75B10FC5-9F82-4381-95DF-542A3696AF13}" srcOrd="1" destOrd="0" presId="urn:microsoft.com/office/officeart/2008/layout/NameandTitleOrganizationalChart"/>
-    <dgm:cxn modelId="{54279A78-4DA6-4955-A9AA-277EF6C7C308}" type="presParOf" srcId="{C90FCA71-8B41-4D73-98B2-044CFFBF4C8D}" destId="{F33990BB-B9B9-48BF-8461-A97C84FC4721}" srcOrd="2" destOrd="0" presId="urn:microsoft.com/office/officeart/2008/layout/NameandTitleOrganizationalChart"/>
-    <dgm:cxn modelId="{106DBA31-C1AF-4C32-B5D9-D7D413209E96}" type="presParOf" srcId="{E4DBF0F7-9D37-49B1-AB3E-5E8D1041450A}" destId="{8845CA0E-BE2B-4F5A-855D-010C1ECEB759}" srcOrd="8" destOrd="0" presId="urn:microsoft.com/office/officeart/2008/layout/NameandTitleOrganizationalChart"/>
-    <dgm:cxn modelId="{79188224-2151-4F5D-A686-0469B0F38276}" type="presParOf" srcId="{E4DBF0F7-9D37-49B1-AB3E-5E8D1041450A}" destId="{CA0A6E9A-5559-4A4D-870A-E81EA07245C8}" srcOrd="9" destOrd="0" presId="urn:microsoft.com/office/officeart/2008/layout/NameandTitleOrganizationalChart"/>
-    <dgm:cxn modelId="{2303DD03-3274-4731-AB88-F67976F8B523}" type="presParOf" srcId="{CA0A6E9A-5559-4A4D-870A-E81EA07245C8}" destId="{4499867F-CF89-4CE6-9DB3-7E4C29BECEC5}" srcOrd="0" destOrd="0" presId="urn:microsoft.com/office/officeart/2008/layout/NameandTitleOrganizationalChart"/>
-    <dgm:cxn modelId="{01AB9FBC-AE40-453E-A33F-071BAC9C0A9B}" type="presParOf" srcId="{4499867F-CF89-4CE6-9DB3-7E4C29BECEC5}" destId="{CFE89546-24BB-4E4C-B9D2-6DC5A4860191}" srcOrd="0" destOrd="0" presId="urn:microsoft.com/office/officeart/2008/layout/NameandTitleOrganizationalChart"/>
-    <dgm:cxn modelId="{FF3C2E8F-0A22-4F81-9104-689FF6C08110}" type="presParOf" srcId="{4499867F-CF89-4CE6-9DB3-7E4C29BECEC5}" destId="{90FBBA83-F3A2-496E-B603-5C919CDC1663}" srcOrd="1" destOrd="0" presId="urn:microsoft.com/office/officeart/2008/layout/NameandTitleOrganizationalChart"/>
-    <dgm:cxn modelId="{2A630A1E-E760-4BF2-BF91-CDAB9C96FD46}" type="presParOf" srcId="{4499867F-CF89-4CE6-9DB3-7E4C29BECEC5}" destId="{E32E92E3-3108-403C-91EB-FD05497EC20B}" srcOrd="2" destOrd="0" presId="urn:microsoft.com/office/officeart/2008/layout/NameandTitleOrganizationalChart"/>
-    <dgm:cxn modelId="{787F8B10-684D-40E5-935B-9701D8616072}" type="presParOf" srcId="{CA0A6E9A-5559-4A4D-870A-E81EA07245C8}" destId="{5A5BF3B2-5022-4F1A-87C3-C7FF3E9CA9AE}" srcOrd="1" destOrd="0" presId="urn:microsoft.com/office/officeart/2008/layout/NameandTitleOrganizationalChart"/>
-    <dgm:cxn modelId="{8CCDF7B1-2880-445F-82FB-5BABC28DCF9F}" type="presParOf" srcId="{CA0A6E9A-5559-4A4D-870A-E81EA07245C8}" destId="{EB97D95B-9D82-4A01-9BAC-550BF369A03E}" srcOrd="2" destOrd="0" presId="urn:microsoft.com/office/officeart/2008/layout/NameandTitleOrganizationalChart"/>
-    <dgm:cxn modelId="{98C47BDD-24B9-4C33-BD97-1E8B1A14A6C8}" type="presParOf" srcId="{E4DBF0F7-9D37-49B1-AB3E-5E8D1041450A}" destId="{4FC0B709-2FD3-435C-A778-E0A0FCB0CF86}" srcOrd="10" destOrd="0" presId="urn:microsoft.com/office/officeart/2008/layout/NameandTitleOrganizationalChart"/>
-    <dgm:cxn modelId="{ABA1DFED-A877-4B58-A491-CF33828F6B22}" type="presParOf" srcId="{E4DBF0F7-9D37-49B1-AB3E-5E8D1041450A}" destId="{D78CE677-D61E-468A-8478-7536B3828CDB}" srcOrd="11" destOrd="0" presId="urn:microsoft.com/office/officeart/2008/layout/NameandTitleOrganizationalChart"/>
-    <dgm:cxn modelId="{99C43081-00E5-4345-B69C-D52A472BFE5A}" type="presParOf" srcId="{D78CE677-D61E-468A-8478-7536B3828CDB}" destId="{C156DF43-7073-483A-B4B6-12A2D35FC15B}" srcOrd="0" destOrd="0" presId="urn:microsoft.com/office/officeart/2008/layout/NameandTitleOrganizationalChart"/>
-    <dgm:cxn modelId="{1B28DF80-1EDE-413E-8C9B-68DED634E190}" type="presParOf" srcId="{C156DF43-7073-483A-B4B6-12A2D35FC15B}" destId="{AFB9D362-2BF1-4804-8A88-816D440A7C19}" srcOrd="0" destOrd="0" presId="urn:microsoft.com/office/officeart/2008/layout/NameandTitleOrganizationalChart"/>
-    <dgm:cxn modelId="{84749235-EEC1-4B7F-A9F3-9A9893EE2BCE}" type="presParOf" srcId="{C156DF43-7073-483A-B4B6-12A2D35FC15B}" destId="{55B4F1BF-50C6-4C22-949C-BA9C1E23C5FB}" srcOrd="1" destOrd="0" presId="urn:microsoft.com/office/officeart/2008/layout/NameandTitleOrganizationalChart"/>
-    <dgm:cxn modelId="{3152505D-9601-465B-9B06-DD20A0969128}" type="presParOf" srcId="{C156DF43-7073-483A-B4B6-12A2D35FC15B}" destId="{57B1C94E-13F2-4F04-B8AC-E2408A4C2CE8}" srcOrd="2" destOrd="0" presId="urn:microsoft.com/office/officeart/2008/layout/NameandTitleOrganizationalChart"/>
-    <dgm:cxn modelId="{88AF3AA9-2D3D-4007-BE9B-BD726943F452}" type="presParOf" srcId="{D78CE677-D61E-468A-8478-7536B3828CDB}" destId="{F80724BA-76B4-4167-86BE-01CD4E2E464F}" srcOrd="1" destOrd="0" presId="urn:microsoft.com/office/officeart/2008/layout/NameandTitleOrganizationalChart"/>
-    <dgm:cxn modelId="{FC143C4B-8C41-48E6-B888-D326BEE7D13B}" type="presParOf" srcId="{D78CE677-D61E-468A-8478-7536B3828CDB}" destId="{6F8C32EF-9735-45BE-B20B-68DFDFC6BB5F}" srcOrd="2" destOrd="0" presId="urn:microsoft.com/office/officeart/2008/layout/NameandTitleOrganizationalChart"/>
-    <dgm:cxn modelId="{5F783288-1CF1-45F7-893F-CF885ACBD319}" type="presParOf" srcId="{E4DBF0F7-9D37-49B1-AB3E-5E8D1041450A}" destId="{8BA98E0A-A619-4440-8B4C-83924A4097B9}" srcOrd="12" destOrd="0" presId="urn:microsoft.com/office/officeart/2008/layout/NameandTitleOrganizationalChart"/>
-    <dgm:cxn modelId="{D8EB14CA-36C8-4DA5-9834-8E2304CFE1A3}" type="presParOf" srcId="{E4DBF0F7-9D37-49B1-AB3E-5E8D1041450A}" destId="{EB36179F-7601-496A-9E95-05435F0A5EC3}" srcOrd="13" destOrd="0" presId="urn:microsoft.com/office/officeart/2008/layout/NameandTitleOrganizationalChart"/>
-    <dgm:cxn modelId="{873A4A25-81AD-43B6-A8AF-A607065C1E5A}" type="presParOf" srcId="{EB36179F-7601-496A-9E95-05435F0A5EC3}" destId="{B49845F0-2044-4198-9483-59633974C04A}" srcOrd="0" destOrd="0" presId="urn:microsoft.com/office/officeart/2008/layout/NameandTitleOrganizationalChart"/>
-    <dgm:cxn modelId="{BD65798F-311D-452D-843D-C502B5CDE0DB}" type="presParOf" srcId="{B49845F0-2044-4198-9483-59633974C04A}" destId="{DF34769E-4D2F-4126-BB2D-4B4F109CD033}" srcOrd="0" destOrd="0" presId="urn:microsoft.com/office/officeart/2008/layout/NameandTitleOrganizationalChart"/>
-    <dgm:cxn modelId="{37A78C0A-285A-4049-BCA4-6DC3CD9FB519}" type="presParOf" srcId="{B49845F0-2044-4198-9483-59633974C04A}" destId="{1C8C9553-1E22-430B-9DE4-B54B68EA990F}" srcOrd="1" destOrd="0" presId="urn:microsoft.com/office/officeart/2008/layout/NameandTitleOrganizationalChart"/>
-    <dgm:cxn modelId="{AB7E3DE9-9711-4E3B-B520-CC583E0EBD74}" type="presParOf" srcId="{B49845F0-2044-4198-9483-59633974C04A}" destId="{03155D01-EEDA-410A-BB21-82536405A280}" srcOrd="2" destOrd="0" presId="urn:microsoft.com/office/officeart/2008/layout/NameandTitleOrganizationalChart"/>
-    <dgm:cxn modelId="{3998A2EA-D881-4BE2-8B7C-27D98C22302A}" type="presParOf" srcId="{EB36179F-7601-496A-9E95-05435F0A5EC3}" destId="{2390C930-0C43-41E4-A40A-B02B0962D4D0}" srcOrd="1" destOrd="0" presId="urn:microsoft.com/office/officeart/2008/layout/NameandTitleOrganizationalChart"/>
-    <dgm:cxn modelId="{95EEC42E-F72A-437A-94FB-648FBA92F001}" type="presParOf" srcId="{EB36179F-7601-496A-9E95-05435F0A5EC3}" destId="{016DED57-B8F2-4D16-B1BD-350AD927A22F}" srcOrd="2" destOrd="0" presId="urn:microsoft.com/office/officeart/2008/layout/NameandTitleOrganizationalChart"/>
-    <dgm:cxn modelId="{34E89B79-D8D5-4192-ADF6-4E70679040D8}" type="presParOf" srcId="{E4DBF0F7-9D37-49B1-AB3E-5E8D1041450A}" destId="{A2DC62C8-A6EB-4BF0-A343-4B7E2267ACE8}" srcOrd="14" destOrd="0" presId="urn:microsoft.com/office/officeart/2008/layout/NameandTitleOrganizationalChart"/>
-    <dgm:cxn modelId="{4680C393-D7FD-495A-A372-6327EFA1206B}" type="presParOf" srcId="{E4DBF0F7-9D37-49B1-AB3E-5E8D1041450A}" destId="{2DEAD533-39AE-4A4B-BAC3-B7DFE4E9C5F6}" srcOrd="15" destOrd="0" presId="urn:microsoft.com/office/officeart/2008/layout/NameandTitleOrganizationalChart"/>
-    <dgm:cxn modelId="{3D07C357-18D9-4D1A-B5DA-E2E41625ECFA}" type="presParOf" srcId="{2DEAD533-39AE-4A4B-BAC3-B7DFE4E9C5F6}" destId="{844C1298-442D-4D34-90F9-31A251F9533B}" srcOrd="0" destOrd="0" presId="urn:microsoft.com/office/officeart/2008/layout/NameandTitleOrganizationalChart"/>
-    <dgm:cxn modelId="{D468948E-448E-45A9-A405-4E416003EEB4}" type="presParOf" srcId="{844C1298-442D-4D34-90F9-31A251F9533B}" destId="{2362714B-268E-415C-AD8D-34969D37B522}" srcOrd="0" destOrd="0" presId="urn:microsoft.com/office/officeart/2008/layout/NameandTitleOrganizationalChart"/>
-    <dgm:cxn modelId="{8DA1047A-0C11-48AE-9F70-36DC7808C20C}" type="presParOf" srcId="{844C1298-442D-4D34-90F9-31A251F9533B}" destId="{56485E68-E0FD-4042-AB19-9272D79CF94C}" srcOrd="1" destOrd="0" presId="urn:microsoft.com/office/officeart/2008/layout/NameandTitleOrganizationalChart"/>
-    <dgm:cxn modelId="{CEABE3CA-B1E5-4CF7-9F13-DE3786E6298D}" type="presParOf" srcId="{844C1298-442D-4D34-90F9-31A251F9533B}" destId="{CAE0588A-30B1-498D-83C1-854AB145B671}" srcOrd="2" destOrd="0" presId="urn:microsoft.com/office/officeart/2008/layout/NameandTitleOrganizationalChart"/>
-    <dgm:cxn modelId="{99436AFB-5A9E-4F41-AA7C-42C7995E7107}" type="presParOf" srcId="{2DEAD533-39AE-4A4B-BAC3-B7DFE4E9C5F6}" destId="{39D43151-C966-4E88-9952-D319C8BECDCB}" srcOrd="1" destOrd="0" presId="urn:microsoft.com/office/officeart/2008/layout/NameandTitleOrganizationalChart"/>
-    <dgm:cxn modelId="{0C6CF35B-E42B-4671-8EB2-6A83AFAF291E}" type="presParOf" srcId="{2DEAD533-39AE-4A4B-BAC3-B7DFE4E9C5F6}" destId="{43BD9F14-C937-4316-A5CF-1ECB079150E0}" srcOrd="2" destOrd="0" presId="urn:microsoft.com/office/officeart/2008/layout/NameandTitleOrganizationalChart"/>
-    <dgm:cxn modelId="{4F0AF61D-CA8A-4F54-9C45-294669341DC6}" type="presParOf" srcId="{E4DBF0F7-9D37-49B1-AB3E-5E8D1041450A}" destId="{CC3A7496-1B4D-4162-A553-EB4E0CE86024}" srcOrd="16" destOrd="0" presId="urn:microsoft.com/office/officeart/2008/layout/NameandTitleOrganizationalChart"/>
-    <dgm:cxn modelId="{20FC8A7B-B712-4C02-A4E7-08FF0DC8E7F1}" type="presParOf" srcId="{E4DBF0F7-9D37-49B1-AB3E-5E8D1041450A}" destId="{019DDFBE-EDB2-4BA1-9B22-45AB7E1B1879}" srcOrd="17" destOrd="0" presId="urn:microsoft.com/office/officeart/2008/layout/NameandTitleOrganizationalChart"/>
-    <dgm:cxn modelId="{451E6137-5805-4F07-A5D6-F3434000B365}" type="presParOf" srcId="{019DDFBE-EDB2-4BA1-9B22-45AB7E1B1879}" destId="{1D9983F8-872C-431B-A93C-57BD9D9748D7}" srcOrd="0" destOrd="0" presId="urn:microsoft.com/office/officeart/2008/layout/NameandTitleOrganizationalChart"/>
-    <dgm:cxn modelId="{57D93B35-7D75-4F48-8961-660D14135121}" type="presParOf" srcId="{1D9983F8-872C-431B-A93C-57BD9D9748D7}" destId="{5869D7B0-BA87-41ED-83EA-DF4BB10E1B9B}" srcOrd="0" destOrd="0" presId="urn:microsoft.com/office/officeart/2008/layout/NameandTitleOrganizationalChart"/>
-    <dgm:cxn modelId="{9E797E7A-D520-4F02-A38E-320E45938C1F}" type="presParOf" srcId="{1D9983F8-872C-431B-A93C-57BD9D9748D7}" destId="{E54940C6-58E8-4CBA-B778-765232A8B46F}" srcOrd="1" destOrd="0" presId="urn:microsoft.com/office/officeart/2008/layout/NameandTitleOrganizationalChart"/>
-    <dgm:cxn modelId="{28FE51DD-BB05-4F6F-A612-227014D8C47E}" type="presParOf" srcId="{1D9983F8-872C-431B-A93C-57BD9D9748D7}" destId="{D0696D74-BB52-428D-8797-9FAAE6454F09}" srcOrd="2" destOrd="0" presId="urn:microsoft.com/office/officeart/2008/layout/NameandTitleOrganizationalChart"/>
-    <dgm:cxn modelId="{8AB494BA-AB90-4831-B519-36E4FD66CCEB}" type="presParOf" srcId="{019DDFBE-EDB2-4BA1-9B22-45AB7E1B1879}" destId="{4106926B-5851-4E90-A9B4-FB11CE570337}" srcOrd="1" destOrd="0" presId="urn:microsoft.com/office/officeart/2008/layout/NameandTitleOrganizationalChart"/>
-    <dgm:cxn modelId="{D01717A1-923F-4F12-AA6F-A57541A02B83}" type="presParOf" srcId="{4106926B-5851-4E90-A9B4-FB11CE570337}" destId="{29E9665A-8523-4979-A9A9-9985C65AD5BF}" srcOrd="0" destOrd="0" presId="urn:microsoft.com/office/officeart/2008/layout/NameandTitleOrganizationalChart"/>
-    <dgm:cxn modelId="{59DB4FB2-7F1B-4F05-851F-981C515F945D}" type="presParOf" srcId="{4106926B-5851-4E90-A9B4-FB11CE570337}" destId="{5DF05FAD-D6CD-47CD-9470-F457B48991BC}" srcOrd="1" destOrd="0" presId="urn:microsoft.com/office/officeart/2008/layout/NameandTitleOrganizationalChart"/>
-    <dgm:cxn modelId="{01EC04DE-B833-4BAF-9CD0-D215301A584D}" type="presParOf" srcId="{5DF05FAD-D6CD-47CD-9470-F457B48991BC}" destId="{B687C91A-E190-40EA-A503-69F24E65523C}" srcOrd="0" destOrd="0" presId="urn:microsoft.com/office/officeart/2008/layout/NameandTitleOrganizationalChart"/>
-    <dgm:cxn modelId="{7E175AF9-49A1-4BFF-963E-8264E26EA573}" type="presParOf" srcId="{B687C91A-E190-40EA-A503-69F24E65523C}" destId="{A87A984C-6CFD-4577-959C-7E3FFD394C91}" srcOrd="0" destOrd="0" presId="urn:microsoft.com/office/officeart/2008/layout/NameandTitleOrganizationalChart"/>
-    <dgm:cxn modelId="{D4817D0B-1CAB-4E87-BBAF-45A103D6E9D8}" type="presParOf" srcId="{B687C91A-E190-40EA-A503-69F24E65523C}" destId="{B8678737-CE7A-439C-B1F9-46646F440843}" srcOrd="1" destOrd="0" presId="urn:microsoft.com/office/officeart/2008/layout/NameandTitleOrganizationalChart"/>
-    <dgm:cxn modelId="{1061DEF4-784C-465B-B276-E87BB1234BC8}" type="presParOf" srcId="{B687C91A-E190-40EA-A503-69F24E65523C}" destId="{56F7B4C0-ABE6-47C3-BD17-563D7F841F63}" srcOrd="2" destOrd="0" presId="urn:microsoft.com/office/officeart/2008/layout/NameandTitleOrganizationalChart"/>
-    <dgm:cxn modelId="{210BC75A-4068-4FE7-ADCA-8B13AA56AF1A}" type="presParOf" srcId="{5DF05FAD-D6CD-47CD-9470-F457B48991BC}" destId="{30FBA2A0-4357-44BA-A6C1-E0E7AF2D8A3D}" srcOrd="1" destOrd="0" presId="urn:microsoft.com/office/officeart/2008/layout/NameandTitleOrganizationalChart"/>
-    <dgm:cxn modelId="{A2C920C5-1123-4CBC-BD86-C7011E086FC8}" type="presParOf" srcId="{5DF05FAD-D6CD-47CD-9470-F457B48991BC}" destId="{3813A127-F70F-40D1-BB28-9EDCD985A33F}" srcOrd="2" destOrd="0" presId="urn:microsoft.com/office/officeart/2008/layout/NameandTitleOrganizationalChart"/>
-    <dgm:cxn modelId="{AC0682BB-BE26-4AE9-9245-AE3285BA8C30}" type="presParOf" srcId="{4106926B-5851-4E90-A9B4-FB11CE570337}" destId="{04E9606A-0524-4A97-AE53-27041C1DD722}" srcOrd="2" destOrd="0" presId="urn:microsoft.com/office/officeart/2008/layout/NameandTitleOrganizationalChart"/>
-    <dgm:cxn modelId="{F589AE0D-3B77-4EA2-BC5A-FE4432500071}" type="presParOf" srcId="{4106926B-5851-4E90-A9B4-FB11CE570337}" destId="{DE9B2AF6-EEE0-4781-A733-B1B66F2BA1F0}" srcOrd="3" destOrd="0" presId="urn:microsoft.com/office/officeart/2008/layout/NameandTitleOrganizationalChart"/>
-    <dgm:cxn modelId="{2664B066-32BD-4D7F-8018-653BE7D58AC3}" type="presParOf" srcId="{DE9B2AF6-EEE0-4781-A733-B1B66F2BA1F0}" destId="{DD7C174E-B72B-40DE-A707-C31DBF1A1E97}" srcOrd="0" destOrd="0" presId="urn:microsoft.com/office/officeart/2008/layout/NameandTitleOrganizationalChart"/>
-    <dgm:cxn modelId="{5C0E48ED-F40D-4B51-BDBF-4461420DF86D}" type="presParOf" srcId="{DD7C174E-B72B-40DE-A707-C31DBF1A1E97}" destId="{8640947B-194A-47A9-B1AF-1EA261CF2D9A}" srcOrd="0" destOrd="0" presId="urn:microsoft.com/office/officeart/2008/layout/NameandTitleOrganizationalChart"/>
-    <dgm:cxn modelId="{57E0F868-D16E-4F83-9F28-D6B4986C23E5}" type="presParOf" srcId="{DD7C174E-B72B-40DE-A707-C31DBF1A1E97}" destId="{C48C0AD5-7FDA-402D-8C54-E342ACEB9FDD}" srcOrd="1" destOrd="0" presId="urn:microsoft.com/office/officeart/2008/layout/NameandTitleOrganizationalChart"/>
-    <dgm:cxn modelId="{9BA8AAFD-0FD6-452C-A2DF-891B4A8F233F}" type="presParOf" srcId="{DD7C174E-B72B-40DE-A707-C31DBF1A1E97}" destId="{1B539F46-2427-4495-B461-E8B9E90B0F50}" srcOrd="2" destOrd="0" presId="urn:microsoft.com/office/officeart/2008/layout/NameandTitleOrganizationalChart"/>
-    <dgm:cxn modelId="{6BBDA849-24E3-4E00-93CD-EE5263BD8ACE}" type="presParOf" srcId="{DE9B2AF6-EEE0-4781-A733-B1B66F2BA1F0}" destId="{6DB86B61-DCBD-4E99-A863-EA6BB33052E8}" srcOrd="1" destOrd="0" presId="urn:microsoft.com/office/officeart/2008/layout/NameandTitleOrganizationalChart"/>
-    <dgm:cxn modelId="{AEE73370-0294-480A-80C6-0DF4D7E01E40}" type="presParOf" srcId="{DE9B2AF6-EEE0-4781-A733-B1B66F2BA1F0}" destId="{C9F7098C-4E81-4722-A0A9-6558D99F4449}" srcOrd="2" destOrd="0" presId="urn:microsoft.com/office/officeart/2008/layout/NameandTitleOrganizationalChart"/>
-    <dgm:cxn modelId="{86959D28-6070-4091-A088-E09F39DE5E6B}" type="presParOf" srcId="{019DDFBE-EDB2-4BA1-9B22-45AB7E1B1879}" destId="{72816C32-EDB6-4583-8DE8-AF407075BDB0}" srcOrd="2" destOrd="0" presId="urn:microsoft.com/office/officeart/2008/layout/NameandTitleOrganizationalChart"/>
-    <dgm:cxn modelId="{66405336-BC53-4FB3-9802-4891B187388E}" type="presParOf" srcId="{E4DBF0F7-9D37-49B1-AB3E-5E8D1041450A}" destId="{C40F3056-348C-4839-8FB5-7532DAEAD4EB}" srcOrd="18" destOrd="0" presId="urn:microsoft.com/office/officeart/2008/layout/NameandTitleOrganizationalChart"/>
-    <dgm:cxn modelId="{501EEF73-F494-45B9-A58B-36067D2A9AC9}" type="presParOf" srcId="{E4DBF0F7-9D37-49B1-AB3E-5E8D1041450A}" destId="{BE485F89-E3AE-48B4-BF70-DF50F422C8FF}" srcOrd="19" destOrd="0" presId="urn:microsoft.com/office/officeart/2008/layout/NameandTitleOrganizationalChart"/>
-    <dgm:cxn modelId="{49411B1E-433D-4A09-9F34-1209F2082B6F}" type="presParOf" srcId="{BE485F89-E3AE-48B4-BF70-DF50F422C8FF}" destId="{6F148AAD-143B-4DCB-AB18-88920253630E}" srcOrd="0" destOrd="0" presId="urn:microsoft.com/office/officeart/2008/layout/NameandTitleOrganizationalChart"/>
-    <dgm:cxn modelId="{F386E9A3-84B9-42AD-8AE8-62E6390FB789}" type="presParOf" srcId="{6F148AAD-143B-4DCB-AB18-88920253630E}" destId="{14D029E2-857D-44DD-8D05-298004F76829}" srcOrd="0" destOrd="0" presId="urn:microsoft.com/office/officeart/2008/layout/NameandTitleOrganizationalChart"/>
-    <dgm:cxn modelId="{5240216B-00B8-4014-BA78-8827F41199D5}" type="presParOf" srcId="{6F148AAD-143B-4DCB-AB18-88920253630E}" destId="{B0382EE2-FD72-417B-AE7B-C303E355B02A}" srcOrd="1" destOrd="0" presId="urn:microsoft.com/office/officeart/2008/layout/NameandTitleOrganizationalChart"/>
-    <dgm:cxn modelId="{CC8AB41A-35B0-4E10-9A4B-4CCA5D53D336}" type="presParOf" srcId="{6F148AAD-143B-4DCB-AB18-88920253630E}" destId="{E9E3F63D-5E34-4BEC-B741-6FAB9B9F6EA4}" srcOrd="2" destOrd="0" presId="urn:microsoft.com/office/officeart/2008/layout/NameandTitleOrganizationalChart"/>
-    <dgm:cxn modelId="{17DBC909-054C-462A-9E54-08927AED5C0B}" type="presParOf" srcId="{BE485F89-E3AE-48B4-BF70-DF50F422C8FF}" destId="{CD115D9F-A7EF-45E1-BE54-3E28CC0A7A95}" srcOrd="1" destOrd="0" presId="urn:microsoft.com/office/officeart/2008/layout/NameandTitleOrganizationalChart"/>
-    <dgm:cxn modelId="{E30B156E-7AE0-4E28-A51B-005D0F76244E}" type="presParOf" srcId="{CD115D9F-A7EF-45E1-BE54-3E28CC0A7A95}" destId="{4D5260ED-8E71-43CF-B018-BE752892951C}" srcOrd="0" destOrd="0" presId="urn:microsoft.com/office/officeart/2008/layout/NameandTitleOrganizationalChart"/>
-    <dgm:cxn modelId="{471127CD-87B3-4D2F-BFF4-3B87BA7E9EDA}" type="presParOf" srcId="{CD115D9F-A7EF-45E1-BE54-3E28CC0A7A95}" destId="{64854FA1-8E12-4796-BC4E-127F0E5F8D34}" srcOrd="1" destOrd="0" presId="urn:microsoft.com/office/officeart/2008/layout/NameandTitleOrganizationalChart"/>
-    <dgm:cxn modelId="{D31BAF49-9B7A-4D6E-8F1D-1BEDAB768736}" type="presParOf" srcId="{64854FA1-8E12-4796-BC4E-127F0E5F8D34}" destId="{0AE43D37-ABBE-4F38-B0EB-D6F8F5B3DFAC}" srcOrd="0" destOrd="0" presId="urn:microsoft.com/office/officeart/2008/layout/NameandTitleOrganizationalChart"/>
-    <dgm:cxn modelId="{D6F8CCD4-4083-4EC5-B473-E4F58E2247F0}" type="presParOf" srcId="{0AE43D37-ABBE-4F38-B0EB-D6F8F5B3DFAC}" destId="{B808BE66-9B95-4F1D-AFF5-D7D093912E44}" srcOrd="0" destOrd="0" presId="urn:microsoft.com/office/officeart/2008/layout/NameandTitleOrganizationalChart"/>
-    <dgm:cxn modelId="{056460A6-DB4D-475A-A2D1-0086E336A1B1}" type="presParOf" srcId="{0AE43D37-ABBE-4F38-B0EB-D6F8F5B3DFAC}" destId="{70C66616-33FA-4CCF-A1A3-BCA0E7916AFC}" srcOrd="1" destOrd="0" presId="urn:microsoft.com/office/officeart/2008/layout/NameandTitleOrganizationalChart"/>
-    <dgm:cxn modelId="{E9ECF989-5059-4929-943C-8C9016AF4BE3}" type="presParOf" srcId="{0AE43D37-ABBE-4F38-B0EB-D6F8F5B3DFAC}" destId="{010D3747-F6B2-4080-9FFF-0FCCED84BDC0}" srcOrd="2" destOrd="0" presId="urn:microsoft.com/office/officeart/2008/layout/NameandTitleOrganizationalChart"/>
-    <dgm:cxn modelId="{A11B7FF9-AB9E-4D13-B61E-95134196154A}" type="presParOf" srcId="{64854FA1-8E12-4796-BC4E-127F0E5F8D34}" destId="{19380D9D-FE4F-4F1A-A7CF-8D5CA8D0D95A}" srcOrd="1" destOrd="0" presId="urn:microsoft.com/office/officeart/2008/layout/NameandTitleOrganizationalChart"/>
-    <dgm:cxn modelId="{A08091EA-BB96-4CC9-8EFB-CAA6058257CB}" type="presParOf" srcId="{19380D9D-FE4F-4F1A-A7CF-8D5CA8D0D95A}" destId="{A1C40F7D-B33A-4D66-8640-9219BB096776}" srcOrd="0" destOrd="0" presId="urn:microsoft.com/office/officeart/2008/layout/NameandTitleOrganizationalChart"/>
-    <dgm:cxn modelId="{50E642A6-3DCD-4334-87A8-D8120AAAB005}" type="presParOf" srcId="{19380D9D-FE4F-4F1A-A7CF-8D5CA8D0D95A}" destId="{5278B25A-9CF5-4932-813D-A353DF26F83A}" srcOrd="1" destOrd="0" presId="urn:microsoft.com/office/officeart/2008/layout/NameandTitleOrganizationalChart"/>
-    <dgm:cxn modelId="{D7DDD47A-4EDC-448F-89AC-AA93A0E2D954}" type="presParOf" srcId="{5278B25A-9CF5-4932-813D-A353DF26F83A}" destId="{2E7AE60F-6836-4854-A2ED-3E828822C620}" srcOrd="0" destOrd="0" presId="urn:microsoft.com/office/officeart/2008/layout/NameandTitleOrganizationalChart"/>
-    <dgm:cxn modelId="{823F8C60-26D4-4D5F-9AD7-787B88FBAF54}" type="presParOf" srcId="{2E7AE60F-6836-4854-A2ED-3E828822C620}" destId="{35F89F19-3BE9-457B-A320-CF709CA75AF1}" srcOrd="0" destOrd="0" presId="urn:microsoft.com/office/officeart/2008/layout/NameandTitleOrganizationalChart"/>
-    <dgm:cxn modelId="{2DD9FE7B-F448-4E2B-9F2E-3FF3825F1B49}" type="presParOf" srcId="{2E7AE60F-6836-4854-A2ED-3E828822C620}" destId="{EC7D588F-274C-4279-B592-07150993AB65}" srcOrd="1" destOrd="0" presId="urn:microsoft.com/office/officeart/2008/layout/NameandTitleOrganizationalChart"/>
-    <dgm:cxn modelId="{06EC4613-2008-44ED-B5C5-E6410E7C2674}" type="presParOf" srcId="{2E7AE60F-6836-4854-A2ED-3E828822C620}" destId="{9AAEC09D-7BC5-4EE4-89C0-F7CBBA842612}" srcOrd="2" destOrd="0" presId="urn:microsoft.com/office/officeart/2008/layout/NameandTitleOrganizationalChart"/>
-    <dgm:cxn modelId="{D37A4FA6-8DBC-4B70-B978-AB8E444C1CE4}" type="presParOf" srcId="{5278B25A-9CF5-4932-813D-A353DF26F83A}" destId="{55405D0C-C2F0-4C9E-A6F8-3CC4CC048EB9}" srcOrd="1" destOrd="0" presId="urn:microsoft.com/office/officeart/2008/layout/NameandTitleOrganizationalChart"/>
-    <dgm:cxn modelId="{52AA80CC-7322-4F08-AB23-F2298E640AEA}" type="presParOf" srcId="{5278B25A-9CF5-4932-813D-A353DF26F83A}" destId="{8C5DB784-A4E5-4447-9C1D-81AD78D00DDC}" srcOrd="2" destOrd="0" presId="urn:microsoft.com/office/officeart/2008/layout/NameandTitleOrganizationalChart"/>
-    <dgm:cxn modelId="{2A4973B1-616E-4B2F-B38C-E170B28C0BE6}" type="presParOf" srcId="{19380D9D-FE4F-4F1A-A7CF-8D5CA8D0D95A}" destId="{E40C5F05-0338-45A8-B7D0-E8A053335D38}" srcOrd="2" destOrd="0" presId="urn:microsoft.com/office/officeart/2008/layout/NameandTitleOrganizationalChart"/>
-    <dgm:cxn modelId="{4FC12BA8-79A8-4139-B983-76BC80194CBB}" type="presParOf" srcId="{19380D9D-FE4F-4F1A-A7CF-8D5CA8D0D95A}" destId="{F0ADC0FF-1D65-4715-BCE0-E40AEA6E2BB2}" srcOrd="3" destOrd="0" presId="urn:microsoft.com/office/officeart/2008/layout/NameandTitleOrganizationalChart"/>
-    <dgm:cxn modelId="{EAB4BC93-C02A-4EF8-ACA9-C2FC7797F274}" type="presParOf" srcId="{F0ADC0FF-1D65-4715-BCE0-E40AEA6E2BB2}" destId="{6BE5A288-7BB9-4702-B134-0621A6C673E1}" srcOrd="0" destOrd="0" presId="urn:microsoft.com/office/officeart/2008/layout/NameandTitleOrganizationalChart"/>
-    <dgm:cxn modelId="{732E1E04-F7D7-4E87-90AC-A5FBC90521EB}" type="presParOf" srcId="{6BE5A288-7BB9-4702-B134-0621A6C673E1}" destId="{DF81E026-8D62-4CFD-8127-7E01BB051911}" srcOrd="0" destOrd="0" presId="urn:microsoft.com/office/officeart/2008/layout/NameandTitleOrganizationalChart"/>
-    <dgm:cxn modelId="{F8BCEF25-B79F-42D4-BEB1-AD1A2076605C}" type="presParOf" srcId="{6BE5A288-7BB9-4702-B134-0621A6C673E1}" destId="{924AB995-52E5-4691-B0B0-CD1C97DD046B}" srcOrd="1" destOrd="0" presId="urn:microsoft.com/office/officeart/2008/layout/NameandTitleOrganizationalChart"/>
-    <dgm:cxn modelId="{4B98713F-688B-47A9-A496-CEA752521CDD}" type="presParOf" srcId="{6BE5A288-7BB9-4702-B134-0621A6C673E1}" destId="{3857FA20-290F-4B1D-9230-AD8E5431E2D0}" srcOrd="2" destOrd="0" presId="urn:microsoft.com/office/officeart/2008/layout/NameandTitleOrganizationalChart"/>
-    <dgm:cxn modelId="{A341503C-377B-420F-9CBB-8FB4EDA09AB5}" type="presParOf" srcId="{F0ADC0FF-1D65-4715-BCE0-E40AEA6E2BB2}" destId="{80EB5E84-D5B5-4381-9A6F-E5F4A02F98C7}" srcOrd="1" destOrd="0" presId="urn:microsoft.com/office/officeart/2008/layout/NameandTitleOrganizationalChart"/>
-    <dgm:cxn modelId="{D9593853-B8F3-4A6F-8A98-E748E5395BF0}" type="presParOf" srcId="{F0ADC0FF-1D65-4715-BCE0-E40AEA6E2BB2}" destId="{69D9C748-D251-45AC-AD63-903854A6D29E}" srcOrd="2" destOrd="0" presId="urn:microsoft.com/office/officeart/2008/layout/NameandTitleOrganizationalChart"/>
-    <dgm:cxn modelId="{2EAACD0B-14DF-4564-A0F7-C66775694058}" type="presParOf" srcId="{19380D9D-FE4F-4F1A-A7CF-8D5CA8D0D95A}" destId="{5B084459-FB95-42C9-8D52-80E46892DA63}" srcOrd="4" destOrd="0" presId="urn:microsoft.com/office/officeart/2008/layout/NameandTitleOrganizationalChart"/>
-    <dgm:cxn modelId="{BE9ECFC8-D64C-4FC9-A929-5D49F01A8CF8}" type="presParOf" srcId="{19380D9D-FE4F-4F1A-A7CF-8D5CA8D0D95A}" destId="{1442F8E7-DA4C-43CF-91A3-C533361C3F38}" srcOrd="5" destOrd="0" presId="urn:microsoft.com/office/officeart/2008/layout/NameandTitleOrganizationalChart"/>
-    <dgm:cxn modelId="{EEEA6923-502F-4A73-A5D4-338B2DB22B3D}" type="presParOf" srcId="{1442F8E7-DA4C-43CF-91A3-C533361C3F38}" destId="{66C2624F-DECF-48F5-9A17-D35A8E40CF5E}" srcOrd="0" destOrd="0" presId="urn:microsoft.com/office/officeart/2008/layout/NameandTitleOrganizationalChart"/>
-    <dgm:cxn modelId="{2D9A2A54-31BD-4B4F-B186-3C927DCEC995}" type="presParOf" srcId="{66C2624F-DECF-48F5-9A17-D35A8E40CF5E}" destId="{28C31169-EC05-4603-96D5-FA22A046780E}" srcOrd="0" destOrd="0" presId="urn:microsoft.com/office/officeart/2008/layout/NameandTitleOrganizationalChart"/>
-    <dgm:cxn modelId="{5CAEB365-B70A-444B-9618-3126486D9D1A}" type="presParOf" srcId="{66C2624F-DECF-48F5-9A17-D35A8E40CF5E}" destId="{7F716FD6-172F-4228-B3DC-34B93A56214D}" srcOrd="1" destOrd="0" presId="urn:microsoft.com/office/officeart/2008/layout/NameandTitleOrganizationalChart"/>
-    <dgm:cxn modelId="{7941E99A-C00A-47FC-AED6-5256D72E0CDB}" type="presParOf" srcId="{66C2624F-DECF-48F5-9A17-D35A8E40CF5E}" destId="{BF279589-EF5A-4984-8472-BFFBC21D1A1A}" srcOrd="2" destOrd="0" presId="urn:microsoft.com/office/officeart/2008/layout/NameandTitleOrganizationalChart"/>
-    <dgm:cxn modelId="{18FD2A22-53F9-4057-8A0C-7F3B549C9FD2}" type="presParOf" srcId="{1442F8E7-DA4C-43CF-91A3-C533361C3F38}" destId="{195CBE7A-E710-460C-996F-1E848B22A53D}" srcOrd="1" destOrd="0" presId="urn:microsoft.com/office/officeart/2008/layout/NameandTitleOrganizationalChart"/>
-    <dgm:cxn modelId="{089F1908-6BB6-4D93-8286-D6E8A65AF45E}" type="presParOf" srcId="{1442F8E7-DA4C-43CF-91A3-C533361C3F38}" destId="{73FAE778-E2FB-42FF-9161-892F47282E88}" srcOrd="2" destOrd="0" presId="urn:microsoft.com/office/officeart/2008/layout/NameandTitleOrganizationalChart"/>
-    <dgm:cxn modelId="{465792B1-A805-47BA-9AB9-7382597B0A6F}" type="presParOf" srcId="{64854FA1-8E12-4796-BC4E-127F0E5F8D34}" destId="{1F49B298-AC83-450C-ABC1-F265ED0A9434}" srcOrd="2" destOrd="0" presId="urn:microsoft.com/office/officeart/2008/layout/NameandTitleOrganizationalChart"/>
-    <dgm:cxn modelId="{2BA8B727-090C-4348-8A4E-D70EE9A7B9B0}" type="presParOf" srcId="{CD115D9F-A7EF-45E1-BE54-3E28CC0A7A95}" destId="{ABF75C28-00CF-4ED6-9781-A854999AFAA9}" srcOrd="2" destOrd="0" presId="urn:microsoft.com/office/officeart/2008/layout/NameandTitleOrganizationalChart"/>
-    <dgm:cxn modelId="{09E7AA81-3F8B-4B5D-877A-0A97ECFB3C0B}" type="presParOf" srcId="{CD115D9F-A7EF-45E1-BE54-3E28CC0A7A95}" destId="{9DEAA6D4-7A23-4C31-950D-FBF7C9A639A6}" srcOrd="3" destOrd="0" presId="urn:microsoft.com/office/officeart/2008/layout/NameandTitleOrganizationalChart"/>
-    <dgm:cxn modelId="{7AED8236-021D-4A3F-AD18-71662FBCBF15}" type="presParOf" srcId="{9DEAA6D4-7A23-4C31-950D-FBF7C9A639A6}" destId="{0BABB5B1-2395-45B2-B62E-67B001E336CC}" srcOrd="0" destOrd="0" presId="urn:microsoft.com/office/officeart/2008/layout/NameandTitleOrganizationalChart"/>
-    <dgm:cxn modelId="{3C15C72F-732F-4CDB-AB9E-3278C32A2A18}" type="presParOf" srcId="{0BABB5B1-2395-45B2-B62E-67B001E336CC}" destId="{53E57540-F07D-4AD0-801A-F2AEFDAC6361}" srcOrd="0" destOrd="0" presId="urn:microsoft.com/office/officeart/2008/layout/NameandTitleOrganizationalChart"/>
-    <dgm:cxn modelId="{040A6B63-23E0-45AF-8413-99E48E1C90A7}" type="presParOf" srcId="{0BABB5B1-2395-45B2-B62E-67B001E336CC}" destId="{9F7A1D53-E16F-4AD8-AF3E-59D7C104F119}" srcOrd="1" destOrd="0" presId="urn:microsoft.com/office/officeart/2008/layout/NameandTitleOrganizationalChart"/>
-    <dgm:cxn modelId="{14F7CDB5-2590-428B-B705-EA353E46ED85}" type="presParOf" srcId="{0BABB5B1-2395-45B2-B62E-67B001E336CC}" destId="{A7095C8A-4BDF-4D4B-AE92-21855B2E53F7}" srcOrd="2" destOrd="0" presId="urn:microsoft.com/office/officeart/2008/layout/NameandTitleOrganizationalChart"/>
-    <dgm:cxn modelId="{0B479FE4-D596-480D-BC3C-453387863370}" type="presParOf" srcId="{9DEAA6D4-7A23-4C31-950D-FBF7C9A639A6}" destId="{BAC2743A-D85B-446F-A5A7-0DA935523883}" srcOrd="1" destOrd="0" presId="urn:microsoft.com/office/officeart/2008/layout/NameandTitleOrganizationalChart"/>
-    <dgm:cxn modelId="{6736CFAF-D429-4244-9E2B-A5D2AECA5553}" type="presParOf" srcId="{9DEAA6D4-7A23-4C31-950D-FBF7C9A639A6}" destId="{D10B273E-4728-4FD5-9319-EBF7B14BD71C}" srcOrd="2" destOrd="0" presId="urn:microsoft.com/office/officeart/2008/layout/NameandTitleOrganizationalChart"/>
-    <dgm:cxn modelId="{02DE5756-EC26-4D8B-B2B9-43E4F5F711DC}" type="presParOf" srcId="{BE485F89-E3AE-48B4-BF70-DF50F422C8FF}" destId="{947EA1D2-DD85-433E-A4C3-EC29EB572E52}" srcOrd="2" destOrd="0" presId="urn:microsoft.com/office/officeart/2008/layout/NameandTitleOrganizationalChart"/>
-    <dgm:cxn modelId="{E845C10E-9D1D-4D54-8326-6258E8D21575}" type="presParOf" srcId="{41679268-1CA9-44EF-B555-051460466F09}" destId="{852AE1AD-F103-42E0-93B5-303FE9CCDFEF}" srcOrd="2" destOrd="0" presId="urn:microsoft.com/office/officeart/2008/layout/NameandTitleOrganizationalChart"/>
+    <dgm:cxn modelId="{478DC1FD-A7BF-45D4-99B4-6F83A2B1AC45}" type="presParOf" srcId="{0515EDE4-C812-4B8D-BEEF-9837D84150D0}" destId="{41679268-1CA9-44EF-B555-051460466F09}" srcOrd="0" destOrd="0" presId="urn:microsoft.com/office/officeart/2008/layout/NameandTitleOrganizationalChart"/>
+    <dgm:cxn modelId="{81CC4703-7FFC-4B57-92DC-70A1C0498E93}" type="presParOf" srcId="{41679268-1CA9-44EF-B555-051460466F09}" destId="{35A51423-09A5-4E46-AC5E-BBDBB1DFEEA3}" srcOrd="0" destOrd="0" presId="urn:microsoft.com/office/officeart/2008/layout/NameandTitleOrganizationalChart"/>
+    <dgm:cxn modelId="{853C36D9-F911-4769-BDC6-B43AB23AF46B}" type="presParOf" srcId="{35A51423-09A5-4E46-AC5E-BBDBB1DFEEA3}" destId="{555700FD-AA40-4582-B659-59AC4E37F049}" srcOrd="0" destOrd="0" presId="urn:microsoft.com/office/officeart/2008/layout/NameandTitleOrganizationalChart"/>
+    <dgm:cxn modelId="{0F47C3CF-01D2-43A8-B542-6C84A3423A50}" type="presParOf" srcId="{35A51423-09A5-4E46-AC5E-BBDBB1DFEEA3}" destId="{1F05F368-BF99-46C6-A7E9-3EBDC2C62F57}" srcOrd="1" destOrd="0" presId="urn:microsoft.com/office/officeart/2008/layout/NameandTitleOrganizationalChart"/>
+    <dgm:cxn modelId="{941D3E15-7051-4AED-AE4C-5E3B31CF3EB3}" type="presParOf" srcId="{35A51423-09A5-4E46-AC5E-BBDBB1DFEEA3}" destId="{6E91267B-49DE-42AE-A8CD-852EF350B49A}" srcOrd="2" destOrd="0" presId="urn:microsoft.com/office/officeart/2008/layout/NameandTitleOrganizationalChart"/>
+    <dgm:cxn modelId="{EF7F9558-2866-472D-AB34-D11EAE551D60}" type="presParOf" srcId="{41679268-1CA9-44EF-B555-051460466F09}" destId="{E4DBF0F7-9D37-49B1-AB3E-5E8D1041450A}" srcOrd="1" destOrd="0" presId="urn:microsoft.com/office/officeart/2008/layout/NameandTitleOrganizationalChart"/>
+    <dgm:cxn modelId="{4AF4FEB9-0EA6-4765-9CE5-011E87BD36F2}" type="presParOf" srcId="{E4DBF0F7-9D37-49B1-AB3E-5E8D1041450A}" destId="{A6BB3BB5-F189-4A90-B369-04D4E83D3F6C}" srcOrd="0" destOrd="0" presId="urn:microsoft.com/office/officeart/2008/layout/NameandTitleOrganizationalChart"/>
+    <dgm:cxn modelId="{24BF34A5-D709-45E2-B270-12664EEBCB75}" type="presParOf" srcId="{E4DBF0F7-9D37-49B1-AB3E-5E8D1041450A}" destId="{FA2DDA53-AE05-4A24-BE1D-0D1BA18C8B46}" srcOrd="1" destOrd="0" presId="urn:microsoft.com/office/officeart/2008/layout/NameandTitleOrganizationalChart"/>
+    <dgm:cxn modelId="{EB69C0D0-6298-4B77-90D0-F47CBB1B086C}" type="presParOf" srcId="{FA2DDA53-AE05-4A24-BE1D-0D1BA18C8B46}" destId="{728BB34D-1891-4525-9433-E4FC1A17630F}" srcOrd="0" destOrd="0" presId="urn:microsoft.com/office/officeart/2008/layout/NameandTitleOrganizationalChart"/>
+    <dgm:cxn modelId="{C8FD19EA-9AB8-45BC-8B68-A0495F2F2B1B}" type="presParOf" srcId="{728BB34D-1891-4525-9433-E4FC1A17630F}" destId="{10B43682-6687-4DC5-BFA2-AB85A8D85C36}" srcOrd="0" destOrd="0" presId="urn:microsoft.com/office/officeart/2008/layout/NameandTitleOrganizationalChart"/>
+    <dgm:cxn modelId="{BD0058E3-58FD-4558-B4D0-6D33785BDE05}" type="presParOf" srcId="{728BB34D-1891-4525-9433-E4FC1A17630F}" destId="{0FD5DF1D-EC21-4B09-AC24-AA027332DCDD}" srcOrd="1" destOrd="0" presId="urn:microsoft.com/office/officeart/2008/layout/NameandTitleOrganizationalChart"/>
+    <dgm:cxn modelId="{E4BE89F3-7475-473A-ADAD-E7083E4343F8}" type="presParOf" srcId="{728BB34D-1891-4525-9433-E4FC1A17630F}" destId="{F53F67C0-7E76-44D4-884F-9AC6B9873796}" srcOrd="2" destOrd="0" presId="urn:microsoft.com/office/officeart/2008/layout/NameandTitleOrganizationalChart"/>
+    <dgm:cxn modelId="{91EAA20A-2BF2-40E6-AA6B-64CBEEE671AF}" type="presParOf" srcId="{FA2DDA53-AE05-4A24-BE1D-0D1BA18C8B46}" destId="{D5D005EE-9E2D-48F6-A1C9-396306805A58}" srcOrd="1" destOrd="0" presId="urn:microsoft.com/office/officeart/2008/layout/NameandTitleOrganizationalChart"/>
+    <dgm:cxn modelId="{E251BF80-F2CF-47D6-B3EC-D57DE8A1B739}" type="presParOf" srcId="{FA2DDA53-AE05-4A24-BE1D-0D1BA18C8B46}" destId="{3F0B8500-1FE7-4B80-8486-0C968B4364F7}" srcOrd="2" destOrd="0" presId="urn:microsoft.com/office/officeart/2008/layout/NameandTitleOrganizationalChart"/>
+    <dgm:cxn modelId="{0FB28EE4-822B-4203-9386-80290C7C5686}" type="presParOf" srcId="{E4DBF0F7-9D37-49B1-AB3E-5E8D1041450A}" destId="{45A787A3-FFA2-407A-BB12-A7C99D2DDA1B}" srcOrd="2" destOrd="0" presId="urn:microsoft.com/office/officeart/2008/layout/NameandTitleOrganizationalChart"/>
+    <dgm:cxn modelId="{AFEF2683-6D88-426B-B884-0F594F6615B0}" type="presParOf" srcId="{E4DBF0F7-9D37-49B1-AB3E-5E8D1041450A}" destId="{946363A1-6EDD-4C9D-9EB7-431BE1EDC79D}" srcOrd="3" destOrd="0" presId="urn:microsoft.com/office/officeart/2008/layout/NameandTitleOrganizationalChart"/>
+    <dgm:cxn modelId="{8575E090-CBF6-4620-A7B4-41D62E868E60}" type="presParOf" srcId="{946363A1-6EDD-4C9D-9EB7-431BE1EDC79D}" destId="{30982805-3EEE-4730-AE3B-A01DA94D6EEC}" srcOrd="0" destOrd="0" presId="urn:microsoft.com/office/officeart/2008/layout/NameandTitleOrganizationalChart"/>
+    <dgm:cxn modelId="{2848FDBF-29C8-44F0-BF3E-58C8665397BB}" type="presParOf" srcId="{30982805-3EEE-4730-AE3B-A01DA94D6EEC}" destId="{58658A57-F34E-43CB-B848-40532E461413}" srcOrd="0" destOrd="0" presId="urn:microsoft.com/office/officeart/2008/layout/NameandTitleOrganizationalChart"/>
+    <dgm:cxn modelId="{D1B7FB1C-2261-4AFF-B5EB-472270A65E18}" type="presParOf" srcId="{30982805-3EEE-4730-AE3B-A01DA94D6EEC}" destId="{D693B454-6F4B-4970-B8B6-949289197DB8}" srcOrd="1" destOrd="0" presId="urn:microsoft.com/office/officeart/2008/layout/NameandTitleOrganizationalChart"/>
+    <dgm:cxn modelId="{FAA18ABA-C89D-4B05-BB05-E3E0A4AB8ECC}" type="presParOf" srcId="{30982805-3EEE-4730-AE3B-A01DA94D6EEC}" destId="{D4BF0491-8AF1-4260-8571-05B457FDA218}" srcOrd="2" destOrd="0" presId="urn:microsoft.com/office/officeart/2008/layout/NameandTitleOrganizationalChart"/>
+    <dgm:cxn modelId="{AEE9E2B0-5D3C-432D-AF54-C07D879895B3}" type="presParOf" srcId="{946363A1-6EDD-4C9D-9EB7-431BE1EDC79D}" destId="{3FE27E54-4C27-49BB-A1B4-7D9B0832F4B9}" srcOrd="1" destOrd="0" presId="urn:microsoft.com/office/officeart/2008/layout/NameandTitleOrganizationalChart"/>
+    <dgm:cxn modelId="{841510BC-943E-4698-934E-5130B4D78300}" type="presParOf" srcId="{3FE27E54-4C27-49BB-A1B4-7D9B0832F4B9}" destId="{544E9106-F8F5-4B6A-996B-D0DD8FAA5BC1}" srcOrd="0" destOrd="0" presId="urn:microsoft.com/office/officeart/2008/layout/NameandTitleOrganizationalChart"/>
+    <dgm:cxn modelId="{E1379A49-65F1-4F7F-9755-C49655374C3D}" type="presParOf" srcId="{3FE27E54-4C27-49BB-A1B4-7D9B0832F4B9}" destId="{C7493CF4-ACD1-4280-A1D2-B89E8C39F8BB}" srcOrd="1" destOrd="0" presId="urn:microsoft.com/office/officeart/2008/layout/NameandTitleOrganizationalChart"/>
+    <dgm:cxn modelId="{59CAA7D1-72BD-4F05-AB8F-405D1E810A68}" type="presParOf" srcId="{C7493CF4-ACD1-4280-A1D2-B89E8C39F8BB}" destId="{D8D8F905-498C-407E-9018-7DD375C0C869}" srcOrd="0" destOrd="0" presId="urn:microsoft.com/office/officeart/2008/layout/NameandTitleOrganizationalChart"/>
+    <dgm:cxn modelId="{2CF0B603-CFF4-4111-ADAC-696316944C51}" type="presParOf" srcId="{D8D8F905-498C-407E-9018-7DD375C0C869}" destId="{ACBB3B08-68C2-4344-A50D-E204FD0C0CFB}" srcOrd="0" destOrd="0" presId="urn:microsoft.com/office/officeart/2008/layout/NameandTitleOrganizationalChart"/>
+    <dgm:cxn modelId="{86BF62BA-300B-4C43-A653-C604C2EF91D5}" type="presParOf" srcId="{D8D8F905-498C-407E-9018-7DD375C0C869}" destId="{3ECB79BF-956F-4515-82CE-A34E2A419DED}" srcOrd="1" destOrd="0" presId="urn:microsoft.com/office/officeart/2008/layout/NameandTitleOrganizationalChart"/>
+    <dgm:cxn modelId="{8112D7BF-C897-499C-B25A-A196BF72B6AF}" type="presParOf" srcId="{D8D8F905-498C-407E-9018-7DD375C0C869}" destId="{85EEEA9E-9FAE-47B3-9A20-BA45C5BA6C2E}" srcOrd="2" destOrd="0" presId="urn:microsoft.com/office/officeart/2008/layout/NameandTitleOrganizationalChart"/>
+    <dgm:cxn modelId="{AFD01E16-2B6D-45BF-9DF6-9C7F09230D04}" type="presParOf" srcId="{C7493CF4-ACD1-4280-A1D2-B89E8C39F8BB}" destId="{737E95F7-4ECC-467D-8519-B73D920F6687}" srcOrd="1" destOrd="0" presId="urn:microsoft.com/office/officeart/2008/layout/NameandTitleOrganizationalChart"/>
+    <dgm:cxn modelId="{BB6687A6-3CD5-452B-92A3-6D70FC5DAA6D}" type="presParOf" srcId="{C7493CF4-ACD1-4280-A1D2-B89E8C39F8BB}" destId="{CA818349-FBB4-4653-A46D-751EF72A58DF}" srcOrd="2" destOrd="0" presId="urn:microsoft.com/office/officeart/2008/layout/NameandTitleOrganizationalChart"/>
+    <dgm:cxn modelId="{A681BC49-A05B-4A7E-BCE7-09AFE1CB192E}" type="presParOf" srcId="{946363A1-6EDD-4C9D-9EB7-431BE1EDC79D}" destId="{D87E9A05-5543-4872-8A34-5B25BEFEF8C9}" srcOrd="2" destOrd="0" presId="urn:microsoft.com/office/officeart/2008/layout/NameandTitleOrganizationalChart"/>
+    <dgm:cxn modelId="{EE832DA2-C38C-4B33-8E04-B4D730004161}" type="presParOf" srcId="{E4DBF0F7-9D37-49B1-AB3E-5E8D1041450A}" destId="{6B22B48A-0202-4F36-B2F7-FB3011BAC22B}" srcOrd="4" destOrd="0" presId="urn:microsoft.com/office/officeart/2008/layout/NameandTitleOrganizationalChart"/>
+    <dgm:cxn modelId="{7686475B-48B9-49F9-AAAE-CA6DB7FACBD9}" type="presParOf" srcId="{E4DBF0F7-9D37-49B1-AB3E-5E8D1041450A}" destId="{6A4AAA56-DB58-4F17-9E8A-793C0CF7B0D6}" srcOrd="5" destOrd="0" presId="urn:microsoft.com/office/officeart/2008/layout/NameandTitleOrganizationalChart"/>
+    <dgm:cxn modelId="{87560CBF-592A-4B29-A296-27AA104BF930}" type="presParOf" srcId="{6A4AAA56-DB58-4F17-9E8A-793C0CF7B0D6}" destId="{1DD1B8FA-9112-4C8B-98B7-757E89ECECEB}" srcOrd="0" destOrd="0" presId="urn:microsoft.com/office/officeart/2008/layout/NameandTitleOrganizationalChart"/>
+    <dgm:cxn modelId="{E7DCBC50-1DB0-40F5-B35D-A2282DF6EFBC}" type="presParOf" srcId="{1DD1B8FA-9112-4C8B-98B7-757E89ECECEB}" destId="{4A3C919E-E6ED-4AE4-A060-6F2B545E9E90}" srcOrd="0" destOrd="0" presId="urn:microsoft.com/office/officeart/2008/layout/NameandTitleOrganizationalChart"/>
+    <dgm:cxn modelId="{31C7A53C-6FDF-493B-8393-E01EEA238394}" type="presParOf" srcId="{1DD1B8FA-9112-4C8B-98B7-757E89ECECEB}" destId="{4933D671-7E56-43F7-8E77-31F8A7226A7E}" srcOrd="1" destOrd="0" presId="urn:microsoft.com/office/officeart/2008/layout/NameandTitleOrganizationalChart"/>
+    <dgm:cxn modelId="{C9AA6D20-242E-4A67-9E0D-19674967146B}" type="presParOf" srcId="{1DD1B8FA-9112-4C8B-98B7-757E89ECECEB}" destId="{2A230014-4953-407B-9C6D-3E2CCF513391}" srcOrd="2" destOrd="0" presId="urn:microsoft.com/office/officeart/2008/layout/NameandTitleOrganizationalChart"/>
+    <dgm:cxn modelId="{8CD9A46C-6660-41BB-BE20-2910098B4D11}" type="presParOf" srcId="{6A4AAA56-DB58-4F17-9E8A-793C0CF7B0D6}" destId="{D47B46A5-AA2C-4298-A5FC-1E081607BC50}" srcOrd="1" destOrd="0" presId="urn:microsoft.com/office/officeart/2008/layout/NameandTitleOrganizationalChart"/>
+    <dgm:cxn modelId="{20C4C48B-A052-49F2-983A-A3BCEEDC430E}" type="presParOf" srcId="{D47B46A5-AA2C-4298-A5FC-1E081607BC50}" destId="{A915B997-D069-4A8C-B1E7-D46EF803B71E}" srcOrd="0" destOrd="0" presId="urn:microsoft.com/office/officeart/2008/layout/NameandTitleOrganizationalChart"/>
+    <dgm:cxn modelId="{2AEF32E6-C95A-4DBD-BC1F-DF698C0DE0BB}" type="presParOf" srcId="{D47B46A5-AA2C-4298-A5FC-1E081607BC50}" destId="{F5FA87FE-DF4A-4BEF-B611-643CC76A9E5E}" srcOrd="1" destOrd="0" presId="urn:microsoft.com/office/officeart/2008/layout/NameandTitleOrganizationalChart"/>
+    <dgm:cxn modelId="{9E4E1E2E-26CC-4BDD-BA94-CD94E710CAD2}" type="presParOf" srcId="{F5FA87FE-DF4A-4BEF-B611-643CC76A9E5E}" destId="{5C5375EC-F438-4145-AF73-DDC770F48C03}" srcOrd="0" destOrd="0" presId="urn:microsoft.com/office/officeart/2008/layout/NameandTitleOrganizationalChart"/>
+    <dgm:cxn modelId="{58687D92-FF87-4785-8337-5552D213B311}" type="presParOf" srcId="{5C5375EC-F438-4145-AF73-DDC770F48C03}" destId="{61AB0F4D-CF14-4B60-BD1D-D6A5B82A4AE4}" srcOrd="0" destOrd="0" presId="urn:microsoft.com/office/officeart/2008/layout/NameandTitleOrganizationalChart"/>
+    <dgm:cxn modelId="{31F234E8-CA7C-40C2-91EC-837681539EFB}" type="presParOf" srcId="{5C5375EC-F438-4145-AF73-DDC770F48C03}" destId="{F5E01D96-F901-42BD-8A6F-51F03A5B3052}" srcOrd="1" destOrd="0" presId="urn:microsoft.com/office/officeart/2008/layout/NameandTitleOrganizationalChart"/>
+    <dgm:cxn modelId="{1CEEF770-1DAA-4860-9C65-D8D72FE9E487}" type="presParOf" srcId="{5C5375EC-F438-4145-AF73-DDC770F48C03}" destId="{E647ED3E-EC79-4DD6-A13C-2DDECC481E0D}" srcOrd="2" destOrd="0" presId="urn:microsoft.com/office/officeart/2008/layout/NameandTitleOrganizationalChart"/>
+    <dgm:cxn modelId="{B1AB801F-1E9E-4A2D-8AFF-E5F6D14E047C}" type="presParOf" srcId="{F5FA87FE-DF4A-4BEF-B611-643CC76A9E5E}" destId="{1D89FFB0-331C-485E-84F8-83A7B740318D}" srcOrd="1" destOrd="0" presId="urn:microsoft.com/office/officeart/2008/layout/NameandTitleOrganizationalChart"/>
+    <dgm:cxn modelId="{4F29D1F6-FBCB-46F1-8237-42B411DBA11F}" type="presParOf" srcId="{F5FA87FE-DF4A-4BEF-B611-643CC76A9E5E}" destId="{6906AEA4-A31E-4868-AF4A-BA8341C6F986}" srcOrd="2" destOrd="0" presId="urn:microsoft.com/office/officeart/2008/layout/NameandTitleOrganizationalChart"/>
+    <dgm:cxn modelId="{97AF889A-6C98-4E68-85A4-78501F0DC61A}" type="presParOf" srcId="{D47B46A5-AA2C-4298-A5FC-1E081607BC50}" destId="{CE2E4353-BD8A-4F45-A638-E6358569883D}" srcOrd="2" destOrd="0" presId="urn:microsoft.com/office/officeart/2008/layout/NameandTitleOrganizationalChart"/>
+    <dgm:cxn modelId="{68DF5933-D2D3-4784-9A00-5D37EA47378D}" type="presParOf" srcId="{D47B46A5-AA2C-4298-A5FC-1E081607BC50}" destId="{EA4A0A70-82E7-44D7-A372-AAC17ED7FB51}" srcOrd="3" destOrd="0" presId="urn:microsoft.com/office/officeart/2008/layout/NameandTitleOrganizationalChart"/>
+    <dgm:cxn modelId="{9D20B265-648E-42C7-880E-B6B2D0C74AB7}" type="presParOf" srcId="{EA4A0A70-82E7-44D7-A372-AAC17ED7FB51}" destId="{1AB4EC99-FD4F-40E8-877A-EC39EEAC4A48}" srcOrd="0" destOrd="0" presId="urn:microsoft.com/office/officeart/2008/layout/NameandTitleOrganizationalChart"/>
+    <dgm:cxn modelId="{A4C15295-8C5E-491E-9C2A-8C125305920A}" type="presParOf" srcId="{1AB4EC99-FD4F-40E8-877A-EC39EEAC4A48}" destId="{0A2CE9A4-8D25-49F6-8B49-D81B37C989C7}" srcOrd="0" destOrd="0" presId="urn:microsoft.com/office/officeart/2008/layout/NameandTitleOrganizationalChart"/>
+    <dgm:cxn modelId="{5D4013C9-A0FF-4C5B-95AA-1B8C50B646C8}" type="presParOf" srcId="{1AB4EC99-FD4F-40E8-877A-EC39EEAC4A48}" destId="{857C9215-7C13-4516-AC18-FD3F2C4BFD5F}" srcOrd="1" destOrd="0" presId="urn:microsoft.com/office/officeart/2008/layout/NameandTitleOrganizationalChart"/>
+    <dgm:cxn modelId="{010347E2-BFE5-4A9A-9831-C73724915057}" type="presParOf" srcId="{1AB4EC99-FD4F-40E8-877A-EC39EEAC4A48}" destId="{CDF69DB3-4B84-4537-9CD9-B425CFF0D429}" srcOrd="2" destOrd="0" presId="urn:microsoft.com/office/officeart/2008/layout/NameandTitleOrganizationalChart"/>
+    <dgm:cxn modelId="{91D20FC7-9A17-4380-9365-47460250F0AC}" type="presParOf" srcId="{EA4A0A70-82E7-44D7-A372-AAC17ED7FB51}" destId="{A1151F11-41F7-4F62-B5D1-16870F6FE0BA}" srcOrd="1" destOrd="0" presId="urn:microsoft.com/office/officeart/2008/layout/NameandTitleOrganizationalChart"/>
+    <dgm:cxn modelId="{89F1C508-6069-4A51-BD5C-5849DEED9C05}" type="presParOf" srcId="{EA4A0A70-82E7-44D7-A372-AAC17ED7FB51}" destId="{0D807E9D-22BD-4953-A153-39A721D8D8A1}" srcOrd="2" destOrd="0" presId="urn:microsoft.com/office/officeart/2008/layout/NameandTitleOrganizationalChart"/>
+    <dgm:cxn modelId="{5CD74B8D-8E3C-445F-8087-05848E12C34C}" type="presParOf" srcId="{6A4AAA56-DB58-4F17-9E8A-793C0CF7B0D6}" destId="{9A4A9C17-0923-46D4-A1A1-A636CEF4C260}" srcOrd="2" destOrd="0" presId="urn:microsoft.com/office/officeart/2008/layout/NameandTitleOrganizationalChart"/>
+    <dgm:cxn modelId="{5F40D8FC-B040-4FCA-BDDE-7ECB1B2D0B21}" type="presParOf" srcId="{E4DBF0F7-9D37-49B1-AB3E-5E8D1041450A}" destId="{4A414198-6913-4403-B86E-D9CC3557EE96}" srcOrd="6" destOrd="0" presId="urn:microsoft.com/office/officeart/2008/layout/NameandTitleOrganizationalChart"/>
+    <dgm:cxn modelId="{BD93EF0F-CD98-4993-A748-F922217A0B6B}" type="presParOf" srcId="{E4DBF0F7-9D37-49B1-AB3E-5E8D1041450A}" destId="{C90FCA71-8B41-4D73-98B2-044CFFBF4C8D}" srcOrd="7" destOrd="0" presId="urn:microsoft.com/office/officeart/2008/layout/NameandTitleOrganizationalChart"/>
+    <dgm:cxn modelId="{20BD9B08-9F53-4587-8B72-3FC13FC30EDA}" type="presParOf" srcId="{C90FCA71-8B41-4D73-98B2-044CFFBF4C8D}" destId="{96D29FB0-2F89-432F-BE64-BF9D1D4C58DA}" srcOrd="0" destOrd="0" presId="urn:microsoft.com/office/officeart/2008/layout/NameandTitleOrganizationalChart"/>
+    <dgm:cxn modelId="{ADFC6067-5560-44AE-B80D-38EBCD8BB0EA}" type="presParOf" srcId="{96D29FB0-2F89-432F-BE64-BF9D1D4C58DA}" destId="{4996D975-3F95-46BE-839D-5AB048C8D420}" srcOrd="0" destOrd="0" presId="urn:microsoft.com/office/officeart/2008/layout/NameandTitleOrganizationalChart"/>
+    <dgm:cxn modelId="{3D77EA25-DD43-4E0A-B500-26A1509CD881}" type="presParOf" srcId="{96D29FB0-2F89-432F-BE64-BF9D1D4C58DA}" destId="{C7AEA70C-6D94-449E-9630-786CC9F377F0}" srcOrd="1" destOrd="0" presId="urn:microsoft.com/office/officeart/2008/layout/NameandTitleOrganizationalChart"/>
+    <dgm:cxn modelId="{07692BE9-BDA3-4610-A883-78B764F7A1FB}" type="presParOf" srcId="{96D29FB0-2F89-432F-BE64-BF9D1D4C58DA}" destId="{C4C2EEC8-66DD-454D-8C32-9EA356F00020}" srcOrd="2" destOrd="0" presId="urn:microsoft.com/office/officeart/2008/layout/NameandTitleOrganizationalChart"/>
+    <dgm:cxn modelId="{66954467-C2CD-45FB-956A-F71E59B2D51A}" type="presParOf" srcId="{C90FCA71-8B41-4D73-98B2-044CFFBF4C8D}" destId="{75B10FC5-9F82-4381-95DF-542A3696AF13}" srcOrd="1" destOrd="0" presId="urn:microsoft.com/office/officeart/2008/layout/NameandTitleOrganizationalChart"/>
+    <dgm:cxn modelId="{A59CAE9A-EA2D-4D1B-B543-6F6404527D40}" type="presParOf" srcId="{C90FCA71-8B41-4D73-98B2-044CFFBF4C8D}" destId="{F33990BB-B9B9-48BF-8461-A97C84FC4721}" srcOrd="2" destOrd="0" presId="urn:microsoft.com/office/officeart/2008/layout/NameandTitleOrganizationalChart"/>
+    <dgm:cxn modelId="{EDD61B78-5865-4288-95AE-FCBFF20622DA}" type="presParOf" srcId="{E4DBF0F7-9D37-49B1-AB3E-5E8D1041450A}" destId="{8845CA0E-BE2B-4F5A-855D-010C1ECEB759}" srcOrd="8" destOrd="0" presId="urn:microsoft.com/office/officeart/2008/layout/NameandTitleOrganizationalChart"/>
+    <dgm:cxn modelId="{AFD2F8D5-2000-469B-8552-F69909657EB3}" type="presParOf" srcId="{E4DBF0F7-9D37-49B1-AB3E-5E8D1041450A}" destId="{CA0A6E9A-5559-4A4D-870A-E81EA07245C8}" srcOrd="9" destOrd="0" presId="urn:microsoft.com/office/officeart/2008/layout/NameandTitleOrganizationalChart"/>
+    <dgm:cxn modelId="{4B2574A1-71A8-4B81-8A1A-95C888B92CC8}" type="presParOf" srcId="{CA0A6E9A-5559-4A4D-870A-E81EA07245C8}" destId="{4499867F-CF89-4CE6-9DB3-7E4C29BECEC5}" srcOrd="0" destOrd="0" presId="urn:microsoft.com/office/officeart/2008/layout/NameandTitleOrganizationalChart"/>
+    <dgm:cxn modelId="{7AA4BAF6-F7C9-40E6-AA10-6D80C00C08D1}" type="presParOf" srcId="{4499867F-CF89-4CE6-9DB3-7E4C29BECEC5}" destId="{CFE89546-24BB-4E4C-B9D2-6DC5A4860191}" srcOrd="0" destOrd="0" presId="urn:microsoft.com/office/officeart/2008/layout/NameandTitleOrganizationalChart"/>
+    <dgm:cxn modelId="{EBD3B205-E91B-4F3F-A268-0E97314B4E67}" type="presParOf" srcId="{4499867F-CF89-4CE6-9DB3-7E4C29BECEC5}" destId="{90FBBA83-F3A2-496E-B603-5C919CDC1663}" srcOrd="1" destOrd="0" presId="urn:microsoft.com/office/officeart/2008/layout/NameandTitleOrganizationalChart"/>
+    <dgm:cxn modelId="{C561140D-7ADB-49A5-9715-80A79D20D87D}" type="presParOf" srcId="{4499867F-CF89-4CE6-9DB3-7E4C29BECEC5}" destId="{E32E92E3-3108-403C-91EB-FD05497EC20B}" srcOrd="2" destOrd="0" presId="urn:microsoft.com/office/officeart/2008/layout/NameandTitleOrganizationalChart"/>
+    <dgm:cxn modelId="{A4BE51D0-8EA7-4370-B5D4-F85A5F55A5BB}" type="presParOf" srcId="{CA0A6E9A-5559-4A4D-870A-E81EA07245C8}" destId="{5A5BF3B2-5022-4F1A-87C3-C7FF3E9CA9AE}" srcOrd="1" destOrd="0" presId="urn:microsoft.com/office/officeart/2008/layout/NameandTitleOrganizationalChart"/>
+    <dgm:cxn modelId="{69DF3C1A-CB80-49B5-B4AC-A1F15C8772D8}" type="presParOf" srcId="{CA0A6E9A-5559-4A4D-870A-E81EA07245C8}" destId="{EB97D95B-9D82-4A01-9BAC-550BF369A03E}" srcOrd="2" destOrd="0" presId="urn:microsoft.com/office/officeart/2008/layout/NameandTitleOrganizationalChart"/>
+    <dgm:cxn modelId="{00336985-DF68-4F37-BAAA-14E7A37BE24A}" type="presParOf" srcId="{E4DBF0F7-9D37-49B1-AB3E-5E8D1041450A}" destId="{4FC0B709-2FD3-435C-A778-E0A0FCB0CF86}" srcOrd="10" destOrd="0" presId="urn:microsoft.com/office/officeart/2008/layout/NameandTitleOrganizationalChart"/>
+    <dgm:cxn modelId="{24B8371B-87D0-45B8-B5CC-55F1669B6923}" type="presParOf" srcId="{E4DBF0F7-9D37-49B1-AB3E-5E8D1041450A}" destId="{D78CE677-D61E-468A-8478-7536B3828CDB}" srcOrd="11" destOrd="0" presId="urn:microsoft.com/office/officeart/2008/layout/NameandTitleOrganizationalChart"/>
+    <dgm:cxn modelId="{9CE078BF-82C5-41EE-B8CD-A5769DD3EDAF}" type="presParOf" srcId="{D78CE677-D61E-468A-8478-7536B3828CDB}" destId="{C156DF43-7073-483A-B4B6-12A2D35FC15B}" srcOrd="0" destOrd="0" presId="urn:microsoft.com/office/officeart/2008/layout/NameandTitleOrganizationalChart"/>
+    <dgm:cxn modelId="{BFF8640A-5C67-478E-A5C7-DB1D86A530BF}" type="presParOf" srcId="{C156DF43-7073-483A-B4B6-12A2D35FC15B}" destId="{AFB9D362-2BF1-4804-8A88-816D440A7C19}" srcOrd="0" destOrd="0" presId="urn:microsoft.com/office/officeart/2008/layout/NameandTitleOrganizationalChart"/>
+    <dgm:cxn modelId="{00E2AA27-C57A-4A89-8925-FABA628CCAA5}" type="presParOf" srcId="{C156DF43-7073-483A-B4B6-12A2D35FC15B}" destId="{55B4F1BF-50C6-4C22-949C-BA9C1E23C5FB}" srcOrd="1" destOrd="0" presId="urn:microsoft.com/office/officeart/2008/layout/NameandTitleOrganizationalChart"/>
+    <dgm:cxn modelId="{CD8D0A42-5109-481C-918E-DB27CDC88064}" type="presParOf" srcId="{C156DF43-7073-483A-B4B6-12A2D35FC15B}" destId="{57B1C94E-13F2-4F04-B8AC-E2408A4C2CE8}" srcOrd="2" destOrd="0" presId="urn:microsoft.com/office/officeart/2008/layout/NameandTitleOrganizationalChart"/>
+    <dgm:cxn modelId="{1F3BFC19-F6FB-4D3E-9FF2-F20D58D04982}" type="presParOf" srcId="{D78CE677-D61E-468A-8478-7536B3828CDB}" destId="{F80724BA-76B4-4167-86BE-01CD4E2E464F}" srcOrd="1" destOrd="0" presId="urn:microsoft.com/office/officeart/2008/layout/NameandTitleOrganizationalChart"/>
+    <dgm:cxn modelId="{E4AFB301-75D6-44F8-8089-0A853E209B55}" type="presParOf" srcId="{D78CE677-D61E-468A-8478-7536B3828CDB}" destId="{6F8C32EF-9735-45BE-B20B-68DFDFC6BB5F}" srcOrd="2" destOrd="0" presId="urn:microsoft.com/office/officeart/2008/layout/NameandTitleOrganizationalChart"/>
+    <dgm:cxn modelId="{BD0F692E-AAF2-4344-AD2B-77FA9F5D259D}" type="presParOf" srcId="{E4DBF0F7-9D37-49B1-AB3E-5E8D1041450A}" destId="{8BA98E0A-A619-4440-8B4C-83924A4097B9}" srcOrd="12" destOrd="0" presId="urn:microsoft.com/office/officeart/2008/layout/NameandTitleOrganizationalChart"/>
+    <dgm:cxn modelId="{2F1FEDE0-3807-409A-AAAF-ABCF9755051A}" type="presParOf" srcId="{E4DBF0F7-9D37-49B1-AB3E-5E8D1041450A}" destId="{EB36179F-7601-496A-9E95-05435F0A5EC3}" srcOrd="13" destOrd="0" presId="urn:microsoft.com/office/officeart/2008/layout/NameandTitleOrganizationalChart"/>
+    <dgm:cxn modelId="{1681742A-288F-4395-A486-0311DDC398EC}" type="presParOf" srcId="{EB36179F-7601-496A-9E95-05435F0A5EC3}" destId="{B49845F0-2044-4198-9483-59633974C04A}" srcOrd="0" destOrd="0" presId="urn:microsoft.com/office/officeart/2008/layout/NameandTitleOrganizationalChart"/>
+    <dgm:cxn modelId="{6956A283-E8DE-4C7F-A69A-17BEC55164F0}" type="presParOf" srcId="{B49845F0-2044-4198-9483-59633974C04A}" destId="{DF34769E-4D2F-4126-BB2D-4B4F109CD033}" srcOrd="0" destOrd="0" presId="urn:microsoft.com/office/officeart/2008/layout/NameandTitleOrganizationalChart"/>
+    <dgm:cxn modelId="{5E6800CB-3052-4F68-A7C5-6A5F8BB27F77}" type="presParOf" srcId="{B49845F0-2044-4198-9483-59633974C04A}" destId="{1C8C9553-1E22-430B-9DE4-B54B68EA990F}" srcOrd="1" destOrd="0" presId="urn:microsoft.com/office/officeart/2008/layout/NameandTitleOrganizationalChart"/>
+    <dgm:cxn modelId="{098CEA8F-E51C-4272-A027-DFC673D0249E}" type="presParOf" srcId="{B49845F0-2044-4198-9483-59633974C04A}" destId="{03155D01-EEDA-410A-BB21-82536405A280}" srcOrd="2" destOrd="0" presId="urn:microsoft.com/office/officeart/2008/layout/NameandTitleOrganizationalChart"/>
+    <dgm:cxn modelId="{8AB5DAEA-5459-437C-AAAF-2C6244DDEA9C}" type="presParOf" srcId="{EB36179F-7601-496A-9E95-05435F0A5EC3}" destId="{2390C930-0C43-41E4-A40A-B02B0962D4D0}" srcOrd="1" destOrd="0" presId="urn:microsoft.com/office/officeart/2008/layout/NameandTitleOrganizationalChart"/>
+    <dgm:cxn modelId="{7B8E4F46-5794-419F-B8FD-614455C80948}" type="presParOf" srcId="{EB36179F-7601-496A-9E95-05435F0A5EC3}" destId="{016DED57-B8F2-4D16-B1BD-350AD927A22F}" srcOrd="2" destOrd="0" presId="urn:microsoft.com/office/officeart/2008/layout/NameandTitleOrganizationalChart"/>
+    <dgm:cxn modelId="{AB1B7790-36B9-4176-B3B2-0ECDC35928A3}" type="presParOf" srcId="{E4DBF0F7-9D37-49B1-AB3E-5E8D1041450A}" destId="{A2DC62C8-A6EB-4BF0-A343-4B7E2267ACE8}" srcOrd="14" destOrd="0" presId="urn:microsoft.com/office/officeart/2008/layout/NameandTitleOrganizationalChart"/>
+    <dgm:cxn modelId="{9817CA22-93A2-4E05-8CD1-0D1058A2F776}" type="presParOf" srcId="{E4DBF0F7-9D37-49B1-AB3E-5E8D1041450A}" destId="{2DEAD533-39AE-4A4B-BAC3-B7DFE4E9C5F6}" srcOrd="15" destOrd="0" presId="urn:microsoft.com/office/officeart/2008/layout/NameandTitleOrganizationalChart"/>
+    <dgm:cxn modelId="{FF6057E8-AC49-45EC-97DD-ECAB3296AD6D}" type="presParOf" srcId="{2DEAD533-39AE-4A4B-BAC3-B7DFE4E9C5F6}" destId="{844C1298-442D-4D34-90F9-31A251F9533B}" srcOrd="0" destOrd="0" presId="urn:microsoft.com/office/officeart/2008/layout/NameandTitleOrganizationalChart"/>
+    <dgm:cxn modelId="{9C6DC433-3620-4129-B134-F41AE957F43D}" type="presParOf" srcId="{844C1298-442D-4D34-90F9-31A251F9533B}" destId="{2362714B-268E-415C-AD8D-34969D37B522}" srcOrd="0" destOrd="0" presId="urn:microsoft.com/office/officeart/2008/layout/NameandTitleOrganizationalChart"/>
+    <dgm:cxn modelId="{D0665C5E-B150-4B19-8A6E-F58E1BB28303}" type="presParOf" srcId="{844C1298-442D-4D34-90F9-31A251F9533B}" destId="{56485E68-E0FD-4042-AB19-9272D79CF94C}" srcOrd="1" destOrd="0" presId="urn:microsoft.com/office/officeart/2008/layout/NameandTitleOrganizationalChart"/>
+    <dgm:cxn modelId="{9CF50B1C-6DFD-433E-8F4D-48AAABCD6238}" type="presParOf" srcId="{844C1298-442D-4D34-90F9-31A251F9533B}" destId="{CAE0588A-30B1-498D-83C1-854AB145B671}" srcOrd="2" destOrd="0" presId="urn:microsoft.com/office/officeart/2008/layout/NameandTitleOrganizationalChart"/>
+    <dgm:cxn modelId="{ED808504-FC44-4293-9DCD-33AF3AF83082}" type="presParOf" srcId="{2DEAD533-39AE-4A4B-BAC3-B7DFE4E9C5F6}" destId="{39D43151-C966-4E88-9952-D319C8BECDCB}" srcOrd="1" destOrd="0" presId="urn:microsoft.com/office/officeart/2008/layout/NameandTitleOrganizationalChart"/>
+    <dgm:cxn modelId="{5B1731DB-C282-463D-AC87-705A4CC90D0E}" type="presParOf" srcId="{2DEAD533-39AE-4A4B-BAC3-B7DFE4E9C5F6}" destId="{43BD9F14-C937-4316-A5CF-1ECB079150E0}" srcOrd="2" destOrd="0" presId="urn:microsoft.com/office/officeart/2008/layout/NameandTitleOrganizationalChart"/>
+    <dgm:cxn modelId="{DF479623-34C9-4801-9945-2FD612A55B51}" type="presParOf" srcId="{E4DBF0F7-9D37-49B1-AB3E-5E8D1041450A}" destId="{CC3A7496-1B4D-4162-A553-EB4E0CE86024}" srcOrd="16" destOrd="0" presId="urn:microsoft.com/office/officeart/2008/layout/NameandTitleOrganizationalChart"/>
+    <dgm:cxn modelId="{913C7EF7-05B9-4DA8-9786-CB4B6382E321}" type="presParOf" srcId="{E4DBF0F7-9D37-49B1-AB3E-5E8D1041450A}" destId="{019DDFBE-EDB2-4BA1-9B22-45AB7E1B1879}" srcOrd="17" destOrd="0" presId="urn:microsoft.com/office/officeart/2008/layout/NameandTitleOrganizationalChart"/>
+    <dgm:cxn modelId="{2029C5E5-F886-4A03-A57A-FE9EB75873A5}" type="presParOf" srcId="{019DDFBE-EDB2-4BA1-9B22-45AB7E1B1879}" destId="{1D9983F8-872C-431B-A93C-57BD9D9748D7}" srcOrd="0" destOrd="0" presId="urn:microsoft.com/office/officeart/2008/layout/NameandTitleOrganizationalChart"/>
+    <dgm:cxn modelId="{72B9116F-34D0-4AD6-BA1D-12CD6281F784}" type="presParOf" srcId="{1D9983F8-872C-431B-A93C-57BD9D9748D7}" destId="{5869D7B0-BA87-41ED-83EA-DF4BB10E1B9B}" srcOrd="0" destOrd="0" presId="urn:microsoft.com/office/officeart/2008/layout/NameandTitleOrganizationalChart"/>
+    <dgm:cxn modelId="{F44BE8D0-D015-4AD3-956F-1C003D224678}" type="presParOf" srcId="{1D9983F8-872C-431B-A93C-57BD9D9748D7}" destId="{E54940C6-58E8-4CBA-B778-765232A8B46F}" srcOrd="1" destOrd="0" presId="urn:microsoft.com/office/officeart/2008/layout/NameandTitleOrganizationalChart"/>
+    <dgm:cxn modelId="{1003AB7A-7EE9-4D64-9ADB-A556D66F86D5}" type="presParOf" srcId="{1D9983F8-872C-431B-A93C-57BD9D9748D7}" destId="{D0696D74-BB52-428D-8797-9FAAE6454F09}" srcOrd="2" destOrd="0" presId="urn:microsoft.com/office/officeart/2008/layout/NameandTitleOrganizationalChart"/>
+    <dgm:cxn modelId="{7F3C0170-E86B-434A-AA12-6B35562C9A0D}" type="presParOf" srcId="{019DDFBE-EDB2-4BA1-9B22-45AB7E1B1879}" destId="{4106926B-5851-4E90-A9B4-FB11CE570337}" srcOrd="1" destOrd="0" presId="urn:microsoft.com/office/officeart/2008/layout/NameandTitleOrganizationalChart"/>
+    <dgm:cxn modelId="{C1EACC9D-726D-4A67-9F92-BAE196323640}" type="presParOf" srcId="{4106926B-5851-4E90-A9B4-FB11CE570337}" destId="{29E9665A-8523-4979-A9A9-9985C65AD5BF}" srcOrd="0" destOrd="0" presId="urn:microsoft.com/office/officeart/2008/layout/NameandTitleOrganizationalChart"/>
+    <dgm:cxn modelId="{3338D7A0-099A-4E37-A6BB-CC062A4E3E2D}" type="presParOf" srcId="{4106926B-5851-4E90-A9B4-FB11CE570337}" destId="{5DF05FAD-D6CD-47CD-9470-F457B48991BC}" srcOrd="1" destOrd="0" presId="urn:microsoft.com/office/officeart/2008/layout/NameandTitleOrganizationalChart"/>
+    <dgm:cxn modelId="{85A66BB2-D5B1-4DCA-9E6D-E1C7B148CEFB}" type="presParOf" srcId="{5DF05FAD-D6CD-47CD-9470-F457B48991BC}" destId="{B687C91A-E190-40EA-A503-69F24E65523C}" srcOrd="0" destOrd="0" presId="urn:microsoft.com/office/officeart/2008/layout/NameandTitleOrganizationalChart"/>
+    <dgm:cxn modelId="{988620BF-6137-4F69-A7C5-A35DFC81770E}" type="presParOf" srcId="{B687C91A-E190-40EA-A503-69F24E65523C}" destId="{A87A984C-6CFD-4577-959C-7E3FFD394C91}" srcOrd="0" destOrd="0" presId="urn:microsoft.com/office/officeart/2008/layout/NameandTitleOrganizationalChart"/>
+    <dgm:cxn modelId="{7EA5428E-65E1-4920-8C87-7D566B394210}" type="presParOf" srcId="{B687C91A-E190-40EA-A503-69F24E65523C}" destId="{B8678737-CE7A-439C-B1F9-46646F440843}" srcOrd="1" destOrd="0" presId="urn:microsoft.com/office/officeart/2008/layout/NameandTitleOrganizationalChart"/>
+    <dgm:cxn modelId="{8A41A9FA-17B7-496C-BCD8-568C11048047}" type="presParOf" srcId="{B687C91A-E190-40EA-A503-69F24E65523C}" destId="{56F7B4C0-ABE6-47C3-BD17-563D7F841F63}" srcOrd="2" destOrd="0" presId="urn:microsoft.com/office/officeart/2008/layout/NameandTitleOrganizationalChart"/>
+    <dgm:cxn modelId="{C1A1B39C-AB2E-436E-B63F-8EA1984FBAD7}" type="presParOf" srcId="{5DF05FAD-D6CD-47CD-9470-F457B48991BC}" destId="{30FBA2A0-4357-44BA-A6C1-E0E7AF2D8A3D}" srcOrd="1" destOrd="0" presId="urn:microsoft.com/office/officeart/2008/layout/NameandTitleOrganizationalChart"/>
+    <dgm:cxn modelId="{8026C576-609C-4FAE-8484-F385C6CEF22C}" type="presParOf" srcId="{5DF05FAD-D6CD-47CD-9470-F457B48991BC}" destId="{3813A127-F70F-40D1-BB28-9EDCD985A33F}" srcOrd="2" destOrd="0" presId="urn:microsoft.com/office/officeart/2008/layout/NameandTitleOrganizationalChart"/>
+    <dgm:cxn modelId="{C12977EC-5EE4-4A45-9253-34B893C29AA1}" type="presParOf" srcId="{4106926B-5851-4E90-A9B4-FB11CE570337}" destId="{04E9606A-0524-4A97-AE53-27041C1DD722}" srcOrd="2" destOrd="0" presId="urn:microsoft.com/office/officeart/2008/layout/NameandTitleOrganizationalChart"/>
+    <dgm:cxn modelId="{BD9A1D60-F35F-4A51-BA54-21F403273609}" type="presParOf" srcId="{4106926B-5851-4E90-A9B4-FB11CE570337}" destId="{DE9B2AF6-EEE0-4781-A733-B1B66F2BA1F0}" srcOrd="3" destOrd="0" presId="urn:microsoft.com/office/officeart/2008/layout/NameandTitleOrganizationalChart"/>
+    <dgm:cxn modelId="{266E14F1-A05F-48D6-9326-942783EDBB89}" type="presParOf" srcId="{DE9B2AF6-EEE0-4781-A733-B1B66F2BA1F0}" destId="{DD7C174E-B72B-40DE-A707-C31DBF1A1E97}" srcOrd="0" destOrd="0" presId="urn:microsoft.com/office/officeart/2008/layout/NameandTitleOrganizationalChart"/>
+    <dgm:cxn modelId="{54A442AE-6832-4E7F-B77B-37D0F61FBF97}" type="presParOf" srcId="{DD7C174E-B72B-40DE-A707-C31DBF1A1E97}" destId="{8640947B-194A-47A9-B1AF-1EA261CF2D9A}" srcOrd="0" destOrd="0" presId="urn:microsoft.com/office/officeart/2008/layout/NameandTitleOrganizationalChart"/>
+    <dgm:cxn modelId="{A3358E63-F4CC-43A5-A5EF-509627379F8A}" type="presParOf" srcId="{DD7C174E-B72B-40DE-A707-C31DBF1A1E97}" destId="{C48C0AD5-7FDA-402D-8C54-E342ACEB9FDD}" srcOrd="1" destOrd="0" presId="urn:microsoft.com/office/officeart/2008/layout/NameandTitleOrganizationalChart"/>
+    <dgm:cxn modelId="{CA5763B9-6719-4DC6-9B10-F5AE05975936}" type="presParOf" srcId="{DD7C174E-B72B-40DE-A707-C31DBF1A1E97}" destId="{1B539F46-2427-4495-B461-E8B9E90B0F50}" srcOrd="2" destOrd="0" presId="urn:microsoft.com/office/officeart/2008/layout/NameandTitleOrganizationalChart"/>
+    <dgm:cxn modelId="{510FADC1-45CB-4045-960E-2E7B7AA10BBC}" type="presParOf" srcId="{DE9B2AF6-EEE0-4781-A733-B1B66F2BA1F0}" destId="{6DB86B61-DCBD-4E99-A863-EA6BB33052E8}" srcOrd="1" destOrd="0" presId="urn:microsoft.com/office/officeart/2008/layout/NameandTitleOrganizationalChart"/>
+    <dgm:cxn modelId="{7E7BE052-B494-4D3F-A428-9CED6A0F158A}" type="presParOf" srcId="{DE9B2AF6-EEE0-4781-A733-B1B66F2BA1F0}" destId="{C9F7098C-4E81-4722-A0A9-6558D99F4449}" srcOrd="2" destOrd="0" presId="urn:microsoft.com/office/officeart/2008/layout/NameandTitleOrganizationalChart"/>
+    <dgm:cxn modelId="{521F06DE-14CB-46B2-B757-ED723E3F0423}" type="presParOf" srcId="{019DDFBE-EDB2-4BA1-9B22-45AB7E1B1879}" destId="{72816C32-EDB6-4583-8DE8-AF407075BDB0}" srcOrd="2" destOrd="0" presId="urn:microsoft.com/office/officeart/2008/layout/NameandTitleOrganizationalChart"/>
+    <dgm:cxn modelId="{CE7B61CB-984F-4056-99DF-C47313E5C173}" type="presParOf" srcId="{E4DBF0F7-9D37-49B1-AB3E-5E8D1041450A}" destId="{C40F3056-348C-4839-8FB5-7532DAEAD4EB}" srcOrd="18" destOrd="0" presId="urn:microsoft.com/office/officeart/2008/layout/NameandTitleOrganizationalChart"/>
+    <dgm:cxn modelId="{38AC61D7-4E3A-404E-B8E1-FB682A03A022}" type="presParOf" srcId="{E4DBF0F7-9D37-49B1-AB3E-5E8D1041450A}" destId="{BE485F89-E3AE-48B4-BF70-DF50F422C8FF}" srcOrd="19" destOrd="0" presId="urn:microsoft.com/office/officeart/2008/layout/NameandTitleOrganizationalChart"/>
+    <dgm:cxn modelId="{9107FEE1-BB97-4556-9A22-84D068F7DD62}" type="presParOf" srcId="{BE485F89-E3AE-48B4-BF70-DF50F422C8FF}" destId="{6F148AAD-143B-4DCB-AB18-88920253630E}" srcOrd="0" destOrd="0" presId="urn:microsoft.com/office/officeart/2008/layout/NameandTitleOrganizationalChart"/>
+    <dgm:cxn modelId="{964099D4-8DA8-4668-8EAE-E1A2376F545D}" type="presParOf" srcId="{6F148AAD-143B-4DCB-AB18-88920253630E}" destId="{14D029E2-857D-44DD-8D05-298004F76829}" srcOrd="0" destOrd="0" presId="urn:microsoft.com/office/officeart/2008/layout/NameandTitleOrganizationalChart"/>
+    <dgm:cxn modelId="{473B2107-A838-4AC0-9081-F5AD13C72420}" type="presParOf" srcId="{6F148AAD-143B-4DCB-AB18-88920253630E}" destId="{B0382EE2-FD72-417B-AE7B-C303E355B02A}" srcOrd="1" destOrd="0" presId="urn:microsoft.com/office/officeart/2008/layout/NameandTitleOrganizationalChart"/>
+    <dgm:cxn modelId="{A6E76F31-5FF8-4B36-B156-4EE84EDC4CD3}" type="presParOf" srcId="{6F148AAD-143B-4DCB-AB18-88920253630E}" destId="{E9E3F63D-5E34-4BEC-B741-6FAB9B9F6EA4}" srcOrd="2" destOrd="0" presId="urn:microsoft.com/office/officeart/2008/layout/NameandTitleOrganizationalChart"/>
+    <dgm:cxn modelId="{4727B609-5DD1-4BC8-9FD1-D1DE57B2CFE9}" type="presParOf" srcId="{BE485F89-E3AE-48B4-BF70-DF50F422C8FF}" destId="{CD115D9F-A7EF-45E1-BE54-3E28CC0A7A95}" srcOrd="1" destOrd="0" presId="urn:microsoft.com/office/officeart/2008/layout/NameandTitleOrganizationalChart"/>
+    <dgm:cxn modelId="{23813365-B6A7-47C5-BE51-51691513889B}" type="presParOf" srcId="{CD115D9F-A7EF-45E1-BE54-3E28CC0A7A95}" destId="{4D5260ED-8E71-43CF-B018-BE752892951C}" srcOrd="0" destOrd="0" presId="urn:microsoft.com/office/officeart/2008/layout/NameandTitleOrganizationalChart"/>
+    <dgm:cxn modelId="{4F957E7F-6280-4CD7-BC4A-994596FF374A}" type="presParOf" srcId="{CD115D9F-A7EF-45E1-BE54-3E28CC0A7A95}" destId="{64854FA1-8E12-4796-BC4E-127F0E5F8D34}" srcOrd="1" destOrd="0" presId="urn:microsoft.com/office/officeart/2008/layout/NameandTitleOrganizationalChart"/>
+    <dgm:cxn modelId="{DB41A041-2883-4A6D-981F-E51167B25A5F}" type="presParOf" srcId="{64854FA1-8E12-4796-BC4E-127F0E5F8D34}" destId="{0AE43D37-ABBE-4F38-B0EB-D6F8F5B3DFAC}" srcOrd="0" destOrd="0" presId="urn:microsoft.com/office/officeart/2008/layout/NameandTitleOrganizationalChart"/>
+    <dgm:cxn modelId="{78A6C97B-C230-4017-A587-B0DB827D6C06}" type="presParOf" srcId="{0AE43D37-ABBE-4F38-B0EB-D6F8F5B3DFAC}" destId="{B808BE66-9B95-4F1D-AFF5-D7D093912E44}" srcOrd="0" destOrd="0" presId="urn:microsoft.com/office/officeart/2008/layout/NameandTitleOrganizationalChart"/>
+    <dgm:cxn modelId="{98FB7CB9-2444-481A-A3F5-F3AC53490E54}" type="presParOf" srcId="{0AE43D37-ABBE-4F38-B0EB-D6F8F5B3DFAC}" destId="{70C66616-33FA-4CCF-A1A3-BCA0E7916AFC}" srcOrd="1" destOrd="0" presId="urn:microsoft.com/office/officeart/2008/layout/NameandTitleOrganizationalChart"/>
+    <dgm:cxn modelId="{45E2B5B7-84DB-4596-9C6A-D05762278B5C}" type="presParOf" srcId="{0AE43D37-ABBE-4F38-B0EB-D6F8F5B3DFAC}" destId="{010D3747-F6B2-4080-9FFF-0FCCED84BDC0}" srcOrd="2" destOrd="0" presId="urn:microsoft.com/office/officeart/2008/layout/NameandTitleOrganizationalChart"/>
+    <dgm:cxn modelId="{7AD66B8C-8CA3-4700-B29E-68D99FFB65E4}" type="presParOf" srcId="{64854FA1-8E12-4796-BC4E-127F0E5F8D34}" destId="{19380D9D-FE4F-4F1A-A7CF-8D5CA8D0D95A}" srcOrd="1" destOrd="0" presId="urn:microsoft.com/office/officeart/2008/layout/NameandTitleOrganizationalChart"/>
+    <dgm:cxn modelId="{BE5ABE4F-1486-4D41-835F-3437501EE03B}" type="presParOf" srcId="{19380D9D-FE4F-4F1A-A7CF-8D5CA8D0D95A}" destId="{A1C40F7D-B33A-4D66-8640-9219BB096776}" srcOrd="0" destOrd="0" presId="urn:microsoft.com/office/officeart/2008/layout/NameandTitleOrganizationalChart"/>
+    <dgm:cxn modelId="{1B9DD26B-136F-499C-A6DE-588035D1EB30}" type="presParOf" srcId="{19380D9D-FE4F-4F1A-A7CF-8D5CA8D0D95A}" destId="{5278B25A-9CF5-4932-813D-A353DF26F83A}" srcOrd="1" destOrd="0" presId="urn:microsoft.com/office/officeart/2008/layout/NameandTitleOrganizationalChart"/>
+    <dgm:cxn modelId="{F142CA1B-5776-42FF-96A5-F0F94B14DE45}" type="presParOf" srcId="{5278B25A-9CF5-4932-813D-A353DF26F83A}" destId="{2E7AE60F-6836-4854-A2ED-3E828822C620}" srcOrd="0" destOrd="0" presId="urn:microsoft.com/office/officeart/2008/layout/NameandTitleOrganizationalChart"/>
+    <dgm:cxn modelId="{0295BE1A-C303-4B6F-AEA9-DD3A69FA3E75}" type="presParOf" srcId="{2E7AE60F-6836-4854-A2ED-3E828822C620}" destId="{35F89F19-3BE9-457B-A320-CF709CA75AF1}" srcOrd="0" destOrd="0" presId="urn:microsoft.com/office/officeart/2008/layout/NameandTitleOrganizationalChart"/>
+    <dgm:cxn modelId="{9F1383C9-728D-461B-A04C-5B862929DB98}" type="presParOf" srcId="{2E7AE60F-6836-4854-A2ED-3E828822C620}" destId="{EC7D588F-274C-4279-B592-07150993AB65}" srcOrd="1" destOrd="0" presId="urn:microsoft.com/office/officeart/2008/layout/NameandTitleOrganizationalChart"/>
+    <dgm:cxn modelId="{78F3A974-31E6-46B9-BE8D-6F2AD8D2E258}" type="presParOf" srcId="{2E7AE60F-6836-4854-A2ED-3E828822C620}" destId="{9AAEC09D-7BC5-4EE4-89C0-F7CBBA842612}" srcOrd="2" destOrd="0" presId="urn:microsoft.com/office/officeart/2008/layout/NameandTitleOrganizationalChart"/>
+    <dgm:cxn modelId="{B96E866A-330E-4FDF-AA60-499BC044C2D6}" type="presParOf" srcId="{5278B25A-9CF5-4932-813D-A353DF26F83A}" destId="{55405D0C-C2F0-4C9E-A6F8-3CC4CC048EB9}" srcOrd="1" destOrd="0" presId="urn:microsoft.com/office/officeart/2008/layout/NameandTitleOrganizationalChart"/>
+    <dgm:cxn modelId="{C5A2900E-CEFE-4EAD-B1AE-EF3712A8B2DE}" type="presParOf" srcId="{5278B25A-9CF5-4932-813D-A353DF26F83A}" destId="{8C5DB784-A4E5-4447-9C1D-81AD78D00DDC}" srcOrd="2" destOrd="0" presId="urn:microsoft.com/office/officeart/2008/layout/NameandTitleOrganizationalChart"/>
+    <dgm:cxn modelId="{359A387D-C8E7-4D16-A2A4-659B0C01E28C}" type="presParOf" srcId="{19380D9D-FE4F-4F1A-A7CF-8D5CA8D0D95A}" destId="{E40C5F05-0338-45A8-B7D0-E8A053335D38}" srcOrd="2" destOrd="0" presId="urn:microsoft.com/office/officeart/2008/layout/NameandTitleOrganizationalChart"/>
+    <dgm:cxn modelId="{20EE184A-CA4A-4151-AB28-447B3AC946F4}" type="presParOf" srcId="{19380D9D-FE4F-4F1A-A7CF-8D5CA8D0D95A}" destId="{F0ADC0FF-1D65-4715-BCE0-E40AEA6E2BB2}" srcOrd="3" destOrd="0" presId="urn:microsoft.com/office/officeart/2008/layout/NameandTitleOrganizationalChart"/>
+    <dgm:cxn modelId="{6B5388BF-CC32-4EEE-BCBA-3483E9AFE3EF}" type="presParOf" srcId="{F0ADC0FF-1D65-4715-BCE0-E40AEA6E2BB2}" destId="{6BE5A288-7BB9-4702-B134-0621A6C673E1}" srcOrd="0" destOrd="0" presId="urn:microsoft.com/office/officeart/2008/layout/NameandTitleOrganizationalChart"/>
+    <dgm:cxn modelId="{FFD3992A-F814-4B18-A671-F6D7210A1E04}" type="presParOf" srcId="{6BE5A288-7BB9-4702-B134-0621A6C673E1}" destId="{DF81E026-8D62-4CFD-8127-7E01BB051911}" srcOrd="0" destOrd="0" presId="urn:microsoft.com/office/officeart/2008/layout/NameandTitleOrganizationalChart"/>
+    <dgm:cxn modelId="{BC52FA98-6422-4D8C-8144-8373377D5DEA}" type="presParOf" srcId="{6BE5A288-7BB9-4702-B134-0621A6C673E1}" destId="{924AB995-52E5-4691-B0B0-CD1C97DD046B}" srcOrd="1" destOrd="0" presId="urn:microsoft.com/office/officeart/2008/layout/NameandTitleOrganizationalChart"/>
+    <dgm:cxn modelId="{73D6D652-2C31-4779-9EFE-959CE88205DC}" type="presParOf" srcId="{6BE5A288-7BB9-4702-B134-0621A6C673E1}" destId="{3857FA20-290F-4B1D-9230-AD8E5431E2D0}" srcOrd="2" destOrd="0" presId="urn:microsoft.com/office/officeart/2008/layout/NameandTitleOrganizationalChart"/>
+    <dgm:cxn modelId="{7E863207-2D96-403D-A0F3-CD14C4BFA321}" type="presParOf" srcId="{F0ADC0FF-1D65-4715-BCE0-E40AEA6E2BB2}" destId="{80EB5E84-D5B5-4381-9A6F-E5F4A02F98C7}" srcOrd="1" destOrd="0" presId="urn:microsoft.com/office/officeart/2008/layout/NameandTitleOrganizationalChart"/>
+    <dgm:cxn modelId="{7A918E95-B8B1-4830-938E-0962F4B2E19F}" type="presParOf" srcId="{F0ADC0FF-1D65-4715-BCE0-E40AEA6E2BB2}" destId="{69D9C748-D251-45AC-AD63-903854A6D29E}" srcOrd="2" destOrd="0" presId="urn:microsoft.com/office/officeart/2008/layout/NameandTitleOrganizationalChart"/>
+    <dgm:cxn modelId="{7B3C949E-40C6-42E3-9633-2BFE744E8414}" type="presParOf" srcId="{64854FA1-8E12-4796-BC4E-127F0E5F8D34}" destId="{1F49B298-AC83-450C-ABC1-F265ED0A9434}" srcOrd="2" destOrd="0" presId="urn:microsoft.com/office/officeart/2008/layout/NameandTitleOrganizationalChart"/>
+    <dgm:cxn modelId="{8FA474FB-CFB6-42C8-907B-DB6A6FC83174}" type="presParOf" srcId="{CD115D9F-A7EF-45E1-BE54-3E28CC0A7A95}" destId="{ABF75C28-00CF-4ED6-9781-A854999AFAA9}" srcOrd="2" destOrd="0" presId="urn:microsoft.com/office/officeart/2008/layout/NameandTitleOrganizationalChart"/>
+    <dgm:cxn modelId="{3F4BCD38-F263-46CB-BF14-A3784580DA02}" type="presParOf" srcId="{CD115D9F-A7EF-45E1-BE54-3E28CC0A7A95}" destId="{9DEAA6D4-7A23-4C31-950D-FBF7C9A639A6}" srcOrd="3" destOrd="0" presId="urn:microsoft.com/office/officeart/2008/layout/NameandTitleOrganizationalChart"/>
+    <dgm:cxn modelId="{7DE3AF2C-0219-4D02-9A2F-0B5083930D67}" type="presParOf" srcId="{9DEAA6D4-7A23-4C31-950D-FBF7C9A639A6}" destId="{0BABB5B1-2395-45B2-B62E-67B001E336CC}" srcOrd="0" destOrd="0" presId="urn:microsoft.com/office/officeart/2008/layout/NameandTitleOrganizationalChart"/>
+    <dgm:cxn modelId="{11E8AE60-093A-4C17-86FE-811AA76AC3A6}" type="presParOf" srcId="{0BABB5B1-2395-45B2-B62E-67B001E336CC}" destId="{53E57540-F07D-4AD0-801A-F2AEFDAC6361}" srcOrd="0" destOrd="0" presId="urn:microsoft.com/office/officeart/2008/layout/NameandTitleOrganizationalChart"/>
+    <dgm:cxn modelId="{3EF93FB4-4534-4473-BA1C-B170115280D1}" type="presParOf" srcId="{0BABB5B1-2395-45B2-B62E-67B001E336CC}" destId="{9F7A1D53-E16F-4AD8-AF3E-59D7C104F119}" srcOrd="1" destOrd="0" presId="urn:microsoft.com/office/officeart/2008/layout/NameandTitleOrganizationalChart"/>
+    <dgm:cxn modelId="{E7BF78E4-08BE-41CC-AFD3-7163B916EEB6}" type="presParOf" srcId="{0BABB5B1-2395-45B2-B62E-67B001E336CC}" destId="{A7095C8A-4BDF-4D4B-AE92-21855B2E53F7}" srcOrd="2" destOrd="0" presId="urn:microsoft.com/office/officeart/2008/layout/NameandTitleOrganizationalChart"/>
+    <dgm:cxn modelId="{B4A3EF2E-48B7-4657-ADAF-D824B02BBDE5}" type="presParOf" srcId="{9DEAA6D4-7A23-4C31-950D-FBF7C9A639A6}" destId="{BAC2743A-D85B-446F-A5A7-0DA935523883}" srcOrd="1" destOrd="0" presId="urn:microsoft.com/office/officeart/2008/layout/NameandTitleOrganizationalChart"/>
+    <dgm:cxn modelId="{EE7A91A5-DB77-4544-8F3D-665DBD130E90}" type="presParOf" srcId="{9DEAA6D4-7A23-4C31-950D-FBF7C9A639A6}" destId="{D10B273E-4728-4FD5-9319-EBF7B14BD71C}" srcOrd="2" destOrd="0" presId="urn:microsoft.com/office/officeart/2008/layout/NameandTitleOrganizationalChart"/>
+    <dgm:cxn modelId="{8961CA8D-5FA8-4D1D-A3EE-5C8ED066C70C}" type="presParOf" srcId="{BE485F89-E3AE-48B4-BF70-DF50F422C8FF}" destId="{947EA1D2-DD85-433E-A4C3-EC29EB572E52}" srcOrd="2" destOrd="0" presId="urn:microsoft.com/office/officeart/2008/layout/NameandTitleOrganizationalChart"/>
+    <dgm:cxn modelId="{6602C9E8-697C-4B7A-BD25-067C5A35B3B1}" type="presParOf" srcId="{41679268-1CA9-44EF-B555-051460466F09}" destId="{852AE1AD-F103-42E0-93B5-303FE9CCDFEF}" srcOrd="2" destOrd="0" presId="urn:microsoft.com/office/officeart/2008/layout/NameandTitleOrganizationalChart"/>
   </dgm:cxnLst>
   <dgm:bg/>
   <dgm:whole/>
@@ -5420,7 +5289,7 @@
         </a:p>
       </dgm:t>
     </dgm:pt>
-    <dgm:pt modelId="{C16470CB-B4FE-4410-AB0D-FB2A7AE1EC84}">
+    <dgm:pt modelId="{6079760F-3BEB-448E-8C4C-D07379A5E46D}">
       <dgm:prSet phldrT="[Text]"/>
       <dgm:spPr/>
       <dgm:t>
@@ -5429,143 +5298,86 @@
         <a:p>
           <a:r>
             <a:rPr lang="en-US" dirty="0" smtClean="0"/>
-            <a:t>Setup </a:t>
+            <a:t>Uno measures height</a:t>
           </a:r>
+        </a:p>
+      </dgm:t>
+    </dgm:pt>
+    <dgm:pt modelId="{3F15C46F-5BC4-4346-8681-CE05BF6A8676}" type="parTrans" cxnId="{38C7846C-A3D6-4079-970D-4790872C6BDF}">
+      <dgm:prSet/>
+      <dgm:spPr/>
+      <dgm:t>
+        <a:bodyPr/>
+        <a:lstStyle/>
+        <a:p>
+          <a:endParaRPr lang="en-US"/>
+        </a:p>
+      </dgm:t>
+    </dgm:pt>
+    <dgm:pt modelId="{64943D96-19D2-4F2F-AB9D-7FACCD83237E}" type="sibTrans" cxnId="{38C7846C-A3D6-4079-970D-4790872C6BDF}">
+      <dgm:prSet/>
+      <dgm:spPr/>
+      <dgm:t>
+        <a:bodyPr/>
+        <a:lstStyle/>
+        <a:p>
+          <a:endParaRPr lang="en-US"/>
+        </a:p>
+      </dgm:t>
+    </dgm:pt>
+    <dgm:pt modelId="{E7A50803-F364-4CD4-AD78-41B1FBFF1BA8}">
+      <dgm:prSet phldrT="[Text]"/>
+      <dgm:spPr/>
+      <dgm:t>
+        <a:bodyPr/>
+        <a:lstStyle/>
+        <a:p>
           <a:r>
-            <a:rPr lang="en-US" dirty="0" err="1" smtClean="0"/>
-            <a:t>wifi</a:t>
+            <a:rPr lang="en-US" dirty="0" smtClean="0"/>
+            <a:t>Pi </a:t>
           </a:r>
           <a:r>
             <a:rPr lang="en-US" dirty="0" smtClean="0"/>
-            <a:t>, connect server, Bluetooth, audio, power blood pressure machine,</a:t>
+            <a:t>measures</a:t>
           </a:r>
-        </a:p>
-        <a:p>
-          <a:r>
-            <a:rPr lang="en-US" dirty="0" err="1" smtClean="0"/>
-            <a:t>Init</a:t>
-          </a:r>
+          <a:endParaRPr lang="en-US" dirty="0" smtClean="0"/>
+        </a:p>
+      </dgm:t>
+    </dgm:pt>
+    <dgm:pt modelId="{407CD609-00D6-48E0-AA13-550B24BE3F19}" type="parTrans" cxnId="{40EF2476-88D6-4D65-A834-7B8200D87526}">
+      <dgm:prSet/>
+      <dgm:spPr/>
+      <dgm:t>
+        <a:bodyPr/>
+        <a:lstStyle/>
+        <a:p>
+          <a:endParaRPr lang="en-US"/>
+        </a:p>
+      </dgm:t>
+    </dgm:pt>
+    <dgm:pt modelId="{DA4329DA-20FA-4C38-857D-B35ED56ACC55}" type="sibTrans" cxnId="{40EF2476-88D6-4D65-A834-7B8200D87526}">
+      <dgm:prSet/>
+      <dgm:spPr/>
+      <dgm:t>
+        <a:bodyPr/>
+        <a:lstStyle/>
+        <a:p>
+          <a:endParaRPr lang="en-US"/>
+        </a:p>
+      </dgm:t>
+    </dgm:pt>
+    <dgm:pt modelId="{4F55A451-EEAC-4794-AD1A-88C08A1F61E7}">
+      <dgm:prSet phldrT="[Text]"/>
+      <dgm:spPr/>
+      <dgm:t>
+        <a:bodyPr/>
+        <a:lstStyle/>
+        <a:p>
           <a:r>
             <a:rPr lang="en-US" dirty="0" smtClean="0"/>
-            <a:t> remain modules</a:t>
+            <a:t>Prepare outputs</a:t>
           </a:r>
-          <a:endParaRPr lang="en-US" dirty="0"/>
-        </a:p>
-      </dgm:t>
-    </dgm:pt>
-    <dgm:pt modelId="{EF2944A6-35EE-488B-9C42-663FA3EE3894}" type="parTrans" cxnId="{27C3168F-759E-4EA6-A7BD-4910D8E3F75A}">
-      <dgm:prSet/>
-      <dgm:spPr/>
-      <dgm:t>
-        <a:bodyPr/>
-        <a:lstStyle/>
-        <a:p>
-          <a:endParaRPr lang="en-US"/>
-        </a:p>
-      </dgm:t>
-    </dgm:pt>
-    <dgm:pt modelId="{11BD6534-74A8-4903-9C6C-4006CDF09DB2}" type="sibTrans" cxnId="{27C3168F-759E-4EA6-A7BD-4910D8E3F75A}">
-      <dgm:prSet/>
-      <dgm:spPr/>
-      <dgm:t>
-        <a:bodyPr/>
-        <a:lstStyle/>
-        <a:p>
-          <a:endParaRPr lang="en-US"/>
-        </a:p>
-      </dgm:t>
-    </dgm:pt>
-    <dgm:pt modelId="{6079760F-3BEB-448E-8C4C-D07379A5E46D}">
-      <dgm:prSet phldrT="[Text]"/>
-      <dgm:spPr/>
-      <dgm:t>
-        <a:bodyPr/>
-        <a:lstStyle/>
-        <a:p>
-          <a:r>
-            <a:rPr lang="en-US" dirty="0" smtClean="0"/>
-            <a:t>Uno </a:t>
-          </a:r>
-          <a:r>
-            <a:rPr lang="en-US" dirty="0" smtClean="0"/>
-            <a:t>measures </a:t>
-          </a:r>
-          <a:r>
-            <a:rPr lang="en-US" dirty="0" smtClean="0"/>
-            <a:t>height</a:t>
-          </a:r>
-        </a:p>
-      </dgm:t>
-    </dgm:pt>
-    <dgm:pt modelId="{3F15C46F-5BC4-4346-8681-CE05BF6A8676}" type="parTrans" cxnId="{38C7846C-A3D6-4079-970D-4790872C6BDF}">
-      <dgm:prSet/>
-      <dgm:spPr/>
-      <dgm:t>
-        <a:bodyPr/>
-        <a:lstStyle/>
-        <a:p>
-          <a:endParaRPr lang="en-US"/>
-        </a:p>
-      </dgm:t>
-    </dgm:pt>
-    <dgm:pt modelId="{64943D96-19D2-4F2F-AB9D-7FACCD83237E}" type="sibTrans" cxnId="{38C7846C-A3D6-4079-970D-4790872C6BDF}">
-      <dgm:prSet/>
-      <dgm:spPr/>
-      <dgm:t>
-        <a:bodyPr/>
-        <a:lstStyle/>
-        <a:p>
-          <a:endParaRPr lang="en-US"/>
-        </a:p>
-      </dgm:t>
-    </dgm:pt>
-    <dgm:pt modelId="{E7A50803-F364-4CD4-AD78-41B1FBFF1BA8}">
-      <dgm:prSet phldrT="[Text]"/>
-      <dgm:spPr/>
-      <dgm:t>
-        <a:bodyPr/>
-        <a:lstStyle/>
-        <a:p>
-          <a:r>
-            <a:rPr lang="en-US" dirty="0" smtClean="0"/>
-            <a:t>Pi measure Temperature, scale, SpO2, blood pressure</a:t>
-          </a:r>
-        </a:p>
-      </dgm:t>
-    </dgm:pt>
-    <dgm:pt modelId="{407CD609-00D6-48E0-AA13-550B24BE3F19}" type="parTrans" cxnId="{40EF2476-88D6-4D65-A834-7B8200D87526}">
-      <dgm:prSet/>
-      <dgm:spPr/>
-      <dgm:t>
-        <a:bodyPr/>
-        <a:lstStyle/>
-        <a:p>
-          <a:endParaRPr lang="en-US"/>
-        </a:p>
-      </dgm:t>
-    </dgm:pt>
-    <dgm:pt modelId="{DA4329DA-20FA-4C38-857D-B35ED56ACC55}" type="sibTrans" cxnId="{40EF2476-88D6-4D65-A834-7B8200D87526}">
-      <dgm:prSet/>
-      <dgm:spPr/>
-      <dgm:t>
-        <a:bodyPr/>
-        <a:lstStyle/>
-        <a:p>
-          <a:endParaRPr lang="en-US"/>
-        </a:p>
-      </dgm:t>
-    </dgm:pt>
-    <dgm:pt modelId="{4F55A451-EEAC-4794-AD1A-88C08A1F61E7}">
-      <dgm:prSet phldrT="[Text]"/>
-      <dgm:spPr/>
-      <dgm:t>
-        <a:bodyPr/>
-        <a:lstStyle/>
-        <a:p>
-          <a:r>
-            <a:rPr lang="en-US" dirty="0" smtClean="0"/>
-            <a:t>Get outputs</a:t>
-          </a:r>
+          <a:endParaRPr lang="en-US" dirty="0" smtClean="0"/>
         </a:p>
       </dgm:t>
     </dgm:pt>
@@ -5653,6 +5465,347 @@
       </dgm:t>
     </dgm:pt>
     <dgm:pt modelId="{4B6C20F8-6B52-45DF-9F97-26B7A319589B}" type="sibTrans" cxnId="{14580366-1FBC-4C21-8C8C-ECCEFC03B8D9}">
+      <dgm:prSet/>
+      <dgm:spPr/>
+      <dgm:t>
+        <a:bodyPr/>
+        <a:lstStyle/>
+        <a:p>
+          <a:endParaRPr lang="en-US"/>
+        </a:p>
+      </dgm:t>
+    </dgm:pt>
+    <dgm:pt modelId="{11759023-B539-4A9D-9148-695A907123CF}">
+      <dgm:prSet phldrT="[Text]"/>
+      <dgm:spPr/>
+      <dgm:t>
+        <a:bodyPr/>
+        <a:lstStyle/>
+        <a:p>
+          <a:r>
+            <a:rPr lang="en-US" dirty="0" smtClean="0"/>
+            <a:t>Setup</a:t>
+          </a:r>
+          <a:endParaRPr lang="en-US" dirty="0"/>
+        </a:p>
+      </dgm:t>
+    </dgm:pt>
+    <dgm:pt modelId="{CB27E4A7-A152-416A-AE74-8BAADA362E30}" type="parTrans" cxnId="{1A1864AA-6C88-4A72-A88A-383848E48098}">
+      <dgm:prSet/>
+      <dgm:spPr/>
+      <dgm:t>
+        <a:bodyPr/>
+        <a:lstStyle/>
+        <a:p>
+          <a:endParaRPr lang="en-US"/>
+        </a:p>
+      </dgm:t>
+    </dgm:pt>
+    <dgm:pt modelId="{B49C4D2D-FBEB-4D1C-B75F-C3DE01451527}" type="sibTrans" cxnId="{1A1864AA-6C88-4A72-A88A-383848E48098}">
+      <dgm:prSet/>
+      <dgm:spPr/>
+      <dgm:t>
+        <a:bodyPr/>
+        <a:lstStyle/>
+        <a:p>
+          <a:endParaRPr lang="en-US"/>
+        </a:p>
+      </dgm:t>
+    </dgm:pt>
+    <dgm:pt modelId="{3D9A5FDC-149F-4871-AC0B-41FE9D85C64C}">
+      <dgm:prSet phldrT="[Text]"/>
+      <dgm:spPr/>
+      <dgm:t>
+        <a:bodyPr/>
+        <a:lstStyle/>
+        <a:p>
+          <a:r>
+            <a:rPr lang="en-US" dirty="0" smtClean="0"/>
+            <a:t>Power BP Machine on</a:t>
+          </a:r>
+          <a:endParaRPr lang="en-US" dirty="0"/>
+        </a:p>
+      </dgm:t>
+    </dgm:pt>
+    <dgm:pt modelId="{4648DA37-ADCA-4572-A170-AFF1D6B8114C}" type="parTrans" cxnId="{656A6730-4775-4A3E-936E-91899811DB25}">
+      <dgm:prSet/>
+      <dgm:spPr/>
+      <dgm:t>
+        <a:bodyPr/>
+        <a:lstStyle/>
+        <a:p>
+          <a:endParaRPr lang="en-US"/>
+        </a:p>
+      </dgm:t>
+    </dgm:pt>
+    <dgm:pt modelId="{252A868E-1D7A-4BD9-B234-19B2E62E0B3A}" type="sibTrans" cxnId="{656A6730-4775-4A3E-936E-91899811DB25}">
+      <dgm:prSet/>
+      <dgm:spPr/>
+      <dgm:t>
+        <a:bodyPr/>
+        <a:lstStyle/>
+        <a:p>
+          <a:endParaRPr lang="en-US"/>
+        </a:p>
+      </dgm:t>
+    </dgm:pt>
+    <dgm:pt modelId="{E0D73B0D-2B54-4BB7-837B-A02C9C860C3A}">
+      <dgm:prSet phldrT="[Text]"/>
+      <dgm:spPr/>
+      <dgm:t>
+        <a:bodyPr/>
+        <a:lstStyle/>
+        <a:p>
+          <a:r>
+            <a:rPr lang="en-US" dirty="0" smtClean="0"/>
+            <a:t>Initialize SpO2, Scale, Temperature module</a:t>
+          </a:r>
+          <a:endParaRPr lang="en-US" dirty="0"/>
+        </a:p>
+      </dgm:t>
+    </dgm:pt>
+    <dgm:pt modelId="{5071B9E3-6C8F-4439-8171-3AC63096F4CB}" type="parTrans" cxnId="{86FA6E9F-4A50-4531-90B7-D4D57815292D}">
+      <dgm:prSet/>
+      <dgm:spPr/>
+      <dgm:t>
+        <a:bodyPr/>
+        <a:lstStyle/>
+        <a:p>
+          <a:endParaRPr lang="en-US"/>
+        </a:p>
+      </dgm:t>
+    </dgm:pt>
+    <dgm:pt modelId="{E0319071-DA33-4CEE-AEED-77BDB96D497A}" type="sibTrans" cxnId="{86FA6E9F-4A50-4531-90B7-D4D57815292D}">
+      <dgm:prSet/>
+      <dgm:spPr/>
+      <dgm:t>
+        <a:bodyPr/>
+        <a:lstStyle/>
+        <a:p>
+          <a:endParaRPr lang="en-US"/>
+        </a:p>
+      </dgm:t>
+    </dgm:pt>
+    <dgm:pt modelId="{F6634B8D-E0A8-4CF8-9547-DC651A569B35}">
+      <dgm:prSet phldrT="[Text]"/>
+      <dgm:spPr/>
+      <dgm:t>
+        <a:bodyPr/>
+        <a:lstStyle/>
+        <a:p>
+          <a:r>
+            <a:rPr lang="en-US" dirty="0" smtClean="0"/>
+            <a:t>Pi measures SpO2</a:t>
+          </a:r>
+          <a:endParaRPr lang="en-US" dirty="0" smtClean="0"/>
+        </a:p>
+      </dgm:t>
+    </dgm:pt>
+    <dgm:pt modelId="{CB1A9436-E5CF-4701-988D-B3D56913BC7A}" type="parTrans" cxnId="{BE42C264-C53A-49FE-9239-12E6223C6359}">
+      <dgm:prSet/>
+      <dgm:spPr/>
+      <dgm:t>
+        <a:bodyPr/>
+        <a:lstStyle/>
+        <a:p>
+          <a:endParaRPr lang="en-US"/>
+        </a:p>
+      </dgm:t>
+    </dgm:pt>
+    <dgm:pt modelId="{0A0E999D-969B-45C8-AFE8-AA11F26815D4}" type="sibTrans" cxnId="{BE42C264-C53A-49FE-9239-12E6223C6359}">
+      <dgm:prSet/>
+      <dgm:spPr/>
+      <dgm:t>
+        <a:bodyPr/>
+        <a:lstStyle/>
+        <a:p>
+          <a:endParaRPr lang="en-US"/>
+        </a:p>
+      </dgm:t>
+    </dgm:pt>
+    <dgm:pt modelId="{798A6FF1-55B3-448B-9510-4CF912534081}">
+      <dgm:prSet phldrT="[Text]"/>
+      <dgm:spPr/>
+      <dgm:t>
+        <a:bodyPr/>
+        <a:lstStyle/>
+        <a:p>
+          <a:r>
+            <a:rPr lang="en-US" dirty="0" smtClean="0"/>
+            <a:t>Get </a:t>
+          </a:r>
+          <a:r>
+            <a:rPr lang="en-US" dirty="0" smtClean="0"/>
+            <a:t>blood </a:t>
+          </a:r>
+          <a:r>
+            <a:rPr lang="en-US" dirty="0" smtClean="0"/>
+            <a:t>pressure result</a:t>
+          </a:r>
+          <a:endParaRPr lang="en-US" dirty="0" smtClean="0"/>
+        </a:p>
+      </dgm:t>
+    </dgm:pt>
+    <dgm:pt modelId="{CAB4B1F3-FE0C-444F-AC74-499063FC8A54}" type="parTrans" cxnId="{2627E517-3229-46DC-9924-5AF64DCBE471}">
+      <dgm:prSet/>
+      <dgm:spPr/>
+      <dgm:t>
+        <a:bodyPr/>
+        <a:lstStyle/>
+        <a:p>
+          <a:endParaRPr lang="en-US"/>
+        </a:p>
+      </dgm:t>
+    </dgm:pt>
+    <dgm:pt modelId="{84C407B1-5E4A-476A-B92D-CCF3FF3AAA46}" type="sibTrans" cxnId="{2627E517-3229-46DC-9924-5AF64DCBE471}">
+      <dgm:prSet/>
+      <dgm:spPr/>
+      <dgm:t>
+        <a:bodyPr/>
+        <a:lstStyle/>
+        <a:p>
+          <a:endParaRPr lang="en-US"/>
+        </a:p>
+      </dgm:t>
+    </dgm:pt>
+    <dgm:pt modelId="{DD9F15A9-DA4A-4D14-9588-AA60C7521CFE}">
+      <dgm:prSet phldrT="[Text]"/>
+      <dgm:spPr/>
+      <dgm:t>
+        <a:bodyPr/>
+        <a:lstStyle/>
+        <a:p>
+          <a:r>
+            <a:rPr lang="en-US" dirty="0" smtClean="0"/>
+            <a:t>Scale</a:t>
+          </a:r>
+          <a:endParaRPr lang="en-US" dirty="0" smtClean="0"/>
+        </a:p>
+      </dgm:t>
+    </dgm:pt>
+    <dgm:pt modelId="{479FDE72-7A42-42BE-9DC8-20498FF7B4A7}" type="parTrans" cxnId="{381362CE-EA91-4DC6-AA83-039080D7D497}">
+      <dgm:prSet/>
+      <dgm:spPr/>
+      <dgm:t>
+        <a:bodyPr/>
+        <a:lstStyle/>
+        <a:p>
+          <a:endParaRPr lang="en-US"/>
+        </a:p>
+      </dgm:t>
+    </dgm:pt>
+    <dgm:pt modelId="{300F9D5C-0CF9-4756-8C02-37299F1620C7}" type="sibTrans" cxnId="{381362CE-EA91-4DC6-AA83-039080D7D497}">
+      <dgm:prSet/>
+      <dgm:spPr/>
+      <dgm:t>
+        <a:bodyPr/>
+        <a:lstStyle/>
+        <a:p>
+          <a:endParaRPr lang="en-US"/>
+        </a:p>
+      </dgm:t>
+    </dgm:pt>
+    <dgm:pt modelId="{0D096DC1-5A8B-4ADE-A057-0F5D5950C77F}">
+      <dgm:prSet phldrT="[Text]"/>
+      <dgm:spPr/>
+      <dgm:t>
+        <a:bodyPr/>
+        <a:lstStyle/>
+        <a:p>
+          <a:r>
+            <a:rPr lang="en-US" dirty="0" smtClean="0"/>
+            <a:t>Temperature</a:t>
+          </a:r>
+          <a:endParaRPr lang="en-US" dirty="0" smtClean="0"/>
+        </a:p>
+      </dgm:t>
+    </dgm:pt>
+    <dgm:pt modelId="{3B29BF6D-8309-45FC-BAB5-34109509ECCA}" type="parTrans" cxnId="{9A4536DF-DA56-497F-A81B-7850E8220D4B}">
+      <dgm:prSet/>
+      <dgm:spPr/>
+      <dgm:t>
+        <a:bodyPr/>
+        <a:lstStyle/>
+        <a:p>
+          <a:endParaRPr lang="en-US"/>
+        </a:p>
+      </dgm:t>
+    </dgm:pt>
+    <dgm:pt modelId="{AF508A93-BE0D-45D4-93D1-F78FB8325E97}" type="sibTrans" cxnId="{9A4536DF-DA56-497F-A81B-7850E8220D4B}">
+      <dgm:prSet/>
+      <dgm:spPr/>
+      <dgm:t>
+        <a:bodyPr/>
+        <a:lstStyle/>
+        <a:p>
+          <a:endParaRPr lang="en-US"/>
+        </a:p>
+      </dgm:t>
+    </dgm:pt>
+    <dgm:pt modelId="{C7808C6A-1DE8-43E2-A730-B64DDB015688}">
+      <dgm:prSet phldrT="[Text]"/>
+      <dgm:spPr/>
+      <dgm:t>
+        <a:bodyPr/>
+        <a:lstStyle/>
+        <a:p>
+          <a:r>
+            <a:rPr lang="en-US" dirty="0" smtClean="0"/>
+            <a:t>Audio</a:t>
+          </a:r>
+          <a:endParaRPr lang="en-US" dirty="0"/>
+        </a:p>
+      </dgm:t>
+    </dgm:pt>
+    <dgm:pt modelId="{FE65013A-12E9-4023-BCF8-23FFE3C22F40}" type="parTrans" cxnId="{C6D66385-2E42-4D46-B355-5E76D582C027}">
+      <dgm:prSet/>
+      <dgm:spPr/>
+      <dgm:t>
+        <a:bodyPr/>
+        <a:lstStyle/>
+        <a:p>
+          <a:endParaRPr lang="en-US"/>
+        </a:p>
+      </dgm:t>
+    </dgm:pt>
+    <dgm:pt modelId="{028CFA6C-EFD8-4C34-8F15-0E9A206101A7}" type="sibTrans" cxnId="{C6D66385-2E42-4D46-B355-5E76D582C027}">
+      <dgm:prSet/>
+      <dgm:spPr/>
+      <dgm:t>
+        <a:bodyPr/>
+        <a:lstStyle/>
+        <a:p>
+          <a:endParaRPr lang="en-US"/>
+        </a:p>
+      </dgm:t>
+    </dgm:pt>
+    <dgm:pt modelId="{F2C8586D-E9EC-49DE-A6E1-7395CCE564B6}">
+      <dgm:prSet phldrT="[Text]"/>
+      <dgm:spPr/>
+      <dgm:t>
+        <a:bodyPr/>
+        <a:lstStyle/>
+        <a:p>
+          <a:r>
+            <a:rPr lang="en-US" dirty="0" smtClean="0"/>
+            <a:t>Bluetooth </a:t>
+          </a:r>
+          <a:endParaRPr lang="en-US" dirty="0"/>
+        </a:p>
+      </dgm:t>
+    </dgm:pt>
+    <dgm:pt modelId="{A79A6D4F-3843-4AB0-A812-5BD82272AA28}" type="parTrans" cxnId="{EF5C2330-6761-4CAD-96F8-71D82ACC91E2}">
+      <dgm:prSet/>
+      <dgm:spPr/>
+      <dgm:t>
+        <a:bodyPr/>
+        <a:lstStyle/>
+        <a:p>
+          <a:endParaRPr lang="en-US"/>
+        </a:p>
+      </dgm:t>
+    </dgm:pt>
+    <dgm:pt modelId="{631743A5-1AC9-4D0A-B8C1-BF03301D7154}" type="sibTrans" cxnId="{EF5C2330-6761-4CAD-96F8-71D82ACC91E2}">
       <dgm:prSet/>
       <dgm:spPr/>
       <dgm:t>
@@ -5680,7 +5833,7 @@
       </dgm:t>
     </dgm:pt>
     <dgm:pt modelId="{3AD5559E-BD30-4C5E-8244-E975DFD4D66A}" type="pres">
-      <dgm:prSet presAssocID="{4B69B0E3-8743-4939-B11F-528463168E2A}" presName="node" presStyleLbl="node1" presStyleIdx="0" presStyleCnt="8">
+      <dgm:prSet presAssocID="{4B69B0E3-8743-4939-B11F-528463168E2A}" presName="node" presStyleLbl="node1" presStyleIdx="0" presStyleCnt="12">
         <dgm:presLayoutVars>
           <dgm:bulletEnabled val="1"/>
         </dgm:presLayoutVars>
@@ -5695,7 +5848,7 @@
       </dgm:t>
     </dgm:pt>
     <dgm:pt modelId="{7E7752DD-DCDB-41B0-B094-2281FBAA8726}" type="pres">
-      <dgm:prSet presAssocID="{CC576BF7-D0C4-45C0-8742-81D00CDE3EDA}" presName="sibTrans" presStyleLbl="sibTrans2D1" presStyleIdx="0" presStyleCnt="7"/>
+      <dgm:prSet presAssocID="{CC576BF7-D0C4-45C0-8742-81D00CDE3EDA}" presName="sibTrans" presStyleLbl="sibTrans2D1" presStyleIdx="0" presStyleCnt="11"/>
       <dgm:spPr/>
       <dgm:t>
         <a:bodyPr/>
@@ -5706,7 +5859,7 @@
       </dgm:t>
     </dgm:pt>
     <dgm:pt modelId="{AE9BFCD7-65E9-4042-93B3-00254295DFC1}" type="pres">
-      <dgm:prSet presAssocID="{CC576BF7-D0C4-45C0-8742-81D00CDE3EDA}" presName="connectorText" presStyleLbl="sibTrans2D1" presStyleIdx="0" presStyleCnt="7"/>
+      <dgm:prSet presAssocID="{CC576BF7-D0C4-45C0-8742-81D00CDE3EDA}" presName="connectorText" presStyleLbl="sibTrans2D1" presStyleIdx="0" presStyleCnt="11"/>
       <dgm:spPr/>
       <dgm:t>
         <a:bodyPr/>
@@ -5716,8 +5869,8 @@
         </a:p>
       </dgm:t>
     </dgm:pt>
-    <dgm:pt modelId="{AB8952E1-498E-4687-83A1-F8AF2E2FF49A}" type="pres">
-      <dgm:prSet presAssocID="{C16470CB-B4FE-4410-AB0D-FB2A7AE1EC84}" presName="node" presStyleLbl="node1" presStyleIdx="1" presStyleCnt="8">
+    <dgm:pt modelId="{C552C226-DCF4-4C0B-9226-C4DC76870D11}" type="pres">
+      <dgm:prSet presAssocID="{11759023-B539-4A9D-9148-695A907123CF}" presName="node" presStyleLbl="node1" presStyleIdx="1" presStyleCnt="12">
         <dgm:presLayoutVars>
           <dgm:bulletEnabled val="1"/>
         </dgm:presLayoutVars>
@@ -5731,30 +5884,16 @@
         </a:p>
       </dgm:t>
     </dgm:pt>
-    <dgm:pt modelId="{DBC449A2-07CD-4265-AF17-18308526F9BE}" type="pres">
-      <dgm:prSet presAssocID="{11BD6534-74A8-4903-9C6C-4006CDF09DB2}" presName="sibTrans" presStyleLbl="sibTrans2D1" presStyleIdx="1" presStyleCnt="7"/>
-      <dgm:spPr/>
-      <dgm:t>
-        <a:bodyPr/>
-        <a:lstStyle/>
-        <a:p>
-          <a:endParaRPr lang="en-US"/>
-        </a:p>
-      </dgm:t>
-    </dgm:pt>
-    <dgm:pt modelId="{75973AC8-27ED-4872-8CA5-E7BBE1D143E8}" type="pres">
-      <dgm:prSet presAssocID="{11BD6534-74A8-4903-9C6C-4006CDF09DB2}" presName="connectorText" presStyleLbl="sibTrans2D1" presStyleIdx="1" presStyleCnt="7"/>
-      <dgm:spPr/>
-      <dgm:t>
-        <a:bodyPr/>
-        <a:lstStyle/>
-        <a:p>
-          <a:endParaRPr lang="en-US"/>
-        </a:p>
-      </dgm:t>
-    </dgm:pt>
-    <dgm:pt modelId="{9DCBE7C4-77E3-4D84-882B-7F8484E636DC}" type="pres">
-      <dgm:prSet presAssocID="{2F8C4D08-CEAE-4B58-A0D0-64795F5C59C7}" presName="node" presStyleLbl="node1" presStyleIdx="2" presStyleCnt="8">
+    <dgm:pt modelId="{4E482C98-6EFA-4C20-AE49-96BEB2724FA0}" type="pres">
+      <dgm:prSet presAssocID="{B49C4D2D-FBEB-4D1C-B75F-C3DE01451527}" presName="sibTrans" presStyleLbl="sibTrans2D1" presStyleIdx="1" presStyleCnt="11"/>
+      <dgm:spPr/>
+    </dgm:pt>
+    <dgm:pt modelId="{B7AFCB0A-375A-421B-BDCD-3F97A815491D}" type="pres">
+      <dgm:prSet presAssocID="{B49C4D2D-FBEB-4D1C-B75F-C3DE01451527}" presName="connectorText" presStyleLbl="sibTrans2D1" presStyleIdx="1" presStyleCnt="11"/>
+      <dgm:spPr/>
+    </dgm:pt>
+    <dgm:pt modelId="{B6F5FD8B-2420-4FD2-A968-06EB999D45F8}" type="pres">
+      <dgm:prSet presAssocID="{3D9A5FDC-149F-4871-AC0B-41FE9D85C64C}" presName="node" presStyleLbl="node1" presStyleIdx="2" presStyleCnt="12">
         <dgm:presLayoutVars>
           <dgm:bulletEnabled val="1"/>
         </dgm:presLayoutVars>
@@ -5768,30 +5907,16 @@
         </a:p>
       </dgm:t>
     </dgm:pt>
-    <dgm:pt modelId="{B96C6DDC-F963-4B90-A0A4-7D9FCD4D5E46}" type="pres">
-      <dgm:prSet presAssocID="{82FE3047-50CF-40C0-939B-38F880054397}" presName="sibTrans" presStyleLbl="sibTrans2D1" presStyleIdx="2" presStyleCnt="7"/>
-      <dgm:spPr/>
-      <dgm:t>
-        <a:bodyPr/>
-        <a:lstStyle/>
-        <a:p>
-          <a:endParaRPr lang="en-US"/>
-        </a:p>
-      </dgm:t>
-    </dgm:pt>
-    <dgm:pt modelId="{0448F131-E2C7-4E83-90A6-258E21432E6A}" type="pres">
-      <dgm:prSet presAssocID="{82FE3047-50CF-40C0-939B-38F880054397}" presName="connectorText" presStyleLbl="sibTrans2D1" presStyleIdx="2" presStyleCnt="7"/>
-      <dgm:spPr/>
-      <dgm:t>
-        <a:bodyPr/>
-        <a:lstStyle/>
-        <a:p>
-          <a:endParaRPr lang="en-US"/>
-        </a:p>
-      </dgm:t>
-    </dgm:pt>
-    <dgm:pt modelId="{6BFB2FC8-D0D9-4EF7-88E7-53C32EB04ED2}" type="pres">
-      <dgm:prSet presAssocID="{6079760F-3BEB-448E-8C4C-D07379A5E46D}" presName="node" presStyleLbl="node1" presStyleIdx="3" presStyleCnt="8">
+    <dgm:pt modelId="{FE02FC1D-D3EB-4076-A80F-B80B5AAC7ABB}" type="pres">
+      <dgm:prSet presAssocID="{252A868E-1D7A-4BD9-B234-19B2E62E0B3A}" presName="sibTrans" presStyleLbl="sibTrans2D1" presStyleIdx="2" presStyleCnt="11"/>
+      <dgm:spPr/>
+    </dgm:pt>
+    <dgm:pt modelId="{425C393F-DC73-4F76-B412-3A9100D3169A}" type="pres">
+      <dgm:prSet presAssocID="{252A868E-1D7A-4BD9-B234-19B2E62E0B3A}" presName="connectorText" presStyleLbl="sibTrans2D1" presStyleIdx="2" presStyleCnt="11"/>
+      <dgm:spPr/>
+    </dgm:pt>
+    <dgm:pt modelId="{0631316F-807F-4C68-B220-03577B1939F8}" type="pres">
+      <dgm:prSet presAssocID="{E0D73B0D-2B54-4BB7-837B-A02C9C860C3A}" presName="node" presStyleLbl="node1" presStyleIdx="3" presStyleCnt="12">
         <dgm:presLayoutVars>
           <dgm:bulletEnabled val="1"/>
         </dgm:presLayoutVars>
@@ -5805,30 +5930,16 @@
         </a:p>
       </dgm:t>
     </dgm:pt>
-    <dgm:pt modelId="{0795C1ED-6176-4D71-8695-BFA260CD8DB5}" type="pres">
-      <dgm:prSet presAssocID="{64943D96-19D2-4F2F-AB9D-7FACCD83237E}" presName="sibTrans" presStyleLbl="sibTrans2D1" presStyleIdx="3" presStyleCnt="7"/>
-      <dgm:spPr/>
-      <dgm:t>
-        <a:bodyPr/>
-        <a:lstStyle/>
-        <a:p>
-          <a:endParaRPr lang="en-US"/>
-        </a:p>
-      </dgm:t>
-    </dgm:pt>
-    <dgm:pt modelId="{E4600BEF-D57A-4645-A92E-7E96936C5191}" type="pres">
-      <dgm:prSet presAssocID="{64943D96-19D2-4F2F-AB9D-7FACCD83237E}" presName="connectorText" presStyleLbl="sibTrans2D1" presStyleIdx="3" presStyleCnt="7"/>
-      <dgm:spPr/>
-      <dgm:t>
-        <a:bodyPr/>
-        <a:lstStyle/>
-        <a:p>
-          <a:endParaRPr lang="en-US"/>
-        </a:p>
-      </dgm:t>
-    </dgm:pt>
-    <dgm:pt modelId="{7202BC0E-BCCD-4749-B8AE-EAEB96710794}" type="pres">
-      <dgm:prSet presAssocID="{E7A50803-F364-4CD4-AD78-41B1FBFF1BA8}" presName="node" presStyleLbl="node1" presStyleIdx="4" presStyleCnt="8">
+    <dgm:pt modelId="{9FEB6EAB-4890-41DE-90EE-B031032C219C}" type="pres">
+      <dgm:prSet presAssocID="{E0319071-DA33-4CEE-AEED-77BDB96D497A}" presName="sibTrans" presStyleLbl="sibTrans2D1" presStyleIdx="3" presStyleCnt="11"/>
+      <dgm:spPr/>
+    </dgm:pt>
+    <dgm:pt modelId="{B3D31688-DAC1-45E7-8B67-DB84E8ED7C7F}" type="pres">
+      <dgm:prSet presAssocID="{E0319071-DA33-4CEE-AEED-77BDB96D497A}" presName="connectorText" presStyleLbl="sibTrans2D1" presStyleIdx="3" presStyleCnt="11"/>
+      <dgm:spPr/>
+    </dgm:pt>
+    <dgm:pt modelId="{9DCBE7C4-77E3-4D84-882B-7F8484E636DC}" type="pres">
+      <dgm:prSet presAssocID="{2F8C4D08-CEAE-4B58-A0D0-64795F5C59C7}" presName="node" presStyleLbl="node1" presStyleIdx="4" presStyleCnt="12">
         <dgm:presLayoutVars>
           <dgm:bulletEnabled val="1"/>
         </dgm:presLayoutVars>
@@ -5842,8 +5953,8 @@
         </a:p>
       </dgm:t>
     </dgm:pt>
-    <dgm:pt modelId="{28D40CE1-835B-4A7B-8244-943B63DB6594}" type="pres">
-      <dgm:prSet presAssocID="{DA4329DA-20FA-4C38-857D-B35ED56ACC55}" presName="sibTrans" presStyleLbl="sibTrans2D1" presStyleIdx="4" presStyleCnt="7"/>
+    <dgm:pt modelId="{B96C6DDC-F963-4B90-A0A4-7D9FCD4D5E46}" type="pres">
+      <dgm:prSet presAssocID="{82FE3047-50CF-40C0-939B-38F880054397}" presName="sibTrans" presStyleLbl="sibTrans2D1" presStyleIdx="4" presStyleCnt="11"/>
       <dgm:spPr/>
       <dgm:t>
         <a:bodyPr/>
@@ -5853,8 +5964,8 @@
         </a:p>
       </dgm:t>
     </dgm:pt>
-    <dgm:pt modelId="{4BC23CEC-7E80-4DB3-84E2-974D7F887BA4}" type="pres">
-      <dgm:prSet presAssocID="{DA4329DA-20FA-4C38-857D-B35ED56ACC55}" presName="connectorText" presStyleLbl="sibTrans2D1" presStyleIdx="4" presStyleCnt="7"/>
+    <dgm:pt modelId="{0448F131-E2C7-4E83-90A6-258E21432E6A}" type="pres">
+      <dgm:prSet presAssocID="{82FE3047-50CF-40C0-939B-38F880054397}" presName="connectorText" presStyleLbl="sibTrans2D1" presStyleIdx="4" presStyleCnt="11"/>
       <dgm:spPr/>
       <dgm:t>
         <a:bodyPr/>
@@ -5864,8 +5975,8 @@
         </a:p>
       </dgm:t>
     </dgm:pt>
-    <dgm:pt modelId="{202B8E42-56EC-4F6F-B287-6BFE3E8911D1}" type="pres">
-      <dgm:prSet presAssocID="{4F55A451-EEAC-4794-AD1A-88C08A1F61E7}" presName="node" presStyleLbl="node1" presStyleIdx="5" presStyleCnt="8">
+    <dgm:pt modelId="{6BFB2FC8-D0D9-4EF7-88E7-53C32EB04ED2}" type="pres">
+      <dgm:prSet presAssocID="{6079760F-3BEB-448E-8C4C-D07379A5E46D}" presName="node" presStyleLbl="node1" presStyleIdx="5" presStyleCnt="12">
         <dgm:presLayoutVars>
           <dgm:bulletEnabled val="1"/>
         </dgm:presLayoutVars>
@@ -5879,8 +5990,8 @@
         </a:p>
       </dgm:t>
     </dgm:pt>
-    <dgm:pt modelId="{F5157131-9131-47E0-91C7-C2708EA7DF4E}" type="pres">
-      <dgm:prSet presAssocID="{7A900D74-D999-4C0D-903D-9385AF28B32A}" presName="sibTrans" presStyleLbl="sibTrans2D1" presStyleIdx="5" presStyleCnt="7"/>
+    <dgm:pt modelId="{0795C1ED-6176-4D71-8695-BFA260CD8DB5}" type="pres">
+      <dgm:prSet presAssocID="{64943D96-19D2-4F2F-AB9D-7FACCD83237E}" presName="sibTrans" presStyleLbl="sibTrans2D1" presStyleIdx="5" presStyleCnt="11"/>
       <dgm:spPr/>
       <dgm:t>
         <a:bodyPr/>
@@ -5890,8 +6001,8 @@
         </a:p>
       </dgm:t>
     </dgm:pt>
-    <dgm:pt modelId="{FA657519-C910-4034-B3AB-F451068D97BB}" type="pres">
-      <dgm:prSet presAssocID="{7A900D74-D999-4C0D-903D-9385AF28B32A}" presName="connectorText" presStyleLbl="sibTrans2D1" presStyleIdx="5" presStyleCnt="7"/>
+    <dgm:pt modelId="{E4600BEF-D57A-4645-A92E-7E96936C5191}" type="pres">
+      <dgm:prSet presAssocID="{64943D96-19D2-4F2F-AB9D-7FACCD83237E}" presName="connectorText" presStyleLbl="sibTrans2D1" presStyleIdx="5" presStyleCnt="11"/>
       <dgm:spPr/>
       <dgm:t>
         <a:bodyPr/>
@@ -5901,8 +6012,8 @@
         </a:p>
       </dgm:t>
     </dgm:pt>
-    <dgm:pt modelId="{89DADE2F-0EC1-44A0-92D9-021DF56E312B}" type="pres">
-      <dgm:prSet presAssocID="{7C7B550B-1B4D-42E2-ACFC-728546073CB1}" presName="node" presStyleLbl="node1" presStyleIdx="6" presStyleCnt="8">
+    <dgm:pt modelId="{7202BC0E-BCCD-4749-B8AE-EAEB96710794}" type="pres">
+      <dgm:prSet presAssocID="{E7A50803-F364-4CD4-AD78-41B1FBFF1BA8}" presName="node" presStyleLbl="node1" presStyleIdx="6" presStyleCnt="12">
         <dgm:presLayoutVars>
           <dgm:bulletEnabled val="1"/>
         </dgm:presLayoutVars>
@@ -5916,8 +6027,8 @@
         </a:p>
       </dgm:t>
     </dgm:pt>
-    <dgm:pt modelId="{CD0FEDB8-BCC7-4F7B-BCF9-F14D929D684E}" type="pres">
-      <dgm:prSet presAssocID="{645BB4AE-23C8-4363-BE6C-2366BFD3FAE5}" presName="sibTrans" presStyleLbl="sibTrans2D1" presStyleIdx="6" presStyleCnt="7"/>
+    <dgm:pt modelId="{28D40CE1-835B-4A7B-8244-943B63DB6594}" type="pres">
+      <dgm:prSet presAssocID="{DA4329DA-20FA-4C38-857D-B35ED56ACC55}" presName="sibTrans" presStyleLbl="sibTrans2D1" presStyleIdx="6" presStyleCnt="11"/>
       <dgm:spPr/>
       <dgm:t>
         <a:bodyPr/>
@@ -5927,8 +6038,8 @@
         </a:p>
       </dgm:t>
     </dgm:pt>
-    <dgm:pt modelId="{427AD9CF-C940-4EE9-9DB4-80E286518A29}" type="pres">
-      <dgm:prSet presAssocID="{645BB4AE-23C8-4363-BE6C-2366BFD3FAE5}" presName="connectorText" presStyleLbl="sibTrans2D1" presStyleIdx="6" presStyleCnt="7"/>
+    <dgm:pt modelId="{4BC23CEC-7E80-4DB3-84E2-974D7F887BA4}" type="pres">
+      <dgm:prSet presAssocID="{DA4329DA-20FA-4C38-857D-B35ED56ACC55}" presName="connectorText" presStyleLbl="sibTrans2D1" presStyleIdx="6" presStyleCnt="11"/>
       <dgm:spPr/>
       <dgm:t>
         <a:bodyPr/>
@@ -5938,8 +6049,8 @@
         </a:p>
       </dgm:t>
     </dgm:pt>
-    <dgm:pt modelId="{C269A2E3-8621-4697-96C7-19DDAF8DBEF2}" type="pres">
-      <dgm:prSet presAssocID="{C385F31E-C6F1-41EB-A744-6A3BF2E406F6}" presName="node" presStyleLbl="node1" presStyleIdx="7" presStyleCnt="8">
+    <dgm:pt modelId="{99A2F953-EC43-4E7D-895E-E6CCB05BF9AC}" type="pres">
+      <dgm:prSet presAssocID="{F6634B8D-E0A8-4CF8-9547-DC651A569B35}" presName="node" presStyleLbl="node1" presStyleIdx="7" presStyleCnt="12">
         <dgm:presLayoutVars>
           <dgm:bulletEnabled val="1"/>
         </dgm:presLayoutVars>
@@ -5953,61 +6064,217 @@
         </a:p>
       </dgm:t>
     </dgm:pt>
+    <dgm:pt modelId="{B0605081-2CC9-4157-A707-056A7E67F165}" type="pres">
+      <dgm:prSet presAssocID="{0A0E999D-969B-45C8-AFE8-AA11F26815D4}" presName="sibTrans" presStyleLbl="sibTrans2D1" presStyleIdx="7" presStyleCnt="11"/>
+      <dgm:spPr/>
+    </dgm:pt>
+    <dgm:pt modelId="{6C3D7124-8CE6-43EF-B903-996C1AE4DCA8}" type="pres">
+      <dgm:prSet presAssocID="{0A0E999D-969B-45C8-AFE8-AA11F26815D4}" presName="connectorText" presStyleLbl="sibTrans2D1" presStyleIdx="7" presStyleCnt="11"/>
+      <dgm:spPr/>
+    </dgm:pt>
+    <dgm:pt modelId="{56040DE5-8429-4ADC-872E-25108EC0DBDB}" type="pres">
+      <dgm:prSet presAssocID="{798A6FF1-55B3-448B-9510-4CF912534081}" presName="node" presStyleLbl="node1" presStyleIdx="8" presStyleCnt="12">
+        <dgm:presLayoutVars>
+          <dgm:bulletEnabled val="1"/>
+        </dgm:presLayoutVars>
+      </dgm:prSet>
+      <dgm:spPr/>
+      <dgm:t>
+        <a:bodyPr/>
+        <a:lstStyle/>
+        <a:p>
+          <a:endParaRPr lang="en-US"/>
+        </a:p>
+      </dgm:t>
+    </dgm:pt>
+    <dgm:pt modelId="{8875B72C-833D-4C06-88C7-8621517377BC}" type="pres">
+      <dgm:prSet presAssocID="{84C407B1-5E4A-476A-B92D-CCF3FF3AAA46}" presName="sibTrans" presStyleLbl="sibTrans2D1" presStyleIdx="8" presStyleCnt="11"/>
+      <dgm:spPr/>
+    </dgm:pt>
+    <dgm:pt modelId="{6FC24B80-D800-4BB8-8862-1A8D3268A0E7}" type="pres">
+      <dgm:prSet presAssocID="{84C407B1-5E4A-476A-B92D-CCF3FF3AAA46}" presName="connectorText" presStyleLbl="sibTrans2D1" presStyleIdx="8" presStyleCnt="11"/>
+      <dgm:spPr/>
+    </dgm:pt>
+    <dgm:pt modelId="{202B8E42-56EC-4F6F-B287-6BFE3E8911D1}" type="pres">
+      <dgm:prSet presAssocID="{4F55A451-EEAC-4794-AD1A-88C08A1F61E7}" presName="node" presStyleLbl="node1" presStyleIdx="9" presStyleCnt="12">
+        <dgm:presLayoutVars>
+          <dgm:bulletEnabled val="1"/>
+        </dgm:presLayoutVars>
+      </dgm:prSet>
+      <dgm:spPr/>
+      <dgm:t>
+        <a:bodyPr/>
+        <a:lstStyle/>
+        <a:p>
+          <a:endParaRPr lang="en-US"/>
+        </a:p>
+      </dgm:t>
+    </dgm:pt>
+    <dgm:pt modelId="{F5157131-9131-47E0-91C7-C2708EA7DF4E}" type="pres">
+      <dgm:prSet presAssocID="{7A900D74-D999-4C0D-903D-9385AF28B32A}" presName="sibTrans" presStyleLbl="sibTrans2D1" presStyleIdx="9" presStyleCnt="11"/>
+      <dgm:spPr/>
+      <dgm:t>
+        <a:bodyPr/>
+        <a:lstStyle/>
+        <a:p>
+          <a:endParaRPr lang="en-US"/>
+        </a:p>
+      </dgm:t>
+    </dgm:pt>
+    <dgm:pt modelId="{FA657519-C910-4034-B3AB-F451068D97BB}" type="pres">
+      <dgm:prSet presAssocID="{7A900D74-D999-4C0D-903D-9385AF28B32A}" presName="connectorText" presStyleLbl="sibTrans2D1" presStyleIdx="9" presStyleCnt="11"/>
+      <dgm:spPr/>
+      <dgm:t>
+        <a:bodyPr/>
+        <a:lstStyle/>
+        <a:p>
+          <a:endParaRPr lang="en-US"/>
+        </a:p>
+      </dgm:t>
+    </dgm:pt>
+    <dgm:pt modelId="{89DADE2F-0EC1-44A0-92D9-021DF56E312B}" type="pres">
+      <dgm:prSet presAssocID="{7C7B550B-1B4D-42E2-ACFC-728546073CB1}" presName="node" presStyleLbl="node1" presStyleIdx="10" presStyleCnt="12">
+        <dgm:presLayoutVars>
+          <dgm:bulletEnabled val="1"/>
+        </dgm:presLayoutVars>
+      </dgm:prSet>
+      <dgm:spPr/>
+      <dgm:t>
+        <a:bodyPr/>
+        <a:lstStyle/>
+        <a:p>
+          <a:endParaRPr lang="en-US"/>
+        </a:p>
+      </dgm:t>
+    </dgm:pt>
+    <dgm:pt modelId="{CD0FEDB8-BCC7-4F7B-BCF9-F14D929D684E}" type="pres">
+      <dgm:prSet presAssocID="{645BB4AE-23C8-4363-BE6C-2366BFD3FAE5}" presName="sibTrans" presStyleLbl="sibTrans2D1" presStyleIdx="10" presStyleCnt="11"/>
+      <dgm:spPr/>
+      <dgm:t>
+        <a:bodyPr/>
+        <a:lstStyle/>
+        <a:p>
+          <a:endParaRPr lang="en-US"/>
+        </a:p>
+      </dgm:t>
+    </dgm:pt>
+    <dgm:pt modelId="{427AD9CF-C940-4EE9-9DB4-80E286518A29}" type="pres">
+      <dgm:prSet presAssocID="{645BB4AE-23C8-4363-BE6C-2366BFD3FAE5}" presName="connectorText" presStyleLbl="sibTrans2D1" presStyleIdx="10" presStyleCnt="11"/>
+      <dgm:spPr/>
+      <dgm:t>
+        <a:bodyPr/>
+        <a:lstStyle/>
+        <a:p>
+          <a:endParaRPr lang="en-US"/>
+        </a:p>
+      </dgm:t>
+    </dgm:pt>
+    <dgm:pt modelId="{C269A2E3-8621-4697-96C7-19DDAF8DBEF2}" type="pres">
+      <dgm:prSet presAssocID="{C385F31E-C6F1-41EB-A744-6A3BF2E406F6}" presName="node" presStyleLbl="node1" presStyleIdx="11" presStyleCnt="12">
+        <dgm:presLayoutVars>
+          <dgm:bulletEnabled val="1"/>
+        </dgm:presLayoutVars>
+      </dgm:prSet>
+      <dgm:spPr/>
+      <dgm:t>
+        <a:bodyPr/>
+        <a:lstStyle/>
+        <a:p>
+          <a:endParaRPr lang="en-US"/>
+        </a:p>
+      </dgm:t>
+    </dgm:pt>
   </dgm:ptLst>
   <dgm:cxnLst>
-    <dgm:cxn modelId="{336FB933-A8E7-4E97-B908-2373096EE117}" type="presOf" srcId="{11BD6534-74A8-4903-9C6C-4006CDF09DB2}" destId="{DBC449A2-07CD-4265-AF17-18308526F9BE}" srcOrd="0" destOrd="0" presId="urn:microsoft.com/office/officeart/2005/8/layout/process5"/>
+    <dgm:cxn modelId="{8D3E1448-D30F-46E4-88BA-A5A85580627D}" type="presOf" srcId="{2F8C4D08-CEAE-4B58-A0D0-64795F5C59C7}" destId="{9DCBE7C4-77E3-4D84-882B-7F8484E636DC}" srcOrd="0" destOrd="0" presId="urn:microsoft.com/office/officeart/2005/8/layout/process5"/>
+    <dgm:cxn modelId="{D0D07ECF-4D3D-4124-9387-4AEF720B7401}" type="presOf" srcId="{6079760F-3BEB-448E-8C4C-D07379A5E46D}" destId="{6BFB2FC8-D0D9-4EF7-88E7-53C32EB04ED2}" srcOrd="0" destOrd="0" presId="urn:microsoft.com/office/officeart/2005/8/layout/process5"/>
+    <dgm:cxn modelId="{36375326-BE41-4699-AA2A-CF8DF5938E42}" type="presOf" srcId="{C385F31E-C6F1-41EB-A744-6A3BF2E406F6}" destId="{C269A2E3-8621-4697-96C7-19DDAF8DBEF2}" srcOrd="0" destOrd="0" presId="urn:microsoft.com/office/officeart/2005/8/layout/process5"/>
+    <dgm:cxn modelId="{16044BBF-FDB1-4A67-B668-E257BEB1AE15}" type="presOf" srcId="{645BB4AE-23C8-4363-BE6C-2366BFD3FAE5}" destId="{CD0FEDB8-BCC7-4F7B-BCF9-F14D929D684E}" srcOrd="0" destOrd="0" presId="urn:microsoft.com/office/officeart/2005/8/layout/process5"/>
+    <dgm:cxn modelId="{1206516C-55F3-49A0-A66D-800032056FEF}" type="presOf" srcId="{3D9A5FDC-149F-4871-AC0B-41FE9D85C64C}" destId="{B6F5FD8B-2420-4FD2-A968-06EB999D45F8}" srcOrd="0" destOrd="0" presId="urn:microsoft.com/office/officeart/2005/8/layout/process5"/>
+    <dgm:cxn modelId="{40EF2476-88D6-4D65-A834-7B8200D87526}" srcId="{2EB99E6E-DD2C-44A8-96E3-DAEB06EBC057}" destId="{E7A50803-F364-4CD4-AD78-41B1FBFF1BA8}" srcOrd="6" destOrd="0" parTransId="{407CD609-00D6-48E0-AA13-550B24BE3F19}" sibTransId="{DA4329DA-20FA-4C38-857D-B35ED56ACC55}"/>
+    <dgm:cxn modelId="{06C594FE-5AFA-48DB-8E09-4DE0E4DD2E92}" type="presOf" srcId="{4F55A451-EEAC-4794-AD1A-88C08A1F61E7}" destId="{202B8E42-56EC-4F6F-B287-6BFE3E8911D1}" srcOrd="0" destOrd="0" presId="urn:microsoft.com/office/officeart/2005/8/layout/process5"/>
+    <dgm:cxn modelId="{30FCE3CE-082F-413D-915C-01C2BFBB09FB}" type="presOf" srcId="{F2C8586D-E9EC-49DE-A6E1-7395CCE564B6}" destId="{C552C226-DCF4-4C0B-9226-C4DC76870D11}" srcOrd="0" destOrd="2" presId="urn:microsoft.com/office/officeart/2005/8/layout/process5"/>
+    <dgm:cxn modelId="{A5148013-A7A8-45B2-8CAC-EFAA8FDF5023}" type="presOf" srcId="{CC576BF7-D0C4-45C0-8742-81D00CDE3EDA}" destId="{AE9BFCD7-65E9-4042-93B3-00254295DFC1}" srcOrd="1" destOrd="0" presId="urn:microsoft.com/office/officeart/2005/8/layout/process5"/>
+    <dgm:cxn modelId="{27B89C57-F4CB-468C-8E55-610CA3C79895}" type="presOf" srcId="{0A0E999D-969B-45C8-AFE8-AA11F26815D4}" destId="{B0605081-2CC9-4157-A707-056A7E67F165}" srcOrd="0" destOrd="0" presId="urn:microsoft.com/office/officeart/2005/8/layout/process5"/>
+    <dgm:cxn modelId="{2627E517-3229-46DC-9924-5AF64DCBE471}" srcId="{2EB99E6E-DD2C-44A8-96E3-DAEB06EBC057}" destId="{798A6FF1-55B3-448B-9510-4CF912534081}" srcOrd="8" destOrd="0" parTransId="{CAB4B1F3-FE0C-444F-AC74-499063FC8A54}" sibTransId="{84C407B1-5E4A-476A-B92D-CCF3FF3AAA46}"/>
+    <dgm:cxn modelId="{75562B10-8704-48FC-927D-3A95AF90A5D4}" type="presOf" srcId="{DD9F15A9-DA4A-4D14-9588-AA60C7521CFE}" destId="{7202BC0E-BCCD-4749-B8AE-EAEB96710794}" srcOrd="0" destOrd="1" presId="urn:microsoft.com/office/officeart/2005/8/layout/process5"/>
+    <dgm:cxn modelId="{24762DC5-1B7E-4F1F-905C-29FEED91CB84}" type="presOf" srcId="{E7A50803-F364-4CD4-AD78-41B1FBFF1BA8}" destId="{7202BC0E-BCCD-4749-B8AE-EAEB96710794}" srcOrd="0" destOrd="0" presId="urn:microsoft.com/office/officeart/2005/8/layout/process5"/>
+    <dgm:cxn modelId="{BE42C264-C53A-49FE-9239-12E6223C6359}" srcId="{2EB99E6E-DD2C-44A8-96E3-DAEB06EBC057}" destId="{F6634B8D-E0A8-4CF8-9547-DC651A569B35}" srcOrd="7" destOrd="0" parTransId="{CB1A9436-E5CF-4701-988D-B3D56913BC7A}" sibTransId="{0A0E999D-969B-45C8-AFE8-AA11F26815D4}"/>
     <dgm:cxn modelId="{00BFEED2-4380-4B91-BE00-4AB756214262}" type="presOf" srcId="{4B69B0E3-8743-4939-B11F-528463168E2A}" destId="{3AD5559E-BD30-4C5E-8244-E975DFD4D66A}" srcOrd="0" destOrd="0" presId="urn:microsoft.com/office/officeart/2005/8/layout/process5"/>
+    <dgm:cxn modelId="{E6A9C202-5048-4AEE-908F-517DA2F11E0F}" type="presOf" srcId="{CC576BF7-D0C4-45C0-8742-81D00CDE3EDA}" destId="{7E7752DD-DCDB-41B0-B094-2281FBAA8726}" srcOrd="0" destOrd="0" presId="urn:microsoft.com/office/officeart/2005/8/layout/process5"/>
+    <dgm:cxn modelId="{63C128B9-6057-440A-967F-A62863682B62}" type="presOf" srcId="{82FE3047-50CF-40C0-939B-38F880054397}" destId="{B96C6DDC-F963-4B90-A0A4-7D9FCD4D5E46}" srcOrd="0" destOrd="0" presId="urn:microsoft.com/office/officeart/2005/8/layout/process5"/>
+    <dgm:cxn modelId="{F64C7351-5D29-4BA4-AF1B-F2B50925AC66}" type="presOf" srcId="{64943D96-19D2-4F2F-AB9D-7FACCD83237E}" destId="{0795C1ED-6176-4D71-8695-BFA260CD8DB5}" srcOrd="0" destOrd="0" presId="urn:microsoft.com/office/officeart/2005/8/layout/process5"/>
+    <dgm:cxn modelId="{9A4536DF-DA56-497F-A81B-7850E8220D4B}" srcId="{E7A50803-F364-4CD4-AD78-41B1FBFF1BA8}" destId="{0D096DC1-5A8B-4ADE-A057-0F5D5950C77F}" srcOrd="1" destOrd="0" parTransId="{3B29BF6D-8309-45FC-BAB5-34109509ECCA}" sibTransId="{AF508A93-BE0D-45D4-93D1-F78FB8325E97}"/>
+    <dgm:cxn modelId="{C75AF5CD-407B-4999-AA02-3D3C6183FB81}" type="presOf" srcId="{84C407B1-5E4A-476A-B92D-CCF3FF3AAA46}" destId="{6FC24B80-D800-4BB8-8862-1A8D3268A0E7}" srcOrd="1" destOrd="0" presId="urn:microsoft.com/office/officeart/2005/8/layout/process5"/>
+    <dgm:cxn modelId="{14580366-1FBC-4C21-8C8C-ECCEFC03B8D9}" srcId="{2EB99E6E-DD2C-44A8-96E3-DAEB06EBC057}" destId="{C385F31E-C6F1-41EB-A744-6A3BF2E406F6}" srcOrd="11" destOrd="0" parTransId="{D43C4031-2516-4EC0-BAAF-D4081E65232B}" sibTransId="{4B6C20F8-6B52-45DF-9F97-26B7A319589B}"/>
+    <dgm:cxn modelId="{C9D9C90E-4623-4921-81B9-E98F68171228}" type="presOf" srcId="{C7808C6A-1DE8-43E2-A730-B64DDB015688}" destId="{C552C226-DCF4-4C0B-9226-C4DC76870D11}" srcOrd="0" destOrd="1" presId="urn:microsoft.com/office/officeart/2005/8/layout/process5"/>
+    <dgm:cxn modelId="{F0B76648-D1DB-4962-BD86-92DA1CE3EB0D}" type="presOf" srcId="{B49C4D2D-FBEB-4D1C-B75F-C3DE01451527}" destId="{B7AFCB0A-375A-421B-BDCD-3F97A815491D}" srcOrd="1" destOrd="0" presId="urn:microsoft.com/office/officeart/2005/8/layout/process5"/>
+    <dgm:cxn modelId="{DB6C55F8-08FF-41FB-994F-539D302E509A}" type="presOf" srcId="{252A868E-1D7A-4BD9-B234-19B2E62E0B3A}" destId="{425C393F-DC73-4F76-B412-3A9100D3169A}" srcOrd="1" destOrd="0" presId="urn:microsoft.com/office/officeart/2005/8/layout/process5"/>
+    <dgm:cxn modelId="{8DED5335-A554-47BE-B0F1-84C02E919B4D}" type="presOf" srcId="{645BB4AE-23C8-4363-BE6C-2366BFD3FAE5}" destId="{427AD9CF-C940-4EE9-9DB4-80E286518A29}" srcOrd="1" destOrd="0" presId="urn:microsoft.com/office/officeart/2005/8/layout/process5"/>
+    <dgm:cxn modelId="{3AB88BB3-706E-4D03-9A46-4EF26D7248CD}" type="presOf" srcId="{798A6FF1-55B3-448B-9510-4CF912534081}" destId="{56040DE5-8429-4ADC-872E-25108EC0DBDB}" srcOrd="0" destOrd="0" presId="urn:microsoft.com/office/officeart/2005/8/layout/process5"/>
+    <dgm:cxn modelId="{CC3E495E-6A70-4A9B-9CE2-44C302E880D3}" type="presOf" srcId="{DA4329DA-20FA-4C38-857D-B35ED56ACC55}" destId="{28D40CE1-835B-4A7B-8244-943B63DB6594}" srcOrd="0" destOrd="0" presId="urn:microsoft.com/office/officeart/2005/8/layout/process5"/>
+    <dgm:cxn modelId="{D6BAC6BD-42CA-42C2-B1EB-80649B7B100A}" type="presOf" srcId="{7A900D74-D999-4C0D-903D-9385AF28B32A}" destId="{FA657519-C910-4034-B3AB-F451068D97BB}" srcOrd="1" destOrd="0" presId="urn:microsoft.com/office/officeart/2005/8/layout/process5"/>
+    <dgm:cxn modelId="{F12BEC8D-F482-4DFF-98C9-B2A773153546}" srcId="{2EB99E6E-DD2C-44A8-96E3-DAEB06EBC057}" destId="{4B69B0E3-8743-4939-B11F-528463168E2A}" srcOrd="0" destOrd="0" parTransId="{AAB7FF21-EBB3-4589-853C-64AEFF5CB37C}" sibTransId="{CC576BF7-D0C4-45C0-8742-81D00CDE3EDA}"/>
+    <dgm:cxn modelId="{86FA6E9F-4A50-4531-90B7-D4D57815292D}" srcId="{2EB99E6E-DD2C-44A8-96E3-DAEB06EBC057}" destId="{E0D73B0D-2B54-4BB7-837B-A02C9C860C3A}" srcOrd="3" destOrd="0" parTransId="{5071B9E3-6C8F-4439-8171-3AC63096F4CB}" sibTransId="{E0319071-DA33-4CEE-AEED-77BDB96D497A}"/>
+    <dgm:cxn modelId="{2063C62C-2087-4368-82DA-E5812A0DBAD2}" type="presOf" srcId="{0D096DC1-5A8B-4ADE-A057-0F5D5950C77F}" destId="{7202BC0E-BCCD-4749-B8AE-EAEB96710794}" srcOrd="0" destOrd="2" presId="urn:microsoft.com/office/officeart/2005/8/layout/process5"/>
+    <dgm:cxn modelId="{9EAB0024-D98F-496E-984F-8C71C8342C04}" type="presOf" srcId="{82FE3047-50CF-40C0-939B-38F880054397}" destId="{0448F131-E2C7-4E83-90A6-258E21432E6A}" srcOrd="1" destOrd="0" presId="urn:microsoft.com/office/officeart/2005/8/layout/process5"/>
+    <dgm:cxn modelId="{38C7846C-A3D6-4079-970D-4790872C6BDF}" srcId="{2EB99E6E-DD2C-44A8-96E3-DAEB06EBC057}" destId="{6079760F-3BEB-448E-8C4C-D07379A5E46D}" srcOrd="5" destOrd="0" parTransId="{3F15C46F-5BC4-4346-8681-CE05BF6A8676}" sibTransId="{64943D96-19D2-4F2F-AB9D-7FACCD83237E}"/>
+    <dgm:cxn modelId="{F021AE25-EB30-48EA-B612-B9F39466FE4B}" type="presOf" srcId="{E0319071-DA33-4CEE-AEED-77BDB96D497A}" destId="{9FEB6EAB-4890-41DE-90EE-B031032C219C}" srcOrd="0" destOrd="0" presId="urn:microsoft.com/office/officeart/2005/8/layout/process5"/>
+    <dgm:cxn modelId="{5621462F-3CC6-4EEE-9D33-46219A504E6D}" type="presOf" srcId="{F6634B8D-E0A8-4CF8-9547-DC651A569B35}" destId="{99A2F953-EC43-4E7D-895E-E6CCB05BF9AC}" srcOrd="0" destOrd="0" presId="urn:microsoft.com/office/officeart/2005/8/layout/process5"/>
+    <dgm:cxn modelId="{DB0B18EC-FCB6-4AE2-8D02-2CC9FC63F21C}" type="presOf" srcId="{84C407B1-5E4A-476A-B92D-CCF3FF3AAA46}" destId="{8875B72C-833D-4C06-88C7-8621517377BC}" srcOrd="0" destOrd="0" presId="urn:microsoft.com/office/officeart/2005/8/layout/process5"/>
+    <dgm:cxn modelId="{62E71F3D-3D7F-41D5-9B1D-87BAF0BED455}" srcId="{2EB99E6E-DD2C-44A8-96E3-DAEB06EBC057}" destId="{2F8C4D08-CEAE-4B58-A0D0-64795F5C59C7}" srcOrd="4" destOrd="0" parTransId="{26EB697A-87DA-4349-B732-3735A40D88AA}" sibTransId="{82FE3047-50CF-40C0-939B-38F880054397}"/>
+    <dgm:cxn modelId="{1BDF8DBC-AD08-4BE6-B455-50F9C8AB0C47}" type="presOf" srcId="{7C7B550B-1B4D-42E2-ACFC-728546073CB1}" destId="{89DADE2F-0EC1-44A0-92D9-021DF56E312B}" srcOrd="0" destOrd="0" presId="urn:microsoft.com/office/officeart/2005/8/layout/process5"/>
+    <dgm:cxn modelId="{0CF353D1-1F18-4E3E-AE22-6BA9BA857BF4}" type="presOf" srcId="{E0319071-DA33-4CEE-AEED-77BDB96D497A}" destId="{B3D31688-DAC1-45E7-8B67-DB84E8ED7C7F}" srcOrd="1" destOrd="0" presId="urn:microsoft.com/office/officeart/2005/8/layout/process5"/>
+    <dgm:cxn modelId="{1A1864AA-6C88-4A72-A88A-383848E48098}" srcId="{2EB99E6E-DD2C-44A8-96E3-DAEB06EBC057}" destId="{11759023-B539-4A9D-9148-695A907123CF}" srcOrd="1" destOrd="0" parTransId="{CB27E4A7-A152-416A-AE74-8BAADA362E30}" sibTransId="{B49C4D2D-FBEB-4D1C-B75F-C3DE01451527}"/>
+    <dgm:cxn modelId="{78EFCC25-2FFB-4294-BBDB-069F5F18EAC1}" type="presOf" srcId="{0A0E999D-969B-45C8-AFE8-AA11F26815D4}" destId="{6C3D7124-8CE6-43EF-B903-996C1AE4DCA8}" srcOrd="1" destOrd="0" presId="urn:microsoft.com/office/officeart/2005/8/layout/process5"/>
+    <dgm:cxn modelId="{8DACDA3E-740D-4DF1-8F8A-6ACAC57731CD}" type="presOf" srcId="{2EB99E6E-DD2C-44A8-96E3-DAEB06EBC057}" destId="{9233F2E0-5E4E-4D44-8197-09E76C5F6FEB}" srcOrd="0" destOrd="0" presId="urn:microsoft.com/office/officeart/2005/8/layout/process5"/>
+    <dgm:cxn modelId="{5820A6EF-4FC6-431B-AD2F-DCD004992DA4}" type="presOf" srcId="{11759023-B539-4A9D-9148-695A907123CF}" destId="{C552C226-DCF4-4C0B-9226-C4DC76870D11}" srcOrd="0" destOrd="0" presId="urn:microsoft.com/office/officeart/2005/8/layout/process5"/>
+    <dgm:cxn modelId="{8C026A88-CF37-4677-A54E-B7502115912A}" type="presOf" srcId="{64943D96-19D2-4F2F-AB9D-7FACCD83237E}" destId="{E4600BEF-D57A-4645-A92E-7E96936C5191}" srcOrd="1" destOrd="0" presId="urn:microsoft.com/office/officeart/2005/8/layout/process5"/>
+    <dgm:cxn modelId="{C6D66385-2E42-4D46-B355-5E76D582C027}" srcId="{11759023-B539-4A9D-9148-695A907123CF}" destId="{C7808C6A-1DE8-43E2-A730-B64DDB015688}" srcOrd="0" destOrd="0" parTransId="{FE65013A-12E9-4023-BCF8-23FFE3C22F40}" sibTransId="{028CFA6C-EFD8-4C34-8F15-0E9A206101A7}"/>
+    <dgm:cxn modelId="{EF5C2330-6761-4CAD-96F8-71D82ACC91E2}" srcId="{11759023-B539-4A9D-9148-695A907123CF}" destId="{F2C8586D-E9EC-49DE-A6E1-7395CCE564B6}" srcOrd="1" destOrd="0" parTransId="{A79A6D4F-3843-4AB0-A812-5BD82272AA28}" sibTransId="{631743A5-1AC9-4D0A-B8C1-BF03301D7154}"/>
+    <dgm:cxn modelId="{C1F3C3A4-473F-4899-9359-ABF785E5521F}" srcId="{2EB99E6E-DD2C-44A8-96E3-DAEB06EBC057}" destId="{7C7B550B-1B4D-42E2-ACFC-728546073CB1}" srcOrd="10" destOrd="0" parTransId="{1232A2E5-A2F1-4B11-BB50-2442B9B6E618}" sibTransId="{645BB4AE-23C8-4363-BE6C-2366BFD3FAE5}"/>
+    <dgm:cxn modelId="{DD3B0ACD-011D-4B17-9D61-04D4BD2785B7}" type="presOf" srcId="{252A868E-1D7A-4BD9-B234-19B2E62E0B3A}" destId="{FE02FC1D-D3EB-4076-A80F-B80B5AAC7ABB}" srcOrd="0" destOrd="0" presId="urn:microsoft.com/office/officeart/2005/8/layout/process5"/>
+    <dgm:cxn modelId="{381362CE-EA91-4DC6-AA83-039080D7D497}" srcId="{E7A50803-F364-4CD4-AD78-41B1FBFF1BA8}" destId="{DD9F15A9-DA4A-4D14-9588-AA60C7521CFE}" srcOrd="0" destOrd="0" parTransId="{479FDE72-7A42-42BE-9DC8-20498FF7B4A7}" sibTransId="{300F9D5C-0CF9-4756-8C02-37299F1620C7}"/>
+    <dgm:cxn modelId="{316A43C6-60ED-43E3-BF7B-3451CFE4A015}" srcId="{2EB99E6E-DD2C-44A8-96E3-DAEB06EBC057}" destId="{4F55A451-EEAC-4794-AD1A-88C08A1F61E7}" srcOrd="9" destOrd="0" parTransId="{57EFACCD-38DF-41A4-BB5E-FED8CF177E2E}" sibTransId="{7A900D74-D999-4C0D-903D-9385AF28B32A}"/>
+    <dgm:cxn modelId="{656A6730-4775-4A3E-936E-91899811DB25}" srcId="{2EB99E6E-DD2C-44A8-96E3-DAEB06EBC057}" destId="{3D9A5FDC-149F-4871-AC0B-41FE9D85C64C}" srcOrd="2" destOrd="0" parTransId="{4648DA37-ADCA-4572-A170-AFF1D6B8114C}" sibTransId="{252A868E-1D7A-4BD9-B234-19B2E62E0B3A}"/>
+    <dgm:cxn modelId="{3B90CBB8-3BB1-4937-AEAB-B48FD617DB9A}" type="presOf" srcId="{B49C4D2D-FBEB-4D1C-B75F-C3DE01451527}" destId="{4E482C98-6EFA-4C20-AE49-96BEB2724FA0}" srcOrd="0" destOrd="0" presId="urn:microsoft.com/office/officeart/2005/8/layout/process5"/>
+    <dgm:cxn modelId="{BF503448-2551-4E50-A12E-D6096D13B8D4}" type="presOf" srcId="{7A900D74-D999-4C0D-903D-9385AF28B32A}" destId="{F5157131-9131-47E0-91C7-C2708EA7DF4E}" srcOrd="0" destOrd="0" presId="urn:microsoft.com/office/officeart/2005/8/layout/process5"/>
     <dgm:cxn modelId="{212F0AE4-3169-414E-BCB9-C368722673C9}" type="presOf" srcId="{DA4329DA-20FA-4C38-857D-B35ED56ACC55}" destId="{4BC23CEC-7E80-4DB3-84E2-974D7F887BA4}" srcOrd="1" destOrd="0" presId="urn:microsoft.com/office/officeart/2005/8/layout/process5"/>
-    <dgm:cxn modelId="{8DED5335-A554-47BE-B0F1-84C02E919B4D}" type="presOf" srcId="{645BB4AE-23C8-4363-BE6C-2366BFD3FAE5}" destId="{427AD9CF-C940-4EE9-9DB4-80E286518A29}" srcOrd="1" destOrd="0" presId="urn:microsoft.com/office/officeart/2005/8/layout/process5"/>
-    <dgm:cxn modelId="{36375326-BE41-4699-AA2A-CF8DF5938E42}" type="presOf" srcId="{C385F31E-C6F1-41EB-A744-6A3BF2E406F6}" destId="{C269A2E3-8621-4697-96C7-19DDAF8DBEF2}" srcOrd="0" destOrd="0" presId="urn:microsoft.com/office/officeart/2005/8/layout/process5"/>
-    <dgm:cxn modelId="{7DE45F44-0ADB-4A81-9E02-21FD28A5C477}" type="presOf" srcId="{11BD6534-74A8-4903-9C6C-4006CDF09DB2}" destId="{75973AC8-27ED-4872-8CA5-E7BBE1D143E8}" srcOrd="1" destOrd="0" presId="urn:microsoft.com/office/officeart/2005/8/layout/process5"/>
-    <dgm:cxn modelId="{16044BBF-FDB1-4A67-B668-E257BEB1AE15}" type="presOf" srcId="{645BB4AE-23C8-4363-BE6C-2366BFD3FAE5}" destId="{CD0FEDB8-BCC7-4F7B-BCF9-F14D929D684E}" srcOrd="0" destOrd="0" presId="urn:microsoft.com/office/officeart/2005/8/layout/process5"/>
-    <dgm:cxn modelId="{D6BAC6BD-42CA-42C2-B1EB-80649B7B100A}" type="presOf" srcId="{7A900D74-D999-4C0D-903D-9385AF28B32A}" destId="{FA657519-C910-4034-B3AB-F451068D97BB}" srcOrd="1" destOrd="0" presId="urn:microsoft.com/office/officeart/2005/8/layout/process5"/>
-    <dgm:cxn modelId="{14580366-1FBC-4C21-8C8C-ECCEFC03B8D9}" srcId="{2EB99E6E-DD2C-44A8-96E3-DAEB06EBC057}" destId="{C385F31E-C6F1-41EB-A744-6A3BF2E406F6}" srcOrd="7" destOrd="0" parTransId="{D43C4031-2516-4EC0-BAAF-D4081E65232B}" sibTransId="{4B6C20F8-6B52-45DF-9F97-26B7A319589B}"/>
-    <dgm:cxn modelId="{C1F3C3A4-473F-4899-9359-ABF785E5521F}" srcId="{2EB99E6E-DD2C-44A8-96E3-DAEB06EBC057}" destId="{7C7B550B-1B4D-42E2-ACFC-728546073CB1}" srcOrd="6" destOrd="0" parTransId="{1232A2E5-A2F1-4B11-BB50-2442B9B6E618}" sibTransId="{645BB4AE-23C8-4363-BE6C-2366BFD3FAE5}"/>
-    <dgm:cxn modelId="{8DACDA3E-740D-4DF1-8F8A-6ACAC57731CD}" type="presOf" srcId="{2EB99E6E-DD2C-44A8-96E3-DAEB06EBC057}" destId="{9233F2E0-5E4E-4D44-8197-09E76C5F6FEB}" srcOrd="0" destOrd="0" presId="urn:microsoft.com/office/officeart/2005/8/layout/process5"/>
-    <dgm:cxn modelId="{A5148013-A7A8-45B2-8CAC-EFAA8FDF5023}" type="presOf" srcId="{CC576BF7-D0C4-45C0-8742-81D00CDE3EDA}" destId="{AE9BFCD7-65E9-4042-93B3-00254295DFC1}" srcOrd="1" destOrd="0" presId="urn:microsoft.com/office/officeart/2005/8/layout/process5"/>
-    <dgm:cxn modelId="{24762DC5-1B7E-4F1F-905C-29FEED91CB84}" type="presOf" srcId="{E7A50803-F364-4CD4-AD78-41B1FBFF1BA8}" destId="{7202BC0E-BCCD-4749-B8AE-EAEB96710794}" srcOrd="0" destOrd="0" presId="urn:microsoft.com/office/officeart/2005/8/layout/process5"/>
-    <dgm:cxn modelId="{27C3168F-759E-4EA6-A7BD-4910D8E3F75A}" srcId="{2EB99E6E-DD2C-44A8-96E3-DAEB06EBC057}" destId="{C16470CB-B4FE-4410-AB0D-FB2A7AE1EC84}" srcOrd="1" destOrd="0" parTransId="{EF2944A6-35EE-488B-9C42-663FA3EE3894}" sibTransId="{11BD6534-74A8-4903-9C6C-4006CDF09DB2}"/>
-    <dgm:cxn modelId="{4DA50B87-B448-4F30-89D1-7FBA361BBBE6}" type="presOf" srcId="{C16470CB-B4FE-4410-AB0D-FB2A7AE1EC84}" destId="{AB8952E1-498E-4687-83A1-F8AF2E2FF49A}" srcOrd="0" destOrd="0" presId="urn:microsoft.com/office/officeart/2005/8/layout/process5"/>
-    <dgm:cxn modelId="{06C594FE-5AFA-48DB-8E09-4DE0E4DD2E92}" type="presOf" srcId="{4F55A451-EEAC-4794-AD1A-88C08A1F61E7}" destId="{202B8E42-56EC-4F6F-B287-6BFE3E8911D1}" srcOrd="0" destOrd="0" presId="urn:microsoft.com/office/officeart/2005/8/layout/process5"/>
-    <dgm:cxn modelId="{62E71F3D-3D7F-41D5-9B1D-87BAF0BED455}" srcId="{2EB99E6E-DD2C-44A8-96E3-DAEB06EBC057}" destId="{2F8C4D08-CEAE-4B58-A0D0-64795F5C59C7}" srcOrd="2" destOrd="0" parTransId="{26EB697A-87DA-4349-B732-3735A40D88AA}" sibTransId="{82FE3047-50CF-40C0-939B-38F880054397}"/>
-    <dgm:cxn modelId="{1BDF8DBC-AD08-4BE6-B455-50F9C8AB0C47}" type="presOf" srcId="{7C7B550B-1B4D-42E2-ACFC-728546073CB1}" destId="{89DADE2F-0EC1-44A0-92D9-021DF56E312B}" srcOrd="0" destOrd="0" presId="urn:microsoft.com/office/officeart/2005/8/layout/process5"/>
-    <dgm:cxn modelId="{E6A9C202-5048-4AEE-908F-517DA2F11E0F}" type="presOf" srcId="{CC576BF7-D0C4-45C0-8742-81D00CDE3EDA}" destId="{7E7752DD-DCDB-41B0-B094-2281FBAA8726}" srcOrd="0" destOrd="0" presId="urn:microsoft.com/office/officeart/2005/8/layout/process5"/>
-    <dgm:cxn modelId="{8C026A88-CF37-4677-A54E-B7502115912A}" type="presOf" srcId="{64943D96-19D2-4F2F-AB9D-7FACCD83237E}" destId="{E4600BEF-D57A-4645-A92E-7E96936C5191}" srcOrd="1" destOrd="0" presId="urn:microsoft.com/office/officeart/2005/8/layout/process5"/>
-    <dgm:cxn modelId="{F12BEC8D-F482-4DFF-98C9-B2A773153546}" srcId="{2EB99E6E-DD2C-44A8-96E3-DAEB06EBC057}" destId="{4B69B0E3-8743-4939-B11F-528463168E2A}" srcOrd="0" destOrd="0" parTransId="{AAB7FF21-EBB3-4589-853C-64AEFF5CB37C}" sibTransId="{CC576BF7-D0C4-45C0-8742-81D00CDE3EDA}"/>
-    <dgm:cxn modelId="{38C7846C-A3D6-4079-970D-4790872C6BDF}" srcId="{2EB99E6E-DD2C-44A8-96E3-DAEB06EBC057}" destId="{6079760F-3BEB-448E-8C4C-D07379A5E46D}" srcOrd="3" destOrd="0" parTransId="{3F15C46F-5BC4-4346-8681-CE05BF6A8676}" sibTransId="{64943D96-19D2-4F2F-AB9D-7FACCD83237E}"/>
-    <dgm:cxn modelId="{9EAB0024-D98F-496E-984F-8C71C8342C04}" type="presOf" srcId="{82FE3047-50CF-40C0-939B-38F880054397}" destId="{0448F131-E2C7-4E83-90A6-258E21432E6A}" srcOrd="1" destOrd="0" presId="urn:microsoft.com/office/officeart/2005/8/layout/process5"/>
-    <dgm:cxn modelId="{CC3E495E-6A70-4A9B-9CE2-44C302E880D3}" type="presOf" srcId="{DA4329DA-20FA-4C38-857D-B35ED56ACC55}" destId="{28D40CE1-835B-4A7B-8244-943B63DB6594}" srcOrd="0" destOrd="0" presId="urn:microsoft.com/office/officeart/2005/8/layout/process5"/>
-    <dgm:cxn modelId="{40EF2476-88D6-4D65-A834-7B8200D87526}" srcId="{2EB99E6E-DD2C-44A8-96E3-DAEB06EBC057}" destId="{E7A50803-F364-4CD4-AD78-41B1FBFF1BA8}" srcOrd="4" destOrd="0" parTransId="{407CD609-00D6-48E0-AA13-550B24BE3F19}" sibTransId="{DA4329DA-20FA-4C38-857D-B35ED56ACC55}"/>
-    <dgm:cxn modelId="{63C128B9-6057-440A-967F-A62863682B62}" type="presOf" srcId="{82FE3047-50CF-40C0-939B-38F880054397}" destId="{B96C6DDC-F963-4B90-A0A4-7D9FCD4D5E46}" srcOrd="0" destOrd="0" presId="urn:microsoft.com/office/officeart/2005/8/layout/process5"/>
-    <dgm:cxn modelId="{316A43C6-60ED-43E3-BF7B-3451CFE4A015}" srcId="{2EB99E6E-DD2C-44A8-96E3-DAEB06EBC057}" destId="{4F55A451-EEAC-4794-AD1A-88C08A1F61E7}" srcOrd="5" destOrd="0" parTransId="{57EFACCD-38DF-41A4-BB5E-FED8CF177E2E}" sibTransId="{7A900D74-D999-4C0D-903D-9385AF28B32A}"/>
-    <dgm:cxn modelId="{BF503448-2551-4E50-A12E-D6096D13B8D4}" type="presOf" srcId="{7A900D74-D999-4C0D-903D-9385AF28B32A}" destId="{F5157131-9131-47E0-91C7-C2708EA7DF4E}" srcOrd="0" destOrd="0" presId="urn:microsoft.com/office/officeart/2005/8/layout/process5"/>
-    <dgm:cxn modelId="{D0D07ECF-4D3D-4124-9387-4AEF720B7401}" type="presOf" srcId="{6079760F-3BEB-448E-8C4C-D07379A5E46D}" destId="{6BFB2FC8-D0D9-4EF7-88E7-53C32EB04ED2}" srcOrd="0" destOrd="0" presId="urn:microsoft.com/office/officeart/2005/8/layout/process5"/>
-    <dgm:cxn modelId="{8D3E1448-D30F-46E4-88BA-A5A85580627D}" type="presOf" srcId="{2F8C4D08-CEAE-4B58-A0D0-64795F5C59C7}" destId="{9DCBE7C4-77E3-4D84-882B-7F8484E636DC}" srcOrd="0" destOrd="0" presId="urn:microsoft.com/office/officeart/2005/8/layout/process5"/>
-    <dgm:cxn modelId="{F64C7351-5D29-4BA4-AF1B-F2B50925AC66}" type="presOf" srcId="{64943D96-19D2-4F2F-AB9D-7FACCD83237E}" destId="{0795C1ED-6176-4D71-8695-BFA260CD8DB5}" srcOrd="0" destOrd="0" presId="urn:microsoft.com/office/officeart/2005/8/layout/process5"/>
+    <dgm:cxn modelId="{B4AA1D32-C979-436A-B940-B55501354F8A}" type="presOf" srcId="{E0D73B0D-2B54-4BB7-837B-A02C9C860C3A}" destId="{0631316F-807F-4C68-B220-03577B1939F8}" srcOrd="0" destOrd="0" presId="urn:microsoft.com/office/officeart/2005/8/layout/process5"/>
     <dgm:cxn modelId="{B62D6CEA-E566-49A8-9360-9E22CAFF7C74}" type="presParOf" srcId="{9233F2E0-5E4E-4D44-8197-09E76C5F6FEB}" destId="{3AD5559E-BD30-4C5E-8244-E975DFD4D66A}" srcOrd="0" destOrd="0" presId="urn:microsoft.com/office/officeart/2005/8/layout/process5"/>
     <dgm:cxn modelId="{C4516AC8-7530-4F67-B32A-650F2C487011}" type="presParOf" srcId="{9233F2E0-5E4E-4D44-8197-09E76C5F6FEB}" destId="{7E7752DD-DCDB-41B0-B094-2281FBAA8726}" srcOrd="1" destOrd="0" presId="urn:microsoft.com/office/officeart/2005/8/layout/process5"/>
     <dgm:cxn modelId="{66E99241-817B-4AAF-9854-58A965611DAB}" type="presParOf" srcId="{7E7752DD-DCDB-41B0-B094-2281FBAA8726}" destId="{AE9BFCD7-65E9-4042-93B3-00254295DFC1}" srcOrd="0" destOrd="0" presId="urn:microsoft.com/office/officeart/2005/8/layout/process5"/>
-    <dgm:cxn modelId="{DB69D09C-27E4-46B3-9C6A-6BD31B6F60A7}" type="presParOf" srcId="{9233F2E0-5E4E-4D44-8197-09E76C5F6FEB}" destId="{AB8952E1-498E-4687-83A1-F8AF2E2FF49A}" srcOrd="2" destOrd="0" presId="urn:microsoft.com/office/officeart/2005/8/layout/process5"/>
-    <dgm:cxn modelId="{58AADDD6-1E26-4D64-883F-516FB7B0FD68}" type="presParOf" srcId="{9233F2E0-5E4E-4D44-8197-09E76C5F6FEB}" destId="{DBC449A2-07CD-4265-AF17-18308526F9BE}" srcOrd="3" destOrd="0" presId="urn:microsoft.com/office/officeart/2005/8/layout/process5"/>
-    <dgm:cxn modelId="{26907665-0FAC-4335-8097-E72128579B06}" type="presParOf" srcId="{DBC449A2-07CD-4265-AF17-18308526F9BE}" destId="{75973AC8-27ED-4872-8CA5-E7BBE1D143E8}" srcOrd="0" destOrd="0" presId="urn:microsoft.com/office/officeart/2005/8/layout/process5"/>
-    <dgm:cxn modelId="{8EE0C477-9797-4D0B-9B8F-8C40ABDFFEDA}" type="presParOf" srcId="{9233F2E0-5E4E-4D44-8197-09E76C5F6FEB}" destId="{9DCBE7C4-77E3-4D84-882B-7F8484E636DC}" srcOrd="4" destOrd="0" presId="urn:microsoft.com/office/officeart/2005/8/layout/process5"/>
-    <dgm:cxn modelId="{7D4637DD-40BA-434B-A3C9-AC7732F39937}" type="presParOf" srcId="{9233F2E0-5E4E-4D44-8197-09E76C5F6FEB}" destId="{B96C6DDC-F963-4B90-A0A4-7D9FCD4D5E46}" srcOrd="5" destOrd="0" presId="urn:microsoft.com/office/officeart/2005/8/layout/process5"/>
+    <dgm:cxn modelId="{CD0BE34B-31D9-4868-88C5-8D3C805FD222}" type="presParOf" srcId="{9233F2E0-5E4E-4D44-8197-09E76C5F6FEB}" destId="{C552C226-DCF4-4C0B-9226-C4DC76870D11}" srcOrd="2" destOrd="0" presId="urn:microsoft.com/office/officeart/2005/8/layout/process5"/>
+    <dgm:cxn modelId="{5BA9F720-456E-41CC-B80B-9D8FF9BC955F}" type="presParOf" srcId="{9233F2E0-5E4E-4D44-8197-09E76C5F6FEB}" destId="{4E482C98-6EFA-4C20-AE49-96BEB2724FA0}" srcOrd="3" destOrd="0" presId="urn:microsoft.com/office/officeart/2005/8/layout/process5"/>
+    <dgm:cxn modelId="{D6AA9F57-E820-473E-B117-229236D35355}" type="presParOf" srcId="{4E482C98-6EFA-4C20-AE49-96BEB2724FA0}" destId="{B7AFCB0A-375A-421B-BDCD-3F97A815491D}" srcOrd="0" destOrd="0" presId="urn:microsoft.com/office/officeart/2005/8/layout/process5"/>
+    <dgm:cxn modelId="{26888EA0-6522-4DE1-BAA6-2106BD7A9997}" type="presParOf" srcId="{9233F2E0-5E4E-4D44-8197-09E76C5F6FEB}" destId="{B6F5FD8B-2420-4FD2-A968-06EB999D45F8}" srcOrd="4" destOrd="0" presId="urn:microsoft.com/office/officeart/2005/8/layout/process5"/>
+    <dgm:cxn modelId="{AF3E6915-9F08-432C-AD00-8B04F76F17AD}" type="presParOf" srcId="{9233F2E0-5E4E-4D44-8197-09E76C5F6FEB}" destId="{FE02FC1D-D3EB-4076-A80F-B80B5AAC7ABB}" srcOrd="5" destOrd="0" presId="urn:microsoft.com/office/officeart/2005/8/layout/process5"/>
+    <dgm:cxn modelId="{7D121A95-DCB2-4605-8540-2D566AE5705A}" type="presParOf" srcId="{FE02FC1D-D3EB-4076-A80F-B80B5AAC7ABB}" destId="{425C393F-DC73-4F76-B412-3A9100D3169A}" srcOrd="0" destOrd="0" presId="urn:microsoft.com/office/officeart/2005/8/layout/process5"/>
+    <dgm:cxn modelId="{FD1C3680-1628-4C3B-A3BB-D1174817D1E1}" type="presParOf" srcId="{9233F2E0-5E4E-4D44-8197-09E76C5F6FEB}" destId="{0631316F-807F-4C68-B220-03577B1939F8}" srcOrd="6" destOrd="0" presId="urn:microsoft.com/office/officeart/2005/8/layout/process5"/>
+    <dgm:cxn modelId="{B5D5D76E-80A7-46CC-8341-5970451DB774}" type="presParOf" srcId="{9233F2E0-5E4E-4D44-8197-09E76C5F6FEB}" destId="{9FEB6EAB-4890-41DE-90EE-B031032C219C}" srcOrd="7" destOrd="0" presId="urn:microsoft.com/office/officeart/2005/8/layout/process5"/>
+    <dgm:cxn modelId="{1B908ACA-9551-45CE-B863-813F5DE0DB04}" type="presParOf" srcId="{9FEB6EAB-4890-41DE-90EE-B031032C219C}" destId="{B3D31688-DAC1-45E7-8B67-DB84E8ED7C7F}" srcOrd="0" destOrd="0" presId="urn:microsoft.com/office/officeart/2005/8/layout/process5"/>
+    <dgm:cxn modelId="{8EE0C477-9797-4D0B-9B8F-8C40ABDFFEDA}" type="presParOf" srcId="{9233F2E0-5E4E-4D44-8197-09E76C5F6FEB}" destId="{9DCBE7C4-77E3-4D84-882B-7F8484E636DC}" srcOrd="8" destOrd="0" presId="urn:microsoft.com/office/officeart/2005/8/layout/process5"/>
+    <dgm:cxn modelId="{7D4637DD-40BA-434B-A3C9-AC7732F39937}" type="presParOf" srcId="{9233F2E0-5E4E-4D44-8197-09E76C5F6FEB}" destId="{B96C6DDC-F963-4B90-A0A4-7D9FCD4D5E46}" srcOrd="9" destOrd="0" presId="urn:microsoft.com/office/officeart/2005/8/layout/process5"/>
     <dgm:cxn modelId="{DADD0E1B-08B9-4C92-A292-57B8483F9A84}" type="presParOf" srcId="{B96C6DDC-F963-4B90-A0A4-7D9FCD4D5E46}" destId="{0448F131-E2C7-4E83-90A6-258E21432E6A}" srcOrd="0" destOrd="0" presId="urn:microsoft.com/office/officeart/2005/8/layout/process5"/>
-    <dgm:cxn modelId="{7E583BF1-78CE-498A-9B69-DE547D5FDE5D}" type="presParOf" srcId="{9233F2E0-5E4E-4D44-8197-09E76C5F6FEB}" destId="{6BFB2FC8-D0D9-4EF7-88E7-53C32EB04ED2}" srcOrd="6" destOrd="0" presId="urn:microsoft.com/office/officeart/2005/8/layout/process5"/>
-    <dgm:cxn modelId="{A268952D-9616-4736-8D99-ED8861A96504}" type="presParOf" srcId="{9233F2E0-5E4E-4D44-8197-09E76C5F6FEB}" destId="{0795C1ED-6176-4D71-8695-BFA260CD8DB5}" srcOrd="7" destOrd="0" presId="urn:microsoft.com/office/officeart/2005/8/layout/process5"/>
+    <dgm:cxn modelId="{7E583BF1-78CE-498A-9B69-DE547D5FDE5D}" type="presParOf" srcId="{9233F2E0-5E4E-4D44-8197-09E76C5F6FEB}" destId="{6BFB2FC8-D0D9-4EF7-88E7-53C32EB04ED2}" srcOrd="10" destOrd="0" presId="urn:microsoft.com/office/officeart/2005/8/layout/process5"/>
+    <dgm:cxn modelId="{A268952D-9616-4736-8D99-ED8861A96504}" type="presParOf" srcId="{9233F2E0-5E4E-4D44-8197-09E76C5F6FEB}" destId="{0795C1ED-6176-4D71-8695-BFA260CD8DB5}" srcOrd="11" destOrd="0" presId="urn:microsoft.com/office/officeart/2005/8/layout/process5"/>
     <dgm:cxn modelId="{570C52C9-7B09-4651-B7FF-C735C114BAB8}" type="presParOf" srcId="{0795C1ED-6176-4D71-8695-BFA260CD8DB5}" destId="{E4600BEF-D57A-4645-A92E-7E96936C5191}" srcOrd="0" destOrd="0" presId="urn:microsoft.com/office/officeart/2005/8/layout/process5"/>
-    <dgm:cxn modelId="{88046035-6F45-4B4D-8D0C-4FF741C42133}" type="presParOf" srcId="{9233F2E0-5E4E-4D44-8197-09E76C5F6FEB}" destId="{7202BC0E-BCCD-4749-B8AE-EAEB96710794}" srcOrd="8" destOrd="0" presId="urn:microsoft.com/office/officeart/2005/8/layout/process5"/>
-    <dgm:cxn modelId="{F859A709-6E86-4D3E-A0F8-6F91E20FA654}" type="presParOf" srcId="{9233F2E0-5E4E-4D44-8197-09E76C5F6FEB}" destId="{28D40CE1-835B-4A7B-8244-943B63DB6594}" srcOrd="9" destOrd="0" presId="urn:microsoft.com/office/officeart/2005/8/layout/process5"/>
+    <dgm:cxn modelId="{88046035-6F45-4B4D-8D0C-4FF741C42133}" type="presParOf" srcId="{9233F2E0-5E4E-4D44-8197-09E76C5F6FEB}" destId="{7202BC0E-BCCD-4749-B8AE-EAEB96710794}" srcOrd="12" destOrd="0" presId="urn:microsoft.com/office/officeart/2005/8/layout/process5"/>
+    <dgm:cxn modelId="{F859A709-6E86-4D3E-A0F8-6F91E20FA654}" type="presParOf" srcId="{9233F2E0-5E4E-4D44-8197-09E76C5F6FEB}" destId="{28D40CE1-835B-4A7B-8244-943B63DB6594}" srcOrd="13" destOrd="0" presId="urn:microsoft.com/office/officeart/2005/8/layout/process5"/>
     <dgm:cxn modelId="{BFE2CEA9-06D9-431F-B4E1-A54FBBB434D3}" type="presParOf" srcId="{28D40CE1-835B-4A7B-8244-943B63DB6594}" destId="{4BC23CEC-7E80-4DB3-84E2-974D7F887BA4}" srcOrd="0" destOrd="0" presId="urn:microsoft.com/office/officeart/2005/8/layout/process5"/>
-    <dgm:cxn modelId="{85541CC5-001B-4C62-A758-654A846446DB}" type="presParOf" srcId="{9233F2E0-5E4E-4D44-8197-09E76C5F6FEB}" destId="{202B8E42-56EC-4F6F-B287-6BFE3E8911D1}" srcOrd="10" destOrd="0" presId="urn:microsoft.com/office/officeart/2005/8/layout/process5"/>
-    <dgm:cxn modelId="{285310E5-E73C-4C00-9ECB-7C52CCE5AA58}" type="presParOf" srcId="{9233F2E0-5E4E-4D44-8197-09E76C5F6FEB}" destId="{F5157131-9131-47E0-91C7-C2708EA7DF4E}" srcOrd="11" destOrd="0" presId="urn:microsoft.com/office/officeart/2005/8/layout/process5"/>
+    <dgm:cxn modelId="{1B1287E2-4A64-4B89-8CF0-AFB162A7749C}" type="presParOf" srcId="{9233F2E0-5E4E-4D44-8197-09E76C5F6FEB}" destId="{99A2F953-EC43-4E7D-895E-E6CCB05BF9AC}" srcOrd="14" destOrd="0" presId="urn:microsoft.com/office/officeart/2005/8/layout/process5"/>
+    <dgm:cxn modelId="{008430AD-FEFD-448D-9348-1FCDBAD75A45}" type="presParOf" srcId="{9233F2E0-5E4E-4D44-8197-09E76C5F6FEB}" destId="{B0605081-2CC9-4157-A707-056A7E67F165}" srcOrd="15" destOrd="0" presId="urn:microsoft.com/office/officeart/2005/8/layout/process5"/>
+    <dgm:cxn modelId="{53B7158D-261B-4EED-BBD7-9E2AFD1A0F81}" type="presParOf" srcId="{B0605081-2CC9-4157-A707-056A7E67F165}" destId="{6C3D7124-8CE6-43EF-B903-996C1AE4DCA8}" srcOrd="0" destOrd="0" presId="urn:microsoft.com/office/officeart/2005/8/layout/process5"/>
+    <dgm:cxn modelId="{58780A94-6DD1-4137-90A6-629DF6F5B462}" type="presParOf" srcId="{9233F2E0-5E4E-4D44-8197-09E76C5F6FEB}" destId="{56040DE5-8429-4ADC-872E-25108EC0DBDB}" srcOrd="16" destOrd="0" presId="urn:microsoft.com/office/officeart/2005/8/layout/process5"/>
+    <dgm:cxn modelId="{DC731686-FAF4-4475-8093-BE84B88D5727}" type="presParOf" srcId="{9233F2E0-5E4E-4D44-8197-09E76C5F6FEB}" destId="{8875B72C-833D-4C06-88C7-8621517377BC}" srcOrd="17" destOrd="0" presId="urn:microsoft.com/office/officeart/2005/8/layout/process5"/>
+    <dgm:cxn modelId="{5CDBA868-6174-489B-9862-DC5E32FB9815}" type="presParOf" srcId="{8875B72C-833D-4C06-88C7-8621517377BC}" destId="{6FC24B80-D800-4BB8-8862-1A8D3268A0E7}" srcOrd="0" destOrd="0" presId="urn:microsoft.com/office/officeart/2005/8/layout/process5"/>
+    <dgm:cxn modelId="{85541CC5-001B-4C62-A758-654A846446DB}" type="presParOf" srcId="{9233F2E0-5E4E-4D44-8197-09E76C5F6FEB}" destId="{202B8E42-56EC-4F6F-B287-6BFE3E8911D1}" srcOrd="18" destOrd="0" presId="urn:microsoft.com/office/officeart/2005/8/layout/process5"/>
+    <dgm:cxn modelId="{285310E5-E73C-4C00-9ECB-7C52CCE5AA58}" type="presParOf" srcId="{9233F2E0-5E4E-4D44-8197-09E76C5F6FEB}" destId="{F5157131-9131-47E0-91C7-C2708EA7DF4E}" srcOrd="19" destOrd="0" presId="urn:microsoft.com/office/officeart/2005/8/layout/process5"/>
     <dgm:cxn modelId="{9371B60F-0F90-4A97-8717-F42AE7B5D63F}" type="presParOf" srcId="{F5157131-9131-47E0-91C7-C2708EA7DF4E}" destId="{FA657519-C910-4034-B3AB-F451068D97BB}" srcOrd="0" destOrd="0" presId="urn:microsoft.com/office/officeart/2005/8/layout/process5"/>
-    <dgm:cxn modelId="{D56F87DC-F6A9-444A-9DF6-B213F401C961}" type="presParOf" srcId="{9233F2E0-5E4E-4D44-8197-09E76C5F6FEB}" destId="{89DADE2F-0EC1-44A0-92D9-021DF56E312B}" srcOrd="12" destOrd="0" presId="urn:microsoft.com/office/officeart/2005/8/layout/process5"/>
-    <dgm:cxn modelId="{4139F66E-07BD-42F2-A09C-85C067D92204}" type="presParOf" srcId="{9233F2E0-5E4E-4D44-8197-09E76C5F6FEB}" destId="{CD0FEDB8-BCC7-4F7B-BCF9-F14D929D684E}" srcOrd="13" destOrd="0" presId="urn:microsoft.com/office/officeart/2005/8/layout/process5"/>
+    <dgm:cxn modelId="{D56F87DC-F6A9-444A-9DF6-B213F401C961}" type="presParOf" srcId="{9233F2E0-5E4E-4D44-8197-09E76C5F6FEB}" destId="{89DADE2F-0EC1-44A0-92D9-021DF56E312B}" srcOrd="20" destOrd="0" presId="urn:microsoft.com/office/officeart/2005/8/layout/process5"/>
+    <dgm:cxn modelId="{4139F66E-07BD-42F2-A09C-85C067D92204}" type="presParOf" srcId="{9233F2E0-5E4E-4D44-8197-09E76C5F6FEB}" destId="{CD0FEDB8-BCC7-4F7B-BCF9-F14D929D684E}" srcOrd="21" destOrd="0" presId="urn:microsoft.com/office/officeart/2005/8/layout/process5"/>
     <dgm:cxn modelId="{1EC03459-C0DE-41D6-B841-0BE5ACCC3345}" type="presParOf" srcId="{CD0FEDB8-BCC7-4F7B-BCF9-F14D929D684E}" destId="{427AD9CF-C940-4EE9-9DB4-80E286518A29}" srcOrd="0" destOrd="0" presId="urn:microsoft.com/office/officeart/2005/8/layout/process5"/>
-    <dgm:cxn modelId="{6038D219-3EA9-4963-80A5-324F5D4A8FBB}" type="presParOf" srcId="{9233F2E0-5E4E-4D44-8197-09E76C5F6FEB}" destId="{C269A2E3-8621-4697-96C7-19DDAF8DBEF2}" srcOrd="14" destOrd="0" presId="urn:microsoft.com/office/officeart/2005/8/layout/process5"/>
+    <dgm:cxn modelId="{6038D219-3EA9-4963-80A5-324F5D4A8FBB}" type="presParOf" srcId="{9233F2E0-5E4E-4D44-8197-09E76C5F6FEB}" destId="{C269A2E3-8621-4697-96C7-19DDAF8DBEF2}" srcOrd="22" destOrd="0" presId="urn:microsoft.com/office/officeart/2005/8/layout/process5"/>
   </dgm:cxnLst>
   <dgm:bg/>
   <dgm:whole/>
@@ -6268,7 +6535,19 @@
         <a:p>
           <a:r>
             <a:rPr lang="en-US" dirty="0" smtClean="0"/>
-            <a:t>Store user data (ID, name…) </a:t>
+            <a:t>Store user data (ID, </a:t>
+          </a:r>
+          <a:r>
+            <a:rPr lang="en-US" dirty="0" smtClean="0"/>
+            <a:t>name, mac </a:t>
+          </a:r>
+          <a:r>
+            <a:rPr lang="en-US" dirty="0" err="1" smtClean="0"/>
+            <a:t>addr</a:t>
+          </a:r>
+          <a:r>
+            <a:rPr lang="en-US" dirty="0" smtClean="0"/>
+            <a:t>…) </a:t>
           </a:r>
           <a:endParaRPr lang="en-US" dirty="0"/>
         </a:p>
@@ -6337,7 +6616,15 @@
         <a:p>
           <a:r>
             <a:rPr lang="en-US" dirty="0" smtClean="0"/>
-            <a:t>Ask mentor for more information </a:t>
+            <a:t>Ask mentor </a:t>
+          </a:r>
+          <a:r>
+            <a:rPr lang="en-US" dirty="0" smtClean="0"/>
+            <a:t>&amp; server team for </a:t>
+          </a:r>
+          <a:r>
+            <a:rPr lang="en-US" dirty="0" smtClean="0"/>
+            <a:t>more information </a:t>
           </a:r>
           <a:r>
             <a:rPr lang="en-US" dirty="0" smtClean="0">
@@ -6403,56 +6690,6 @@
       <dgm:prSet/>
       <dgm:spPr/>
     </dgm:pt>
-    <dgm:pt modelId="{D4696E65-4A85-4195-86BD-F4C8AAAE1C0D}">
-      <dgm:prSet phldrT="[Text]"/>
-      <dgm:spPr/>
-      <dgm:t>
-        <a:bodyPr/>
-        <a:lstStyle/>
-        <a:p>
-          <a:r>
-            <a:rPr lang="en-US" dirty="0" smtClean="0"/>
-            <a:t>Connect with server to show result on android phone</a:t>
-          </a:r>
-          <a:endParaRPr lang="en-US" dirty="0"/>
-        </a:p>
-      </dgm:t>
-    </dgm:pt>
-    <dgm:pt modelId="{3E0FAD27-C229-4EA2-8F44-D4C3C0C1895D}" type="parTrans" cxnId="{D9771852-F99E-4E67-B98E-2C1EA724AE53}">
-      <dgm:prSet/>
-      <dgm:spPr/>
-    </dgm:pt>
-    <dgm:pt modelId="{90B6643B-D001-4ABE-9E81-5D433FE0CFE9}" type="sibTrans" cxnId="{D9771852-F99E-4E67-B98E-2C1EA724AE53}">
-      <dgm:prSet/>
-      <dgm:spPr/>
-    </dgm:pt>
-    <dgm:pt modelId="{F3B92214-C974-46BE-89EF-06973832D984}">
-      <dgm:prSet phldrT="[Text]"/>
-      <dgm:spPr/>
-      <dgm:t>
-        <a:bodyPr/>
-        <a:lstStyle/>
-        <a:p>
-          <a:r>
-            <a:rPr lang="en-US" dirty="0" err="1" smtClean="0"/>
-            <a:t>Quang</a:t>
-          </a:r>
-          <a:r>
-            <a:rPr lang="en-US" dirty="0" smtClean="0"/>
-            <a:t> + Ly</a:t>
-          </a:r>
-          <a:endParaRPr lang="en-US" dirty="0"/>
-        </a:p>
-      </dgm:t>
-    </dgm:pt>
-    <dgm:pt modelId="{261C7A3C-00EA-453A-9884-904B22091932}" type="parTrans" cxnId="{9A89975A-94B6-46EF-96FA-DD20FAC64C50}">
-      <dgm:prSet/>
-      <dgm:spPr/>
-    </dgm:pt>
-    <dgm:pt modelId="{63CA161D-71AE-4ECB-99C7-0E10D08EAD4E}" type="sibTrans" cxnId="{9A89975A-94B6-46EF-96FA-DD20FAC64C50}">
-      <dgm:prSet/>
-      <dgm:spPr/>
-    </dgm:pt>
     <dgm:pt modelId="{72951E78-9611-4A63-A78F-41828E41683A}" type="pres">
       <dgm:prSet presAssocID="{B174EC85-F1E5-4032-84A2-C3E31362664E}" presName="Name0" presStyleCnt="0">
         <dgm:presLayoutVars>
@@ -6549,8 +6786,6 @@
   </dgm:ptLst>
   <dgm:cxnLst>
     <dgm:cxn modelId="{12ACC441-522A-477E-8645-0E0D8BFF106B}" srcId="{49BF5DAA-0FAC-4602-AC74-6941C6C6BCB2}" destId="{CC188287-CD1B-4AE3-B643-6625EE0595E2}" srcOrd="0" destOrd="0" parTransId="{9F02A0D3-7DCB-4C7F-9383-5F0AA6A9DEB3}" sibTransId="{012BF67A-5197-4E3A-9F05-CCDAF62B8E03}"/>
-    <dgm:cxn modelId="{3CBE33D7-B1A4-4BAF-8F6F-6A0AF94FFCDB}" type="presOf" srcId="{F3B92214-C974-46BE-89EF-06973832D984}" destId="{ABB216B2-FB80-4CA8-AFB5-B752ADED21DE}" srcOrd="0" destOrd="7" presId="urn:microsoft.com/office/officeart/2005/8/layout/hList1"/>
-    <dgm:cxn modelId="{9A89975A-94B6-46EF-96FA-DD20FAC64C50}" srcId="{D4696E65-4A85-4195-86BD-F4C8AAAE1C0D}" destId="{F3B92214-C974-46BE-89EF-06973832D984}" srcOrd="0" destOrd="0" parTransId="{261C7A3C-00EA-453A-9884-904B22091932}" sibTransId="{63CA161D-71AE-4ECB-99C7-0E10D08EAD4E}"/>
     <dgm:cxn modelId="{9E52BF4E-5081-4487-AD70-5E3F2A961E94}" srcId="{CC188287-CD1B-4AE3-B643-6625EE0595E2}" destId="{EF911249-EFB7-4DB9-98A0-C13852BB19B8}" srcOrd="0" destOrd="0" parTransId="{74D9BC2E-F670-4955-983B-8686934B59EE}" sibTransId="{B2464F11-6DAF-4F34-94F9-0F5F5A2BCE95}"/>
     <dgm:cxn modelId="{DEAD5086-F938-480F-B325-D0F221C408D9}" srcId="{7A0D024E-9346-4D86-AE79-A76B5DE11293}" destId="{B953EC99-2FAD-432C-8610-2624B43118BA}" srcOrd="1" destOrd="0" parTransId="{673ABCBF-B973-4429-9531-FB0EEDF83DA9}" sibTransId="{13BB8E77-DF78-4F88-835C-8FBEB125F631}"/>
     <dgm:cxn modelId="{E29847E8-88CC-4511-B76D-A5E683A57296}" type="presOf" srcId="{F52BFB74-2CD7-4C74-942A-25DBB9AA2915}" destId="{50C632A4-B919-46A5-AF1A-30702345ECD3}" srcOrd="0" destOrd="0" presId="urn:microsoft.com/office/officeart/2005/8/layout/hList1"/>
@@ -6563,8 +6798,6 @@
     <dgm:cxn modelId="{126A475F-6C9D-41F0-A441-E3CE3E392A53}" type="presOf" srcId="{B174EC85-F1E5-4032-84A2-C3E31362664E}" destId="{72951E78-9611-4A63-A78F-41828E41683A}" srcOrd="0" destOrd="0" presId="urn:microsoft.com/office/officeart/2005/8/layout/hList1"/>
     <dgm:cxn modelId="{15FF536B-2F2A-4078-B3D4-8EBA49615735}" type="presOf" srcId="{3FD5FD37-C24E-4E56-866F-E5E0D0B08D92}" destId="{50C632A4-B919-46A5-AF1A-30702345ECD3}" srcOrd="0" destOrd="2" presId="urn:microsoft.com/office/officeart/2005/8/layout/hList1"/>
     <dgm:cxn modelId="{1320CA3D-52CD-42EE-8EE2-E551D5519892}" type="presOf" srcId="{426348B9-E1D6-4CC9-BAFD-F5EAED8DF95B}" destId="{ABB216B2-FB80-4CA8-AFB5-B752ADED21DE}" srcOrd="0" destOrd="4" presId="urn:microsoft.com/office/officeart/2005/8/layout/hList1"/>
-    <dgm:cxn modelId="{D9771852-F99E-4E67-B98E-2C1EA724AE53}" srcId="{49BF5DAA-0FAC-4602-AC74-6941C6C6BCB2}" destId="{D4696E65-4A85-4195-86BD-F4C8AAAE1C0D}" srcOrd="2" destOrd="0" parTransId="{3E0FAD27-C229-4EA2-8F44-D4C3C0C1895D}" sibTransId="{90B6643B-D001-4ABE-9E81-5D433FE0CFE9}"/>
-    <dgm:cxn modelId="{4727A8D4-FFC4-47CF-B135-879164D14D82}" type="presOf" srcId="{D4696E65-4A85-4195-86BD-F4C8AAAE1C0D}" destId="{ABB216B2-FB80-4CA8-AFB5-B752ADED21DE}" srcOrd="0" destOrd="6" presId="urn:microsoft.com/office/officeart/2005/8/layout/hList1"/>
     <dgm:cxn modelId="{0F236EB5-1589-42C9-8163-8A3D37818710}" type="presOf" srcId="{06EA3AF0-5233-4148-9570-436A9FB37A06}" destId="{50C632A4-B919-46A5-AF1A-30702345ECD3}" srcOrd="0" destOrd="1" presId="urn:microsoft.com/office/officeart/2005/8/layout/hList1"/>
     <dgm:cxn modelId="{AEA1ECAB-FFB5-4042-BD5A-ED93B0C842AB}" type="presOf" srcId="{7A0D024E-9346-4D86-AE79-A76B5DE11293}" destId="{ABB216B2-FB80-4CA8-AFB5-B752ADED21DE}" srcOrd="0" destOrd="3" presId="urn:microsoft.com/office/officeart/2005/8/layout/hList1"/>
     <dgm:cxn modelId="{E2FCF012-64E6-43A0-AEAC-ECC241A7BEEE}" type="presOf" srcId="{B953EC99-2FAD-432C-8610-2624B43118BA}" destId="{ABB216B2-FB80-4CA8-AFB5-B752ADED21DE}" srcOrd="0" destOrd="5" presId="urn:microsoft.com/office/officeart/2005/8/layout/hList1"/>
@@ -6665,7 +6898,7 @@
         <a:fontRef idx="minor"/>
       </dsp:style>
     </dsp:sp>
-    <dsp:sp modelId="{5B084459-FB95-42C9-8D52-80E46892DA63}">
+    <dsp:sp modelId="{E40C5F05-0338-45A8-B7D0-E8A053335D38}">
       <dsp:nvSpPr>
         <dsp:cNvPr id="0" name=""/>
         <dsp:cNvSpPr/>
@@ -6673,7 +6906,7 @@
       <dsp:spPr>
         <a:xfrm>
           <a:off x="10612108" y="3910658"/>
-          <a:ext cx="1011960" cy="225642"/>
+          <a:ext cx="505980" cy="225642"/>
         </a:xfrm>
         <a:custGeom>
           <a:avLst/>
@@ -6690,10 +6923,10 @@
                 <a:pt x="0" y="134517"/>
               </a:lnTo>
               <a:lnTo>
-                <a:pt x="1011960" y="134517"/>
+                <a:pt x="505980" y="134517"/>
               </a:lnTo>
               <a:lnTo>
-                <a:pt x="1011960" y="225642"/>
+                <a:pt x="505980" y="225642"/>
               </a:lnTo>
             </a:path>
           </a:pathLst>
@@ -6727,15 +6960,15 @@
         <a:fontRef idx="minor"/>
       </dsp:style>
     </dsp:sp>
-    <dsp:sp modelId="{E40C5F05-0338-45A8-B7D0-E8A053335D38}">
+    <dsp:sp modelId="{A1C40F7D-B33A-4D66-8640-9219BB096776}">
       <dsp:nvSpPr>
         <dsp:cNvPr id="0" name=""/>
         <dsp:cNvSpPr/>
       </dsp:nvSpPr>
       <dsp:spPr>
         <a:xfrm>
-          <a:off x="10566388" y="3910658"/>
-          <a:ext cx="91440" cy="225642"/>
+          <a:off x="10106128" y="3910658"/>
+          <a:ext cx="505980" cy="225642"/>
         </a:xfrm>
         <a:custGeom>
           <a:avLst/>
@@ -6746,66 +6979,10 @@
           <a:pathLst>
             <a:path>
               <a:moveTo>
-                <a:pt x="45720" y="0"/>
+                <a:pt x="505980" y="0"/>
               </a:moveTo>
               <a:lnTo>
-                <a:pt x="45720" y="225642"/>
-              </a:lnTo>
-            </a:path>
-          </a:pathLst>
-        </a:custGeom>
-        <a:noFill/>
-        <a:ln w="12700" cap="flat" cmpd="sng" algn="ctr">
-          <a:solidFill>
-            <a:schemeClr val="accent1">
-              <a:shade val="80000"/>
-              <a:hueOff val="0"/>
-              <a:satOff val="0"/>
-              <a:lumOff val="0"/>
-              <a:alphaOff val="0"/>
-            </a:schemeClr>
-          </a:solidFill>
-          <a:prstDash val="solid"/>
-          <a:miter lim="800000"/>
-        </a:ln>
-        <a:effectLst/>
-      </dsp:spPr>
-      <dsp:style>
-        <a:lnRef idx="2">
-          <a:scrgbClr r="0" g="0" b="0"/>
-        </a:lnRef>
-        <a:fillRef idx="0">
-          <a:scrgbClr r="0" g="0" b="0"/>
-        </a:fillRef>
-        <a:effectRef idx="0">
-          <a:scrgbClr r="0" g="0" b="0"/>
-        </a:effectRef>
-        <a:fontRef idx="minor"/>
-      </dsp:style>
-    </dsp:sp>
-    <dsp:sp modelId="{A1C40F7D-B33A-4D66-8640-9219BB096776}">
-      <dsp:nvSpPr>
-        <dsp:cNvPr id="0" name=""/>
-        <dsp:cNvSpPr/>
-      </dsp:nvSpPr>
-      <dsp:spPr>
-        <a:xfrm>
-          <a:off x="9600148" y="3910658"/>
-          <a:ext cx="1011960" cy="225642"/>
-        </a:xfrm>
-        <a:custGeom>
-          <a:avLst/>
-          <a:gdLst/>
-          <a:ahLst/>
-          <a:cxnLst/>
-          <a:rect l="0" t="0" r="0" b="0"/>
-          <a:pathLst>
-            <a:path>
-              <a:moveTo>
-                <a:pt x="1011960" y="0"/>
-              </a:moveTo>
-              <a:lnTo>
-                <a:pt x="1011960" y="134517"/>
+                <a:pt x="505980" y="134517"/>
               </a:lnTo>
               <a:lnTo>
                 <a:pt x="0" y="134517"/>
@@ -8321,8 +8498,8 @@
             </a:spcAft>
           </a:pPr>
           <a:r>
-            <a:rPr lang="en-US" sz="800" kern="1200" dirty="0" smtClean="0"/>
-            <a:t>TBD</a:t>
+            <a:rPr lang="en-US" sz="800" kern="1200" dirty="0" err="1" smtClean="0"/>
+            <a:t>Lý</a:t>
           </a:r>
           <a:endParaRPr lang="en-US" sz="800" kern="1200" dirty="0"/>
         </a:p>
@@ -8484,8 +8661,8 @@
             </a:spcAft>
           </a:pPr>
           <a:r>
-            <a:rPr lang="en-US" sz="800" kern="1200" dirty="0" smtClean="0"/>
-            <a:t>No change</a:t>
+            <a:rPr lang="en-US" sz="800" kern="1200" dirty="0" err="1" smtClean="0"/>
+            <a:t>Lý</a:t>
           </a:r>
           <a:endParaRPr lang="en-US" sz="800" kern="1200" dirty="0"/>
         </a:p>
@@ -8647,8 +8824,8 @@
             </a:spcAft>
           </a:pPr>
           <a:r>
-            <a:rPr lang="en-US" sz="800" kern="1200" dirty="0" smtClean="0"/>
-            <a:t>TBD</a:t>
+            <a:rPr lang="en-US" sz="800" kern="1200" dirty="0" err="1" smtClean="0"/>
+            <a:t>Viễn</a:t>
           </a:r>
           <a:endParaRPr lang="en-US" sz="800" kern="1200" dirty="0"/>
         </a:p>
@@ -8973,8 +9150,8 @@
             </a:spcAft>
           </a:pPr>
           <a:r>
-            <a:rPr lang="en-US" sz="800" kern="1200" dirty="0" smtClean="0"/>
-            <a:t>TBD</a:t>
+            <a:rPr lang="en-US" sz="800" kern="1200" dirty="0" err="1" smtClean="0"/>
+            <a:t>Viễn</a:t>
           </a:r>
           <a:endParaRPr lang="en-US" sz="800" kern="1200" dirty="0"/>
         </a:p>
@@ -9633,8 +9810,16 @@
             </a:spcAft>
           </a:pPr>
           <a:r>
+            <a:rPr lang="en-US" sz="800" kern="1200" dirty="0" err="1" smtClean="0"/>
+            <a:t>Quang</a:t>
+          </a:r>
+          <a:r>
             <a:rPr lang="en-US" sz="800" kern="1200" dirty="0" smtClean="0"/>
-            <a:t>TBD</a:t>
+            <a:t> + </a:t>
+          </a:r>
+          <a:r>
+            <a:rPr lang="en-US" sz="800" kern="1200" dirty="0" err="1" smtClean="0"/>
+            <a:t>Lý</a:t>
           </a:r>
           <a:endParaRPr lang="en-US" sz="800" kern="1200" dirty="0"/>
         </a:p>
@@ -10563,7 +10748,7 @@
                 <a:noFill/>
               </a:ln>
             </a:rPr>
-            <a:t>Android app</a:t>
+            <a:t>Android phone</a:t>
           </a:r>
           <a:endParaRPr lang="en-US" sz="1000" kern="1200" dirty="0">
             <a:ln>
@@ -10644,9 +10829,13 @@
           </a:pPr>
           <a:r>
             <a:rPr lang="en-US" sz="800" kern="1200" dirty="0" smtClean="0"/>
-            <a:t>C + Q + T + L</a:t>
+            <a:t>Chung + </a:t>
           </a:r>
-          <a:endParaRPr lang="en-US" sz="800" kern="1200" dirty="0"/>
+          <a:r>
+            <a:rPr lang="en-US" sz="800" kern="1200" dirty="0" err="1" smtClean="0"/>
+            <a:t>Thành</a:t>
+          </a:r>
+          <a:endParaRPr lang="en-US" sz="800" kern="1200" dirty="0" smtClean="0"/>
         </a:p>
       </dsp:txBody>
       <dsp:txXfrm>
@@ -10661,7 +10850,7 @@
       </dsp:nvSpPr>
       <dsp:spPr>
         <a:xfrm>
-          <a:off x="9223006" y="4136301"/>
+          <a:off x="9728986" y="4136301"/>
           <a:ext cx="754282" cy="390534"/>
         </a:xfrm>
         <a:prstGeom prst="rect">
@@ -10736,7 +10925,7 @@
         </a:p>
       </dsp:txBody>
       <dsp:txXfrm>
-        <a:off x="9223006" y="4136301"/>
+        <a:off x="9728986" y="4136301"/>
         <a:ext cx="754282" cy="390534"/>
       </dsp:txXfrm>
     </dsp:sp>
@@ -10747,7 +10936,7 @@
       </dsp:nvSpPr>
       <dsp:spPr>
         <a:xfrm>
-          <a:off x="9373863" y="4440049"/>
+          <a:off x="9879843" y="4440049"/>
           <a:ext cx="678854" cy="130178"/>
         </a:xfrm>
         <a:prstGeom prst="rect">
@@ -10813,7 +11002,7 @@
         </a:p>
       </dsp:txBody>
       <dsp:txXfrm>
-        <a:off x="9373863" y="4440049"/>
+        <a:off x="9879843" y="4440049"/>
         <a:ext cx="678854" cy="130178"/>
       </dsp:txXfrm>
     </dsp:sp>
@@ -10824,7 +11013,7 @@
       </dsp:nvSpPr>
       <dsp:spPr>
         <a:xfrm>
-          <a:off x="10234967" y="4136301"/>
+          <a:off x="10740947" y="4136301"/>
           <a:ext cx="754282" cy="390534"/>
         </a:xfrm>
         <a:prstGeom prst="rect">
@@ -10899,7 +11088,7 @@
         </a:p>
       </dsp:txBody>
       <dsp:txXfrm>
-        <a:off x="10234967" y="4136301"/>
+        <a:off x="10740947" y="4136301"/>
         <a:ext cx="754282" cy="390534"/>
       </dsp:txXfrm>
     </dsp:sp>
@@ -10910,7 +11099,7 @@
       </dsp:nvSpPr>
       <dsp:spPr>
         <a:xfrm>
-          <a:off x="10385823" y="4440049"/>
+          <a:off x="10891804" y="4440049"/>
           <a:ext cx="678854" cy="130178"/>
         </a:xfrm>
         <a:prstGeom prst="rect">
@@ -10976,178 +11165,7 @@
         </a:p>
       </dsp:txBody>
       <dsp:txXfrm>
-        <a:off x="10385823" y="4440049"/>
-        <a:ext cx="678854" cy="130178"/>
-      </dsp:txXfrm>
-    </dsp:sp>
-    <dsp:sp modelId="{28C31169-EC05-4603-96D5-FA22A046780E}">
-      <dsp:nvSpPr>
-        <dsp:cNvPr id="0" name=""/>
-        <dsp:cNvSpPr/>
-      </dsp:nvSpPr>
-      <dsp:spPr>
-        <a:xfrm>
-          <a:off x="11246927" y="4136301"/>
-          <a:ext cx="754282" cy="390534"/>
-        </a:xfrm>
-        <a:prstGeom prst="rect">
-          <a:avLst/>
-        </a:prstGeom>
-        <a:solidFill>
-          <a:schemeClr val="accent1">
-            <a:hueOff val="0"/>
-            <a:satOff val="0"/>
-            <a:lumOff val="0"/>
-            <a:alphaOff val="0"/>
-          </a:schemeClr>
-        </a:solidFill>
-        <a:ln w="12700" cap="flat" cmpd="sng" algn="ctr">
-          <a:solidFill>
-            <a:schemeClr val="lt1">
-              <a:hueOff val="0"/>
-              <a:satOff val="0"/>
-              <a:lumOff val="0"/>
-              <a:alphaOff val="0"/>
-            </a:schemeClr>
-          </a:solidFill>
-          <a:prstDash val="solid"/>
-          <a:miter lim="800000"/>
-        </a:ln>
-        <a:effectLst/>
-      </dsp:spPr>
-      <dsp:style>
-        <a:lnRef idx="2">
-          <a:scrgbClr r="0" g="0" b="0"/>
-        </a:lnRef>
-        <a:fillRef idx="1">
-          <a:scrgbClr r="0" g="0" b="0"/>
-        </a:fillRef>
-        <a:effectRef idx="0">
-          <a:scrgbClr r="0" g="0" b="0"/>
-        </a:effectRef>
-        <a:fontRef idx="minor">
-          <a:schemeClr val="lt1"/>
-        </a:fontRef>
-      </dsp:style>
-      <dsp:txBody>
-        <a:bodyPr spcFirstLastPara="0" vert="horz" wrap="square" lIns="6350" tIns="6350" rIns="6350" bIns="55109" numCol="1" spcCol="1270" anchor="ctr" anchorCtr="0">
-          <a:noAutofit/>
-        </a:bodyPr>
-        <a:lstStyle/>
-        <a:p>
-          <a:pPr lvl="0" algn="ctr" defTabSz="444500">
-            <a:lnSpc>
-              <a:spcPct val="90000"/>
-            </a:lnSpc>
-            <a:spcBef>
-              <a:spcPct val="0"/>
-            </a:spcBef>
-            <a:spcAft>
-              <a:spcPct val="35000"/>
-            </a:spcAft>
-          </a:pPr>
-          <a:r>
-            <a:rPr lang="en-US" sz="1000" kern="1200" dirty="0" smtClean="0">
-              <a:ln>
-                <a:noFill/>
-              </a:ln>
-            </a:rPr>
-            <a:t>Connect server</a:t>
-          </a:r>
-          <a:endParaRPr lang="en-US" sz="1000" kern="1200" dirty="0">
-            <a:ln>
-              <a:noFill/>
-            </a:ln>
-          </a:endParaRPr>
-        </a:p>
-      </dsp:txBody>
-      <dsp:txXfrm>
-        <a:off x="11246927" y="4136301"/>
-        <a:ext cx="754282" cy="390534"/>
-      </dsp:txXfrm>
-    </dsp:sp>
-    <dsp:sp modelId="{7F716FD6-172F-4228-B3DC-34B93A56214D}">
-      <dsp:nvSpPr>
-        <dsp:cNvPr id="0" name=""/>
-        <dsp:cNvSpPr/>
-      </dsp:nvSpPr>
-      <dsp:spPr>
-        <a:xfrm>
-          <a:off x="11397784" y="4440049"/>
-          <a:ext cx="678854" cy="130178"/>
-        </a:xfrm>
-        <a:prstGeom prst="rect">
-          <a:avLst/>
-        </a:prstGeom>
-        <a:solidFill>
-          <a:schemeClr val="lt1">
-            <a:alpha val="90000"/>
-            <a:hueOff val="0"/>
-            <a:satOff val="0"/>
-            <a:lumOff val="0"/>
-            <a:alphaOff val="0"/>
-          </a:schemeClr>
-        </a:solidFill>
-        <a:ln w="12700" cap="flat" cmpd="sng" algn="ctr">
-          <a:solidFill>
-            <a:schemeClr val="accent1">
-              <a:hueOff val="0"/>
-              <a:satOff val="0"/>
-              <a:lumOff val="0"/>
-              <a:alphaOff val="0"/>
-            </a:schemeClr>
-          </a:solidFill>
-          <a:prstDash val="solid"/>
-          <a:miter lim="800000"/>
-        </a:ln>
-        <a:effectLst/>
-      </dsp:spPr>
-      <dsp:style>
-        <a:lnRef idx="2">
-          <a:scrgbClr r="0" g="0" b="0"/>
-        </a:lnRef>
-        <a:fillRef idx="1">
-          <a:scrgbClr r="0" g="0" b="0"/>
-        </a:fillRef>
-        <a:effectRef idx="0">
-          <a:scrgbClr r="0" g="0" b="0"/>
-        </a:effectRef>
-        <a:fontRef idx="minor"/>
-      </dsp:style>
-      <dsp:txBody>
-        <a:bodyPr spcFirstLastPara="0" vert="horz" wrap="square" lIns="20320" tIns="5080" rIns="20320" bIns="5080" numCol="1" spcCol="1270" anchor="ctr" anchorCtr="0">
-          <a:noAutofit/>
-        </a:bodyPr>
-        <a:lstStyle/>
-        <a:p>
-          <a:pPr lvl="0" algn="r" defTabSz="355600">
-            <a:lnSpc>
-              <a:spcPct val="90000"/>
-            </a:lnSpc>
-            <a:spcBef>
-              <a:spcPct val="0"/>
-            </a:spcBef>
-            <a:spcAft>
-              <a:spcPct val="35000"/>
-            </a:spcAft>
-          </a:pPr>
-          <a:r>
-            <a:rPr lang="en-US" sz="800" kern="1200" dirty="0" err="1" smtClean="0"/>
-            <a:t>Quang</a:t>
-          </a:r>
-          <a:r>
-            <a:rPr lang="en-US" sz="800" kern="1200" dirty="0" smtClean="0"/>
-            <a:t> + </a:t>
-          </a:r>
-          <a:r>
-            <a:rPr lang="en-US" sz="800" kern="1200" dirty="0" err="1" smtClean="0"/>
-            <a:t>Lý</a:t>
-          </a:r>
-          <a:endParaRPr lang="en-US" sz="800" kern="1200" dirty="0"/>
-        </a:p>
-      </dsp:txBody>
-      <dsp:txXfrm>
-        <a:off x="11397784" y="4440049"/>
+        <a:off x="10891804" y="4440049"/>
         <a:ext cx="678854" cy="130178"/>
       </dsp:txXfrm>
     </dsp:sp>
@@ -11341,8 +11359,8 @@
       </dsp:nvSpPr>
       <dsp:spPr>
         <a:xfrm>
-          <a:off x="4881" y="733134"/>
-          <a:ext cx="2134143" cy="1280486"/>
+          <a:off x="674682" y="963"/>
+          <a:ext cx="1876527" cy="1125916"/>
         </a:xfrm>
         <a:prstGeom prst="roundRect">
           <a:avLst>
@@ -11386,12 +11404,12 @@
         </a:fontRef>
       </dsp:style>
       <dsp:txBody>
-        <a:bodyPr spcFirstLastPara="0" vert="horz" wrap="square" lIns="53340" tIns="53340" rIns="53340" bIns="53340" numCol="1" spcCol="1270" anchor="ctr" anchorCtr="0">
+        <a:bodyPr spcFirstLastPara="0" vert="horz" wrap="square" lIns="64770" tIns="64770" rIns="64770" bIns="64770" numCol="1" spcCol="1270" anchor="ctr" anchorCtr="0">
           <a:noAutofit/>
         </a:bodyPr>
         <a:lstStyle/>
         <a:p>
-          <a:pPr lvl="0" algn="ctr" defTabSz="622300">
+          <a:pPr lvl="0" algn="ctr" defTabSz="755650">
             <a:lnSpc>
               <a:spcPct val="90000"/>
             </a:lnSpc>
@@ -11403,15 +11421,15 @@
             </a:spcAft>
           </a:pPr>
           <a:r>
-            <a:rPr lang="en-US" sz="1400" kern="1200" dirty="0" smtClean="0"/>
+            <a:rPr lang="en-US" sz="1700" kern="1200" dirty="0" smtClean="0"/>
             <a:t>main() start</a:t>
           </a:r>
-          <a:endParaRPr lang="en-US" sz="1400" kern="1200" dirty="0"/>
+          <a:endParaRPr lang="en-US" sz="1700" kern="1200" dirty="0"/>
         </a:p>
       </dsp:txBody>
       <dsp:txXfrm>
-        <a:off x="42385" y="770638"/>
-        <a:ext cx="2059135" cy="1205478"/>
+        <a:off x="707659" y="33940"/>
+        <a:ext cx="1810573" cy="1059962"/>
       </dsp:txXfrm>
     </dsp:sp>
     <dsp:sp modelId="{7E7752DD-DCDB-41B0-B094-2281FBAA8726}">
@@ -11421,8 +11439,8 @@
       </dsp:nvSpPr>
       <dsp:spPr>
         <a:xfrm>
-          <a:off x="2326829" y="1108744"/>
-          <a:ext cx="452438" cy="529267"/>
+          <a:off x="2716344" y="331232"/>
+          <a:ext cx="397823" cy="465378"/>
         </a:xfrm>
         <a:prstGeom prst="rightArrow">
           <a:avLst>
@@ -11464,7 +11482,7 @@
         </a:bodyPr>
         <a:lstStyle/>
         <a:p>
-          <a:pPr lvl="0" algn="ctr" defTabSz="488950">
+          <a:pPr lvl="0" algn="ctr" defTabSz="622300">
             <a:lnSpc>
               <a:spcPct val="90000"/>
             </a:lnSpc>
@@ -11475,23 +11493,23 @@
               <a:spcPct val="35000"/>
             </a:spcAft>
           </a:pPr>
-          <a:endParaRPr lang="en-US" sz="1100" kern="1200"/>
+          <a:endParaRPr lang="en-US" sz="1400" kern="1200"/>
         </a:p>
       </dsp:txBody>
       <dsp:txXfrm>
-        <a:off x="2326829" y="1214597"/>
-        <a:ext cx="316707" cy="317561"/>
+        <a:off x="2716344" y="424308"/>
+        <a:ext cx="278476" cy="279226"/>
       </dsp:txXfrm>
     </dsp:sp>
-    <dsp:sp modelId="{AB8952E1-498E-4687-83A1-F8AF2E2FF49A}">
+    <dsp:sp modelId="{C552C226-DCF4-4C0B-9226-C4DC76870D11}">
       <dsp:nvSpPr>
         <dsp:cNvPr id="0" name=""/>
         <dsp:cNvSpPr/>
       </dsp:nvSpPr>
       <dsp:spPr>
         <a:xfrm>
-          <a:off x="2992682" y="733134"/>
-          <a:ext cx="2134143" cy="1280486"/>
+          <a:off x="3301821" y="963"/>
+          <a:ext cx="1876527" cy="1125916"/>
         </a:xfrm>
         <a:prstGeom prst="roundRect">
           <a:avLst>
@@ -11535,12 +11553,12 @@
         </a:fontRef>
       </dsp:style>
       <dsp:txBody>
-        <a:bodyPr spcFirstLastPara="0" vert="horz" wrap="square" lIns="53340" tIns="53340" rIns="53340" bIns="53340" numCol="1" spcCol="1270" anchor="ctr" anchorCtr="0">
+        <a:bodyPr spcFirstLastPara="0" vert="horz" wrap="square" lIns="64770" tIns="64770" rIns="64770" bIns="64770" numCol="1" spcCol="1270" anchor="t" anchorCtr="0">
           <a:noAutofit/>
         </a:bodyPr>
         <a:lstStyle/>
         <a:p>
-          <a:pPr lvl="0" algn="ctr" defTabSz="622300">
+          <a:pPr lvl="0" algn="l" defTabSz="755650">
             <a:lnSpc>
               <a:spcPct val="90000"/>
             </a:lnSpc>
@@ -11552,20 +11570,13 @@
             </a:spcAft>
           </a:pPr>
           <a:r>
-            <a:rPr lang="en-US" sz="1400" kern="1200" dirty="0" smtClean="0"/>
-            <a:t>Setup </a:t>
+            <a:rPr lang="en-US" sz="1700" kern="1200" dirty="0" smtClean="0"/>
+            <a:t>Setup</a:t>
           </a:r>
-          <a:r>
-            <a:rPr lang="en-US" sz="1400" kern="1200" dirty="0" err="1" smtClean="0"/>
-            <a:t>wifi</a:t>
-          </a:r>
-          <a:r>
-            <a:rPr lang="en-US" sz="1400" kern="1200" dirty="0" smtClean="0"/>
-            <a:t>, connect server, Bluetooth, audio, power blood pressure machine,</a:t>
-          </a:r>
-        </a:p>
-        <a:p>
-          <a:pPr lvl="0" algn="ctr" defTabSz="622300">
+          <a:endParaRPr lang="en-US" sz="1700" kern="1200" dirty="0"/>
+        </a:p>
+        <a:p>
+          <a:pPr marL="114300" lvl="1" indent="-114300" algn="l" defTabSz="577850">
             <a:lnSpc>
               <a:spcPct val="90000"/>
             </a:lnSpc>
@@ -11573,34 +11584,50 @@
               <a:spcPct val="0"/>
             </a:spcBef>
             <a:spcAft>
-              <a:spcPct val="35000"/>
+              <a:spcPct val="15000"/>
             </a:spcAft>
+            <a:buChar char="••"/>
           </a:pPr>
           <a:r>
-            <a:rPr lang="en-US" sz="1400" kern="1200" dirty="0" err="1" smtClean="0"/>
-            <a:t>Init</a:t>
+            <a:rPr lang="en-US" sz="1300" kern="1200" dirty="0" smtClean="0"/>
+            <a:t>Audio</a:t>
           </a:r>
+          <a:endParaRPr lang="en-US" sz="1300" kern="1200" dirty="0"/>
+        </a:p>
+        <a:p>
+          <a:pPr marL="114300" lvl="1" indent="-114300" algn="l" defTabSz="577850">
+            <a:lnSpc>
+              <a:spcPct val="90000"/>
+            </a:lnSpc>
+            <a:spcBef>
+              <a:spcPct val="0"/>
+            </a:spcBef>
+            <a:spcAft>
+              <a:spcPct val="15000"/>
+            </a:spcAft>
+            <a:buChar char="••"/>
+          </a:pPr>
           <a:r>
-            <a:rPr lang="en-US" sz="1400" kern="1200" dirty="0" smtClean="0"/>
-            <a:t> remain modules</a:t>
+            <a:rPr lang="en-US" sz="1300" kern="1200" dirty="0" smtClean="0"/>
+            <a:t>Bluetooth </a:t>
           </a:r>
-          <a:endParaRPr lang="en-US" sz="1400" kern="1200" dirty="0"/>
+          <a:endParaRPr lang="en-US" sz="1300" kern="1200" dirty="0"/>
         </a:p>
       </dsp:txBody>
       <dsp:txXfrm>
-        <a:off x="3030186" y="770638"/>
-        <a:ext cx="2059135" cy="1205478"/>
+        <a:off x="3334798" y="33940"/>
+        <a:ext cx="1810573" cy="1059962"/>
       </dsp:txXfrm>
     </dsp:sp>
-    <dsp:sp modelId="{DBC449A2-07CD-4265-AF17-18308526F9BE}">
+    <dsp:sp modelId="{4E482C98-6EFA-4C20-AE49-96BEB2724FA0}">
       <dsp:nvSpPr>
         <dsp:cNvPr id="0" name=""/>
         <dsp:cNvSpPr/>
       </dsp:nvSpPr>
       <dsp:spPr>
         <a:xfrm>
-          <a:off x="5314630" y="1108744"/>
-          <a:ext cx="452438" cy="529267"/>
+          <a:off x="5343483" y="331232"/>
+          <a:ext cx="397823" cy="465378"/>
         </a:xfrm>
         <a:prstGeom prst="rightArrow">
           <a:avLst>
@@ -11642,7 +11669,7 @@
         </a:bodyPr>
         <a:lstStyle/>
         <a:p>
-          <a:pPr lvl="0" algn="ctr" defTabSz="488950">
+          <a:pPr lvl="0" algn="ctr" defTabSz="622300">
             <a:lnSpc>
               <a:spcPct val="90000"/>
             </a:lnSpc>
@@ -11653,23 +11680,23 @@
               <a:spcPct val="35000"/>
             </a:spcAft>
           </a:pPr>
-          <a:endParaRPr lang="en-US" sz="1100" kern="1200"/>
+          <a:endParaRPr lang="en-US" sz="1400" kern="1200"/>
         </a:p>
       </dsp:txBody>
       <dsp:txXfrm>
-        <a:off x="5314630" y="1214597"/>
-        <a:ext cx="316707" cy="317561"/>
+        <a:off x="5343483" y="424308"/>
+        <a:ext cx="278476" cy="279226"/>
       </dsp:txXfrm>
     </dsp:sp>
-    <dsp:sp modelId="{9DCBE7C4-77E3-4D84-882B-7F8484E636DC}">
+    <dsp:sp modelId="{B6F5FD8B-2420-4FD2-A968-06EB999D45F8}">
       <dsp:nvSpPr>
         <dsp:cNvPr id="0" name=""/>
         <dsp:cNvSpPr/>
       </dsp:nvSpPr>
       <dsp:spPr>
         <a:xfrm>
-          <a:off x="5980483" y="733134"/>
-          <a:ext cx="2134143" cy="1280486"/>
+          <a:off x="5928960" y="963"/>
+          <a:ext cx="1876527" cy="1125916"/>
         </a:xfrm>
         <a:prstGeom prst="roundRect">
           <a:avLst>
@@ -11713,12 +11740,12 @@
         </a:fontRef>
       </dsp:style>
       <dsp:txBody>
-        <a:bodyPr spcFirstLastPara="0" vert="horz" wrap="square" lIns="53340" tIns="53340" rIns="53340" bIns="53340" numCol="1" spcCol="1270" anchor="ctr" anchorCtr="0">
+        <a:bodyPr spcFirstLastPara="0" vert="horz" wrap="square" lIns="64770" tIns="64770" rIns="64770" bIns="64770" numCol="1" spcCol="1270" anchor="ctr" anchorCtr="0">
           <a:noAutofit/>
         </a:bodyPr>
         <a:lstStyle/>
         <a:p>
-          <a:pPr lvl="0" algn="ctr" defTabSz="622300">
+          <a:pPr lvl="0" algn="ctr" defTabSz="755650">
             <a:lnSpc>
               <a:spcPct val="90000"/>
             </a:lnSpc>
@@ -11730,25 +11757,26 @@
             </a:spcAft>
           </a:pPr>
           <a:r>
-            <a:rPr lang="en-US" sz="1400" kern="1200" dirty="0" smtClean="0"/>
-            <a:t>Setup touch </a:t>
+            <a:rPr lang="en-US" sz="1700" kern="1200" dirty="0" smtClean="0"/>
+            <a:t>Power BP Machine on</a:t>
           </a:r>
+          <a:endParaRPr lang="en-US" sz="1700" kern="1200" dirty="0"/>
         </a:p>
       </dsp:txBody>
       <dsp:txXfrm>
-        <a:off x="6017987" y="770638"/>
-        <a:ext cx="2059135" cy="1205478"/>
+        <a:off x="5961937" y="33940"/>
+        <a:ext cx="1810573" cy="1059962"/>
       </dsp:txXfrm>
     </dsp:sp>
-    <dsp:sp modelId="{B96C6DDC-F963-4B90-A0A4-7D9FCD4D5E46}">
+    <dsp:sp modelId="{FE02FC1D-D3EB-4076-A80F-B80B5AAC7ABB}">
       <dsp:nvSpPr>
         <dsp:cNvPr id="0" name=""/>
         <dsp:cNvSpPr/>
       </dsp:nvSpPr>
       <dsp:spPr>
         <a:xfrm>
-          <a:off x="8302432" y="1108744"/>
-          <a:ext cx="452438" cy="529267"/>
+          <a:off x="7970623" y="331232"/>
+          <a:ext cx="397823" cy="465378"/>
         </a:xfrm>
         <a:prstGeom prst="rightArrow">
           <a:avLst>
@@ -11790,7 +11818,7 @@
         </a:bodyPr>
         <a:lstStyle/>
         <a:p>
-          <a:pPr lvl="0" algn="ctr" defTabSz="488950">
+          <a:pPr lvl="0" algn="ctr" defTabSz="622300">
             <a:lnSpc>
               <a:spcPct val="90000"/>
             </a:lnSpc>
@@ -11801,23 +11829,23 @@
               <a:spcPct val="35000"/>
             </a:spcAft>
           </a:pPr>
-          <a:endParaRPr lang="en-US" sz="1100" kern="1200"/>
+          <a:endParaRPr lang="en-US" sz="1400" kern="1200"/>
         </a:p>
       </dsp:txBody>
       <dsp:txXfrm>
-        <a:off x="8302432" y="1214597"/>
-        <a:ext cx="316707" cy="317561"/>
+        <a:off x="7970623" y="424308"/>
+        <a:ext cx="278476" cy="279226"/>
       </dsp:txXfrm>
     </dsp:sp>
-    <dsp:sp modelId="{6BFB2FC8-D0D9-4EF7-88E7-53C32EB04ED2}">
+    <dsp:sp modelId="{0631316F-807F-4C68-B220-03577B1939F8}">
       <dsp:nvSpPr>
         <dsp:cNvPr id="0" name=""/>
         <dsp:cNvSpPr/>
       </dsp:nvSpPr>
       <dsp:spPr>
         <a:xfrm>
-          <a:off x="8968285" y="733134"/>
-          <a:ext cx="2134143" cy="1280486"/>
+          <a:off x="8556099" y="963"/>
+          <a:ext cx="1876527" cy="1125916"/>
         </a:xfrm>
         <a:prstGeom prst="roundRect">
           <a:avLst>
@@ -11861,12 +11889,12 @@
         </a:fontRef>
       </dsp:style>
       <dsp:txBody>
-        <a:bodyPr spcFirstLastPara="0" vert="horz" wrap="square" lIns="53340" tIns="53340" rIns="53340" bIns="53340" numCol="1" spcCol="1270" anchor="ctr" anchorCtr="0">
+        <a:bodyPr spcFirstLastPara="0" vert="horz" wrap="square" lIns="64770" tIns="64770" rIns="64770" bIns="64770" numCol="1" spcCol="1270" anchor="ctr" anchorCtr="0">
           <a:noAutofit/>
         </a:bodyPr>
         <a:lstStyle/>
         <a:p>
-          <a:pPr lvl="0" algn="ctr" defTabSz="622300">
+          <a:pPr lvl="0" algn="ctr" defTabSz="755650">
             <a:lnSpc>
               <a:spcPct val="90000"/>
             </a:lnSpc>
@@ -11878,33 +11906,26 @@
             </a:spcAft>
           </a:pPr>
           <a:r>
-            <a:rPr lang="en-US" sz="1400" kern="1200" dirty="0" smtClean="0"/>
-            <a:t>Uno </a:t>
+            <a:rPr lang="en-US" sz="1700" kern="1200" dirty="0" smtClean="0"/>
+            <a:t>Initialize SpO2, Scale, Temperature module</a:t>
           </a:r>
-          <a:r>
-            <a:rPr lang="en-US" sz="1400" kern="1200" dirty="0" smtClean="0"/>
-            <a:t>measures </a:t>
-          </a:r>
-          <a:r>
-            <a:rPr lang="en-US" sz="1400" kern="1200" dirty="0" smtClean="0"/>
-            <a:t>height</a:t>
-          </a:r>
+          <a:endParaRPr lang="en-US" sz="1700" kern="1200" dirty="0"/>
         </a:p>
       </dsp:txBody>
       <dsp:txXfrm>
-        <a:off x="9005789" y="770638"/>
-        <a:ext cx="2059135" cy="1205478"/>
+        <a:off x="8589076" y="33940"/>
+        <a:ext cx="1810573" cy="1059962"/>
       </dsp:txXfrm>
     </dsp:sp>
-    <dsp:sp modelId="{0795C1ED-6176-4D71-8695-BFA260CD8DB5}">
+    <dsp:sp modelId="{9FEB6EAB-4890-41DE-90EE-B031032C219C}">
       <dsp:nvSpPr>
         <dsp:cNvPr id="0" name=""/>
         <dsp:cNvSpPr/>
       </dsp:nvSpPr>
       <dsp:spPr>
         <a:xfrm rot="5400000">
-          <a:off x="9809137" y="2163011"/>
-          <a:ext cx="452438" cy="529267"/>
+          <a:off x="9295451" y="1258237"/>
+          <a:ext cx="397823" cy="465378"/>
         </a:xfrm>
         <a:prstGeom prst="rightArrow">
           <a:avLst>
@@ -11946,7 +11967,7 @@
         </a:bodyPr>
         <a:lstStyle/>
         <a:p>
-          <a:pPr lvl="0" algn="ctr" defTabSz="488950">
+          <a:pPr lvl="0" algn="ctr" defTabSz="622300">
             <a:lnSpc>
               <a:spcPct val="90000"/>
             </a:lnSpc>
@@ -11957,23 +11978,23 @@
               <a:spcPct val="35000"/>
             </a:spcAft>
           </a:pPr>
-          <a:endParaRPr lang="en-US" sz="1100" kern="1200"/>
+          <a:endParaRPr lang="en-US" sz="1400" kern="1200"/>
         </a:p>
       </dsp:txBody>
       <dsp:txXfrm rot="-5400000">
-        <a:off x="9876576" y="2201426"/>
-        <a:ext cx="317561" cy="316707"/>
+        <a:off x="9354750" y="1292015"/>
+        <a:ext cx="279226" cy="278476"/>
       </dsp:txXfrm>
     </dsp:sp>
-    <dsp:sp modelId="{7202BC0E-BCCD-4749-B8AE-EAEB96710794}">
+    <dsp:sp modelId="{9DCBE7C4-77E3-4D84-882B-7F8484E636DC}">
       <dsp:nvSpPr>
         <dsp:cNvPr id="0" name=""/>
         <dsp:cNvSpPr/>
       </dsp:nvSpPr>
       <dsp:spPr>
         <a:xfrm>
-          <a:off x="8968285" y="2867278"/>
-          <a:ext cx="2134143" cy="1280486"/>
+          <a:off x="8556099" y="1877491"/>
+          <a:ext cx="1876527" cy="1125916"/>
         </a:xfrm>
         <a:prstGeom prst="roundRect">
           <a:avLst>
@@ -12017,12 +12038,12 @@
         </a:fontRef>
       </dsp:style>
       <dsp:txBody>
-        <a:bodyPr spcFirstLastPara="0" vert="horz" wrap="square" lIns="53340" tIns="53340" rIns="53340" bIns="53340" numCol="1" spcCol="1270" anchor="ctr" anchorCtr="0">
+        <a:bodyPr spcFirstLastPara="0" vert="horz" wrap="square" lIns="64770" tIns="64770" rIns="64770" bIns="64770" numCol="1" spcCol="1270" anchor="ctr" anchorCtr="0">
           <a:noAutofit/>
         </a:bodyPr>
         <a:lstStyle/>
         <a:p>
-          <a:pPr lvl="0" algn="ctr" defTabSz="622300">
+          <a:pPr lvl="0" algn="ctr" defTabSz="755650">
             <a:lnSpc>
               <a:spcPct val="90000"/>
             </a:lnSpc>
@@ -12034,25 +12055,25 @@
             </a:spcAft>
           </a:pPr>
           <a:r>
-            <a:rPr lang="en-US" sz="1400" kern="1200" dirty="0" smtClean="0"/>
-            <a:t>Pi measure Temperature, scale, SpO2, blood pressure</a:t>
+            <a:rPr lang="en-US" sz="1700" kern="1200" dirty="0" smtClean="0"/>
+            <a:t>Setup touch </a:t>
           </a:r>
         </a:p>
       </dsp:txBody>
       <dsp:txXfrm>
-        <a:off x="9005789" y="2904782"/>
-        <a:ext cx="2059135" cy="1205478"/>
+        <a:off x="8589076" y="1910468"/>
+        <a:ext cx="1810573" cy="1059962"/>
       </dsp:txXfrm>
     </dsp:sp>
-    <dsp:sp modelId="{28D40CE1-835B-4A7B-8244-943B63DB6594}">
+    <dsp:sp modelId="{B96C6DDC-F963-4B90-A0A4-7D9FCD4D5E46}">
       <dsp:nvSpPr>
         <dsp:cNvPr id="0" name=""/>
         <dsp:cNvSpPr/>
       </dsp:nvSpPr>
       <dsp:spPr>
         <a:xfrm rot="10800000">
-          <a:off x="8328041" y="3242888"/>
-          <a:ext cx="452438" cy="529267"/>
+          <a:off x="7993141" y="2207760"/>
+          <a:ext cx="397823" cy="465378"/>
         </a:xfrm>
         <a:prstGeom prst="rightArrow">
           <a:avLst>
@@ -12094,7 +12115,7 @@
         </a:bodyPr>
         <a:lstStyle/>
         <a:p>
-          <a:pPr lvl="0" algn="ctr" defTabSz="488950">
+          <a:pPr lvl="0" algn="ctr" defTabSz="622300">
             <a:lnSpc>
               <a:spcPct val="90000"/>
             </a:lnSpc>
@@ -12105,23 +12126,23 @@
               <a:spcPct val="35000"/>
             </a:spcAft>
           </a:pPr>
-          <a:endParaRPr lang="en-US" sz="1100" kern="1200"/>
+          <a:endParaRPr lang="en-US" sz="1400" kern="1200"/>
         </a:p>
       </dsp:txBody>
       <dsp:txXfrm rot="10800000">
-        <a:off x="8463772" y="3348741"/>
-        <a:ext cx="316707" cy="317561"/>
+        <a:off x="8112488" y="2300836"/>
+        <a:ext cx="278476" cy="279226"/>
       </dsp:txXfrm>
     </dsp:sp>
-    <dsp:sp modelId="{202B8E42-56EC-4F6F-B287-6BFE3E8911D1}">
+    <dsp:sp modelId="{6BFB2FC8-D0D9-4EF7-88E7-53C32EB04ED2}">
       <dsp:nvSpPr>
         <dsp:cNvPr id="0" name=""/>
         <dsp:cNvSpPr/>
       </dsp:nvSpPr>
       <dsp:spPr>
         <a:xfrm>
-          <a:off x="5980483" y="2867278"/>
-          <a:ext cx="2134143" cy="1280486"/>
+          <a:off x="5928960" y="1877491"/>
+          <a:ext cx="1876527" cy="1125916"/>
         </a:xfrm>
         <a:prstGeom prst="roundRect">
           <a:avLst>
@@ -12165,12 +12186,12 @@
         </a:fontRef>
       </dsp:style>
       <dsp:txBody>
-        <a:bodyPr spcFirstLastPara="0" vert="horz" wrap="square" lIns="53340" tIns="53340" rIns="53340" bIns="53340" numCol="1" spcCol="1270" anchor="ctr" anchorCtr="0">
+        <a:bodyPr spcFirstLastPara="0" vert="horz" wrap="square" lIns="64770" tIns="64770" rIns="64770" bIns="64770" numCol="1" spcCol="1270" anchor="ctr" anchorCtr="0">
           <a:noAutofit/>
         </a:bodyPr>
         <a:lstStyle/>
         <a:p>
-          <a:pPr lvl="0" algn="ctr" defTabSz="622300">
+          <a:pPr lvl="0" algn="ctr" defTabSz="755650">
             <a:lnSpc>
               <a:spcPct val="90000"/>
             </a:lnSpc>
@@ -12182,25 +12203,25 @@
             </a:spcAft>
           </a:pPr>
           <a:r>
-            <a:rPr lang="en-US" sz="1400" kern="1200" dirty="0" smtClean="0"/>
-            <a:t>Get outputs</a:t>
+            <a:rPr lang="en-US" sz="1700" kern="1200" dirty="0" smtClean="0"/>
+            <a:t>Uno measures height</a:t>
           </a:r>
         </a:p>
       </dsp:txBody>
       <dsp:txXfrm>
-        <a:off x="6017987" y="2904782"/>
-        <a:ext cx="2059135" cy="1205478"/>
+        <a:off x="5961937" y="1910468"/>
+        <a:ext cx="1810573" cy="1059962"/>
       </dsp:txXfrm>
     </dsp:sp>
-    <dsp:sp modelId="{F5157131-9131-47E0-91C7-C2708EA7DF4E}">
+    <dsp:sp modelId="{0795C1ED-6176-4D71-8695-BFA260CD8DB5}">
       <dsp:nvSpPr>
         <dsp:cNvPr id="0" name=""/>
         <dsp:cNvSpPr/>
       </dsp:nvSpPr>
       <dsp:spPr>
         <a:xfrm rot="10800000">
-          <a:off x="5340240" y="3242888"/>
-          <a:ext cx="452438" cy="529267"/>
+          <a:off x="5366002" y="2207760"/>
+          <a:ext cx="397823" cy="465378"/>
         </a:xfrm>
         <a:prstGeom prst="rightArrow">
           <a:avLst>
@@ -12242,7 +12263,7 @@
         </a:bodyPr>
         <a:lstStyle/>
         <a:p>
-          <a:pPr lvl="0" algn="ctr" defTabSz="488950">
+          <a:pPr lvl="0" algn="ctr" defTabSz="622300">
             <a:lnSpc>
               <a:spcPct val="90000"/>
             </a:lnSpc>
@@ -12253,23 +12274,23 @@
               <a:spcPct val="35000"/>
             </a:spcAft>
           </a:pPr>
-          <a:endParaRPr lang="en-US" sz="1100" kern="1200"/>
+          <a:endParaRPr lang="en-US" sz="1400" kern="1200"/>
         </a:p>
       </dsp:txBody>
       <dsp:txXfrm rot="10800000">
-        <a:off x="5475971" y="3348741"/>
-        <a:ext cx="316707" cy="317561"/>
+        <a:off x="5485349" y="2300836"/>
+        <a:ext cx="278476" cy="279226"/>
       </dsp:txXfrm>
     </dsp:sp>
-    <dsp:sp modelId="{89DADE2F-0EC1-44A0-92D9-021DF56E312B}">
+    <dsp:sp modelId="{7202BC0E-BCCD-4749-B8AE-EAEB96710794}">
       <dsp:nvSpPr>
         <dsp:cNvPr id="0" name=""/>
         <dsp:cNvSpPr/>
       </dsp:nvSpPr>
       <dsp:spPr>
         <a:xfrm>
-          <a:off x="2992682" y="2867278"/>
-          <a:ext cx="2134143" cy="1280486"/>
+          <a:off x="3301821" y="1877491"/>
+          <a:ext cx="1876527" cy="1125916"/>
         </a:xfrm>
         <a:prstGeom prst="roundRect">
           <a:avLst>
@@ -12313,12 +12334,12 @@
         </a:fontRef>
       </dsp:style>
       <dsp:txBody>
-        <a:bodyPr spcFirstLastPara="0" vert="horz" wrap="square" lIns="53340" tIns="53340" rIns="53340" bIns="53340" numCol="1" spcCol="1270" anchor="ctr" anchorCtr="0">
+        <a:bodyPr spcFirstLastPara="0" vert="horz" wrap="square" lIns="64770" tIns="64770" rIns="64770" bIns="64770" numCol="1" spcCol="1270" anchor="t" anchorCtr="0">
           <a:noAutofit/>
         </a:bodyPr>
         <a:lstStyle/>
         <a:p>
-          <a:pPr lvl="0" algn="ctr" defTabSz="622300">
+          <a:pPr lvl="0" algn="l" defTabSz="755650">
             <a:lnSpc>
               <a:spcPct val="90000"/>
             </a:lnSpc>
@@ -12330,25 +12351,68 @@
             </a:spcAft>
           </a:pPr>
           <a:r>
-            <a:rPr lang="en-US" sz="1400" kern="1200" dirty="0" smtClean="0"/>
-            <a:t>Send data to server</a:t>
+            <a:rPr lang="en-US" sz="1700" kern="1200" dirty="0" smtClean="0"/>
+            <a:t>Pi </a:t>
           </a:r>
+          <a:r>
+            <a:rPr lang="en-US" sz="1700" kern="1200" dirty="0" smtClean="0"/>
+            <a:t>measures</a:t>
+          </a:r>
+          <a:endParaRPr lang="en-US" sz="1700" kern="1200" dirty="0" smtClean="0"/>
+        </a:p>
+        <a:p>
+          <a:pPr marL="114300" lvl="1" indent="-114300" algn="l" defTabSz="577850">
+            <a:lnSpc>
+              <a:spcPct val="90000"/>
+            </a:lnSpc>
+            <a:spcBef>
+              <a:spcPct val="0"/>
+            </a:spcBef>
+            <a:spcAft>
+              <a:spcPct val="15000"/>
+            </a:spcAft>
+            <a:buChar char="••"/>
+          </a:pPr>
+          <a:r>
+            <a:rPr lang="en-US" sz="1300" kern="1200" dirty="0" smtClean="0"/>
+            <a:t>Scale</a:t>
+          </a:r>
+          <a:endParaRPr lang="en-US" sz="1300" kern="1200" dirty="0" smtClean="0"/>
+        </a:p>
+        <a:p>
+          <a:pPr marL="114300" lvl="1" indent="-114300" algn="l" defTabSz="577850">
+            <a:lnSpc>
+              <a:spcPct val="90000"/>
+            </a:lnSpc>
+            <a:spcBef>
+              <a:spcPct val="0"/>
+            </a:spcBef>
+            <a:spcAft>
+              <a:spcPct val="15000"/>
+            </a:spcAft>
+            <a:buChar char="••"/>
+          </a:pPr>
+          <a:r>
+            <a:rPr lang="en-US" sz="1300" kern="1200" dirty="0" smtClean="0"/>
+            <a:t>Temperature</a:t>
+          </a:r>
+          <a:endParaRPr lang="en-US" sz="1300" kern="1200" dirty="0" smtClean="0"/>
         </a:p>
       </dsp:txBody>
       <dsp:txXfrm>
-        <a:off x="3030186" y="2904782"/>
-        <a:ext cx="2059135" cy="1205478"/>
+        <a:off x="3334798" y="1910468"/>
+        <a:ext cx="1810573" cy="1059962"/>
       </dsp:txXfrm>
     </dsp:sp>
-    <dsp:sp modelId="{CD0FEDB8-BCC7-4F7B-BCF9-F14D929D684E}">
+    <dsp:sp modelId="{28D40CE1-835B-4A7B-8244-943B63DB6594}">
       <dsp:nvSpPr>
         <dsp:cNvPr id="0" name=""/>
         <dsp:cNvSpPr/>
       </dsp:nvSpPr>
       <dsp:spPr>
         <a:xfrm rot="10800000">
-          <a:off x="2352439" y="3242888"/>
-          <a:ext cx="452438" cy="529267"/>
+          <a:off x="2738863" y="2207760"/>
+          <a:ext cx="397823" cy="465378"/>
         </a:xfrm>
         <a:prstGeom prst="rightArrow">
           <a:avLst>
@@ -12390,7 +12454,7 @@
         </a:bodyPr>
         <a:lstStyle/>
         <a:p>
-          <a:pPr lvl="0" algn="ctr" defTabSz="488950">
+          <a:pPr lvl="0" algn="ctr" defTabSz="622300">
             <a:lnSpc>
               <a:spcPct val="90000"/>
             </a:lnSpc>
@@ -12401,23 +12465,23 @@
               <a:spcPct val="35000"/>
             </a:spcAft>
           </a:pPr>
-          <a:endParaRPr lang="en-US" sz="1100" kern="1200"/>
+          <a:endParaRPr lang="en-US" sz="1400" kern="1200"/>
         </a:p>
       </dsp:txBody>
       <dsp:txXfrm rot="10800000">
-        <a:off x="2488170" y="3348741"/>
-        <a:ext cx="316707" cy="317561"/>
+        <a:off x="2858210" y="2300836"/>
+        <a:ext cx="278476" cy="279226"/>
       </dsp:txXfrm>
     </dsp:sp>
-    <dsp:sp modelId="{C269A2E3-8621-4697-96C7-19DDAF8DBEF2}">
+    <dsp:sp modelId="{99A2F953-EC43-4E7D-895E-E6CCB05BF9AC}">
       <dsp:nvSpPr>
         <dsp:cNvPr id="0" name=""/>
         <dsp:cNvSpPr/>
       </dsp:nvSpPr>
       <dsp:spPr>
         <a:xfrm>
-          <a:off x="4881" y="2867278"/>
-          <a:ext cx="2134143" cy="1280486"/>
+          <a:off x="674682" y="1877491"/>
+          <a:ext cx="1876527" cy="1125916"/>
         </a:xfrm>
         <a:prstGeom prst="roundRect">
           <a:avLst>
@@ -12461,7 +12525,80 @@
         </a:fontRef>
       </dsp:style>
       <dsp:txBody>
-        <a:bodyPr spcFirstLastPara="0" vert="horz" wrap="square" lIns="53340" tIns="53340" rIns="53340" bIns="53340" numCol="1" spcCol="1270" anchor="ctr" anchorCtr="0">
+        <a:bodyPr spcFirstLastPara="0" vert="horz" wrap="square" lIns="64770" tIns="64770" rIns="64770" bIns="64770" numCol="1" spcCol="1270" anchor="ctr" anchorCtr="0">
+          <a:noAutofit/>
+        </a:bodyPr>
+        <a:lstStyle/>
+        <a:p>
+          <a:pPr lvl="0" algn="ctr" defTabSz="755650">
+            <a:lnSpc>
+              <a:spcPct val="90000"/>
+            </a:lnSpc>
+            <a:spcBef>
+              <a:spcPct val="0"/>
+            </a:spcBef>
+            <a:spcAft>
+              <a:spcPct val="35000"/>
+            </a:spcAft>
+          </a:pPr>
+          <a:r>
+            <a:rPr lang="en-US" sz="1700" kern="1200" dirty="0" smtClean="0"/>
+            <a:t>Pi measures SpO2</a:t>
+          </a:r>
+          <a:endParaRPr lang="en-US" sz="1700" kern="1200" dirty="0" smtClean="0"/>
+        </a:p>
+      </dsp:txBody>
+      <dsp:txXfrm>
+        <a:off x="707659" y="1910468"/>
+        <a:ext cx="1810573" cy="1059962"/>
+      </dsp:txXfrm>
+    </dsp:sp>
+    <dsp:sp modelId="{B0605081-2CC9-4157-A707-056A7E67F165}">
+      <dsp:nvSpPr>
+        <dsp:cNvPr id="0" name=""/>
+        <dsp:cNvSpPr/>
+      </dsp:nvSpPr>
+      <dsp:spPr>
+        <a:xfrm rot="5400000">
+          <a:off x="1414034" y="3134765"/>
+          <a:ext cx="397823" cy="465378"/>
+        </a:xfrm>
+        <a:prstGeom prst="rightArrow">
+          <a:avLst>
+            <a:gd name="adj1" fmla="val 60000"/>
+            <a:gd name="adj2" fmla="val 50000"/>
+          </a:avLst>
+        </a:prstGeom>
+        <a:solidFill>
+          <a:schemeClr val="accent1">
+            <a:tint val="60000"/>
+            <a:hueOff val="0"/>
+            <a:satOff val="0"/>
+            <a:lumOff val="0"/>
+            <a:alphaOff val="0"/>
+          </a:schemeClr>
+        </a:solidFill>
+        <a:ln>
+          <a:noFill/>
+        </a:ln>
+        <a:effectLst/>
+      </dsp:spPr>
+      <dsp:style>
+        <a:lnRef idx="0">
+          <a:scrgbClr r="0" g="0" b="0"/>
+        </a:lnRef>
+        <a:fillRef idx="1">
+          <a:scrgbClr r="0" g="0" b="0"/>
+        </a:fillRef>
+        <a:effectRef idx="0">
+          <a:scrgbClr r="0" g="0" b="0"/>
+        </a:effectRef>
+        <a:fontRef idx="minor">
+          <a:schemeClr val="lt1"/>
+        </a:fontRef>
+      </dsp:style>
+      <dsp:txBody>
+        <a:bodyPr spcFirstLastPara="0" vert="horz" wrap="square" lIns="0" tIns="0" rIns="0" bIns="0" numCol="1" spcCol="1270" anchor="ctr" anchorCtr="0">
           <a:noAutofit/>
         </a:bodyPr>
         <a:lstStyle/>
@@ -12477,15 +12614,545 @@
               <a:spcPct val="35000"/>
             </a:spcAft>
           </a:pPr>
+          <a:endParaRPr lang="en-US" sz="1400" kern="1200"/>
+        </a:p>
+      </dsp:txBody>
+      <dsp:txXfrm rot="-5400000">
+        <a:off x="1473333" y="3168543"/>
+        <a:ext cx="279226" cy="278476"/>
+      </dsp:txXfrm>
+    </dsp:sp>
+    <dsp:sp modelId="{56040DE5-8429-4ADC-872E-25108EC0DBDB}">
+      <dsp:nvSpPr>
+        <dsp:cNvPr id="0" name=""/>
+        <dsp:cNvSpPr/>
+      </dsp:nvSpPr>
+      <dsp:spPr>
+        <a:xfrm>
+          <a:off x="674682" y="3754019"/>
+          <a:ext cx="1876527" cy="1125916"/>
+        </a:xfrm>
+        <a:prstGeom prst="roundRect">
+          <a:avLst>
+            <a:gd name="adj" fmla="val 10000"/>
+          </a:avLst>
+        </a:prstGeom>
+        <a:solidFill>
+          <a:schemeClr val="accent1">
+            <a:hueOff val="0"/>
+            <a:satOff val="0"/>
+            <a:lumOff val="0"/>
+            <a:alphaOff val="0"/>
+          </a:schemeClr>
+        </a:solidFill>
+        <a:ln w="12700" cap="flat" cmpd="sng" algn="ctr">
+          <a:solidFill>
+            <a:schemeClr val="lt1">
+              <a:hueOff val="0"/>
+              <a:satOff val="0"/>
+              <a:lumOff val="0"/>
+              <a:alphaOff val="0"/>
+            </a:schemeClr>
+          </a:solidFill>
+          <a:prstDash val="solid"/>
+          <a:miter lim="800000"/>
+        </a:ln>
+        <a:effectLst/>
+      </dsp:spPr>
+      <dsp:style>
+        <a:lnRef idx="2">
+          <a:scrgbClr r="0" g="0" b="0"/>
+        </a:lnRef>
+        <a:fillRef idx="1">
+          <a:scrgbClr r="0" g="0" b="0"/>
+        </a:fillRef>
+        <a:effectRef idx="0">
+          <a:scrgbClr r="0" g="0" b="0"/>
+        </a:effectRef>
+        <a:fontRef idx="minor">
+          <a:schemeClr val="lt1"/>
+        </a:fontRef>
+      </dsp:style>
+      <dsp:txBody>
+        <a:bodyPr spcFirstLastPara="0" vert="horz" wrap="square" lIns="64770" tIns="64770" rIns="64770" bIns="64770" numCol="1" spcCol="1270" anchor="ctr" anchorCtr="0">
+          <a:noAutofit/>
+        </a:bodyPr>
+        <a:lstStyle/>
+        <a:p>
+          <a:pPr lvl="0" algn="ctr" defTabSz="755650">
+            <a:lnSpc>
+              <a:spcPct val="90000"/>
+            </a:lnSpc>
+            <a:spcBef>
+              <a:spcPct val="0"/>
+            </a:spcBef>
+            <a:spcAft>
+              <a:spcPct val="35000"/>
+            </a:spcAft>
+          </a:pPr>
           <a:r>
-            <a:rPr lang="en-US" sz="1400" kern="1200" dirty="0" smtClean="0"/>
+            <a:rPr lang="en-US" sz="1700" kern="1200" dirty="0" smtClean="0"/>
+            <a:t>Get </a:t>
+          </a:r>
+          <a:r>
+            <a:rPr lang="en-US" sz="1700" kern="1200" dirty="0" smtClean="0"/>
+            <a:t>blood </a:t>
+          </a:r>
+          <a:r>
+            <a:rPr lang="en-US" sz="1700" kern="1200" dirty="0" smtClean="0"/>
+            <a:t>pressure result</a:t>
+          </a:r>
+          <a:endParaRPr lang="en-US" sz="1700" kern="1200" dirty="0" smtClean="0"/>
+        </a:p>
+      </dsp:txBody>
+      <dsp:txXfrm>
+        <a:off x="707659" y="3786996"/>
+        <a:ext cx="1810573" cy="1059962"/>
+      </dsp:txXfrm>
+    </dsp:sp>
+    <dsp:sp modelId="{8875B72C-833D-4C06-88C7-8621517377BC}">
+      <dsp:nvSpPr>
+        <dsp:cNvPr id="0" name=""/>
+        <dsp:cNvSpPr/>
+      </dsp:nvSpPr>
+      <dsp:spPr>
+        <a:xfrm>
+          <a:off x="2716344" y="4084288"/>
+          <a:ext cx="397823" cy="465378"/>
+        </a:xfrm>
+        <a:prstGeom prst="rightArrow">
+          <a:avLst>
+            <a:gd name="adj1" fmla="val 60000"/>
+            <a:gd name="adj2" fmla="val 50000"/>
+          </a:avLst>
+        </a:prstGeom>
+        <a:solidFill>
+          <a:schemeClr val="accent1">
+            <a:tint val="60000"/>
+            <a:hueOff val="0"/>
+            <a:satOff val="0"/>
+            <a:lumOff val="0"/>
+            <a:alphaOff val="0"/>
+          </a:schemeClr>
+        </a:solidFill>
+        <a:ln>
+          <a:noFill/>
+        </a:ln>
+        <a:effectLst/>
+      </dsp:spPr>
+      <dsp:style>
+        <a:lnRef idx="0">
+          <a:scrgbClr r="0" g="0" b="0"/>
+        </a:lnRef>
+        <a:fillRef idx="1">
+          <a:scrgbClr r="0" g="0" b="0"/>
+        </a:fillRef>
+        <a:effectRef idx="0">
+          <a:scrgbClr r="0" g="0" b="0"/>
+        </a:effectRef>
+        <a:fontRef idx="minor">
+          <a:schemeClr val="lt1"/>
+        </a:fontRef>
+      </dsp:style>
+      <dsp:txBody>
+        <a:bodyPr spcFirstLastPara="0" vert="horz" wrap="square" lIns="0" tIns="0" rIns="0" bIns="0" numCol="1" spcCol="1270" anchor="ctr" anchorCtr="0">
+          <a:noAutofit/>
+        </a:bodyPr>
+        <a:lstStyle/>
+        <a:p>
+          <a:pPr lvl="0" algn="ctr" defTabSz="622300">
+            <a:lnSpc>
+              <a:spcPct val="90000"/>
+            </a:lnSpc>
+            <a:spcBef>
+              <a:spcPct val="0"/>
+            </a:spcBef>
+            <a:spcAft>
+              <a:spcPct val="35000"/>
+            </a:spcAft>
+          </a:pPr>
+          <a:endParaRPr lang="en-US" sz="1400" kern="1200"/>
+        </a:p>
+      </dsp:txBody>
+      <dsp:txXfrm>
+        <a:off x="2716344" y="4177364"/>
+        <a:ext cx="278476" cy="279226"/>
+      </dsp:txXfrm>
+    </dsp:sp>
+    <dsp:sp modelId="{202B8E42-56EC-4F6F-B287-6BFE3E8911D1}">
+      <dsp:nvSpPr>
+        <dsp:cNvPr id="0" name=""/>
+        <dsp:cNvSpPr/>
+      </dsp:nvSpPr>
+      <dsp:spPr>
+        <a:xfrm>
+          <a:off x="3301821" y="3754019"/>
+          <a:ext cx="1876527" cy="1125916"/>
+        </a:xfrm>
+        <a:prstGeom prst="roundRect">
+          <a:avLst>
+            <a:gd name="adj" fmla="val 10000"/>
+          </a:avLst>
+        </a:prstGeom>
+        <a:solidFill>
+          <a:schemeClr val="accent1">
+            <a:hueOff val="0"/>
+            <a:satOff val="0"/>
+            <a:lumOff val="0"/>
+            <a:alphaOff val="0"/>
+          </a:schemeClr>
+        </a:solidFill>
+        <a:ln w="12700" cap="flat" cmpd="sng" algn="ctr">
+          <a:solidFill>
+            <a:schemeClr val="lt1">
+              <a:hueOff val="0"/>
+              <a:satOff val="0"/>
+              <a:lumOff val="0"/>
+              <a:alphaOff val="0"/>
+            </a:schemeClr>
+          </a:solidFill>
+          <a:prstDash val="solid"/>
+          <a:miter lim="800000"/>
+        </a:ln>
+        <a:effectLst/>
+      </dsp:spPr>
+      <dsp:style>
+        <a:lnRef idx="2">
+          <a:scrgbClr r="0" g="0" b="0"/>
+        </a:lnRef>
+        <a:fillRef idx="1">
+          <a:scrgbClr r="0" g="0" b="0"/>
+        </a:fillRef>
+        <a:effectRef idx="0">
+          <a:scrgbClr r="0" g="0" b="0"/>
+        </a:effectRef>
+        <a:fontRef idx="minor">
+          <a:schemeClr val="lt1"/>
+        </a:fontRef>
+      </dsp:style>
+      <dsp:txBody>
+        <a:bodyPr spcFirstLastPara="0" vert="horz" wrap="square" lIns="64770" tIns="64770" rIns="64770" bIns="64770" numCol="1" spcCol="1270" anchor="ctr" anchorCtr="0">
+          <a:noAutofit/>
+        </a:bodyPr>
+        <a:lstStyle/>
+        <a:p>
+          <a:pPr lvl="0" algn="ctr" defTabSz="755650">
+            <a:lnSpc>
+              <a:spcPct val="90000"/>
+            </a:lnSpc>
+            <a:spcBef>
+              <a:spcPct val="0"/>
+            </a:spcBef>
+            <a:spcAft>
+              <a:spcPct val="35000"/>
+            </a:spcAft>
+          </a:pPr>
+          <a:r>
+            <a:rPr lang="en-US" sz="1700" kern="1200" dirty="0" smtClean="0"/>
+            <a:t>Prepare outputs</a:t>
+          </a:r>
+          <a:endParaRPr lang="en-US" sz="1700" kern="1200" dirty="0" smtClean="0"/>
+        </a:p>
+      </dsp:txBody>
+      <dsp:txXfrm>
+        <a:off x="3334798" y="3786996"/>
+        <a:ext cx="1810573" cy="1059962"/>
+      </dsp:txXfrm>
+    </dsp:sp>
+    <dsp:sp modelId="{F5157131-9131-47E0-91C7-C2708EA7DF4E}">
+      <dsp:nvSpPr>
+        <dsp:cNvPr id="0" name=""/>
+        <dsp:cNvSpPr/>
+      </dsp:nvSpPr>
+      <dsp:spPr>
+        <a:xfrm>
+          <a:off x="5343483" y="4084288"/>
+          <a:ext cx="397823" cy="465378"/>
+        </a:xfrm>
+        <a:prstGeom prst="rightArrow">
+          <a:avLst>
+            <a:gd name="adj1" fmla="val 60000"/>
+            <a:gd name="adj2" fmla="val 50000"/>
+          </a:avLst>
+        </a:prstGeom>
+        <a:solidFill>
+          <a:schemeClr val="accent1">
+            <a:tint val="60000"/>
+            <a:hueOff val="0"/>
+            <a:satOff val="0"/>
+            <a:lumOff val="0"/>
+            <a:alphaOff val="0"/>
+          </a:schemeClr>
+        </a:solidFill>
+        <a:ln>
+          <a:noFill/>
+        </a:ln>
+        <a:effectLst/>
+      </dsp:spPr>
+      <dsp:style>
+        <a:lnRef idx="0">
+          <a:scrgbClr r="0" g="0" b="0"/>
+        </a:lnRef>
+        <a:fillRef idx="1">
+          <a:scrgbClr r="0" g="0" b="0"/>
+        </a:fillRef>
+        <a:effectRef idx="0">
+          <a:scrgbClr r="0" g="0" b="0"/>
+        </a:effectRef>
+        <a:fontRef idx="minor">
+          <a:schemeClr val="lt1"/>
+        </a:fontRef>
+      </dsp:style>
+      <dsp:txBody>
+        <a:bodyPr spcFirstLastPara="0" vert="horz" wrap="square" lIns="0" tIns="0" rIns="0" bIns="0" numCol="1" spcCol="1270" anchor="ctr" anchorCtr="0">
+          <a:noAutofit/>
+        </a:bodyPr>
+        <a:lstStyle/>
+        <a:p>
+          <a:pPr lvl="0" algn="ctr" defTabSz="622300">
+            <a:lnSpc>
+              <a:spcPct val="90000"/>
+            </a:lnSpc>
+            <a:spcBef>
+              <a:spcPct val="0"/>
+            </a:spcBef>
+            <a:spcAft>
+              <a:spcPct val="35000"/>
+            </a:spcAft>
+          </a:pPr>
+          <a:endParaRPr lang="en-US" sz="1400" kern="1200"/>
+        </a:p>
+      </dsp:txBody>
+      <dsp:txXfrm>
+        <a:off x="5343483" y="4177364"/>
+        <a:ext cx="278476" cy="279226"/>
+      </dsp:txXfrm>
+    </dsp:sp>
+    <dsp:sp modelId="{89DADE2F-0EC1-44A0-92D9-021DF56E312B}">
+      <dsp:nvSpPr>
+        <dsp:cNvPr id="0" name=""/>
+        <dsp:cNvSpPr/>
+      </dsp:nvSpPr>
+      <dsp:spPr>
+        <a:xfrm>
+          <a:off x="5928960" y="3754019"/>
+          <a:ext cx="1876527" cy="1125916"/>
+        </a:xfrm>
+        <a:prstGeom prst="roundRect">
+          <a:avLst>
+            <a:gd name="adj" fmla="val 10000"/>
+          </a:avLst>
+        </a:prstGeom>
+        <a:solidFill>
+          <a:schemeClr val="accent1">
+            <a:hueOff val="0"/>
+            <a:satOff val="0"/>
+            <a:lumOff val="0"/>
+            <a:alphaOff val="0"/>
+          </a:schemeClr>
+        </a:solidFill>
+        <a:ln w="12700" cap="flat" cmpd="sng" algn="ctr">
+          <a:solidFill>
+            <a:schemeClr val="lt1">
+              <a:hueOff val="0"/>
+              <a:satOff val="0"/>
+              <a:lumOff val="0"/>
+              <a:alphaOff val="0"/>
+            </a:schemeClr>
+          </a:solidFill>
+          <a:prstDash val="solid"/>
+          <a:miter lim="800000"/>
+        </a:ln>
+        <a:effectLst/>
+      </dsp:spPr>
+      <dsp:style>
+        <a:lnRef idx="2">
+          <a:scrgbClr r="0" g="0" b="0"/>
+        </a:lnRef>
+        <a:fillRef idx="1">
+          <a:scrgbClr r="0" g="0" b="0"/>
+        </a:fillRef>
+        <a:effectRef idx="0">
+          <a:scrgbClr r="0" g="0" b="0"/>
+        </a:effectRef>
+        <a:fontRef idx="minor">
+          <a:schemeClr val="lt1"/>
+        </a:fontRef>
+      </dsp:style>
+      <dsp:txBody>
+        <a:bodyPr spcFirstLastPara="0" vert="horz" wrap="square" lIns="64770" tIns="64770" rIns="64770" bIns="64770" numCol="1" spcCol="1270" anchor="ctr" anchorCtr="0">
+          <a:noAutofit/>
+        </a:bodyPr>
+        <a:lstStyle/>
+        <a:p>
+          <a:pPr lvl="0" algn="ctr" defTabSz="755650">
+            <a:lnSpc>
+              <a:spcPct val="90000"/>
+            </a:lnSpc>
+            <a:spcBef>
+              <a:spcPct val="0"/>
+            </a:spcBef>
+            <a:spcAft>
+              <a:spcPct val="35000"/>
+            </a:spcAft>
+          </a:pPr>
+          <a:r>
+            <a:rPr lang="en-US" sz="1700" kern="1200" dirty="0" smtClean="0"/>
+            <a:t>Send data to server</a:t>
+          </a:r>
+        </a:p>
+      </dsp:txBody>
+      <dsp:txXfrm>
+        <a:off x="5961937" y="3786996"/>
+        <a:ext cx="1810573" cy="1059962"/>
+      </dsp:txXfrm>
+    </dsp:sp>
+    <dsp:sp modelId="{CD0FEDB8-BCC7-4F7B-BCF9-F14D929D684E}">
+      <dsp:nvSpPr>
+        <dsp:cNvPr id="0" name=""/>
+        <dsp:cNvSpPr/>
+      </dsp:nvSpPr>
+      <dsp:spPr>
+        <a:xfrm>
+          <a:off x="7970623" y="4084288"/>
+          <a:ext cx="397823" cy="465378"/>
+        </a:xfrm>
+        <a:prstGeom prst="rightArrow">
+          <a:avLst>
+            <a:gd name="adj1" fmla="val 60000"/>
+            <a:gd name="adj2" fmla="val 50000"/>
+          </a:avLst>
+        </a:prstGeom>
+        <a:solidFill>
+          <a:schemeClr val="accent1">
+            <a:tint val="60000"/>
+            <a:hueOff val="0"/>
+            <a:satOff val="0"/>
+            <a:lumOff val="0"/>
+            <a:alphaOff val="0"/>
+          </a:schemeClr>
+        </a:solidFill>
+        <a:ln>
+          <a:noFill/>
+        </a:ln>
+        <a:effectLst/>
+      </dsp:spPr>
+      <dsp:style>
+        <a:lnRef idx="0">
+          <a:scrgbClr r="0" g="0" b="0"/>
+        </a:lnRef>
+        <a:fillRef idx="1">
+          <a:scrgbClr r="0" g="0" b="0"/>
+        </a:fillRef>
+        <a:effectRef idx="0">
+          <a:scrgbClr r="0" g="0" b="0"/>
+        </a:effectRef>
+        <a:fontRef idx="minor">
+          <a:schemeClr val="lt1"/>
+        </a:fontRef>
+      </dsp:style>
+      <dsp:txBody>
+        <a:bodyPr spcFirstLastPara="0" vert="horz" wrap="square" lIns="0" tIns="0" rIns="0" bIns="0" numCol="1" spcCol="1270" anchor="ctr" anchorCtr="0">
+          <a:noAutofit/>
+        </a:bodyPr>
+        <a:lstStyle/>
+        <a:p>
+          <a:pPr lvl="0" algn="ctr" defTabSz="622300">
+            <a:lnSpc>
+              <a:spcPct val="90000"/>
+            </a:lnSpc>
+            <a:spcBef>
+              <a:spcPct val="0"/>
+            </a:spcBef>
+            <a:spcAft>
+              <a:spcPct val="35000"/>
+            </a:spcAft>
+          </a:pPr>
+          <a:endParaRPr lang="en-US" sz="1400" kern="1200"/>
+        </a:p>
+      </dsp:txBody>
+      <dsp:txXfrm>
+        <a:off x="7970623" y="4177364"/>
+        <a:ext cx="278476" cy="279226"/>
+      </dsp:txXfrm>
+    </dsp:sp>
+    <dsp:sp modelId="{C269A2E3-8621-4697-96C7-19DDAF8DBEF2}">
+      <dsp:nvSpPr>
+        <dsp:cNvPr id="0" name=""/>
+        <dsp:cNvSpPr/>
+      </dsp:nvSpPr>
+      <dsp:spPr>
+        <a:xfrm>
+          <a:off x="8556099" y="3754019"/>
+          <a:ext cx="1876527" cy="1125916"/>
+        </a:xfrm>
+        <a:prstGeom prst="roundRect">
+          <a:avLst>
+            <a:gd name="adj" fmla="val 10000"/>
+          </a:avLst>
+        </a:prstGeom>
+        <a:solidFill>
+          <a:schemeClr val="accent1">
+            <a:hueOff val="0"/>
+            <a:satOff val="0"/>
+            <a:lumOff val="0"/>
+            <a:alphaOff val="0"/>
+          </a:schemeClr>
+        </a:solidFill>
+        <a:ln w="12700" cap="flat" cmpd="sng" algn="ctr">
+          <a:solidFill>
+            <a:schemeClr val="lt1">
+              <a:hueOff val="0"/>
+              <a:satOff val="0"/>
+              <a:lumOff val="0"/>
+              <a:alphaOff val="0"/>
+            </a:schemeClr>
+          </a:solidFill>
+          <a:prstDash val="solid"/>
+          <a:miter lim="800000"/>
+        </a:ln>
+        <a:effectLst/>
+      </dsp:spPr>
+      <dsp:style>
+        <a:lnRef idx="2">
+          <a:scrgbClr r="0" g="0" b="0"/>
+        </a:lnRef>
+        <a:fillRef idx="1">
+          <a:scrgbClr r="0" g="0" b="0"/>
+        </a:fillRef>
+        <a:effectRef idx="0">
+          <a:scrgbClr r="0" g="0" b="0"/>
+        </a:effectRef>
+        <a:fontRef idx="minor">
+          <a:schemeClr val="lt1"/>
+        </a:fontRef>
+      </dsp:style>
+      <dsp:txBody>
+        <a:bodyPr spcFirstLastPara="0" vert="horz" wrap="square" lIns="64770" tIns="64770" rIns="64770" bIns="64770" numCol="1" spcCol="1270" anchor="ctr" anchorCtr="0">
+          <a:noAutofit/>
+        </a:bodyPr>
+        <a:lstStyle/>
+        <a:p>
+          <a:pPr lvl="0" algn="ctr" defTabSz="755650">
+            <a:lnSpc>
+              <a:spcPct val="90000"/>
+            </a:lnSpc>
+            <a:spcBef>
+              <a:spcPct val="0"/>
+            </a:spcBef>
+            <a:spcAft>
+              <a:spcPct val="35000"/>
+            </a:spcAft>
+          </a:pPr>
+          <a:r>
+            <a:rPr lang="en-US" sz="1700" kern="1200" dirty="0" smtClean="0"/>
             <a:t>END</a:t>
           </a:r>
         </a:p>
       </dsp:txBody>
       <dsp:txXfrm>
-        <a:off x="42385" y="2904782"/>
-        <a:ext cx="2059135" cy="1205478"/>
+        <a:off x="8589076" y="3786996"/>
+        <a:ext cx="1810573" cy="1059962"/>
       </dsp:txXfrm>
     </dsp:sp>
   </dsp:spTree>
@@ -12500,6 +13167,506 @@
       <dsp:cNvGrpSpPr/>
     </dsp:nvGrpSpPr>
     <dsp:grpSpPr/>
+    <dsp:sp modelId="{F2EE8185-ADDA-40B5-821D-4079A686539F}">
+      <dsp:nvSpPr>
+        <dsp:cNvPr id="0" name=""/>
+        <dsp:cNvSpPr/>
+      </dsp:nvSpPr>
+      <dsp:spPr>
+        <a:xfrm>
+          <a:off x="51" y="16698"/>
+          <a:ext cx="4913783" cy="806400"/>
+        </a:xfrm>
+        <a:prstGeom prst="rect">
+          <a:avLst/>
+        </a:prstGeom>
+        <a:solidFill>
+          <a:schemeClr val="accent1">
+            <a:hueOff val="0"/>
+            <a:satOff val="0"/>
+            <a:lumOff val="0"/>
+            <a:alphaOff val="0"/>
+          </a:schemeClr>
+        </a:solidFill>
+        <a:ln w="12700" cap="flat" cmpd="sng" algn="ctr">
+          <a:solidFill>
+            <a:schemeClr val="accent1">
+              <a:hueOff val="0"/>
+              <a:satOff val="0"/>
+              <a:lumOff val="0"/>
+              <a:alphaOff val="0"/>
+            </a:schemeClr>
+          </a:solidFill>
+          <a:prstDash val="solid"/>
+          <a:miter lim="800000"/>
+        </a:ln>
+        <a:effectLst/>
+      </dsp:spPr>
+      <dsp:style>
+        <a:lnRef idx="2">
+          <a:scrgbClr r="0" g="0" b="0"/>
+        </a:lnRef>
+        <a:fillRef idx="1">
+          <a:scrgbClr r="0" g="0" b="0"/>
+        </a:fillRef>
+        <a:effectRef idx="0">
+          <a:scrgbClr r="0" g="0" b="0"/>
+        </a:effectRef>
+        <a:fontRef idx="minor">
+          <a:schemeClr val="lt1"/>
+        </a:fontRef>
+      </dsp:style>
+      <dsp:txBody>
+        <a:bodyPr spcFirstLastPara="0" vert="horz" wrap="square" lIns="199136" tIns="113792" rIns="199136" bIns="113792" numCol="1" spcCol="1270" anchor="ctr" anchorCtr="0">
+          <a:noAutofit/>
+        </a:bodyPr>
+        <a:lstStyle/>
+        <a:p>
+          <a:pPr lvl="0" algn="ctr" defTabSz="1244600">
+            <a:lnSpc>
+              <a:spcPct val="90000"/>
+            </a:lnSpc>
+            <a:spcBef>
+              <a:spcPct val="0"/>
+            </a:spcBef>
+            <a:spcAft>
+              <a:spcPct val="35000"/>
+            </a:spcAft>
+          </a:pPr>
+          <a:r>
+            <a:rPr lang="en-US" sz="2800" kern="1200" dirty="0" smtClean="0"/>
+            <a:t>Server</a:t>
+          </a:r>
+          <a:endParaRPr lang="en-US" sz="2800" kern="1200" dirty="0"/>
+        </a:p>
+      </dsp:txBody>
+      <dsp:txXfrm>
+        <a:off x="51" y="16698"/>
+        <a:ext cx="4913783" cy="806400"/>
+      </dsp:txXfrm>
+    </dsp:sp>
+    <dsp:sp modelId="{50C632A4-B919-46A5-AF1A-30702345ECD3}">
+      <dsp:nvSpPr>
+        <dsp:cNvPr id="0" name=""/>
+        <dsp:cNvSpPr/>
+      </dsp:nvSpPr>
+      <dsp:spPr>
+        <a:xfrm>
+          <a:off x="51" y="823098"/>
+          <a:ext cx="4913783" cy="3511541"/>
+        </a:xfrm>
+        <a:prstGeom prst="rect">
+          <a:avLst/>
+        </a:prstGeom>
+        <a:solidFill>
+          <a:schemeClr val="accent1">
+            <a:alpha val="90000"/>
+            <a:tint val="40000"/>
+            <a:hueOff val="0"/>
+            <a:satOff val="0"/>
+            <a:lumOff val="0"/>
+            <a:alphaOff val="0"/>
+          </a:schemeClr>
+        </a:solidFill>
+        <a:ln w="12700" cap="flat" cmpd="sng" algn="ctr">
+          <a:solidFill>
+            <a:schemeClr val="accent1">
+              <a:alpha val="90000"/>
+              <a:tint val="40000"/>
+              <a:hueOff val="0"/>
+              <a:satOff val="0"/>
+              <a:lumOff val="0"/>
+              <a:alphaOff val="0"/>
+            </a:schemeClr>
+          </a:solidFill>
+          <a:prstDash val="solid"/>
+          <a:miter lim="800000"/>
+        </a:ln>
+        <a:effectLst/>
+      </dsp:spPr>
+      <dsp:style>
+        <a:lnRef idx="2">
+          <a:scrgbClr r="0" g="0" b="0"/>
+        </a:lnRef>
+        <a:fillRef idx="1">
+          <a:scrgbClr r="0" g="0" b="0"/>
+        </a:fillRef>
+        <a:effectRef idx="0">
+          <a:scrgbClr r="0" g="0" b="0"/>
+        </a:effectRef>
+        <a:fontRef idx="minor"/>
+      </dsp:style>
+      <dsp:txBody>
+        <a:bodyPr spcFirstLastPara="0" vert="horz" wrap="square" lIns="149352" tIns="149352" rIns="199136" bIns="224028" numCol="1" spcCol="1270" anchor="t" anchorCtr="0">
+          <a:noAutofit/>
+        </a:bodyPr>
+        <a:lstStyle/>
+        <a:p>
+          <a:pPr marL="285750" lvl="1" indent="-285750" algn="l" defTabSz="1244600">
+            <a:lnSpc>
+              <a:spcPct val="90000"/>
+            </a:lnSpc>
+            <a:spcBef>
+              <a:spcPct val="0"/>
+            </a:spcBef>
+            <a:spcAft>
+              <a:spcPct val="15000"/>
+            </a:spcAft>
+            <a:buChar char="••"/>
+          </a:pPr>
+          <a:r>
+            <a:rPr lang="en-US" sz="2800" kern="1200" dirty="0" smtClean="0"/>
+            <a:t>Handle result from Pi</a:t>
+          </a:r>
+          <a:endParaRPr lang="en-US" sz="2800" kern="1200" dirty="0"/>
+        </a:p>
+        <a:p>
+          <a:pPr marL="285750" lvl="1" indent="-285750" algn="l" defTabSz="1244600">
+            <a:lnSpc>
+              <a:spcPct val="90000"/>
+            </a:lnSpc>
+            <a:spcBef>
+              <a:spcPct val="0"/>
+            </a:spcBef>
+            <a:spcAft>
+              <a:spcPct val="15000"/>
+            </a:spcAft>
+            <a:buChar char="••"/>
+          </a:pPr>
+          <a:r>
+            <a:rPr lang="en-US" sz="2800" kern="1200" dirty="0" smtClean="0"/>
+            <a:t>Store user data (ID, </a:t>
+          </a:r>
+          <a:r>
+            <a:rPr lang="en-US" sz="2800" kern="1200" dirty="0" smtClean="0"/>
+            <a:t>name, mac </a:t>
+          </a:r>
+          <a:r>
+            <a:rPr lang="en-US" sz="2800" kern="1200" dirty="0" err="1" smtClean="0"/>
+            <a:t>addr</a:t>
+          </a:r>
+          <a:r>
+            <a:rPr lang="en-US" sz="2800" kern="1200" dirty="0" smtClean="0"/>
+            <a:t>…) </a:t>
+          </a:r>
+          <a:endParaRPr lang="en-US" sz="2800" kern="1200" dirty="0"/>
+        </a:p>
+        <a:p>
+          <a:pPr marL="285750" lvl="1" indent="-285750" algn="l" defTabSz="1244600">
+            <a:lnSpc>
+              <a:spcPct val="90000"/>
+            </a:lnSpc>
+            <a:spcBef>
+              <a:spcPct val="0"/>
+            </a:spcBef>
+            <a:spcAft>
+              <a:spcPct val="15000"/>
+            </a:spcAft>
+            <a:buChar char="••"/>
+          </a:pPr>
+          <a:r>
+            <a:rPr lang="en-US" sz="2800" kern="1200" dirty="0" smtClean="0"/>
+            <a:t>Store user result (height, weight, spo2, blood pressure, temperature)</a:t>
+          </a:r>
+          <a:endParaRPr lang="en-US" sz="2800" kern="1200" dirty="0"/>
+        </a:p>
+        <a:p>
+          <a:pPr marL="285750" lvl="1" indent="-285750" algn="l" defTabSz="1244600">
+            <a:lnSpc>
+              <a:spcPct val="90000"/>
+            </a:lnSpc>
+            <a:spcBef>
+              <a:spcPct val="0"/>
+            </a:spcBef>
+            <a:spcAft>
+              <a:spcPct val="15000"/>
+            </a:spcAft>
+            <a:buChar char="••"/>
+          </a:pPr>
+          <a:r>
+            <a:rPr lang="en-US" sz="2800" kern="1200" dirty="0" err="1" smtClean="0"/>
+            <a:t>Quang</a:t>
+          </a:r>
+          <a:r>
+            <a:rPr lang="en-US" sz="2800" kern="1200" dirty="0" smtClean="0"/>
+            <a:t> + Ly</a:t>
+          </a:r>
+          <a:endParaRPr lang="en-US" sz="2800" kern="1200" dirty="0"/>
+        </a:p>
+      </dsp:txBody>
+      <dsp:txXfrm>
+        <a:off x="51" y="823098"/>
+        <a:ext cx="4913783" cy="3511541"/>
+      </dsp:txXfrm>
+    </dsp:sp>
+    <dsp:sp modelId="{417FE0C0-F440-47BD-874B-4AAC1FE68571}">
+      <dsp:nvSpPr>
+        <dsp:cNvPr id="0" name=""/>
+        <dsp:cNvSpPr/>
+      </dsp:nvSpPr>
+      <dsp:spPr>
+        <a:xfrm>
+          <a:off x="5601764" y="16698"/>
+          <a:ext cx="4913783" cy="806400"/>
+        </a:xfrm>
+        <a:prstGeom prst="rect">
+          <a:avLst/>
+        </a:prstGeom>
+        <a:solidFill>
+          <a:schemeClr val="accent1">
+            <a:hueOff val="0"/>
+            <a:satOff val="0"/>
+            <a:lumOff val="0"/>
+            <a:alphaOff val="0"/>
+          </a:schemeClr>
+        </a:solidFill>
+        <a:ln w="12700" cap="flat" cmpd="sng" algn="ctr">
+          <a:solidFill>
+            <a:schemeClr val="accent1">
+              <a:hueOff val="0"/>
+              <a:satOff val="0"/>
+              <a:lumOff val="0"/>
+              <a:alphaOff val="0"/>
+            </a:schemeClr>
+          </a:solidFill>
+          <a:prstDash val="solid"/>
+          <a:miter lim="800000"/>
+        </a:ln>
+        <a:effectLst/>
+      </dsp:spPr>
+      <dsp:style>
+        <a:lnRef idx="2">
+          <a:scrgbClr r="0" g="0" b="0"/>
+        </a:lnRef>
+        <a:fillRef idx="1">
+          <a:scrgbClr r="0" g="0" b="0"/>
+        </a:fillRef>
+        <a:effectRef idx="0">
+          <a:scrgbClr r="0" g="0" b="0"/>
+        </a:effectRef>
+        <a:fontRef idx="minor">
+          <a:schemeClr val="lt1"/>
+        </a:fontRef>
+      </dsp:style>
+      <dsp:txBody>
+        <a:bodyPr spcFirstLastPara="0" vert="horz" wrap="square" lIns="199136" tIns="113792" rIns="199136" bIns="113792" numCol="1" spcCol="1270" anchor="ctr" anchorCtr="0">
+          <a:noAutofit/>
+        </a:bodyPr>
+        <a:lstStyle/>
+        <a:p>
+          <a:pPr lvl="0" algn="ctr" defTabSz="1244600">
+            <a:lnSpc>
+              <a:spcPct val="90000"/>
+            </a:lnSpc>
+            <a:spcBef>
+              <a:spcPct val="0"/>
+            </a:spcBef>
+            <a:spcAft>
+              <a:spcPct val="35000"/>
+            </a:spcAft>
+          </a:pPr>
+          <a:r>
+            <a:rPr lang="en-US" sz="2800" kern="1200" dirty="0" smtClean="0"/>
+            <a:t>Android app</a:t>
+          </a:r>
+          <a:endParaRPr lang="en-US" sz="2800" kern="1200" dirty="0"/>
+        </a:p>
+      </dsp:txBody>
+      <dsp:txXfrm>
+        <a:off x="5601764" y="16698"/>
+        <a:ext cx="4913783" cy="806400"/>
+      </dsp:txXfrm>
+    </dsp:sp>
+    <dsp:sp modelId="{ABB216B2-FB80-4CA8-AFB5-B752ADED21DE}">
+      <dsp:nvSpPr>
+        <dsp:cNvPr id="0" name=""/>
+        <dsp:cNvSpPr/>
+      </dsp:nvSpPr>
+      <dsp:spPr>
+        <a:xfrm>
+          <a:off x="5601764" y="823098"/>
+          <a:ext cx="4913783" cy="3511541"/>
+        </a:xfrm>
+        <a:prstGeom prst="rect">
+          <a:avLst/>
+        </a:prstGeom>
+        <a:solidFill>
+          <a:schemeClr val="accent1">
+            <a:alpha val="90000"/>
+            <a:tint val="40000"/>
+            <a:hueOff val="0"/>
+            <a:satOff val="0"/>
+            <a:lumOff val="0"/>
+            <a:alphaOff val="0"/>
+          </a:schemeClr>
+        </a:solidFill>
+        <a:ln w="12700" cap="flat" cmpd="sng" algn="ctr">
+          <a:solidFill>
+            <a:schemeClr val="accent1">
+              <a:alpha val="90000"/>
+              <a:tint val="40000"/>
+              <a:hueOff val="0"/>
+              <a:satOff val="0"/>
+              <a:lumOff val="0"/>
+              <a:alphaOff val="0"/>
+            </a:schemeClr>
+          </a:solidFill>
+          <a:prstDash val="solid"/>
+          <a:miter lim="800000"/>
+        </a:ln>
+        <a:effectLst/>
+      </dsp:spPr>
+      <dsp:style>
+        <a:lnRef idx="2">
+          <a:scrgbClr r="0" g="0" b="0"/>
+        </a:lnRef>
+        <a:fillRef idx="1">
+          <a:scrgbClr r="0" g="0" b="0"/>
+        </a:fillRef>
+        <a:effectRef idx="0">
+          <a:scrgbClr r="0" g="0" b="0"/>
+        </a:effectRef>
+        <a:fontRef idx="minor"/>
+      </dsp:style>
+      <dsp:txBody>
+        <a:bodyPr spcFirstLastPara="0" vert="horz" wrap="square" lIns="149352" tIns="149352" rIns="199136" bIns="224028" numCol="1" spcCol="1270" anchor="t" anchorCtr="0">
+          <a:noAutofit/>
+        </a:bodyPr>
+        <a:lstStyle/>
+        <a:p>
+          <a:pPr marL="285750" lvl="1" indent="-285750" algn="l" defTabSz="1244600">
+            <a:lnSpc>
+              <a:spcPct val="90000"/>
+            </a:lnSpc>
+            <a:spcBef>
+              <a:spcPct val="0"/>
+            </a:spcBef>
+            <a:spcAft>
+              <a:spcPct val="15000"/>
+            </a:spcAft>
+            <a:buChar char="••"/>
+          </a:pPr>
+          <a:r>
+            <a:rPr lang="en-US" sz="2800" kern="1200" dirty="0" smtClean="0"/>
+            <a:t>Bluetooth</a:t>
+          </a:r>
+          <a:endParaRPr lang="en-US" sz="2800" kern="1200" dirty="0"/>
+        </a:p>
+        <a:p>
+          <a:pPr marL="571500" lvl="2" indent="-285750" algn="l" defTabSz="1244600">
+            <a:lnSpc>
+              <a:spcPct val="90000"/>
+            </a:lnSpc>
+            <a:spcBef>
+              <a:spcPct val="0"/>
+            </a:spcBef>
+            <a:spcAft>
+              <a:spcPct val="15000"/>
+            </a:spcAft>
+            <a:buChar char="••"/>
+          </a:pPr>
+          <a:r>
+            <a:rPr lang="en-US" sz="2800" kern="1200" dirty="0" smtClean="0"/>
+            <a:t>See above Bluetooth slide</a:t>
+          </a:r>
+          <a:endParaRPr lang="en-US" sz="2800" kern="1200" dirty="0"/>
+        </a:p>
+        <a:p>
+          <a:pPr marL="571500" lvl="2" indent="-285750" algn="l" defTabSz="1244600">
+            <a:lnSpc>
+              <a:spcPct val="90000"/>
+            </a:lnSpc>
+            <a:spcBef>
+              <a:spcPct val="0"/>
+            </a:spcBef>
+            <a:spcAft>
+              <a:spcPct val="15000"/>
+            </a:spcAft>
+            <a:buChar char="••"/>
+          </a:pPr>
+          <a:r>
+            <a:rPr lang="en-US" sz="2800" kern="1200" dirty="0" smtClean="0"/>
+            <a:t>Chung</a:t>
+          </a:r>
+          <a:endParaRPr lang="en-US" sz="2800" kern="1200" dirty="0"/>
+        </a:p>
+        <a:p>
+          <a:pPr marL="285750" lvl="1" indent="-285750" algn="l" defTabSz="1244600">
+            <a:lnSpc>
+              <a:spcPct val="90000"/>
+            </a:lnSpc>
+            <a:spcBef>
+              <a:spcPct val="0"/>
+            </a:spcBef>
+            <a:spcAft>
+              <a:spcPct val="15000"/>
+            </a:spcAft>
+            <a:buChar char="••"/>
+          </a:pPr>
+          <a:r>
+            <a:rPr lang="en-US" sz="2800" kern="1200" dirty="0" smtClean="0"/>
+            <a:t>User profile</a:t>
+          </a:r>
+          <a:endParaRPr lang="en-US" sz="2800" kern="1200" dirty="0"/>
+        </a:p>
+        <a:p>
+          <a:pPr marL="571500" lvl="2" indent="-285750" algn="l" defTabSz="1244600">
+            <a:lnSpc>
+              <a:spcPct val="90000"/>
+            </a:lnSpc>
+            <a:spcBef>
+              <a:spcPct val="0"/>
+            </a:spcBef>
+            <a:spcAft>
+              <a:spcPct val="15000"/>
+            </a:spcAft>
+            <a:buChar char="••"/>
+          </a:pPr>
+          <a:r>
+            <a:rPr lang="en-US" sz="2800" kern="1200" dirty="0" smtClean="0"/>
+            <a:t>Ask mentor </a:t>
+          </a:r>
+          <a:r>
+            <a:rPr lang="en-US" sz="2800" kern="1200" dirty="0" smtClean="0"/>
+            <a:t>&amp; server team for </a:t>
+          </a:r>
+          <a:r>
+            <a:rPr lang="en-US" sz="2800" kern="1200" dirty="0" smtClean="0"/>
+            <a:t>more information </a:t>
+          </a:r>
+          <a:r>
+            <a:rPr lang="en-US" sz="2800" kern="1200" dirty="0" smtClean="0">
+              <a:sym typeface="Wingdings" panose="05000000000000000000" pitchFamily="2" charset="2"/>
+            </a:rPr>
+            <a:t>)</a:t>
+          </a:r>
+          <a:endParaRPr lang="en-US" sz="2800" kern="1200" dirty="0"/>
+        </a:p>
+        <a:p>
+          <a:pPr marL="571500" lvl="2" indent="-285750" algn="l" defTabSz="1244600">
+            <a:lnSpc>
+              <a:spcPct val="90000"/>
+            </a:lnSpc>
+            <a:spcBef>
+              <a:spcPct val="0"/>
+            </a:spcBef>
+            <a:spcAft>
+              <a:spcPct val="15000"/>
+            </a:spcAft>
+            <a:buChar char="••"/>
+          </a:pPr>
+          <a:r>
+            <a:rPr lang="en-US" sz="2800" kern="1200" dirty="0" err="1" smtClean="0"/>
+            <a:t>Thành</a:t>
+          </a:r>
+          <a:endParaRPr lang="en-US" sz="2800" kern="1200" dirty="0"/>
+        </a:p>
+      </dsp:txBody>
+      <dsp:txXfrm>
+        <a:off x="5601764" y="823098"/>
+        <a:ext cx="4913783" cy="3511541"/>
+      </dsp:txXfrm>
+    </dsp:sp>
   </dsp:spTree>
 </dsp:drawing>
 </file>
@@ -17257,7 +18424,7 @@
           <a:p>
             <a:fld id="{CA829DC8-727A-4F53-801F-7AA35DEAE48C}" type="datetimeFigureOut">
               <a:rPr lang="en-US" smtClean="0"/>
-              <a:t>3/16/2017</a:t>
+              <a:t>3/19/2017</a:t>
             </a:fld>
             <a:endParaRPr lang="en-US"/>
           </a:p>
@@ -17740,7 +18907,7 @@
           <a:p>
             <a:fld id="{198B743D-DE9C-4F5D-849D-2789155D27D5}" type="datetimeFigureOut">
               <a:rPr lang="en-US" smtClean="0"/>
-              <a:t>3/16/2017</a:t>
+              <a:t>3/19/2017</a:t>
             </a:fld>
             <a:endParaRPr lang="en-US"/>
           </a:p>
@@ -17910,7 +19077,7 @@
           <a:p>
             <a:fld id="{198B743D-DE9C-4F5D-849D-2789155D27D5}" type="datetimeFigureOut">
               <a:rPr lang="en-US" smtClean="0"/>
-              <a:t>3/16/2017</a:t>
+              <a:t>3/19/2017</a:t>
             </a:fld>
             <a:endParaRPr lang="en-US"/>
           </a:p>
@@ -18090,7 +19257,7 @@
           <a:p>
             <a:fld id="{198B743D-DE9C-4F5D-849D-2789155D27D5}" type="datetimeFigureOut">
               <a:rPr lang="en-US" smtClean="0"/>
-              <a:t>3/16/2017</a:t>
+              <a:t>3/19/2017</a:t>
             </a:fld>
             <a:endParaRPr lang="en-US"/>
           </a:p>
@@ -18260,7 +19427,7 @@
           <a:p>
             <a:fld id="{198B743D-DE9C-4F5D-849D-2789155D27D5}" type="datetimeFigureOut">
               <a:rPr lang="en-US" smtClean="0"/>
-              <a:t>3/16/2017</a:t>
+              <a:t>3/19/2017</a:t>
             </a:fld>
             <a:endParaRPr lang="en-US"/>
           </a:p>
@@ -18506,7 +19673,7 @@
           <a:p>
             <a:fld id="{198B743D-DE9C-4F5D-849D-2789155D27D5}" type="datetimeFigureOut">
               <a:rPr lang="en-US" smtClean="0"/>
-              <a:t>3/16/2017</a:t>
+              <a:t>3/19/2017</a:t>
             </a:fld>
             <a:endParaRPr lang="en-US"/>
           </a:p>
@@ -18738,7 +19905,7 @@
           <a:p>
             <a:fld id="{198B743D-DE9C-4F5D-849D-2789155D27D5}" type="datetimeFigureOut">
               <a:rPr lang="en-US" smtClean="0"/>
-              <a:t>3/16/2017</a:t>
+              <a:t>3/19/2017</a:t>
             </a:fld>
             <a:endParaRPr lang="en-US"/>
           </a:p>
@@ -19105,7 +20272,7 @@
           <a:p>
             <a:fld id="{198B743D-DE9C-4F5D-849D-2789155D27D5}" type="datetimeFigureOut">
               <a:rPr lang="en-US" smtClean="0"/>
-              <a:t>3/16/2017</a:t>
+              <a:t>3/19/2017</a:t>
             </a:fld>
             <a:endParaRPr lang="en-US"/>
           </a:p>
@@ -19223,7 +20390,7 @@
           <a:p>
             <a:fld id="{198B743D-DE9C-4F5D-849D-2789155D27D5}" type="datetimeFigureOut">
               <a:rPr lang="en-US" smtClean="0"/>
-              <a:t>3/16/2017</a:t>
+              <a:t>3/19/2017</a:t>
             </a:fld>
             <a:endParaRPr lang="en-US"/>
           </a:p>
@@ -19318,7 +20485,7 @@
           <a:p>
             <a:fld id="{198B743D-DE9C-4F5D-849D-2789155D27D5}" type="datetimeFigureOut">
               <a:rPr lang="en-US" smtClean="0"/>
-              <a:t>3/16/2017</a:t>
+              <a:t>3/19/2017</a:t>
             </a:fld>
             <a:endParaRPr lang="en-US"/>
           </a:p>
@@ -19595,7 +20762,7 @@
           <a:p>
             <a:fld id="{198B743D-DE9C-4F5D-849D-2789155D27D5}" type="datetimeFigureOut">
               <a:rPr lang="en-US" smtClean="0"/>
-              <a:t>3/16/2017</a:t>
+              <a:t>3/19/2017</a:t>
             </a:fld>
             <a:endParaRPr lang="en-US"/>
           </a:p>
@@ -19848,7 +21015,7 @@
           <a:p>
             <a:fld id="{198B743D-DE9C-4F5D-849D-2789155D27D5}" type="datetimeFigureOut">
               <a:rPr lang="en-US" smtClean="0"/>
-              <a:t>3/16/2017</a:t>
+              <a:t>3/19/2017</a:t>
             </a:fld>
             <a:endParaRPr lang="en-US"/>
           </a:p>
@@ -20061,7 +21228,7 @@
           <a:p>
             <a:fld id="{198B743D-DE9C-4F5D-849D-2789155D27D5}" type="datetimeFigureOut">
               <a:rPr lang="en-US" smtClean="0"/>
-              <a:t>3/16/2017</a:t>
+              <a:t>3/19/2017</a:t>
             </a:fld>
             <a:endParaRPr lang="en-US"/>
           </a:p>
@@ -20501,8 +21668,8 @@
         </p:nvSpPr>
         <p:spPr>
           <a:xfrm>
-            <a:off x="1524000" y="4691366"/>
-            <a:ext cx="9144000" cy="1655762"/>
+            <a:off x="1524000" y="4261899"/>
+            <a:ext cx="9144000" cy="2085229"/>
           </a:xfrm>
         </p:spPr>
         <p:txBody>
@@ -20542,8 +21709,23 @@
             </a:pPr>
             <a:r>
               <a:rPr lang="en-US" dirty="0" smtClean="0"/>
-              <a:t>Defines desired features, desired output for each module</a:t>
-            </a:r>
+              <a:t>Defines desired features, desired output for each </a:t>
+            </a:r>
+            <a:r>
+              <a:rPr lang="en-US" dirty="0" smtClean="0"/>
+              <a:t>module</a:t>
+            </a:r>
+          </a:p>
+          <a:p>
+            <a:pPr marL="914400" lvl="1" indent="-457200" algn="l">
+              <a:buFont typeface="+mj-lt"/>
+              <a:buAutoNum type="arabicPeriod"/>
+            </a:pPr>
+            <a:r>
+              <a:rPr lang="en-US" dirty="0" smtClean="0"/>
+              <a:t>Module code</a:t>
+            </a:r>
+            <a:endParaRPr lang="en-US" dirty="0" smtClean="0"/>
           </a:p>
           <a:p>
             <a:pPr lvl="1" algn="r"/>
@@ -20624,7 +21806,7 @@
           <a:p>
             <a:r>
               <a:rPr lang="en-US" dirty="0" smtClean="0"/>
-              <a:t>Blood pressure</a:t>
+              <a:t>Uno</a:t>
             </a:r>
             <a:endParaRPr lang="en-US" dirty="0"/>
           </a:p>
@@ -20640,25 +21822,81 @@
             <p:ph idx="1"/>
           </p:nvPr>
         </p:nvSpPr>
-        <p:spPr/>
+        <p:spPr>
+          <a:xfrm>
+            <a:off x="806396" y="1825625"/>
+            <a:ext cx="10515600" cy="4351338"/>
+          </a:xfrm>
+        </p:spPr>
         <p:txBody>
-          <a:bodyPr/>
+          <a:bodyPr>
+            <a:normAutofit/>
+          </a:bodyPr>
           <a:lstStyle/>
           <a:p>
             <a:r>
+              <a:rPr lang="en-US" dirty="0" err="1" smtClean="0"/>
+              <a:t>Viễn</a:t>
+            </a:r>
+            <a:endParaRPr lang="en-US" dirty="0" smtClean="0"/>
+          </a:p>
+          <a:p>
+            <a:r>
               <a:rPr lang="en-US" dirty="0" smtClean="0"/>
-              <a:t>Input: </a:t>
+              <a:t>Description: </a:t>
             </a:r>
           </a:p>
           <a:p>
             <a:pPr lvl="1"/>
             <a:r>
               <a:rPr lang="en-US" dirty="0" smtClean="0"/>
-              <a:t>wait for a file name </a:t>
+              <a:t>Initialize then wait for a file name </a:t>
             </a:r>
             <a:r>
               <a:rPr lang="en-US" dirty="0" err="1" smtClean="0"/>
-              <a:t>bp_start</a:t>
+              <a:t>touch_finish</a:t>
+            </a:r>
+            <a:r>
+              <a:rPr lang="en-US" dirty="0"/>
+              <a:t> </a:t>
+            </a:r>
+            <a:r>
+              <a:rPr lang="en-US" dirty="0" smtClean="0"/>
+              <a:t>(</a:t>
+            </a:r>
+            <a:r>
+              <a:rPr lang="en-US" dirty="0" err="1" smtClean="0"/>
+              <a:t>uno_start</a:t>
+            </a:r>
+            <a:r>
+              <a:rPr lang="en-US" dirty="0" smtClean="0"/>
+              <a:t>), then send START signal to Uno.</a:t>
+            </a:r>
+          </a:p>
+          <a:p>
+            <a:pPr lvl="1"/>
+            <a:r>
+              <a:rPr lang="en-US" dirty="0" smtClean="0"/>
+              <a:t>Uno will drive the motor, measure height, then send back to Pi</a:t>
+            </a:r>
+          </a:p>
+          <a:p>
+            <a:pPr lvl="1"/>
+            <a:r>
+              <a:rPr lang="en-US" dirty="0" smtClean="0"/>
+              <a:t>Pi store that result in a file name </a:t>
+            </a:r>
+            <a:r>
+              <a:rPr lang="en-US" dirty="0" err="1" smtClean="0"/>
+              <a:t>height_result</a:t>
+            </a:r>
+            <a:r>
+              <a:rPr lang="en-US" dirty="0" smtClean="0"/>
+              <a:t>, generate a file name </a:t>
+            </a:r>
+            <a:r>
+              <a:rPr lang="en-US" dirty="0" err="1" smtClean="0"/>
+              <a:t>uno_finish</a:t>
             </a:r>
             <a:endParaRPr lang="en-US" dirty="0" smtClean="0"/>
           </a:p>
@@ -20672,30 +21910,40 @@
             <a:pPr lvl="1"/>
             <a:r>
               <a:rPr lang="en-US" dirty="0" smtClean="0"/>
-              <a:t>Put user’s blood pressure (string) in file name </a:t>
+              <a:t>Program: </a:t>
             </a:r>
             <a:r>
               <a:rPr lang="en-US" dirty="0" err="1" smtClean="0"/>
-              <a:t>bp_result</a:t>
+              <a:t>uno</a:t>
             </a:r>
             <a:endParaRPr lang="en-US" dirty="0" smtClean="0"/>
           </a:p>
           <a:p>
+            <a:pPr lvl="1"/>
+            <a:r>
+              <a:rPr lang="en-US" dirty="0" smtClean="0"/>
+              <a:t>File: </a:t>
+            </a:r>
             <a:r>
               <a:rPr lang="en-US" dirty="0" err="1" smtClean="0"/>
-              <a:t>Vien</a:t>
+              <a:t>height_result</a:t>
+            </a:r>
+            <a:r>
+              <a:rPr lang="en-US" dirty="0" smtClean="0"/>
+              <a:t>, </a:t>
+            </a:r>
+            <a:r>
+              <a:rPr lang="en-US" dirty="0" err="1" smtClean="0"/>
+              <a:t>uno_finish</a:t>
             </a:r>
             <a:endParaRPr lang="en-US" dirty="0" smtClean="0"/>
-          </a:p>
-          <a:p>
-            <a:endParaRPr lang="en-US" dirty="0"/>
           </a:p>
         </p:txBody>
       </p:sp>
     </p:spTree>
     <p:extLst>
       <p:ext uri="{BB962C8B-B14F-4D97-AF65-F5344CB8AC3E}">
-        <p14:creationId xmlns:p14="http://schemas.microsoft.com/office/powerpoint/2010/main" val="337554308"/>
+        <p14:creationId xmlns:p14="http://schemas.microsoft.com/office/powerpoint/2010/main" val="3343933951"/>
       </p:ext>
     </p:extLst>
   </p:cSld>
@@ -20739,7 +21987,7 @@
           <a:p>
             <a:r>
               <a:rPr lang="en-US" dirty="0" smtClean="0"/>
-              <a:t>Temperature</a:t>
+              <a:t>Scale</a:t>
             </a:r>
             <a:endParaRPr lang="en-US" dirty="0"/>
           </a:p>
@@ -20761,45 +22009,95 @@
           <a:lstStyle/>
           <a:p>
             <a:r>
+              <a:rPr lang="en-US" dirty="0" err="1" smtClean="0"/>
+              <a:t>Huy</a:t>
+            </a:r>
+            <a:r>
               <a:rPr lang="en-US" dirty="0" smtClean="0"/>
-              <a:t>Input: </a:t>
+              <a:t> Le</a:t>
+            </a:r>
+          </a:p>
+          <a:p>
+            <a:r>
+              <a:rPr lang="en-US" dirty="0" smtClean="0"/>
+              <a:t>Description:</a:t>
             </a:r>
           </a:p>
           <a:p>
             <a:pPr lvl="1"/>
             <a:r>
+              <a:rPr lang="en-US" dirty="0"/>
+              <a:t>Initialize then</a:t>
+            </a:r>
+            <a:r>
               <a:rPr lang="en-US" dirty="0" smtClean="0"/>
-              <a:t>wait for a file name </a:t>
+              <a:t> wait for a file name </a:t>
             </a:r>
             <a:r>
               <a:rPr lang="en-US" dirty="0" err="1" smtClean="0"/>
-              <a:t>temp_start</a:t>
+              <a:t>uno_finish</a:t>
             </a:r>
             <a:endParaRPr lang="en-US" dirty="0" smtClean="0"/>
           </a:p>
           <a:p>
+            <a:pPr lvl="1"/>
             <a:r>
               <a:rPr lang="en-US" dirty="0" smtClean="0"/>
-              <a:t>Output:</a:t>
+              <a:t>Measure weight</a:t>
             </a:r>
           </a:p>
           <a:p>
             <a:pPr lvl="1"/>
             <a:r>
               <a:rPr lang="en-US" dirty="0" smtClean="0"/>
-              <a:t>Put user’s temperature (string) in file name </a:t>
+              <a:t>Store result in </a:t>
             </a:r>
             <a:r>
               <a:rPr lang="en-US" dirty="0" err="1" smtClean="0"/>
-              <a:t>temp_result</a:t>
+              <a:t>scale_result</a:t>
+            </a:r>
+            <a:r>
+              <a:rPr lang="en-US" dirty="0" smtClean="0"/>
+              <a:t>, generate </a:t>
+            </a:r>
+            <a:r>
+              <a:rPr lang="en-US" dirty="0" err="1" smtClean="0"/>
+              <a:t>scale_finish</a:t>
             </a:r>
             <a:endParaRPr lang="en-US" dirty="0" smtClean="0"/>
           </a:p>
           <a:p>
             <a:r>
               <a:rPr lang="en-US" dirty="0" smtClean="0"/>
-              <a:t>TBD</a:t>
-            </a:r>
+              <a:t>Output:</a:t>
+            </a:r>
+          </a:p>
+          <a:p>
+            <a:pPr lvl="1"/>
+            <a:r>
+              <a:rPr lang="en-US" dirty="0" smtClean="0"/>
+              <a:t>Program: scale</a:t>
+            </a:r>
+          </a:p>
+          <a:p>
+            <a:pPr lvl="1"/>
+            <a:r>
+              <a:rPr lang="en-US" dirty="0" smtClean="0"/>
+              <a:t>File: </a:t>
+            </a:r>
+            <a:r>
+              <a:rPr lang="en-US" dirty="0" err="1" smtClean="0"/>
+              <a:t>scale_result</a:t>
+            </a:r>
+            <a:r>
+              <a:rPr lang="en-US" dirty="0" smtClean="0"/>
+              <a:t>, </a:t>
+            </a:r>
+            <a:r>
+              <a:rPr lang="en-US" dirty="0" err="1" smtClean="0"/>
+              <a:t>scale_finish</a:t>
+            </a:r>
+            <a:endParaRPr lang="en-US" dirty="0" smtClean="0"/>
           </a:p>
           <a:p>
             <a:endParaRPr lang="en-US" dirty="0"/>
@@ -20809,7 +22107,7 @@
     </p:spTree>
     <p:extLst>
       <p:ext uri="{BB962C8B-B14F-4D97-AF65-F5344CB8AC3E}">
-        <p14:creationId xmlns:p14="http://schemas.microsoft.com/office/powerpoint/2010/main" val="3470206797"/>
+        <p14:creationId xmlns:p14="http://schemas.microsoft.com/office/powerpoint/2010/main" val="1570304926"/>
       </p:ext>
     </p:extLst>
   </p:cSld>
@@ -20853,7 +22151,7 @@
           <a:p>
             <a:r>
               <a:rPr lang="en-US" dirty="0" smtClean="0"/>
-              <a:t>Audio</a:t>
+              <a:t>Temperature</a:t>
             </a:r>
             <a:endParaRPr lang="en-US" dirty="0"/>
           </a:p>
@@ -20876,57 +22174,107 @@
           <a:p>
             <a:r>
               <a:rPr lang="en-US" dirty="0" smtClean="0"/>
-              <a:t>Input: </a:t>
+              <a:t>Description</a:t>
+            </a:r>
+            <a:r>
+              <a:rPr lang="en-US" dirty="0"/>
+              <a:t>:</a:t>
             </a:r>
           </a:p>
           <a:p>
             <a:pPr lvl="1"/>
             <a:r>
+              <a:rPr lang="en-US" dirty="0"/>
+              <a:t>Initialize then </a:t>
+            </a:r>
+            <a:r>
               <a:rPr lang="en-US" dirty="0" smtClean="0"/>
-              <a:t>Pre-record voice message</a:t>
-            </a:r>
+              <a:t>wait </a:t>
+            </a:r>
+            <a:r>
+              <a:rPr lang="en-US" dirty="0"/>
+              <a:t>for a file name </a:t>
+            </a:r>
+            <a:r>
+              <a:rPr lang="en-US" dirty="0" err="1"/>
+              <a:t>uno_finish</a:t>
+            </a:r>
+            <a:endParaRPr lang="en-US" dirty="0"/>
           </a:p>
           <a:p>
             <a:pPr lvl="1"/>
             <a:r>
+              <a:rPr lang="en-US" dirty="0"/>
+              <a:t>Measure </a:t>
+            </a:r>
+            <a:r>
               <a:rPr lang="en-US" dirty="0" smtClean="0"/>
-              <a:t>Wait for </a:t>
+              <a:t>temperature</a:t>
+            </a:r>
+            <a:endParaRPr lang="en-US" dirty="0"/>
+          </a:p>
+          <a:p>
+            <a:pPr lvl="1"/>
+            <a:r>
+              <a:rPr lang="en-US" dirty="0"/>
+              <a:t>Store result in </a:t>
             </a:r>
             <a:r>
               <a:rPr lang="en-US" dirty="0" err="1" smtClean="0"/>
-              <a:t>touch_finish</a:t>
+              <a:t>temp_result</a:t>
+            </a:r>
+            <a:r>
+              <a:rPr lang="en-US" dirty="0" smtClean="0"/>
+              <a:t>, </a:t>
+            </a:r>
+            <a:r>
+              <a:rPr lang="en-US" dirty="0"/>
+              <a:t>generate </a:t>
+            </a:r>
+            <a:r>
+              <a:rPr lang="en-US" dirty="0" err="1" smtClean="0"/>
+              <a:t>temp_finish</a:t>
             </a:r>
             <a:endParaRPr lang="en-US" dirty="0" smtClean="0"/>
           </a:p>
           <a:p>
-            <a:pPr lvl="1"/>
-            <a:r>
-              <a:rPr lang="en-US" dirty="0" smtClean="0"/>
-              <a:t>Wait for result files</a:t>
-            </a:r>
-          </a:p>
-          <a:p>
             <a:r>
               <a:rPr lang="en-US" dirty="0" smtClean="0"/>
               <a:t>Output:</a:t>
             </a:r>
+            <a:endParaRPr lang="en-US" dirty="0"/>
           </a:p>
           <a:p>
             <a:pPr lvl="1"/>
             <a:r>
+              <a:rPr lang="en-US" dirty="0"/>
+              <a:t>Program: </a:t>
+            </a:r>
+            <a:r>
               <a:rPr lang="en-US" dirty="0" smtClean="0"/>
-              <a:t>Output the message to speaker</a:t>
-            </a:r>
+              <a:t>temp</a:t>
+            </a:r>
+            <a:endParaRPr lang="en-US" dirty="0"/>
           </a:p>
           <a:p>
+            <a:pPr lvl="1"/>
+            <a:r>
+              <a:rPr lang="en-US" dirty="0"/>
+              <a:t>File: </a:t>
+            </a:r>
             <a:r>
               <a:rPr lang="en-US" dirty="0" err="1" smtClean="0"/>
-              <a:t>Huy</a:t>
+              <a:t>temp_result</a:t>
             </a:r>
             <a:r>
               <a:rPr lang="en-US" dirty="0" smtClean="0"/>
-              <a:t> Vu &gt;&gt; This module will be implemented in python</a:t>
-            </a:r>
+              <a:t>, </a:t>
+            </a:r>
+            <a:r>
+              <a:rPr lang="en-US" dirty="0" err="1" smtClean="0"/>
+              <a:t>temp_finish</a:t>
+            </a:r>
+            <a:endParaRPr lang="en-US" dirty="0"/>
           </a:p>
           <a:p>
             <a:endParaRPr lang="en-US" dirty="0"/>
@@ -20936,7 +22284,7 @@
     </p:spTree>
     <p:extLst>
       <p:ext uri="{BB962C8B-B14F-4D97-AF65-F5344CB8AC3E}">
-        <p14:creationId xmlns:p14="http://schemas.microsoft.com/office/powerpoint/2010/main" val="3264903798"/>
+        <p14:creationId xmlns:p14="http://schemas.microsoft.com/office/powerpoint/2010/main" val="3470206797"/>
       </p:ext>
     </p:extLst>
   </p:cSld>
@@ -20980,7 +22328,7 @@
           <a:p>
             <a:r>
               <a:rPr lang="en-US" dirty="0" smtClean="0"/>
-              <a:t>Bluetooth</a:t>
+              <a:t>SpO2</a:t>
             </a:r>
             <a:endParaRPr lang="en-US" dirty="0"/>
           </a:p>
@@ -20998,39 +22346,84 @@
         </p:nvSpPr>
         <p:spPr/>
         <p:txBody>
-          <a:bodyPr/>
+          <a:bodyPr>
+            <a:normAutofit/>
+          </a:bodyPr>
           <a:lstStyle/>
           <a:p>
             <a:r>
               <a:rPr lang="en-US" dirty="0" smtClean="0"/>
-              <a:t>Input: </a:t>
+              <a:t>Chung</a:t>
+            </a:r>
+          </a:p>
+          <a:p>
+            <a:r>
+              <a:rPr lang="en-US" dirty="0" smtClean="0"/>
+              <a:t>Description:</a:t>
             </a:r>
           </a:p>
           <a:p>
             <a:pPr lvl="1"/>
             <a:r>
+              <a:rPr lang="en-US" dirty="0"/>
+              <a:t>Initialize then wait </a:t>
+            </a:r>
+            <a:r>
               <a:rPr lang="en-US" dirty="0" smtClean="0"/>
-              <a:t>none</a:t>
-            </a:r>
-          </a:p>
-          <a:p>
+              <a:t>for a file name </a:t>
+            </a:r>
+            <a:r>
+              <a:rPr lang="en-US" dirty="0" err="1" smtClean="0"/>
+              <a:t>scale_finish</a:t>
+            </a:r>
             <a:r>
               <a:rPr lang="en-US" dirty="0" smtClean="0"/>
-              <a:t>Output:</a:t>
-            </a:r>
+              <a:t> AND </a:t>
+            </a:r>
+            <a:r>
+              <a:rPr lang="en-US" dirty="0" err="1" smtClean="0"/>
+              <a:t>temp_finish</a:t>
+            </a:r>
+            <a:endParaRPr lang="en-US" dirty="0" smtClean="0"/>
           </a:p>
           <a:p>
             <a:pPr lvl="1"/>
             <a:r>
               <a:rPr lang="en-US" dirty="0" smtClean="0"/>
-              <a:t>Pair the system and user’s phone</a:t>
+              <a:t>Measure the SpO2</a:t>
             </a:r>
           </a:p>
           <a:p>
+            <a:pPr lvl="1"/>
             <a:r>
               <a:rPr lang="en-US" dirty="0" smtClean="0"/>
-              <a:t>Chung</a:t>
-            </a:r>
+              <a:t>Store that result in file name spo2_result, generate spo2_finish</a:t>
+            </a:r>
+          </a:p>
+          <a:p>
+            <a:r>
+              <a:rPr lang="en-US" dirty="0" smtClean="0"/>
+              <a:t>Output:</a:t>
+            </a:r>
+          </a:p>
+          <a:p>
+            <a:pPr lvl="1"/>
+            <a:r>
+              <a:rPr lang="en-US" dirty="0" smtClean="0"/>
+              <a:t>Program: spo2</a:t>
+            </a:r>
+          </a:p>
+          <a:p>
+            <a:pPr lvl="1"/>
+            <a:r>
+              <a:rPr lang="en-US" dirty="0" smtClean="0"/>
+              <a:t>File: spo2_result, spo2_finish</a:t>
+            </a:r>
+            <a:endParaRPr lang="en-US" dirty="0" smtClean="0"/>
+          </a:p>
+          <a:p>
+            <a:pPr lvl="1"/>
+            <a:endParaRPr lang="en-US" dirty="0" smtClean="0"/>
           </a:p>
           <a:p>
             <a:endParaRPr lang="en-US" dirty="0"/>
@@ -21040,7 +22433,7 @@
     </p:spTree>
     <p:extLst>
       <p:ext uri="{BB962C8B-B14F-4D97-AF65-F5344CB8AC3E}">
-        <p14:creationId xmlns:p14="http://schemas.microsoft.com/office/powerpoint/2010/main" val="3171647062"/>
+        <p14:creationId xmlns:p14="http://schemas.microsoft.com/office/powerpoint/2010/main" val="1131025273"/>
       </p:ext>
     </p:extLst>
   </p:cSld>
@@ -21084,11 +22477,7 @@
           <a:p>
             <a:r>
               <a:rPr lang="en-US" dirty="0" smtClean="0"/>
-              <a:t>Pi Connect server via </a:t>
-            </a:r>
-            <a:r>
-              <a:rPr lang="en-US" dirty="0" err="1" smtClean="0"/>
-              <a:t>WiFi</a:t>
+              <a:t>Blood pressure</a:t>
             </a:r>
             <a:endParaRPr lang="en-US" dirty="0"/>
           </a:p>
@@ -21106,31 +22495,32 @@
         </p:nvSpPr>
         <p:spPr/>
         <p:txBody>
-          <a:bodyPr/>
+          <a:bodyPr>
+            <a:normAutofit lnSpcReduction="10000"/>
+          </a:bodyPr>
           <a:lstStyle/>
           <a:p>
             <a:r>
+              <a:rPr lang="en-US" dirty="0" err="1" smtClean="0"/>
+              <a:t>Viễn</a:t>
+            </a:r>
+            <a:endParaRPr lang="en-US" dirty="0" smtClean="0"/>
+          </a:p>
+          <a:p>
+            <a:r>
               <a:rPr lang="en-US" dirty="0" smtClean="0"/>
-              <a:t>Input: </a:t>
+              <a:t>Description:</a:t>
             </a:r>
           </a:p>
           <a:p>
             <a:pPr lvl="1"/>
             <a:r>
               <a:rPr lang="en-US" dirty="0" smtClean="0"/>
-              <a:t>Wait for files: </a:t>
+              <a:t>Has two program: </a:t>
             </a:r>
             <a:r>
               <a:rPr lang="en-US" dirty="0" err="1" smtClean="0"/>
-              <a:t>height_result</a:t>
-            </a:r>
-            <a:r>
-              <a:rPr lang="en-US" dirty="0" smtClean="0"/>
-              <a:t>, spo2_result, </a:t>
-            </a:r>
-            <a:r>
-              <a:rPr lang="en-US" dirty="0" err="1" smtClean="0"/>
-              <a:t>scale_result</a:t>
+              <a:t>bpressure_poweron</a:t>
             </a:r>
             <a:r>
               <a:rPr lang="en-US" dirty="0" smtClean="0"/>
@@ -21138,52 +22528,125 @@
             </a:r>
             <a:r>
               <a:rPr lang="en-US" dirty="0" err="1" smtClean="0"/>
-              <a:t>bp_result</a:t>
-            </a:r>
-            <a:r>
-              <a:rPr lang="en-US" dirty="0" smtClean="0"/>
-              <a:t>, </a:t>
-            </a:r>
-            <a:r>
-              <a:rPr lang="en-US" dirty="0" err="1" smtClean="0"/>
-              <a:t>temp_result</a:t>
+              <a:t>bpressure</a:t>
             </a:r>
             <a:endParaRPr lang="en-US" dirty="0" smtClean="0"/>
           </a:p>
           <a:p>
+            <a:pPr lvl="1"/>
+            <a:r>
+              <a:rPr lang="en-US" dirty="0" err="1" smtClean="0"/>
+              <a:t>bpressure_poweron</a:t>
+            </a:r>
             <a:r>
               <a:rPr lang="en-US" dirty="0" smtClean="0"/>
-              <a:t>Output:</a:t>
+              <a:t> will power on the </a:t>
+            </a:r>
+            <a:r>
+              <a:rPr lang="en-US" dirty="0" err="1" smtClean="0"/>
+              <a:t>bpressure</a:t>
+            </a:r>
+            <a:r>
+              <a:rPr lang="en-US" dirty="0" smtClean="0"/>
+              <a:t> machine, initialize the auto-mechanical </a:t>
             </a:r>
           </a:p>
           <a:p>
             <a:pPr lvl="1"/>
             <a:r>
               <a:rPr lang="en-US" dirty="0" smtClean="0"/>
-              <a:t>Send those result to server</a:t>
-            </a:r>
+              <a:t>after that, generate file </a:t>
+            </a:r>
+            <a:r>
+              <a:rPr lang="en-US" dirty="0" err="1" smtClean="0"/>
+              <a:t>bpressure_poweron_finish</a:t>
+            </a:r>
+            <a:endParaRPr lang="en-US" dirty="0" smtClean="0"/>
           </a:p>
           <a:p>
             <a:pPr lvl="1"/>
             <a:r>
+              <a:rPr lang="en-US" dirty="0" err="1" smtClean="0"/>
+              <a:t>bpressure</a:t>
+            </a:r>
+            <a:r>
               <a:rPr lang="en-US" dirty="0" smtClean="0"/>
-              <a:t>Create a file name </a:t>
+              <a:t> will measure when spo2_finish exists</a:t>
+            </a:r>
+          </a:p>
+          <a:p>
+            <a:pPr lvl="1"/>
+            <a:r>
+              <a:rPr lang="en-US" dirty="0" smtClean="0"/>
+              <a:t>Store result in </a:t>
             </a:r>
             <a:r>
               <a:rPr lang="en-US" dirty="0" err="1" smtClean="0"/>
-              <a:t>wifi_finish</a:t>
+              <a:t>bpressure_result</a:t>
+            </a:r>
+            <a:r>
+              <a:rPr lang="en-US" dirty="0" smtClean="0"/>
+              <a:t>, generate </a:t>
+            </a:r>
+            <a:r>
+              <a:rPr lang="en-US" dirty="0" err="1" smtClean="0"/>
+              <a:t>bpressure_finish</a:t>
             </a:r>
             <a:endParaRPr lang="en-US" dirty="0" smtClean="0"/>
           </a:p>
           <a:p>
             <a:r>
+              <a:rPr lang="en-US" dirty="0" smtClean="0"/>
+              <a:t>Output:</a:t>
+            </a:r>
+          </a:p>
+          <a:p>
+            <a:pPr lvl="1"/>
+            <a:r>
+              <a:rPr lang="en-US" dirty="0" smtClean="0"/>
+              <a:t>Program: </a:t>
+            </a:r>
+            <a:r>
               <a:rPr lang="en-US" dirty="0" err="1" smtClean="0"/>
-              <a:t>Quang</a:t>
+              <a:t>bpressure_poweron</a:t>
             </a:r>
             <a:r>
               <a:rPr lang="en-US" dirty="0" smtClean="0"/>
-              <a:t> + Ly</a:t>
-            </a:r>
+              <a:t>, </a:t>
+            </a:r>
+            <a:r>
+              <a:rPr lang="en-US" dirty="0" err="1" smtClean="0"/>
+              <a:t>bpressure</a:t>
+            </a:r>
+            <a:endParaRPr lang="en-US" dirty="0" smtClean="0"/>
+          </a:p>
+          <a:p>
+            <a:pPr lvl="1"/>
+            <a:r>
+              <a:rPr lang="en-US" dirty="0" smtClean="0"/>
+              <a:t>Output</a:t>
+            </a:r>
+            <a:r>
+              <a:rPr lang="en-US" dirty="0"/>
+              <a:t>: </a:t>
+            </a:r>
+            <a:r>
+              <a:rPr lang="en-US" dirty="0" err="1" smtClean="0"/>
+              <a:t>bpressure_result</a:t>
+            </a:r>
+            <a:r>
+              <a:rPr lang="en-US" dirty="0" smtClean="0"/>
+              <a:t>, </a:t>
+            </a:r>
+            <a:r>
+              <a:rPr lang="en-US" dirty="0" err="1"/>
+              <a:t>bpressure_finish</a:t>
+            </a:r>
+            <a:endParaRPr lang="en-US" dirty="0" smtClean="0"/>
+          </a:p>
+          <a:p>
+            <a:pPr lvl="1"/>
+            <a:endParaRPr lang="en-US" dirty="0" smtClean="0"/>
           </a:p>
           <a:p>
             <a:endParaRPr lang="en-US" dirty="0"/>
@@ -21193,7 +22656,7 @@
     </p:spTree>
     <p:extLst>
       <p:ext uri="{BB962C8B-B14F-4D97-AF65-F5344CB8AC3E}">
-        <p14:creationId xmlns:p14="http://schemas.microsoft.com/office/powerpoint/2010/main" val="2228351380"/>
+        <p14:creationId xmlns:p14="http://schemas.microsoft.com/office/powerpoint/2010/main" val="337554308"/>
       </p:ext>
     </p:extLst>
   </p:cSld>
@@ -21237,7 +22700,11 @@
           <a:p>
             <a:r>
               <a:rPr lang="en-US" dirty="0" smtClean="0"/>
-              <a:t>Touch</a:t>
+              <a:t>Pi Connect server via </a:t>
+            </a:r>
+            <a:r>
+              <a:rPr lang="en-US" dirty="0" err="1" smtClean="0"/>
+              <a:t>WiFi</a:t>
             </a:r>
             <a:endParaRPr lang="en-US" dirty="0"/>
           </a:p>
@@ -21259,42 +22726,84 @@
           <a:lstStyle/>
           <a:p>
             <a:r>
+              <a:rPr lang="en-US" dirty="0" err="1" smtClean="0"/>
+              <a:t>Quang</a:t>
+            </a:r>
+            <a:r>
               <a:rPr lang="en-US" dirty="0" smtClean="0"/>
-              <a:t>Input: </a:t>
+              <a:t> </a:t>
+            </a:r>
+            <a:r>
+              <a:rPr lang="en-US" dirty="0" smtClean="0"/>
+              <a:t>+ </a:t>
+            </a:r>
+            <a:r>
+              <a:rPr lang="en-US" dirty="0" err="1" smtClean="0"/>
+              <a:t>Lý</a:t>
+            </a:r>
+            <a:endParaRPr lang="en-US" dirty="0" smtClean="0"/>
+          </a:p>
+          <a:p>
+            <a:r>
+              <a:rPr lang="en-US" dirty="0" smtClean="0"/>
+              <a:t>Description:</a:t>
             </a:r>
           </a:p>
           <a:p>
             <a:pPr lvl="1"/>
             <a:r>
               <a:rPr lang="en-US" dirty="0" smtClean="0"/>
-              <a:t>None</a:t>
-            </a:r>
-          </a:p>
-          <a:p>
+              <a:t>Send data to server when </a:t>
+            </a:r>
+            <a:r>
+              <a:rPr lang="en-US" dirty="0" err="1" smtClean="0"/>
+              <a:t>wifi_start</a:t>
+            </a:r>
             <a:r>
               <a:rPr lang="en-US" dirty="0" smtClean="0"/>
-              <a:t>Output:</a:t>
+              <a:t> exists</a:t>
             </a:r>
           </a:p>
           <a:p>
             <a:pPr lvl="1"/>
             <a:r>
-              <a:rPr lang="en-US" dirty="0"/>
-              <a:t>Create a file name </a:t>
+              <a:rPr lang="en-US" dirty="0" smtClean="0"/>
+              <a:t>Generate file </a:t>
             </a:r>
             <a:r>
               <a:rPr lang="en-US" dirty="0" err="1" smtClean="0"/>
-              <a:t>touch_finish</a:t>
-            </a:r>
-            <a:endParaRPr lang="en-US" dirty="0"/>
+              <a:t>wifi_finish</a:t>
+            </a:r>
+            <a:endParaRPr lang="en-US" dirty="0" smtClean="0"/>
           </a:p>
           <a:p>
             <a:r>
               <a:rPr lang="en-US" dirty="0" smtClean="0"/>
-              <a:t>TBD</a:t>
+              <a:t>Output:</a:t>
             </a:r>
           </a:p>
           <a:p>
+            <a:pPr lvl="1"/>
+            <a:r>
+              <a:rPr lang="en-US" dirty="0" smtClean="0"/>
+              <a:t>Program: </a:t>
+            </a:r>
+            <a:r>
+              <a:rPr lang="en-US" dirty="0" err="1" smtClean="0"/>
+              <a:t>wifi</a:t>
+            </a:r>
+            <a:endParaRPr lang="en-US" dirty="0" smtClean="0"/>
+          </a:p>
+          <a:p>
+            <a:pPr lvl="1"/>
+            <a:r>
+              <a:rPr lang="en-US" dirty="0" smtClean="0"/>
+              <a:t>File: </a:t>
+            </a:r>
+            <a:r>
+              <a:rPr lang="en-US" dirty="0" err="1" smtClean="0"/>
+              <a:t>wifi_finish</a:t>
+            </a:r>
             <a:endParaRPr lang="en-US" dirty="0"/>
           </a:p>
         </p:txBody>
@@ -21302,7 +22811,7 @@
     </p:spTree>
     <p:extLst>
       <p:ext uri="{BB962C8B-B14F-4D97-AF65-F5344CB8AC3E}">
-        <p14:creationId xmlns:p14="http://schemas.microsoft.com/office/powerpoint/2010/main" val="3141962098"/>
+        <p14:creationId xmlns:p14="http://schemas.microsoft.com/office/powerpoint/2010/main" val="2228351380"/>
       </p:ext>
     </p:extLst>
   </p:cSld>
@@ -21362,7 +22871,7 @@
             <p:ph idx="1"/>
             <p:extLst>
               <p:ext uri="{D42A27DB-BD31-4B8C-83A1-F6EECF244321}">
-                <p14:modId xmlns:p14="http://schemas.microsoft.com/office/powerpoint/2010/main" val="2425544633"/>
+                <p14:modId xmlns:p14="http://schemas.microsoft.com/office/powerpoint/2010/main" val="2510390184"/>
               </p:ext>
             </p:extLst>
           </p:nvPr>
@@ -21416,14 +22925,490 @@
           <p:nvPr>
             <p:extLst>
               <p:ext uri="{D42A27DB-BD31-4B8C-83A1-F6EECF244321}">
-                <p14:modId xmlns:p14="http://schemas.microsoft.com/office/powerpoint/2010/main" val="1216245051"/>
+                <p14:modId xmlns:p14="http://schemas.microsoft.com/office/powerpoint/2010/main" val="2768890957"/>
               </p:ext>
             </p:extLst>
           </p:nvPr>
         </p:nvGraphicFramePr>
         <p:xfrm>
           <a:off x="1898650" y="2138891"/>
-          <a:ext cx="8128000" cy="3774440"/>
+          <a:ext cx="8128000" cy="3708400"/>
+        </p:xfrm>
+        <a:graphic>
+          <a:graphicData uri="http://schemas.openxmlformats.org/drawingml/2006/table">
+            <a:tbl>
+              <a:tblPr firstRow="1" bandRow="1">
+                <a:tableStyleId>{5C22544A-7EE6-4342-B048-85BDC9FD1C3A}</a:tableStyleId>
+              </a:tblPr>
+              <a:tblGrid>
+                <a:gridCol w="4064000"/>
+                <a:gridCol w="4064000"/>
+              </a:tblGrid>
+              <a:tr h="370840">
+                <a:tc>
+                  <a:txBody>
+                    <a:bodyPr/>
+                    <a:lstStyle/>
+                    <a:p>
+                      <a:r>
+                        <a:rPr lang="en-US" dirty="0" smtClean="0"/>
+                        <a:t>Module</a:t>
+                      </a:r>
+                      <a:endParaRPr lang="en-US" dirty="0"/>
+                    </a:p>
+                  </a:txBody>
+                  <a:tcPr/>
+                </a:tc>
+                <a:tc>
+                  <a:txBody>
+                    <a:bodyPr/>
+                    <a:lstStyle/>
+                    <a:p>
+                      <a:r>
+                        <a:rPr lang="en-US" dirty="0" smtClean="0"/>
+                        <a:t>Code</a:t>
+                      </a:r>
+                      <a:endParaRPr lang="en-US" dirty="0"/>
+                    </a:p>
+                  </a:txBody>
+                  <a:tcPr/>
+                </a:tc>
+              </a:tr>
+              <a:tr h="370840">
+                <a:tc>
+                  <a:txBody>
+                    <a:bodyPr/>
+                    <a:lstStyle/>
+                    <a:p>
+                      <a:r>
+                        <a:rPr lang="en-US" dirty="0" smtClean="0"/>
+                        <a:t>Audio</a:t>
+                      </a:r>
+                      <a:endParaRPr lang="en-US" dirty="0"/>
+                    </a:p>
+                  </a:txBody>
+                  <a:tcPr/>
+                </a:tc>
+                <a:tc>
+                  <a:txBody>
+                    <a:bodyPr/>
+                    <a:lstStyle/>
+                    <a:p>
+                      <a:r>
+                        <a:rPr lang="en-US" dirty="0" smtClean="0"/>
+                        <a:t>audio</a:t>
+                      </a:r>
+                      <a:endParaRPr lang="en-US" dirty="0"/>
+                    </a:p>
+                  </a:txBody>
+                  <a:tcPr/>
+                </a:tc>
+              </a:tr>
+              <a:tr h="370840">
+                <a:tc>
+                  <a:txBody>
+                    <a:bodyPr/>
+                    <a:lstStyle/>
+                    <a:p>
+                      <a:r>
+                        <a:rPr lang="en-US" dirty="0" smtClean="0"/>
+                        <a:t>Bluetooth</a:t>
+                      </a:r>
+                      <a:endParaRPr lang="en-US" dirty="0"/>
+                    </a:p>
+                  </a:txBody>
+                  <a:tcPr/>
+                </a:tc>
+                <a:tc>
+                  <a:txBody>
+                    <a:bodyPr/>
+                    <a:lstStyle/>
+                    <a:p>
+                      <a:r>
+                        <a:rPr lang="en-US" dirty="0" err="1" smtClean="0"/>
+                        <a:t>bluetooth</a:t>
+                      </a:r>
+                      <a:endParaRPr lang="en-US" dirty="0"/>
+                    </a:p>
+                  </a:txBody>
+                  <a:tcPr/>
+                </a:tc>
+              </a:tr>
+              <a:tr h="370840">
+                <a:tc>
+                  <a:txBody>
+                    <a:bodyPr/>
+                    <a:lstStyle/>
+                    <a:p>
+                      <a:r>
+                        <a:rPr lang="en-US" dirty="0" smtClean="0"/>
+                        <a:t>Blood pressure</a:t>
+                      </a:r>
+                      <a:endParaRPr lang="en-US" dirty="0"/>
+                    </a:p>
+                  </a:txBody>
+                  <a:tcPr/>
+                </a:tc>
+                <a:tc>
+                  <a:txBody>
+                    <a:bodyPr/>
+                    <a:lstStyle/>
+                    <a:p>
+                      <a:r>
+                        <a:rPr lang="en-US" dirty="0" err="1" smtClean="0"/>
+                        <a:t>bpressure</a:t>
+                      </a:r>
+                      <a:endParaRPr lang="en-US" dirty="0"/>
+                    </a:p>
+                  </a:txBody>
+                  <a:tcPr/>
+                </a:tc>
+              </a:tr>
+              <a:tr h="370840">
+                <a:tc>
+                  <a:txBody>
+                    <a:bodyPr/>
+                    <a:lstStyle/>
+                    <a:p>
+                      <a:r>
+                        <a:rPr lang="en-US" dirty="0" smtClean="0"/>
+                        <a:t>Scale</a:t>
+                      </a:r>
+                      <a:endParaRPr lang="en-US" dirty="0"/>
+                    </a:p>
+                  </a:txBody>
+                  <a:tcPr/>
+                </a:tc>
+                <a:tc>
+                  <a:txBody>
+                    <a:bodyPr/>
+                    <a:lstStyle/>
+                    <a:p>
+                      <a:r>
+                        <a:rPr lang="en-US" dirty="0" smtClean="0"/>
+                        <a:t>scale</a:t>
+                      </a:r>
+                      <a:endParaRPr lang="en-US" dirty="0"/>
+                    </a:p>
+                  </a:txBody>
+                  <a:tcPr/>
+                </a:tc>
+              </a:tr>
+              <a:tr h="370840">
+                <a:tc>
+                  <a:txBody>
+                    <a:bodyPr/>
+                    <a:lstStyle/>
+                    <a:p>
+                      <a:r>
+                        <a:rPr lang="en-US" dirty="0" smtClean="0"/>
+                        <a:t>SpO2</a:t>
+                      </a:r>
+                      <a:endParaRPr lang="en-US" dirty="0"/>
+                    </a:p>
+                  </a:txBody>
+                  <a:tcPr/>
+                </a:tc>
+                <a:tc>
+                  <a:txBody>
+                    <a:bodyPr/>
+                    <a:lstStyle/>
+                    <a:p>
+                      <a:r>
+                        <a:rPr lang="en-US" dirty="0" smtClean="0"/>
+                        <a:t>spo2</a:t>
+                      </a:r>
+                      <a:endParaRPr lang="en-US" dirty="0"/>
+                    </a:p>
+                  </a:txBody>
+                  <a:tcPr/>
+                </a:tc>
+              </a:tr>
+              <a:tr h="370840">
+                <a:tc>
+                  <a:txBody>
+                    <a:bodyPr/>
+                    <a:lstStyle/>
+                    <a:p>
+                      <a:r>
+                        <a:rPr lang="en-US" dirty="0" smtClean="0"/>
+                        <a:t>Temperature</a:t>
+                      </a:r>
+                      <a:endParaRPr lang="en-US" dirty="0"/>
+                    </a:p>
+                  </a:txBody>
+                  <a:tcPr/>
+                </a:tc>
+                <a:tc>
+                  <a:txBody>
+                    <a:bodyPr/>
+                    <a:lstStyle/>
+                    <a:p>
+                      <a:r>
+                        <a:rPr lang="en-US" dirty="0" smtClean="0"/>
+                        <a:t>temp</a:t>
+                      </a:r>
+                      <a:endParaRPr lang="en-US" dirty="0"/>
+                    </a:p>
+                  </a:txBody>
+                  <a:tcPr/>
+                </a:tc>
+              </a:tr>
+              <a:tr h="370840">
+                <a:tc>
+                  <a:txBody>
+                    <a:bodyPr/>
+                    <a:lstStyle/>
+                    <a:p>
+                      <a:r>
+                        <a:rPr lang="en-US" dirty="0" smtClean="0"/>
+                        <a:t>Touch</a:t>
+                      </a:r>
+                      <a:endParaRPr lang="en-US" dirty="0"/>
+                    </a:p>
+                  </a:txBody>
+                  <a:tcPr/>
+                </a:tc>
+                <a:tc>
+                  <a:txBody>
+                    <a:bodyPr/>
+                    <a:lstStyle/>
+                    <a:p>
+                      <a:r>
+                        <a:rPr lang="en-US" dirty="0" smtClean="0"/>
+                        <a:t>touch</a:t>
+                      </a:r>
+                      <a:endParaRPr lang="en-US" dirty="0"/>
+                    </a:p>
+                  </a:txBody>
+                  <a:tcPr/>
+                </a:tc>
+              </a:tr>
+              <a:tr h="370840">
+                <a:tc>
+                  <a:txBody>
+                    <a:bodyPr/>
+                    <a:lstStyle/>
+                    <a:p>
+                      <a:r>
+                        <a:rPr lang="en-US" dirty="0" smtClean="0"/>
+                        <a:t>Uno</a:t>
+                      </a:r>
+                      <a:endParaRPr lang="en-US" dirty="0"/>
+                    </a:p>
+                  </a:txBody>
+                  <a:tcPr/>
+                </a:tc>
+                <a:tc>
+                  <a:txBody>
+                    <a:bodyPr/>
+                    <a:lstStyle/>
+                    <a:p>
+                      <a:pPr marL="0" marR="0" lvl="0" indent="0" algn="l" defTabSz="914400" rtl="0" eaLnBrk="1" fontAlgn="auto" latinLnBrk="0" hangingPunct="1">
+                        <a:lnSpc>
+                          <a:spcPct val="100000"/>
+                        </a:lnSpc>
+                        <a:spcBef>
+                          <a:spcPts val="0"/>
+                        </a:spcBef>
+                        <a:spcAft>
+                          <a:spcPts val="0"/>
+                        </a:spcAft>
+                        <a:buClrTx/>
+                        <a:buSzTx/>
+                        <a:buFontTx/>
+                        <a:buNone/>
+                        <a:tabLst/>
+                        <a:defRPr/>
+                      </a:pPr>
+                      <a:r>
+                        <a:rPr lang="en-US" dirty="0" err="1" smtClean="0"/>
+                        <a:t>uno</a:t>
+                      </a:r>
+                      <a:endParaRPr lang="en-US" dirty="0" smtClean="0"/>
+                    </a:p>
+                  </a:txBody>
+                  <a:tcPr/>
+                </a:tc>
+              </a:tr>
+              <a:tr h="370840">
+                <a:tc>
+                  <a:txBody>
+                    <a:bodyPr/>
+                    <a:lstStyle/>
+                    <a:p>
+                      <a:r>
+                        <a:rPr lang="en-US" dirty="0" smtClean="0"/>
+                        <a:t>Connect server</a:t>
+                      </a:r>
+                      <a:r>
+                        <a:rPr lang="en-US" baseline="0" dirty="0" smtClean="0"/>
+                        <a:t> (</a:t>
+                      </a:r>
+                      <a:r>
+                        <a:rPr lang="en-US" baseline="0" dirty="0" err="1" smtClean="0"/>
+                        <a:t>wifi</a:t>
+                      </a:r>
+                      <a:r>
+                        <a:rPr lang="en-US" baseline="0" dirty="0" smtClean="0"/>
+                        <a:t>)</a:t>
+                      </a:r>
+                      <a:endParaRPr lang="en-US" dirty="0"/>
+                    </a:p>
+                  </a:txBody>
+                  <a:tcPr/>
+                </a:tc>
+                <a:tc>
+                  <a:txBody>
+                    <a:bodyPr/>
+                    <a:lstStyle/>
+                    <a:p>
+                      <a:pPr marL="0" marR="0" lvl="0" indent="0" algn="l" defTabSz="914400" rtl="0" eaLnBrk="1" fontAlgn="auto" latinLnBrk="0" hangingPunct="1">
+                        <a:lnSpc>
+                          <a:spcPct val="100000"/>
+                        </a:lnSpc>
+                        <a:spcBef>
+                          <a:spcPts val="0"/>
+                        </a:spcBef>
+                        <a:spcAft>
+                          <a:spcPts val="0"/>
+                        </a:spcAft>
+                        <a:buClrTx/>
+                        <a:buSzTx/>
+                        <a:buFontTx/>
+                        <a:buNone/>
+                        <a:tabLst/>
+                        <a:defRPr/>
+                      </a:pPr>
+                      <a:r>
+                        <a:rPr lang="en-US" dirty="0" err="1" smtClean="0"/>
+                        <a:t>wifi</a:t>
+                      </a:r>
+                      <a:endParaRPr lang="en-US" dirty="0" smtClean="0"/>
+                    </a:p>
+                  </a:txBody>
+                  <a:tcPr/>
+                </a:tc>
+              </a:tr>
+            </a:tbl>
+          </a:graphicData>
+        </a:graphic>
+      </p:graphicFrame>
+      <p:sp>
+        <p:nvSpPr>
+          <p:cNvPr id="3" name="TextBox 2"/>
+          <p:cNvSpPr txBox="1"/>
+          <p:nvPr/>
+        </p:nvSpPr>
+        <p:spPr>
+          <a:xfrm>
+            <a:off x="609600" y="523875"/>
+            <a:ext cx="7562519" cy="769441"/>
+          </a:xfrm>
+          <a:prstGeom prst="rect">
+            <a:avLst/>
+          </a:prstGeom>
+          <a:noFill/>
+        </p:spPr>
+        <p:txBody>
+          <a:bodyPr wrap="none" rtlCol="0">
+            <a:spAutoFit/>
+          </a:bodyPr>
+          <a:lstStyle/>
+          <a:p>
+            <a:r>
+              <a:rPr lang="en-US" sz="4400" dirty="0" smtClean="0">
+                <a:latin typeface="+mj-lt"/>
+              </a:rPr>
+              <a:t>Module code (for implementing)</a:t>
+            </a:r>
+            <a:endParaRPr lang="en-US" sz="4400" dirty="0">
+              <a:latin typeface="+mj-lt"/>
+            </a:endParaRPr>
+          </a:p>
+        </p:txBody>
+      </p:sp>
+    </p:spTree>
+    <p:extLst>
+      <p:ext uri="{BB962C8B-B14F-4D97-AF65-F5344CB8AC3E}">
+        <p14:creationId xmlns:p14="http://schemas.microsoft.com/office/powerpoint/2010/main" val="2700654707"/>
+      </p:ext>
+    </p:extLst>
+  </p:cSld>
+  <p:clrMapOvr>
+    <a:masterClrMapping/>
+  </p:clrMapOvr>
+</p:sld>
+</file>
+
+<file path=ppt/slides/slide18.xml><?xml version="1.0" encoding="utf-8"?>
+<p:sld xmlns:a="http://schemas.openxmlformats.org/drawingml/2006/main" xmlns:r="http://schemas.openxmlformats.org/officeDocument/2006/relationships" xmlns:p="http://schemas.openxmlformats.org/presentationml/2006/main">
+  <p:cSld>
+    <p:spTree>
+      <p:nvGrpSpPr>
+        <p:cNvPr id="1" name=""/>
+        <p:cNvGrpSpPr/>
+        <p:nvPr/>
+      </p:nvGrpSpPr>
+      <p:grpSpPr>
+        <a:xfrm>
+          <a:off x="0" y="0"/>
+          <a:ext cx="0" cy="0"/>
+          <a:chOff x="0" y="0"/>
+          <a:chExt cx="0" cy="0"/>
+        </a:xfrm>
+      </p:grpSpPr>
+      <p:sp>
+        <p:nvSpPr>
+          <p:cNvPr id="3" name="TextBox 2"/>
+          <p:cNvSpPr txBox="1"/>
+          <p:nvPr/>
+        </p:nvSpPr>
+        <p:spPr>
+          <a:xfrm>
+            <a:off x="609600" y="523875"/>
+            <a:ext cx="2335448" cy="769441"/>
+          </a:xfrm>
+          <a:prstGeom prst="rect">
+            <a:avLst/>
+          </a:prstGeom>
+          <a:noFill/>
+        </p:spPr>
+        <p:txBody>
+          <a:bodyPr wrap="none" rtlCol="0">
+            <a:spAutoFit/>
+          </a:bodyPr>
+          <a:lstStyle/>
+          <a:p>
+            <a:r>
+              <a:rPr lang="en-US" sz="4400" dirty="0" smtClean="0">
+                <a:latin typeface="+mj-lt"/>
+              </a:rPr>
+              <a:t>Summary</a:t>
+            </a:r>
+            <a:endParaRPr lang="en-US" sz="4400" dirty="0">
+              <a:latin typeface="+mj-lt"/>
+            </a:endParaRPr>
+          </a:p>
+        </p:txBody>
+      </p:sp>
+      <p:graphicFrame>
+        <p:nvGraphicFramePr>
+          <p:cNvPr id="4" name="Table 3"/>
+          <p:cNvGraphicFramePr>
+            <a:graphicFrameLocks noGrp="1"/>
+          </p:cNvGraphicFramePr>
+          <p:nvPr>
+            <p:extLst>
+              <p:ext uri="{D42A27DB-BD31-4B8C-83A1-F6EECF244321}">
+                <p14:modId xmlns:p14="http://schemas.microsoft.com/office/powerpoint/2010/main" val="1003462750"/>
+              </p:ext>
+            </p:extLst>
+          </p:nvPr>
+        </p:nvGraphicFramePr>
+        <p:xfrm>
+          <a:off x="1898650" y="2138891"/>
+          <a:ext cx="8128000" cy="3505200"/>
         </p:xfrm>
         <a:graphic>
           <a:graphicData uri="http://schemas.openxmlformats.org/drawingml/2006/table">
@@ -21532,12 +23517,8 @@
                     <a:lstStyle/>
                     <a:p>
                       <a:r>
-                        <a:rPr lang="en-US" dirty="0" smtClean="0"/>
-                        <a:t>Main</a:t>
-                      </a:r>
-                      <a:r>
                         <a:rPr lang="en-US" baseline="0" dirty="0" smtClean="0"/>
-                        <a:t> program, Scale</a:t>
+                        <a:t>Scale</a:t>
                       </a:r>
                       <a:endParaRPr lang="en-US" dirty="0"/>
                     </a:p>
@@ -21568,10 +23549,6 @@
                       <a:r>
                         <a:rPr lang="en-US" dirty="0" smtClean="0"/>
                         <a:t>SpO2, Bluetooth</a:t>
-                      </a:r>
-                      <a:r>
-                        <a:rPr lang="en-US" baseline="0" dirty="0" smtClean="0"/>
-                        <a:t> (Pi side), Bluetooth (Android side)</a:t>
                       </a:r>
                       <a:endParaRPr lang="en-US" dirty="0"/>
                     </a:p>
@@ -21639,7 +23616,7 @@
                       </a:r>
                       <a:r>
                         <a:rPr lang="en-US" baseline="0" dirty="0" smtClean="0"/>
-                        <a:t> Pressure</a:t>
+                        <a:t> Pressure, Uno</a:t>
                       </a:r>
                       <a:endParaRPr lang="en-US" dirty="0"/>
                     </a:p>
@@ -21681,7 +23658,7 @@
                       </a:r>
                       <a:r>
                         <a:rPr lang="en-US" baseline="0" dirty="0" smtClean="0"/>
-                        <a:t> (Pi), connect server (android)</a:t>
+                        <a:t> (Pi), temperature, touch</a:t>
                       </a:r>
                       <a:endParaRPr lang="en-US" dirty="0"/>
                     </a:p>
@@ -21709,23 +23686,6 @@
                     <a:bodyPr/>
                     <a:lstStyle/>
                     <a:p>
-                      <a:pPr marL="0" marR="0" lvl="0" indent="0" algn="l" defTabSz="914400" rtl="0" eaLnBrk="1" fontAlgn="auto" latinLnBrk="0" hangingPunct="1">
-                        <a:lnSpc>
-                          <a:spcPct val="100000"/>
-                        </a:lnSpc>
-                        <a:spcBef>
-                          <a:spcPts val="0"/>
-                        </a:spcBef>
-                        <a:spcAft>
-                          <a:spcPts val="0"/>
-                        </a:spcAft>
-                        <a:buClrTx/>
-                        <a:buSzTx/>
-                        <a:buFontTx/>
-                        <a:buNone/>
-                        <a:tabLst/>
-                        <a:defRPr/>
-                      </a:pPr>
                       <a:r>
                         <a:rPr lang="en-US" dirty="0" smtClean="0"/>
                         <a:t>Server,</a:t>
@@ -21740,9 +23700,9 @@
                       </a:r>
                       <a:r>
                         <a:rPr lang="en-US" baseline="0" dirty="0" smtClean="0"/>
-                        <a:t> (Pi), connect server (android)</a:t>
+                        <a:t> (Pi), temperature, touch</a:t>
                       </a:r>
-                      <a:endParaRPr lang="en-US" dirty="0" smtClean="0"/>
+                      <a:endParaRPr lang="en-US" dirty="0"/>
                     </a:p>
                   </a:txBody>
                   <a:tcPr/>
@@ -21752,44 +23712,10 @@
           </a:graphicData>
         </a:graphic>
       </p:graphicFrame>
-      <p:sp>
-        <p:nvSpPr>
-          <p:cNvPr id="3" name="TextBox 2"/>
-          <p:cNvSpPr txBox="1"/>
-          <p:nvPr/>
-        </p:nvSpPr>
-        <p:spPr>
-          <a:xfrm>
-            <a:off x="609600" y="523875"/>
-            <a:ext cx="2335448" cy="769441"/>
-          </a:xfrm>
-          <a:prstGeom prst="rect">
-            <a:avLst/>
-          </a:prstGeom>
-          <a:noFill/>
-        </p:spPr>
-        <p:txBody>
-          <a:bodyPr wrap="none" rtlCol="0">
-            <a:spAutoFit/>
-          </a:bodyPr>
-          <a:lstStyle/>
-          <a:p>
-            <a:r>
-              <a:rPr lang="en-US" sz="4400" dirty="0" smtClean="0">
-                <a:latin typeface="+mj-lt"/>
-              </a:rPr>
-              <a:t>Summary</a:t>
-            </a:r>
-            <a:endParaRPr lang="en-US" sz="4400" dirty="0">
-              <a:latin typeface="+mj-lt"/>
-            </a:endParaRPr>
-          </a:p>
-        </p:txBody>
-      </p:sp>
     </p:spTree>
     <p:extLst>
       <p:ext uri="{BB962C8B-B14F-4D97-AF65-F5344CB8AC3E}">
-        <p14:creationId xmlns:p14="http://schemas.microsoft.com/office/powerpoint/2010/main" val="2700654707"/>
+        <p14:creationId xmlns:p14="http://schemas.microsoft.com/office/powerpoint/2010/main" val="3611105134"/>
       </p:ext>
     </p:extLst>
   </p:cSld>
@@ -21799,7 +23725,7 @@
 </p:sld>
 </file>
 
-<file path=ppt/slides/slide18.xml><?xml version="1.0" encoding="utf-8"?>
+<file path=ppt/slides/slide19.xml><?xml version="1.0" encoding="utf-8"?>
 <p:sld xmlns:a="http://schemas.openxmlformats.org/drawingml/2006/main" xmlns:r="http://schemas.openxmlformats.org/officeDocument/2006/relationships" xmlns:p="http://schemas.openxmlformats.org/presentationml/2006/main">
   <p:cSld>
     <p:spTree>
@@ -21866,7 +23792,87 @@
 </p:sld>
 </file>
 
-<file path=ppt/slides/slide19.xml><?xml version="1.0" encoding="utf-8"?>
+<file path=ppt/slides/slide2.xml><?xml version="1.0" encoding="utf-8"?>
+<p:sld xmlns:a="http://schemas.openxmlformats.org/drawingml/2006/main" xmlns:r="http://schemas.openxmlformats.org/officeDocument/2006/relationships" xmlns:p="http://schemas.openxmlformats.org/presentationml/2006/main">
+  <p:cSld>
+    <p:spTree>
+      <p:nvGrpSpPr>
+        <p:cNvPr id="1" name=""/>
+        <p:cNvGrpSpPr/>
+        <p:nvPr/>
+      </p:nvGrpSpPr>
+      <p:grpSpPr>
+        <a:xfrm>
+          <a:off x="0" y="0"/>
+          <a:ext cx="0" cy="0"/>
+          <a:chOff x="0" y="0"/>
+          <a:chExt cx="0" cy="0"/>
+        </a:xfrm>
+      </p:grpSpPr>
+      <p:sp>
+        <p:nvSpPr>
+          <p:cNvPr id="6" name="Title 1"/>
+          <p:cNvSpPr>
+            <a:spLocks noGrp="1"/>
+          </p:cNvSpPr>
+          <p:nvPr>
+            <p:ph type="title"/>
+          </p:nvPr>
+        </p:nvSpPr>
+        <p:spPr>
+          <a:xfrm>
+            <a:off x="152400" y="0"/>
+            <a:ext cx="10515600" cy="1325563"/>
+          </a:xfrm>
+        </p:spPr>
+        <p:txBody>
+          <a:bodyPr/>
+          <a:lstStyle/>
+          <a:p>
+            <a:r>
+              <a:rPr lang="en-US" dirty="0" smtClean="0"/>
+              <a:t>Design &amp; Assigned Task</a:t>
+            </a:r>
+            <a:endParaRPr lang="en-US" dirty="0"/>
+          </a:p>
+        </p:txBody>
+      </p:sp>
+      <p:graphicFrame>
+        <p:nvGraphicFramePr>
+          <p:cNvPr id="5" name="Diagram 4"/>
+          <p:cNvGraphicFramePr/>
+          <p:nvPr>
+            <p:extLst>
+              <p:ext uri="{D42A27DB-BD31-4B8C-83A1-F6EECF244321}">
+                <p14:modId xmlns:p14="http://schemas.microsoft.com/office/powerpoint/2010/main" val="1087820420"/>
+              </p:ext>
+            </p:extLst>
+          </p:nvPr>
+        </p:nvGraphicFramePr>
+        <p:xfrm>
+          <a:off x="-409575" y="1399994"/>
+          <a:ext cx="12192000" cy="6858000"/>
+        </p:xfrm>
+        <a:graphic>
+          <a:graphicData uri="http://schemas.openxmlformats.org/drawingml/2006/diagram">
+            <dgm:relIds xmlns:dgm="http://schemas.openxmlformats.org/drawingml/2006/diagram" xmlns:r="http://schemas.openxmlformats.org/officeDocument/2006/relationships" r:dm="rId3" r:lo="rId4" r:qs="rId5" r:cs="rId6"/>
+          </a:graphicData>
+        </a:graphic>
+      </p:graphicFrame>
+    </p:spTree>
+    <p:extLst>
+      <p:ext uri="{BB962C8B-B14F-4D97-AF65-F5344CB8AC3E}">
+        <p14:creationId xmlns:p14="http://schemas.microsoft.com/office/powerpoint/2010/main" val="1088428933"/>
+      </p:ext>
+    </p:extLst>
+  </p:cSld>
+  <p:clrMapOvr>
+    <a:masterClrMapping/>
+  </p:clrMapOvr>
+</p:sld>
+</file>
+
+<file path=ppt/slides/slide20.xml><?xml version="1.0" encoding="utf-8"?>
 <p:sld xmlns:a="http://schemas.openxmlformats.org/drawingml/2006/main" xmlns:r="http://schemas.openxmlformats.org/officeDocument/2006/relationships" xmlns:p="http://schemas.openxmlformats.org/presentationml/2006/main">
   <p:cSld>
     <p:spTree>
@@ -21933,86 +23939,6 @@
     <p:extLst>
       <p:ext uri="{BB962C8B-B14F-4D97-AF65-F5344CB8AC3E}">
         <p14:creationId xmlns:p14="http://schemas.microsoft.com/office/powerpoint/2010/main" val="4235278160"/>
-      </p:ext>
-    </p:extLst>
-  </p:cSld>
-  <p:clrMapOvr>
-    <a:masterClrMapping/>
-  </p:clrMapOvr>
-</p:sld>
-</file>
-
-<file path=ppt/slides/slide2.xml><?xml version="1.0" encoding="utf-8"?>
-<p:sld xmlns:a="http://schemas.openxmlformats.org/drawingml/2006/main" xmlns:r="http://schemas.openxmlformats.org/officeDocument/2006/relationships" xmlns:p="http://schemas.openxmlformats.org/presentationml/2006/main">
-  <p:cSld>
-    <p:spTree>
-      <p:nvGrpSpPr>
-        <p:cNvPr id="1" name=""/>
-        <p:cNvGrpSpPr/>
-        <p:nvPr/>
-      </p:nvGrpSpPr>
-      <p:grpSpPr>
-        <a:xfrm>
-          <a:off x="0" y="0"/>
-          <a:ext cx="0" cy="0"/>
-          <a:chOff x="0" y="0"/>
-          <a:chExt cx="0" cy="0"/>
-        </a:xfrm>
-      </p:grpSpPr>
-      <p:graphicFrame>
-        <p:nvGraphicFramePr>
-          <p:cNvPr id="4" name="Diagram 3"/>
-          <p:cNvGraphicFramePr/>
-          <p:nvPr>
-            <p:extLst>
-              <p:ext uri="{D42A27DB-BD31-4B8C-83A1-F6EECF244321}">
-                <p14:modId xmlns:p14="http://schemas.microsoft.com/office/powerpoint/2010/main" val="3375169206"/>
-              </p:ext>
-            </p:extLst>
-          </p:nvPr>
-        </p:nvGraphicFramePr>
-        <p:xfrm>
-          <a:off x="-409575" y="1325563"/>
-          <a:ext cx="12192000" cy="6858000"/>
-        </p:xfrm>
-        <a:graphic>
-          <a:graphicData uri="http://schemas.openxmlformats.org/drawingml/2006/diagram">
-            <dgm:relIds xmlns:dgm="http://schemas.openxmlformats.org/drawingml/2006/diagram" xmlns:r="http://schemas.openxmlformats.org/officeDocument/2006/relationships" r:dm="rId3" r:lo="rId4" r:qs="rId5" r:cs="rId6"/>
-          </a:graphicData>
-        </a:graphic>
-      </p:graphicFrame>
-      <p:sp>
-        <p:nvSpPr>
-          <p:cNvPr id="6" name="Title 1"/>
-          <p:cNvSpPr>
-            <a:spLocks noGrp="1"/>
-          </p:cNvSpPr>
-          <p:nvPr>
-            <p:ph type="title"/>
-          </p:nvPr>
-        </p:nvSpPr>
-        <p:spPr>
-          <a:xfrm>
-            <a:off x="152400" y="0"/>
-            <a:ext cx="10515600" cy="1325563"/>
-          </a:xfrm>
-        </p:spPr>
-        <p:txBody>
-          <a:bodyPr/>
-          <a:lstStyle/>
-          <a:p>
-            <a:r>
-              <a:rPr lang="en-US" dirty="0" smtClean="0"/>
-              <a:t>Design &amp; Assigned Task</a:t>
-            </a:r>
-            <a:endParaRPr lang="en-US" dirty="0"/>
-          </a:p>
-        </p:txBody>
-      </p:sp>
-    </p:spTree>
-    <p:extLst>
-      <p:ext uri="{BB962C8B-B14F-4D97-AF65-F5344CB8AC3E}">
-        <p14:creationId xmlns:p14="http://schemas.microsoft.com/office/powerpoint/2010/main" val="1088428933"/>
       </p:ext>
     </p:extLst>
   </p:cSld>
@@ -22085,12 +24011,28 @@
           <a:p>
             <a:pPr lvl="1"/>
             <a:r>
+              <a:rPr lang="en-US" dirty="0"/>
+              <a:t>&lt;</a:t>
+            </a:r>
+            <a:r>
+              <a:rPr lang="en-US" dirty="0" smtClean="0"/>
+              <a:t>module-code&gt;_</a:t>
+            </a:r>
+            <a:r>
+              <a:rPr lang="en-US" dirty="0"/>
+              <a:t>&lt;</a:t>
+            </a:r>
+            <a:r>
               <a:rPr lang="en-US" dirty="0" err="1" smtClean="0"/>
-              <a:t>module_functionname</a:t>
+              <a:t>functionname</a:t>
             </a:r>
             <a:r>
               <a:rPr lang="en-US" dirty="0" smtClean="0"/>
-              <a:t>(arg1, arg2…)</a:t>
+              <a:t>&gt;(arg1</a:t>
+            </a:r>
+            <a:r>
+              <a:rPr lang="en-US" dirty="0" smtClean="0"/>
+              <a:t>, arg2…)</a:t>
             </a:r>
           </a:p>
           <a:p>
@@ -22140,7 +24082,6 @@
               <a:rPr lang="en-US" dirty="0" smtClean="0"/>
               <a:t>Remember to comment in source code</a:t>
             </a:r>
-            <a:endParaRPr lang="en-US" dirty="0" smtClean="0"/>
           </a:p>
         </p:txBody>
       </p:sp>
@@ -22190,8 +24131,8 @@
           <a:lstStyle/>
           <a:p>
             <a:r>
-              <a:rPr lang="en-US" dirty="0" smtClean="0"/>
-              <a:t>Main flow</a:t>
+              <a:rPr lang="en-US" dirty="0"/>
+              <a:t>General rules</a:t>
             </a:r>
             <a:endParaRPr lang="en-US" dirty="0"/>
           </a:p>
@@ -22255,19 +24196,29 @@
           <a:p>
             <a:r>
               <a:rPr lang="en-US" dirty="0" smtClean="0"/>
-              <a:t>Other modules can be written in any languages, the output of each module is an executable file</a:t>
+              <a:t>Other modules can be written in any </a:t>
+            </a:r>
+            <a:r>
+              <a:rPr lang="en-US" dirty="0" smtClean="0"/>
+              <a:t>language, </a:t>
+            </a:r>
+            <a:r>
+              <a:rPr lang="en-US" dirty="0" smtClean="0"/>
+              <a:t>the output of each module is an executable </a:t>
+            </a:r>
+            <a:r>
+              <a:rPr lang="en-US" dirty="0" smtClean="0"/>
+              <a:t>file and some file used for communication</a:t>
             </a:r>
           </a:p>
           <a:p>
             <a:r>
               <a:rPr lang="en-US" dirty="0" smtClean="0"/>
-              <a:t>main() will call processes in desired order, OS will manage these processes.</a:t>
-            </a:r>
-          </a:p>
-          <a:p>
+              <a:t>inter-process </a:t>
+            </a:r>
             <a:r>
               <a:rPr lang="en-US" dirty="0" smtClean="0"/>
-              <a:t>inter-process communication: via files</a:t>
+              <a:t>communication: via files</a:t>
             </a:r>
           </a:p>
         </p:txBody>
@@ -22335,7 +24286,7 @@
             <p:ph idx="1"/>
             <p:extLst>
               <p:ext uri="{D42A27DB-BD31-4B8C-83A1-F6EECF244321}">
-                <p14:modId xmlns:p14="http://schemas.microsoft.com/office/powerpoint/2010/main" val="254457294"/>
+                <p14:modId xmlns:p14="http://schemas.microsoft.com/office/powerpoint/2010/main" val="1069004261"/>
               </p:ext>
             </p:extLst>
           </p:nvPr>
@@ -22358,8 +24309,8 @@
         </p:nvSpPr>
         <p:spPr>
           <a:xfrm>
-            <a:off x="10497434" y="3410605"/>
-            <a:ext cx="1694566" cy="523220"/>
+            <a:off x="5497285" y="3931730"/>
+            <a:ext cx="724878" cy="738664"/>
           </a:xfrm>
           <a:prstGeom prst="rect">
             <a:avLst/>
@@ -22374,13 +24325,20 @@
           <a:p>
             <a:r>
               <a:rPr lang="en-US" sz="1400" dirty="0" smtClean="0"/>
-              <a:t>Sends output to Pi + </a:t>
-            </a:r>
+              <a:t>Sends </a:t>
+            </a:r>
+            <a:endParaRPr lang="en-US" sz="1400" dirty="0" smtClean="0"/>
           </a:p>
           <a:p>
             <a:r>
               <a:rPr lang="en-US" sz="1400" dirty="0" smtClean="0"/>
-              <a:t>Voice message</a:t>
+              <a:t>output </a:t>
+            </a:r>
+          </a:p>
+          <a:p>
+            <a:r>
+              <a:rPr lang="en-US" sz="1400" dirty="0" smtClean="0"/>
+              <a:t>to Pi</a:t>
             </a:r>
           </a:p>
         </p:txBody>
@@ -22393,8 +24351,8 @@
         </p:nvSpPr>
         <p:spPr>
           <a:xfrm>
-            <a:off x="8335630" y="2914607"/>
-            <a:ext cx="1254446" cy="523220"/>
+            <a:off x="8053806" y="3931730"/>
+            <a:ext cx="757580" cy="523220"/>
           </a:xfrm>
           <a:prstGeom prst="rect">
             <a:avLst/>
@@ -22415,7 +24373,7 @@
           <a:p>
             <a:r>
               <a:rPr lang="en-US" sz="1400" dirty="0" smtClean="0"/>
-              <a:t>Voice message</a:t>
+              <a:t>Voice</a:t>
             </a:r>
             <a:endParaRPr lang="en-US" sz="1400" dirty="0"/>
           </a:p>
@@ -22429,7 +24387,67 @@
         </p:nvSpPr>
         <p:spPr>
           <a:xfrm>
-            <a:off x="2528388" y="5048207"/>
+            <a:off x="2814023" y="5115900"/>
+            <a:ext cx="581057" cy="307777"/>
+          </a:xfrm>
+          <a:prstGeom prst="rect">
+            <a:avLst/>
+          </a:prstGeom>
+          <a:noFill/>
+        </p:spPr>
+        <p:txBody>
+          <a:bodyPr wrap="none" rtlCol="0">
+            <a:spAutoFit/>
+          </a:bodyPr>
+          <a:lstStyle/>
+          <a:p>
+            <a:r>
+              <a:rPr lang="en-US" sz="1400" dirty="0" smtClean="0"/>
+              <a:t>Voice</a:t>
+            </a:r>
+            <a:endParaRPr lang="en-US" sz="1400" dirty="0"/>
+          </a:p>
+        </p:txBody>
+      </p:sp>
+      <p:sp>
+        <p:nvSpPr>
+          <p:cNvPr id="9" name="TextBox 8"/>
+          <p:cNvSpPr txBox="1"/>
+          <p:nvPr/>
+        </p:nvSpPr>
+        <p:spPr>
+          <a:xfrm>
+            <a:off x="2814023" y="1382911"/>
+            <a:ext cx="581057" cy="307777"/>
+          </a:xfrm>
+          <a:prstGeom prst="rect">
+            <a:avLst/>
+          </a:prstGeom>
+          <a:noFill/>
+        </p:spPr>
+        <p:txBody>
+          <a:bodyPr wrap="none" rtlCol="0">
+            <a:spAutoFit/>
+          </a:bodyPr>
+          <a:lstStyle/>
+          <a:p>
+            <a:r>
+              <a:rPr lang="en-US" sz="1400" dirty="0" smtClean="0"/>
+              <a:t>Voice</a:t>
+            </a:r>
+            <a:endParaRPr lang="en-US" sz="1400" dirty="0"/>
+          </a:p>
+        </p:txBody>
+      </p:sp>
+      <p:sp>
+        <p:nvSpPr>
+          <p:cNvPr id="10" name="TextBox 9"/>
+          <p:cNvSpPr txBox="1"/>
+          <p:nvPr/>
+        </p:nvSpPr>
+        <p:spPr>
+          <a:xfrm>
+            <a:off x="8053806" y="5115901"/>
             <a:ext cx="581057" cy="307777"/>
           </a:xfrm>
           <a:prstGeom prst="rect">
@@ -22516,79 +24534,64 @@
         </p:nvSpPr>
         <p:spPr/>
         <p:txBody>
-          <a:bodyPr/>
+          <a:bodyPr>
+            <a:normAutofit/>
+          </a:bodyPr>
           <a:lstStyle/>
           <a:p>
             <a:r>
+              <a:rPr lang="en-US" dirty="0" err="1" smtClean="0"/>
+              <a:t>Huy</a:t>
+            </a:r>
+            <a:r>
               <a:rPr lang="en-US" dirty="0" smtClean="0"/>
-              <a:t>Input: </a:t>
+              <a:t> Vu</a:t>
+            </a:r>
+          </a:p>
+          <a:p>
+            <a:r>
+              <a:rPr lang="en-US" dirty="0" smtClean="0"/>
+              <a:t>Description: </a:t>
             </a:r>
           </a:p>
           <a:p>
             <a:pPr lvl="1"/>
             <a:r>
               <a:rPr lang="en-US" dirty="0" smtClean="0"/>
-              <a:t>None</a:t>
-            </a:r>
-          </a:p>
-          <a:p>
-            <a:r>
-              <a:rPr lang="en-US" dirty="0" smtClean="0"/>
-              <a:t>Output:</a:t>
+              <a:t>Initialize Pi</a:t>
             </a:r>
           </a:p>
           <a:p>
             <a:pPr lvl="1"/>
             <a:r>
-              <a:rPr lang="en-US" dirty="0" err="1" smtClean="0"/>
-              <a:t>Init</a:t>
-            </a:r>
-            <a:r>
               <a:rPr lang="en-US" dirty="0" smtClean="0"/>
-              <a:t> </a:t>
-            </a:r>
-            <a:r>
-              <a:rPr lang="en-US" dirty="0" smtClean="0"/>
-              <a:t>Pi, connect </a:t>
-            </a:r>
-            <a:r>
-              <a:rPr lang="en-US" dirty="0" err="1" smtClean="0"/>
-              <a:t>wifi</a:t>
-            </a:r>
-            <a:endParaRPr lang="en-US" dirty="0" smtClean="0"/>
+              <a:t>Call modules according to system flow</a:t>
+            </a:r>
           </a:p>
           <a:p>
             <a:pPr lvl="1"/>
             <a:r>
               <a:rPr lang="en-US" dirty="0" smtClean="0"/>
-              <a:t>Call modules</a:t>
+              <a:t>Handling inter-process communication</a:t>
+            </a:r>
+          </a:p>
+          <a:p>
+            <a:r>
+              <a:rPr lang="en-US" dirty="0" smtClean="0"/>
+              <a:t>Output:</a:t>
             </a:r>
           </a:p>
           <a:p>
             <a:pPr lvl="1"/>
             <a:r>
               <a:rPr lang="en-US" dirty="0" smtClean="0"/>
-              <a:t>Handling inter-process communication (via files)</a:t>
-            </a:r>
-          </a:p>
-          <a:p>
-            <a:r>
-              <a:rPr lang="en-US" dirty="0" err="1" smtClean="0"/>
-              <a:t>Huy</a:t>
+              <a:t>Program: main.py, main_class</a:t>
             </a:r>
             <a:r>
               <a:rPr lang="en-US" dirty="0" smtClean="0"/>
-              <a:t> Vu + </a:t>
-            </a:r>
-            <a:r>
-              <a:rPr lang="en-US" dirty="0" err="1" smtClean="0"/>
-              <a:t>Huy</a:t>
-            </a:r>
-            <a:r>
-              <a:rPr lang="en-US" dirty="0" smtClean="0"/>
-              <a:t> Le</a:t>
-            </a:r>
-            <a:endParaRPr lang="en-US" dirty="0"/>
+              <a:t>.py (header file)</a:t>
+            </a:r>
+            <a:endParaRPr lang="en-US" dirty="0" smtClean="0"/>
           </a:p>
         </p:txBody>
       </p:sp>
@@ -22639,7 +24642,7 @@
           <a:p>
             <a:r>
               <a:rPr lang="en-US" dirty="0" smtClean="0"/>
-              <a:t>Uno</a:t>
+              <a:t>Audio</a:t>
             </a:r>
             <a:endParaRPr lang="en-US" dirty="0"/>
           </a:p>
@@ -22661,19 +24664,29 @@
           <a:lstStyle/>
           <a:p>
             <a:r>
+              <a:rPr lang="en-US" dirty="0" err="1" smtClean="0"/>
+              <a:t>Huy</a:t>
+            </a:r>
+            <a:r>
               <a:rPr lang="en-US" dirty="0" smtClean="0"/>
-              <a:t>Input: </a:t>
+              <a:t> </a:t>
+            </a:r>
+            <a:r>
+              <a:rPr lang="en-US" dirty="0" smtClean="0"/>
+              <a:t>Vu &gt;&gt; This module will be implemented in python</a:t>
+            </a:r>
+          </a:p>
+          <a:p>
+            <a:r>
+              <a:rPr lang="en-US" dirty="0" smtClean="0"/>
+              <a:t>Description:</a:t>
             </a:r>
           </a:p>
           <a:p>
             <a:pPr lvl="1"/>
             <a:r>
               <a:rPr lang="en-US" dirty="0" smtClean="0"/>
-              <a:t>Pi-side: wait for a file name </a:t>
-            </a:r>
-            <a:r>
-              <a:rPr lang="en-US" dirty="0" err="1" smtClean="0"/>
-              <a:t>touch_finish</a:t>
+              <a:t>Input: some mp3 files</a:t>
             </a:r>
             <a:endParaRPr lang="en-US" dirty="0" smtClean="0"/>
           </a:p>
@@ -22681,34 +24694,44 @@
             <a:pPr lvl="1"/>
             <a:r>
               <a:rPr lang="en-US" dirty="0" smtClean="0"/>
-              <a:t>Uno-side: Get start signal from Pi</a:t>
-            </a:r>
-          </a:p>
-          <a:p>
-            <a:r>
-              <a:rPr lang="en-US" dirty="0" smtClean="0"/>
-              <a:t>Output:</a:t>
-            </a:r>
+              <a:t>Initialize audio, then generate </a:t>
+            </a:r>
+            <a:r>
+              <a:rPr lang="en-US" dirty="0" err="1" smtClean="0"/>
+              <a:t>audio_finish</a:t>
+            </a:r>
+            <a:endParaRPr lang="en-US" dirty="0" smtClean="0"/>
           </a:p>
           <a:p>
             <a:pPr lvl="1"/>
             <a:r>
               <a:rPr lang="en-US" dirty="0" smtClean="0"/>
-              <a:t>Send height to Pi, store height (string) in a file name </a:t>
-            </a:r>
-            <a:r>
-              <a:rPr lang="en-US" dirty="0" err="1" smtClean="0"/>
-              <a:t>height_result</a:t>
-            </a:r>
-            <a:endParaRPr lang="en-US" dirty="0" smtClean="0"/>
+              <a:t>Play mp3 according to current step.</a:t>
+            </a:r>
           </a:p>
           <a:p>
             <a:r>
               <a:rPr lang="en-US" dirty="0" smtClean="0"/>
-              <a:t>TBD</a:t>
+              <a:t>Output:</a:t>
             </a:r>
           </a:p>
           <a:p>
+            <a:pPr lvl="1"/>
+            <a:r>
+              <a:rPr lang="en-US" dirty="0" smtClean="0"/>
+              <a:t>Program: audio</a:t>
+            </a:r>
+          </a:p>
+          <a:p>
+            <a:pPr lvl="1"/>
+            <a:r>
+              <a:rPr lang="en-US" dirty="0" smtClean="0"/>
+              <a:t>File: </a:t>
+            </a:r>
+            <a:r>
+              <a:rPr lang="en-US" dirty="0" err="1" smtClean="0"/>
+              <a:t>audio_finish</a:t>
+            </a:r>
             <a:endParaRPr lang="en-US" dirty="0"/>
           </a:p>
         </p:txBody>
@@ -22716,7 +24739,7 @@
     </p:spTree>
     <p:extLst>
       <p:ext uri="{BB962C8B-B14F-4D97-AF65-F5344CB8AC3E}">
-        <p14:creationId xmlns:p14="http://schemas.microsoft.com/office/powerpoint/2010/main" val="3343933951"/>
+        <p14:creationId xmlns:p14="http://schemas.microsoft.com/office/powerpoint/2010/main" val="3264903798"/>
       </p:ext>
     </p:extLst>
   </p:cSld>
@@ -22760,7 +24783,7 @@
           <a:p>
             <a:r>
               <a:rPr lang="en-US" dirty="0" smtClean="0"/>
-              <a:t>SpO2</a:t>
+              <a:t>Bluetooth</a:t>
             </a:r>
             <a:endParaRPr lang="en-US" dirty="0"/>
           </a:p>
@@ -22783,34 +24806,59 @@
           <a:p>
             <a:r>
               <a:rPr lang="en-US" dirty="0" smtClean="0"/>
-              <a:t>Input: </a:t>
+              <a:t>Chung</a:t>
+            </a:r>
+          </a:p>
+          <a:p>
+            <a:r>
+              <a:rPr lang="en-US" dirty="0" smtClean="0"/>
+              <a:t>Description:</a:t>
             </a:r>
           </a:p>
           <a:p>
             <a:pPr lvl="1"/>
             <a:r>
               <a:rPr lang="en-US" dirty="0" smtClean="0"/>
-              <a:t>wait for a file name spo2_start</a:t>
-            </a:r>
-          </a:p>
-          <a:p>
-            <a:r>
-              <a:rPr lang="en-US" dirty="0" smtClean="0"/>
-              <a:t>Output:</a:t>
+              <a:t>Pair Pi and the connecting Android phone</a:t>
             </a:r>
           </a:p>
           <a:p>
             <a:pPr lvl="1"/>
             <a:r>
               <a:rPr lang="en-US" dirty="0" smtClean="0"/>
-              <a:t>Put user’s SpO2 data (string) in file name spo2_result</a:t>
-            </a:r>
+              <a:t>Get android phone mac address, store in </a:t>
+            </a:r>
+            <a:r>
+              <a:rPr lang="en-US" dirty="0" err="1" smtClean="0"/>
+              <a:t>bluetooth_result</a:t>
+            </a:r>
+            <a:endParaRPr lang="en-US" dirty="0" smtClean="0"/>
           </a:p>
           <a:p>
+            <a:pPr lvl="1"/>
             <a:r>
               <a:rPr lang="en-US" dirty="0" smtClean="0"/>
-              <a:t>Chung</a:t>
-            </a:r>
+              <a:t>When finish, generate </a:t>
+            </a:r>
+            <a:r>
+              <a:rPr lang="en-US" dirty="0" err="1"/>
+              <a:t>b</a:t>
+            </a:r>
+            <a:r>
+              <a:rPr lang="en-US" dirty="0" err="1" smtClean="0"/>
+              <a:t>luetooth_finish</a:t>
+            </a:r>
+            <a:endParaRPr lang="en-US" dirty="0" smtClean="0"/>
+          </a:p>
+          <a:p>
+            <a:r>
+              <a:rPr lang="en-US" dirty="0" smtClean="0"/>
+              <a:t>Output</a:t>
+            </a:r>
+          </a:p>
+          <a:p>
+            <a:pPr lvl="1"/>
+            <a:endParaRPr lang="en-US" dirty="0" smtClean="0"/>
           </a:p>
           <a:p>
             <a:endParaRPr lang="en-US" dirty="0"/>
@@ -22820,7 +24868,7 @@
     </p:spTree>
     <p:extLst>
       <p:ext uri="{BB962C8B-B14F-4D97-AF65-F5344CB8AC3E}">
-        <p14:creationId xmlns:p14="http://schemas.microsoft.com/office/powerpoint/2010/main" val="1131025273"/>
+        <p14:creationId xmlns:p14="http://schemas.microsoft.com/office/powerpoint/2010/main" val="3171647062"/>
       </p:ext>
     </p:extLst>
   </p:cSld>
@@ -22864,7 +24912,7 @@
           <a:p>
             <a:r>
               <a:rPr lang="en-US" dirty="0" smtClean="0"/>
-              <a:t>Scale</a:t>
+              <a:t>Touch</a:t>
             </a:r>
             <a:endParaRPr lang="en-US" dirty="0"/>
           </a:p>
@@ -22886,23 +24934,38 @@
           <a:lstStyle/>
           <a:p>
             <a:r>
+              <a:rPr lang="en-US" dirty="0" err="1" smtClean="0"/>
+              <a:t>Lý</a:t>
+            </a:r>
+            <a:endParaRPr lang="en-US" dirty="0" smtClean="0"/>
+          </a:p>
+          <a:p>
+            <a:r>
               <a:rPr lang="en-US" dirty="0" smtClean="0"/>
-              <a:t>Input: </a:t>
+              <a:t>Description:</a:t>
             </a:r>
           </a:p>
           <a:p>
             <a:pPr lvl="1"/>
             <a:r>
               <a:rPr lang="en-US" dirty="0" smtClean="0"/>
-              <a:t>wait for a file name </a:t>
-            </a:r>
-            <a:r>
-              <a:rPr lang="en-US" dirty="0" err="1" smtClean="0"/>
-              <a:t>scale_start</a:t>
+              <a:t>Initialize and control the hand-placing platform </a:t>
             </a:r>
             <a:endParaRPr lang="en-US" dirty="0" smtClean="0"/>
           </a:p>
           <a:p>
+            <a:pPr lvl="1"/>
+            <a:r>
+              <a:rPr lang="en-US" dirty="0" smtClean="0"/>
+              <a:t>After initialize, generate </a:t>
+            </a:r>
+            <a:r>
+              <a:rPr lang="en-US" dirty="0" err="1" smtClean="0"/>
+              <a:t>touch_finish</a:t>
+            </a:r>
+            <a:endParaRPr lang="en-US" dirty="0" smtClean="0"/>
+          </a:p>
+          <a:p>
             <a:r>
               <a:rPr lang="en-US" dirty="0" smtClean="0"/>
               <a:t>Output:</a:t>
@@ -22912,25 +24975,19 @@
             <a:pPr lvl="1"/>
             <a:r>
               <a:rPr lang="en-US" dirty="0" smtClean="0"/>
-              <a:t>Put user’s weight (string) in file name </a:t>
-            </a:r>
-            <a:r>
-              <a:rPr lang="en-US" dirty="0" err="1" smtClean="0"/>
-              <a:t>scale_result</a:t>
-            </a:r>
-            <a:endParaRPr lang="en-US" dirty="0" smtClean="0"/>
+              <a:t>Program: touch</a:t>
+            </a:r>
           </a:p>
           <a:p>
+            <a:pPr lvl="1"/>
+            <a:r>
+              <a:rPr lang="en-US" dirty="0" smtClean="0"/>
+              <a:t>File: </a:t>
+            </a:r>
             <a:r>
               <a:rPr lang="en-US" dirty="0" err="1" smtClean="0"/>
-              <a:t>Huy</a:t>
-            </a:r>
-            <a:r>
-              <a:rPr lang="en-US" dirty="0" smtClean="0"/>
-              <a:t> Le</a:t>
-            </a:r>
-          </a:p>
-          <a:p>
+              <a:t>touch_finish</a:t>
+            </a:r>
             <a:endParaRPr lang="en-US" dirty="0"/>
           </a:p>
         </p:txBody>
@@ -22938,7 +24995,7 @@
     </p:spTree>
     <p:extLst>
       <p:ext uri="{BB962C8B-B14F-4D97-AF65-F5344CB8AC3E}">
-        <p14:creationId xmlns:p14="http://schemas.microsoft.com/office/powerpoint/2010/main" val="1570304926"/>
+        <p14:creationId xmlns:p14="http://schemas.microsoft.com/office/powerpoint/2010/main" val="3141962098"/>
       </p:ext>
     </p:extLst>
   </p:cSld>

--- a/00_Document/00_development_process/PPT_FunctionSpecification_R00.pptx
+++ b/00_Document/00_development_process/PPT_FunctionSpecification_R00.pptx
@@ -4991,8 +4991,8 @@
     <dgm:cxn modelId="{F88B79F8-199C-4156-B804-50FA6D6DBF89}" type="presOf" srcId="{A9F4D88D-4132-4EAF-B724-9AA7085ED846}" destId="{A87A984C-6CFD-4577-959C-7E3FFD394C91}" srcOrd="0" destOrd="0" presId="urn:microsoft.com/office/officeart/2008/layout/NameandTitleOrganizationalChart"/>
     <dgm:cxn modelId="{6B3359CA-A9E1-4EC1-BBA9-AE993F19CEE8}" srcId="{839D0158-2D7A-439B-96A9-1BF3FE626DDC}" destId="{0B74BEE4-2FFC-4996-AF92-6CE7164FBD9A}" srcOrd="8" destOrd="0" parTransId="{E3496A37-7A15-4496-8852-4FCC727CF4FE}" sibTransId="{5BFC521A-6CDA-416E-BC9B-E6C28D4631DD}"/>
     <dgm:cxn modelId="{ABB8F577-DDCC-4152-B5AC-AE0BF3930BE2}" srcId="{839D0158-2D7A-439B-96A9-1BF3FE626DDC}" destId="{8831E232-1DDF-4F98-A671-873C040D256E}" srcOrd="3" destOrd="0" parTransId="{5993E7F5-AC4B-4F78-A6D1-6E6A5C300500}" sibTransId="{441787D9-1671-404B-ACD0-CF717B221097}"/>
+    <dgm:cxn modelId="{016AB22E-3384-470C-B42E-C5168C0941ED}" type="presOf" srcId="{9CAABF24-0288-48A9-9D16-D93236A22541}" destId="{924AB995-52E5-4691-B0B0-CD1C97DD046B}" srcOrd="0" destOrd="0" presId="urn:microsoft.com/office/officeart/2008/layout/NameandTitleOrganizationalChart"/>
     <dgm:cxn modelId="{5644385E-DB47-42C8-AF35-7EE20050C77D}" srcId="{839D0158-2D7A-439B-96A9-1BF3FE626DDC}" destId="{54D5FA36-A3D8-4678-ACD4-FE4D9BECE446}" srcOrd="5" destOrd="0" parTransId="{EF360562-5E1C-4A81-AF60-EBAEEE7278B6}" sibTransId="{BD5928DC-A586-4D52-A77B-27128F3B96B2}"/>
-    <dgm:cxn modelId="{016AB22E-3384-470C-B42E-C5168C0941ED}" type="presOf" srcId="{9CAABF24-0288-48A9-9D16-D93236A22541}" destId="{924AB995-52E5-4691-B0B0-CD1C97DD046B}" srcOrd="0" destOrd="0" presId="urn:microsoft.com/office/officeart/2008/layout/NameandTitleOrganizationalChart"/>
     <dgm:cxn modelId="{9DD5FDF6-261A-4B75-AE98-83976C13BD44}" type="presOf" srcId="{7B73A93D-1999-4910-A10B-4A7287EC5FD2}" destId="{DF81E026-8D62-4CFD-8127-7E01BB051911}" srcOrd="0" destOrd="0" presId="urn:microsoft.com/office/officeart/2008/layout/NameandTitleOrganizationalChart"/>
     <dgm:cxn modelId="{AB94E84C-23A3-4B56-850B-2206B2E84C05}" type="presOf" srcId="{6F5B298D-7679-40B4-9A1D-1B61326E82DE}" destId="{14D029E2-857D-44DD-8D05-298004F76829}" srcOrd="0" destOrd="0" presId="urn:microsoft.com/office/officeart/2008/layout/NameandTitleOrganizationalChart"/>
     <dgm:cxn modelId="{646E4872-2E37-44C0-8344-4E11E759E759}" type="presOf" srcId="{5BFC521A-6CDA-416E-BC9B-E6C28D4631DD}" destId="{E54940C6-58E8-4CBA-B778-765232A8B46F}" srcOrd="0" destOrd="0" presId="urn:microsoft.com/office/officeart/2008/layout/NameandTitleOrganizationalChart"/>
@@ -5334,13 +5334,8 @@
         <a:p>
           <a:r>
             <a:rPr lang="en-US" dirty="0" smtClean="0"/>
-            <a:t>Pi </a:t>
+            <a:t>Pi measures</a:t>
           </a:r>
-          <a:r>
-            <a:rPr lang="en-US" dirty="0" smtClean="0"/>
-            <a:t>measures</a:t>
-          </a:r>
-          <a:endParaRPr lang="en-US" dirty="0" smtClean="0"/>
         </a:p>
       </dgm:t>
     </dgm:pt>
@@ -5377,7 +5372,6 @@
             <a:rPr lang="en-US" dirty="0" smtClean="0"/>
             <a:t>Prepare outputs</a:t>
           </a:r>
-          <a:endParaRPr lang="en-US" dirty="0" smtClean="0"/>
         </a:p>
       </dgm:t>
     </dgm:pt>
@@ -5597,7 +5591,6 @@
             <a:rPr lang="en-US" dirty="0" smtClean="0"/>
             <a:t>Pi measures SpO2</a:t>
           </a:r>
-          <a:endParaRPr lang="en-US" dirty="0" smtClean="0"/>
         </a:p>
       </dgm:t>
     </dgm:pt>
@@ -5632,17 +5625,8 @@
         <a:p>
           <a:r>
             <a:rPr lang="en-US" dirty="0" smtClean="0"/>
-            <a:t>Get </a:t>
+            <a:t>Get blood pressure result</a:t>
           </a:r>
-          <a:r>
-            <a:rPr lang="en-US" dirty="0" smtClean="0"/>
-            <a:t>blood </a:t>
-          </a:r>
-          <a:r>
-            <a:rPr lang="en-US" dirty="0" smtClean="0"/>
-            <a:t>pressure result</a:t>
-          </a:r>
-          <a:endParaRPr lang="en-US" dirty="0" smtClean="0"/>
         </a:p>
       </dgm:t>
     </dgm:pt>
@@ -5679,7 +5663,6 @@
             <a:rPr lang="en-US" dirty="0" smtClean="0"/>
             <a:t>Scale</a:t>
           </a:r>
-          <a:endParaRPr lang="en-US" dirty="0" smtClean="0"/>
         </a:p>
       </dgm:t>
     </dgm:pt>
@@ -5716,7 +5699,6 @@
             <a:rPr lang="en-US" dirty="0" smtClean="0"/>
             <a:t>Temperature</a:t>
           </a:r>
-          <a:endParaRPr lang="en-US" dirty="0" smtClean="0"/>
         </a:p>
       </dgm:t>
     </dgm:pt>
@@ -5806,6 +5788,39 @@
       </dgm:t>
     </dgm:pt>
     <dgm:pt modelId="{631743A5-1AC9-4D0A-B8C1-BF03301D7154}" type="sibTrans" cxnId="{EF5C2330-6761-4CAD-96F8-71D82ACC91E2}">
+      <dgm:prSet/>
+      <dgm:spPr/>
+      <dgm:t>
+        <a:bodyPr/>
+        <a:lstStyle/>
+        <a:p>
+          <a:endParaRPr lang="en-US"/>
+        </a:p>
+      </dgm:t>
+    </dgm:pt>
+    <dgm:pt modelId="{22D37AD1-831C-40F0-8FB9-6F8698F28185}">
+      <dgm:prSet phldrT="[Text]"/>
+      <dgm:spPr/>
+      <dgm:t>
+        <a:bodyPr/>
+        <a:lstStyle/>
+        <a:p>
+          <a:endParaRPr lang="en-US" dirty="0" smtClean="0"/>
+        </a:p>
+      </dgm:t>
+    </dgm:pt>
+    <dgm:pt modelId="{A25D6232-A6E1-4103-AEFA-7192B95A97C0}" type="parTrans" cxnId="{E5C7CD86-EC86-4052-8490-293639201F0A}">
+      <dgm:prSet/>
+      <dgm:spPr/>
+      <dgm:t>
+        <a:bodyPr/>
+        <a:lstStyle/>
+        <a:p>
+          <a:endParaRPr lang="en-US"/>
+        </a:p>
+      </dgm:t>
+    </dgm:pt>
+    <dgm:pt modelId="{F7E4BF3C-DD43-4FBE-8890-CB2C899CFBEE}" type="sibTrans" cxnId="{E5C7CD86-EC86-4052-8490-293639201F0A}">
       <dgm:prSet/>
       <dgm:spPr/>
       <dgm:t>
@@ -5833,7 +5848,7 @@
       </dgm:t>
     </dgm:pt>
     <dgm:pt modelId="{3AD5559E-BD30-4C5E-8244-E975DFD4D66A}" type="pres">
-      <dgm:prSet presAssocID="{4B69B0E3-8743-4939-B11F-528463168E2A}" presName="node" presStyleLbl="node1" presStyleIdx="0" presStyleCnt="12">
+      <dgm:prSet presAssocID="{4B69B0E3-8743-4939-B11F-528463168E2A}" presName="node" presStyleLbl="node1" presStyleIdx="0" presStyleCnt="11">
         <dgm:presLayoutVars>
           <dgm:bulletEnabled val="1"/>
         </dgm:presLayoutVars>
@@ -5848,7 +5863,7 @@
       </dgm:t>
     </dgm:pt>
     <dgm:pt modelId="{7E7752DD-DCDB-41B0-B094-2281FBAA8726}" type="pres">
-      <dgm:prSet presAssocID="{CC576BF7-D0C4-45C0-8742-81D00CDE3EDA}" presName="sibTrans" presStyleLbl="sibTrans2D1" presStyleIdx="0" presStyleCnt="11"/>
+      <dgm:prSet presAssocID="{CC576BF7-D0C4-45C0-8742-81D00CDE3EDA}" presName="sibTrans" presStyleLbl="sibTrans2D1" presStyleIdx="0" presStyleCnt="10"/>
       <dgm:spPr/>
       <dgm:t>
         <a:bodyPr/>
@@ -5859,7 +5874,7 @@
       </dgm:t>
     </dgm:pt>
     <dgm:pt modelId="{AE9BFCD7-65E9-4042-93B3-00254295DFC1}" type="pres">
-      <dgm:prSet presAssocID="{CC576BF7-D0C4-45C0-8742-81D00CDE3EDA}" presName="connectorText" presStyleLbl="sibTrans2D1" presStyleIdx="0" presStyleCnt="11"/>
+      <dgm:prSet presAssocID="{CC576BF7-D0C4-45C0-8742-81D00CDE3EDA}" presName="connectorText" presStyleLbl="sibTrans2D1" presStyleIdx="0" presStyleCnt="10"/>
       <dgm:spPr/>
       <dgm:t>
         <a:bodyPr/>
@@ -5870,7 +5885,7 @@
       </dgm:t>
     </dgm:pt>
     <dgm:pt modelId="{C552C226-DCF4-4C0B-9226-C4DC76870D11}" type="pres">
-      <dgm:prSet presAssocID="{11759023-B539-4A9D-9148-695A907123CF}" presName="node" presStyleLbl="node1" presStyleIdx="1" presStyleCnt="12">
+      <dgm:prSet presAssocID="{11759023-B539-4A9D-9148-695A907123CF}" presName="node" presStyleLbl="node1" presStyleIdx="1" presStyleCnt="11">
         <dgm:presLayoutVars>
           <dgm:bulletEnabled val="1"/>
         </dgm:presLayoutVars>
@@ -5885,15 +5900,29 @@
       </dgm:t>
     </dgm:pt>
     <dgm:pt modelId="{4E482C98-6EFA-4C20-AE49-96BEB2724FA0}" type="pres">
-      <dgm:prSet presAssocID="{B49C4D2D-FBEB-4D1C-B75F-C3DE01451527}" presName="sibTrans" presStyleLbl="sibTrans2D1" presStyleIdx="1" presStyleCnt="11"/>
-      <dgm:spPr/>
+      <dgm:prSet presAssocID="{B49C4D2D-FBEB-4D1C-B75F-C3DE01451527}" presName="sibTrans" presStyleLbl="sibTrans2D1" presStyleIdx="1" presStyleCnt="10"/>
+      <dgm:spPr/>
+      <dgm:t>
+        <a:bodyPr/>
+        <a:lstStyle/>
+        <a:p>
+          <a:endParaRPr lang="en-US"/>
+        </a:p>
+      </dgm:t>
     </dgm:pt>
     <dgm:pt modelId="{B7AFCB0A-375A-421B-BDCD-3F97A815491D}" type="pres">
-      <dgm:prSet presAssocID="{B49C4D2D-FBEB-4D1C-B75F-C3DE01451527}" presName="connectorText" presStyleLbl="sibTrans2D1" presStyleIdx="1" presStyleCnt="11"/>
-      <dgm:spPr/>
+      <dgm:prSet presAssocID="{B49C4D2D-FBEB-4D1C-B75F-C3DE01451527}" presName="connectorText" presStyleLbl="sibTrans2D1" presStyleIdx="1" presStyleCnt="10"/>
+      <dgm:spPr/>
+      <dgm:t>
+        <a:bodyPr/>
+        <a:lstStyle/>
+        <a:p>
+          <a:endParaRPr lang="en-US"/>
+        </a:p>
+      </dgm:t>
     </dgm:pt>
     <dgm:pt modelId="{B6F5FD8B-2420-4FD2-A968-06EB999D45F8}" type="pres">
-      <dgm:prSet presAssocID="{3D9A5FDC-149F-4871-AC0B-41FE9D85C64C}" presName="node" presStyleLbl="node1" presStyleIdx="2" presStyleCnt="12">
+      <dgm:prSet presAssocID="{3D9A5FDC-149F-4871-AC0B-41FE9D85C64C}" presName="node" presStyleLbl="node1" presStyleIdx="2" presStyleCnt="11">
         <dgm:presLayoutVars>
           <dgm:bulletEnabled val="1"/>
         </dgm:presLayoutVars>
@@ -5908,15 +5937,29 @@
       </dgm:t>
     </dgm:pt>
     <dgm:pt modelId="{FE02FC1D-D3EB-4076-A80F-B80B5AAC7ABB}" type="pres">
-      <dgm:prSet presAssocID="{252A868E-1D7A-4BD9-B234-19B2E62E0B3A}" presName="sibTrans" presStyleLbl="sibTrans2D1" presStyleIdx="2" presStyleCnt="11"/>
-      <dgm:spPr/>
+      <dgm:prSet presAssocID="{252A868E-1D7A-4BD9-B234-19B2E62E0B3A}" presName="sibTrans" presStyleLbl="sibTrans2D1" presStyleIdx="2" presStyleCnt="10"/>
+      <dgm:spPr/>
+      <dgm:t>
+        <a:bodyPr/>
+        <a:lstStyle/>
+        <a:p>
+          <a:endParaRPr lang="en-US"/>
+        </a:p>
+      </dgm:t>
     </dgm:pt>
     <dgm:pt modelId="{425C393F-DC73-4F76-B412-3A9100D3169A}" type="pres">
-      <dgm:prSet presAssocID="{252A868E-1D7A-4BD9-B234-19B2E62E0B3A}" presName="connectorText" presStyleLbl="sibTrans2D1" presStyleIdx="2" presStyleCnt="11"/>
-      <dgm:spPr/>
+      <dgm:prSet presAssocID="{252A868E-1D7A-4BD9-B234-19B2E62E0B3A}" presName="connectorText" presStyleLbl="sibTrans2D1" presStyleIdx="2" presStyleCnt="10"/>
+      <dgm:spPr/>
+      <dgm:t>
+        <a:bodyPr/>
+        <a:lstStyle/>
+        <a:p>
+          <a:endParaRPr lang="en-US"/>
+        </a:p>
+      </dgm:t>
     </dgm:pt>
     <dgm:pt modelId="{0631316F-807F-4C68-B220-03577B1939F8}" type="pres">
-      <dgm:prSet presAssocID="{E0D73B0D-2B54-4BB7-837B-A02C9C860C3A}" presName="node" presStyleLbl="node1" presStyleIdx="3" presStyleCnt="12">
+      <dgm:prSet presAssocID="{E0D73B0D-2B54-4BB7-837B-A02C9C860C3A}" presName="node" presStyleLbl="node1" presStyleIdx="3" presStyleCnt="11">
         <dgm:presLayoutVars>
           <dgm:bulletEnabled val="1"/>
         </dgm:presLayoutVars>
@@ -5931,15 +5974,29 @@
       </dgm:t>
     </dgm:pt>
     <dgm:pt modelId="{9FEB6EAB-4890-41DE-90EE-B031032C219C}" type="pres">
-      <dgm:prSet presAssocID="{E0319071-DA33-4CEE-AEED-77BDB96D497A}" presName="sibTrans" presStyleLbl="sibTrans2D1" presStyleIdx="3" presStyleCnt="11"/>
-      <dgm:spPr/>
+      <dgm:prSet presAssocID="{E0319071-DA33-4CEE-AEED-77BDB96D497A}" presName="sibTrans" presStyleLbl="sibTrans2D1" presStyleIdx="3" presStyleCnt="10"/>
+      <dgm:spPr/>
+      <dgm:t>
+        <a:bodyPr/>
+        <a:lstStyle/>
+        <a:p>
+          <a:endParaRPr lang="en-US"/>
+        </a:p>
+      </dgm:t>
     </dgm:pt>
     <dgm:pt modelId="{B3D31688-DAC1-45E7-8B67-DB84E8ED7C7F}" type="pres">
-      <dgm:prSet presAssocID="{E0319071-DA33-4CEE-AEED-77BDB96D497A}" presName="connectorText" presStyleLbl="sibTrans2D1" presStyleIdx="3" presStyleCnt="11"/>
-      <dgm:spPr/>
+      <dgm:prSet presAssocID="{E0319071-DA33-4CEE-AEED-77BDB96D497A}" presName="connectorText" presStyleLbl="sibTrans2D1" presStyleIdx="3" presStyleCnt="10"/>
+      <dgm:spPr/>
+      <dgm:t>
+        <a:bodyPr/>
+        <a:lstStyle/>
+        <a:p>
+          <a:endParaRPr lang="en-US"/>
+        </a:p>
+      </dgm:t>
     </dgm:pt>
     <dgm:pt modelId="{9DCBE7C4-77E3-4D84-882B-7F8484E636DC}" type="pres">
-      <dgm:prSet presAssocID="{2F8C4D08-CEAE-4B58-A0D0-64795F5C59C7}" presName="node" presStyleLbl="node1" presStyleIdx="4" presStyleCnt="12">
+      <dgm:prSet presAssocID="{2F8C4D08-CEAE-4B58-A0D0-64795F5C59C7}" presName="node" presStyleLbl="node1" presStyleIdx="4" presStyleCnt="11">
         <dgm:presLayoutVars>
           <dgm:bulletEnabled val="1"/>
         </dgm:presLayoutVars>
@@ -5954,7 +6011,7 @@
       </dgm:t>
     </dgm:pt>
     <dgm:pt modelId="{B96C6DDC-F963-4B90-A0A4-7D9FCD4D5E46}" type="pres">
-      <dgm:prSet presAssocID="{82FE3047-50CF-40C0-939B-38F880054397}" presName="sibTrans" presStyleLbl="sibTrans2D1" presStyleIdx="4" presStyleCnt="11"/>
+      <dgm:prSet presAssocID="{82FE3047-50CF-40C0-939B-38F880054397}" presName="sibTrans" presStyleLbl="sibTrans2D1" presStyleIdx="4" presStyleCnt="10"/>
       <dgm:spPr/>
       <dgm:t>
         <a:bodyPr/>
@@ -5965,7 +6022,7 @@
       </dgm:t>
     </dgm:pt>
     <dgm:pt modelId="{0448F131-E2C7-4E83-90A6-258E21432E6A}" type="pres">
-      <dgm:prSet presAssocID="{82FE3047-50CF-40C0-939B-38F880054397}" presName="connectorText" presStyleLbl="sibTrans2D1" presStyleIdx="4" presStyleCnt="11"/>
+      <dgm:prSet presAssocID="{82FE3047-50CF-40C0-939B-38F880054397}" presName="connectorText" presStyleLbl="sibTrans2D1" presStyleIdx="4" presStyleCnt="10"/>
       <dgm:spPr/>
       <dgm:t>
         <a:bodyPr/>
@@ -5975,8 +6032,8 @@
         </a:p>
       </dgm:t>
     </dgm:pt>
-    <dgm:pt modelId="{6BFB2FC8-D0D9-4EF7-88E7-53C32EB04ED2}" type="pres">
-      <dgm:prSet presAssocID="{6079760F-3BEB-448E-8C4C-D07379A5E46D}" presName="node" presStyleLbl="node1" presStyleIdx="5" presStyleCnt="12">
+    <dgm:pt modelId="{9038EBA2-D570-4040-AD91-DE80216ABD27}" type="pres">
+      <dgm:prSet presAssocID="{22D37AD1-831C-40F0-8FB9-6F8698F28185}" presName="node" presStyleLbl="node1" presStyleIdx="5" presStyleCnt="11">
         <dgm:presLayoutVars>
           <dgm:bulletEnabled val="1"/>
         </dgm:presLayoutVars>
@@ -5990,30 +6047,16 @@
         </a:p>
       </dgm:t>
     </dgm:pt>
-    <dgm:pt modelId="{0795C1ED-6176-4D71-8695-BFA260CD8DB5}" type="pres">
-      <dgm:prSet presAssocID="{64943D96-19D2-4F2F-AB9D-7FACCD83237E}" presName="sibTrans" presStyleLbl="sibTrans2D1" presStyleIdx="5" presStyleCnt="11"/>
-      <dgm:spPr/>
-      <dgm:t>
-        <a:bodyPr/>
-        <a:lstStyle/>
-        <a:p>
-          <a:endParaRPr lang="en-US"/>
-        </a:p>
-      </dgm:t>
-    </dgm:pt>
-    <dgm:pt modelId="{E4600BEF-D57A-4645-A92E-7E96936C5191}" type="pres">
-      <dgm:prSet presAssocID="{64943D96-19D2-4F2F-AB9D-7FACCD83237E}" presName="connectorText" presStyleLbl="sibTrans2D1" presStyleIdx="5" presStyleCnt="11"/>
-      <dgm:spPr/>
-      <dgm:t>
-        <a:bodyPr/>
-        <a:lstStyle/>
-        <a:p>
-          <a:endParaRPr lang="en-US"/>
-        </a:p>
-      </dgm:t>
-    </dgm:pt>
-    <dgm:pt modelId="{7202BC0E-BCCD-4749-B8AE-EAEB96710794}" type="pres">
-      <dgm:prSet presAssocID="{E7A50803-F364-4CD4-AD78-41B1FBFF1BA8}" presName="node" presStyleLbl="node1" presStyleIdx="6" presStyleCnt="12">
+    <dgm:pt modelId="{604B6F34-710D-40C8-8805-5FC71845512E}" type="pres">
+      <dgm:prSet presAssocID="{F7E4BF3C-DD43-4FBE-8890-CB2C899CFBEE}" presName="sibTrans" presStyleLbl="sibTrans2D1" presStyleIdx="5" presStyleCnt="10"/>
+      <dgm:spPr/>
+    </dgm:pt>
+    <dgm:pt modelId="{5573A9C5-32E3-4FB7-A8A8-AA74B345325A}" type="pres">
+      <dgm:prSet presAssocID="{F7E4BF3C-DD43-4FBE-8890-CB2C899CFBEE}" presName="connectorText" presStyleLbl="sibTrans2D1" presStyleIdx="5" presStyleCnt="10"/>
+      <dgm:spPr/>
+    </dgm:pt>
+    <dgm:pt modelId="{99A2F953-EC43-4E7D-895E-E6CCB05BF9AC}" type="pres">
+      <dgm:prSet presAssocID="{F6634B8D-E0A8-4CF8-9547-DC651A569B35}" presName="node" presStyleLbl="node1" presStyleIdx="6" presStyleCnt="11">
         <dgm:presLayoutVars>
           <dgm:bulletEnabled val="1"/>
         </dgm:presLayoutVars>
@@ -6027,8 +6070,8 @@
         </a:p>
       </dgm:t>
     </dgm:pt>
-    <dgm:pt modelId="{28D40CE1-835B-4A7B-8244-943B63DB6594}" type="pres">
-      <dgm:prSet presAssocID="{DA4329DA-20FA-4C38-857D-B35ED56ACC55}" presName="sibTrans" presStyleLbl="sibTrans2D1" presStyleIdx="6" presStyleCnt="11"/>
+    <dgm:pt modelId="{B0605081-2CC9-4157-A707-056A7E67F165}" type="pres">
+      <dgm:prSet presAssocID="{0A0E999D-969B-45C8-AFE8-AA11F26815D4}" presName="sibTrans" presStyleLbl="sibTrans2D1" presStyleIdx="6" presStyleCnt="10"/>
       <dgm:spPr/>
       <dgm:t>
         <a:bodyPr/>
@@ -6038,8 +6081,8 @@
         </a:p>
       </dgm:t>
     </dgm:pt>
-    <dgm:pt modelId="{4BC23CEC-7E80-4DB3-84E2-974D7F887BA4}" type="pres">
-      <dgm:prSet presAssocID="{DA4329DA-20FA-4C38-857D-B35ED56ACC55}" presName="connectorText" presStyleLbl="sibTrans2D1" presStyleIdx="6" presStyleCnt="11"/>
+    <dgm:pt modelId="{6C3D7124-8CE6-43EF-B903-996C1AE4DCA8}" type="pres">
+      <dgm:prSet presAssocID="{0A0E999D-969B-45C8-AFE8-AA11F26815D4}" presName="connectorText" presStyleLbl="sibTrans2D1" presStyleIdx="6" presStyleCnt="10"/>
       <dgm:spPr/>
       <dgm:t>
         <a:bodyPr/>
@@ -6049,8 +6092,8 @@
         </a:p>
       </dgm:t>
     </dgm:pt>
-    <dgm:pt modelId="{99A2F953-EC43-4E7D-895E-E6CCB05BF9AC}" type="pres">
-      <dgm:prSet presAssocID="{F6634B8D-E0A8-4CF8-9547-DC651A569B35}" presName="node" presStyleLbl="node1" presStyleIdx="7" presStyleCnt="12">
+    <dgm:pt modelId="{56040DE5-8429-4ADC-872E-25108EC0DBDB}" type="pres">
+      <dgm:prSet presAssocID="{798A6FF1-55B3-448B-9510-4CF912534081}" presName="node" presStyleLbl="node1" presStyleIdx="7" presStyleCnt="11">
         <dgm:presLayoutVars>
           <dgm:bulletEnabled val="1"/>
         </dgm:presLayoutVars>
@@ -6064,16 +6107,30 @@
         </a:p>
       </dgm:t>
     </dgm:pt>
-    <dgm:pt modelId="{B0605081-2CC9-4157-A707-056A7E67F165}" type="pres">
-      <dgm:prSet presAssocID="{0A0E999D-969B-45C8-AFE8-AA11F26815D4}" presName="sibTrans" presStyleLbl="sibTrans2D1" presStyleIdx="7" presStyleCnt="11"/>
-      <dgm:spPr/>
-    </dgm:pt>
-    <dgm:pt modelId="{6C3D7124-8CE6-43EF-B903-996C1AE4DCA8}" type="pres">
-      <dgm:prSet presAssocID="{0A0E999D-969B-45C8-AFE8-AA11F26815D4}" presName="connectorText" presStyleLbl="sibTrans2D1" presStyleIdx="7" presStyleCnt="11"/>
-      <dgm:spPr/>
-    </dgm:pt>
-    <dgm:pt modelId="{56040DE5-8429-4ADC-872E-25108EC0DBDB}" type="pres">
-      <dgm:prSet presAssocID="{798A6FF1-55B3-448B-9510-4CF912534081}" presName="node" presStyleLbl="node1" presStyleIdx="8" presStyleCnt="12">
+    <dgm:pt modelId="{8875B72C-833D-4C06-88C7-8621517377BC}" type="pres">
+      <dgm:prSet presAssocID="{84C407B1-5E4A-476A-B92D-CCF3FF3AAA46}" presName="sibTrans" presStyleLbl="sibTrans2D1" presStyleIdx="7" presStyleCnt="10"/>
+      <dgm:spPr/>
+      <dgm:t>
+        <a:bodyPr/>
+        <a:lstStyle/>
+        <a:p>
+          <a:endParaRPr lang="en-US"/>
+        </a:p>
+      </dgm:t>
+    </dgm:pt>
+    <dgm:pt modelId="{6FC24B80-D800-4BB8-8862-1A8D3268A0E7}" type="pres">
+      <dgm:prSet presAssocID="{84C407B1-5E4A-476A-B92D-CCF3FF3AAA46}" presName="connectorText" presStyleLbl="sibTrans2D1" presStyleIdx="7" presStyleCnt="10"/>
+      <dgm:spPr/>
+      <dgm:t>
+        <a:bodyPr/>
+        <a:lstStyle/>
+        <a:p>
+          <a:endParaRPr lang="en-US"/>
+        </a:p>
+      </dgm:t>
+    </dgm:pt>
+    <dgm:pt modelId="{202B8E42-56EC-4F6F-B287-6BFE3E8911D1}" type="pres">
+      <dgm:prSet presAssocID="{4F55A451-EEAC-4794-AD1A-88C08A1F61E7}" presName="node" presStyleLbl="node1" presStyleIdx="8" presStyleCnt="11">
         <dgm:presLayoutVars>
           <dgm:bulletEnabled val="1"/>
         </dgm:presLayoutVars>
@@ -6087,16 +6144,30 @@
         </a:p>
       </dgm:t>
     </dgm:pt>
-    <dgm:pt modelId="{8875B72C-833D-4C06-88C7-8621517377BC}" type="pres">
-      <dgm:prSet presAssocID="{84C407B1-5E4A-476A-B92D-CCF3FF3AAA46}" presName="sibTrans" presStyleLbl="sibTrans2D1" presStyleIdx="8" presStyleCnt="11"/>
-      <dgm:spPr/>
-    </dgm:pt>
-    <dgm:pt modelId="{6FC24B80-D800-4BB8-8862-1A8D3268A0E7}" type="pres">
-      <dgm:prSet presAssocID="{84C407B1-5E4A-476A-B92D-CCF3FF3AAA46}" presName="connectorText" presStyleLbl="sibTrans2D1" presStyleIdx="8" presStyleCnt="11"/>
-      <dgm:spPr/>
-    </dgm:pt>
-    <dgm:pt modelId="{202B8E42-56EC-4F6F-B287-6BFE3E8911D1}" type="pres">
-      <dgm:prSet presAssocID="{4F55A451-EEAC-4794-AD1A-88C08A1F61E7}" presName="node" presStyleLbl="node1" presStyleIdx="9" presStyleCnt="12">
+    <dgm:pt modelId="{F5157131-9131-47E0-91C7-C2708EA7DF4E}" type="pres">
+      <dgm:prSet presAssocID="{7A900D74-D999-4C0D-903D-9385AF28B32A}" presName="sibTrans" presStyleLbl="sibTrans2D1" presStyleIdx="8" presStyleCnt="10"/>
+      <dgm:spPr/>
+      <dgm:t>
+        <a:bodyPr/>
+        <a:lstStyle/>
+        <a:p>
+          <a:endParaRPr lang="en-US"/>
+        </a:p>
+      </dgm:t>
+    </dgm:pt>
+    <dgm:pt modelId="{FA657519-C910-4034-B3AB-F451068D97BB}" type="pres">
+      <dgm:prSet presAssocID="{7A900D74-D999-4C0D-903D-9385AF28B32A}" presName="connectorText" presStyleLbl="sibTrans2D1" presStyleIdx="8" presStyleCnt="10"/>
+      <dgm:spPr/>
+      <dgm:t>
+        <a:bodyPr/>
+        <a:lstStyle/>
+        <a:p>
+          <a:endParaRPr lang="en-US"/>
+        </a:p>
+      </dgm:t>
+    </dgm:pt>
+    <dgm:pt modelId="{89DADE2F-0EC1-44A0-92D9-021DF56E312B}" type="pres">
+      <dgm:prSet presAssocID="{7C7B550B-1B4D-42E2-ACFC-728546073CB1}" presName="node" presStyleLbl="node1" presStyleIdx="9" presStyleCnt="11">
         <dgm:presLayoutVars>
           <dgm:bulletEnabled val="1"/>
         </dgm:presLayoutVars>
@@ -6110,8 +6181,8 @@
         </a:p>
       </dgm:t>
     </dgm:pt>
-    <dgm:pt modelId="{F5157131-9131-47E0-91C7-C2708EA7DF4E}" type="pres">
-      <dgm:prSet presAssocID="{7A900D74-D999-4C0D-903D-9385AF28B32A}" presName="sibTrans" presStyleLbl="sibTrans2D1" presStyleIdx="9" presStyleCnt="11"/>
+    <dgm:pt modelId="{CD0FEDB8-BCC7-4F7B-BCF9-F14D929D684E}" type="pres">
+      <dgm:prSet presAssocID="{645BB4AE-23C8-4363-BE6C-2366BFD3FAE5}" presName="sibTrans" presStyleLbl="sibTrans2D1" presStyleIdx="9" presStyleCnt="10"/>
       <dgm:spPr/>
       <dgm:t>
         <a:bodyPr/>
@@ -6121,8 +6192,8 @@
         </a:p>
       </dgm:t>
     </dgm:pt>
-    <dgm:pt modelId="{FA657519-C910-4034-B3AB-F451068D97BB}" type="pres">
-      <dgm:prSet presAssocID="{7A900D74-D999-4C0D-903D-9385AF28B32A}" presName="connectorText" presStyleLbl="sibTrans2D1" presStyleIdx="9" presStyleCnt="11"/>
+    <dgm:pt modelId="{427AD9CF-C940-4EE9-9DB4-80E286518A29}" type="pres">
+      <dgm:prSet presAssocID="{645BB4AE-23C8-4363-BE6C-2366BFD3FAE5}" presName="connectorText" presStyleLbl="sibTrans2D1" presStyleIdx="9" presStyleCnt="10"/>
       <dgm:spPr/>
       <dgm:t>
         <a:bodyPr/>
@@ -6132,8 +6203,8 @@
         </a:p>
       </dgm:t>
     </dgm:pt>
-    <dgm:pt modelId="{89DADE2F-0EC1-44A0-92D9-021DF56E312B}" type="pres">
-      <dgm:prSet presAssocID="{7C7B550B-1B4D-42E2-ACFC-728546073CB1}" presName="node" presStyleLbl="node1" presStyleIdx="10" presStyleCnt="12">
+    <dgm:pt modelId="{C269A2E3-8621-4697-96C7-19DDAF8DBEF2}" type="pres">
+      <dgm:prSet presAssocID="{C385F31E-C6F1-41EB-A744-6A3BF2E406F6}" presName="node" presStyleLbl="node1" presStyleIdx="10" presStyleCnt="11">
         <dgm:presLayoutVars>
           <dgm:bulletEnabled val="1"/>
         </dgm:presLayoutVars>
@@ -6147,100 +6218,63 @@
         </a:p>
       </dgm:t>
     </dgm:pt>
-    <dgm:pt modelId="{CD0FEDB8-BCC7-4F7B-BCF9-F14D929D684E}" type="pres">
-      <dgm:prSet presAssocID="{645BB4AE-23C8-4363-BE6C-2366BFD3FAE5}" presName="sibTrans" presStyleLbl="sibTrans2D1" presStyleIdx="10" presStyleCnt="11"/>
-      <dgm:spPr/>
-      <dgm:t>
-        <a:bodyPr/>
-        <a:lstStyle/>
-        <a:p>
-          <a:endParaRPr lang="en-US"/>
-        </a:p>
-      </dgm:t>
-    </dgm:pt>
-    <dgm:pt modelId="{427AD9CF-C940-4EE9-9DB4-80E286518A29}" type="pres">
-      <dgm:prSet presAssocID="{645BB4AE-23C8-4363-BE6C-2366BFD3FAE5}" presName="connectorText" presStyleLbl="sibTrans2D1" presStyleIdx="10" presStyleCnt="11"/>
-      <dgm:spPr/>
-      <dgm:t>
-        <a:bodyPr/>
-        <a:lstStyle/>
-        <a:p>
-          <a:endParaRPr lang="en-US"/>
-        </a:p>
-      </dgm:t>
-    </dgm:pt>
-    <dgm:pt modelId="{C269A2E3-8621-4697-96C7-19DDAF8DBEF2}" type="pres">
-      <dgm:prSet presAssocID="{C385F31E-C6F1-41EB-A744-6A3BF2E406F6}" presName="node" presStyleLbl="node1" presStyleIdx="11" presStyleCnt="12">
-        <dgm:presLayoutVars>
-          <dgm:bulletEnabled val="1"/>
-        </dgm:presLayoutVars>
-      </dgm:prSet>
-      <dgm:spPr/>
-      <dgm:t>
-        <a:bodyPr/>
-        <a:lstStyle/>
-        <a:p>
-          <a:endParaRPr lang="en-US"/>
-        </a:p>
-      </dgm:t>
-    </dgm:pt>
   </dgm:ptLst>
   <dgm:cxnLst>
-    <dgm:cxn modelId="{8D3E1448-D30F-46E4-88BA-A5A85580627D}" type="presOf" srcId="{2F8C4D08-CEAE-4B58-A0D0-64795F5C59C7}" destId="{9DCBE7C4-77E3-4D84-882B-7F8484E636DC}" srcOrd="0" destOrd="0" presId="urn:microsoft.com/office/officeart/2005/8/layout/process5"/>
-    <dgm:cxn modelId="{D0D07ECF-4D3D-4124-9387-4AEF720B7401}" type="presOf" srcId="{6079760F-3BEB-448E-8C4C-D07379A5E46D}" destId="{6BFB2FC8-D0D9-4EF7-88E7-53C32EB04ED2}" srcOrd="0" destOrd="0" presId="urn:microsoft.com/office/officeart/2005/8/layout/process5"/>
-    <dgm:cxn modelId="{36375326-BE41-4699-AA2A-CF8DF5938E42}" type="presOf" srcId="{C385F31E-C6F1-41EB-A744-6A3BF2E406F6}" destId="{C269A2E3-8621-4697-96C7-19DDAF8DBEF2}" srcOrd="0" destOrd="0" presId="urn:microsoft.com/office/officeart/2005/8/layout/process5"/>
+    <dgm:cxn modelId="{DB0B18EC-FCB6-4AE2-8D02-2CC9FC63F21C}" type="presOf" srcId="{84C407B1-5E4A-476A-B92D-CCF3FF3AAA46}" destId="{8875B72C-833D-4C06-88C7-8621517377BC}" srcOrd="0" destOrd="0" presId="urn:microsoft.com/office/officeart/2005/8/layout/process5"/>
+    <dgm:cxn modelId="{0DD00EE7-B9D6-49DA-BAB7-2D58B6D259CF}" type="presOf" srcId="{6079760F-3BEB-448E-8C4C-D07379A5E46D}" destId="{9038EBA2-D570-4040-AD91-DE80216ABD27}" srcOrd="0" destOrd="1" presId="urn:microsoft.com/office/officeart/2005/8/layout/process5"/>
+    <dgm:cxn modelId="{14580366-1FBC-4C21-8C8C-ECCEFC03B8D9}" srcId="{2EB99E6E-DD2C-44A8-96E3-DAEB06EBC057}" destId="{C385F31E-C6F1-41EB-A744-6A3BF2E406F6}" srcOrd="10" destOrd="0" parTransId="{D43C4031-2516-4EC0-BAAF-D4081E65232B}" sibTransId="{4B6C20F8-6B52-45DF-9F97-26B7A319589B}"/>
+    <dgm:cxn modelId="{1206516C-55F3-49A0-A66D-800032056FEF}" type="presOf" srcId="{3D9A5FDC-149F-4871-AC0B-41FE9D85C64C}" destId="{B6F5FD8B-2420-4FD2-A968-06EB999D45F8}" srcOrd="0" destOrd="0" presId="urn:microsoft.com/office/officeart/2005/8/layout/process5"/>
+    <dgm:cxn modelId="{5820A6EF-4FC6-431B-AD2F-DCD004992DA4}" type="presOf" srcId="{11759023-B539-4A9D-9148-695A907123CF}" destId="{C552C226-DCF4-4C0B-9226-C4DC76870D11}" srcOrd="0" destOrd="0" presId="urn:microsoft.com/office/officeart/2005/8/layout/process5"/>
+    <dgm:cxn modelId="{C9D9C90E-4623-4921-81B9-E98F68171228}" type="presOf" srcId="{C7808C6A-1DE8-43E2-A730-B64DDB015688}" destId="{C552C226-DCF4-4C0B-9226-C4DC76870D11}" srcOrd="0" destOrd="1" presId="urn:microsoft.com/office/officeart/2005/8/layout/process5"/>
+    <dgm:cxn modelId="{9A4536DF-DA56-497F-A81B-7850E8220D4B}" srcId="{E7A50803-F364-4CD4-AD78-41B1FBFF1BA8}" destId="{0D096DC1-5A8B-4ADE-A057-0F5D5950C77F}" srcOrd="1" destOrd="0" parTransId="{3B29BF6D-8309-45FC-BAB5-34109509ECCA}" sibTransId="{AF508A93-BE0D-45D4-93D1-F78FB8325E97}"/>
+    <dgm:cxn modelId="{1A321DBF-BEC3-46BE-A3EB-5EA08D0916E6}" type="presOf" srcId="{E7A50803-F364-4CD4-AD78-41B1FBFF1BA8}" destId="{9038EBA2-D570-4040-AD91-DE80216ABD27}" srcOrd="0" destOrd="2" presId="urn:microsoft.com/office/officeart/2005/8/layout/process5"/>
+    <dgm:cxn modelId="{EF5C2330-6761-4CAD-96F8-71D82ACC91E2}" srcId="{11759023-B539-4A9D-9148-695A907123CF}" destId="{F2C8586D-E9EC-49DE-A6E1-7395CCE564B6}" srcOrd="1" destOrd="0" parTransId="{A79A6D4F-3843-4AB0-A812-5BD82272AA28}" sibTransId="{631743A5-1AC9-4D0A-B8C1-BF03301D7154}"/>
+    <dgm:cxn modelId="{25F3AEA8-686B-48D8-97BC-DCBF531305D5}" type="presOf" srcId="{0D096DC1-5A8B-4ADE-A057-0F5D5950C77F}" destId="{9038EBA2-D570-4040-AD91-DE80216ABD27}" srcOrd="0" destOrd="4" presId="urn:microsoft.com/office/officeart/2005/8/layout/process5"/>
+    <dgm:cxn modelId="{1A1864AA-6C88-4A72-A88A-383848E48098}" srcId="{2EB99E6E-DD2C-44A8-96E3-DAEB06EBC057}" destId="{11759023-B539-4A9D-9148-695A907123CF}" srcOrd="1" destOrd="0" parTransId="{CB27E4A7-A152-416A-AE74-8BAADA362E30}" sibTransId="{B49C4D2D-FBEB-4D1C-B75F-C3DE01451527}"/>
+    <dgm:cxn modelId="{00BFEED2-4380-4B91-BE00-4AB756214262}" type="presOf" srcId="{4B69B0E3-8743-4939-B11F-528463168E2A}" destId="{3AD5559E-BD30-4C5E-8244-E975DFD4D66A}" srcOrd="0" destOrd="0" presId="urn:microsoft.com/office/officeart/2005/8/layout/process5"/>
     <dgm:cxn modelId="{16044BBF-FDB1-4A67-B668-E257BEB1AE15}" type="presOf" srcId="{645BB4AE-23C8-4363-BE6C-2366BFD3FAE5}" destId="{CD0FEDB8-BCC7-4F7B-BCF9-F14D929D684E}" srcOrd="0" destOrd="0" presId="urn:microsoft.com/office/officeart/2005/8/layout/process5"/>
-    <dgm:cxn modelId="{1206516C-55F3-49A0-A66D-800032056FEF}" type="presOf" srcId="{3D9A5FDC-149F-4871-AC0B-41FE9D85C64C}" destId="{B6F5FD8B-2420-4FD2-A968-06EB999D45F8}" srcOrd="0" destOrd="0" presId="urn:microsoft.com/office/officeart/2005/8/layout/process5"/>
-    <dgm:cxn modelId="{40EF2476-88D6-4D65-A834-7B8200D87526}" srcId="{2EB99E6E-DD2C-44A8-96E3-DAEB06EBC057}" destId="{E7A50803-F364-4CD4-AD78-41B1FBFF1BA8}" srcOrd="6" destOrd="0" parTransId="{407CD609-00D6-48E0-AA13-550B24BE3F19}" sibTransId="{DA4329DA-20FA-4C38-857D-B35ED56ACC55}"/>
-    <dgm:cxn modelId="{06C594FE-5AFA-48DB-8E09-4DE0E4DD2E92}" type="presOf" srcId="{4F55A451-EEAC-4794-AD1A-88C08A1F61E7}" destId="{202B8E42-56EC-4F6F-B287-6BFE3E8911D1}" srcOrd="0" destOrd="0" presId="urn:microsoft.com/office/officeart/2005/8/layout/process5"/>
-    <dgm:cxn modelId="{30FCE3CE-082F-413D-915C-01C2BFBB09FB}" type="presOf" srcId="{F2C8586D-E9EC-49DE-A6E1-7395CCE564B6}" destId="{C552C226-DCF4-4C0B-9226-C4DC76870D11}" srcOrd="0" destOrd="2" presId="urn:microsoft.com/office/officeart/2005/8/layout/process5"/>
-    <dgm:cxn modelId="{A5148013-A7A8-45B2-8CAC-EFAA8FDF5023}" type="presOf" srcId="{CC576BF7-D0C4-45C0-8742-81D00CDE3EDA}" destId="{AE9BFCD7-65E9-4042-93B3-00254295DFC1}" srcOrd="1" destOrd="0" presId="urn:microsoft.com/office/officeart/2005/8/layout/process5"/>
-    <dgm:cxn modelId="{27B89C57-F4CB-468C-8E55-610CA3C79895}" type="presOf" srcId="{0A0E999D-969B-45C8-AFE8-AA11F26815D4}" destId="{B0605081-2CC9-4157-A707-056A7E67F165}" srcOrd="0" destOrd="0" presId="urn:microsoft.com/office/officeart/2005/8/layout/process5"/>
-    <dgm:cxn modelId="{2627E517-3229-46DC-9924-5AF64DCBE471}" srcId="{2EB99E6E-DD2C-44A8-96E3-DAEB06EBC057}" destId="{798A6FF1-55B3-448B-9510-4CF912534081}" srcOrd="8" destOrd="0" parTransId="{CAB4B1F3-FE0C-444F-AC74-499063FC8A54}" sibTransId="{84C407B1-5E4A-476A-B92D-CCF3FF3AAA46}"/>
-    <dgm:cxn modelId="{75562B10-8704-48FC-927D-3A95AF90A5D4}" type="presOf" srcId="{DD9F15A9-DA4A-4D14-9588-AA60C7521CFE}" destId="{7202BC0E-BCCD-4749-B8AE-EAEB96710794}" srcOrd="0" destOrd="1" presId="urn:microsoft.com/office/officeart/2005/8/layout/process5"/>
-    <dgm:cxn modelId="{24762DC5-1B7E-4F1F-905C-29FEED91CB84}" type="presOf" srcId="{E7A50803-F364-4CD4-AD78-41B1FBFF1BA8}" destId="{7202BC0E-BCCD-4749-B8AE-EAEB96710794}" srcOrd="0" destOrd="0" presId="urn:microsoft.com/office/officeart/2005/8/layout/process5"/>
-    <dgm:cxn modelId="{BE42C264-C53A-49FE-9239-12E6223C6359}" srcId="{2EB99E6E-DD2C-44A8-96E3-DAEB06EBC057}" destId="{F6634B8D-E0A8-4CF8-9547-DC651A569B35}" srcOrd="7" destOrd="0" parTransId="{CB1A9436-E5CF-4701-988D-B3D56913BC7A}" sibTransId="{0A0E999D-969B-45C8-AFE8-AA11F26815D4}"/>
-    <dgm:cxn modelId="{00BFEED2-4380-4B91-BE00-4AB756214262}" type="presOf" srcId="{4B69B0E3-8743-4939-B11F-528463168E2A}" destId="{3AD5559E-BD30-4C5E-8244-E975DFD4D66A}" srcOrd="0" destOrd="0" presId="urn:microsoft.com/office/officeart/2005/8/layout/process5"/>
-    <dgm:cxn modelId="{E6A9C202-5048-4AEE-908F-517DA2F11E0F}" type="presOf" srcId="{CC576BF7-D0C4-45C0-8742-81D00CDE3EDA}" destId="{7E7752DD-DCDB-41B0-B094-2281FBAA8726}" srcOrd="0" destOrd="0" presId="urn:microsoft.com/office/officeart/2005/8/layout/process5"/>
-    <dgm:cxn modelId="{63C128B9-6057-440A-967F-A62863682B62}" type="presOf" srcId="{82FE3047-50CF-40C0-939B-38F880054397}" destId="{B96C6DDC-F963-4B90-A0A4-7D9FCD4D5E46}" srcOrd="0" destOrd="0" presId="urn:microsoft.com/office/officeart/2005/8/layout/process5"/>
-    <dgm:cxn modelId="{F64C7351-5D29-4BA4-AF1B-F2B50925AC66}" type="presOf" srcId="{64943D96-19D2-4F2F-AB9D-7FACCD83237E}" destId="{0795C1ED-6176-4D71-8695-BFA260CD8DB5}" srcOrd="0" destOrd="0" presId="urn:microsoft.com/office/officeart/2005/8/layout/process5"/>
-    <dgm:cxn modelId="{9A4536DF-DA56-497F-A81B-7850E8220D4B}" srcId="{E7A50803-F364-4CD4-AD78-41B1FBFF1BA8}" destId="{0D096DC1-5A8B-4ADE-A057-0F5D5950C77F}" srcOrd="1" destOrd="0" parTransId="{3B29BF6D-8309-45FC-BAB5-34109509ECCA}" sibTransId="{AF508A93-BE0D-45D4-93D1-F78FB8325E97}"/>
-    <dgm:cxn modelId="{C75AF5CD-407B-4999-AA02-3D3C6183FB81}" type="presOf" srcId="{84C407B1-5E4A-476A-B92D-CCF3FF3AAA46}" destId="{6FC24B80-D800-4BB8-8862-1A8D3268A0E7}" srcOrd="1" destOrd="0" presId="urn:microsoft.com/office/officeart/2005/8/layout/process5"/>
-    <dgm:cxn modelId="{14580366-1FBC-4C21-8C8C-ECCEFC03B8D9}" srcId="{2EB99E6E-DD2C-44A8-96E3-DAEB06EBC057}" destId="{C385F31E-C6F1-41EB-A744-6A3BF2E406F6}" srcOrd="11" destOrd="0" parTransId="{D43C4031-2516-4EC0-BAAF-D4081E65232B}" sibTransId="{4B6C20F8-6B52-45DF-9F97-26B7A319589B}"/>
-    <dgm:cxn modelId="{C9D9C90E-4623-4921-81B9-E98F68171228}" type="presOf" srcId="{C7808C6A-1DE8-43E2-A730-B64DDB015688}" destId="{C552C226-DCF4-4C0B-9226-C4DC76870D11}" srcOrd="0" destOrd="1" presId="urn:microsoft.com/office/officeart/2005/8/layout/process5"/>
-    <dgm:cxn modelId="{F0B76648-D1DB-4962-BD86-92DA1CE3EB0D}" type="presOf" srcId="{B49C4D2D-FBEB-4D1C-B75F-C3DE01451527}" destId="{B7AFCB0A-375A-421B-BDCD-3F97A815491D}" srcOrd="1" destOrd="0" presId="urn:microsoft.com/office/officeart/2005/8/layout/process5"/>
     <dgm:cxn modelId="{DB6C55F8-08FF-41FB-994F-539D302E509A}" type="presOf" srcId="{252A868E-1D7A-4BD9-B234-19B2E62E0B3A}" destId="{425C393F-DC73-4F76-B412-3A9100D3169A}" srcOrd="1" destOrd="0" presId="urn:microsoft.com/office/officeart/2005/8/layout/process5"/>
     <dgm:cxn modelId="{8DED5335-A554-47BE-B0F1-84C02E919B4D}" type="presOf" srcId="{645BB4AE-23C8-4363-BE6C-2366BFD3FAE5}" destId="{427AD9CF-C940-4EE9-9DB4-80E286518A29}" srcOrd="1" destOrd="0" presId="urn:microsoft.com/office/officeart/2005/8/layout/process5"/>
+    <dgm:cxn modelId="{30FCE3CE-082F-413D-915C-01C2BFBB09FB}" type="presOf" srcId="{F2C8586D-E9EC-49DE-A6E1-7395CCE564B6}" destId="{C552C226-DCF4-4C0B-9226-C4DC76870D11}" srcOrd="0" destOrd="2" presId="urn:microsoft.com/office/officeart/2005/8/layout/process5"/>
+    <dgm:cxn modelId="{86FA6E9F-4A50-4531-90B7-D4D57815292D}" srcId="{2EB99E6E-DD2C-44A8-96E3-DAEB06EBC057}" destId="{E0D73B0D-2B54-4BB7-837B-A02C9C860C3A}" srcOrd="3" destOrd="0" parTransId="{5071B9E3-6C8F-4439-8171-3AC63096F4CB}" sibTransId="{E0319071-DA33-4CEE-AEED-77BDB96D497A}"/>
+    <dgm:cxn modelId="{BE42C264-C53A-49FE-9239-12E6223C6359}" srcId="{2EB99E6E-DD2C-44A8-96E3-DAEB06EBC057}" destId="{F6634B8D-E0A8-4CF8-9547-DC651A569B35}" srcOrd="6" destOrd="0" parTransId="{CB1A9436-E5CF-4701-988D-B3D56913BC7A}" sibTransId="{0A0E999D-969B-45C8-AFE8-AA11F26815D4}"/>
+    <dgm:cxn modelId="{62E71F3D-3D7F-41D5-9B1D-87BAF0BED455}" srcId="{2EB99E6E-DD2C-44A8-96E3-DAEB06EBC057}" destId="{2F8C4D08-CEAE-4B58-A0D0-64795F5C59C7}" srcOrd="4" destOrd="0" parTransId="{26EB697A-87DA-4349-B732-3735A40D88AA}" sibTransId="{82FE3047-50CF-40C0-939B-38F880054397}"/>
+    <dgm:cxn modelId="{5621462F-3CC6-4EEE-9D33-46219A504E6D}" type="presOf" srcId="{F6634B8D-E0A8-4CF8-9547-DC651A569B35}" destId="{99A2F953-EC43-4E7D-895E-E6CCB05BF9AC}" srcOrd="0" destOrd="0" presId="urn:microsoft.com/office/officeart/2005/8/layout/process5"/>
+    <dgm:cxn modelId="{F0B76648-D1DB-4962-BD86-92DA1CE3EB0D}" type="presOf" srcId="{B49C4D2D-FBEB-4D1C-B75F-C3DE01451527}" destId="{B7AFCB0A-375A-421B-BDCD-3F97A815491D}" srcOrd="1" destOrd="0" presId="urn:microsoft.com/office/officeart/2005/8/layout/process5"/>
+    <dgm:cxn modelId="{F021AE25-EB30-48EA-B612-B9F39466FE4B}" type="presOf" srcId="{E0319071-DA33-4CEE-AEED-77BDB96D497A}" destId="{9FEB6EAB-4890-41DE-90EE-B031032C219C}" srcOrd="0" destOrd="0" presId="urn:microsoft.com/office/officeart/2005/8/layout/process5"/>
+    <dgm:cxn modelId="{654C0E2D-9F02-4D0F-914E-7E3A5D6B9BCF}" type="presOf" srcId="{22D37AD1-831C-40F0-8FB9-6F8698F28185}" destId="{9038EBA2-D570-4040-AD91-DE80216ABD27}" srcOrd="0" destOrd="0" presId="urn:microsoft.com/office/officeart/2005/8/layout/process5"/>
+    <dgm:cxn modelId="{DD3B0ACD-011D-4B17-9D61-04D4BD2785B7}" type="presOf" srcId="{252A868E-1D7A-4BD9-B234-19B2E62E0B3A}" destId="{FE02FC1D-D3EB-4076-A80F-B80B5AAC7ABB}" srcOrd="0" destOrd="0" presId="urn:microsoft.com/office/officeart/2005/8/layout/process5"/>
+    <dgm:cxn modelId="{9EAB0024-D98F-496E-984F-8C71C8342C04}" type="presOf" srcId="{82FE3047-50CF-40C0-939B-38F880054397}" destId="{0448F131-E2C7-4E83-90A6-258E21432E6A}" srcOrd="1" destOrd="0" presId="urn:microsoft.com/office/officeart/2005/8/layout/process5"/>
+    <dgm:cxn modelId="{B4AA1D32-C979-436A-B940-B55501354F8A}" type="presOf" srcId="{E0D73B0D-2B54-4BB7-837B-A02C9C860C3A}" destId="{0631316F-807F-4C68-B220-03577B1939F8}" srcOrd="0" destOrd="0" presId="urn:microsoft.com/office/officeart/2005/8/layout/process5"/>
+    <dgm:cxn modelId="{27B89C57-F4CB-468C-8E55-610CA3C79895}" type="presOf" srcId="{0A0E999D-969B-45C8-AFE8-AA11F26815D4}" destId="{B0605081-2CC9-4157-A707-056A7E67F165}" srcOrd="0" destOrd="0" presId="urn:microsoft.com/office/officeart/2005/8/layout/process5"/>
+    <dgm:cxn modelId="{BF503448-2551-4E50-A12E-D6096D13B8D4}" type="presOf" srcId="{7A900D74-D999-4C0D-903D-9385AF28B32A}" destId="{F5157131-9131-47E0-91C7-C2708EA7DF4E}" srcOrd="0" destOrd="0" presId="urn:microsoft.com/office/officeart/2005/8/layout/process5"/>
     <dgm:cxn modelId="{3AB88BB3-706E-4D03-9A46-4EF26D7248CD}" type="presOf" srcId="{798A6FF1-55B3-448B-9510-4CF912534081}" destId="{56040DE5-8429-4ADC-872E-25108EC0DBDB}" srcOrd="0" destOrd="0" presId="urn:microsoft.com/office/officeart/2005/8/layout/process5"/>
-    <dgm:cxn modelId="{CC3E495E-6A70-4A9B-9CE2-44C302E880D3}" type="presOf" srcId="{DA4329DA-20FA-4C38-857D-B35ED56ACC55}" destId="{28D40CE1-835B-4A7B-8244-943B63DB6594}" srcOrd="0" destOrd="0" presId="urn:microsoft.com/office/officeart/2005/8/layout/process5"/>
+    <dgm:cxn modelId="{C6D66385-2E42-4D46-B355-5E76D582C027}" srcId="{11759023-B539-4A9D-9148-695A907123CF}" destId="{C7808C6A-1DE8-43E2-A730-B64DDB015688}" srcOrd="0" destOrd="0" parTransId="{FE65013A-12E9-4023-BCF8-23FFE3C22F40}" sibTransId="{028CFA6C-EFD8-4C34-8F15-0E9A206101A7}"/>
+    <dgm:cxn modelId="{C1F3C3A4-473F-4899-9359-ABF785E5521F}" srcId="{2EB99E6E-DD2C-44A8-96E3-DAEB06EBC057}" destId="{7C7B550B-1B4D-42E2-ACFC-728546073CB1}" srcOrd="9" destOrd="0" parTransId="{1232A2E5-A2F1-4B11-BB50-2442B9B6E618}" sibTransId="{645BB4AE-23C8-4363-BE6C-2366BFD3FAE5}"/>
+    <dgm:cxn modelId="{0CF353D1-1F18-4E3E-AE22-6BA9BA857BF4}" type="presOf" srcId="{E0319071-DA33-4CEE-AEED-77BDB96D497A}" destId="{B3D31688-DAC1-45E7-8B67-DB84E8ED7C7F}" srcOrd="1" destOrd="0" presId="urn:microsoft.com/office/officeart/2005/8/layout/process5"/>
+    <dgm:cxn modelId="{38C7846C-A3D6-4079-970D-4790872C6BDF}" srcId="{22D37AD1-831C-40F0-8FB9-6F8698F28185}" destId="{6079760F-3BEB-448E-8C4C-D07379A5E46D}" srcOrd="0" destOrd="0" parTransId="{3F15C46F-5BC4-4346-8681-CE05BF6A8676}" sibTransId="{64943D96-19D2-4F2F-AB9D-7FACCD83237E}"/>
+    <dgm:cxn modelId="{1BDF8DBC-AD08-4BE6-B455-50F9C8AB0C47}" type="presOf" srcId="{7C7B550B-1B4D-42E2-ACFC-728546073CB1}" destId="{89DADE2F-0EC1-44A0-92D9-021DF56E312B}" srcOrd="0" destOrd="0" presId="urn:microsoft.com/office/officeart/2005/8/layout/process5"/>
+    <dgm:cxn modelId="{E5C7CD86-EC86-4052-8490-293639201F0A}" srcId="{2EB99E6E-DD2C-44A8-96E3-DAEB06EBC057}" destId="{22D37AD1-831C-40F0-8FB9-6F8698F28185}" srcOrd="5" destOrd="0" parTransId="{A25D6232-A6E1-4103-AEFA-7192B95A97C0}" sibTransId="{F7E4BF3C-DD43-4FBE-8890-CB2C899CFBEE}"/>
+    <dgm:cxn modelId="{8D3E1448-D30F-46E4-88BA-A5A85580627D}" type="presOf" srcId="{2F8C4D08-CEAE-4B58-A0D0-64795F5C59C7}" destId="{9DCBE7C4-77E3-4D84-882B-7F8484E636DC}" srcOrd="0" destOrd="0" presId="urn:microsoft.com/office/officeart/2005/8/layout/process5"/>
+    <dgm:cxn modelId="{3B90CBB8-3BB1-4937-AEAB-B48FD617DB9A}" type="presOf" srcId="{B49C4D2D-FBEB-4D1C-B75F-C3DE01451527}" destId="{4E482C98-6EFA-4C20-AE49-96BEB2724FA0}" srcOrd="0" destOrd="0" presId="urn:microsoft.com/office/officeart/2005/8/layout/process5"/>
+    <dgm:cxn modelId="{BBE56D49-1FE7-4E1E-8678-125662576E0F}" type="presOf" srcId="{F7E4BF3C-DD43-4FBE-8890-CB2C899CFBEE}" destId="{604B6F34-710D-40C8-8805-5FC71845512E}" srcOrd="0" destOrd="0" presId="urn:microsoft.com/office/officeart/2005/8/layout/process5"/>
+    <dgm:cxn modelId="{381362CE-EA91-4DC6-AA83-039080D7D497}" srcId="{E7A50803-F364-4CD4-AD78-41B1FBFF1BA8}" destId="{DD9F15A9-DA4A-4D14-9588-AA60C7521CFE}" srcOrd="0" destOrd="0" parTransId="{479FDE72-7A42-42BE-9DC8-20498FF7B4A7}" sibTransId="{300F9D5C-0CF9-4756-8C02-37299F1620C7}"/>
+    <dgm:cxn modelId="{C75AF5CD-407B-4999-AA02-3D3C6183FB81}" type="presOf" srcId="{84C407B1-5E4A-476A-B92D-CCF3FF3AAA46}" destId="{6FC24B80-D800-4BB8-8862-1A8D3268A0E7}" srcOrd="1" destOrd="0" presId="urn:microsoft.com/office/officeart/2005/8/layout/process5"/>
+    <dgm:cxn modelId="{06C594FE-5AFA-48DB-8E09-4DE0E4DD2E92}" type="presOf" srcId="{4F55A451-EEAC-4794-AD1A-88C08A1F61E7}" destId="{202B8E42-56EC-4F6F-B287-6BFE3E8911D1}" srcOrd="0" destOrd="0" presId="urn:microsoft.com/office/officeart/2005/8/layout/process5"/>
+    <dgm:cxn modelId="{2627E517-3229-46DC-9924-5AF64DCBE471}" srcId="{2EB99E6E-DD2C-44A8-96E3-DAEB06EBC057}" destId="{798A6FF1-55B3-448B-9510-4CF912534081}" srcOrd="7" destOrd="0" parTransId="{CAB4B1F3-FE0C-444F-AC74-499063FC8A54}" sibTransId="{84C407B1-5E4A-476A-B92D-CCF3FF3AAA46}"/>
+    <dgm:cxn modelId="{40EF2476-88D6-4D65-A834-7B8200D87526}" srcId="{22D37AD1-831C-40F0-8FB9-6F8698F28185}" destId="{E7A50803-F364-4CD4-AD78-41B1FBFF1BA8}" srcOrd="1" destOrd="0" parTransId="{407CD609-00D6-48E0-AA13-550B24BE3F19}" sibTransId="{DA4329DA-20FA-4C38-857D-B35ED56ACC55}"/>
+    <dgm:cxn modelId="{8DACDA3E-740D-4DF1-8F8A-6ACAC57731CD}" type="presOf" srcId="{2EB99E6E-DD2C-44A8-96E3-DAEB06EBC057}" destId="{9233F2E0-5E4E-4D44-8197-09E76C5F6FEB}" srcOrd="0" destOrd="0" presId="urn:microsoft.com/office/officeart/2005/8/layout/process5"/>
+    <dgm:cxn modelId="{06EBD534-FC6D-42BB-8C8C-3F427933A1E4}" type="presOf" srcId="{DD9F15A9-DA4A-4D14-9588-AA60C7521CFE}" destId="{9038EBA2-D570-4040-AD91-DE80216ABD27}" srcOrd="0" destOrd="3" presId="urn:microsoft.com/office/officeart/2005/8/layout/process5"/>
+    <dgm:cxn modelId="{316A43C6-60ED-43E3-BF7B-3451CFE4A015}" srcId="{2EB99E6E-DD2C-44A8-96E3-DAEB06EBC057}" destId="{4F55A451-EEAC-4794-AD1A-88C08A1F61E7}" srcOrd="8" destOrd="0" parTransId="{57EFACCD-38DF-41A4-BB5E-FED8CF177E2E}" sibTransId="{7A900D74-D999-4C0D-903D-9385AF28B32A}"/>
+    <dgm:cxn modelId="{149B82F1-F9D5-4B8C-AE0C-61CC7E7717A3}" type="presOf" srcId="{F7E4BF3C-DD43-4FBE-8890-CB2C899CFBEE}" destId="{5573A9C5-32E3-4FB7-A8A8-AA74B345325A}" srcOrd="1" destOrd="0" presId="urn:microsoft.com/office/officeart/2005/8/layout/process5"/>
+    <dgm:cxn modelId="{36375326-BE41-4699-AA2A-CF8DF5938E42}" type="presOf" srcId="{C385F31E-C6F1-41EB-A744-6A3BF2E406F6}" destId="{C269A2E3-8621-4697-96C7-19DDAF8DBEF2}" srcOrd="0" destOrd="0" presId="urn:microsoft.com/office/officeart/2005/8/layout/process5"/>
     <dgm:cxn modelId="{D6BAC6BD-42CA-42C2-B1EB-80649B7B100A}" type="presOf" srcId="{7A900D74-D999-4C0D-903D-9385AF28B32A}" destId="{FA657519-C910-4034-B3AB-F451068D97BB}" srcOrd="1" destOrd="0" presId="urn:microsoft.com/office/officeart/2005/8/layout/process5"/>
+    <dgm:cxn modelId="{E6A9C202-5048-4AEE-908F-517DA2F11E0F}" type="presOf" srcId="{CC576BF7-D0C4-45C0-8742-81D00CDE3EDA}" destId="{7E7752DD-DCDB-41B0-B094-2281FBAA8726}" srcOrd="0" destOrd="0" presId="urn:microsoft.com/office/officeart/2005/8/layout/process5"/>
+    <dgm:cxn modelId="{78EFCC25-2FFB-4294-BBDB-069F5F18EAC1}" type="presOf" srcId="{0A0E999D-969B-45C8-AFE8-AA11F26815D4}" destId="{6C3D7124-8CE6-43EF-B903-996C1AE4DCA8}" srcOrd="1" destOrd="0" presId="urn:microsoft.com/office/officeart/2005/8/layout/process5"/>
+    <dgm:cxn modelId="{656A6730-4775-4A3E-936E-91899811DB25}" srcId="{2EB99E6E-DD2C-44A8-96E3-DAEB06EBC057}" destId="{3D9A5FDC-149F-4871-AC0B-41FE9D85C64C}" srcOrd="2" destOrd="0" parTransId="{4648DA37-ADCA-4572-A170-AFF1D6B8114C}" sibTransId="{252A868E-1D7A-4BD9-B234-19B2E62E0B3A}"/>
+    <dgm:cxn modelId="{63C128B9-6057-440A-967F-A62863682B62}" type="presOf" srcId="{82FE3047-50CF-40C0-939B-38F880054397}" destId="{B96C6DDC-F963-4B90-A0A4-7D9FCD4D5E46}" srcOrd="0" destOrd="0" presId="urn:microsoft.com/office/officeart/2005/8/layout/process5"/>
     <dgm:cxn modelId="{F12BEC8D-F482-4DFF-98C9-B2A773153546}" srcId="{2EB99E6E-DD2C-44A8-96E3-DAEB06EBC057}" destId="{4B69B0E3-8743-4939-B11F-528463168E2A}" srcOrd="0" destOrd="0" parTransId="{AAB7FF21-EBB3-4589-853C-64AEFF5CB37C}" sibTransId="{CC576BF7-D0C4-45C0-8742-81D00CDE3EDA}"/>
-    <dgm:cxn modelId="{86FA6E9F-4A50-4531-90B7-D4D57815292D}" srcId="{2EB99E6E-DD2C-44A8-96E3-DAEB06EBC057}" destId="{E0D73B0D-2B54-4BB7-837B-A02C9C860C3A}" srcOrd="3" destOrd="0" parTransId="{5071B9E3-6C8F-4439-8171-3AC63096F4CB}" sibTransId="{E0319071-DA33-4CEE-AEED-77BDB96D497A}"/>
-    <dgm:cxn modelId="{2063C62C-2087-4368-82DA-E5812A0DBAD2}" type="presOf" srcId="{0D096DC1-5A8B-4ADE-A057-0F5D5950C77F}" destId="{7202BC0E-BCCD-4749-B8AE-EAEB96710794}" srcOrd="0" destOrd="2" presId="urn:microsoft.com/office/officeart/2005/8/layout/process5"/>
-    <dgm:cxn modelId="{9EAB0024-D98F-496E-984F-8C71C8342C04}" type="presOf" srcId="{82FE3047-50CF-40C0-939B-38F880054397}" destId="{0448F131-E2C7-4E83-90A6-258E21432E6A}" srcOrd="1" destOrd="0" presId="urn:microsoft.com/office/officeart/2005/8/layout/process5"/>
-    <dgm:cxn modelId="{38C7846C-A3D6-4079-970D-4790872C6BDF}" srcId="{2EB99E6E-DD2C-44A8-96E3-DAEB06EBC057}" destId="{6079760F-3BEB-448E-8C4C-D07379A5E46D}" srcOrd="5" destOrd="0" parTransId="{3F15C46F-5BC4-4346-8681-CE05BF6A8676}" sibTransId="{64943D96-19D2-4F2F-AB9D-7FACCD83237E}"/>
-    <dgm:cxn modelId="{F021AE25-EB30-48EA-B612-B9F39466FE4B}" type="presOf" srcId="{E0319071-DA33-4CEE-AEED-77BDB96D497A}" destId="{9FEB6EAB-4890-41DE-90EE-B031032C219C}" srcOrd="0" destOrd="0" presId="urn:microsoft.com/office/officeart/2005/8/layout/process5"/>
-    <dgm:cxn modelId="{5621462F-3CC6-4EEE-9D33-46219A504E6D}" type="presOf" srcId="{F6634B8D-E0A8-4CF8-9547-DC651A569B35}" destId="{99A2F953-EC43-4E7D-895E-E6CCB05BF9AC}" srcOrd="0" destOrd="0" presId="urn:microsoft.com/office/officeart/2005/8/layout/process5"/>
-    <dgm:cxn modelId="{DB0B18EC-FCB6-4AE2-8D02-2CC9FC63F21C}" type="presOf" srcId="{84C407B1-5E4A-476A-B92D-CCF3FF3AAA46}" destId="{8875B72C-833D-4C06-88C7-8621517377BC}" srcOrd="0" destOrd="0" presId="urn:microsoft.com/office/officeart/2005/8/layout/process5"/>
-    <dgm:cxn modelId="{62E71F3D-3D7F-41D5-9B1D-87BAF0BED455}" srcId="{2EB99E6E-DD2C-44A8-96E3-DAEB06EBC057}" destId="{2F8C4D08-CEAE-4B58-A0D0-64795F5C59C7}" srcOrd="4" destOrd="0" parTransId="{26EB697A-87DA-4349-B732-3735A40D88AA}" sibTransId="{82FE3047-50CF-40C0-939B-38F880054397}"/>
-    <dgm:cxn modelId="{1BDF8DBC-AD08-4BE6-B455-50F9C8AB0C47}" type="presOf" srcId="{7C7B550B-1B4D-42E2-ACFC-728546073CB1}" destId="{89DADE2F-0EC1-44A0-92D9-021DF56E312B}" srcOrd="0" destOrd="0" presId="urn:microsoft.com/office/officeart/2005/8/layout/process5"/>
-    <dgm:cxn modelId="{0CF353D1-1F18-4E3E-AE22-6BA9BA857BF4}" type="presOf" srcId="{E0319071-DA33-4CEE-AEED-77BDB96D497A}" destId="{B3D31688-DAC1-45E7-8B67-DB84E8ED7C7F}" srcOrd="1" destOrd="0" presId="urn:microsoft.com/office/officeart/2005/8/layout/process5"/>
-    <dgm:cxn modelId="{1A1864AA-6C88-4A72-A88A-383848E48098}" srcId="{2EB99E6E-DD2C-44A8-96E3-DAEB06EBC057}" destId="{11759023-B539-4A9D-9148-695A907123CF}" srcOrd="1" destOrd="0" parTransId="{CB27E4A7-A152-416A-AE74-8BAADA362E30}" sibTransId="{B49C4D2D-FBEB-4D1C-B75F-C3DE01451527}"/>
-    <dgm:cxn modelId="{78EFCC25-2FFB-4294-BBDB-069F5F18EAC1}" type="presOf" srcId="{0A0E999D-969B-45C8-AFE8-AA11F26815D4}" destId="{6C3D7124-8CE6-43EF-B903-996C1AE4DCA8}" srcOrd="1" destOrd="0" presId="urn:microsoft.com/office/officeart/2005/8/layout/process5"/>
-    <dgm:cxn modelId="{8DACDA3E-740D-4DF1-8F8A-6ACAC57731CD}" type="presOf" srcId="{2EB99E6E-DD2C-44A8-96E3-DAEB06EBC057}" destId="{9233F2E0-5E4E-4D44-8197-09E76C5F6FEB}" srcOrd="0" destOrd="0" presId="urn:microsoft.com/office/officeart/2005/8/layout/process5"/>
-    <dgm:cxn modelId="{5820A6EF-4FC6-431B-AD2F-DCD004992DA4}" type="presOf" srcId="{11759023-B539-4A9D-9148-695A907123CF}" destId="{C552C226-DCF4-4C0B-9226-C4DC76870D11}" srcOrd="0" destOrd="0" presId="urn:microsoft.com/office/officeart/2005/8/layout/process5"/>
-    <dgm:cxn modelId="{8C026A88-CF37-4677-A54E-B7502115912A}" type="presOf" srcId="{64943D96-19D2-4F2F-AB9D-7FACCD83237E}" destId="{E4600BEF-D57A-4645-A92E-7E96936C5191}" srcOrd="1" destOrd="0" presId="urn:microsoft.com/office/officeart/2005/8/layout/process5"/>
-    <dgm:cxn modelId="{C6D66385-2E42-4D46-B355-5E76D582C027}" srcId="{11759023-B539-4A9D-9148-695A907123CF}" destId="{C7808C6A-1DE8-43E2-A730-B64DDB015688}" srcOrd="0" destOrd="0" parTransId="{FE65013A-12E9-4023-BCF8-23FFE3C22F40}" sibTransId="{028CFA6C-EFD8-4C34-8F15-0E9A206101A7}"/>
-    <dgm:cxn modelId="{EF5C2330-6761-4CAD-96F8-71D82ACC91E2}" srcId="{11759023-B539-4A9D-9148-695A907123CF}" destId="{F2C8586D-E9EC-49DE-A6E1-7395CCE564B6}" srcOrd="1" destOrd="0" parTransId="{A79A6D4F-3843-4AB0-A812-5BD82272AA28}" sibTransId="{631743A5-1AC9-4D0A-B8C1-BF03301D7154}"/>
-    <dgm:cxn modelId="{C1F3C3A4-473F-4899-9359-ABF785E5521F}" srcId="{2EB99E6E-DD2C-44A8-96E3-DAEB06EBC057}" destId="{7C7B550B-1B4D-42E2-ACFC-728546073CB1}" srcOrd="10" destOrd="0" parTransId="{1232A2E5-A2F1-4B11-BB50-2442B9B6E618}" sibTransId="{645BB4AE-23C8-4363-BE6C-2366BFD3FAE5}"/>
-    <dgm:cxn modelId="{DD3B0ACD-011D-4B17-9D61-04D4BD2785B7}" type="presOf" srcId="{252A868E-1D7A-4BD9-B234-19B2E62E0B3A}" destId="{FE02FC1D-D3EB-4076-A80F-B80B5AAC7ABB}" srcOrd="0" destOrd="0" presId="urn:microsoft.com/office/officeart/2005/8/layout/process5"/>
-    <dgm:cxn modelId="{381362CE-EA91-4DC6-AA83-039080D7D497}" srcId="{E7A50803-F364-4CD4-AD78-41B1FBFF1BA8}" destId="{DD9F15A9-DA4A-4D14-9588-AA60C7521CFE}" srcOrd="0" destOrd="0" parTransId="{479FDE72-7A42-42BE-9DC8-20498FF7B4A7}" sibTransId="{300F9D5C-0CF9-4756-8C02-37299F1620C7}"/>
-    <dgm:cxn modelId="{316A43C6-60ED-43E3-BF7B-3451CFE4A015}" srcId="{2EB99E6E-DD2C-44A8-96E3-DAEB06EBC057}" destId="{4F55A451-EEAC-4794-AD1A-88C08A1F61E7}" srcOrd="9" destOrd="0" parTransId="{57EFACCD-38DF-41A4-BB5E-FED8CF177E2E}" sibTransId="{7A900D74-D999-4C0D-903D-9385AF28B32A}"/>
-    <dgm:cxn modelId="{656A6730-4775-4A3E-936E-91899811DB25}" srcId="{2EB99E6E-DD2C-44A8-96E3-DAEB06EBC057}" destId="{3D9A5FDC-149F-4871-AC0B-41FE9D85C64C}" srcOrd="2" destOrd="0" parTransId="{4648DA37-ADCA-4572-A170-AFF1D6B8114C}" sibTransId="{252A868E-1D7A-4BD9-B234-19B2E62E0B3A}"/>
-    <dgm:cxn modelId="{3B90CBB8-3BB1-4937-AEAB-B48FD617DB9A}" type="presOf" srcId="{B49C4D2D-FBEB-4D1C-B75F-C3DE01451527}" destId="{4E482C98-6EFA-4C20-AE49-96BEB2724FA0}" srcOrd="0" destOrd="0" presId="urn:microsoft.com/office/officeart/2005/8/layout/process5"/>
-    <dgm:cxn modelId="{BF503448-2551-4E50-A12E-D6096D13B8D4}" type="presOf" srcId="{7A900D74-D999-4C0D-903D-9385AF28B32A}" destId="{F5157131-9131-47E0-91C7-C2708EA7DF4E}" srcOrd="0" destOrd="0" presId="urn:microsoft.com/office/officeart/2005/8/layout/process5"/>
-    <dgm:cxn modelId="{212F0AE4-3169-414E-BCB9-C368722673C9}" type="presOf" srcId="{DA4329DA-20FA-4C38-857D-B35ED56ACC55}" destId="{4BC23CEC-7E80-4DB3-84E2-974D7F887BA4}" srcOrd="1" destOrd="0" presId="urn:microsoft.com/office/officeart/2005/8/layout/process5"/>
-    <dgm:cxn modelId="{B4AA1D32-C979-436A-B940-B55501354F8A}" type="presOf" srcId="{E0D73B0D-2B54-4BB7-837B-A02C9C860C3A}" destId="{0631316F-807F-4C68-B220-03577B1939F8}" srcOrd="0" destOrd="0" presId="urn:microsoft.com/office/officeart/2005/8/layout/process5"/>
+    <dgm:cxn modelId="{A5148013-A7A8-45B2-8CAC-EFAA8FDF5023}" type="presOf" srcId="{CC576BF7-D0C4-45C0-8742-81D00CDE3EDA}" destId="{AE9BFCD7-65E9-4042-93B3-00254295DFC1}" srcOrd="1" destOrd="0" presId="urn:microsoft.com/office/officeart/2005/8/layout/process5"/>
     <dgm:cxn modelId="{B62D6CEA-E566-49A8-9360-9E22CAFF7C74}" type="presParOf" srcId="{9233F2E0-5E4E-4D44-8197-09E76C5F6FEB}" destId="{3AD5559E-BD30-4C5E-8244-E975DFD4D66A}" srcOrd="0" destOrd="0" presId="urn:microsoft.com/office/officeart/2005/8/layout/process5"/>
     <dgm:cxn modelId="{C4516AC8-7530-4F67-B32A-650F2C487011}" type="presParOf" srcId="{9233F2E0-5E4E-4D44-8197-09E76C5F6FEB}" destId="{7E7752DD-DCDB-41B0-B094-2281FBAA8726}" srcOrd="1" destOrd="0" presId="urn:microsoft.com/office/officeart/2005/8/layout/process5"/>
     <dgm:cxn modelId="{66E99241-817B-4AAF-9854-58A965611DAB}" type="presParOf" srcId="{7E7752DD-DCDB-41B0-B094-2281FBAA8726}" destId="{AE9BFCD7-65E9-4042-93B3-00254295DFC1}" srcOrd="0" destOrd="0" presId="urn:microsoft.com/office/officeart/2005/8/layout/process5"/>
@@ -6256,25 +6290,22 @@
     <dgm:cxn modelId="{8EE0C477-9797-4D0B-9B8F-8C40ABDFFEDA}" type="presParOf" srcId="{9233F2E0-5E4E-4D44-8197-09E76C5F6FEB}" destId="{9DCBE7C4-77E3-4D84-882B-7F8484E636DC}" srcOrd="8" destOrd="0" presId="urn:microsoft.com/office/officeart/2005/8/layout/process5"/>
     <dgm:cxn modelId="{7D4637DD-40BA-434B-A3C9-AC7732F39937}" type="presParOf" srcId="{9233F2E0-5E4E-4D44-8197-09E76C5F6FEB}" destId="{B96C6DDC-F963-4B90-A0A4-7D9FCD4D5E46}" srcOrd="9" destOrd="0" presId="urn:microsoft.com/office/officeart/2005/8/layout/process5"/>
     <dgm:cxn modelId="{DADD0E1B-08B9-4C92-A292-57B8483F9A84}" type="presParOf" srcId="{B96C6DDC-F963-4B90-A0A4-7D9FCD4D5E46}" destId="{0448F131-E2C7-4E83-90A6-258E21432E6A}" srcOrd="0" destOrd="0" presId="urn:microsoft.com/office/officeart/2005/8/layout/process5"/>
-    <dgm:cxn modelId="{7E583BF1-78CE-498A-9B69-DE547D5FDE5D}" type="presParOf" srcId="{9233F2E0-5E4E-4D44-8197-09E76C5F6FEB}" destId="{6BFB2FC8-D0D9-4EF7-88E7-53C32EB04ED2}" srcOrd="10" destOrd="0" presId="urn:microsoft.com/office/officeart/2005/8/layout/process5"/>
-    <dgm:cxn modelId="{A268952D-9616-4736-8D99-ED8861A96504}" type="presParOf" srcId="{9233F2E0-5E4E-4D44-8197-09E76C5F6FEB}" destId="{0795C1ED-6176-4D71-8695-BFA260CD8DB5}" srcOrd="11" destOrd="0" presId="urn:microsoft.com/office/officeart/2005/8/layout/process5"/>
-    <dgm:cxn modelId="{570C52C9-7B09-4651-B7FF-C735C114BAB8}" type="presParOf" srcId="{0795C1ED-6176-4D71-8695-BFA260CD8DB5}" destId="{E4600BEF-D57A-4645-A92E-7E96936C5191}" srcOrd="0" destOrd="0" presId="urn:microsoft.com/office/officeart/2005/8/layout/process5"/>
-    <dgm:cxn modelId="{88046035-6F45-4B4D-8D0C-4FF741C42133}" type="presParOf" srcId="{9233F2E0-5E4E-4D44-8197-09E76C5F6FEB}" destId="{7202BC0E-BCCD-4749-B8AE-EAEB96710794}" srcOrd="12" destOrd="0" presId="urn:microsoft.com/office/officeart/2005/8/layout/process5"/>
-    <dgm:cxn modelId="{F859A709-6E86-4D3E-A0F8-6F91E20FA654}" type="presParOf" srcId="{9233F2E0-5E4E-4D44-8197-09E76C5F6FEB}" destId="{28D40CE1-835B-4A7B-8244-943B63DB6594}" srcOrd="13" destOrd="0" presId="urn:microsoft.com/office/officeart/2005/8/layout/process5"/>
-    <dgm:cxn modelId="{BFE2CEA9-06D9-431F-B4E1-A54FBBB434D3}" type="presParOf" srcId="{28D40CE1-835B-4A7B-8244-943B63DB6594}" destId="{4BC23CEC-7E80-4DB3-84E2-974D7F887BA4}" srcOrd="0" destOrd="0" presId="urn:microsoft.com/office/officeart/2005/8/layout/process5"/>
-    <dgm:cxn modelId="{1B1287E2-4A64-4B89-8CF0-AFB162A7749C}" type="presParOf" srcId="{9233F2E0-5E4E-4D44-8197-09E76C5F6FEB}" destId="{99A2F953-EC43-4E7D-895E-E6CCB05BF9AC}" srcOrd="14" destOrd="0" presId="urn:microsoft.com/office/officeart/2005/8/layout/process5"/>
-    <dgm:cxn modelId="{008430AD-FEFD-448D-9348-1FCDBAD75A45}" type="presParOf" srcId="{9233F2E0-5E4E-4D44-8197-09E76C5F6FEB}" destId="{B0605081-2CC9-4157-A707-056A7E67F165}" srcOrd="15" destOrd="0" presId="urn:microsoft.com/office/officeart/2005/8/layout/process5"/>
+    <dgm:cxn modelId="{68ACADCE-3068-4753-9DFD-A5D8B22BEFAA}" type="presParOf" srcId="{9233F2E0-5E4E-4D44-8197-09E76C5F6FEB}" destId="{9038EBA2-D570-4040-AD91-DE80216ABD27}" srcOrd="10" destOrd="0" presId="urn:microsoft.com/office/officeart/2005/8/layout/process5"/>
+    <dgm:cxn modelId="{3BF79FEA-4E2E-4B5C-B526-5EDFC6F0C7F5}" type="presParOf" srcId="{9233F2E0-5E4E-4D44-8197-09E76C5F6FEB}" destId="{604B6F34-710D-40C8-8805-5FC71845512E}" srcOrd="11" destOrd="0" presId="urn:microsoft.com/office/officeart/2005/8/layout/process5"/>
+    <dgm:cxn modelId="{26DE5AFA-C111-481F-AA8A-A26BD8FD9AB5}" type="presParOf" srcId="{604B6F34-710D-40C8-8805-5FC71845512E}" destId="{5573A9C5-32E3-4FB7-A8A8-AA74B345325A}" srcOrd="0" destOrd="0" presId="urn:microsoft.com/office/officeart/2005/8/layout/process5"/>
+    <dgm:cxn modelId="{1B1287E2-4A64-4B89-8CF0-AFB162A7749C}" type="presParOf" srcId="{9233F2E0-5E4E-4D44-8197-09E76C5F6FEB}" destId="{99A2F953-EC43-4E7D-895E-E6CCB05BF9AC}" srcOrd="12" destOrd="0" presId="urn:microsoft.com/office/officeart/2005/8/layout/process5"/>
+    <dgm:cxn modelId="{008430AD-FEFD-448D-9348-1FCDBAD75A45}" type="presParOf" srcId="{9233F2E0-5E4E-4D44-8197-09E76C5F6FEB}" destId="{B0605081-2CC9-4157-A707-056A7E67F165}" srcOrd="13" destOrd="0" presId="urn:microsoft.com/office/officeart/2005/8/layout/process5"/>
     <dgm:cxn modelId="{53B7158D-261B-4EED-BBD7-9E2AFD1A0F81}" type="presParOf" srcId="{B0605081-2CC9-4157-A707-056A7E67F165}" destId="{6C3D7124-8CE6-43EF-B903-996C1AE4DCA8}" srcOrd="0" destOrd="0" presId="urn:microsoft.com/office/officeart/2005/8/layout/process5"/>
-    <dgm:cxn modelId="{58780A94-6DD1-4137-90A6-629DF6F5B462}" type="presParOf" srcId="{9233F2E0-5E4E-4D44-8197-09E76C5F6FEB}" destId="{56040DE5-8429-4ADC-872E-25108EC0DBDB}" srcOrd="16" destOrd="0" presId="urn:microsoft.com/office/officeart/2005/8/layout/process5"/>
-    <dgm:cxn modelId="{DC731686-FAF4-4475-8093-BE84B88D5727}" type="presParOf" srcId="{9233F2E0-5E4E-4D44-8197-09E76C5F6FEB}" destId="{8875B72C-833D-4C06-88C7-8621517377BC}" srcOrd="17" destOrd="0" presId="urn:microsoft.com/office/officeart/2005/8/layout/process5"/>
+    <dgm:cxn modelId="{58780A94-6DD1-4137-90A6-629DF6F5B462}" type="presParOf" srcId="{9233F2E0-5E4E-4D44-8197-09E76C5F6FEB}" destId="{56040DE5-8429-4ADC-872E-25108EC0DBDB}" srcOrd="14" destOrd="0" presId="urn:microsoft.com/office/officeart/2005/8/layout/process5"/>
+    <dgm:cxn modelId="{DC731686-FAF4-4475-8093-BE84B88D5727}" type="presParOf" srcId="{9233F2E0-5E4E-4D44-8197-09E76C5F6FEB}" destId="{8875B72C-833D-4C06-88C7-8621517377BC}" srcOrd="15" destOrd="0" presId="urn:microsoft.com/office/officeart/2005/8/layout/process5"/>
     <dgm:cxn modelId="{5CDBA868-6174-489B-9862-DC5E32FB9815}" type="presParOf" srcId="{8875B72C-833D-4C06-88C7-8621517377BC}" destId="{6FC24B80-D800-4BB8-8862-1A8D3268A0E7}" srcOrd="0" destOrd="0" presId="urn:microsoft.com/office/officeart/2005/8/layout/process5"/>
-    <dgm:cxn modelId="{85541CC5-001B-4C62-A758-654A846446DB}" type="presParOf" srcId="{9233F2E0-5E4E-4D44-8197-09E76C5F6FEB}" destId="{202B8E42-56EC-4F6F-B287-6BFE3E8911D1}" srcOrd="18" destOrd="0" presId="urn:microsoft.com/office/officeart/2005/8/layout/process5"/>
-    <dgm:cxn modelId="{285310E5-E73C-4C00-9ECB-7C52CCE5AA58}" type="presParOf" srcId="{9233F2E0-5E4E-4D44-8197-09E76C5F6FEB}" destId="{F5157131-9131-47E0-91C7-C2708EA7DF4E}" srcOrd="19" destOrd="0" presId="urn:microsoft.com/office/officeart/2005/8/layout/process5"/>
+    <dgm:cxn modelId="{85541CC5-001B-4C62-A758-654A846446DB}" type="presParOf" srcId="{9233F2E0-5E4E-4D44-8197-09E76C5F6FEB}" destId="{202B8E42-56EC-4F6F-B287-6BFE3E8911D1}" srcOrd="16" destOrd="0" presId="urn:microsoft.com/office/officeart/2005/8/layout/process5"/>
+    <dgm:cxn modelId="{285310E5-E73C-4C00-9ECB-7C52CCE5AA58}" type="presParOf" srcId="{9233F2E0-5E4E-4D44-8197-09E76C5F6FEB}" destId="{F5157131-9131-47E0-91C7-C2708EA7DF4E}" srcOrd="17" destOrd="0" presId="urn:microsoft.com/office/officeart/2005/8/layout/process5"/>
     <dgm:cxn modelId="{9371B60F-0F90-4A97-8717-F42AE7B5D63F}" type="presParOf" srcId="{F5157131-9131-47E0-91C7-C2708EA7DF4E}" destId="{FA657519-C910-4034-B3AB-F451068D97BB}" srcOrd="0" destOrd="0" presId="urn:microsoft.com/office/officeart/2005/8/layout/process5"/>
-    <dgm:cxn modelId="{D56F87DC-F6A9-444A-9DF6-B213F401C961}" type="presParOf" srcId="{9233F2E0-5E4E-4D44-8197-09E76C5F6FEB}" destId="{89DADE2F-0EC1-44A0-92D9-021DF56E312B}" srcOrd="20" destOrd="0" presId="urn:microsoft.com/office/officeart/2005/8/layout/process5"/>
-    <dgm:cxn modelId="{4139F66E-07BD-42F2-A09C-85C067D92204}" type="presParOf" srcId="{9233F2E0-5E4E-4D44-8197-09E76C5F6FEB}" destId="{CD0FEDB8-BCC7-4F7B-BCF9-F14D929D684E}" srcOrd="21" destOrd="0" presId="urn:microsoft.com/office/officeart/2005/8/layout/process5"/>
+    <dgm:cxn modelId="{D56F87DC-F6A9-444A-9DF6-B213F401C961}" type="presParOf" srcId="{9233F2E0-5E4E-4D44-8197-09E76C5F6FEB}" destId="{89DADE2F-0EC1-44A0-92D9-021DF56E312B}" srcOrd="18" destOrd="0" presId="urn:microsoft.com/office/officeart/2005/8/layout/process5"/>
+    <dgm:cxn modelId="{4139F66E-07BD-42F2-A09C-85C067D92204}" type="presParOf" srcId="{9233F2E0-5E4E-4D44-8197-09E76C5F6FEB}" destId="{CD0FEDB8-BCC7-4F7B-BCF9-F14D929D684E}" srcOrd="19" destOrd="0" presId="urn:microsoft.com/office/officeart/2005/8/layout/process5"/>
     <dgm:cxn modelId="{1EC03459-C0DE-41D6-B841-0BE5ACCC3345}" type="presParOf" srcId="{CD0FEDB8-BCC7-4F7B-BCF9-F14D929D684E}" destId="{427AD9CF-C940-4EE9-9DB4-80E286518A29}" srcOrd="0" destOrd="0" presId="urn:microsoft.com/office/officeart/2005/8/layout/process5"/>
-    <dgm:cxn modelId="{6038D219-3EA9-4963-80A5-324F5D4A8FBB}" type="presParOf" srcId="{9233F2E0-5E4E-4D44-8197-09E76C5F6FEB}" destId="{C269A2E3-8621-4697-96C7-19DDAF8DBEF2}" srcOrd="22" destOrd="0" presId="urn:microsoft.com/office/officeart/2005/8/layout/process5"/>
+    <dgm:cxn modelId="{6038D219-3EA9-4963-80A5-324F5D4A8FBB}" type="presParOf" srcId="{9233F2E0-5E4E-4D44-8197-09E76C5F6FEB}" destId="{C269A2E3-8621-4697-96C7-19DDAF8DBEF2}" srcOrd="20" destOrd="0" presId="urn:microsoft.com/office/officeart/2005/8/layout/process5"/>
   </dgm:cxnLst>
   <dgm:bg/>
   <dgm:whole/>
@@ -6535,11 +6566,7 @@
         <a:p>
           <a:r>
             <a:rPr lang="en-US" dirty="0" smtClean="0"/>
-            <a:t>Store user data (ID, </a:t>
-          </a:r>
-          <a:r>
-            <a:rPr lang="en-US" dirty="0" smtClean="0"/>
-            <a:t>name, mac </a:t>
+            <a:t>Store user data (ID, name, mac </a:t>
           </a:r>
           <a:r>
             <a:rPr lang="en-US" dirty="0" err="1" smtClean="0"/>
@@ -6616,15 +6643,7 @@
         <a:p>
           <a:r>
             <a:rPr lang="en-US" dirty="0" smtClean="0"/>
-            <a:t>Ask mentor </a:t>
-          </a:r>
-          <a:r>
-            <a:rPr lang="en-US" dirty="0" smtClean="0"/>
-            <a:t>&amp; server team for </a:t>
-          </a:r>
-          <a:r>
-            <a:rPr lang="en-US" dirty="0" smtClean="0"/>
-            <a:t>more information </a:t>
+            <a:t>Ask mentor &amp; server team for more information </a:t>
           </a:r>
           <a:r>
             <a:rPr lang="en-US" dirty="0" smtClean="0">
@@ -11404,12 +11423,12 @@
         </a:fontRef>
       </dsp:style>
       <dsp:txBody>
-        <a:bodyPr spcFirstLastPara="0" vert="horz" wrap="square" lIns="64770" tIns="64770" rIns="64770" bIns="64770" numCol="1" spcCol="1270" anchor="ctr" anchorCtr="0">
+        <a:bodyPr spcFirstLastPara="0" vert="horz" wrap="square" lIns="49530" tIns="49530" rIns="49530" bIns="49530" numCol="1" spcCol="1270" anchor="ctr" anchorCtr="0">
           <a:noAutofit/>
         </a:bodyPr>
         <a:lstStyle/>
         <a:p>
-          <a:pPr lvl="0" algn="ctr" defTabSz="755650">
+          <a:pPr lvl="0" algn="ctr" defTabSz="577850">
             <a:lnSpc>
               <a:spcPct val="90000"/>
             </a:lnSpc>
@@ -11421,10 +11440,10 @@
             </a:spcAft>
           </a:pPr>
           <a:r>
-            <a:rPr lang="en-US" sz="1700" kern="1200" dirty="0" smtClean="0"/>
+            <a:rPr lang="en-US" sz="1300" kern="1200" dirty="0" smtClean="0"/>
             <a:t>main() start</a:t>
           </a:r>
-          <a:endParaRPr lang="en-US" sz="1700" kern="1200" dirty="0"/>
+          <a:endParaRPr lang="en-US" sz="1300" kern="1200" dirty="0"/>
         </a:p>
       </dsp:txBody>
       <dsp:txXfrm>
@@ -11482,7 +11501,7 @@
         </a:bodyPr>
         <a:lstStyle/>
         <a:p>
-          <a:pPr lvl="0" algn="ctr" defTabSz="622300">
+          <a:pPr lvl="0" algn="ctr" defTabSz="488950">
             <a:lnSpc>
               <a:spcPct val="90000"/>
             </a:lnSpc>
@@ -11493,7 +11512,7 @@
               <a:spcPct val="35000"/>
             </a:spcAft>
           </a:pPr>
-          <a:endParaRPr lang="en-US" sz="1400" kern="1200"/>
+          <a:endParaRPr lang="en-US" sz="1100" kern="1200"/>
         </a:p>
       </dsp:txBody>
       <dsp:txXfrm>
@@ -11553,12 +11572,12 @@
         </a:fontRef>
       </dsp:style>
       <dsp:txBody>
-        <a:bodyPr spcFirstLastPara="0" vert="horz" wrap="square" lIns="64770" tIns="64770" rIns="64770" bIns="64770" numCol="1" spcCol="1270" anchor="t" anchorCtr="0">
+        <a:bodyPr spcFirstLastPara="0" vert="horz" wrap="square" lIns="49530" tIns="49530" rIns="49530" bIns="49530" numCol="1" spcCol="1270" anchor="t" anchorCtr="0">
           <a:noAutofit/>
         </a:bodyPr>
         <a:lstStyle/>
         <a:p>
-          <a:pPr lvl="0" algn="l" defTabSz="755650">
+          <a:pPr lvl="0" algn="l" defTabSz="577850">
             <a:lnSpc>
               <a:spcPct val="90000"/>
             </a:lnSpc>
@@ -11570,13 +11589,13 @@
             </a:spcAft>
           </a:pPr>
           <a:r>
-            <a:rPr lang="en-US" sz="1700" kern="1200" dirty="0" smtClean="0"/>
+            <a:rPr lang="en-US" sz="1300" kern="1200" dirty="0" smtClean="0"/>
             <a:t>Setup</a:t>
           </a:r>
-          <a:endParaRPr lang="en-US" sz="1700" kern="1200" dirty="0"/>
-        </a:p>
-        <a:p>
-          <a:pPr marL="114300" lvl="1" indent="-114300" algn="l" defTabSz="577850">
+          <a:endParaRPr lang="en-US" sz="1300" kern="1200" dirty="0"/>
+        </a:p>
+        <a:p>
+          <a:pPr marL="57150" lvl="1" indent="-57150" algn="l" defTabSz="444500">
             <a:lnSpc>
               <a:spcPct val="90000"/>
             </a:lnSpc>
@@ -11589,13 +11608,13 @@
             <a:buChar char="••"/>
           </a:pPr>
           <a:r>
-            <a:rPr lang="en-US" sz="1300" kern="1200" dirty="0" smtClean="0"/>
+            <a:rPr lang="en-US" sz="1000" kern="1200" dirty="0" smtClean="0"/>
             <a:t>Audio</a:t>
           </a:r>
-          <a:endParaRPr lang="en-US" sz="1300" kern="1200" dirty="0"/>
-        </a:p>
-        <a:p>
-          <a:pPr marL="114300" lvl="1" indent="-114300" algn="l" defTabSz="577850">
+          <a:endParaRPr lang="en-US" sz="1000" kern="1200" dirty="0"/>
+        </a:p>
+        <a:p>
+          <a:pPr marL="57150" lvl="1" indent="-57150" algn="l" defTabSz="444500">
             <a:lnSpc>
               <a:spcPct val="90000"/>
             </a:lnSpc>
@@ -11608,10 +11627,10 @@
             <a:buChar char="••"/>
           </a:pPr>
           <a:r>
-            <a:rPr lang="en-US" sz="1300" kern="1200" dirty="0" smtClean="0"/>
+            <a:rPr lang="en-US" sz="1000" kern="1200" dirty="0" smtClean="0"/>
             <a:t>Bluetooth </a:t>
           </a:r>
-          <a:endParaRPr lang="en-US" sz="1300" kern="1200" dirty="0"/>
+          <a:endParaRPr lang="en-US" sz="1000" kern="1200" dirty="0"/>
         </a:p>
       </dsp:txBody>
       <dsp:txXfrm>
@@ -11669,7 +11688,7 @@
         </a:bodyPr>
         <a:lstStyle/>
         <a:p>
-          <a:pPr lvl="0" algn="ctr" defTabSz="622300">
+          <a:pPr lvl="0" algn="ctr" defTabSz="488950">
             <a:lnSpc>
               <a:spcPct val="90000"/>
             </a:lnSpc>
@@ -11680,7 +11699,7 @@
               <a:spcPct val="35000"/>
             </a:spcAft>
           </a:pPr>
-          <a:endParaRPr lang="en-US" sz="1400" kern="1200"/>
+          <a:endParaRPr lang="en-US" sz="1100" kern="1200"/>
         </a:p>
       </dsp:txBody>
       <dsp:txXfrm>
@@ -11740,12 +11759,12 @@
         </a:fontRef>
       </dsp:style>
       <dsp:txBody>
-        <a:bodyPr spcFirstLastPara="0" vert="horz" wrap="square" lIns="64770" tIns="64770" rIns="64770" bIns="64770" numCol="1" spcCol="1270" anchor="ctr" anchorCtr="0">
+        <a:bodyPr spcFirstLastPara="0" vert="horz" wrap="square" lIns="49530" tIns="49530" rIns="49530" bIns="49530" numCol="1" spcCol="1270" anchor="ctr" anchorCtr="0">
           <a:noAutofit/>
         </a:bodyPr>
         <a:lstStyle/>
         <a:p>
-          <a:pPr lvl="0" algn="ctr" defTabSz="755650">
+          <a:pPr lvl="0" algn="ctr" defTabSz="577850">
             <a:lnSpc>
               <a:spcPct val="90000"/>
             </a:lnSpc>
@@ -11757,10 +11776,10 @@
             </a:spcAft>
           </a:pPr>
           <a:r>
-            <a:rPr lang="en-US" sz="1700" kern="1200" dirty="0" smtClean="0"/>
+            <a:rPr lang="en-US" sz="1300" kern="1200" dirty="0" smtClean="0"/>
             <a:t>Power BP Machine on</a:t>
           </a:r>
-          <a:endParaRPr lang="en-US" sz="1700" kern="1200" dirty="0"/>
+          <a:endParaRPr lang="en-US" sz="1300" kern="1200" dirty="0"/>
         </a:p>
       </dsp:txBody>
       <dsp:txXfrm>
@@ -11818,7 +11837,7 @@
         </a:bodyPr>
         <a:lstStyle/>
         <a:p>
-          <a:pPr lvl="0" algn="ctr" defTabSz="622300">
+          <a:pPr lvl="0" algn="ctr" defTabSz="488950">
             <a:lnSpc>
               <a:spcPct val="90000"/>
             </a:lnSpc>
@@ -11829,7 +11848,7 @@
               <a:spcPct val="35000"/>
             </a:spcAft>
           </a:pPr>
-          <a:endParaRPr lang="en-US" sz="1400" kern="1200"/>
+          <a:endParaRPr lang="en-US" sz="1100" kern="1200"/>
         </a:p>
       </dsp:txBody>
       <dsp:txXfrm>
@@ -11889,12 +11908,12 @@
         </a:fontRef>
       </dsp:style>
       <dsp:txBody>
-        <a:bodyPr spcFirstLastPara="0" vert="horz" wrap="square" lIns="64770" tIns="64770" rIns="64770" bIns="64770" numCol="1" spcCol="1270" anchor="ctr" anchorCtr="0">
+        <a:bodyPr spcFirstLastPara="0" vert="horz" wrap="square" lIns="49530" tIns="49530" rIns="49530" bIns="49530" numCol="1" spcCol="1270" anchor="ctr" anchorCtr="0">
           <a:noAutofit/>
         </a:bodyPr>
         <a:lstStyle/>
         <a:p>
-          <a:pPr lvl="0" algn="ctr" defTabSz="755650">
+          <a:pPr lvl="0" algn="ctr" defTabSz="577850">
             <a:lnSpc>
               <a:spcPct val="90000"/>
             </a:lnSpc>
@@ -11906,10 +11925,10 @@
             </a:spcAft>
           </a:pPr>
           <a:r>
-            <a:rPr lang="en-US" sz="1700" kern="1200" dirty="0" smtClean="0"/>
+            <a:rPr lang="en-US" sz="1300" kern="1200" dirty="0" smtClean="0"/>
             <a:t>Initialize SpO2, Scale, Temperature module</a:t>
           </a:r>
-          <a:endParaRPr lang="en-US" sz="1700" kern="1200" dirty="0"/>
+          <a:endParaRPr lang="en-US" sz="1300" kern="1200" dirty="0"/>
         </a:p>
       </dsp:txBody>
       <dsp:txXfrm>
@@ -11967,7 +11986,7 @@
         </a:bodyPr>
         <a:lstStyle/>
         <a:p>
-          <a:pPr lvl="0" algn="ctr" defTabSz="622300">
+          <a:pPr lvl="0" algn="ctr" defTabSz="488950">
             <a:lnSpc>
               <a:spcPct val="90000"/>
             </a:lnSpc>
@@ -11978,7 +11997,7 @@
               <a:spcPct val="35000"/>
             </a:spcAft>
           </a:pPr>
-          <a:endParaRPr lang="en-US" sz="1400" kern="1200"/>
+          <a:endParaRPr lang="en-US" sz="1100" kern="1200"/>
         </a:p>
       </dsp:txBody>
       <dsp:txXfrm rot="-5400000">
@@ -12038,12 +12057,12 @@
         </a:fontRef>
       </dsp:style>
       <dsp:txBody>
-        <a:bodyPr spcFirstLastPara="0" vert="horz" wrap="square" lIns="64770" tIns="64770" rIns="64770" bIns="64770" numCol="1" spcCol="1270" anchor="ctr" anchorCtr="0">
+        <a:bodyPr spcFirstLastPara="0" vert="horz" wrap="square" lIns="49530" tIns="49530" rIns="49530" bIns="49530" numCol="1" spcCol="1270" anchor="ctr" anchorCtr="0">
           <a:noAutofit/>
         </a:bodyPr>
         <a:lstStyle/>
         <a:p>
-          <a:pPr lvl="0" algn="ctr" defTabSz="755650">
+          <a:pPr lvl="0" algn="ctr" defTabSz="577850">
             <a:lnSpc>
               <a:spcPct val="90000"/>
             </a:lnSpc>
@@ -12055,7 +12074,7 @@
             </a:spcAft>
           </a:pPr>
           <a:r>
-            <a:rPr lang="en-US" sz="1700" kern="1200" dirty="0" smtClean="0"/>
+            <a:rPr lang="en-US" sz="1300" kern="1200" dirty="0" smtClean="0"/>
             <a:t>Setup touch </a:t>
           </a:r>
         </a:p>
@@ -12115,7 +12134,7 @@
         </a:bodyPr>
         <a:lstStyle/>
         <a:p>
-          <a:pPr lvl="0" algn="ctr" defTabSz="622300">
+          <a:pPr lvl="0" algn="ctr" defTabSz="488950">
             <a:lnSpc>
               <a:spcPct val="90000"/>
             </a:lnSpc>
@@ -12126,7 +12145,7 @@
               <a:spcPct val="35000"/>
             </a:spcAft>
           </a:pPr>
-          <a:endParaRPr lang="en-US" sz="1400" kern="1200"/>
+          <a:endParaRPr lang="en-US" sz="1100" kern="1200"/>
         </a:p>
       </dsp:txBody>
       <dsp:txXfrm rot="10800000">
@@ -12134,7 +12153,7 @@
         <a:ext cx="278476" cy="279226"/>
       </dsp:txXfrm>
     </dsp:sp>
-    <dsp:sp modelId="{6BFB2FC8-D0D9-4EF7-88E7-53C32EB04ED2}">
+    <dsp:sp modelId="{9038EBA2-D570-4040-AD91-DE80216ABD27}">
       <dsp:nvSpPr>
         <dsp:cNvPr id="0" name=""/>
         <dsp:cNvSpPr/>
@@ -12186,12 +12205,12 @@
         </a:fontRef>
       </dsp:style>
       <dsp:txBody>
-        <a:bodyPr spcFirstLastPara="0" vert="horz" wrap="square" lIns="64770" tIns="64770" rIns="64770" bIns="64770" numCol="1" spcCol="1270" anchor="ctr" anchorCtr="0">
+        <a:bodyPr spcFirstLastPara="0" vert="horz" wrap="square" lIns="49530" tIns="49530" rIns="49530" bIns="49530" numCol="1" spcCol="1270" anchor="t" anchorCtr="0">
           <a:noAutofit/>
         </a:bodyPr>
         <a:lstStyle/>
         <a:p>
-          <a:pPr lvl="0" algn="ctr" defTabSz="755650">
+          <a:pPr lvl="0" algn="l" defTabSz="577850">
             <a:lnSpc>
               <a:spcPct val="90000"/>
             </a:lnSpc>
@@ -12202,9 +12221,78 @@
               <a:spcPct val="35000"/>
             </a:spcAft>
           </a:pPr>
+          <a:endParaRPr lang="en-US" sz="1300" kern="1200" dirty="0" smtClean="0"/>
+        </a:p>
+        <a:p>
+          <a:pPr marL="57150" lvl="1" indent="-57150" algn="l" defTabSz="444500">
+            <a:lnSpc>
+              <a:spcPct val="90000"/>
+            </a:lnSpc>
+            <a:spcBef>
+              <a:spcPct val="0"/>
+            </a:spcBef>
+            <a:spcAft>
+              <a:spcPct val="15000"/>
+            </a:spcAft>
+            <a:buChar char="••"/>
+          </a:pPr>
           <a:r>
-            <a:rPr lang="en-US" sz="1700" kern="1200" dirty="0" smtClean="0"/>
+            <a:rPr lang="en-US" sz="1000" kern="1200" dirty="0" smtClean="0"/>
             <a:t>Uno measures height</a:t>
+          </a:r>
+        </a:p>
+        <a:p>
+          <a:pPr marL="57150" lvl="1" indent="-57150" algn="l" defTabSz="444500">
+            <a:lnSpc>
+              <a:spcPct val="90000"/>
+            </a:lnSpc>
+            <a:spcBef>
+              <a:spcPct val="0"/>
+            </a:spcBef>
+            <a:spcAft>
+              <a:spcPct val="15000"/>
+            </a:spcAft>
+            <a:buChar char="••"/>
+          </a:pPr>
+          <a:r>
+            <a:rPr lang="en-US" sz="1000" kern="1200" dirty="0" smtClean="0"/>
+            <a:t>Pi measures</a:t>
+          </a:r>
+        </a:p>
+        <a:p>
+          <a:pPr marL="114300" lvl="2" indent="-57150" algn="l" defTabSz="444500">
+            <a:lnSpc>
+              <a:spcPct val="90000"/>
+            </a:lnSpc>
+            <a:spcBef>
+              <a:spcPct val="0"/>
+            </a:spcBef>
+            <a:spcAft>
+              <a:spcPct val="15000"/>
+            </a:spcAft>
+            <a:buChar char="••"/>
+          </a:pPr>
+          <a:r>
+            <a:rPr lang="en-US" sz="1000" kern="1200" dirty="0" smtClean="0"/>
+            <a:t>Scale</a:t>
+          </a:r>
+        </a:p>
+        <a:p>
+          <a:pPr marL="114300" lvl="2" indent="-57150" algn="l" defTabSz="444500">
+            <a:lnSpc>
+              <a:spcPct val="90000"/>
+            </a:lnSpc>
+            <a:spcBef>
+              <a:spcPct val="0"/>
+            </a:spcBef>
+            <a:spcAft>
+              <a:spcPct val="15000"/>
+            </a:spcAft>
+            <a:buChar char="••"/>
+          </a:pPr>
+          <a:r>
+            <a:rPr lang="en-US" sz="1000" kern="1200" dirty="0" smtClean="0"/>
+            <a:t>Temperature</a:t>
           </a:r>
         </a:p>
       </dsp:txBody>
@@ -12213,7 +12301,7 @@
         <a:ext cx="1810573" cy="1059962"/>
       </dsp:txXfrm>
     </dsp:sp>
-    <dsp:sp modelId="{0795C1ED-6176-4D71-8695-BFA260CD8DB5}">
+    <dsp:sp modelId="{604B6F34-710D-40C8-8805-5FC71845512E}">
       <dsp:nvSpPr>
         <dsp:cNvPr id="0" name=""/>
         <dsp:cNvSpPr/>
@@ -12263,7 +12351,7 @@
         </a:bodyPr>
         <a:lstStyle/>
         <a:p>
-          <a:pPr lvl="0" algn="ctr" defTabSz="622300">
+          <a:pPr lvl="0" algn="ctr" defTabSz="488950">
             <a:lnSpc>
               <a:spcPct val="90000"/>
             </a:lnSpc>
@@ -12274,7 +12362,7 @@
               <a:spcPct val="35000"/>
             </a:spcAft>
           </a:pPr>
-          <a:endParaRPr lang="en-US" sz="1400" kern="1200"/>
+          <a:endParaRPr lang="en-US" sz="1100" kern="1200"/>
         </a:p>
       </dsp:txBody>
       <dsp:txXfrm rot="10800000">
@@ -12282,7 +12370,7 @@
         <a:ext cx="278476" cy="279226"/>
       </dsp:txXfrm>
     </dsp:sp>
-    <dsp:sp modelId="{7202BC0E-BCCD-4749-B8AE-EAEB96710794}">
+    <dsp:sp modelId="{99A2F953-EC43-4E7D-895E-E6CCB05BF9AC}">
       <dsp:nvSpPr>
         <dsp:cNvPr id="0" name=""/>
         <dsp:cNvSpPr/>
@@ -12334,12 +12422,12 @@
         </a:fontRef>
       </dsp:style>
       <dsp:txBody>
-        <a:bodyPr spcFirstLastPara="0" vert="horz" wrap="square" lIns="64770" tIns="64770" rIns="64770" bIns="64770" numCol="1" spcCol="1270" anchor="t" anchorCtr="0">
+        <a:bodyPr spcFirstLastPara="0" vert="horz" wrap="square" lIns="49530" tIns="49530" rIns="49530" bIns="49530" numCol="1" spcCol="1270" anchor="ctr" anchorCtr="0">
           <a:noAutofit/>
         </a:bodyPr>
         <a:lstStyle/>
         <a:p>
-          <a:pPr lvl="0" algn="l" defTabSz="755650">
+          <a:pPr lvl="0" algn="ctr" defTabSz="577850">
             <a:lnSpc>
               <a:spcPct val="90000"/>
             </a:lnSpc>
@@ -12351,52 +12439,9 @@
             </a:spcAft>
           </a:pPr>
           <a:r>
-            <a:rPr lang="en-US" sz="1700" kern="1200" dirty="0" smtClean="0"/>
-            <a:t>Pi </a:t>
+            <a:rPr lang="en-US" sz="1300" kern="1200" dirty="0" smtClean="0"/>
+            <a:t>Pi measures SpO2</a:t>
           </a:r>
-          <a:r>
-            <a:rPr lang="en-US" sz="1700" kern="1200" dirty="0" smtClean="0"/>
-            <a:t>measures</a:t>
-          </a:r>
-          <a:endParaRPr lang="en-US" sz="1700" kern="1200" dirty="0" smtClean="0"/>
-        </a:p>
-        <a:p>
-          <a:pPr marL="114300" lvl="1" indent="-114300" algn="l" defTabSz="577850">
-            <a:lnSpc>
-              <a:spcPct val="90000"/>
-            </a:lnSpc>
-            <a:spcBef>
-              <a:spcPct val="0"/>
-            </a:spcBef>
-            <a:spcAft>
-              <a:spcPct val="15000"/>
-            </a:spcAft>
-            <a:buChar char="••"/>
-          </a:pPr>
-          <a:r>
-            <a:rPr lang="en-US" sz="1300" kern="1200" dirty="0" smtClean="0"/>
-            <a:t>Scale</a:t>
-          </a:r>
-          <a:endParaRPr lang="en-US" sz="1300" kern="1200" dirty="0" smtClean="0"/>
-        </a:p>
-        <a:p>
-          <a:pPr marL="114300" lvl="1" indent="-114300" algn="l" defTabSz="577850">
-            <a:lnSpc>
-              <a:spcPct val="90000"/>
-            </a:lnSpc>
-            <a:spcBef>
-              <a:spcPct val="0"/>
-            </a:spcBef>
-            <a:spcAft>
-              <a:spcPct val="15000"/>
-            </a:spcAft>
-            <a:buChar char="••"/>
-          </a:pPr>
-          <a:r>
-            <a:rPr lang="en-US" sz="1300" kern="1200" dirty="0" smtClean="0"/>
-            <a:t>Temperature</a:t>
-          </a:r>
-          <a:endParaRPr lang="en-US" sz="1300" kern="1200" dirty="0" smtClean="0"/>
         </a:p>
       </dsp:txBody>
       <dsp:txXfrm>
@@ -12404,7 +12449,7 @@
         <a:ext cx="1810573" cy="1059962"/>
       </dsp:txXfrm>
     </dsp:sp>
-    <dsp:sp modelId="{28D40CE1-835B-4A7B-8244-943B63DB6594}">
+    <dsp:sp modelId="{B0605081-2CC9-4157-A707-056A7E67F165}">
       <dsp:nvSpPr>
         <dsp:cNvPr id="0" name=""/>
         <dsp:cNvSpPr/>
@@ -12454,7 +12499,7 @@
         </a:bodyPr>
         <a:lstStyle/>
         <a:p>
-          <a:pPr lvl="0" algn="ctr" defTabSz="622300">
+          <a:pPr lvl="0" algn="ctr" defTabSz="488950">
             <a:lnSpc>
               <a:spcPct val="90000"/>
             </a:lnSpc>
@@ -12465,7 +12510,7 @@
               <a:spcPct val="35000"/>
             </a:spcAft>
           </a:pPr>
-          <a:endParaRPr lang="en-US" sz="1400" kern="1200"/>
+          <a:endParaRPr lang="en-US" sz="1100" kern="1200"/>
         </a:p>
       </dsp:txBody>
       <dsp:txXfrm rot="10800000">
@@ -12473,7 +12518,7 @@
         <a:ext cx="278476" cy="279226"/>
       </dsp:txXfrm>
     </dsp:sp>
-    <dsp:sp modelId="{99A2F953-EC43-4E7D-895E-E6CCB05BF9AC}">
+    <dsp:sp modelId="{56040DE5-8429-4ADC-872E-25108EC0DBDB}">
       <dsp:nvSpPr>
         <dsp:cNvPr id="0" name=""/>
         <dsp:cNvSpPr/>
@@ -12525,12 +12570,12 @@
         </a:fontRef>
       </dsp:style>
       <dsp:txBody>
-        <a:bodyPr spcFirstLastPara="0" vert="horz" wrap="square" lIns="64770" tIns="64770" rIns="64770" bIns="64770" numCol="1" spcCol="1270" anchor="ctr" anchorCtr="0">
+        <a:bodyPr spcFirstLastPara="0" vert="horz" wrap="square" lIns="49530" tIns="49530" rIns="49530" bIns="49530" numCol="1" spcCol="1270" anchor="ctr" anchorCtr="0">
           <a:noAutofit/>
         </a:bodyPr>
         <a:lstStyle/>
         <a:p>
-          <a:pPr lvl="0" algn="ctr" defTabSz="755650">
+          <a:pPr lvl="0" algn="ctr" defTabSz="577850">
             <a:lnSpc>
               <a:spcPct val="90000"/>
             </a:lnSpc>
@@ -12542,10 +12587,9 @@
             </a:spcAft>
           </a:pPr>
           <a:r>
-            <a:rPr lang="en-US" sz="1700" kern="1200" dirty="0" smtClean="0"/>
-            <a:t>Pi measures SpO2</a:t>
+            <a:rPr lang="en-US" sz="1300" kern="1200" dirty="0" smtClean="0"/>
+            <a:t>Get blood pressure result</a:t>
           </a:r>
-          <a:endParaRPr lang="en-US" sz="1700" kern="1200" dirty="0" smtClean="0"/>
         </a:p>
       </dsp:txBody>
       <dsp:txXfrm>
@@ -12553,7 +12597,7 @@
         <a:ext cx="1810573" cy="1059962"/>
       </dsp:txXfrm>
     </dsp:sp>
-    <dsp:sp modelId="{B0605081-2CC9-4157-A707-056A7E67F165}">
+    <dsp:sp modelId="{8875B72C-833D-4C06-88C7-8621517377BC}">
       <dsp:nvSpPr>
         <dsp:cNvPr id="0" name=""/>
         <dsp:cNvSpPr/>
@@ -12603,7 +12647,7 @@
         </a:bodyPr>
         <a:lstStyle/>
         <a:p>
-          <a:pPr lvl="0" algn="ctr" defTabSz="622300">
+          <a:pPr lvl="0" algn="ctr" defTabSz="488950">
             <a:lnSpc>
               <a:spcPct val="90000"/>
             </a:lnSpc>
@@ -12614,7 +12658,7 @@
               <a:spcPct val="35000"/>
             </a:spcAft>
           </a:pPr>
-          <a:endParaRPr lang="en-US" sz="1400" kern="1200"/>
+          <a:endParaRPr lang="en-US" sz="1100" kern="1200"/>
         </a:p>
       </dsp:txBody>
       <dsp:txXfrm rot="-5400000">
@@ -12622,7 +12666,7 @@
         <a:ext cx="279226" cy="278476"/>
       </dsp:txXfrm>
     </dsp:sp>
-    <dsp:sp modelId="{56040DE5-8429-4ADC-872E-25108EC0DBDB}">
+    <dsp:sp modelId="{202B8E42-56EC-4F6F-B287-6BFE3E8911D1}">
       <dsp:nvSpPr>
         <dsp:cNvPr id="0" name=""/>
         <dsp:cNvSpPr/>
@@ -12674,12 +12718,12 @@
         </a:fontRef>
       </dsp:style>
       <dsp:txBody>
-        <a:bodyPr spcFirstLastPara="0" vert="horz" wrap="square" lIns="64770" tIns="64770" rIns="64770" bIns="64770" numCol="1" spcCol="1270" anchor="ctr" anchorCtr="0">
+        <a:bodyPr spcFirstLastPara="0" vert="horz" wrap="square" lIns="49530" tIns="49530" rIns="49530" bIns="49530" numCol="1" spcCol="1270" anchor="ctr" anchorCtr="0">
           <a:noAutofit/>
         </a:bodyPr>
         <a:lstStyle/>
         <a:p>
-          <a:pPr lvl="0" algn="ctr" defTabSz="755650">
+          <a:pPr lvl="0" algn="ctr" defTabSz="577850">
             <a:lnSpc>
               <a:spcPct val="90000"/>
             </a:lnSpc>
@@ -12691,18 +12735,9 @@
             </a:spcAft>
           </a:pPr>
           <a:r>
-            <a:rPr lang="en-US" sz="1700" kern="1200" dirty="0" smtClean="0"/>
-            <a:t>Get </a:t>
+            <a:rPr lang="en-US" sz="1300" kern="1200" dirty="0" smtClean="0"/>
+            <a:t>Prepare outputs</a:t>
           </a:r>
-          <a:r>
-            <a:rPr lang="en-US" sz="1700" kern="1200" dirty="0" smtClean="0"/>
-            <a:t>blood </a:t>
-          </a:r>
-          <a:r>
-            <a:rPr lang="en-US" sz="1700" kern="1200" dirty="0" smtClean="0"/>
-            <a:t>pressure result</a:t>
-          </a:r>
-          <a:endParaRPr lang="en-US" sz="1700" kern="1200" dirty="0" smtClean="0"/>
         </a:p>
       </dsp:txBody>
       <dsp:txXfrm>
@@ -12710,7 +12745,7 @@
         <a:ext cx="1810573" cy="1059962"/>
       </dsp:txXfrm>
     </dsp:sp>
-    <dsp:sp modelId="{8875B72C-833D-4C06-88C7-8621517377BC}">
+    <dsp:sp modelId="{F5157131-9131-47E0-91C7-C2708EA7DF4E}">
       <dsp:nvSpPr>
         <dsp:cNvPr id="0" name=""/>
         <dsp:cNvSpPr/>
@@ -12760,7 +12795,7 @@
         </a:bodyPr>
         <a:lstStyle/>
         <a:p>
-          <a:pPr lvl="0" algn="ctr" defTabSz="622300">
+          <a:pPr lvl="0" algn="ctr" defTabSz="488950">
             <a:lnSpc>
               <a:spcPct val="90000"/>
             </a:lnSpc>
@@ -12771,7 +12806,7 @@
               <a:spcPct val="35000"/>
             </a:spcAft>
           </a:pPr>
-          <a:endParaRPr lang="en-US" sz="1400" kern="1200"/>
+          <a:endParaRPr lang="en-US" sz="1100" kern="1200"/>
         </a:p>
       </dsp:txBody>
       <dsp:txXfrm>
@@ -12779,7 +12814,7 @@
         <a:ext cx="278476" cy="279226"/>
       </dsp:txXfrm>
     </dsp:sp>
-    <dsp:sp modelId="{202B8E42-56EC-4F6F-B287-6BFE3E8911D1}">
+    <dsp:sp modelId="{89DADE2F-0EC1-44A0-92D9-021DF56E312B}">
       <dsp:nvSpPr>
         <dsp:cNvPr id="0" name=""/>
         <dsp:cNvSpPr/>
@@ -12831,12 +12866,12 @@
         </a:fontRef>
       </dsp:style>
       <dsp:txBody>
-        <a:bodyPr spcFirstLastPara="0" vert="horz" wrap="square" lIns="64770" tIns="64770" rIns="64770" bIns="64770" numCol="1" spcCol="1270" anchor="ctr" anchorCtr="0">
+        <a:bodyPr spcFirstLastPara="0" vert="horz" wrap="square" lIns="49530" tIns="49530" rIns="49530" bIns="49530" numCol="1" spcCol="1270" anchor="ctr" anchorCtr="0">
           <a:noAutofit/>
         </a:bodyPr>
         <a:lstStyle/>
         <a:p>
-          <a:pPr lvl="0" algn="ctr" defTabSz="755650">
+          <a:pPr lvl="0" algn="ctr" defTabSz="577850">
             <a:lnSpc>
               <a:spcPct val="90000"/>
             </a:lnSpc>
@@ -12848,10 +12883,9 @@
             </a:spcAft>
           </a:pPr>
           <a:r>
-            <a:rPr lang="en-US" sz="1700" kern="1200" dirty="0" smtClean="0"/>
-            <a:t>Prepare outputs</a:t>
+            <a:rPr lang="en-US" sz="1300" kern="1200" dirty="0" smtClean="0"/>
+            <a:t>Send data to server</a:t>
           </a:r>
-          <a:endParaRPr lang="en-US" sz="1700" kern="1200" dirty="0" smtClean="0"/>
         </a:p>
       </dsp:txBody>
       <dsp:txXfrm>
@@ -12859,7 +12893,7 @@
         <a:ext cx="1810573" cy="1059962"/>
       </dsp:txXfrm>
     </dsp:sp>
-    <dsp:sp modelId="{F5157131-9131-47E0-91C7-C2708EA7DF4E}">
+    <dsp:sp modelId="{CD0FEDB8-BCC7-4F7B-BCF9-F14D929D684E}">
       <dsp:nvSpPr>
         <dsp:cNvPr id="0" name=""/>
         <dsp:cNvSpPr/>
@@ -12909,7 +12943,7 @@
         </a:bodyPr>
         <a:lstStyle/>
         <a:p>
-          <a:pPr lvl="0" algn="ctr" defTabSz="622300">
+          <a:pPr lvl="0" algn="ctr" defTabSz="488950">
             <a:lnSpc>
               <a:spcPct val="90000"/>
             </a:lnSpc>
@@ -12920,7 +12954,7 @@
               <a:spcPct val="35000"/>
             </a:spcAft>
           </a:pPr>
-          <a:endParaRPr lang="en-US" sz="1400" kern="1200"/>
+          <a:endParaRPr lang="en-US" sz="1100" kern="1200"/>
         </a:p>
       </dsp:txBody>
       <dsp:txXfrm>
@@ -12928,7 +12962,7 @@
         <a:ext cx="278476" cy="279226"/>
       </dsp:txXfrm>
     </dsp:sp>
-    <dsp:sp modelId="{89DADE2F-0EC1-44A0-92D9-021DF56E312B}">
+    <dsp:sp modelId="{C269A2E3-8621-4697-96C7-19DDAF8DBEF2}">
       <dsp:nvSpPr>
         <dsp:cNvPr id="0" name=""/>
         <dsp:cNvSpPr/>
@@ -12980,12 +13014,12 @@
         </a:fontRef>
       </dsp:style>
       <dsp:txBody>
-        <a:bodyPr spcFirstLastPara="0" vert="horz" wrap="square" lIns="64770" tIns="64770" rIns="64770" bIns="64770" numCol="1" spcCol="1270" anchor="ctr" anchorCtr="0">
+        <a:bodyPr spcFirstLastPara="0" vert="horz" wrap="square" lIns="49530" tIns="49530" rIns="49530" bIns="49530" numCol="1" spcCol="1270" anchor="ctr" anchorCtr="0">
           <a:noAutofit/>
         </a:bodyPr>
         <a:lstStyle/>
         <a:p>
-          <a:pPr lvl="0" algn="ctr" defTabSz="755650">
+          <a:pPr lvl="0" algn="ctr" defTabSz="577850">
             <a:lnSpc>
               <a:spcPct val="90000"/>
             </a:lnSpc>
@@ -12997,161 +13031,13 @@
             </a:spcAft>
           </a:pPr>
           <a:r>
-            <a:rPr lang="en-US" sz="1700" kern="1200" dirty="0" smtClean="0"/>
-            <a:t>Send data to server</a:t>
+            <a:rPr lang="en-US" sz="1300" kern="1200" dirty="0" smtClean="0"/>
+            <a:t>END</a:t>
           </a:r>
         </a:p>
       </dsp:txBody>
       <dsp:txXfrm>
         <a:off x="5961937" y="3786996"/>
-        <a:ext cx="1810573" cy="1059962"/>
-      </dsp:txXfrm>
-    </dsp:sp>
-    <dsp:sp modelId="{CD0FEDB8-BCC7-4F7B-BCF9-F14D929D684E}">
-      <dsp:nvSpPr>
-        <dsp:cNvPr id="0" name=""/>
-        <dsp:cNvSpPr/>
-      </dsp:nvSpPr>
-      <dsp:spPr>
-        <a:xfrm>
-          <a:off x="7970623" y="4084288"/>
-          <a:ext cx="397823" cy="465378"/>
-        </a:xfrm>
-        <a:prstGeom prst="rightArrow">
-          <a:avLst>
-            <a:gd name="adj1" fmla="val 60000"/>
-            <a:gd name="adj2" fmla="val 50000"/>
-          </a:avLst>
-        </a:prstGeom>
-        <a:solidFill>
-          <a:schemeClr val="accent1">
-            <a:tint val="60000"/>
-            <a:hueOff val="0"/>
-            <a:satOff val="0"/>
-            <a:lumOff val="0"/>
-            <a:alphaOff val="0"/>
-          </a:schemeClr>
-        </a:solidFill>
-        <a:ln>
-          <a:noFill/>
-        </a:ln>
-        <a:effectLst/>
-      </dsp:spPr>
-      <dsp:style>
-        <a:lnRef idx="0">
-          <a:scrgbClr r="0" g="0" b="0"/>
-        </a:lnRef>
-        <a:fillRef idx="1">
-          <a:scrgbClr r="0" g="0" b="0"/>
-        </a:fillRef>
-        <a:effectRef idx="0">
-          <a:scrgbClr r="0" g="0" b="0"/>
-        </a:effectRef>
-        <a:fontRef idx="minor">
-          <a:schemeClr val="lt1"/>
-        </a:fontRef>
-      </dsp:style>
-      <dsp:txBody>
-        <a:bodyPr spcFirstLastPara="0" vert="horz" wrap="square" lIns="0" tIns="0" rIns="0" bIns="0" numCol="1" spcCol="1270" anchor="ctr" anchorCtr="0">
-          <a:noAutofit/>
-        </a:bodyPr>
-        <a:lstStyle/>
-        <a:p>
-          <a:pPr lvl="0" algn="ctr" defTabSz="622300">
-            <a:lnSpc>
-              <a:spcPct val="90000"/>
-            </a:lnSpc>
-            <a:spcBef>
-              <a:spcPct val="0"/>
-            </a:spcBef>
-            <a:spcAft>
-              <a:spcPct val="35000"/>
-            </a:spcAft>
-          </a:pPr>
-          <a:endParaRPr lang="en-US" sz="1400" kern="1200"/>
-        </a:p>
-      </dsp:txBody>
-      <dsp:txXfrm>
-        <a:off x="7970623" y="4177364"/>
-        <a:ext cx="278476" cy="279226"/>
-      </dsp:txXfrm>
-    </dsp:sp>
-    <dsp:sp modelId="{C269A2E3-8621-4697-96C7-19DDAF8DBEF2}">
-      <dsp:nvSpPr>
-        <dsp:cNvPr id="0" name=""/>
-        <dsp:cNvSpPr/>
-      </dsp:nvSpPr>
-      <dsp:spPr>
-        <a:xfrm>
-          <a:off x="8556099" y="3754019"/>
-          <a:ext cx="1876527" cy="1125916"/>
-        </a:xfrm>
-        <a:prstGeom prst="roundRect">
-          <a:avLst>
-            <a:gd name="adj" fmla="val 10000"/>
-          </a:avLst>
-        </a:prstGeom>
-        <a:solidFill>
-          <a:schemeClr val="accent1">
-            <a:hueOff val="0"/>
-            <a:satOff val="0"/>
-            <a:lumOff val="0"/>
-            <a:alphaOff val="0"/>
-          </a:schemeClr>
-        </a:solidFill>
-        <a:ln w="12700" cap="flat" cmpd="sng" algn="ctr">
-          <a:solidFill>
-            <a:schemeClr val="lt1">
-              <a:hueOff val="0"/>
-              <a:satOff val="0"/>
-              <a:lumOff val="0"/>
-              <a:alphaOff val="0"/>
-            </a:schemeClr>
-          </a:solidFill>
-          <a:prstDash val="solid"/>
-          <a:miter lim="800000"/>
-        </a:ln>
-        <a:effectLst/>
-      </dsp:spPr>
-      <dsp:style>
-        <a:lnRef idx="2">
-          <a:scrgbClr r="0" g="0" b="0"/>
-        </a:lnRef>
-        <a:fillRef idx="1">
-          <a:scrgbClr r="0" g="0" b="0"/>
-        </a:fillRef>
-        <a:effectRef idx="0">
-          <a:scrgbClr r="0" g="0" b="0"/>
-        </a:effectRef>
-        <a:fontRef idx="minor">
-          <a:schemeClr val="lt1"/>
-        </a:fontRef>
-      </dsp:style>
-      <dsp:txBody>
-        <a:bodyPr spcFirstLastPara="0" vert="horz" wrap="square" lIns="64770" tIns="64770" rIns="64770" bIns="64770" numCol="1" spcCol="1270" anchor="ctr" anchorCtr="0">
-          <a:noAutofit/>
-        </a:bodyPr>
-        <a:lstStyle/>
-        <a:p>
-          <a:pPr lvl="0" algn="ctr" defTabSz="755650">
-            <a:lnSpc>
-              <a:spcPct val="90000"/>
-            </a:lnSpc>
-            <a:spcBef>
-              <a:spcPct val="0"/>
-            </a:spcBef>
-            <a:spcAft>
-              <a:spcPct val="35000"/>
-            </a:spcAft>
-          </a:pPr>
-          <a:r>
-            <a:rPr lang="en-US" sz="1700" kern="1200" dirty="0" smtClean="0"/>
-            <a:t>END</a:t>
-          </a:r>
-        </a:p>
-      </dsp:txBody>
-      <dsp:txXfrm>
-        <a:off x="8589076" y="3786996"/>
         <a:ext cx="1810573" cy="1059962"/>
       </dsp:txXfrm>
     </dsp:sp>
@@ -13167,506 +13053,6 @@
       <dsp:cNvGrpSpPr/>
     </dsp:nvGrpSpPr>
     <dsp:grpSpPr/>
-    <dsp:sp modelId="{F2EE8185-ADDA-40B5-821D-4079A686539F}">
-      <dsp:nvSpPr>
-        <dsp:cNvPr id="0" name=""/>
-        <dsp:cNvSpPr/>
-      </dsp:nvSpPr>
-      <dsp:spPr>
-        <a:xfrm>
-          <a:off x="51" y="16698"/>
-          <a:ext cx="4913783" cy="806400"/>
-        </a:xfrm>
-        <a:prstGeom prst="rect">
-          <a:avLst/>
-        </a:prstGeom>
-        <a:solidFill>
-          <a:schemeClr val="accent1">
-            <a:hueOff val="0"/>
-            <a:satOff val="0"/>
-            <a:lumOff val="0"/>
-            <a:alphaOff val="0"/>
-          </a:schemeClr>
-        </a:solidFill>
-        <a:ln w="12700" cap="flat" cmpd="sng" algn="ctr">
-          <a:solidFill>
-            <a:schemeClr val="accent1">
-              <a:hueOff val="0"/>
-              <a:satOff val="0"/>
-              <a:lumOff val="0"/>
-              <a:alphaOff val="0"/>
-            </a:schemeClr>
-          </a:solidFill>
-          <a:prstDash val="solid"/>
-          <a:miter lim="800000"/>
-        </a:ln>
-        <a:effectLst/>
-      </dsp:spPr>
-      <dsp:style>
-        <a:lnRef idx="2">
-          <a:scrgbClr r="0" g="0" b="0"/>
-        </a:lnRef>
-        <a:fillRef idx="1">
-          <a:scrgbClr r="0" g="0" b="0"/>
-        </a:fillRef>
-        <a:effectRef idx="0">
-          <a:scrgbClr r="0" g="0" b="0"/>
-        </a:effectRef>
-        <a:fontRef idx="minor">
-          <a:schemeClr val="lt1"/>
-        </a:fontRef>
-      </dsp:style>
-      <dsp:txBody>
-        <a:bodyPr spcFirstLastPara="0" vert="horz" wrap="square" lIns="199136" tIns="113792" rIns="199136" bIns="113792" numCol="1" spcCol="1270" anchor="ctr" anchorCtr="0">
-          <a:noAutofit/>
-        </a:bodyPr>
-        <a:lstStyle/>
-        <a:p>
-          <a:pPr lvl="0" algn="ctr" defTabSz="1244600">
-            <a:lnSpc>
-              <a:spcPct val="90000"/>
-            </a:lnSpc>
-            <a:spcBef>
-              <a:spcPct val="0"/>
-            </a:spcBef>
-            <a:spcAft>
-              <a:spcPct val="35000"/>
-            </a:spcAft>
-          </a:pPr>
-          <a:r>
-            <a:rPr lang="en-US" sz="2800" kern="1200" dirty="0" smtClean="0"/>
-            <a:t>Server</a:t>
-          </a:r>
-          <a:endParaRPr lang="en-US" sz="2800" kern="1200" dirty="0"/>
-        </a:p>
-      </dsp:txBody>
-      <dsp:txXfrm>
-        <a:off x="51" y="16698"/>
-        <a:ext cx="4913783" cy="806400"/>
-      </dsp:txXfrm>
-    </dsp:sp>
-    <dsp:sp modelId="{50C632A4-B919-46A5-AF1A-30702345ECD3}">
-      <dsp:nvSpPr>
-        <dsp:cNvPr id="0" name=""/>
-        <dsp:cNvSpPr/>
-      </dsp:nvSpPr>
-      <dsp:spPr>
-        <a:xfrm>
-          <a:off x="51" y="823098"/>
-          <a:ext cx="4913783" cy="3511541"/>
-        </a:xfrm>
-        <a:prstGeom prst="rect">
-          <a:avLst/>
-        </a:prstGeom>
-        <a:solidFill>
-          <a:schemeClr val="accent1">
-            <a:alpha val="90000"/>
-            <a:tint val="40000"/>
-            <a:hueOff val="0"/>
-            <a:satOff val="0"/>
-            <a:lumOff val="0"/>
-            <a:alphaOff val="0"/>
-          </a:schemeClr>
-        </a:solidFill>
-        <a:ln w="12700" cap="flat" cmpd="sng" algn="ctr">
-          <a:solidFill>
-            <a:schemeClr val="accent1">
-              <a:alpha val="90000"/>
-              <a:tint val="40000"/>
-              <a:hueOff val="0"/>
-              <a:satOff val="0"/>
-              <a:lumOff val="0"/>
-              <a:alphaOff val="0"/>
-            </a:schemeClr>
-          </a:solidFill>
-          <a:prstDash val="solid"/>
-          <a:miter lim="800000"/>
-        </a:ln>
-        <a:effectLst/>
-      </dsp:spPr>
-      <dsp:style>
-        <a:lnRef idx="2">
-          <a:scrgbClr r="0" g="0" b="0"/>
-        </a:lnRef>
-        <a:fillRef idx="1">
-          <a:scrgbClr r="0" g="0" b="0"/>
-        </a:fillRef>
-        <a:effectRef idx="0">
-          <a:scrgbClr r="0" g="0" b="0"/>
-        </a:effectRef>
-        <a:fontRef idx="minor"/>
-      </dsp:style>
-      <dsp:txBody>
-        <a:bodyPr spcFirstLastPara="0" vert="horz" wrap="square" lIns="149352" tIns="149352" rIns="199136" bIns="224028" numCol="1" spcCol="1270" anchor="t" anchorCtr="0">
-          <a:noAutofit/>
-        </a:bodyPr>
-        <a:lstStyle/>
-        <a:p>
-          <a:pPr marL="285750" lvl="1" indent="-285750" algn="l" defTabSz="1244600">
-            <a:lnSpc>
-              <a:spcPct val="90000"/>
-            </a:lnSpc>
-            <a:spcBef>
-              <a:spcPct val="0"/>
-            </a:spcBef>
-            <a:spcAft>
-              <a:spcPct val="15000"/>
-            </a:spcAft>
-            <a:buChar char="••"/>
-          </a:pPr>
-          <a:r>
-            <a:rPr lang="en-US" sz="2800" kern="1200" dirty="0" smtClean="0"/>
-            <a:t>Handle result from Pi</a:t>
-          </a:r>
-          <a:endParaRPr lang="en-US" sz="2800" kern="1200" dirty="0"/>
-        </a:p>
-        <a:p>
-          <a:pPr marL="285750" lvl="1" indent="-285750" algn="l" defTabSz="1244600">
-            <a:lnSpc>
-              <a:spcPct val="90000"/>
-            </a:lnSpc>
-            <a:spcBef>
-              <a:spcPct val="0"/>
-            </a:spcBef>
-            <a:spcAft>
-              <a:spcPct val="15000"/>
-            </a:spcAft>
-            <a:buChar char="••"/>
-          </a:pPr>
-          <a:r>
-            <a:rPr lang="en-US" sz="2800" kern="1200" dirty="0" smtClean="0"/>
-            <a:t>Store user data (ID, </a:t>
-          </a:r>
-          <a:r>
-            <a:rPr lang="en-US" sz="2800" kern="1200" dirty="0" smtClean="0"/>
-            <a:t>name, mac </a:t>
-          </a:r>
-          <a:r>
-            <a:rPr lang="en-US" sz="2800" kern="1200" dirty="0" err="1" smtClean="0"/>
-            <a:t>addr</a:t>
-          </a:r>
-          <a:r>
-            <a:rPr lang="en-US" sz="2800" kern="1200" dirty="0" smtClean="0"/>
-            <a:t>…) </a:t>
-          </a:r>
-          <a:endParaRPr lang="en-US" sz="2800" kern="1200" dirty="0"/>
-        </a:p>
-        <a:p>
-          <a:pPr marL="285750" lvl="1" indent="-285750" algn="l" defTabSz="1244600">
-            <a:lnSpc>
-              <a:spcPct val="90000"/>
-            </a:lnSpc>
-            <a:spcBef>
-              <a:spcPct val="0"/>
-            </a:spcBef>
-            <a:spcAft>
-              <a:spcPct val="15000"/>
-            </a:spcAft>
-            <a:buChar char="••"/>
-          </a:pPr>
-          <a:r>
-            <a:rPr lang="en-US" sz="2800" kern="1200" dirty="0" smtClean="0"/>
-            <a:t>Store user result (height, weight, spo2, blood pressure, temperature)</a:t>
-          </a:r>
-          <a:endParaRPr lang="en-US" sz="2800" kern="1200" dirty="0"/>
-        </a:p>
-        <a:p>
-          <a:pPr marL="285750" lvl="1" indent="-285750" algn="l" defTabSz="1244600">
-            <a:lnSpc>
-              <a:spcPct val="90000"/>
-            </a:lnSpc>
-            <a:spcBef>
-              <a:spcPct val="0"/>
-            </a:spcBef>
-            <a:spcAft>
-              <a:spcPct val="15000"/>
-            </a:spcAft>
-            <a:buChar char="••"/>
-          </a:pPr>
-          <a:r>
-            <a:rPr lang="en-US" sz="2800" kern="1200" dirty="0" err="1" smtClean="0"/>
-            <a:t>Quang</a:t>
-          </a:r>
-          <a:r>
-            <a:rPr lang="en-US" sz="2800" kern="1200" dirty="0" smtClean="0"/>
-            <a:t> + Ly</a:t>
-          </a:r>
-          <a:endParaRPr lang="en-US" sz="2800" kern="1200" dirty="0"/>
-        </a:p>
-      </dsp:txBody>
-      <dsp:txXfrm>
-        <a:off x="51" y="823098"/>
-        <a:ext cx="4913783" cy="3511541"/>
-      </dsp:txXfrm>
-    </dsp:sp>
-    <dsp:sp modelId="{417FE0C0-F440-47BD-874B-4AAC1FE68571}">
-      <dsp:nvSpPr>
-        <dsp:cNvPr id="0" name=""/>
-        <dsp:cNvSpPr/>
-      </dsp:nvSpPr>
-      <dsp:spPr>
-        <a:xfrm>
-          <a:off x="5601764" y="16698"/>
-          <a:ext cx="4913783" cy="806400"/>
-        </a:xfrm>
-        <a:prstGeom prst="rect">
-          <a:avLst/>
-        </a:prstGeom>
-        <a:solidFill>
-          <a:schemeClr val="accent1">
-            <a:hueOff val="0"/>
-            <a:satOff val="0"/>
-            <a:lumOff val="0"/>
-            <a:alphaOff val="0"/>
-          </a:schemeClr>
-        </a:solidFill>
-        <a:ln w="12700" cap="flat" cmpd="sng" algn="ctr">
-          <a:solidFill>
-            <a:schemeClr val="accent1">
-              <a:hueOff val="0"/>
-              <a:satOff val="0"/>
-              <a:lumOff val="0"/>
-              <a:alphaOff val="0"/>
-            </a:schemeClr>
-          </a:solidFill>
-          <a:prstDash val="solid"/>
-          <a:miter lim="800000"/>
-        </a:ln>
-        <a:effectLst/>
-      </dsp:spPr>
-      <dsp:style>
-        <a:lnRef idx="2">
-          <a:scrgbClr r="0" g="0" b="0"/>
-        </a:lnRef>
-        <a:fillRef idx="1">
-          <a:scrgbClr r="0" g="0" b="0"/>
-        </a:fillRef>
-        <a:effectRef idx="0">
-          <a:scrgbClr r="0" g="0" b="0"/>
-        </a:effectRef>
-        <a:fontRef idx="minor">
-          <a:schemeClr val="lt1"/>
-        </a:fontRef>
-      </dsp:style>
-      <dsp:txBody>
-        <a:bodyPr spcFirstLastPara="0" vert="horz" wrap="square" lIns="199136" tIns="113792" rIns="199136" bIns="113792" numCol="1" spcCol="1270" anchor="ctr" anchorCtr="0">
-          <a:noAutofit/>
-        </a:bodyPr>
-        <a:lstStyle/>
-        <a:p>
-          <a:pPr lvl="0" algn="ctr" defTabSz="1244600">
-            <a:lnSpc>
-              <a:spcPct val="90000"/>
-            </a:lnSpc>
-            <a:spcBef>
-              <a:spcPct val="0"/>
-            </a:spcBef>
-            <a:spcAft>
-              <a:spcPct val="35000"/>
-            </a:spcAft>
-          </a:pPr>
-          <a:r>
-            <a:rPr lang="en-US" sz="2800" kern="1200" dirty="0" smtClean="0"/>
-            <a:t>Android app</a:t>
-          </a:r>
-          <a:endParaRPr lang="en-US" sz="2800" kern="1200" dirty="0"/>
-        </a:p>
-      </dsp:txBody>
-      <dsp:txXfrm>
-        <a:off x="5601764" y="16698"/>
-        <a:ext cx="4913783" cy="806400"/>
-      </dsp:txXfrm>
-    </dsp:sp>
-    <dsp:sp modelId="{ABB216B2-FB80-4CA8-AFB5-B752ADED21DE}">
-      <dsp:nvSpPr>
-        <dsp:cNvPr id="0" name=""/>
-        <dsp:cNvSpPr/>
-      </dsp:nvSpPr>
-      <dsp:spPr>
-        <a:xfrm>
-          <a:off x="5601764" y="823098"/>
-          <a:ext cx="4913783" cy="3511541"/>
-        </a:xfrm>
-        <a:prstGeom prst="rect">
-          <a:avLst/>
-        </a:prstGeom>
-        <a:solidFill>
-          <a:schemeClr val="accent1">
-            <a:alpha val="90000"/>
-            <a:tint val="40000"/>
-            <a:hueOff val="0"/>
-            <a:satOff val="0"/>
-            <a:lumOff val="0"/>
-            <a:alphaOff val="0"/>
-          </a:schemeClr>
-        </a:solidFill>
-        <a:ln w="12700" cap="flat" cmpd="sng" algn="ctr">
-          <a:solidFill>
-            <a:schemeClr val="accent1">
-              <a:alpha val="90000"/>
-              <a:tint val="40000"/>
-              <a:hueOff val="0"/>
-              <a:satOff val="0"/>
-              <a:lumOff val="0"/>
-              <a:alphaOff val="0"/>
-            </a:schemeClr>
-          </a:solidFill>
-          <a:prstDash val="solid"/>
-          <a:miter lim="800000"/>
-        </a:ln>
-        <a:effectLst/>
-      </dsp:spPr>
-      <dsp:style>
-        <a:lnRef idx="2">
-          <a:scrgbClr r="0" g="0" b="0"/>
-        </a:lnRef>
-        <a:fillRef idx="1">
-          <a:scrgbClr r="0" g="0" b="0"/>
-        </a:fillRef>
-        <a:effectRef idx="0">
-          <a:scrgbClr r="0" g="0" b="0"/>
-        </a:effectRef>
-        <a:fontRef idx="minor"/>
-      </dsp:style>
-      <dsp:txBody>
-        <a:bodyPr spcFirstLastPara="0" vert="horz" wrap="square" lIns="149352" tIns="149352" rIns="199136" bIns="224028" numCol="1" spcCol="1270" anchor="t" anchorCtr="0">
-          <a:noAutofit/>
-        </a:bodyPr>
-        <a:lstStyle/>
-        <a:p>
-          <a:pPr marL="285750" lvl="1" indent="-285750" algn="l" defTabSz="1244600">
-            <a:lnSpc>
-              <a:spcPct val="90000"/>
-            </a:lnSpc>
-            <a:spcBef>
-              <a:spcPct val="0"/>
-            </a:spcBef>
-            <a:spcAft>
-              <a:spcPct val="15000"/>
-            </a:spcAft>
-            <a:buChar char="••"/>
-          </a:pPr>
-          <a:r>
-            <a:rPr lang="en-US" sz="2800" kern="1200" dirty="0" smtClean="0"/>
-            <a:t>Bluetooth</a:t>
-          </a:r>
-          <a:endParaRPr lang="en-US" sz="2800" kern="1200" dirty="0"/>
-        </a:p>
-        <a:p>
-          <a:pPr marL="571500" lvl="2" indent="-285750" algn="l" defTabSz="1244600">
-            <a:lnSpc>
-              <a:spcPct val="90000"/>
-            </a:lnSpc>
-            <a:spcBef>
-              <a:spcPct val="0"/>
-            </a:spcBef>
-            <a:spcAft>
-              <a:spcPct val="15000"/>
-            </a:spcAft>
-            <a:buChar char="••"/>
-          </a:pPr>
-          <a:r>
-            <a:rPr lang="en-US" sz="2800" kern="1200" dirty="0" smtClean="0"/>
-            <a:t>See above Bluetooth slide</a:t>
-          </a:r>
-          <a:endParaRPr lang="en-US" sz="2800" kern="1200" dirty="0"/>
-        </a:p>
-        <a:p>
-          <a:pPr marL="571500" lvl="2" indent="-285750" algn="l" defTabSz="1244600">
-            <a:lnSpc>
-              <a:spcPct val="90000"/>
-            </a:lnSpc>
-            <a:spcBef>
-              <a:spcPct val="0"/>
-            </a:spcBef>
-            <a:spcAft>
-              <a:spcPct val="15000"/>
-            </a:spcAft>
-            <a:buChar char="••"/>
-          </a:pPr>
-          <a:r>
-            <a:rPr lang="en-US" sz="2800" kern="1200" dirty="0" smtClean="0"/>
-            <a:t>Chung</a:t>
-          </a:r>
-          <a:endParaRPr lang="en-US" sz="2800" kern="1200" dirty="0"/>
-        </a:p>
-        <a:p>
-          <a:pPr marL="285750" lvl="1" indent="-285750" algn="l" defTabSz="1244600">
-            <a:lnSpc>
-              <a:spcPct val="90000"/>
-            </a:lnSpc>
-            <a:spcBef>
-              <a:spcPct val="0"/>
-            </a:spcBef>
-            <a:spcAft>
-              <a:spcPct val="15000"/>
-            </a:spcAft>
-            <a:buChar char="••"/>
-          </a:pPr>
-          <a:r>
-            <a:rPr lang="en-US" sz="2800" kern="1200" dirty="0" smtClean="0"/>
-            <a:t>User profile</a:t>
-          </a:r>
-          <a:endParaRPr lang="en-US" sz="2800" kern="1200" dirty="0"/>
-        </a:p>
-        <a:p>
-          <a:pPr marL="571500" lvl="2" indent="-285750" algn="l" defTabSz="1244600">
-            <a:lnSpc>
-              <a:spcPct val="90000"/>
-            </a:lnSpc>
-            <a:spcBef>
-              <a:spcPct val="0"/>
-            </a:spcBef>
-            <a:spcAft>
-              <a:spcPct val="15000"/>
-            </a:spcAft>
-            <a:buChar char="••"/>
-          </a:pPr>
-          <a:r>
-            <a:rPr lang="en-US" sz="2800" kern="1200" dirty="0" smtClean="0"/>
-            <a:t>Ask mentor </a:t>
-          </a:r>
-          <a:r>
-            <a:rPr lang="en-US" sz="2800" kern="1200" dirty="0" smtClean="0"/>
-            <a:t>&amp; server team for </a:t>
-          </a:r>
-          <a:r>
-            <a:rPr lang="en-US" sz="2800" kern="1200" dirty="0" smtClean="0"/>
-            <a:t>more information </a:t>
-          </a:r>
-          <a:r>
-            <a:rPr lang="en-US" sz="2800" kern="1200" dirty="0" smtClean="0">
-              <a:sym typeface="Wingdings" panose="05000000000000000000" pitchFamily="2" charset="2"/>
-            </a:rPr>
-            <a:t>)</a:t>
-          </a:r>
-          <a:endParaRPr lang="en-US" sz="2800" kern="1200" dirty="0"/>
-        </a:p>
-        <a:p>
-          <a:pPr marL="571500" lvl="2" indent="-285750" algn="l" defTabSz="1244600">
-            <a:lnSpc>
-              <a:spcPct val="90000"/>
-            </a:lnSpc>
-            <a:spcBef>
-              <a:spcPct val="0"/>
-            </a:spcBef>
-            <a:spcAft>
-              <a:spcPct val="15000"/>
-            </a:spcAft>
-            <a:buChar char="••"/>
-          </a:pPr>
-          <a:r>
-            <a:rPr lang="en-US" sz="2800" kern="1200" dirty="0" err="1" smtClean="0"/>
-            <a:t>Thành</a:t>
-          </a:r>
-          <a:endParaRPr lang="en-US" sz="2800" kern="1200" dirty="0"/>
-        </a:p>
-      </dsp:txBody>
-      <dsp:txXfrm>
-        <a:off x="5601764" y="823098"/>
-        <a:ext cx="4913783" cy="3511541"/>
-      </dsp:txXfrm>
-    </dsp:sp>
   </dsp:spTree>
 </dsp:drawing>
 </file>
@@ -18424,7 +17810,7 @@
           <a:p>
             <a:fld id="{CA829DC8-727A-4F53-801F-7AA35DEAE48C}" type="datetimeFigureOut">
               <a:rPr lang="en-US" smtClean="0"/>
-              <a:t>3/19/2017</a:t>
+              <a:t>3/20/2017</a:t>
             </a:fld>
             <a:endParaRPr lang="en-US"/>
           </a:p>
@@ -18907,7 +18293,7 @@
           <a:p>
             <a:fld id="{198B743D-DE9C-4F5D-849D-2789155D27D5}" type="datetimeFigureOut">
               <a:rPr lang="en-US" smtClean="0"/>
-              <a:t>3/19/2017</a:t>
+              <a:t>3/20/2017</a:t>
             </a:fld>
             <a:endParaRPr lang="en-US"/>
           </a:p>
@@ -19077,7 +18463,7 @@
           <a:p>
             <a:fld id="{198B743D-DE9C-4F5D-849D-2789155D27D5}" type="datetimeFigureOut">
               <a:rPr lang="en-US" smtClean="0"/>
-              <a:t>3/19/2017</a:t>
+              <a:t>3/20/2017</a:t>
             </a:fld>
             <a:endParaRPr lang="en-US"/>
           </a:p>
@@ -19257,7 +18643,7 @@
           <a:p>
             <a:fld id="{198B743D-DE9C-4F5D-849D-2789155D27D5}" type="datetimeFigureOut">
               <a:rPr lang="en-US" smtClean="0"/>
-              <a:t>3/19/2017</a:t>
+              <a:t>3/20/2017</a:t>
             </a:fld>
             <a:endParaRPr lang="en-US"/>
           </a:p>
@@ -19427,7 +18813,7 @@
           <a:p>
             <a:fld id="{198B743D-DE9C-4F5D-849D-2789155D27D5}" type="datetimeFigureOut">
               <a:rPr lang="en-US" smtClean="0"/>
-              <a:t>3/19/2017</a:t>
+              <a:t>3/20/2017</a:t>
             </a:fld>
             <a:endParaRPr lang="en-US"/>
           </a:p>
@@ -19673,7 +19059,7 @@
           <a:p>
             <a:fld id="{198B743D-DE9C-4F5D-849D-2789155D27D5}" type="datetimeFigureOut">
               <a:rPr lang="en-US" smtClean="0"/>
-              <a:t>3/19/2017</a:t>
+              <a:t>3/20/2017</a:t>
             </a:fld>
             <a:endParaRPr lang="en-US"/>
           </a:p>
@@ -19905,7 +19291,7 @@
           <a:p>
             <a:fld id="{198B743D-DE9C-4F5D-849D-2789155D27D5}" type="datetimeFigureOut">
               <a:rPr lang="en-US" smtClean="0"/>
-              <a:t>3/19/2017</a:t>
+              <a:t>3/20/2017</a:t>
             </a:fld>
             <a:endParaRPr lang="en-US"/>
           </a:p>
@@ -20272,7 +19658,7 @@
           <a:p>
             <a:fld id="{198B743D-DE9C-4F5D-849D-2789155D27D5}" type="datetimeFigureOut">
               <a:rPr lang="en-US" smtClean="0"/>
-              <a:t>3/19/2017</a:t>
+              <a:t>3/20/2017</a:t>
             </a:fld>
             <a:endParaRPr lang="en-US"/>
           </a:p>
@@ -20390,7 +19776,7 @@
           <a:p>
             <a:fld id="{198B743D-DE9C-4F5D-849D-2789155D27D5}" type="datetimeFigureOut">
               <a:rPr lang="en-US" smtClean="0"/>
-              <a:t>3/19/2017</a:t>
+              <a:t>3/20/2017</a:t>
             </a:fld>
             <a:endParaRPr lang="en-US"/>
           </a:p>
@@ -20485,7 +19871,7 @@
           <a:p>
             <a:fld id="{198B743D-DE9C-4F5D-849D-2789155D27D5}" type="datetimeFigureOut">
               <a:rPr lang="en-US" smtClean="0"/>
-              <a:t>3/19/2017</a:t>
+              <a:t>3/20/2017</a:t>
             </a:fld>
             <a:endParaRPr lang="en-US"/>
           </a:p>
@@ -20762,7 +20148,7 @@
           <a:p>
             <a:fld id="{198B743D-DE9C-4F5D-849D-2789155D27D5}" type="datetimeFigureOut">
               <a:rPr lang="en-US" smtClean="0"/>
-              <a:t>3/19/2017</a:t>
+              <a:t>3/20/2017</a:t>
             </a:fld>
             <a:endParaRPr lang="en-US"/>
           </a:p>
@@ -21015,7 +20401,7 @@
           <a:p>
             <a:fld id="{198B743D-DE9C-4F5D-849D-2789155D27D5}" type="datetimeFigureOut">
               <a:rPr lang="en-US" smtClean="0"/>
-              <a:t>3/19/2017</a:t>
+              <a:t>3/20/2017</a:t>
             </a:fld>
             <a:endParaRPr lang="en-US"/>
           </a:p>
@@ -21228,7 +20614,7 @@
           <a:p>
             <a:fld id="{198B743D-DE9C-4F5D-849D-2789155D27D5}" type="datetimeFigureOut">
               <a:rPr lang="en-US" smtClean="0"/>
-              <a:t>3/19/2017</a:t>
+              <a:t>3/20/2017</a:t>
             </a:fld>
             <a:endParaRPr lang="en-US"/>
           </a:p>
@@ -21709,11 +21095,7 @@
             </a:pPr>
             <a:r>
               <a:rPr lang="en-US" dirty="0" smtClean="0"/>
-              <a:t>Defines desired features, desired output for each </a:t>
-            </a:r>
-            <a:r>
-              <a:rPr lang="en-US" dirty="0" smtClean="0"/>
-              <a:t>module</a:t>
+              <a:t>Defines desired features, desired output for each module</a:t>
             </a:r>
           </a:p>
           <a:p>
@@ -21725,7 +21107,6 @@
               <a:rPr lang="en-US" dirty="0" smtClean="0"/>
               <a:t>Module code</a:t>
             </a:r>
-            <a:endParaRPr lang="en-US" dirty="0" smtClean="0"/>
           </a:p>
           <a:p>
             <a:pPr lvl="1" algn="r"/>
@@ -22419,7 +21800,6 @@
               <a:rPr lang="en-US" dirty="0" smtClean="0"/>
               <a:t>File: spo2_result, spo2_finish</a:t>
             </a:r>
-            <a:endParaRPr lang="en-US" dirty="0" smtClean="0"/>
           </a:p>
           <a:p>
             <a:pPr lvl="1"/>
@@ -22731,11 +22111,7 @@
             </a:r>
             <a:r>
               <a:rPr lang="en-US" dirty="0" smtClean="0"/>
-              <a:t> </a:t>
-            </a:r>
-            <a:r>
-              <a:rPr lang="en-US" dirty="0" smtClean="0"/>
-              <a:t>+ </a:t>
+              <a:t> + </a:t>
             </a:r>
             <a:r>
               <a:rPr lang="en-US" dirty="0" err="1" smtClean="0"/>
@@ -24028,11 +23404,7 @@
             </a:r>
             <a:r>
               <a:rPr lang="en-US" dirty="0" smtClean="0"/>
-              <a:t>&gt;(arg1</a:t>
-            </a:r>
-            <a:r>
-              <a:rPr lang="en-US" dirty="0" smtClean="0"/>
-              <a:t>, arg2…)</a:t>
+              <a:t>&gt;(arg1, arg2…)</a:t>
             </a:r>
           </a:p>
           <a:p>
@@ -24134,7 +23506,6 @@
               <a:rPr lang="en-US" dirty="0"/>
               <a:t>General rules</a:t>
             </a:r>
-            <a:endParaRPr lang="en-US" dirty="0"/>
           </a:p>
         </p:txBody>
       </p:sp>
@@ -24196,29 +23567,13 @@
           <a:p>
             <a:r>
               <a:rPr lang="en-US" dirty="0" smtClean="0"/>
-              <a:t>Other modules can be written in any </a:t>
-            </a:r>
-            <a:r>
-              <a:rPr lang="en-US" dirty="0" smtClean="0"/>
-              <a:t>language, </a:t>
-            </a:r>
-            <a:r>
-              <a:rPr lang="en-US" dirty="0" smtClean="0"/>
-              <a:t>the output of each module is an executable </a:t>
-            </a:r>
-            <a:r>
-              <a:rPr lang="en-US" dirty="0" smtClean="0"/>
-              <a:t>file and some file used for communication</a:t>
+              <a:t>Other modules can be written in any language, the output of each module is an executable file and some file used for communication</a:t>
             </a:r>
           </a:p>
           <a:p>
             <a:r>
               <a:rPr lang="en-US" dirty="0" smtClean="0"/>
-              <a:t>inter-process </a:t>
-            </a:r>
-            <a:r>
-              <a:rPr lang="en-US" dirty="0" smtClean="0"/>
-              <a:t>communication: via files</a:t>
+              <a:t>inter-process communication: via files</a:t>
             </a:r>
           </a:p>
         </p:txBody>
@@ -24286,7 +23641,7 @@
             <p:ph idx="1"/>
             <p:extLst>
               <p:ext uri="{D42A27DB-BD31-4B8C-83A1-F6EECF244321}">
-                <p14:modId xmlns:p14="http://schemas.microsoft.com/office/powerpoint/2010/main" val="1069004261"/>
+                <p14:modId xmlns:p14="http://schemas.microsoft.com/office/powerpoint/2010/main" val="1063619378"/>
               </p:ext>
             </p:extLst>
           </p:nvPr>
@@ -24309,8 +23664,8 @@
         </p:nvSpPr>
         <p:spPr>
           <a:xfrm>
-            <a:off x="5497285" y="3931730"/>
-            <a:ext cx="724878" cy="738664"/>
+            <a:off x="5568847" y="3927564"/>
+            <a:ext cx="724878" cy="954107"/>
           </a:xfrm>
           <a:prstGeom prst="rect">
             <a:avLst/>
@@ -24322,6 +23677,12 @@
             <a:spAutoFit/>
           </a:bodyPr>
           <a:lstStyle/>
+          <a:p>
+            <a:r>
+              <a:rPr lang="en-US" sz="1400" dirty="0" smtClean="0"/>
+              <a:t>Uno</a:t>
+            </a:r>
+          </a:p>
           <a:p>
             <a:r>
               <a:rPr lang="en-US" sz="1400" dirty="0" smtClean="0"/>
@@ -24585,13 +23946,8 @@
             <a:pPr lvl="1"/>
             <a:r>
               <a:rPr lang="en-US" dirty="0" smtClean="0"/>
-              <a:t>Program: main.py, main_class</a:t>
-            </a:r>
-            <a:r>
-              <a:rPr lang="en-US" dirty="0" smtClean="0"/>
-              <a:t>.py (header file)</a:t>
-            </a:r>
-            <a:endParaRPr lang="en-US" dirty="0" smtClean="0"/>
+              <a:t>Program: main.py, main_class.py (header file)</a:t>
+            </a:r>
           </a:p>
         </p:txBody>
       </p:sp>
@@ -24669,11 +24025,7 @@
             </a:r>
             <a:r>
               <a:rPr lang="en-US" dirty="0" smtClean="0"/>
-              <a:t> </a:t>
-            </a:r>
-            <a:r>
-              <a:rPr lang="en-US" dirty="0" smtClean="0"/>
-              <a:t>Vu &gt;&gt; This module will be implemented in python</a:t>
+              <a:t> Vu &gt;&gt; This module will be implemented in python</a:t>
             </a:r>
           </a:p>
           <a:p>
@@ -24688,7 +24040,6 @@
               <a:rPr lang="en-US" dirty="0" smtClean="0"/>
               <a:t>Input: some mp3 files</a:t>
             </a:r>
-            <a:endParaRPr lang="en-US" dirty="0" smtClean="0"/>
           </a:p>
           <a:p>
             <a:pPr lvl="1"/>
@@ -24951,7 +24302,6 @@
               <a:rPr lang="en-US" dirty="0" smtClean="0"/>
               <a:t>Initialize and control the hand-placing platform </a:t>
             </a:r>
-            <a:endParaRPr lang="en-US" dirty="0" smtClean="0"/>
           </a:p>
           <a:p>
             <a:pPr lvl="1"/>

--- a/00_Document/00_development_process/PPT_FunctionSpecification_R00.pptx
+++ b/00_Document/00_development_process/PPT_FunctionSpecification_R00.pptx
@@ -6050,10 +6050,24 @@
     <dgm:pt modelId="{604B6F34-710D-40C8-8805-5FC71845512E}" type="pres">
       <dgm:prSet presAssocID="{F7E4BF3C-DD43-4FBE-8890-CB2C899CFBEE}" presName="sibTrans" presStyleLbl="sibTrans2D1" presStyleIdx="5" presStyleCnt="10"/>
       <dgm:spPr/>
+      <dgm:t>
+        <a:bodyPr/>
+        <a:lstStyle/>
+        <a:p>
+          <a:endParaRPr lang="en-US"/>
+        </a:p>
+      </dgm:t>
     </dgm:pt>
     <dgm:pt modelId="{5573A9C5-32E3-4FB7-A8A8-AA74B345325A}" type="pres">
       <dgm:prSet presAssocID="{F7E4BF3C-DD43-4FBE-8890-CB2C899CFBEE}" presName="connectorText" presStyleLbl="sibTrans2D1" presStyleIdx="5" presStyleCnt="10"/>
       <dgm:spPr/>
+      <dgm:t>
+        <a:bodyPr/>
+        <a:lstStyle/>
+        <a:p>
+          <a:endParaRPr lang="en-US"/>
+        </a:p>
+      </dgm:t>
     </dgm:pt>
     <dgm:pt modelId="{99A2F953-EC43-4E7D-895E-E6CCB05BF9AC}" type="pres">
       <dgm:prSet presAssocID="{F6634B8D-E0A8-4CF8-9547-DC651A569B35}" presName="node" presStyleLbl="node1" presStyleIdx="6" presStyleCnt="11">
@@ -13053,6 +13067,494 @@
       <dsp:cNvGrpSpPr/>
     </dsp:nvGrpSpPr>
     <dsp:grpSpPr/>
+    <dsp:sp modelId="{F2EE8185-ADDA-40B5-821D-4079A686539F}">
+      <dsp:nvSpPr>
+        <dsp:cNvPr id="0" name=""/>
+        <dsp:cNvSpPr/>
+      </dsp:nvSpPr>
+      <dsp:spPr>
+        <a:xfrm>
+          <a:off x="51" y="16698"/>
+          <a:ext cx="4913783" cy="806400"/>
+        </a:xfrm>
+        <a:prstGeom prst="rect">
+          <a:avLst/>
+        </a:prstGeom>
+        <a:solidFill>
+          <a:schemeClr val="accent1">
+            <a:hueOff val="0"/>
+            <a:satOff val="0"/>
+            <a:lumOff val="0"/>
+            <a:alphaOff val="0"/>
+          </a:schemeClr>
+        </a:solidFill>
+        <a:ln w="12700" cap="flat" cmpd="sng" algn="ctr">
+          <a:solidFill>
+            <a:schemeClr val="accent1">
+              <a:hueOff val="0"/>
+              <a:satOff val="0"/>
+              <a:lumOff val="0"/>
+              <a:alphaOff val="0"/>
+            </a:schemeClr>
+          </a:solidFill>
+          <a:prstDash val="solid"/>
+          <a:miter lim="800000"/>
+        </a:ln>
+        <a:effectLst/>
+      </dsp:spPr>
+      <dsp:style>
+        <a:lnRef idx="2">
+          <a:scrgbClr r="0" g="0" b="0"/>
+        </a:lnRef>
+        <a:fillRef idx="1">
+          <a:scrgbClr r="0" g="0" b="0"/>
+        </a:fillRef>
+        <a:effectRef idx="0">
+          <a:scrgbClr r="0" g="0" b="0"/>
+        </a:effectRef>
+        <a:fontRef idx="minor">
+          <a:schemeClr val="lt1"/>
+        </a:fontRef>
+      </dsp:style>
+      <dsp:txBody>
+        <a:bodyPr spcFirstLastPara="0" vert="horz" wrap="square" lIns="199136" tIns="113792" rIns="199136" bIns="113792" numCol="1" spcCol="1270" anchor="ctr" anchorCtr="0">
+          <a:noAutofit/>
+        </a:bodyPr>
+        <a:lstStyle/>
+        <a:p>
+          <a:pPr lvl="0" algn="ctr" defTabSz="1244600">
+            <a:lnSpc>
+              <a:spcPct val="90000"/>
+            </a:lnSpc>
+            <a:spcBef>
+              <a:spcPct val="0"/>
+            </a:spcBef>
+            <a:spcAft>
+              <a:spcPct val="35000"/>
+            </a:spcAft>
+          </a:pPr>
+          <a:r>
+            <a:rPr lang="en-US" sz="2800" kern="1200" dirty="0" smtClean="0"/>
+            <a:t>Server</a:t>
+          </a:r>
+          <a:endParaRPr lang="en-US" sz="2800" kern="1200" dirty="0"/>
+        </a:p>
+      </dsp:txBody>
+      <dsp:txXfrm>
+        <a:off x="51" y="16698"/>
+        <a:ext cx="4913783" cy="806400"/>
+      </dsp:txXfrm>
+    </dsp:sp>
+    <dsp:sp modelId="{50C632A4-B919-46A5-AF1A-30702345ECD3}">
+      <dsp:nvSpPr>
+        <dsp:cNvPr id="0" name=""/>
+        <dsp:cNvSpPr/>
+      </dsp:nvSpPr>
+      <dsp:spPr>
+        <a:xfrm>
+          <a:off x="51" y="823098"/>
+          <a:ext cx="4913783" cy="3511541"/>
+        </a:xfrm>
+        <a:prstGeom prst="rect">
+          <a:avLst/>
+        </a:prstGeom>
+        <a:solidFill>
+          <a:schemeClr val="accent1">
+            <a:alpha val="90000"/>
+            <a:tint val="40000"/>
+            <a:hueOff val="0"/>
+            <a:satOff val="0"/>
+            <a:lumOff val="0"/>
+            <a:alphaOff val="0"/>
+          </a:schemeClr>
+        </a:solidFill>
+        <a:ln w="12700" cap="flat" cmpd="sng" algn="ctr">
+          <a:solidFill>
+            <a:schemeClr val="accent1">
+              <a:alpha val="90000"/>
+              <a:tint val="40000"/>
+              <a:hueOff val="0"/>
+              <a:satOff val="0"/>
+              <a:lumOff val="0"/>
+              <a:alphaOff val="0"/>
+            </a:schemeClr>
+          </a:solidFill>
+          <a:prstDash val="solid"/>
+          <a:miter lim="800000"/>
+        </a:ln>
+        <a:effectLst/>
+      </dsp:spPr>
+      <dsp:style>
+        <a:lnRef idx="2">
+          <a:scrgbClr r="0" g="0" b="0"/>
+        </a:lnRef>
+        <a:fillRef idx="1">
+          <a:scrgbClr r="0" g="0" b="0"/>
+        </a:fillRef>
+        <a:effectRef idx="0">
+          <a:scrgbClr r="0" g="0" b="0"/>
+        </a:effectRef>
+        <a:fontRef idx="minor"/>
+      </dsp:style>
+      <dsp:txBody>
+        <a:bodyPr spcFirstLastPara="0" vert="horz" wrap="square" lIns="149352" tIns="149352" rIns="199136" bIns="224028" numCol="1" spcCol="1270" anchor="t" anchorCtr="0">
+          <a:noAutofit/>
+        </a:bodyPr>
+        <a:lstStyle/>
+        <a:p>
+          <a:pPr marL="285750" lvl="1" indent="-285750" algn="l" defTabSz="1244600">
+            <a:lnSpc>
+              <a:spcPct val="90000"/>
+            </a:lnSpc>
+            <a:spcBef>
+              <a:spcPct val="0"/>
+            </a:spcBef>
+            <a:spcAft>
+              <a:spcPct val="15000"/>
+            </a:spcAft>
+            <a:buChar char="••"/>
+          </a:pPr>
+          <a:r>
+            <a:rPr lang="en-US" sz="2800" kern="1200" dirty="0" smtClean="0"/>
+            <a:t>Handle result from Pi</a:t>
+          </a:r>
+          <a:endParaRPr lang="en-US" sz="2800" kern="1200" dirty="0"/>
+        </a:p>
+        <a:p>
+          <a:pPr marL="285750" lvl="1" indent="-285750" algn="l" defTabSz="1244600">
+            <a:lnSpc>
+              <a:spcPct val="90000"/>
+            </a:lnSpc>
+            <a:spcBef>
+              <a:spcPct val="0"/>
+            </a:spcBef>
+            <a:spcAft>
+              <a:spcPct val="15000"/>
+            </a:spcAft>
+            <a:buChar char="••"/>
+          </a:pPr>
+          <a:r>
+            <a:rPr lang="en-US" sz="2800" kern="1200" dirty="0" smtClean="0"/>
+            <a:t>Store user data (ID, name, mac </a:t>
+          </a:r>
+          <a:r>
+            <a:rPr lang="en-US" sz="2800" kern="1200" dirty="0" err="1" smtClean="0"/>
+            <a:t>addr</a:t>
+          </a:r>
+          <a:r>
+            <a:rPr lang="en-US" sz="2800" kern="1200" dirty="0" smtClean="0"/>
+            <a:t>…) </a:t>
+          </a:r>
+          <a:endParaRPr lang="en-US" sz="2800" kern="1200" dirty="0"/>
+        </a:p>
+        <a:p>
+          <a:pPr marL="285750" lvl="1" indent="-285750" algn="l" defTabSz="1244600">
+            <a:lnSpc>
+              <a:spcPct val="90000"/>
+            </a:lnSpc>
+            <a:spcBef>
+              <a:spcPct val="0"/>
+            </a:spcBef>
+            <a:spcAft>
+              <a:spcPct val="15000"/>
+            </a:spcAft>
+            <a:buChar char="••"/>
+          </a:pPr>
+          <a:r>
+            <a:rPr lang="en-US" sz="2800" kern="1200" dirty="0" smtClean="0"/>
+            <a:t>Store user result (height, weight, spo2, blood pressure, temperature)</a:t>
+          </a:r>
+          <a:endParaRPr lang="en-US" sz="2800" kern="1200" dirty="0"/>
+        </a:p>
+        <a:p>
+          <a:pPr marL="285750" lvl="1" indent="-285750" algn="l" defTabSz="1244600">
+            <a:lnSpc>
+              <a:spcPct val="90000"/>
+            </a:lnSpc>
+            <a:spcBef>
+              <a:spcPct val="0"/>
+            </a:spcBef>
+            <a:spcAft>
+              <a:spcPct val="15000"/>
+            </a:spcAft>
+            <a:buChar char="••"/>
+          </a:pPr>
+          <a:r>
+            <a:rPr lang="en-US" sz="2800" kern="1200" dirty="0" err="1" smtClean="0"/>
+            <a:t>Quang</a:t>
+          </a:r>
+          <a:r>
+            <a:rPr lang="en-US" sz="2800" kern="1200" dirty="0" smtClean="0"/>
+            <a:t> + Ly</a:t>
+          </a:r>
+          <a:endParaRPr lang="en-US" sz="2800" kern="1200" dirty="0"/>
+        </a:p>
+      </dsp:txBody>
+      <dsp:txXfrm>
+        <a:off x="51" y="823098"/>
+        <a:ext cx="4913783" cy="3511541"/>
+      </dsp:txXfrm>
+    </dsp:sp>
+    <dsp:sp modelId="{417FE0C0-F440-47BD-874B-4AAC1FE68571}">
+      <dsp:nvSpPr>
+        <dsp:cNvPr id="0" name=""/>
+        <dsp:cNvSpPr/>
+      </dsp:nvSpPr>
+      <dsp:spPr>
+        <a:xfrm>
+          <a:off x="5601764" y="16698"/>
+          <a:ext cx="4913783" cy="806400"/>
+        </a:xfrm>
+        <a:prstGeom prst="rect">
+          <a:avLst/>
+        </a:prstGeom>
+        <a:solidFill>
+          <a:schemeClr val="accent1">
+            <a:hueOff val="0"/>
+            <a:satOff val="0"/>
+            <a:lumOff val="0"/>
+            <a:alphaOff val="0"/>
+          </a:schemeClr>
+        </a:solidFill>
+        <a:ln w="12700" cap="flat" cmpd="sng" algn="ctr">
+          <a:solidFill>
+            <a:schemeClr val="accent1">
+              <a:hueOff val="0"/>
+              <a:satOff val="0"/>
+              <a:lumOff val="0"/>
+              <a:alphaOff val="0"/>
+            </a:schemeClr>
+          </a:solidFill>
+          <a:prstDash val="solid"/>
+          <a:miter lim="800000"/>
+        </a:ln>
+        <a:effectLst/>
+      </dsp:spPr>
+      <dsp:style>
+        <a:lnRef idx="2">
+          <a:scrgbClr r="0" g="0" b="0"/>
+        </a:lnRef>
+        <a:fillRef idx="1">
+          <a:scrgbClr r="0" g="0" b="0"/>
+        </a:fillRef>
+        <a:effectRef idx="0">
+          <a:scrgbClr r="0" g="0" b="0"/>
+        </a:effectRef>
+        <a:fontRef idx="minor">
+          <a:schemeClr val="lt1"/>
+        </a:fontRef>
+      </dsp:style>
+      <dsp:txBody>
+        <a:bodyPr spcFirstLastPara="0" vert="horz" wrap="square" lIns="199136" tIns="113792" rIns="199136" bIns="113792" numCol="1" spcCol="1270" anchor="ctr" anchorCtr="0">
+          <a:noAutofit/>
+        </a:bodyPr>
+        <a:lstStyle/>
+        <a:p>
+          <a:pPr lvl="0" algn="ctr" defTabSz="1244600">
+            <a:lnSpc>
+              <a:spcPct val="90000"/>
+            </a:lnSpc>
+            <a:spcBef>
+              <a:spcPct val="0"/>
+            </a:spcBef>
+            <a:spcAft>
+              <a:spcPct val="35000"/>
+            </a:spcAft>
+          </a:pPr>
+          <a:r>
+            <a:rPr lang="en-US" sz="2800" kern="1200" dirty="0" smtClean="0"/>
+            <a:t>Android app</a:t>
+          </a:r>
+          <a:endParaRPr lang="en-US" sz="2800" kern="1200" dirty="0"/>
+        </a:p>
+      </dsp:txBody>
+      <dsp:txXfrm>
+        <a:off x="5601764" y="16698"/>
+        <a:ext cx="4913783" cy="806400"/>
+      </dsp:txXfrm>
+    </dsp:sp>
+    <dsp:sp modelId="{ABB216B2-FB80-4CA8-AFB5-B752ADED21DE}">
+      <dsp:nvSpPr>
+        <dsp:cNvPr id="0" name=""/>
+        <dsp:cNvSpPr/>
+      </dsp:nvSpPr>
+      <dsp:spPr>
+        <a:xfrm>
+          <a:off x="5601764" y="823098"/>
+          <a:ext cx="4913783" cy="3511541"/>
+        </a:xfrm>
+        <a:prstGeom prst="rect">
+          <a:avLst/>
+        </a:prstGeom>
+        <a:solidFill>
+          <a:schemeClr val="accent1">
+            <a:alpha val="90000"/>
+            <a:tint val="40000"/>
+            <a:hueOff val="0"/>
+            <a:satOff val="0"/>
+            <a:lumOff val="0"/>
+            <a:alphaOff val="0"/>
+          </a:schemeClr>
+        </a:solidFill>
+        <a:ln w="12700" cap="flat" cmpd="sng" algn="ctr">
+          <a:solidFill>
+            <a:schemeClr val="accent1">
+              <a:alpha val="90000"/>
+              <a:tint val="40000"/>
+              <a:hueOff val="0"/>
+              <a:satOff val="0"/>
+              <a:lumOff val="0"/>
+              <a:alphaOff val="0"/>
+            </a:schemeClr>
+          </a:solidFill>
+          <a:prstDash val="solid"/>
+          <a:miter lim="800000"/>
+        </a:ln>
+        <a:effectLst/>
+      </dsp:spPr>
+      <dsp:style>
+        <a:lnRef idx="2">
+          <a:scrgbClr r="0" g="0" b="0"/>
+        </a:lnRef>
+        <a:fillRef idx="1">
+          <a:scrgbClr r="0" g="0" b="0"/>
+        </a:fillRef>
+        <a:effectRef idx="0">
+          <a:scrgbClr r="0" g="0" b="0"/>
+        </a:effectRef>
+        <a:fontRef idx="minor"/>
+      </dsp:style>
+      <dsp:txBody>
+        <a:bodyPr spcFirstLastPara="0" vert="horz" wrap="square" lIns="149352" tIns="149352" rIns="199136" bIns="224028" numCol="1" spcCol="1270" anchor="t" anchorCtr="0">
+          <a:noAutofit/>
+        </a:bodyPr>
+        <a:lstStyle/>
+        <a:p>
+          <a:pPr marL="285750" lvl="1" indent="-285750" algn="l" defTabSz="1244600">
+            <a:lnSpc>
+              <a:spcPct val="90000"/>
+            </a:lnSpc>
+            <a:spcBef>
+              <a:spcPct val="0"/>
+            </a:spcBef>
+            <a:spcAft>
+              <a:spcPct val="15000"/>
+            </a:spcAft>
+            <a:buChar char="••"/>
+          </a:pPr>
+          <a:r>
+            <a:rPr lang="en-US" sz="2800" kern="1200" dirty="0" smtClean="0"/>
+            <a:t>Bluetooth</a:t>
+          </a:r>
+          <a:endParaRPr lang="en-US" sz="2800" kern="1200" dirty="0"/>
+        </a:p>
+        <a:p>
+          <a:pPr marL="571500" lvl="2" indent="-285750" algn="l" defTabSz="1244600">
+            <a:lnSpc>
+              <a:spcPct val="90000"/>
+            </a:lnSpc>
+            <a:spcBef>
+              <a:spcPct val="0"/>
+            </a:spcBef>
+            <a:spcAft>
+              <a:spcPct val="15000"/>
+            </a:spcAft>
+            <a:buChar char="••"/>
+          </a:pPr>
+          <a:r>
+            <a:rPr lang="en-US" sz="2800" kern="1200" dirty="0" smtClean="0"/>
+            <a:t>See above Bluetooth slide</a:t>
+          </a:r>
+          <a:endParaRPr lang="en-US" sz="2800" kern="1200" dirty="0"/>
+        </a:p>
+        <a:p>
+          <a:pPr marL="571500" lvl="2" indent="-285750" algn="l" defTabSz="1244600">
+            <a:lnSpc>
+              <a:spcPct val="90000"/>
+            </a:lnSpc>
+            <a:spcBef>
+              <a:spcPct val="0"/>
+            </a:spcBef>
+            <a:spcAft>
+              <a:spcPct val="15000"/>
+            </a:spcAft>
+            <a:buChar char="••"/>
+          </a:pPr>
+          <a:r>
+            <a:rPr lang="en-US" sz="2800" kern="1200" dirty="0" smtClean="0"/>
+            <a:t>Chung</a:t>
+          </a:r>
+          <a:endParaRPr lang="en-US" sz="2800" kern="1200" dirty="0"/>
+        </a:p>
+        <a:p>
+          <a:pPr marL="285750" lvl="1" indent="-285750" algn="l" defTabSz="1244600">
+            <a:lnSpc>
+              <a:spcPct val="90000"/>
+            </a:lnSpc>
+            <a:spcBef>
+              <a:spcPct val="0"/>
+            </a:spcBef>
+            <a:spcAft>
+              <a:spcPct val="15000"/>
+            </a:spcAft>
+            <a:buChar char="••"/>
+          </a:pPr>
+          <a:r>
+            <a:rPr lang="en-US" sz="2800" kern="1200" dirty="0" smtClean="0"/>
+            <a:t>User profile</a:t>
+          </a:r>
+          <a:endParaRPr lang="en-US" sz="2800" kern="1200" dirty="0"/>
+        </a:p>
+        <a:p>
+          <a:pPr marL="571500" lvl="2" indent="-285750" algn="l" defTabSz="1244600">
+            <a:lnSpc>
+              <a:spcPct val="90000"/>
+            </a:lnSpc>
+            <a:spcBef>
+              <a:spcPct val="0"/>
+            </a:spcBef>
+            <a:spcAft>
+              <a:spcPct val="15000"/>
+            </a:spcAft>
+            <a:buChar char="••"/>
+          </a:pPr>
+          <a:r>
+            <a:rPr lang="en-US" sz="2800" kern="1200" dirty="0" smtClean="0"/>
+            <a:t>Ask mentor &amp; server team for more information </a:t>
+          </a:r>
+          <a:r>
+            <a:rPr lang="en-US" sz="2800" kern="1200" dirty="0" smtClean="0">
+              <a:sym typeface="Wingdings" panose="05000000000000000000" pitchFamily="2" charset="2"/>
+            </a:rPr>
+            <a:t>)</a:t>
+          </a:r>
+          <a:endParaRPr lang="en-US" sz="2800" kern="1200" dirty="0"/>
+        </a:p>
+        <a:p>
+          <a:pPr marL="571500" lvl="2" indent="-285750" algn="l" defTabSz="1244600">
+            <a:lnSpc>
+              <a:spcPct val="90000"/>
+            </a:lnSpc>
+            <a:spcBef>
+              <a:spcPct val="0"/>
+            </a:spcBef>
+            <a:spcAft>
+              <a:spcPct val="15000"/>
+            </a:spcAft>
+            <a:buChar char="••"/>
+          </a:pPr>
+          <a:r>
+            <a:rPr lang="en-US" sz="2800" kern="1200" dirty="0" err="1" smtClean="0"/>
+            <a:t>Thành</a:t>
+          </a:r>
+          <a:endParaRPr lang="en-US" sz="2800" kern="1200" dirty="0"/>
+        </a:p>
+      </dsp:txBody>
+      <dsp:txXfrm>
+        <a:off x="5601764" y="823098"/>
+        <a:ext cx="4913783" cy="3511541"/>
+      </dsp:txXfrm>
+    </dsp:sp>
   </dsp:spTree>
 </dsp:drawing>
 </file>
@@ -17810,7 +18312,7 @@
           <a:p>
             <a:fld id="{CA829DC8-727A-4F53-801F-7AA35DEAE48C}" type="datetimeFigureOut">
               <a:rPr lang="en-US" smtClean="0"/>
-              <a:t>3/20/2017</a:t>
+              <a:t>3/21/2017</a:t>
             </a:fld>
             <a:endParaRPr lang="en-US"/>
           </a:p>
@@ -18293,7 +18795,7 @@
           <a:p>
             <a:fld id="{198B743D-DE9C-4F5D-849D-2789155D27D5}" type="datetimeFigureOut">
               <a:rPr lang="en-US" smtClean="0"/>
-              <a:t>3/20/2017</a:t>
+              <a:t>3/21/2017</a:t>
             </a:fld>
             <a:endParaRPr lang="en-US"/>
           </a:p>
@@ -18463,7 +18965,7 @@
           <a:p>
             <a:fld id="{198B743D-DE9C-4F5D-849D-2789155D27D5}" type="datetimeFigureOut">
               <a:rPr lang="en-US" smtClean="0"/>
-              <a:t>3/20/2017</a:t>
+              <a:t>3/21/2017</a:t>
             </a:fld>
             <a:endParaRPr lang="en-US"/>
           </a:p>
@@ -18643,7 +19145,7 @@
           <a:p>
             <a:fld id="{198B743D-DE9C-4F5D-849D-2789155D27D5}" type="datetimeFigureOut">
               <a:rPr lang="en-US" smtClean="0"/>
-              <a:t>3/20/2017</a:t>
+              <a:t>3/21/2017</a:t>
             </a:fld>
             <a:endParaRPr lang="en-US"/>
           </a:p>
@@ -18813,7 +19315,7 @@
           <a:p>
             <a:fld id="{198B743D-DE9C-4F5D-849D-2789155D27D5}" type="datetimeFigureOut">
               <a:rPr lang="en-US" smtClean="0"/>
-              <a:t>3/20/2017</a:t>
+              <a:t>3/21/2017</a:t>
             </a:fld>
             <a:endParaRPr lang="en-US"/>
           </a:p>
@@ -19059,7 +19561,7 @@
           <a:p>
             <a:fld id="{198B743D-DE9C-4F5D-849D-2789155D27D5}" type="datetimeFigureOut">
               <a:rPr lang="en-US" smtClean="0"/>
-              <a:t>3/20/2017</a:t>
+              <a:t>3/21/2017</a:t>
             </a:fld>
             <a:endParaRPr lang="en-US"/>
           </a:p>
@@ -19291,7 +19793,7 @@
           <a:p>
             <a:fld id="{198B743D-DE9C-4F5D-849D-2789155D27D5}" type="datetimeFigureOut">
               <a:rPr lang="en-US" smtClean="0"/>
-              <a:t>3/20/2017</a:t>
+              <a:t>3/21/2017</a:t>
             </a:fld>
             <a:endParaRPr lang="en-US"/>
           </a:p>
@@ -19658,7 +20160,7 @@
           <a:p>
             <a:fld id="{198B743D-DE9C-4F5D-849D-2789155D27D5}" type="datetimeFigureOut">
               <a:rPr lang="en-US" smtClean="0"/>
-              <a:t>3/20/2017</a:t>
+              <a:t>3/21/2017</a:t>
             </a:fld>
             <a:endParaRPr lang="en-US"/>
           </a:p>
@@ -19776,7 +20278,7 @@
           <a:p>
             <a:fld id="{198B743D-DE9C-4F5D-849D-2789155D27D5}" type="datetimeFigureOut">
               <a:rPr lang="en-US" smtClean="0"/>
-              <a:t>3/20/2017</a:t>
+              <a:t>3/21/2017</a:t>
             </a:fld>
             <a:endParaRPr lang="en-US"/>
           </a:p>
@@ -19871,7 +20373,7 @@
           <a:p>
             <a:fld id="{198B743D-DE9C-4F5D-849D-2789155D27D5}" type="datetimeFigureOut">
               <a:rPr lang="en-US" smtClean="0"/>
-              <a:t>3/20/2017</a:t>
+              <a:t>3/21/2017</a:t>
             </a:fld>
             <a:endParaRPr lang="en-US"/>
           </a:p>
@@ -20148,7 +20650,7 @@
           <a:p>
             <a:fld id="{198B743D-DE9C-4F5D-849D-2789155D27D5}" type="datetimeFigureOut">
               <a:rPr lang="en-US" smtClean="0"/>
-              <a:t>3/20/2017</a:t>
+              <a:t>3/21/2017</a:t>
             </a:fld>
             <a:endParaRPr lang="en-US"/>
           </a:p>
@@ -20401,7 +20903,7 @@
           <a:p>
             <a:fld id="{198B743D-DE9C-4F5D-849D-2789155D27D5}" type="datetimeFigureOut">
               <a:rPr lang="en-US" smtClean="0"/>
-              <a:t>3/20/2017</a:t>
+              <a:t>3/21/2017</a:t>
             </a:fld>
             <a:endParaRPr lang="en-US"/>
           </a:p>
@@ -20614,7 +21116,7 @@
           <a:p>
             <a:fld id="{198B743D-DE9C-4F5D-849D-2789155D27D5}" type="datetimeFigureOut">
               <a:rPr lang="en-US" smtClean="0"/>
-              <a:t>3/20/2017</a:t>
+              <a:t>3/21/2017</a:t>
             </a:fld>
             <a:endParaRPr lang="en-US"/>
           </a:p>
@@ -23688,7 +24190,6 @@
               <a:rPr lang="en-US" sz="1400" dirty="0" smtClean="0"/>
               <a:t>Sends </a:t>
             </a:r>
-            <a:endParaRPr lang="en-US" sz="1400" dirty="0" smtClean="0"/>
           </a:p>
           <a:p>
             <a:r>
@@ -23808,7 +24309,7 @@
         </p:nvSpPr>
         <p:spPr>
           <a:xfrm>
-            <a:off x="8053806" y="5115901"/>
+            <a:off x="5509616" y="5115900"/>
             <a:ext cx="581057" cy="307777"/>
           </a:xfrm>
           <a:prstGeom prst="rect">

--- a/00_Document/00_development_process/PPT_FunctionSpecification_R00.pptx
+++ b/00_Document/00_development_process/PPT_FunctionSpecification_R00.pptx
@@ -6869,4510 +6869,6 @@
       <dsp:cNvGrpSpPr/>
     </dsp:nvGrpSpPr>
     <dsp:grpSpPr/>
-    <dsp:sp modelId="{ABF75C28-00CF-4ED6-9781-A854999AFAA9}">
-      <dsp:nvSpPr>
-        <dsp:cNvPr id="0" name=""/>
-        <dsp:cNvSpPr/>
-      </dsp:nvSpPr>
-      <dsp:spPr>
-        <a:xfrm>
-          <a:off x="11118088" y="3294482"/>
-          <a:ext cx="505980" cy="225642"/>
-        </a:xfrm>
-        <a:custGeom>
-          <a:avLst/>
-          <a:gdLst/>
-          <a:ahLst/>
-          <a:cxnLst/>
-          <a:rect l="0" t="0" r="0" b="0"/>
-          <a:pathLst>
-            <a:path>
-              <a:moveTo>
-                <a:pt x="0" y="0"/>
-              </a:moveTo>
-              <a:lnTo>
-                <a:pt x="0" y="134517"/>
-              </a:lnTo>
-              <a:lnTo>
-                <a:pt x="505980" y="134517"/>
-              </a:lnTo>
-              <a:lnTo>
-                <a:pt x="505980" y="225642"/>
-              </a:lnTo>
-            </a:path>
-          </a:pathLst>
-        </a:custGeom>
-        <a:noFill/>
-        <a:ln w="12700" cap="flat" cmpd="sng" algn="ctr">
-          <a:solidFill>
-            <a:schemeClr val="accent1">
-              <a:shade val="80000"/>
-              <a:hueOff val="0"/>
-              <a:satOff val="0"/>
-              <a:lumOff val="0"/>
-              <a:alphaOff val="0"/>
-            </a:schemeClr>
-          </a:solidFill>
-          <a:prstDash val="solid"/>
-          <a:miter lim="800000"/>
-        </a:ln>
-        <a:effectLst/>
-      </dsp:spPr>
-      <dsp:style>
-        <a:lnRef idx="2">
-          <a:scrgbClr r="0" g="0" b="0"/>
-        </a:lnRef>
-        <a:fillRef idx="0">
-          <a:scrgbClr r="0" g="0" b="0"/>
-        </a:fillRef>
-        <a:effectRef idx="0">
-          <a:scrgbClr r="0" g="0" b="0"/>
-        </a:effectRef>
-        <a:fontRef idx="minor"/>
-      </dsp:style>
-    </dsp:sp>
-    <dsp:sp modelId="{E40C5F05-0338-45A8-B7D0-E8A053335D38}">
-      <dsp:nvSpPr>
-        <dsp:cNvPr id="0" name=""/>
-        <dsp:cNvSpPr/>
-      </dsp:nvSpPr>
-      <dsp:spPr>
-        <a:xfrm>
-          <a:off x="10612108" y="3910658"/>
-          <a:ext cx="505980" cy="225642"/>
-        </a:xfrm>
-        <a:custGeom>
-          <a:avLst/>
-          <a:gdLst/>
-          <a:ahLst/>
-          <a:cxnLst/>
-          <a:rect l="0" t="0" r="0" b="0"/>
-          <a:pathLst>
-            <a:path>
-              <a:moveTo>
-                <a:pt x="0" y="0"/>
-              </a:moveTo>
-              <a:lnTo>
-                <a:pt x="0" y="134517"/>
-              </a:lnTo>
-              <a:lnTo>
-                <a:pt x="505980" y="134517"/>
-              </a:lnTo>
-              <a:lnTo>
-                <a:pt x="505980" y="225642"/>
-              </a:lnTo>
-            </a:path>
-          </a:pathLst>
-        </a:custGeom>
-        <a:noFill/>
-        <a:ln w="12700" cap="flat" cmpd="sng" algn="ctr">
-          <a:solidFill>
-            <a:schemeClr val="accent1">
-              <a:shade val="80000"/>
-              <a:hueOff val="0"/>
-              <a:satOff val="0"/>
-              <a:lumOff val="0"/>
-              <a:alphaOff val="0"/>
-            </a:schemeClr>
-          </a:solidFill>
-          <a:prstDash val="solid"/>
-          <a:miter lim="800000"/>
-        </a:ln>
-        <a:effectLst/>
-      </dsp:spPr>
-      <dsp:style>
-        <a:lnRef idx="2">
-          <a:scrgbClr r="0" g="0" b="0"/>
-        </a:lnRef>
-        <a:fillRef idx="0">
-          <a:scrgbClr r="0" g="0" b="0"/>
-        </a:fillRef>
-        <a:effectRef idx="0">
-          <a:scrgbClr r="0" g="0" b="0"/>
-        </a:effectRef>
-        <a:fontRef idx="minor"/>
-      </dsp:style>
-    </dsp:sp>
-    <dsp:sp modelId="{A1C40F7D-B33A-4D66-8640-9219BB096776}">
-      <dsp:nvSpPr>
-        <dsp:cNvPr id="0" name=""/>
-        <dsp:cNvSpPr/>
-      </dsp:nvSpPr>
-      <dsp:spPr>
-        <a:xfrm>
-          <a:off x="10106128" y="3910658"/>
-          <a:ext cx="505980" cy="225642"/>
-        </a:xfrm>
-        <a:custGeom>
-          <a:avLst/>
-          <a:gdLst/>
-          <a:ahLst/>
-          <a:cxnLst/>
-          <a:rect l="0" t="0" r="0" b="0"/>
-          <a:pathLst>
-            <a:path>
-              <a:moveTo>
-                <a:pt x="505980" y="0"/>
-              </a:moveTo>
-              <a:lnTo>
-                <a:pt x="505980" y="134517"/>
-              </a:lnTo>
-              <a:lnTo>
-                <a:pt x="0" y="134517"/>
-              </a:lnTo>
-              <a:lnTo>
-                <a:pt x="0" y="225642"/>
-              </a:lnTo>
-            </a:path>
-          </a:pathLst>
-        </a:custGeom>
-        <a:noFill/>
-        <a:ln w="12700" cap="flat" cmpd="sng" algn="ctr">
-          <a:solidFill>
-            <a:schemeClr val="accent1">
-              <a:shade val="80000"/>
-              <a:hueOff val="0"/>
-              <a:satOff val="0"/>
-              <a:lumOff val="0"/>
-              <a:alphaOff val="0"/>
-            </a:schemeClr>
-          </a:solidFill>
-          <a:prstDash val="solid"/>
-          <a:miter lim="800000"/>
-        </a:ln>
-        <a:effectLst/>
-      </dsp:spPr>
-      <dsp:style>
-        <a:lnRef idx="2">
-          <a:scrgbClr r="0" g="0" b="0"/>
-        </a:lnRef>
-        <a:fillRef idx="0">
-          <a:scrgbClr r="0" g="0" b="0"/>
-        </a:fillRef>
-        <a:effectRef idx="0">
-          <a:scrgbClr r="0" g="0" b="0"/>
-        </a:effectRef>
-        <a:fontRef idx="minor"/>
-      </dsp:style>
-    </dsp:sp>
-    <dsp:sp modelId="{4D5260ED-8E71-43CF-B018-BE752892951C}">
-      <dsp:nvSpPr>
-        <dsp:cNvPr id="0" name=""/>
-        <dsp:cNvSpPr/>
-      </dsp:nvSpPr>
-      <dsp:spPr>
-        <a:xfrm>
-          <a:off x="10612108" y="3294482"/>
-          <a:ext cx="505980" cy="225642"/>
-        </a:xfrm>
-        <a:custGeom>
-          <a:avLst/>
-          <a:gdLst/>
-          <a:ahLst/>
-          <a:cxnLst/>
-          <a:rect l="0" t="0" r="0" b="0"/>
-          <a:pathLst>
-            <a:path>
-              <a:moveTo>
-                <a:pt x="505980" y="0"/>
-              </a:moveTo>
-              <a:lnTo>
-                <a:pt x="505980" y="134517"/>
-              </a:lnTo>
-              <a:lnTo>
-                <a:pt x="0" y="134517"/>
-              </a:lnTo>
-              <a:lnTo>
-                <a:pt x="0" y="225642"/>
-              </a:lnTo>
-            </a:path>
-          </a:pathLst>
-        </a:custGeom>
-        <a:noFill/>
-        <a:ln w="12700" cap="flat" cmpd="sng" algn="ctr">
-          <a:solidFill>
-            <a:schemeClr val="accent1">
-              <a:shade val="80000"/>
-              <a:hueOff val="0"/>
-              <a:satOff val="0"/>
-              <a:lumOff val="0"/>
-              <a:alphaOff val="0"/>
-            </a:schemeClr>
-          </a:solidFill>
-          <a:prstDash val="solid"/>
-          <a:miter lim="800000"/>
-        </a:ln>
-        <a:effectLst/>
-      </dsp:spPr>
-      <dsp:style>
-        <a:lnRef idx="2">
-          <a:scrgbClr r="0" g="0" b="0"/>
-        </a:lnRef>
-        <a:fillRef idx="0">
-          <a:scrgbClr r="0" g="0" b="0"/>
-        </a:fillRef>
-        <a:effectRef idx="0">
-          <a:scrgbClr r="0" g="0" b="0"/>
-        </a:effectRef>
-        <a:fontRef idx="minor"/>
-      </dsp:style>
-    </dsp:sp>
-    <dsp:sp modelId="{C40F3056-348C-4839-8FB5-7532DAEAD4EB}">
-      <dsp:nvSpPr>
-        <dsp:cNvPr id="0" name=""/>
-        <dsp:cNvSpPr/>
-      </dsp:nvSpPr>
-      <dsp:spPr>
-        <a:xfrm>
-          <a:off x="5701928" y="777942"/>
-          <a:ext cx="5416160" cy="2126005"/>
-        </a:xfrm>
-        <a:custGeom>
-          <a:avLst/>
-          <a:gdLst/>
-          <a:ahLst/>
-          <a:cxnLst/>
-          <a:rect l="0" t="0" r="0" b="0"/>
-          <a:pathLst>
-            <a:path>
-              <a:moveTo>
-                <a:pt x="0" y="0"/>
-              </a:moveTo>
-              <a:lnTo>
-                <a:pt x="0" y="2034880"/>
-              </a:lnTo>
-              <a:lnTo>
-                <a:pt x="5416160" y="2034880"/>
-              </a:lnTo>
-              <a:lnTo>
-                <a:pt x="5416160" y="2126005"/>
-              </a:lnTo>
-            </a:path>
-          </a:pathLst>
-        </a:custGeom>
-        <a:noFill/>
-        <a:ln w="12700" cap="flat" cmpd="sng" algn="ctr">
-          <a:solidFill>
-            <a:schemeClr val="accent1">
-              <a:shade val="60000"/>
-              <a:hueOff val="0"/>
-              <a:satOff val="0"/>
-              <a:lumOff val="0"/>
-              <a:alphaOff val="0"/>
-            </a:schemeClr>
-          </a:solidFill>
-          <a:prstDash val="solid"/>
-          <a:miter lim="800000"/>
-        </a:ln>
-        <a:effectLst/>
-      </dsp:spPr>
-      <dsp:style>
-        <a:lnRef idx="2">
-          <a:scrgbClr r="0" g="0" b="0"/>
-        </a:lnRef>
-        <a:fillRef idx="0">
-          <a:scrgbClr r="0" g="0" b="0"/>
-        </a:fillRef>
-        <a:effectRef idx="0">
-          <a:scrgbClr r="0" g="0" b="0"/>
-        </a:effectRef>
-        <a:fontRef idx="minor"/>
-      </dsp:style>
-    </dsp:sp>
-    <dsp:sp modelId="{04E9606A-0524-4A97-AE53-27041C1DD722}">
-      <dsp:nvSpPr>
-        <dsp:cNvPr id="0" name=""/>
-        <dsp:cNvSpPr/>
-      </dsp:nvSpPr>
-      <dsp:spPr>
-        <a:xfrm>
-          <a:off x="8328698" y="3286160"/>
-          <a:ext cx="505980" cy="225642"/>
-        </a:xfrm>
-        <a:custGeom>
-          <a:avLst/>
-          <a:gdLst/>
-          <a:ahLst/>
-          <a:cxnLst/>
-          <a:rect l="0" t="0" r="0" b="0"/>
-          <a:pathLst>
-            <a:path>
-              <a:moveTo>
-                <a:pt x="0" y="0"/>
-              </a:moveTo>
-              <a:lnTo>
-                <a:pt x="0" y="134517"/>
-              </a:lnTo>
-              <a:lnTo>
-                <a:pt x="505980" y="134517"/>
-              </a:lnTo>
-              <a:lnTo>
-                <a:pt x="505980" y="225642"/>
-              </a:lnTo>
-            </a:path>
-          </a:pathLst>
-        </a:custGeom>
-        <a:noFill/>
-        <a:ln w="12700" cap="flat" cmpd="sng" algn="ctr">
-          <a:solidFill>
-            <a:schemeClr val="accent1">
-              <a:shade val="80000"/>
-              <a:hueOff val="0"/>
-              <a:satOff val="0"/>
-              <a:lumOff val="0"/>
-              <a:alphaOff val="0"/>
-            </a:schemeClr>
-          </a:solidFill>
-          <a:prstDash val="solid"/>
-          <a:miter lim="800000"/>
-        </a:ln>
-        <a:effectLst/>
-      </dsp:spPr>
-      <dsp:style>
-        <a:lnRef idx="2">
-          <a:scrgbClr r="0" g="0" b="0"/>
-        </a:lnRef>
-        <a:fillRef idx="0">
-          <a:scrgbClr r="0" g="0" b="0"/>
-        </a:fillRef>
-        <a:effectRef idx="0">
-          <a:scrgbClr r="0" g="0" b="0"/>
-        </a:effectRef>
-        <a:fontRef idx="minor"/>
-      </dsp:style>
-    </dsp:sp>
-    <dsp:sp modelId="{29E9665A-8523-4979-A9A9-9985C65AD5BF}">
-      <dsp:nvSpPr>
-        <dsp:cNvPr id="0" name=""/>
-        <dsp:cNvSpPr/>
-      </dsp:nvSpPr>
-      <dsp:spPr>
-        <a:xfrm>
-          <a:off x="7822718" y="3286160"/>
-          <a:ext cx="505980" cy="225642"/>
-        </a:xfrm>
-        <a:custGeom>
-          <a:avLst/>
-          <a:gdLst/>
-          <a:ahLst/>
-          <a:cxnLst/>
-          <a:rect l="0" t="0" r="0" b="0"/>
-          <a:pathLst>
-            <a:path>
-              <a:moveTo>
-                <a:pt x="505980" y="0"/>
-              </a:moveTo>
-              <a:lnTo>
-                <a:pt x="505980" y="134517"/>
-              </a:lnTo>
-              <a:lnTo>
-                <a:pt x="0" y="134517"/>
-              </a:lnTo>
-              <a:lnTo>
-                <a:pt x="0" y="225642"/>
-              </a:lnTo>
-            </a:path>
-          </a:pathLst>
-        </a:custGeom>
-        <a:noFill/>
-        <a:ln w="12700" cap="flat" cmpd="sng" algn="ctr">
-          <a:solidFill>
-            <a:schemeClr val="accent1">
-              <a:shade val="80000"/>
-              <a:hueOff val="0"/>
-              <a:satOff val="0"/>
-              <a:lumOff val="0"/>
-              <a:alphaOff val="0"/>
-            </a:schemeClr>
-          </a:solidFill>
-          <a:prstDash val="solid"/>
-          <a:miter lim="800000"/>
-        </a:ln>
-        <a:effectLst/>
-      </dsp:spPr>
-      <dsp:style>
-        <a:lnRef idx="2">
-          <a:scrgbClr r="0" g="0" b="0"/>
-        </a:lnRef>
-        <a:fillRef idx="0">
-          <a:scrgbClr r="0" g="0" b="0"/>
-        </a:fillRef>
-        <a:effectRef idx="0">
-          <a:scrgbClr r="0" g="0" b="0"/>
-        </a:effectRef>
-        <a:fontRef idx="minor"/>
-      </dsp:style>
-    </dsp:sp>
-    <dsp:sp modelId="{CC3A7496-1B4D-4162-A553-EB4E0CE86024}">
-      <dsp:nvSpPr>
-        <dsp:cNvPr id="0" name=""/>
-        <dsp:cNvSpPr/>
-      </dsp:nvSpPr>
-      <dsp:spPr>
-        <a:xfrm>
-          <a:off x="5701928" y="777942"/>
-          <a:ext cx="2626769" cy="2117683"/>
-        </a:xfrm>
-        <a:custGeom>
-          <a:avLst/>
-          <a:gdLst/>
-          <a:ahLst/>
-          <a:cxnLst/>
-          <a:rect l="0" t="0" r="0" b="0"/>
-          <a:pathLst>
-            <a:path>
-              <a:moveTo>
-                <a:pt x="0" y="0"/>
-              </a:moveTo>
-              <a:lnTo>
-                <a:pt x="0" y="2026558"/>
-              </a:lnTo>
-              <a:lnTo>
-                <a:pt x="2626769" y="2026558"/>
-              </a:lnTo>
-              <a:lnTo>
-                <a:pt x="2626769" y="2117683"/>
-              </a:lnTo>
-            </a:path>
-          </a:pathLst>
-        </a:custGeom>
-        <a:noFill/>
-        <a:ln w="12700" cap="flat" cmpd="sng" algn="ctr">
-          <a:solidFill>
-            <a:schemeClr val="accent1">
-              <a:shade val="60000"/>
-              <a:hueOff val="0"/>
-              <a:satOff val="0"/>
-              <a:lumOff val="0"/>
-              <a:alphaOff val="0"/>
-            </a:schemeClr>
-          </a:solidFill>
-          <a:prstDash val="solid"/>
-          <a:miter lim="800000"/>
-        </a:ln>
-        <a:effectLst/>
-      </dsp:spPr>
-      <dsp:style>
-        <a:lnRef idx="2">
-          <a:scrgbClr r="0" g="0" b="0"/>
-        </a:lnRef>
-        <a:fillRef idx="0">
-          <a:scrgbClr r="0" g="0" b="0"/>
-        </a:fillRef>
-        <a:effectRef idx="0">
-          <a:scrgbClr r="0" g="0" b="0"/>
-        </a:effectRef>
-        <a:fontRef idx="minor"/>
-      </dsp:style>
-    </dsp:sp>
-    <dsp:sp modelId="{A2DC62C8-A6EB-4BF0-A343-4B7E2267ACE8}">
-      <dsp:nvSpPr>
-        <dsp:cNvPr id="0" name=""/>
-        <dsp:cNvSpPr/>
-      </dsp:nvSpPr>
-      <dsp:spPr>
-        <a:xfrm>
-          <a:off x="5701928" y="777942"/>
-          <a:ext cx="2752132" cy="1293561"/>
-        </a:xfrm>
-        <a:custGeom>
-          <a:avLst/>
-          <a:gdLst/>
-          <a:ahLst/>
-          <a:cxnLst/>
-          <a:rect l="0" t="0" r="0" b="0"/>
-          <a:pathLst>
-            <a:path>
-              <a:moveTo>
-                <a:pt x="0" y="0"/>
-              </a:moveTo>
-              <a:lnTo>
-                <a:pt x="0" y="1202437"/>
-              </a:lnTo>
-              <a:lnTo>
-                <a:pt x="2752132" y="1202437"/>
-              </a:lnTo>
-              <a:lnTo>
-                <a:pt x="2752132" y="1293561"/>
-              </a:lnTo>
-            </a:path>
-          </a:pathLst>
-        </a:custGeom>
-        <a:noFill/>
-        <a:ln w="12700" cap="flat" cmpd="sng" algn="ctr">
-          <a:solidFill>
-            <a:schemeClr val="accent1">
-              <a:shade val="60000"/>
-              <a:hueOff val="0"/>
-              <a:satOff val="0"/>
-              <a:lumOff val="0"/>
-              <a:alphaOff val="0"/>
-            </a:schemeClr>
-          </a:solidFill>
-          <a:prstDash val="solid"/>
-          <a:miter lim="800000"/>
-        </a:ln>
-        <a:effectLst/>
-      </dsp:spPr>
-      <dsp:style>
-        <a:lnRef idx="2">
-          <a:scrgbClr r="0" g="0" b="0"/>
-        </a:lnRef>
-        <a:fillRef idx="0">
-          <a:scrgbClr r="0" g="0" b="0"/>
-        </a:fillRef>
-        <a:effectRef idx="0">
-          <a:scrgbClr r="0" g="0" b="0"/>
-        </a:effectRef>
-        <a:fontRef idx="minor"/>
-      </dsp:style>
-    </dsp:sp>
-    <dsp:sp modelId="{8BA98E0A-A619-4440-8B4C-83924A4097B9}">
-      <dsp:nvSpPr>
-        <dsp:cNvPr id="0" name=""/>
-        <dsp:cNvSpPr/>
-      </dsp:nvSpPr>
-      <dsp:spPr>
-        <a:xfrm>
-          <a:off x="5701928" y="777942"/>
-          <a:ext cx="1497941" cy="2117683"/>
-        </a:xfrm>
-        <a:custGeom>
-          <a:avLst/>
-          <a:gdLst/>
-          <a:ahLst/>
-          <a:cxnLst/>
-          <a:rect l="0" t="0" r="0" b="0"/>
-          <a:pathLst>
-            <a:path>
-              <a:moveTo>
-                <a:pt x="0" y="0"/>
-              </a:moveTo>
-              <a:lnTo>
-                <a:pt x="0" y="2026558"/>
-              </a:lnTo>
-              <a:lnTo>
-                <a:pt x="1497941" y="2026558"/>
-              </a:lnTo>
-              <a:lnTo>
-                <a:pt x="1497941" y="2117683"/>
-              </a:lnTo>
-            </a:path>
-          </a:pathLst>
-        </a:custGeom>
-        <a:noFill/>
-        <a:ln w="12700" cap="flat" cmpd="sng" algn="ctr">
-          <a:solidFill>
-            <a:schemeClr val="accent1">
-              <a:shade val="60000"/>
-              <a:hueOff val="0"/>
-              <a:satOff val="0"/>
-              <a:lumOff val="0"/>
-              <a:alphaOff val="0"/>
-            </a:schemeClr>
-          </a:solidFill>
-          <a:prstDash val="solid"/>
-          <a:miter lim="800000"/>
-        </a:ln>
-        <a:effectLst/>
-      </dsp:spPr>
-      <dsp:style>
-        <a:lnRef idx="2">
-          <a:scrgbClr r="0" g="0" b="0"/>
-        </a:lnRef>
-        <a:fillRef idx="0">
-          <a:scrgbClr r="0" g="0" b="0"/>
-        </a:fillRef>
-        <a:effectRef idx="0">
-          <a:scrgbClr r="0" g="0" b="0"/>
-        </a:effectRef>
-        <a:fontRef idx="minor"/>
-      </dsp:style>
-    </dsp:sp>
-    <dsp:sp modelId="{4FC0B709-2FD3-435C-A778-E0A0FCB0CF86}">
-      <dsp:nvSpPr>
-        <dsp:cNvPr id="0" name=""/>
-        <dsp:cNvSpPr/>
-      </dsp:nvSpPr>
-      <dsp:spPr>
-        <a:xfrm>
-          <a:off x="5701928" y="777942"/>
-          <a:ext cx="485980" cy="2117683"/>
-        </a:xfrm>
-        <a:custGeom>
-          <a:avLst/>
-          <a:gdLst/>
-          <a:ahLst/>
-          <a:cxnLst/>
-          <a:rect l="0" t="0" r="0" b="0"/>
-          <a:pathLst>
-            <a:path>
-              <a:moveTo>
-                <a:pt x="0" y="0"/>
-              </a:moveTo>
-              <a:lnTo>
-                <a:pt x="0" y="2026558"/>
-              </a:lnTo>
-              <a:lnTo>
-                <a:pt x="485980" y="2026558"/>
-              </a:lnTo>
-              <a:lnTo>
-                <a:pt x="485980" y="2117683"/>
-              </a:lnTo>
-            </a:path>
-          </a:pathLst>
-        </a:custGeom>
-        <a:noFill/>
-        <a:ln w="12700" cap="flat" cmpd="sng" algn="ctr">
-          <a:solidFill>
-            <a:schemeClr val="accent1">
-              <a:shade val="60000"/>
-              <a:hueOff val="0"/>
-              <a:satOff val="0"/>
-              <a:lumOff val="0"/>
-              <a:alphaOff val="0"/>
-            </a:schemeClr>
-          </a:solidFill>
-          <a:prstDash val="solid"/>
-          <a:miter lim="800000"/>
-        </a:ln>
-        <a:effectLst/>
-      </dsp:spPr>
-      <dsp:style>
-        <a:lnRef idx="2">
-          <a:scrgbClr r="0" g="0" b="0"/>
-        </a:lnRef>
-        <a:fillRef idx="0">
-          <a:scrgbClr r="0" g="0" b="0"/>
-        </a:fillRef>
-        <a:effectRef idx="0">
-          <a:scrgbClr r="0" g="0" b="0"/>
-        </a:effectRef>
-        <a:fontRef idx="minor"/>
-      </dsp:style>
-    </dsp:sp>
-    <dsp:sp modelId="{8845CA0E-BE2B-4F5A-855D-010C1ECEB759}">
-      <dsp:nvSpPr>
-        <dsp:cNvPr id="0" name=""/>
-        <dsp:cNvSpPr/>
-      </dsp:nvSpPr>
-      <dsp:spPr>
-        <a:xfrm>
-          <a:off x="5175948" y="777942"/>
-          <a:ext cx="525979" cy="2117683"/>
-        </a:xfrm>
-        <a:custGeom>
-          <a:avLst/>
-          <a:gdLst/>
-          <a:ahLst/>
-          <a:cxnLst/>
-          <a:rect l="0" t="0" r="0" b="0"/>
-          <a:pathLst>
-            <a:path>
-              <a:moveTo>
-                <a:pt x="525979" y="0"/>
-              </a:moveTo>
-              <a:lnTo>
-                <a:pt x="525979" y="2026558"/>
-              </a:lnTo>
-              <a:lnTo>
-                <a:pt x="0" y="2026558"/>
-              </a:lnTo>
-              <a:lnTo>
-                <a:pt x="0" y="2117683"/>
-              </a:lnTo>
-            </a:path>
-          </a:pathLst>
-        </a:custGeom>
-        <a:noFill/>
-        <a:ln w="12700" cap="flat" cmpd="sng" algn="ctr">
-          <a:solidFill>
-            <a:schemeClr val="accent1">
-              <a:shade val="60000"/>
-              <a:hueOff val="0"/>
-              <a:satOff val="0"/>
-              <a:lumOff val="0"/>
-              <a:alphaOff val="0"/>
-            </a:schemeClr>
-          </a:solidFill>
-          <a:prstDash val="solid"/>
-          <a:miter lim="800000"/>
-        </a:ln>
-        <a:effectLst/>
-      </dsp:spPr>
-      <dsp:style>
-        <a:lnRef idx="2">
-          <a:scrgbClr r="0" g="0" b="0"/>
-        </a:lnRef>
-        <a:fillRef idx="0">
-          <a:scrgbClr r="0" g="0" b="0"/>
-        </a:fillRef>
-        <a:effectRef idx="0">
-          <a:scrgbClr r="0" g="0" b="0"/>
-        </a:effectRef>
-        <a:fontRef idx="minor"/>
-      </dsp:style>
-    </dsp:sp>
-    <dsp:sp modelId="{4A414198-6913-4403-B86E-D9CC3557EE96}">
-      <dsp:nvSpPr>
-        <dsp:cNvPr id="0" name=""/>
-        <dsp:cNvSpPr/>
-      </dsp:nvSpPr>
-      <dsp:spPr>
-        <a:xfrm>
-          <a:off x="4163988" y="777942"/>
-          <a:ext cx="1537940" cy="2117683"/>
-        </a:xfrm>
-        <a:custGeom>
-          <a:avLst/>
-          <a:gdLst/>
-          <a:ahLst/>
-          <a:cxnLst/>
-          <a:rect l="0" t="0" r="0" b="0"/>
-          <a:pathLst>
-            <a:path>
-              <a:moveTo>
-                <a:pt x="1537940" y="0"/>
-              </a:moveTo>
-              <a:lnTo>
-                <a:pt x="1537940" y="2026558"/>
-              </a:lnTo>
-              <a:lnTo>
-                <a:pt x="0" y="2026558"/>
-              </a:lnTo>
-              <a:lnTo>
-                <a:pt x="0" y="2117683"/>
-              </a:lnTo>
-            </a:path>
-          </a:pathLst>
-        </a:custGeom>
-        <a:noFill/>
-        <a:ln w="12700" cap="flat" cmpd="sng" algn="ctr">
-          <a:solidFill>
-            <a:schemeClr val="accent1">
-              <a:shade val="60000"/>
-              <a:hueOff val="0"/>
-              <a:satOff val="0"/>
-              <a:lumOff val="0"/>
-              <a:alphaOff val="0"/>
-            </a:schemeClr>
-          </a:solidFill>
-          <a:prstDash val="solid"/>
-          <a:miter lim="800000"/>
-        </a:ln>
-        <a:effectLst/>
-      </dsp:spPr>
-      <dsp:style>
-        <a:lnRef idx="2">
-          <a:scrgbClr r="0" g="0" b="0"/>
-        </a:lnRef>
-        <a:fillRef idx="0">
-          <a:scrgbClr r="0" g="0" b="0"/>
-        </a:fillRef>
-        <a:effectRef idx="0">
-          <a:scrgbClr r="0" g="0" b="0"/>
-        </a:effectRef>
-        <a:fontRef idx="minor"/>
-      </dsp:style>
-    </dsp:sp>
-    <dsp:sp modelId="{CE2E4353-BD8A-4F45-A638-E6358569883D}">
-      <dsp:nvSpPr>
-        <dsp:cNvPr id="0" name=""/>
-        <dsp:cNvSpPr/>
-      </dsp:nvSpPr>
-      <dsp:spPr>
-        <a:xfrm>
-          <a:off x="3152027" y="3286160"/>
-          <a:ext cx="505980" cy="225642"/>
-        </a:xfrm>
-        <a:custGeom>
-          <a:avLst/>
-          <a:gdLst/>
-          <a:ahLst/>
-          <a:cxnLst/>
-          <a:rect l="0" t="0" r="0" b="0"/>
-          <a:pathLst>
-            <a:path>
-              <a:moveTo>
-                <a:pt x="0" y="0"/>
-              </a:moveTo>
-              <a:lnTo>
-                <a:pt x="0" y="134517"/>
-              </a:lnTo>
-              <a:lnTo>
-                <a:pt x="505980" y="134517"/>
-              </a:lnTo>
-              <a:lnTo>
-                <a:pt x="505980" y="225642"/>
-              </a:lnTo>
-            </a:path>
-          </a:pathLst>
-        </a:custGeom>
-        <a:noFill/>
-        <a:ln w="12700" cap="flat" cmpd="sng" algn="ctr">
-          <a:solidFill>
-            <a:schemeClr val="accent1">
-              <a:shade val="80000"/>
-              <a:hueOff val="0"/>
-              <a:satOff val="0"/>
-              <a:lumOff val="0"/>
-              <a:alphaOff val="0"/>
-            </a:schemeClr>
-          </a:solidFill>
-          <a:prstDash val="solid"/>
-          <a:miter lim="800000"/>
-        </a:ln>
-        <a:effectLst/>
-      </dsp:spPr>
-      <dsp:style>
-        <a:lnRef idx="2">
-          <a:scrgbClr r="0" g="0" b="0"/>
-        </a:lnRef>
-        <a:fillRef idx="0">
-          <a:scrgbClr r="0" g="0" b="0"/>
-        </a:fillRef>
-        <a:effectRef idx="0">
-          <a:scrgbClr r="0" g="0" b="0"/>
-        </a:effectRef>
-        <a:fontRef idx="minor"/>
-      </dsp:style>
-    </dsp:sp>
-    <dsp:sp modelId="{A915B997-D069-4A8C-B1E7-D46EF803B71E}">
-      <dsp:nvSpPr>
-        <dsp:cNvPr id="0" name=""/>
-        <dsp:cNvSpPr/>
-      </dsp:nvSpPr>
-      <dsp:spPr>
-        <a:xfrm>
-          <a:off x="2646047" y="3286160"/>
-          <a:ext cx="505980" cy="225642"/>
-        </a:xfrm>
-        <a:custGeom>
-          <a:avLst/>
-          <a:gdLst/>
-          <a:ahLst/>
-          <a:cxnLst/>
-          <a:rect l="0" t="0" r="0" b="0"/>
-          <a:pathLst>
-            <a:path>
-              <a:moveTo>
-                <a:pt x="505980" y="0"/>
-              </a:moveTo>
-              <a:lnTo>
-                <a:pt x="505980" y="134517"/>
-              </a:lnTo>
-              <a:lnTo>
-                <a:pt x="0" y="134517"/>
-              </a:lnTo>
-              <a:lnTo>
-                <a:pt x="0" y="225642"/>
-              </a:lnTo>
-            </a:path>
-          </a:pathLst>
-        </a:custGeom>
-        <a:noFill/>
-        <a:ln w="12700" cap="flat" cmpd="sng" algn="ctr">
-          <a:solidFill>
-            <a:schemeClr val="accent1">
-              <a:shade val="80000"/>
-              <a:hueOff val="0"/>
-              <a:satOff val="0"/>
-              <a:lumOff val="0"/>
-              <a:alphaOff val="0"/>
-            </a:schemeClr>
-          </a:solidFill>
-          <a:prstDash val="solid"/>
-          <a:miter lim="800000"/>
-        </a:ln>
-        <a:effectLst/>
-      </dsp:spPr>
-      <dsp:style>
-        <a:lnRef idx="2">
-          <a:scrgbClr r="0" g="0" b="0"/>
-        </a:lnRef>
-        <a:fillRef idx="0">
-          <a:scrgbClr r="0" g="0" b="0"/>
-        </a:fillRef>
-        <a:effectRef idx="0">
-          <a:scrgbClr r="0" g="0" b="0"/>
-        </a:effectRef>
-        <a:fontRef idx="minor"/>
-      </dsp:style>
-    </dsp:sp>
-    <dsp:sp modelId="{6B22B48A-0202-4F36-B2F7-FB3011BAC22B}">
-      <dsp:nvSpPr>
-        <dsp:cNvPr id="0" name=""/>
-        <dsp:cNvSpPr/>
-      </dsp:nvSpPr>
-      <dsp:spPr>
-        <a:xfrm>
-          <a:off x="3152027" y="777942"/>
-          <a:ext cx="2549901" cy="2117683"/>
-        </a:xfrm>
-        <a:custGeom>
-          <a:avLst/>
-          <a:gdLst/>
-          <a:ahLst/>
-          <a:cxnLst/>
-          <a:rect l="0" t="0" r="0" b="0"/>
-          <a:pathLst>
-            <a:path>
-              <a:moveTo>
-                <a:pt x="2549901" y="0"/>
-              </a:moveTo>
-              <a:lnTo>
-                <a:pt x="2549901" y="2026558"/>
-              </a:lnTo>
-              <a:lnTo>
-                <a:pt x="0" y="2026558"/>
-              </a:lnTo>
-              <a:lnTo>
-                <a:pt x="0" y="2117683"/>
-              </a:lnTo>
-            </a:path>
-          </a:pathLst>
-        </a:custGeom>
-        <a:noFill/>
-        <a:ln w="12700" cap="flat" cmpd="sng" algn="ctr">
-          <a:solidFill>
-            <a:schemeClr val="accent1">
-              <a:shade val="60000"/>
-              <a:hueOff val="0"/>
-              <a:satOff val="0"/>
-              <a:lumOff val="0"/>
-              <a:alphaOff val="0"/>
-            </a:schemeClr>
-          </a:solidFill>
-          <a:prstDash val="solid"/>
-          <a:miter lim="800000"/>
-        </a:ln>
-        <a:effectLst/>
-      </dsp:spPr>
-      <dsp:style>
-        <a:lnRef idx="2">
-          <a:scrgbClr r="0" g="0" b="0"/>
-        </a:lnRef>
-        <a:fillRef idx="0">
-          <a:scrgbClr r="0" g="0" b="0"/>
-        </a:fillRef>
-        <a:effectRef idx="0">
-          <a:scrgbClr r="0" g="0" b="0"/>
-        </a:effectRef>
-        <a:fontRef idx="minor"/>
-      </dsp:style>
-    </dsp:sp>
-    <dsp:sp modelId="{544E9106-F8F5-4B6A-996B-D0DD8FAA5BC1}">
-      <dsp:nvSpPr>
-        <dsp:cNvPr id="0" name=""/>
-        <dsp:cNvSpPr/>
-      </dsp:nvSpPr>
-      <dsp:spPr>
-        <a:xfrm>
-          <a:off x="1458743" y="3294482"/>
-          <a:ext cx="91440" cy="225642"/>
-        </a:xfrm>
-        <a:custGeom>
-          <a:avLst/>
-          <a:gdLst/>
-          <a:ahLst/>
-          <a:cxnLst/>
-          <a:rect l="0" t="0" r="0" b="0"/>
-          <a:pathLst>
-            <a:path>
-              <a:moveTo>
-                <a:pt x="45720" y="0"/>
-              </a:moveTo>
-              <a:lnTo>
-                <a:pt x="45720" y="225642"/>
-              </a:lnTo>
-            </a:path>
-          </a:pathLst>
-        </a:custGeom>
-        <a:noFill/>
-        <a:ln w="12700" cap="flat" cmpd="sng" algn="ctr">
-          <a:solidFill>
-            <a:schemeClr val="accent1">
-              <a:shade val="80000"/>
-              <a:hueOff val="0"/>
-              <a:satOff val="0"/>
-              <a:lumOff val="0"/>
-              <a:alphaOff val="0"/>
-            </a:schemeClr>
-          </a:solidFill>
-          <a:prstDash val="solid"/>
-          <a:miter lim="800000"/>
-        </a:ln>
-        <a:effectLst/>
-      </dsp:spPr>
-      <dsp:style>
-        <a:lnRef idx="2">
-          <a:scrgbClr r="0" g="0" b="0"/>
-        </a:lnRef>
-        <a:fillRef idx="0">
-          <a:scrgbClr r="0" g="0" b="0"/>
-        </a:fillRef>
-        <a:effectRef idx="0">
-          <a:scrgbClr r="0" g="0" b="0"/>
-        </a:effectRef>
-        <a:fontRef idx="minor"/>
-      </dsp:style>
-    </dsp:sp>
-    <dsp:sp modelId="{45A787A3-FFA2-407A-BB12-A7C99D2DDA1B}">
-      <dsp:nvSpPr>
-        <dsp:cNvPr id="0" name=""/>
-        <dsp:cNvSpPr/>
-      </dsp:nvSpPr>
-      <dsp:spPr>
-        <a:xfrm>
-          <a:off x="1504463" y="777942"/>
-          <a:ext cx="4197465" cy="2126005"/>
-        </a:xfrm>
-        <a:custGeom>
-          <a:avLst/>
-          <a:gdLst/>
-          <a:ahLst/>
-          <a:cxnLst/>
-          <a:rect l="0" t="0" r="0" b="0"/>
-          <a:pathLst>
-            <a:path>
-              <a:moveTo>
-                <a:pt x="4197465" y="0"/>
-              </a:moveTo>
-              <a:lnTo>
-                <a:pt x="4197465" y="2034880"/>
-              </a:lnTo>
-              <a:lnTo>
-                <a:pt x="0" y="2034880"/>
-              </a:lnTo>
-              <a:lnTo>
-                <a:pt x="0" y="2126005"/>
-              </a:lnTo>
-            </a:path>
-          </a:pathLst>
-        </a:custGeom>
-        <a:noFill/>
-        <a:ln w="12700" cap="flat" cmpd="sng" algn="ctr">
-          <a:solidFill>
-            <a:schemeClr val="accent1">
-              <a:shade val="60000"/>
-              <a:hueOff val="0"/>
-              <a:satOff val="0"/>
-              <a:lumOff val="0"/>
-              <a:alphaOff val="0"/>
-            </a:schemeClr>
-          </a:solidFill>
-          <a:prstDash val="solid"/>
-          <a:miter lim="800000"/>
-        </a:ln>
-        <a:effectLst/>
-      </dsp:spPr>
-      <dsp:style>
-        <a:lnRef idx="2">
-          <a:scrgbClr r="0" g="0" b="0"/>
-        </a:lnRef>
-        <a:fillRef idx="0">
-          <a:scrgbClr r="0" g="0" b="0"/>
-        </a:fillRef>
-        <a:effectRef idx="0">
-          <a:scrgbClr r="0" g="0" b="0"/>
-        </a:effectRef>
-        <a:fontRef idx="minor"/>
-      </dsp:style>
-    </dsp:sp>
-    <dsp:sp modelId="{A6BB3BB5-F189-4A90-B369-04D4E83D3F6C}">
-      <dsp:nvSpPr>
-        <dsp:cNvPr id="0" name=""/>
-        <dsp:cNvSpPr/>
-      </dsp:nvSpPr>
-      <dsp:spPr>
-        <a:xfrm>
-          <a:off x="4518683" y="777942"/>
-          <a:ext cx="1183244" cy="328914"/>
-        </a:xfrm>
-        <a:custGeom>
-          <a:avLst/>
-          <a:gdLst/>
-          <a:ahLst/>
-          <a:cxnLst/>
-          <a:rect l="0" t="0" r="0" b="0"/>
-          <a:pathLst>
-            <a:path>
-              <a:moveTo>
-                <a:pt x="1183244" y="0"/>
-              </a:moveTo>
-              <a:lnTo>
-                <a:pt x="1183244" y="237790"/>
-              </a:lnTo>
-              <a:lnTo>
-                <a:pt x="0" y="237790"/>
-              </a:lnTo>
-              <a:lnTo>
-                <a:pt x="0" y="328914"/>
-              </a:lnTo>
-            </a:path>
-          </a:pathLst>
-        </a:custGeom>
-        <a:noFill/>
-        <a:ln w="12700" cap="flat" cmpd="sng" algn="ctr">
-          <a:solidFill>
-            <a:schemeClr val="accent1">
-              <a:shade val="60000"/>
-              <a:hueOff val="0"/>
-              <a:satOff val="0"/>
-              <a:lumOff val="0"/>
-              <a:alphaOff val="0"/>
-            </a:schemeClr>
-          </a:solidFill>
-          <a:prstDash val="solid"/>
-          <a:miter lim="800000"/>
-        </a:ln>
-        <a:effectLst/>
-      </dsp:spPr>
-      <dsp:style>
-        <a:lnRef idx="2">
-          <a:scrgbClr r="0" g="0" b="0"/>
-        </a:lnRef>
-        <a:fillRef idx="0">
-          <a:scrgbClr r="0" g="0" b="0"/>
-        </a:fillRef>
-        <a:effectRef idx="0">
-          <a:scrgbClr r="0" g="0" b="0"/>
-        </a:effectRef>
-        <a:fontRef idx="minor"/>
-      </dsp:style>
-    </dsp:sp>
-    <dsp:sp modelId="{555700FD-AA40-4582-B659-59AC4E37F049}">
-      <dsp:nvSpPr>
-        <dsp:cNvPr id="0" name=""/>
-        <dsp:cNvSpPr/>
-      </dsp:nvSpPr>
-      <dsp:spPr>
-        <a:xfrm>
-          <a:off x="5324787" y="387408"/>
-          <a:ext cx="754282" cy="390534"/>
-        </a:xfrm>
-        <a:prstGeom prst="rect">
-          <a:avLst/>
-        </a:prstGeom>
-        <a:solidFill>
-          <a:schemeClr val="accent1">
-            <a:hueOff val="0"/>
-            <a:satOff val="0"/>
-            <a:lumOff val="0"/>
-            <a:alphaOff val="0"/>
-          </a:schemeClr>
-        </a:solidFill>
-        <a:ln w="12700" cap="flat" cmpd="sng" algn="ctr">
-          <a:solidFill>
-            <a:schemeClr val="lt1">
-              <a:hueOff val="0"/>
-              <a:satOff val="0"/>
-              <a:lumOff val="0"/>
-              <a:alphaOff val="0"/>
-            </a:schemeClr>
-          </a:solidFill>
-          <a:prstDash val="solid"/>
-          <a:miter lim="800000"/>
-        </a:ln>
-        <a:effectLst/>
-      </dsp:spPr>
-      <dsp:style>
-        <a:lnRef idx="2">
-          <a:scrgbClr r="0" g="0" b="0"/>
-        </a:lnRef>
-        <a:fillRef idx="1">
-          <a:scrgbClr r="0" g="0" b="0"/>
-        </a:fillRef>
-        <a:effectRef idx="0">
-          <a:scrgbClr r="0" g="0" b="0"/>
-        </a:effectRef>
-        <a:fontRef idx="minor">
-          <a:schemeClr val="lt1"/>
-        </a:fontRef>
-      </dsp:style>
-      <dsp:txBody>
-        <a:bodyPr spcFirstLastPara="0" vert="horz" wrap="square" lIns="6350" tIns="6350" rIns="6350" bIns="55109" numCol="1" spcCol="1270" anchor="ctr" anchorCtr="0">
-          <a:noAutofit/>
-        </a:bodyPr>
-        <a:lstStyle/>
-        <a:p>
-          <a:pPr lvl="0" algn="ctr" defTabSz="444500">
-            <a:lnSpc>
-              <a:spcPct val="90000"/>
-            </a:lnSpc>
-            <a:spcBef>
-              <a:spcPct val="0"/>
-            </a:spcBef>
-            <a:spcAft>
-              <a:spcPct val="35000"/>
-            </a:spcAft>
-          </a:pPr>
-          <a:r>
-            <a:rPr lang="en-US" sz="1000" kern="1200" dirty="0" err="1" smtClean="0">
-              <a:ln>
-                <a:noFill/>
-              </a:ln>
-            </a:rPr>
-            <a:t>RPi</a:t>
-          </a:r>
-          <a:r>
-            <a:rPr lang="en-US" sz="1000" kern="1200" dirty="0" smtClean="0">
-              <a:ln>
-                <a:noFill/>
-              </a:ln>
-            </a:rPr>
-            <a:t> 3</a:t>
-          </a:r>
-          <a:endParaRPr lang="en-US" sz="1000" kern="1200" dirty="0"/>
-        </a:p>
-      </dsp:txBody>
-      <dsp:txXfrm>
-        <a:off x="5324787" y="387408"/>
-        <a:ext cx="754282" cy="390534"/>
-      </dsp:txXfrm>
-    </dsp:sp>
-    <dsp:sp modelId="{1F05F368-BF99-46C6-A7E9-3EBDC2C62F57}">
-      <dsp:nvSpPr>
-        <dsp:cNvPr id="0" name=""/>
-        <dsp:cNvSpPr/>
-      </dsp:nvSpPr>
-      <dsp:spPr>
-        <a:xfrm>
-          <a:off x="5817139" y="676996"/>
-          <a:ext cx="678854" cy="130178"/>
-        </a:xfrm>
-        <a:prstGeom prst="rect">
-          <a:avLst/>
-        </a:prstGeom>
-        <a:solidFill>
-          <a:schemeClr val="lt1">
-            <a:alpha val="90000"/>
-            <a:hueOff val="0"/>
-            <a:satOff val="0"/>
-            <a:lumOff val="0"/>
-            <a:alphaOff val="0"/>
-          </a:schemeClr>
-        </a:solidFill>
-        <a:ln w="12700" cap="flat" cmpd="sng" algn="ctr">
-          <a:solidFill>
-            <a:schemeClr val="accent1">
-              <a:hueOff val="0"/>
-              <a:satOff val="0"/>
-              <a:lumOff val="0"/>
-              <a:alphaOff val="0"/>
-            </a:schemeClr>
-          </a:solidFill>
-          <a:prstDash val="solid"/>
-          <a:miter lim="800000"/>
-        </a:ln>
-        <a:effectLst/>
-      </dsp:spPr>
-      <dsp:style>
-        <a:lnRef idx="2">
-          <a:scrgbClr r="0" g="0" b="0"/>
-        </a:lnRef>
-        <a:fillRef idx="1">
-          <a:scrgbClr r="0" g="0" b="0"/>
-        </a:fillRef>
-        <a:effectRef idx="0">
-          <a:scrgbClr r="0" g="0" b="0"/>
-        </a:effectRef>
-        <a:fontRef idx="minor"/>
-      </dsp:style>
-      <dsp:txBody>
-        <a:bodyPr spcFirstLastPara="0" vert="horz" wrap="square" lIns="20320" tIns="5080" rIns="20320" bIns="5080" numCol="1" spcCol="1270" anchor="ctr" anchorCtr="0">
-          <a:noAutofit/>
-        </a:bodyPr>
-        <a:lstStyle/>
-        <a:p>
-          <a:pPr lvl="0" algn="r" defTabSz="355600">
-            <a:lnSpc>
-              <a:spcPct val="90000"/>
-            </a:lnSpc>
-            <a:spcBef>
-              <a:spcPct val="0"/>
-            </a:spcBef>
-            <a:spcAft>
-              <a:spcPct val="35000"/>
-            </a:spcAft>
-          </a:pPr>
-          <a:r>
-            <a:rPr lang="en-US" sz="800" kern="1200" dirty="0" smtClean="0"/>
-            <a:t>All</a:t>
-          </a:r>
-          <a:endParaRPr lang="en-US" sz="800" kern="1200" dirty="0"/>
-        </a:p>
-      </dsp:txBody>
-      <dsp:txXfrm>
-        <a:off x="5817139" y="676996"/>
-        <a:ext cx="678854" cy="130178"/>
-      </dsp:txXfrm>
-    </dsp:sp>
-    <dsp:sp modelId="{10B43682-6687-4DC5-BFA2-AB85A8D85C36}">
-      <dsp:nvSpPr>
-        <dsp:cNvPr id="0" name=""/>
-        <dsp:cNvSpPr/>
-      </dsp:nvSpPr>
-      <dsp:spPr>
-        <a:xfrm>
-          <a:off x="4141542" y="1106857"/>
-          <a:ext cx="754282" cy="390534"/>
-        </a:xfrm>
-        <a:prstGeom prst="rect">
-          <a:avLst/>
-        </a:prstGeom>
-        <a:solidFill>
-          <a:schemeClr val="accent1">
-            <a:hueOff val="0"/>
-            <a:satOff val="0"/>
-            <a:lumOff val="0"/>
-            <a:alphaOff val="0"/>
-          </a:schemeClr>
-        </a:solidFill>
-        <a:ln w="12700" cap="flat" cmpd="sng" algn="ctr">
-          <a:solidFill>
-            <a:schemeClr val="lt1">
-              <a:hueOff val="0"/>
-              <a:satOff val="0"/>
-              <a:lumOff val="0"/>
-              <a:alphaOff val="0"/>
-            </a:schemeClr>
-          </a:solidFill>
-          <a:prstDash val="solid"/>
-          <a:miter lim="800000"/>
-        </a:ln>
-        <a:effectLst/>
-      </dsp:spPr>
-      <dsp:style>
-        <a:lnRef idx="2">
-          <a:scrgbClr r="0" g="0" b="0"/>
-        </a:lnRef>
-        <a:fillRef idx="1">
-          <a:scrgbClr r="0" g="0" b="0"/>
-        </a:fillRef>
-        <a:effectRef idx="0">
-          <a:scrgbClr r="0" g="0" b="0"/>
-        </a:effectRef>
-        <a:fontRef idx="minor">
-          <a:schemeClr val="lt1"/>
-        </a:fontRef>
-      </dsp:style>
-      <dsp:txBody>
-        <a:bodyPr spcFirstLastPara="0" vert="horz" wrap="square" lIns="6350" tIns="6350" rIns="6350" bIns="55109" numCol="1" spcCol="1270" anchor="ctr" anchorCtr="0">
-          <a:noAutofit/>
-        </a:bodyPr>
-        <a:lstStyle/>
-        <a:p>
-          <a:pPr lvl="0" algn="ctr" defTabSz="444500">
-            <a:lnSpc>
-              <a:spcPct val="90000"/>
-            </a:lnSpc>
-            <a:spcBef>
-              <a:spcPct val="0"/>
-            </a:spcBef>
-            <a:spcAft>
-              <a:spcPct val="35000"/>
-            </a:spcAft>
-          </a:pPr>
-          <a:r>
-            <a:rPr lang="en-US" sz="1000" kern="1200" dirty="0" smtClean="0">
-              <a:ln>
-                <a:noFill/>
-              </a:ln>
-            </a:rPr>
-            <a:t>Main program</a:t>
-          </a:r>
-          <a:endParaRPr lang="en-US" sz="1000" kern="1200" dirty="0">
-            <a:ln>
-              <a:noFill/>
-            </a:ln>
-          </a:endParaRPr>
-        </a:p>
-      </dsp:txBody>
-      <dsp:txXfrm>
-        <a:off x="4141542" y="1106857"/>
-        <a:ext cx="754282" cy="390534"/>
-      </dsp:txXfrm>
-    </dsp:sp>
-    <dsp:sp modelId="{0FD5DF1D-EC21-4B09-AC24-AA027332DCDD}">
-      <dsp:nvSpPr>
-        <dsp:cNvPr id="0" name=""/>
-        <dsp:cNvSpPr/>
-      </dsp:nvSpPr>
-      <dsp:spPr>
-        <a:xfrm>
-          <a:off x="4292402" y="1410601"/>
-          <a:ext cx="678854" cy="130178"/>
-        </a:xfrm>
-        <a:prstGeom prst="rect">
-          <a:avLst/>
-        </a:prstGeom>
-        <a:solidFill>
-          <a:schemeClr val="lt1">
-            <a:alpha val="90000"/>
-            <a:hueOff val="0"/>
-            <a:satOff val="0"/>
-            <a:lumOff val="0"/>
-            <a:alphaOff val="0"/>
-          </a:schemeClr>
-        </a:solidFill>
-        <a:ln w="12700" cap="flat" cmpd="sng" algn="ctr">
-          <a:solidFill>
-            <a:schemeClr val="accent1">
-              <a:hueOff val="0"/>
-              <a:satOff val="0"/>
-              <a:lumOff val="0"/>
-              <a:alphaOff val="0"/>
-            </a:schemeClr>
-          </a:solidFill>
-          <a:prstDash val="solid"/>
-          <a:miter lim="800000"/>
-        </a:ln>
-        <a:effectLst/>
-      </dsp:spPr>
-      <dsp:style>
-        <a:lnRef idx="2">
-          <a:scrgbClr r="0" g="0" b="0"/>
-        </a:lnRef>
-        <a:fillRef idx="1">
-          <a:scrgbClr r="0" g="0" b="0"/>
-        </a:fillRef>
-        <a:effectRef idx="0">
-          <a:scrgbClr r="0" g="0" b="0"/>
-        </a:effectRef>
-        <a:fontRef idx="minor"/>
-      </dsp:style>
-      <dsp:txBody>
-        <a:bodyPr spcFirstLastPara="0" vert="horz" wrap="square" lIns="20320" tIns="5080" rIns="20320" bIns="5080" numCol="1" spcCol="1270" anchor="ctr" anchorCtr="0">
-          <a:noAutofit/>
-        </a:bodyPr>
-        <a:lstStyle/>
-        <a:p>
-          <a:pPr lvl="0" algn="r" defTabSz="355600">
-            <a:lnSpc>
-              <a:spcPct val="90000"/>
-            </a:lnSpc>
-            <a:spcBef>
-              <a:spcPct val="0"/>
-            </a:spcBef>
-            <a:spcAft>
-              <a:spcPct val="35000"/>
-            </a:spcAft>
-          </a:pPr>
-          <a:r>
-            <a:rPr lang="en-US" sz="800" kern="1200" dirty="0" err="1" smtClean="0"/>
-            <a:t>Huy</a:t>
-          </a:r>
-          <a:r>
-            <a:rPr lang="en-US" sz="800" kern="1200" dirty="0" smtClean="0"/>
-            <a:t> </a:t>
-          </a:r>
-          <a:r>
-            <a:rPr lang="en-US" sz="800" kern="1200" dirty="0" err="1" smtClean="0"/>
-            <a:t>Vũ</a:t>
-          </a:r>
-          <a:endParaRPr lang="en-US" sz="800" kern="1200" dirty="0"/>
-        </a:p>
-      </dsp:txBody>
-      <dsp:txXfrm>
-        <a:off x="4292402" y="1410601"/>
-        <a:ext cx="678854" cy="130178"/>
-      </dsp:txXfrm>
-    </dsp:sp>
-    <dsp:sp modelId="{58658A57-F34E-43CB-B848-40532E461413}">
-      <dsp:nvSpPr>
-        <dsp:cNvPr id="0" name=""/>
-        <dsp:cNvSpPr/>
-      </dsp:nvSpPr>
-      <dsp:spPr>
-        <a:xfrm>
-          <a:off x="1127321" y="2903948"/>
-          <a:ext cx="754282" cy="390534"/>
-        </a:xfrm>
-        <a:prstGeom prst="rect">
-          <a:avLst/>
-        </a:prstGeom>
-        <a:solidFill>
-          <a:schemeClr val="accent1">
-            <a:hueOff val="0"/>
-            <a:satOff val="0"/>
-            <a:lumOff val="0"/>
-            <a:alphaOff val="0"/>
-          </a:schemeClr>
-        </a:solidFill>
-        <a:ln w="12700" cap="flat" cmpd="sng" algn="ctr">
-          <a:solidFill>
-            <a:schemeClr val="lt1">
-              <a:hueOff val="0"/>
-              <a:satOff val="0"/>
-              <a:lumOff val="0"/>
-              <a:alphaOff val="0"/>
-            </a:schemeClr>
-          </a:solidFill>
-          <a:prstDash val="solid"/>
-          <a:miter lim="800000"/>
-        </a:ln>
-        <a:effectLst/>
-      </dsp:spPr>
-      <dsp:style>
-        <a:lnRef idx="2">
-          <a:scrgbClr r="0" g="0" b="0"/>
-        </a:lnRef>
-        <a:fillRef idx="1">
-          <a:scrgbClr r="0" g="0" b="0"/>
-        </a:fillRef>
-        <a:effectRef idx="0">
-          <a:scrgbClr r="0" g="0" b="0"/>
-        </a:effectRef>
-        <a:fontRef idx="minor">
-          <a:schemeClr val="lt1"/>
-        </a:fontRef>
-      </dsp:style>
-      <dsp:txBody>
-        <a:bodyPr spcFirstLastPara="0" vert="horz" wrap="square" lIns="6350" tIns="6350" rIns="6350" bIns="55109" numCol="1" spcCol="1270" anchor="ctr" anchorCtr="0">
-          <a:noAutofit/>
-        </a:bodyPr>
-        <a:lstStyle/>
-        <a:p>
-          <a:pPr lvl="0" algn="ctr" defTabSz="444500">
-            <a:lnSpc>
-              <a:spcPct val="90000"/>
-            </a:lnSpc>
-            <a:spcBef>
-              <a:spcPct val="0"/>
-            </a:spcBef>
-            <a:spcAft>
-              <a:spcPct val="35000"/>
-            </a:spcAft>
-          </a:pPr>
-          <a:r>
-            <a:rPr lang="en-US" sz="1000" kern="1200" dirty="0" smtClean="0">
-              <a:ln>
-                <a:noFill/>
-              </a:ln>
-            </a:rPr>
-            <a:t>Touch</a:t>
-          </a:r>
-          <a:endParaRPr lang="en-US" sz="1000" kern="1200" dirty="0">
-            <a:ln>
-              <a:noFill/>
-            </a:ln>
-          </a:endParaRPr>
-        </a:p>
-      </dsp:txBody>
-      <dsp:txXfrm>
-        <a:off x="1127321" y="2903948"/>
-        <a:ext cx="754282" cy="390534"/>
-      </dsp:txXfrm>
-    </dsp:sp>
-    <dsp:sp modelId="{D693B454-6F4B-4970-B8B6-949289197DB8}">
-      <dsp:nvSpPr>
-        <dsp:cNvPr id="0" name=""/>
-        <dsp:cNvSpPr/>
-      </dsp:nvSpPr>
-      <dsp:spPr>
-        <a:xfrm>
-          <a:off x="1278178" y="3207697"/>
-          <a:ext cx="678854" cy="130178"/>
-        </a:xfrm>
-        <a:prstGeom prst="rect">
-          <a:avLst/>
-        </a:prstGeom>
-        <a:solidFill>
-          <a:schemeClr val="lt1">
-            <a:alpha val="90000"/>
-            <a:hueOff val="0"/>
-            <a:satOff val="0"/>
-            <a:lumOff val="0"/>
-            <a:alphaOff val="0"/>
-          </a:schemeClr>
-        </a:solidFill>
-        <a:ln w="12700" cap="flat" cmpd="sng" algn="ctr">
-          <a:solidFill>
-            <a:schemeClr val="accent1">
-              <a:hueOff val="0"/>
-              <a:satOff val="0"/>
-              <a:lumOff val="0"/>
-              <a:alphaOff val="0"/>
-            </a:schemeClr>
-          </a:solidFill>
-          <a:prstDash val="solid"/>
-          <a:miter lim="800000"/>
-        </a:ln>
-        <a:effectLst/>
-      </dsp:spPr>
-      <dsp:style>
-        <a:lnRef idx="2">
-          <a:scrgbClr r="0" g="0" b="0"/>
-        </a:lnRef>
-        <a:fillRef idx="1">
-          <a:scrgbClr r="0" g="0" b="0"/>
-        </a:fillRef>
-        <a:effectRef idx="0">
-          <a:scrgbClr r="0" g="0" b="0"/>
-        </a:effectRef>
-        <a:fontRef idx="minor"/>
-      </dsp:style>
-      <dsp:txBody>
-        <a:bodyPr spcFirstLastPara="0" vert="horz" wrap="square" lIns="20320" tIns="5080" rIns="20320" bIns="5080" numCol="1" spcCol="1270" anchor="ctr" anchorCtr="0">
-          <a:noAutofit/>
-        </a:bodyPr>
-        <a:lstStyle/>
-        <a:p>
-          <a:pPr lvl="0" algn="r" defTabSz="355600">
-            <a:lnSpc>
-              <a:spcPct val="90000"/>
-            </a:lnSpc>
-            <a:spcBef>
-              <a:spcPct val="0"/>
-            </a:spcBef>
-            <a:spcAft>
-              <a:spcPct val="35000"/>
-            </a:spcAft>
-          </a:pPr>
-          <a:r>
-            <a:rPr lang="en-US" sz="800" kern="1200" dirty="0" err="1" smtClean="0"/>
-            <a:t>Lý</a:t>
-          </a:r>
-          <a:endParaRPr lang="en-US" sz="800" kern="1200" dirty="0"/>
-        </a:p>
-      </dsp:txBody>
-      <dsp:txXfrm>
-        <a:off x="1278178" y="3207697"/>
-        <a:ext cx="678854" cy="130178"/>
-      </dsp:txXfrm>
-    </dsp:sp>
-    <dsp:sp modelId="{ACBB3B08-68C2-4344-A50D-E204FD0C0CFB}">
-      <dsp:nvSpPr>
-        <dsp:cNvPr id="0" name=""/>
-        <dsp:cNvSpPr/>
-      </dsp:nvSpPr>
-      <dsp:spPr>
-        <a:xfrm>
-          <a:off x="1127321" y="3520124"/>
-          <a:ext cx="754282" cy="390534"/>
-        </a:xfrm>
-        <a:prstGeom prst="rect">
-          <a:avLst/>
-        </a:prstGeom>
-        <a:solidFill>
-          <a:schemeClr val="accent1">
-            <a:hueOff val="0"/>
-            <a:satOff val="0"/>
-            <a:lumOff val="0"/>
-            <a:alphaOff val="0"/>
-          </a:schemeClr>
-        </a:solidFill>
-        <a:ln w="12700" cap="flat" cmpd="sng" algn="ctr">
-          <a:solidFill>
-            <a:schemeClr val="lt1">
-              <a:hueOff val="0"/>
-              <a:satOff val="0"/>
-              <a:lumOff val="0"/>
-              <a:alphaOff val="0"/>
-            </a:schemeClr>
-          </a:solidFill>
-          <a:prstDash val="solid"/>
-          <a:miter lim="800000"/>
-        </a:ln>
-        <a:effectLst/>
-      </dsp:spPr>
-      <dsp:style>
-        <a:lnRef idx="2">
-          <a:scrgbClr r="0" g="0" b="0"/>
-        </a:lnRef>
-        <a:fillRef idx="1">
-          <a:scrgbClr r="0" g="0" b="0"/>
-        </a:fillRef>
-        <a:effectRef idx="0">
-          <a:scrgbClr r="0" g="0" b="0"/>
-        </a:effectRef>
-        <a:fontRef idx="minor">
-          <a:schemeClr val="lt1"/>
-        </a:fontRef>
-      </dsp:style>
-      <dsp:txBody>
-        <a:bodyPr spcFirstLastPara="0" vert="horz" wrap="square" lIns="6350" tIns="6350" rIns="6350" bIns="55109" numCol="1" spcCol="1270" anchor="ctr" anchorCtr="0">
-          <a:noAutofit/>
-        </a:bodyPr>
-        <a:lstStyle/>
-        <a:p>
-          <a:pPr lvl="0" algn="ctr" defTabSz="444500">
-            <a:lnSpc>
-              <a:spcPct val="90000"/>
-            </a:lnSpc>
-            <a:spcBef>
-              <a:spcPct val="0"/>
-            </a:spcBef>
-            <a:spcAft>
-              <a:spcPct val="35000"/>
-            </a:spcAft>
-          </a:pPr>
-          <a:r>
-            <a:rPr lang="en-US" sz="1000" kern="1200" dirty="0" smtClean="0">
-              <a:ln>
-                <a:noFill/>
-              </a:ln>
-            </a:rPr>
-            <a:t>Motor high</a:t>
-          </a:r>
-          <a:endParaRPr lang="en-US" sz="1000" kern="1200" dirty="0">
-            <a:ln>
-              <a:noFill/>
-            </a:ln>
-          </a:endParaRPr>
-        </a:p>
-      </dsp:txBody>
-      <dsp:txXfrm>
-        <a:off x="1127321" y="3520124"/>
-        <a:ext cx="754282" cy="390534"/>
-      </dsp:txXfrm>
-    </dsp:sp>
-    <dsp:sp modelId="{3ECB79BF-956F-4515-82CE-A34E2A419DED}">
-      <dsp:nvSpPr>
-        <dsp:cNvPr id="0" name=""/>
-        <dsp:cNvSpPr/>
-      </dsp:nvSpPr>
-      <dsp:spPr>
-        <a:xfrm>
-          <a:off x="1278178" y="3823873"/>
-          <a:ext cx="678854" cy="130178"/>
-        </a:xfrm>
-        <a:prstGeom prst="rect">
-          <a:avLst/>
-        </a:prstGeom>
-        <a:solidFill>
-          <a:schemeClr val="lt1">
-            <a:alpha val="90000"/>
-            <a:hueOff val="0"/>
-            <a:satOff val="0"/>
-            <a:lumOff val="0"/>
-            <a:alphaOff val="0"/>
-          </a:schemeClr>
-        </a:solidFill>
-        <a:ln w="12700" cap="flat" cmpd="sng" algn="ctr">
-          <a:solidFill>
-            <a:schemeClr val="accent1">
-              <a:hueOff val="0"/>
-              <a:satOff val="0"/>
-              <a:lumOff val="0"/>
-              <a:alphaOff val="0"/>
-            </a:schemeClr>
-          </a:solidFill>
-          <a:prstDash val="solid"/>
-          <a:miter lim="800000"/>
-        </a:ln>
-        <a:effectLst/>
-      </dsp:spPr>
-      <dsp:style>
-        <a:lnRef idx="2">
-          <a:scrgbClr r="0" g="0" b="0"/>
-        </a:lnRef>
-        <a:fillRef idx="1">
-          <a:scrgbClr r="0" g="0" b="0"/>
-        </a:fillRef>
-        <a:effectRef idx="0">
-          <a:scrgbClr r="0" g="0" b="0"/>
-        </a:effectRef>
-        <a:fontRef idx="minor"/>
-      </dsp:style>
-      <dsp:txBody>
-        <a:bodyPr spcFirstLastPara="0" vert="horz" wrap="square" lIns="20320" tIns="5080" rIns="20320" bIns="5080" numCol="1" spcCol="1270" anchor="ctr" anchorCtr="0">
-          <a:noAutofit/>
-        </a:bodyPr>
-        <a:lstStyle/>
-        <a:p>
-          <a:pPr lvl="0" algn="r" defTabSz="355600">
-            <a:lnSpc>
-              <a:spcPct val="90000"/>
-            </a:lnSpc>
-            <a:spcBef>
-              <a:spcPct val="0"/>
-            </a:spcBef>
-            <a:spcAft>
-              <a:spcPct val="35000"/>
-            </a:spcAft>
-          </a:pPr>
-          <a:r>
-            <a:rPr lang="en-US" sz="800" kern="1200" dirty="0" err="1" smtClean="0"/>
-            <a:t>Lý</a:t>
-          </a:r>
-          <a:endParaRPr lang="en-US" sz="800" kern="1200" dirty="0"/>
-        </a:p>
-      </dsp:txBody>
-      <dsp:txXfrm>
-        <a:off x="1278178" y="3823873"/>
-        <a:ext cx="678854" cy="130178"/>
-      </dsp:txXfrm>
-    </dsp:sp>
-    <dsp:sp modelId="{4A3C919E-E6ED-4AE4-A060-6F2B545E9E90}">
-      <dsp:nvSpPr>
-        <dsp:cNvPr id="0" name=""/>
-        <dsp:cNvSpPr/>
-      </dsp:nvSpPr>
-      <dsp:spPr>
-        <a:xfrm>
-          <a:off x="2774886" y="2895626"/>
-          <a:ext cx="754282" cy="390534"/>
-        </a:xfrm>
-        <a:prstGeom prst="rect">
-          <a:avLst/>
-        </a:prstGeom>
-        <a:solidFill>
-          <a:schemeClr val="accent1">
-            <a:hueOff val="0"/>
-            <a:satOff val="0"/>
-            <a:lumOff val="0"/>
-            <a:alphaOff val="0"/>
-          </a:schemeClr>
-        </a:solidFill>
-        <a:ln w="12700" cap="flat" cmpd="sng" algn="ctr">
-          <a:solidFill>
-            <a:schemeClr val="lt1">
-              <a:hueOff val="0"/>
-              <a:satOff val="0"/>
-              <a:lumOff val="0"/>
-              <a:alphaOff val="0"/>
-            </a:schemeClr>
-          </a:solidFill>
-          <a:prstDash val="solid"/>
-          <a:miter lim="800000"/>
-        </a:ln>
-        <a:effectLst/>
-      </dsp:spPr>
-      <dsp:style>
-        <a:lnRef idx="2">
-          <a:scrgbClr r="0" g="0" b="0"/>
-        </a:lnRef>
-        <a:fillRef idx="1">
-          <a:scrgbClr r="0" g="0" b="0"/>
-        </a:fillRef>
-        <a:effectRef idx="0">
-          <a:scrgbClr r="0" g="0" b="0"/>
-        </a:effectRef>
-        <a:fontRef idx="minor">
-          <a:schemeClr val="lt1"/>
-        </a:fontRef>
-      </dsp:style>
-      <dsp:txBody>
-        <a:bodyPr spcFirstLastPara="0" vert="horz" wrap="square" lIns="6350" tIns="6350" rIns="6350" bIns="55109" numCol="1" spcCol="1270" anchor="ctr" anchorCtr="0">
-          <a:noAutofit/>
-        </a:bodyPr>
-        <a:lstStyle/>
-        <a:p>
-          <a:pPr lvl="0" algn="ctr" defTabSz="444500">
-            <a:lnSpc>
-              <a:spcPct val="90000"/>
-            </a:lnSpc>
-            <a:spcBef>
-              <a:spcPct val="0"/>
-            </a:spcBef>
-            <a:spcAft>
-              <a:spcPct val="35000"/>
-            </a:spcAft>
-          </a:pPr>
-          <a:r>
-            <a:rPr lang="en-US" sz="1000" kern="1200" dirty="0" smtClean="0">
-              <a:ln>
-                <a:noFill/>
-              </a:ln>
-            </a:rPr>
-            <a:t>Uno</a:t>
-          </a:r>
-          <a:endParaRPr lang="en-US" sz="1000" kern="1200" dirty="0">
-            <a:ln>
-              <a:noFill/>
-            </a:ln>
-          </a:endParaRPr>
-        </a:p>
-      </dsp:txBody>
-      <dsp:txXfrm>
-        <a:off x="2774886" y="2895626"/>
-        <a:ext cx="754282" cy="390534"/>
-      </dsp:txXfrm>
-    </dsp:sp>
-    <dsp:sp modelId="{4933D671-7E56-43F7-8E77-31F8A7226A7E}">
-      <dsp:nvSpPr>
-        <dsp:cNvPr id="0" name=""/>
-        <dsp:cNvSpPr/>
-      </dsp:nvSpPr>
-      <dsp:spPr>
-        <a:xfrm>
-          <a:off x="2925739" y="3199376"/>
-          <a:ext cx="678854" cy="130178"/>
-        </a:xfrm>
-        <a:prstGeom prst="rect">
-          <a:avLst/>
-        </a:prstGeom>
-        <a:solidFill>
-          <a:schemeClr val="lt1">
-            <a:alpha val="90000"/>
-            <a:hueOff val="0"/>
-            <a:satOff val="0"/>
-            <a:lumOff val="0"/>
-            <a:alphaOff val="0"/>
-          </a:schemeClr>
-        </a:solidFill>
-        <a:ln w="12700" cap="flat" cmpd="sng" algn="ctr">
-          <a:solidFill>
-            <a:schemeClr val="accent1">
-              <a:hueOff val="0"/>
-              <a:satOff val="0"/>
-              <a:lumOff val="0"/>
-              <a:alphaOff val="0"/>
-            </a:schemeClr>
-          </a:solidFill>
-          <a:prstDash val="solid"/>
-          <a:miter lim="800000"/>
-        </a:ln>
-        <a:effectLst/>
-      </dsp:spPr>
-      <dsp:style>
-        <a:lnRef idx="2">
-          <a:scrgbClr r="0" g="0" b="0"/>
-        </a:lnRef>
-        <a:fillRef idx="1">
-          <a:scrgbClr r="0" g="0" b="0"/>
-        </a:fillRef>
-        <a:effectRef idx="0">
-          <a:scrgbClr r="0" g="0" b="0"/>
-        </a:effectRef>
-        <a:fontRef idx="minor"/>
-      </dsp:style>
-      <dsp:txBody>
-        <a:bodyPr spcFirstLastPara="0" vert="horz" wrap="square" lIns="20320" tIns="5080" rIns="20320" bIns="5080" numCol="1" spcCol="1270" anchor="ctr" anchorCtr="0">
-          <a:noAutofit/>
-        </a:bodyPr>
-        <a:lstStyle/>
-        <a:p>
-          <a:pPr lvl="0" algn="r" defTabSz="355600">
-            <a:lnSpc>
-              <a:spcPct val="90000"/>
-            </a:lnSpc>
-            <a:spcBef>
-              <a:spcPct val="0"/>
-            </a:spcBef>
-            <a:spcAft>
-              <a:spcPct val="35000"/>
-            </a:spcAft>
-          </a:pPr>
-          <a:r>
-            <a:rPr lang="en-US" sz="800" kern="1200" dirty="0" err="1" smtClean="0"/>
-            <a:t>Viễn</a:t>
-          </a:r>
-          <a:endParaRPr lang="en-US" sz="800" kern="1200" dirty="0"/>
-        </a:p>
-      </dsp:txBody>
-      <dsp:txXfrm>
-        <a:off x="2925739" y="3199376"/>
-        <a:ext cx="678854" cy="130178"/>
-      </dsp:txXfrm>
-    </dsp:sp>
-    <dsp:sp modelId="{61AB0F4D-CF14-4B60-BD1D-D6A5B82A4AE4}">
-      <dsp:nvSpPr>
-        <dsp:cNvPr id="0" name=""/>
-        <dsp:cNvSpPr/>
-      </dsp:nvSpPr>
-      <dsp:spPr>
-        <a:xfrm>
-          <a:off x="2268905" y="3511802"/>
-          <a:ext cx="754282" cy="390534"/>
-        </a:xfrm>
-        <a:prstGeom prst="rect">
-          <a:avLst/>
-        </a:prstGeom>
-        <a:solidFill>
-          <a:schemeClr val="accent1">
-            <a:hueOff val="0"/>
-            <a:satOff val="0"/>
-            <a:lumOff val="0"/>
-            <a:alphaOff val="0"/>
-          </a:schemeClr>
-        </a:solidFill>
-        <a:ln w="12700" cap="flat" cmpd="sng" algn="ctr">
-          <a:solidFill>
-            <a:schemeClr val="lt1">
-              <a:hueOff val="0"/>
-              <a:satOff val="0"/>
-              <a:lumOff val="0"/>
-              <a:alphaOff val="0"/>
-            </a:schemeClr>
-          </a:solidFill>
-          <a:prstDash val="solid"/>
-          <a:miter lim="800000"/>
-        </a:ln>
-        <a:effectLst/>
-      </dsp:spPr>
-      <dsp:style>
-        <a:lnRef idx="2">
-          <a:scrgbClr r="0" g="0" b="0"/>
-        </a:lnRef>
-        <a:fillRef idx="1">
-          <a:scrgbClr r="0" g="0" b="0"/>
-        </a:fillRef>
-        <a:effectRef idx="0">
-          <a:scrgbClr r="0" g="0" b="0"/>
-        </a:effectRef>
-        <a:fontRef idx="minor">
-          <a:schemeClr val="lt1"/>
-        </a:fontRef>
-      </dsp:style>
-      <dsp:txBody>
-        <a:bodyPr spcFirstLastPara="0" vert="horz" wrap="square" lIns="6350" tIns="6350" rIns="6350" bIns="55109" numCol="1" spcCol="1270" anchor="ctr" anchorCtr="0">
-          <a:noAutofit/>
-        </a:bodyPr>
-        <a:lstStyle/>
-        <a:p>
-          <a:pPr lvl="0" algn="ctr" defTabSz="444500">
-            <a:lnSpc>
-              <a:spcPct val="90000"/>
-            </a:lnSpc>
-            <a:spcBef>
-              <a:spcPct val="0"/>
-            </a:spcBef>
-            <a:spcAft>
-              <a:spcPct val="35000"/>
-            </a:spcAft>
-          </a:pPr>
-          <a:r>
-            <a:rPr lang="en-US" sz="1000" kern="1200" dirty="0" smtClean="0">
-              <a:ln>
-                <a:noFill/>
-              </a:ln>
-            </a:rPr>
-            <a:t>Motor low</a:t>
-          </a:r>
-          <a:endParaRPr lang="en-US" sz="1000" kern="1200" dirty="0">
-            <a:ln>
-              <a:noFill/>
-            </a:ln>
-          </a:endParaRPr>
-        </a:p>
-      </dsp:txBody>
-      <dsp:txXfrm>
-        <a:off x="2268905" y="3511802"/>
-        <a:ext cx="754282" cy="390534"/>
-      </dsp:txXfrm>
-    </dsp:sp>
-    <dsp:sp modelId="{F5E01D96-F901-42BD-8A6F-51F03A5B3052}">
-      <dsp:nvSpPr>
-        <dsp:cNvPr id="0" name=""/>
-        <dsp:cNvSpPr/>
-      </dsp:nvSpPr>
-      <dsp:spPr>
-        <a:xfrm>
-          <a:off x="2419759" y="3815552"/>
-          <a:ext cx="678854" cy="130178"/>
-        </a:xfrm>
-        <a:prstGeom prst="rect">
-          <a:avLst/>
-        </a:prstGeom>
-        <a:solidFill>
-          <a:schemeClr val="lt1">
-            <a:alpha val="90000"/>
-            <a:hueOff val="0"/>
-            <a:satOff val="0"/>
-            <a:lumOff val="0"/>
-            <a:alphaOff val="0"/>
-          </a:schemeClr>
-        </a:solidFill>
-        <a:ln w="12700" cap="flat" cmpd="sng" algn="ctr">
-          <a:solidFill>
-            <a:schemeClr val="accent1">
-              <a:hueOff val="0"/>
-              <a:satOff val="0"/>
-              <a:lumOff val="0"/>
-              <a:alphaOff val="0"/>
-            </a:schemeClr>
-          </a:solidFill>
-          <a:prstDash val="solid"/>
-          <a:miter lim="800000"/>
-        </a:ln>
-        <a:effectLst/>
-      </dsp:spPr>
-      <dsp:style>
-        <a:lnRef idx="2">
-          <a:scrgbClr r="0" g="0" b="0"/>
-        </a:lnRef>
-        <a:fillRef idx="1">
-          <a:scrgbClr r="0" g="0" b="0"/>
-        </a:fillRef>
-        <a:effectRef idx="0">
-          <a:scrgbClr r="0" g="0" b="0"/>
-        </a:effectRef>
-        <a:fontRef idx="minor"/>
-      </dsp:style>
-      <dsp:txBody>
-        <a:bodyPr spcFirstLastPara="0" vert="horz" wrap="square" lIns="20320" tIns="5080" rIns="20320" bIns="5080" numCol="1" spcCol="1270" anchor="ctr" anchorCtr="0">
-          <a:noAutofit/>
-        </a:bodyPr>
-        <a:lstStyle/>
-        <a:p>
-          <a:pPr lvl="0" algn="r" defTabSz="355600">
-            <a:lnSpc>
-              <a:spcPct val="90000"/>
-            </a:lnSpc>
-            <a:spcBef>
-              <a:spcPct val="0"/>
-            </a:spcBef>
-            <a:spcAft>
-              <a:spcPct val="35000"/>
-            </a:spcAft>
-          </a:pPr>
-          <a:r>
-            <a:rPr lang="en-US" sz="800" kern="1200" dirty="0" smtClean="0"/>
-            <a:t>No change</a:t>
-          </a:r>
-          <a:endParaRPr lang="en-US" sz="800" kern="1200" dirty="0"/>
-        </a:p>
-      </dsp:txBody>
-      <dsp:txXfrm>
-        <a:off x="2419759" y="3815552"/>
-        <a:ext cx="678854" cy="130178"/>
-      </dsp:txXfrm>
-    </dsp:sp>
-    <dsp:sp modelId="{0A2CE9A4-8D25-49F6-8B49-D81B37C989C7}">
-      <dsp:nvSpPr>
-        <dsp:cNvPr id="0" name=""/>
-        <dsp:cNvSpPr/>
-      </dsp:nvSpPr>
-      <dsp:spPr>
-        <a:xfrm>
-          <a:off x="3280866" y="3511802"/>
-          <a:ext cx="754282" cy="390534"/>
-        </a:xfrm>
-        <a:prstGeom prst="rect">
-          <a:avLst/>
-        </a:prstGeom>
-        <a:solidFill>
-          <a:schemeClr val="accent1">
-            <a:hueOff val="0"/>
-            <a:satOff val="0"/>
-            <a:lumOff val="0"/>
-            <a:alphaOff val="0"/>
-          </a:schemeClr>
-        </a:solidFill>
-        <a:ln w="12700" cap="flat" cmpd="sng" algn="ctr">
-          <a:solidFill>
-            <a:schemeClr val="lt1">
-              <a:hueOff val="0"/>
-              <a:satOff val="0"/>
-              <a:lumOff val="0"/>
-              <a:alphaOff val="0"/>
-            </a:schemeClr>
-          </a:solidFill>
-          <a:prstDash val="solid"/>
-          <a:miter lim="800000"/>
-        </a:ln>
-        <a:effectLst/>
-      </dsp:spPr>
-      <dsp:style>
-        <a:lnRef idx="2">
-          <a:scrgbClr r="0" g="0" b="0"/>
-        </a:lnRef>
-        <a:fillRef idx="1">
-          <a:scrgbClr r="0" g="0" b="0"/>
-        </a:fillRef>
-        <a:effectRef idx="0">
-          <a:scrgbClr r="0" g="0" b="0"/>
-        </a:effectRef>
-        <a:fontRef idx="minor">
-          <a:schemeClr val="lt1"/>
-        </a:fontRef>
-      </dsp:style>
-      <dsp:txBody>
-        <a:bodyPr spcFirstLastPara="0" vert="horz" wrap="square" lIns="6350" tIns="6350" rIns="6350" bIns="55109" numCol="1" spcCol="1270" anchor="ctr" anchorCtr="0">
-          <a:noAutofit/>
-        </a:bodyPr>
-        <a:lstStyle/>
-        <a:p>
-          <a:pPr lvl="0" algn="ctr" defTabSz="444500">
-            <a:lnSpc>
-              <a:spcPct val="90000"/>
-            </a:lnSpc>
-            <a:spcBef>
-              <a:spcPct val="0"/>
-            </a:spcBef>
-            <a:spcAft>
-              <a:spcPct val="35000"/>
-            </a:spcAft>
-          </a:pPr>
-          <a:r>
-            <a:rPr lang="en-US" sz="1000" kern="1200" dirty="0" smtClean="0">
-              <a:ln>
-                <a:noFill/>
-              </a:ln>
-            </a:rPr>
-            <a:t>Height</a:t>
-          </a:r>
-          <a:endParaRPr lang="en-US" sz="1000" kern="1200" dirty="0">
-            <a:ln>
-              <a:noFill/>
-            </a:ln>
-          </a:endParaRPr>
-        </a:p>
-      </dsp:txBody>
-      <dsp:txXfrm>
-        <a:off x="3280866" y="3511802"/>
-        <a:ext cx="754282" cy="390534"/>
-      </dsp:txXfrm>
-    </dsp:sp>
-    <dsp:sp modelId="{857C9215-7C13-4516-AC18-FD3F2C4BFD5F}">
-      <dsp:nvSpPr>
-        <dsp:cNvPr id="0" name=""/>
-        <dsp:cNvSpPr/>
-      </dsp:nvSpPr>
-      <dsp:spPr>
-        <a:xfrm>
-          <a:off x="3431719" y="3815552"/>
-          <a:ext cx="678854" cy="130178"/>
-        </a:xfrm>
-        <a:prstGeom prst="rect">
-          <a:avLst/>
-        </a:prstGeom>
-        <a:solidFill>
-          <a:schemeClr val="lt1">
-            <a:alpha val="90000"/>
-            <a:hueOff val="0"/>
-            <a:satOff val="0"/>
-            <a:lumOff val="0"/>
-            <a:alphaOff val="0"/>
-          </a:schemeClr>
-        </a:solidFill>
-        <a:ln w="12700" cap="flat" cmpd="sng" algn="ctr">
-          <a:solidFill>
-            <a:schemeClr val="accent1">
-              <a:hueOff val="0"/>
-              <a:satOff val="0"/>
-              <a:lumOff val="0"/>
-              <a:alphaOff val="0"/>
-            </a:schemeClr>
-          </a:solidFill>
-          <a:prstDash val="solid"/>
-          <a:miter lim="800000"/>
-        </a:ln>
-        <a:effectLst/>
-      </dsp:spPr>
-      <dsp:style>
-        <a:lnRef idx="2">
-          <a:scrgbClr r="0" g="0" b="0"/>
-        </a:lnRef>
-        <a:fillRef idx="1">
-          <a:scrgbClr r="0" g="0" b="0"/>
-        </a:fillRef>
-        <a:effectRef idx="0">
-          <a:scrgbClr r="0" g="0" b="0"/>
-        </a:effectRef>
-        <a:fontRef idx="minor"/>
-      </dsp:style>
-      <dsp:txBody>
-        <a:bodyPr spcFirstLastPara="0" vert="horz" wrap="square" lIns="20320" tIns="5080" rIns="20320" bIns="5080" numCol="1" spcCol="1270" anchor="ctr" anchorCtr="0">
-          <a:noAutofit/>
-        </a:bodyPr>
-        <a:lstStyle/>
-        <a:p>
-          <a:pPr lvl="0" algn="r" defTabSz="355600">
-            <a:lnSpc>
-              <a:spcPct val="90000"/>
-            </a:lnSpc>
-            <a:spcBef>
-              <a:spcPct val="0"/>
-            </a:spcBef>
-            <a:spcAft>
-              <a:spcPct val="35000"/>
-            </a:spcAft>
-          </a:pPr>
-          <a:r>
-            <a:rPr lang="en-US" sz="800" kern="1200" dirty="0" err="1" smtClean="0"/>
-            <a:t>Viễn</a:t>
-          </a:r>
-          <a:endParaRPr lang="en-US" sz="800" kern="1200" dirty="0"/>
-        </a:p>
-      </dsp:txBody>
-      <dsp:txXfrm>
-        <a:off x="3431719" y="3815552"/>
-        <a:ext cx="678854" cy="130178"/>
-      </dsp:txXfrm>
-    </dsp:sp>
-    <dsp:sp modelId="{4996D975-3F95-46BE-839D-5AB048C8D420}">
-      <dsp:nvSpPr>
-        <dsp:cNvPr id="0" name=""/>
-        <dsp:cNvSpPr/>
-      </dsp:nvSpPr>
-      <dsp:spPr>
-        <a:xfrm>
-          <a:off x="3786846" y="2895626"/>
-          <a:ext cx="754282" cy="390534"/>
-        </a:xfrm>
-        <a:prstGeom prst="rect">
-          <a:avLst/>
-        </a:prstGeom>
-        <a:solidFill>
-          <a:schemeClr val="accent1">
-            <a:hueOff val="0"/>
-            <a:satOff val="0"/>
-            <a:lumOff val="0"/>
-            <a:alphaOff val="0"/>
-          </a:schemeClr>
-        </a:solidFill>
-        <a:ln w="12700" cap="flat" cmpd="sng" algn="ctr">
-          <a:solidFill>
-            <a:schemeClr val="lt1">
-              <a:hueOff val="0"/>
-              <a:satOff val="0"/>
-              <a:lumOff val="0"/>
-              <a:alphaOff val="0"/>
-            </a:schemeClr>
-          </a:solidFill>
-          <a:prstDash val="solid"/>
-          <a:miter lim="800000"/>
-        </a:ln>
-        <a:effectLst/>
-      </dsp:spPr>
-      <dsp:style>
-        <a:lnRef idx="2">
-          <a:scrgbClr r="0" g="0" b="0"/>
-        </a:lnRef>
-        <a:fillRef idx="1">
-          <a:scrgbClr r="0" g="0" b="0"/>
-        </a:fillRef>
-        <a:effectRef idx="0">
-          <a:scrgbClr r="0" g="0" b="0"/>
-        </a:effectRef>
-        <a:fontRef idx="minor">
-          <a:schemeClr val="lt1"/>
-        </a:fontRef>
-      </dsp:style>
-      <dsp:txBody>
-        <a:bodyPr spcFirstLastPara="0" vert="horz" wrap="square" lIns="6350" tIns="6350" rIns="6350" bIns="55109" numCol="1" spcCol="1270" anchor="ctr" anchorCtr="0">
-          <a:noAutofit/>
-        </a:bodyPr>
-        <a:lstStyle/>
-        <a:p>
-          <a:pPr lvl="0" algn="ctr" defTabSz="444500">
-            <a:lnSpc>
-              <a:spcPct val="90000"/>
-            </a:lnSpc>
-            <a:spcBef>
-              <a:spcPct val="0"/>
-            </a:spcBef>
-            <a:spcAft>
-              <a:spcPct val="35000"/>
-            </a:spcAft>
-          </a:pPr>
-          <a:r>
-            <a:rPr lang="en-US" sz="1000" kern="1200" dirty="0" smtClean="0">
-              <a:ln>
-                <a:noFill/>
-              </a:ln>
-            </a:rPr>
-            <a:t>SpO2</a:t>
-          </a:r>
-          <a:endParaRPr lang="en-US" sz="1000" kern="1200" dirty="0">
-            <a:ln>
-              <a:noFill/>
-            </a:ln>
-          </a:endParaRPr>
-        </a:p>
-      </dsp:txBody>
-      <dsp:txXfrm>
-        <a:off x="3786846" y="2895626"/>
-        <a:ext cx="754282" cy="390534"/>
-      </dsp:txXfrm>
-    </dsp:sp>
-    <dsp:sp modelId="{C7AEA70C-6D94-449E-9630-786CC9F377F0}">
-      <dsp:nvSpPr>
-        <dsp:cNvPr id="0" name=""/>
-        <dsp:cNvSpPr/>
-      </dsp:nvSpPr>
-      <dsp:spPr>
-        <a:xfrm>
-          <a:off x="3937700" y="3199376"/>
-          <a:ext cx="678854" cy="130178"/>
-        </a:xfrm>
-        <a:prstGeom prst="rect">
-          <a:avLst/>
-        </a:prstGeom>
-        <a:solidFill>
-          <a:schemeClr val="lt1">
-            <a:alpha val="90000"/>
-            <a:hueOff val="0"/>
-            <a:satOff val="0"/>
-            <a:lumOff val="0"/>
-            <a:alphaOff val="0"/>
-          </a:schemeClr>
-        </a:solidFill>
-        <a:ln w="12700" cap="flat" cmpd="sng" algn="ctr">
-          <a:solidFill>
-            <a:schemeClr val="accent1">
-              <a:hueOff val="0"/>
-              <a:satOff val="0"/>
-              <a:lumOff val="0"/>
-              <a:alphaOff val="0"/>
-            </a:schemeClr>
-          </a:solidFill>
-          <a:prstDash val="solid"/>
-          <a:miter lim="800000"/>
-        </a:ln>
-        <a:effectLst/>
-      </dsp:spPr>
-      <dsp:style>
-        <a:lnRef idx="2">
-          <a:scrgbClr r="0" g="0" b="0"/>
-        </a:lnRef>
-        <a:fillRef idx="1">
-          <a:scrgbClr r="0" g="0" b="0"/>
-        </a:fillRef>
-        <a:effectRef idx="0">
-          <a:scrgbClr r="0" g="0" b="0"/>
-        </a:effectRef>
-        <a:fontRef idx="minor"/>
-      </dsp:style>
-      <dsp:txBody>
-        <a:bodyPr spcFirstLastPara="0" vert="horz" wrap="square" lIns="20320" tIns="5080" rIns="20320" bIns="5080" numCol="1" spcCol="1270" anchor="ctr" anchorCtr="0">
-          <a:noAutofit/>
-        </a:bodyPr>
-        <a:lstStyle/>
-        <a:p>
-          <a:pPr lvl="0" algn="r" defTabSz="355600">
-            <a:lnSpc>
-              <a:spcPct val="90000"/>
-            </a:lnSpc>
-            <a:spcBef>
-              <a:spcPct val="0"/>
-            </a:spcBef>
-            <a:spcAft>
-              <a:spcPct val="35000"/>
-            </a:spcAft>
-          </a:pPr>
-          <a:r>
-            <a:rPr lang="en-US" sz="800" kern="1200" dirty="0" smtClean="0"/>
-            <a:t>Chung</a:t>
-          </a:r>
-          <a:endParaRPr lang="en-US" sz="800" kern="1200" dirty="0"/>
-        </a:p>
-      </dsp:txBody>
-      <dsp:txXfrm>
-        <a:off x="3937700" y="3199376"/>
-        <a:ext cx="678854" cy="130178"/>
-      </dsp:txXfrm>
-    </dsp:sp>
-    <dsp:sp modelId="{CFE89546-24BB-4E4C-B9D2-6DC5A4860191}">
-      <dsp:nvSpPr>
-        <dsp:cNvPr id="0" name=""/>
-        <dsp:cNvSpPr/>
-      </dsp:nvSpPr>
-      <dsp:spPr>
-        <a:xfrm>
-          <a:off x="4798807" y="2895626"/>
-          <a:ext cx="754282" cy="390534"/>
-        </a:xfrm>
-        <a:prstGeom prst="rect">
-          <a:avLst/>
-        </a:prstGeom>
-        <a:solidFill>
-          <a:schemeClr val="accent1">
-            <a:hueOff val="0"/>
-            <a:satOff val="0"/>
-            <a:lumOff val="0"/>
-            <a:alphaOff val="0"/>
-          </a:schemeClr>
-        </a:solidFill>
-        <a:ln w="12700" cap="flat" cmpd="sng" algn="ctr">
-          <a:solidFill>
-            <a:schemeClr val="lt1">
-              <a:hueOff val="0"/>
-              <a:satOff val="0"/>
-              <a:lumOff val="0"/>
-              <a:alphaOff val="0"/>
-            </a:schemeClr>
-          </a:solidFill>
-          <a:prstDash val="solid"/>
-          <a:miter lim="800000"/>
-        </a:ln>
-        <a:effectLst/>
-      </dsp:spPr>
-      <dsp:style>
-        <a:lnRef idx="2">
-          <a:scrgbClr r="0" g="0" b="0"/>
-        </a:lnRef>
-        <a:fillRef idx="1">
-          <a:scrgbClr r="0" g="0" b="0"/>
-        </a:fillRef>
-        <a:effectRef idx="0">
-          <a:scrgbClr r="0" g="0" b="0"/>
-        </a:effectRef>
-        <a:fontRef idx="minor">
-          <a:schemeClr val="lt1"/>
-        </a:fontRef>
-      </dsp:style>
-      <dsp:txBody>
-        <a:bodyPr spcFirstLastPara="0" vert="horz" wrap="square" lIns="6350" tIns="6350" rIns="6350" bIns="55109" numCol="1" spcCol="1270" anchor="ctr" anchorCtr="0">
-          <a:noAutofit/>
-        </a:bodyPr>
-        <a:lstStyle/>
-        <a:p>
-          <a:pPr lvl="0" algn="ctr" defTabSz="444500">
-            <a:lnSpc>
-              <a:spcPct val="90000"/>
-            </a:lnSpc>
-            <a:spcBef>
-              <a:spcPct val="0"/>
-            </a:spcBef>
-            <a:spcAft>
-              <a:spcPct val="35000"/>
-            </a:spcAft>
-          </a:pPr>
-          <a:r>
-            <a:rPr lang="en-US" sz="1000" kern="1200" dirty="0" smtClean="0">
-              <a:ln>
-                <a:noFill/>
-              </a:ln>
-            </a:rPr>
-            <a:t>Scale</a:t>
-          </a:r>
-          <a:endParaRPr lang="en-US" sz="1000" kern="1200" dirty="0">
-            <a:ln>
-              <a:noFill/>
-            </a:ln>
-          </a:endParaRPr>
-        </a:p>
-      </dsp:txBody>
-      <dsp:txXfrm>
-        <a:off x="4798807" y="2895626"/>
-        <a:ext cx="754282" cy="390534"/>
-      </dsp:txXfrm>
-    </dsp:sp>
-    <dsp:sp modelId="{90FBBA83-F3A2-496E-B603-5C919CDC1663}">
-      <dsp:nvSpPr>
-        <dsp:cNvPr id="0" name=""/>
-        <dsp:cNvSpPr/>
-      </dsp:nvSpPr>
-      <dsp:spPr>
-        <a:xfrm>
-          <a:off x="4949660" y="3199376"/>
-          <a:ext cx="678854" cy="130178"/>
-        </a:xfrm>
-        <a:prstGeom prst="rect">
-          <a:avLst/>
-        </a:prstGeom>
-        <a:solidFill>
-          <a:schemeClr val="lt1">
-            <a:alpha val="90000"/>
-            <a:hueOff val="0"/>
-            <a:satOff val="0"/>
-            <a:lumOff val="0"/>
-            <a:alphaOff val="0"/>
-          </a:schemeClr>
-        </a:solidFill>
-        <a:ln w="12700" cap="flat" cmpd="sng" algn="ctr">
-          <a:solidFill>
-            <a:schemeClr val="accent1">
-              <a:hueOff val="0"/>
-              <a:satOff val="0"/>
-              <a:lumOff val="0"/>
-              <a:alphaOff val="0"/>
-            </a:schemeClr>
-          </a:solidFill>
-          <a:prstDash val="solid"/>
-          <a:miter lim="800000"/>
-        </a:ln>
-        <a:effectLst/>
-      </dsp:spPr>
-      <dsp:style>
-        <a:lnRef idx="2">
-          <a:scrgbClr r="0" g="0" b="0"/>
-        </a:lnRef>
-        <a:fillRef idx="1">
-          <a:scrgbClr r="0" g="0" b="0"/>
-        </a:fillRef>
-        <a:effectRef idx="0">
-          <a:scrgbClr r="0" g="0" b="0"/>
-        </a:effectRef>
-        <a:fontRef idx="minor"/>
-      </dsp:style>
-      <dsp:txBody>
-        <a:bodyPr spcFirstLastPara="0" vert="horz" wrap="square" lIns="20320" tIns="5080" rIns="20320" bIns="5080" numCol="1" spcCol="1270" anchor="ctr" anchorCtr="0">
-          <a:noAutofit/>
-        </a:bodyPr>
-        <a:lstStyle/>
-        <a:p>
-          <a:pPr lvl="0" algn="r" defTabSz="355600">
-            <a:lnSpc>
-              <a:spcPct val="90000"/>
-            </a:lnSpc>
-            <a:spcBef>
-              <a:spcPct val="0"/>
-            </a:spcBef>
-            <a:spcAft>
-              <a:spcPct val="35000"/>
-            </a:spcAft>
-          </a:pPr>
-          <a:r>
-            <a:rPr lang="en-US" sz="800" kern="1200" dirty="0" err="1" smtClean="0"/>
-            <a:t>Huy</a:t>
-          </a:r>
-          <a:r>
-            <a:rPr lang="en-US" sz="800" kern="1200" dirty="0" smtClean="0"/>
-            <a:t> </a:t>
-          </a:r>
-          <a:r>
-            <a:rPr lang="en-US" sz="800" kern="1200" dirty="0" err="1" smtClean="0"/>
-            <a:t>Lê</a:t>
-          </a:r>
-          <a:endParaRPr lang="en-US" sz="800" kern="1200" dirty="0"/>
-        </a:p>
-      </dsp:txBody>
-      <dsp:txXfrm>
-        <a:off x="4949660" y="3199376"/>
-        <a:ext cx="678854" cy="130178"/>
-      </dsp:txXfrm>
-    </dsp:sp>
-    <dsp:sp modelId="{AFB9D362-2BF1-4804-8A88-816D440A7C19}">
-      <dsp:nvSpPr>
-        <dsp:cNvPr id="0" name=""/>
-        <dsp:cNvSpPr/>
-      </dsp:nvSpPr>
-      <dsp:spPr>
-        <a:xfrm>
-          <a:off x="5810767" y="2895626"/>
-          <a:ext cx="754282" cy="390534"/>
-        </a:xfrm>
-        <a:prstGeom prst="rect">
-          <a:avLst/>
-        </a:prstGeom>
-        <a:solidFill>
-          <a:schemeClr val="accent1">
-            <a:hueOff val="0"/>
-            <a:satOff val="0"/>
-            <a:lumOff val="0"/>
-            <a:alphaOff val="0"/>
-          </a:schemeClr>
-        </a:solidFill>
-        <a:ln w="12700" cap="flat" cmpd="sng" algn="ctr">
-          <a:solidFill>
-            <a:schemeClr val="lt1">
-              <a:hueOff val="0"/>
-              <a:satOff val="0"/>
-              <a:lumOff val="0"/>
-              <a:alphaOff val="0"/>
-            </a:schemeClr>
-          </a:solidFill>
-          <a:prstDash val="solid"/>
-          <a:miter lim="800000"/>
-        </a:ln>
-        <a:effectLst/>
-      </dsp:spPr>
-      <dsp:style>
-        <a:lnRef idx="2">
-          <a:scrgbClr r="0" g="0" b="0"/>
-        </a:lnRef>
-        <a:fillRef idx="1">
-          <a:scrgbClr r="0" g="0" b="0"/>
-        </a:fillRef>
-        <a:effectRef idx="0">
-          <a:scrgbClr r="0" g="0" b="0"/>
-        </a:effectRef>
-        <a:fontRef idx="minor">
-          <a:schemeClr val="lt1"/>
-        </a:fontRef>
-      </dsp:style>
-      <dsp:txBody>
-        <a:bodyPr spcFirstLastPara="0" vert="horz" wrap="square" lIns="6350" tIns="6350" rIns="6350" bIns="55109" numCol="1" spcCol="1270" anchor="ctr" anchorCtr="0">
-          <a:noAutofit/>
-        </a:bodyPr>
-        <a:lstStyle/>
-        <a:p>
-          <a:pPr lvl="0" algn="ctr" defTabSz="444500">
-            <a:lnSpc>
-              <a:spcPct val="90000"/>
-            </a:lnSpc>
-            <a:spcBef>
-              <a:spcPct val="0"/>
-            </a:spcBef>
-            <a:spcAft>
-              <a:spcPct val="35000"/>
-            </a:spcAft>
-          </a:pPr>
-          <a:r>
-            <a:rPr lang="en-US" sz="1000" kern="1200" dirty="0" smtClean="0">
-              <a:ln>
-                <a:noFill/>
-              </a:ln>
-            </a:rPr>
-            <a:t>Blood Pressure</a:t>
-          </a:r>
-          <a:endParaRPr lang="en-US" sz="1000" kern="1200" dirty="0">
-            <a:ln>
-              <a:noFill/>
-            </a:ln>
-          </a:endParaRPr>
-        </a:p>
-      </dsp:txBody>
-      <dsp:txXfrm>
-        <a:off x="5810767" y="2895626"/>
-        <a:ext cx="754282" cy="390534"/>
-      </dsp:txXfrm>
-    </dsp:sp>
-    <dsp:sp modelId="{55B4F1BF-50C6-4C22-949C-BA9C1E23C5FB}">
-      <dsp:nvSpPr>
-        <dsp:cNvPr id="0" name=""/>
-        <dsp:cNvSpPr/>
-      </dsp:nvSpPr>
-      <dsp:spPr>
-        <a:xfrm>
-          <a:off x="5961621" y="3199376"/>
-          <a:ext cx="678854" cy="130178"/>
-        </a:xfrm>
-        <a:prstGeom prst="rect">
-          <a:avLst/>
-        </a:prstGeom>
-        <a:solidFill>
-          <a:schemeClr val="lt1">
-            <a:alpha val="90000"/>
-            <a:hueOff val="0"/>
-            <a:satOff val="0"/>
-            <a:lumOff val="0"/>
-            <a:alphaOff val="0"/>
-          </a:schemeClr>
-        </a:solidFill>
-        <a:ln w="12700" cap="flat" cmpd="sng" algn="ctr">
-          <a:solidFill>
-            <a:schemeClr val="accent1">
-              <a:hueOff val="0"/>
-              <a:satOff val="0"/>
-              <a:lumOff val="0"/>
-              <a:alphaOff val="0"/>
-            </a:schemeClr>
-          </a:solidFill>
-          <a:prstDash val="solid"/>
-          <a:miter lim="800000"/>
-        </a:ln>
-        <a:effectLst/>
-      </dsp:spPr>
-      <dsp:style>
-        <a:lnRef idx="2">
-          <a:scrgbClr r="0" g="0" b="0"/>
-        </a:lnRef>
-        <a:fillRef idx="1">
-          <a:scrgbClr r="0" g="0" b="0"/>
-        </a:fillRef>
-        <a:effectRef idx="0">
-          <a:scrgbClr r="0" g="0" b="0"/>
-        </a:effectRef>
-        <a:fontRef idx="minor"/>
-      </dsp:style>
-      <dsp:txBody>
-        <a:bodyPr spcFirstLastPara="0" vert="horz" wrap="square" lIns="20320" tIns="5080" rIns="20320" bIns="5080" numCol="1" spcCol="1270" anchor="ctr" anchorCtr="0">
-          <a:noAutofit/>
-        </a:bodyPr>
-        <a:lstStyle/>
-        <a:p>
-          <a:pPr lvl="0" algn="r" defTabSz="355600">
-            <a:lnSpc>
-              <a:spcPct val="90000"/>
-            </a:lnSpc>
-            <a:spcBef>
-              <a:spcPct val="0"/>
-            </a:spcBef>
-            <a:spcAft>
-              <a:spcPct val="35000"/>
-            </a:spcAft>
-          </a:pPr>
-          <a:r>
-            <a:rPr lang="en-US" sz="800" kern="1200" dirty="0" err="1" smtClean="0"/>
-            <a:t>Viễn</a:t>
-          </a:r>
-          <a:endParaRPr lang="en-US" sz="800" kern="1200" dirty="0"/>
-        </a:p>
-      </dsp:txBody>
-      <dsp:txXfrm>
-        <a:off x="5961621" y="3199376"/>
-        <a:ext cx="678854" cy="130178"/>
-      </dsp:txXfrm>
-    </dsp:sp>
-    <dsp:sp modelId="{DF34769E-4D2F-4126-BB2D-4B4F109CD033}">
-      <dsp:nvSpPr>
-        <dsp:cNvPr id="0" name=""/>
-        <dsp:cNvSpPr/>
-      </dsp:nvSpPr>
-      <dsp:spPr>
-        <a:xfrm>
-          <a:off x="6822728" y="2895626"/>
-          <a:ext cx="754282" cy="390534"/>
-        </a:xfrm>
-        <a:prstGeom prst="rect">
-          <a:avLst/>
-        </a:prstGeom>
-        <a:solidFill>
-          <a:schemeClr val="accent1">
-            <a:hueOff val="0"/>
-            <a:satOff val="0"/>
-            <a:lumOff val="0"/>
-            <a:alphaOff val="0"/>
-          </a:schemeClr>
-        </a:solidFill>
-        <a:ln w="12700" cap="flat" cmpd="sng" algn="ctr">
-          <a:solidFill>
-            <a:schemeClr val="lt1">
-              <a:hueOff val="0"/>
-              <a:satOff val="0"/>
-              <a:lumOff val="0"/>
-              <a:alphaOff val="0"/>
-            </a:schemeClr>
-          </a:solidFill>
-          <a:prstDash val="solid"/>
-          <a:miter lim="800000"/>
-        </a:ln>
-        <a:effectLst/>
-      </dsp:spPr>
-      <dsp:style>
-        <a:lnRef idx="2">
-          <a:scrgbClr r="0" g="0" b="0"/>
-        </a:lnRef>
-        <a:fillRef idx="1">
-          <a:scrgbClr r="0" g="0" b="0"/>
-        </a:fillRef>
-        <a:effectRef idx="0">
-          <a:scrgbClr r="0" g="0" b="0"/>
-        </a:effectRef>
-        <a:fontRef idx="minor">
-          <a:schemeClr val="lt1"/>
-        </a:fontRef>
-      </dsp:style>
-      <dsp:txBody>
-        <a:bodyPr spcFirstLastPara="0" vert="horz" wrap="square" lIns="6350" tIns="6350" rIns="6350" bIns="55109" numCol="1" spcCol="1270" anchor="ctr" anchorCtr="0">
-          <a:noAutofit/>
-        </a:bodyPr>
-        <a:lstStyle/>
-        <a:p>
-          <a:pPr lvl="0" algn="ctr" defTabSz="444500">
-            <a:lnSpc>
-              <a:spcPct val="90000"/>
-            </a:lnSpc>
-            <a:spcBef>
-              <a:spcPct val="0"/>
-            </a:spcBef>
-            <a:spcAft>
-              <a:spcPct val="35000"/>
-            </a:spcAft>
-          </a:pPr>
-          <a:r>
-            <a:rPr lang="en-US" sz="1000" kern="1200" dirty="0" smtClean="0">
-              <a:ln>
-                <a:noFill/>
-              </a:ln>
-            </a:rPr>
-            <a:t>Temperature</a:t>
-          </a:r>
-          <a:endParaRPr lang="en-US" sz="1000" kern="1200" dirty="0">
-            <a:ln>
-              <a:noFill/>
-            </a:ln>
-          </a:endParaRPr>
-        </a:p>
-      </dsp:txBody>
-      <dsp:txXfrm>
-        <a:off x="6822728" y="2895626"/>
-        <a:ext cx="754282" cy="390534"/>
-      </dsp:txXfrm>
-    </dsp:sp>
-    <dsp:sp modelId="{1C8C9553-1E22-430B-9DE4-B54B68EA990F}">
-      <dsp:nvSpPr>
-        <dsp:cNvPr id="0" name=""/>
-        <dsp:cNvSpPr/>
-      </dsp:nvSpPr>
-      <dsp:spPr>
-        <a:xfrm>
-          <a:off x="6973582" y="3199376"/>
-          <a:ext cx="678854" cy="130178"/>
-        </a:xfrm>
-        <a:prstGeom prst="rect">
-          <a:avLst/>
-        </a:prstGeom>
-        <a:solidFill>
-          <a:schemeClr val="lt1">
-            <a:alpha val="90000"/>
-            <a:hueOff val="0"/>
-            <a:satOff val="0"/>
-            <a:lumOff val="0"/>
-            <a:alphaOff val="0"/>
-          </a:schemeClr>
-        </a:solidFill>
-        <a:ln w="12700" cap="flat" cmpd="sng" algn="ctr">
-          <a:solidFill>
-            <a:schemeClr val="accent1">
-              <a:hueOff val="0"/>
-              <a:satOff val="0"/>
-              <a:lumOff val="0"/>
-              <a:alphaOff val="0"/>
-            </a:schemeClr>
-          </a:solidFill>
-          <a:prstDash val="solid"/>
-          <a:miter lim="800000"/>
-        </a:ln>
-        <a:effectLst/>
-      </dsp:spPr>
-      <dsp:style>
-        <a:lnRef idx="2">
-          <a:scrgbClr r="0" g="0" b="0"/>
-        </a:lnRef>
-        <a:fillRef idx="1">
-          <a:scrgbClr r="0" g="0" b="0"/>
-        </a:fillRef>
-        <a:effectRef idx="0">
-          <a:scrgbClr r="0" g="0" b="0"/>
-        </a:effectRef>
-        <a:fontRef idx="minor"/>
-      </dsp:style>
-      <dsp:txBody>
-        <a:bodyPr spcFirstLastPara="0" vert="horz" wrap="square" lIns="20320" tIns="5080" rIns="20320" bIns="5080" numCol="1" spcCol="1270" anchor="ctr" anchorCtr="0">
-          <a:noAutofit/>
-        </a:bodyPr>
-        <a:lstStyle/>
-        <a:p>
-          <a:pPr lvl="0" algn="r" defTabSz="355600">
-            <a:lnSpc>
-              <a:spcPct val="90000"/>
-            </a:lnSpc>
-            <a:spcBef>
-              <a:spcPct val="0"/>
-            </a:spcBef>
-            <a:spcAft>
-              <a:spcPct val="35000"/>
-            </a:spcAft>
-          </a:pPr>
-          <a:r>
-            <a:rPr lang="en-US" sz="800" kern="1200" dirty="0" err="1" smtClean="0"/>
-            <a:t>Quang</a:t>
-          </a:r>
-          <a:r>
-            <a:rPr lang="en-US" sz="800" kern="1200" dirty="0" smtClean="0"/>
-            <a:t> + </a:t>
-          </a:r>
-          <a:r>
-            <a:rPr lang="en-US" sz="800" kern="1200" dirty="0" err="1" smtClean="0"/>
-            <a:t>Lý</a:t>
-          </a:r>
-          <a:endParaRPr lang="en-US" sz="800" kern="1200" dirty="0"/>
-        </a:p>
-      </dsp:txBody>
-      <dsp:txXfrm>
-        <a:off x="6973582" y="3199376"/>
-        <a:ext cx="678854" cy="130178"/>
-      </dsp:txXfrm>
-    </dsp:sp>
-    <dsp:sp modelId="{2362714B-268E-415C-AD8D-34969D37B522}">
-      <dsp:nvSpPr>
-        <dsp:cNvPr id="0" name=""/>
-        <dsp:cNvSpPr/>
-      </dsp:nvSpPr>
-      <dsp:spPr>
-        <a:xfrm>
-          <a:off x="8076919" y="2071504"/>
-          <a:ext cx="754282" cy="390534"/>
-        </a:xfrm>
-        <a:prstGeom prst="rect">
-          <a:avLst/>
-        </a:prstGeom>
-        <a:solidFill>
-          <a:schemeClr val="accent1">
-            <a:hueOff val="0"/>
-            <a:satOff val="0"/>
-            <a:lumOff val="0"/>
-            <a:alphaOff val="0"/>
-          </a:schemeClr>
-        </a:solidFill>
-        <a:ln w="12700" cap="flat" cmpd="sng" algn="ctr">
-          <a:solidFill>
-            <a:schemeClr val="lt1">
-              <a:hueOff val="0"/>
-              <a:satOff val="0"/>
-              <a:lumOff val="0"/>
-              <a:alphaOff val="0"/>
-            </a:schemeClr>
-          </a:solidFill>
-          <a:prstDash val="solid"/>
-          <a:miter lim="800000"/>
-        </a:ln>
-        <a:effectLst/>
-      </dsp:spPr>
-      <dsp:style>
-        <a:lnRef idx="2">
-          <a:scrgbClr r="0" g="0" b="0"/>
-        </a:lnRef>
-        <a:fillRef idx="1">
-          <a:scrgbClr r="0" g="0" b="0"/>
-        </a:fillRef>
-        <a:effectRef idx="0">
-          <a:scrgbClr r="0" g="0" b="0"/>
-        </a:effectRef>
-        <a:fontRef idx="minor">
-          <a:schemeClr val="lt1"/>
-        </a:fontRef>
-      </dsp:style>
-      <dsp:txBody>
-        <a:bodyPr spcFirstLastPara="0" vert="horz" wrap="square" lIns="6350" tIns="6350" rIns="6350" bIns="55109" numCol="1" spcCol="1270" anchor="ctr" anchorCtr="0">
-          <a:noAutofit/>
-        </a:bodyPr>
-        <a:lstStyle/>
-        <a:p>
-          <a:pPr lvl="0" algn="ctr" defTabSz="444500">
-            <a:lnSpc>
-              <a:spcPct val="90000"/>
-            </a:lnSpc>
-            <a:spcBef>
-              <a:spcPct val="0"/>
-            </a:spcBef>
-            <a:spcAft>
-              <a:spcPct val="35000"/>
-            </a:spcAft>
-          </a:pPr>
-          <a:r>
-            <a:rPr lang="en-US" sz="1000" kern="1200" dirty="0" smtClean="0">
-              <a:ln>
-                <a:noFill/>
-              </a:ln>
-            </a:rPr>
-            <a:t>Audio</a:t>
-          </a:r>
-          <a:endParaRPr lang="en-US" sz="1000" kern="1200" dirty="0">
-            <a:ln>
-              <a:noFill/>
-            </a:ln>
-          </a:endParaRPr>
-        </a:p>
-      </dsp:txBody>
-      <dsp:txXfrm>
-        <a:off x="8076919" y="2071504"/>
-        <a:ext cx="754282" cy="390534"/>
-      </dsp:txXfrm>
-    </dsp:sp>
-    <dsp:sp modelId="{56485E68-E0FD-4042-AB19-9272D79CF94C}">
-      <dsp:nvSpPr>
-        <dsp:cNvPr id="0" name=""/>
-        <dsp:cNvSpPr/>
-      </dsp:nvSpPr>
-      <dsp:spPr>
-        <a:xfrm>
-          <a:off x="8227778" y="2375252"/>
-          <a:ext cx="678854" cy="130178"/>
-        </a:xfrm>
-        <a:prstGeom prst="rect">
-          <a:avLst/>
-        </a:prstGeom>
-        <a:solidFill>
-          <a:schemeClr val="lt1">
-            <a:alpha val="90000"/>
-            <a:hueOff val="0"/>
-            <a:satOff val="0"/>
-            <a:lumOff val="0"/>
-            <a:alphaOff val="0"/>
-          </a:schemeClr>
-        </a:solidFill>
-        <a:ln w="12700" cap="flat" cmpd="sng" algn="ctr">
-          <a:solidFill>
-            <a:schemeClr val="accent1">
-              <a:hueOff val="0"/>
-              <a:satOff val="0"/>
-              <a:lumOff val="0"/>
-              <a:alphaOff val="0"/>
-            </a:schemeClr>
-          </a:solidFill>
-          <a:prstDash val="solid"/>
-          <a:miter lim="800000"/>
-        </a:ln>
-        <a:effectLst/>
-      </dsp:spPr>
-      <dsp:style>
-        <a:lnRef idx="2">
-          <a:scrgbClr r="0" g="0" b="0"/>
-        </a:lnRef>
-        <a:fillRef idx="1">
-          <a:scrgbClr r="0" g="0" b="0"/>
-        </a:fillRef>
-        <a:effectRef idx="0">
-          <a:scrgbClr r="0" g="0" b="0"/>
-        </a:effectRef>
-        <a:fontRef idx="minor"/>
-      </dsp:style>
-      <dsp:txBody>
-        <a:bodyPr spcFirstLastPara="0" vert="horz" wrap="square" lIns="20320" tIns="5080" rIns="20320" bIns="5080" numCol="1" spcCol="1270" anchor="ctr" anchorCtr="0">
-          <a:noAutofit/>
-        </a:bodyPr>
-        <a:lstStyle/>
-        <a:p>
-          <a:pPr lvl="0" algn="r" defTabSz="355600">
-            <a:lnSpc>
-              <a:spcPct val="90000"/>
-            </a:lnSpc>
-            <a:spcBef>
-              <a:spcPct val="0"/>
-            </a:spcBef>
-            <a:spcAft>
-              <a:spcPct val="35000"/>
-            </a:spcAft>
-          </a:pPr>
-          <a:r>
-            <a:rPr lang="en-US" sz="800" kern="1200" dirty="0" err="1" smtClean="0"/>
-            <a:t>Huy</a:t>
-          </a:r>
-          <a:r>
-            <a:rPr lang="en-US" sz="800" kern="1200" dirty="0" smtClean="0"/>
-            <a:t> </a:t>
-          </a:r>
-          <a:r>
-            <a:rPr lang="en-US" sz="800" kern="1200" dirty="0" err="1" smtClean="0"/>
-            <a:t>Vũ</a:t>
-          </a:r>
-          <a:endParaRPr lang="en-US" sz="800" kern="1200" dirty="0"/>
-        </a:p>
-      </dsp:txBody>
-      <dsp:txXfrm>
-        <a:off x="8227778" y="2375252"/>
-        <a:ext cx="678854" cy="130178"/>
-      </dsp:txXfrm>
-    </dsp:sp>
-    <dsp:sp modelId="{5869D7B0-BA87-41ED-83EA-DF4BB10E1B9B}">
-      <dsp:nvSpPr>
-        <dsp:cNvPr id="0" name=""/>
-        <dsp:cNvSpPr/>
-      </dsp:nvSpPr>
-      <dsp:spPr>
-        <a:xfrm>
-          <a:off x="7951557" y="2895626"/>
-          <a:ext cx="754282" cy="390534"/>
-        </a:xfrm>
-        <a:prstGeom prst="rect">
-          <a:avLst/>
-        </a:prstGeom>
-        <a:solidFill>
-          <a:schemeClr val="accent1">
-            <a:hueOff val="0"/>
-            <a:satOff val="0"/>
-            <a:lumOff val="0"/>
-            <a:alphaOff val="0"/>
-          </a:schemeClr>
-        </a:solidFill>
-        <a:ln w="12700" cap="flat" cmpd="sng" algn="ctr">
-          <a:solidFill>
-            <a:schemeClr val="lt1">
-              <a:hueOff val="0"/>
-              <a:satOff val="0"/>
-              <a:lumOff val="0"/>
-              <a:alphaOff val="0"/>
-            </a:schemeClr>
-          </a:solidFill>
-          <a:prstDash val="solid"/>
-          <a:miter lim="800000"/>
-        </a:ln>
-        <a:effectLst/>
-      </dsp:spPr>
-      <dsp:style>
-        <a:lnRef idx="2">
-          <a:scrgbClr r="0" g="0" b="0"/>
-        </a:lnRef>
-        <a:fillRef idx="1">
-          <a:scrgbClr r="0" g="0" b="0"/>
-        </a:fillRef>
-        <a:effectRef idx="0">
-          <a:scrgbClr r="0" g="0" b="0"/>
-        </a:effectRef>
-        <a:fontRef idx="minor">
-          <a:schemeClr val="lt1"/>
-        </a:fontRef>
-      </dsp:style>
-      <dsp:txBody>
-        <a:bodyPr spcFirstLastPara="0" vert="horz" wrap="square" lIns="6350" tIns="6350" rIns="6350" bIns="55109" numCol="1" spcCol="1270" anchor="ctr" anchorCtr="0">
-          <a:noAutofit/>
-        </a:bodyPr>
-        <a:lstStyle/>
-        <a:p>
-          <a:pPr lvl="0" algn="ctr" defTabSz="444500">
-            <a:lnSpc>
-              <a:spcPct val="90000"/>
-            </a:lnSpc>
-            <a:spcBef>
-              <a:spcPct val="0"/>
-            </a:spcBef>
-            <a:spcAft>
-              <a:spcPct val="35000"/>
-            </a:spcAft>
-          </a:pPr>
-          <a:r>
-            <a:rPr lang="en-US" sz="1000" kern="1200" dirty="0" smtClean="0">
-              <a:ln>
-                <a:noFill/>
-              </a:ln>
-            </a:rPr>
-            <a:t>Network</a:t>
-          </a:r>
-          <a:endParaRPr lang="en-US" sz="1000" kern="1200" dirty="0">
-            <a:ln>
-              <a:noFill/>
-            </a:ln>
-          </a:endParaRPr>
-        </a:p>
-      </dsp:txBody>
-      <dsp:txXfrm>
-        <a:off x="7951557" y="2895626"/>
-        <a:ext cx="754282" cy="390534"/>
-      </dsp:txXfrm>
-    </dsp:sp>
-    <dsp:sp modelId="{E54940C6-58E8-4CBA-B778-765232A8B46F}">
-      <dsp:nvSpPr>
-        <dsp:cNvPr id="0" name=""/>
-        <dsp:cNvSpPr/>
-      </dsp:nvSpPr>
-      <dsp:spPr>
-        <a:xfrm>
-          <a:off x="8102542" y="3199376"/>
-          <a:ext cx="678854" cy="130178"/>
-        </a:xfrm>
-        <a:prstGeom prst="rect">
-          <a:avLst/>
-        </a:prstGeom>
-        <a:solidFill>
-          <a:schemeClr val="lt1">
-            <a:alpha val="90000"/>
-            <a:hueOff val="0"/>
-            <a:satOff val="0"/>
-            <a:lumOff val="0"/>
-            <a:alphaOff val="0"/>
-          </a:schemeClr>
-        </a:solidFill>
-        <a:ln w="12700" cap="flat" cmpd="sng" algn="ctr">
-          <a:solidFill>
-            <a:schemeClr val="accent1">
-              <a:hueOff val="0"/>
-              <a:satOff val="0"/>
-              <a:lumOff val="0"/>
-              <a:alphaOff val="0"/>
-            </a:schemeClr>
-          </a:solidFill>
-          <a:prstDash val="solid"/>
-          <a:miter lim="800000"/>
-        </a:ln>
-        <a:effectLst/>
-      </dsp:spPr>
-      <dsp:style>
-        <a:lnRef idx="2">
-          <a:scrgbClr r="0" g="0" b="0"/>
-        </a:lnRef>
-        <a:fillRef idx="1">
-          <a:scrgbClr r="0" g="0" b="0"/>
-        </a:fillRef>
-        <a:effectRef idx="0">
-          <a:scrgbClr r="0" g="0" b="0"/>
-        </a:effectRef>
-        <a:fontRef idx="minor"/>
-      </dsp:style>
-      <dsp:txBody>
-        <a:bodyPr spcFirstLastPara="0" vert="horz" wrap="square" lIns="20320" tIns="5080" rIns="20320" bIns="5080" numCol="1" spcCol="1270" anchor="ctr" anchorCtr="0">
-          <a:noAutofit/>
-        </a:bodyPr>
-        <a:lstStyle/>
-        <a:p>
-          <a:pPr lvl="0" algn="r" defTabSz="355600">
-            <a:lnSpc>
-              <a:spcPct val="90000"/>
-            </a:lnSpc>
-            <a:spcBef>
-              <a:spcPct val="0"/>
-            </a:spcBef>
-            <a:spcAft>
-              <a:spcPct val="35000"/>
-            </a:spcAft>
-          </a:pPr>
-          <a:r>
-            <a:rPr lang="en-US" sz="800" kern="1200" dirty="0" smtClean="0"/>
-            <a:t>C + Q + L</a:t>
-          </a:r>
-          <a:endParaRPr lang="en-US" sz="800" kern="1200" dirty="0"/>
-        </a:p>
-      </dsp:txBody>
-      <dsp:txXfrm>
-        <a:off x="8102542" y="3199376"/>
-        <a:ext cx="678854" cy="130178"/>
-      </dsp:txXfrm>
-    </dsp:sp>
-    <dsp:sp modelId="{A87A984C-6CFD-4577-959C-7E3FFD394C91}">
-      <dsp:nvSpPr>
-        <dsp:cNvPr id="0" name=""/>
-        <dsp:cNvSpPr/>
-      </dsp:nvSpPr>
-      <dsp:spPr>
-        <a:xfrm>
-          <a:off x="7445576" y="3511802"/>
-          <a:ext cx="754282" cy="390534"/>
-        </a:xfrm>
-        <a:prstGeom prst="rect">
-          <a:avLst/>
-        </a:prstGeom>
-        <a:solidFill>
-          <a:schemeClr val="accent1">
-            <a:hueOff val="0"/>
-            <a:satOff val="0"/>
-            <a:lumOff val="0"/>
-            <a:alphaOff val="0"/>
-          </a:schemeClr>
-        </a:solidFill>
-        <a:ln w="12700" cap="flat" cmpd="sng" algn="ctr">
-          <a:solidFill>
-            <a:schemeClr val="lt1">
-              <a:hueOff val="0"/>
-              <a:satOff val="0"/>
-              <a:lumOff val="0"/>
-              <a:alphaOff val="0"/>
-            </a:schemeClr>
-          </a:solidFill>
-          <a:prstDash val="solid"/>
-          <a:miter lim="800000"/>
-        </a:ln>
-        <a:effectLst/>
-      </dsp:spPr>
-      <dsp:style>
-        <a:lnRef idx="2">
-          <a:scrgbClr r="0" g="0" b="0"/>
-        </a:lnRef>
-        <a:fillRef idx="1">
-          <a:scrgbClr r="0" g="0" b="0"/>
-        </a:fillRef>
-        <a:effectRef idx="0">
-          <a:scrgbClr r="0" g="0" b="0"/>
-        </a:effectRef>
-        <a:fontRef idx="minor">
-          <a:schemeClr val="lt1"/>
-        </a:fontRef>
-      </dsp:style>
-      <dsp:txBody>
-        <a:bodyPr spcFirstLastPara="0" vert="horz" wrap="square" lIns="6350" tIns="6350" rIns="6350" bIns="55109" numCol="1" spcCol="1270" anchor="ctr" anchorCtr="0">
-          <a:noAutofit/>
-        </a:bodyPr>
-        <a:lstStyle/>
-        <a:p>
-          <a:pPr lvl="0" algn="ctr" defTabSz="444500">
-            <a:lnSpc>
-              <a:spcPct val="90000"/>
-            </a:lnSpc>
-            <a:spcBef>
-              <a:spcPct val="0"/>
-            </a:spcBef>
-            <a:spcAft>
-              <a:spcPct val="35000"/>
-            </a:spcAft>
-          </a:pPr>
-          <a:r>
-            <a:rPr lang="en-US" sz="1000" kern="1200" dirty="0" smtClean="0">
-              <a:ln>
-                <a:noFill/>
-              </a:ln>
-            </a:rPr>
-            <a:t>Bluetooth</a:t>
-          </a:r>
-          <a:endParaRPr lang="en-US" sz="1000" kern="1200" dirty="0">
-            <a:ln>
-              <a:noFill/>
-            </a:ln>
-          </a:endParaRPr>
-        </a:p>
-      </dsp:txBody>
-      <dsp:txXfrm>
-        <a:off x="7445576" y="3511802"/>
-        <a:ext cx="754282" cy="390534"/>
-      </dsp:txXfrm>
-    </dsp:sp>
-    <dsp:sp modelId="{B8678737-CE7A-439C-B1F9-46646F440843}">
-      <dsp:nvSpPr>
-        <dsp:cNvPr id="0" name=""/>
-        <dsp:cNvSpPr/>
-      </dsp:nvSpPr>
-      <dsp:spPr>
-        <a:xfrm>
-          <a:off x="7596561" y="3815552"/>
-          <a:ext cx="678854" cy="130178"/>
-        </a:xfrm>
-        <a:prstGeom prst="rect">
-          <a:avLst/>
-        </a:prstGeom>
-        <a:solidFill>
-          <a:schemeClr val="lt1">
-            <a:alpha val="90000"/>
-            <a:hueOff val="0"/>
-            <a:satOff val="0"/>
-            <a:lumOff val="0"/>
-            <a:alphaOff val="0"/>
-          </a:schemeClr>
-        </a:solidFill>
-        <a:ln w="12700" cap="flat" cmpd="sng" algn="ctr">
-          <a:solidFill>
-            <a:schemeClr val="accent1">
-              <a:hueOff val="0"/>
-              <a:satOff val="0"/>
-              <a:lumOff val="0"/>
-              <a:alphaOff val="0"/>
-            </a:schemeClr>
-          </a:solidFill>
-          <a:prstDash val="solid"/>
-          <a:miter lim="800000"/>
-        </a:ln>
-        <a:effectLst/>
-      </dsp:spPr>
-      <dsp:style>
-        <a:lnRef idx="2">
-          <a:scrgbClr r="0" g="0" b="0"/>
-        </a:lnRef>
-        <a:fillRef idx="1">
-          <a:scrgbClr r="0" g="0" b="0"/>
-        </a:fillRef>
-        <a:effectRef idx="0">
-          <a:scrgbClr r="0" g="0" b="0"/>
-        </a:effectRef>
-        <a:fontRef idx="minor"/>
-      </dsp:style>
-      <dsp:txBody>
-        <a:bodyPr spcFirstLastPara="0" vert="horz" wrap="square" lIns="20320" tIns="5080" rIns="20320" bIns="5080" numCol="1" spcCol="1270" anchor="ctr" anchorCtr="0">
-          <a:noAutofit/>
-        </a:bodyPr>
-        <a:lstStyle/>
-        <a:p>
-          <a:pPr lvl="0" algn="r" defTabSz="355600">
-            <a:lnSpc>
-              <a:spcPct val="90000"/>
-            </a:lnSpc>
-            <a:spcBef>
-              <a:spcPct val="0"/>
-            </a:spcBef>
-            <a:spcAft>
-              <a:spcPct val="35000"/>
-            </a:spcAft>
-          </a:pPr>
-          <a:r>
-            <a:rPr lang="en-US" sz="800" kern="1200" dirty="0" smtClean="0"/>
-            <a:t>Chung</a:t>
-          </a:r>
-          <a:endParaRPr lang="en-US" sz="800" kern="1200" dirty="0"/>
-        </a:p>
-      </dsp:txBody>
-      <dsp:txXfrm>
-        <a:off x="7596561" y="3815552"/>
-        <a:ext cx="678854" cy="130178"/>
-      </dsp:txXfrm>
-    </dsp:sp>
-    <dsp:sp modelId="{8640947B-194A-47A9-B1AF-1EA261CF2D9A}">
-      <dsp:nvSpPr>
-        <dsp:cNvPr id="0" name=""/>
-        <dsp:cNvSpPr/>
-      </dsp:nvSpPr>
-      <dsp:spPr>
-        <a:xfrm>
-          <a:off x="8457537" y="3511802"/>
-          <a:ext cx="754282" cy="390534"/>
-        </a:xfrm>
-        <a:prstGeom prst="rect">
-          <a:avLst/>
-        </a:prstGeom>
-        <a:solidFill>
-          <a:schemeClr val="accent1">
-            <a:hueOff val="0"/>
-            <a:satOff val="0"/>
-            <a:lumOff val="0"/>
-            <a:alphaOff val="0"/>
-          </a:schemeClr>
-        </a:solidFill>
-        <a:ln w="12700" cap="flat" cmpd="sng" algn="ctr">
-          <a:solidFill>
-            <a:schemeClr val="lt1">
-              <a:hueOff val="0"/>
-              <a:satOff val="0"/>
-              <a:lumOff val="0"/>
-              <a:alphaOff val="0"/>
-            </a:schemeClr>
-          </a:solidFill>
-          <a:prstDash val="solid"/>
-          <a:miter lim="800000"/>
-        </a:ln>
-        <a:effectLst/>
-      </dsp:spPr>
-      <dsp:style>
-        <a:lnRef idx="2">
-          <a:scrgbClr r="0" g="0" b="0"/>
-        </a:lnRef>
-        <a:fillRef idx="1">
-          <a:scrgbClr r="0" g="0" b="0"/>
-        </a:fillRef>
-        <a:effectRef idx="0">
-          <a:scrgbClr r="0" g="0" b="0"/>
-        </a:effectRef>
-        <a:fontRef idx="minor">
-          <a:schemeClr val="lt1"/>
-        </a:fontRef>
-      </dsp:style>
-      <dsp:txBody>
-        <a:bodyPr spcFirstLastPara="0" vert="horz" wrap="square" lIns="6350" tIns="6350" rIns="6350" bIns="55109" numCol="1" spcCol="1270" anchor="ctr" anchorCtr="0">
-          <a:noAutofit/>
-        </a:bodyPr>
-        <a:lstStyle/>
-        <a:p>
-          <a:pPr lvl="0" algn="ctr" defTabSz="444500">
-            <a:lnSpc>
-              <a:spcPct val="90000"/>
-            </a:lnSpc>
-            <a:spcBef>
-              <a:spcPct val="0"/>
-            </a:spcBef>
-            <a:spcAft>
-              <a:spcPct val="35000"/>
-            </a:spcAft>
-          </a:pPr>
-          <a:r>
-            <a:rPr lang="en-US" sz="1000" kern="1200" dirty="0" smtClean="0">
-              <a:ln>
-                <a:noFill/>
-              </a:ln>
-            </a:rPr>
-            <a:t>Connect server (</a:t>
-          </a:r>
-          <a:r>
-            <a:rPr lang="en-US" sz="1000" kern="1200" dirty="0" err="1" smtClean="0">
-              <a:ln>
-                <a:noFill/>
-              </a:ln>
-            </a:rPr>
-            <a:t>WiFi</a:t>
-          </a:r>
-          <a:r>
-            <a:rPr lang="en-US" sz="1000" kern="1200" dirty="0" smtClean="0">
-              <a:ln>
-                <a:noFill/>
-              </a:ln>
-            </a:rPr>
-            <a:t>)</a:t>
-          </a:r>
-          <a:endParaRPr lang="en-US" sz="1000" kern="1200" dirty="0">
-            <a:ln>
-              <a:noFill/>
-            </a:ln>
-          </a:endParaRPr>
-        </a:p>
-      </dsp:txBody>
-      <dsp:txXfrm>
-        <a:off x="8457537" y="3511802"/>
-        <a:ext cx="754282" cy="390534"/>
-      </dsp:txXfrm>
-    </dsp:sp>
-    <dsp:sp modelId="{C48C0AD5-7FDA-402D-8C54-E342ACEB9FDD}">
-      <dsp:nvSpPr>
-        <dsp:cNvPr id="0" name=""/>
-        <dsp:cNvSpPr/>
-      </dsp:nvSpPr>
-      <dsp:spPr>
-        <a:xfrm>
-          <a:off x="8608522" y="3815552"/>
-          <a:ext cx="678854" cy="130178"/>
-        </a:xfrm>
-        <a:prstGeom prst="rect">
-          <a:avLst/>
-        </a:prstGeom>
-        <a:solidFill>
-          <a:schemeClr val="lt1">
-            <a:alpha val="90000"/>
-            <a:hueOff val="0"/>
-            <a:satOff val="0"/>
-            <a:lumOff val="0"/>
-            <a:alphaOff val="0"/>
-          </a:schemeClr>
-        </a:solidFill>
-        <a:ln w="12700" cap="flat" cmpd="sng" algn="ctr">
-          <a:solidFill>
-            <a:schemeClr val="accent1">
-              <a:hueOff val="0"/>
-              <a:satOff val="0"/>
-              <a:lumOff val="0"/>
-              <a:alphaOff val="0"/>
-            </a:schemeClr>
-          </a:solidFill>
-          <a:prstDash val="solid"/>
-          <a:miter lim="800000"/>
-        </a:ln>
-        <a:effectLst/>
-      </dsp:spPr>
-      <dsp:style>
-        <a:lnRef idx="2">
-          <a:scrgbClr r="0" g="0" b="0"/>
-        </a:lnRef>
-        <a:fillRef idx="1">
-          <a:scrgbClr r="0" g="0" b="0"/>
-        </a:fillRef>
-        <a:effectRef idx="0">
-          <a:scrgbClr r="0" g="0" b="0"/>
-        </a:effectRef>
-        <a:fontRef idx="minor"/>
-      </dsp:style>
-      <dsp:txBody>
-        <a:bodyPr spcFirstLastPara="0" vert="horz" wrap="square" lIns="20320" tIns="5080" rIns="20320" bIns="5080" numCol="1" spcCol="1270" anchor="ctr" anchorCtr="0">
-          <a:noAutofit/>
-        </a:bodyPr>
-        <a:lstStyle/>
-        <a:p>
-          <a:pPr lvl="0" algn="r" defTabSz="355600">
-            <a:lnSpc>
-              <a:spcPct val="90000"/>
-            </a:lnSpc>
-            <a:spcBef>
-              <a:spcPct val="0"/>
-            </a:spcBef>
-            <a:spcAft>
-              <a:spcPct val="35000"/>
-            </a:spcAft>
-          </a:pPr>
-          <a:r>
-            <a:rPr lang="en-US" sz="800" kern="1200" dirty="0" err="1" smtClean="0"/>
-            <a:t>Quang</a:t>
-          </a:r>
-          <a:r>
-            <a:rPr lang="en-US" sz="800" kern="1200" dirty="0" smtClean="0"/>
-            <a:t> + </a:t>
-          </a:r>
-          <a:r>
-            <a:rPr lang="en-US" sz="800" kern="1200" dirty="0" err="1" smtClean="0"/>
-            <a:t>Lý</a:t>
-          </a:r>
-          <a:endParaRPr lang="en-US" sz="800" kern="1200" dirty="0"/>
-        </a:p>
-      </dsp:txBody>
-      <dsp:txXfrm>
-        <a:off x="8608522" y="3815552"/>
-        <a:ext cx="678854" cy="130178"/>
-      </dsp:txXfrm>
-    </dsp:sp>
-    <dsp:sp modelId="{14D029E2-857D-44DD-8D05-298004F76829}">
-      <dsp:nvSpPr>
-        <dsp:cNvPr id="0" name=""/>
-        <dsp:cNvSpPr/>
-      </dsp:nvSpPr>
-      <dsp:spPr>
-        <a:xfrm>
-          <a:off x="10740947" y="2903948"/>
-          <a:ext cx="754282" cy="390534"/>
-        </a:xfrm>
-        <a:prstGeom prst="rect">
-          <a:avLst/>
-        </a:prstGeom>
-        <a:solidFill>
-          <a:schemeClr val="accent1">
-            <a:hueOff val="0"/>
-            <a:satOff val="0"/>
-            <a:lumOff val="0"/>
-            <a:alphaOff val="0"/>
-          </a:schemeClr>
-        </a:solidFill>
-        <a:ln w="12700" cap="flat" cmpd="sng" algn="ctr">
-          <a:solidFill>
-            <a:schemeClr val="lt1">
-              <a:hueOff val="0"/>
-              <a:satOff val="0"/>
-              <a:lumOff val="0"/>
-              <a:alphaOff val="0"/>
-            </a:schemeClr>
-          </a:solidFill>
-          <a:prstDash val="solid"/>
-          <a:miter lim="800000"/>
-        </a:ln>
-        <a:effectLst/>
-      </dsp:spPr>
-      <dsp:style>
-        <a:lnRef idx="2">
-          <a:scrgbClr r="0" g="0" b="0"/>
-        </a:lnRef>
-        <a:fillRef idx="1">
-          <a:scrgbClr r="0" g="0" b="0"/>
-        </a:fillRef>
-        <a:effectRef idx="0">
-          <a:scrgbClr r="0" g="0" b="0"/>
-        </a:effectRef>
-        <a:fontRef idx="minor">
-          <a:schemeClr val="lt1"/>
-        </a:fontRef>
-      </dsp:style>
-      <dsp:txBody>
-        <a:bodyPr spcFirstLastPara="0" vert="horz" wrap="square" lIns="6350" tIns="6350" rIns="6350" bIns="55109" numCol="1" spcCol="1270" anchor="ctr" anchorCtr="0">
-          <a:noAutofit/>
-        </a:bodyPr>
-        <a:lstStyle/>
-        <a:p>
-          <a:pPr lvl="0" algn="ctr" defTabSz="444500">
-            <a:lnSpc>
-              <a:spcPct val="90000"/>
-            </a:lnSpc>
-            <a:spcBef>
-              <a:spcPct val="0"/>
-            </a:spcBef>
-            <a:spcAft>
-              <a:spcPct val="35000"/>
-            </a:spcAft>
-          </a:pPr>
-          <a:r>
-            <a:rPr lang="en-US" sz="1000" kern="1200" dirty="0" smtClean="0">
-              <a:ln>
-                <a:noFill/>
-              </a:ln>
-            </a:rPr>
-            <a:t>Utility</a:t>
-          </a:r>
-          <a:endParaRPr lang="en-US" sz="1000" kern="1200" dirty="0">
-            <a:ln>
-              <a:noFill/>
-            </a:ln>
-          </a:endParaRPr>
-        </a:p>
-      </dsp:txBody>
-      <dsp:txXfrm>
-        <a:off x="10740947" y="2903948"/>
-        <a:ext cx="754282" cy="390534"/>
-      </dsp:txXfrm>
-    </dsp:sp>
-    <dsp:sp modelId="{B0382EE2-FD72-417B-AE7B-C303E355B02A}">
-      <dsp:nvSpPr>
-        <dsp:cNvPr id="0" name=""/>
-        <dsp:cNvSpPr/>
-      </dsp:nvSpPr>
-      <dsp:spPr>
-        <a:xfrm>
-          <a:off x="10891804" y="3207697"/>
-          <a:ext cx="678854" cy="130178"/>
-        </a:xfrm>
-        <a:prstGeom prst="rect">
-          <a:avLst/>
-        </a:prstGeom>
-        <a:solidFill>
-          <a:schemeClr val="lt1">
-            <a:alpha val="90000"/>
-            <a:hueOff val="0"/>
-            <a:satOff val="0"/>
-            <a:lumOff val="0"/>
-            <a:alphaOff val="0"/>
-          </a:schemeClr>
-        </a:solidFill>
-        <a:ln w="12700" cap="flat" cmpd="sng" algn="ctr">
-          <a:solidFill>
-            <a:schemeClr val="accent1">
-              <a:hueOff val="0"/>
-              <a:satOff val="0"/>
-              <a:lumOff val="0"/>
-              <a:alphaOff val="0"/>
-            </a:schemeClr>
-          </a:solidFill>
-          <a:prstDash val="solid"/>
-          <a:miter lim="800000"/>
-        </a:ln>
-        <a:effectLst/>
-      </dsp:spPr>
-      <dsp:style>
-        <a:lnRef idx="2">
-          <a:scrgbClr r="0" g="0" b="0"/>
-        </a:lnRef>
-        <a:fillRef idx="1">
-          <a:scrgbClr r="0" g="0" b="0"/>
-        </a:fillRef>
-        <a:effectRef idx="0">
-          <a:scrgbClr r="0" g="0" b="0"/>
-        </a:effectRef>
-        <a:fontRef idx="minor"/>
-      </dsp:style>
-      <dsp:txBody>
-        <a:bodyPr spcFirstLastPara="0" vert="horz" wrap="square" lIns="20320" tIns="5080" rIns="20320" bIns="5080" numCol="1" spcCol="1270" anchor="ctr" anchorCtr="0">
-          <a:noAutofit/>
-        </a:bodyPr>
-        <a:lstStyle/>
-        <a:p>
-          <a:pPr lvl="0" algn="r" defTabSz="355600">
-            <a:lnSpc>
-              <a:spcPct val="90000"/>
-            </a:lnSpc>
-            <a:spcBef>
-              <a:spcPct val="0"/>
-            </a:spcBef>
-            <a:spcAft>
-              <a:spcPct val="35000"/>
-            </a:spcAft>
-          </a:pPr>
-          <a:r>
-            <a:rPr lang="en-US" sz="800" kern="1200" dirty="0" smtClean="0"/>
-            <a:t>C + Q + T + L</a:t>
-          </a:r>
-          <a:endParaRPr lang="en-US" sz="800" kern="1200" dirty="0"/>
-        </a:p>
-      </dsp:txBody>
-      <dsp:txXfrm>
-        <a:off x="10891804" y="3207697"/>
-        <a:ext cx="678854" cy="130178"/>
-      </dsp:txXfrm>
-    </dsp:sp>
-    <dsp:sp modelId="{B808BE66-9B95-4F1D-AFF5-D7D093912E44}">
-      <dsp:nvSpPr>
-        <dsp:cNvPr id="0" name=""/>
-        <dsp:cNvSpPr/>
-      </dsp:nvSpPr>
-      <dsp:spPr>
-        <a:xfrm>
-          <a:off x="10234967" y="3520124"/>
-          <a:ext cx="754282" cy="390534"/>
-        </a:xfrm>
-        <a:prstGeom prst="rect">
-          <a:avLst/>
-        </a:prstGeom>
-        <a:solidFill>
-          <a:schemeClr val="accent1">
-            <a:hueOff val="0"/>
-            <a:satOff val="0"/>
-            <a:lumOff val="0"/>
-            <a:alphaOff val="0"/>
-          </a:schemeClr>
-        </a:solidFill>
-        <a:ln w="12700" cap="flat" cmpd="sng" algn="ctr">
-          <a:solidFill>
-            <a:schemeClr val="lt1">
-              <a:hueOff val="0"/>
-              <a:satOff val="0"/>
-              <a:lumOff val="0"/>
-              <a:alphaOff val="0"/>
-            </a:schemeClr>
-          </a:solidFill>
-          <a:prstDash val="solid"/>
-          <a:miter lim="800000"/>
-        </a:ln>
-        <a:effectLst/>
-      </dsp:spPr>
-      <dsp:style>
-        <a:lnRef idx="2">
-          <a:scrgbClr r="0" g="0" b="0"/>
-        </a:lnRef>
-        <a:fillRef idx="1">
-          <a:scrgbClr r="0" g="0" b="0"/>
-        </a:fillRef>
-        <a:effectRef idx="0">
-          <a:scrgbClr r="0" g="0" b="0"/>
-        </a:effectRef>
-        <a:fontRef idx="minor">
-          <a:schemeClr val="lt1"/>
-        </a:fontRef>
-      </dsp:style>
-      <dsp:txBody>
-        <a:bodyPr spcFirstLastPara="0" vert="horz" wrap="square" lIns="6350" tIns="6350" rIns="6350" bIns="55109" numCol="1" spcCol="1270" anchor="ctr" anchorCtr="0">
-          <a:noAutofit/>
-        </a:bodyPr>
-        <a:lstStyle/>
-        <a:p>
-          <a:pPr lvl="0" algn="ctr" defTabSz="444500">
-            <a:lnSpc>
-              <a:spcPct val="90000"/>
-            </a:lnSpc>
-            <a:spcBef>
-              <a:spcPct val="0"/>
-            </a:spcBef>
-            <a:spcAft>
-              <a:spcPct val="35000"/>
-            </a:spcAft>
-          </a:pPr>
-          <a:r>
-            <a:rPr lang="en-US" sz="1000" kern="1200" dirty="0" smtClean="0">
-              <a:ln>
-                <a:noFill/>
-              </a:ln>
-            </a:rPr>
-            <a:t>Android phone</a:t>
-          </a:r>
-          <a:endParaRPr lang="en-US" sz="1000" kern="1200" dirty="0">
-            <a:ln>
-              <a:noFill/>
-            </a:ln>
-          </a:endParaRPr>
-        </a:p>
-      </dsp:txBody>
-      <dsp:txXfrm>
-        <a:off x="10234967" y="3520124"/>
-        <a:ext cx="754282" cy="390534"/>
-      </dsp:txXfrm>
-    </dsp:sp>
-    <dsp:sp modelId="{70C66616-33FA-4CCF-A1A3-BCA0E7916AFC}">
-      <dsp:nvSpPr>
-        <dsp:cNvPr id="0" name=""/>
-        <dsp:cNvSpPr/>
-      </dsp:nvSpPr>
-      <dsp:spPr>
-        <a:xfrm>
-          <a:off x="10385823" y="3823873"/>
-          <a:ext cx="678854" cy="130178"/>
-        </a:xfrm>
-        <a:prstGeom prst="rect">
-          <a:avLst/>
-        </a:prstGeom>
-        <a:solidFill>
-          <a:schemeClr val="lt1">
-            <a:alpha val="90000"/>
-            <a:hueOff val="0"/>
-            <a:satOff val="0"/>
-            <a:lumOff val="0"/>
-            <a:alphaOff val="0"/>
-          </a:schemeClr>
-        </a:solidFill>
-        <a:ln w="12700" cap="flat" cmpd="sng" algn="ctr">
-          <a:solidFill>
-            <a:schemeClr val="accent1">
-              <a:hueOff val="0"/>
-              <a:satOff val="0"/>
-              <a:lumOff val="0"/>
-              <a:alphaOff val="0"/>
-            </a:schemeClr>
-          </a:solidFill>
-          <a:prstDash val="solid"/>
-          <a:miter lim="800000"/>
-        </a:ln>
-        <a:effectLst/>
-      </dsp:spPr>
-      <dsp:style>
-        <a:lnRef idx="2">
-          <a:scrgbClr r="0" g="0" b="0"/>
-        </a:lnRef>
-        <a:fillRef idx="1">
-          <a:scrgbClr r="0" g="0" b="0"/>
-        </a:fillRef>
-        <a:effectRef idx="0">
-          <a:scrgbClr r="0" g="0" b="0"/>
-        </a:effectRef>
-        <a:fontRef idx="minor"/>
-      </dsp:style>
-      <dsp:txBody>
-        <a:bodyPr spcFirstLastPara="0" vert="horz" wrap="square" lIns="20320" tIns="5080" rIns="20320" bIns="5080" numCol="1" spcCol="1270" anchor="ctr" anchorCtr="0">
-          <a:noAutofit/>
-        </a:bodyPr>
-        <a:lstStyle/>
-        <a:p>
-          <a:pPr lvl="0" algn="r" defTabSz="355600">
-            <a:lnSpc>
-              <a:spcPct val="90000"/>
-            </a:lnSpc>
-            <a:spcBef>
-              <a:spcPct val="0"/>
-            </a:spcBef>
-            <a:spcAft>
-              <a:spcPct val="35000"/>
-            </a:spcAft>
-          </a:pPr>
-          <a:r>
-            <a:rPr lang="en-US" sz="800" kern="1200" dirty="0" smtClean="0"/>
-            <a:t>Chung + </a:t>
-          </a:r>
-          <a:r>
-            <a:rPr lang="en-US" sz="800" kern="1200" dirty="0" err="1" smtClean="0"/>
-            <a:t>Thành</a:t>
-          </a:r>
-          <a:endParaRPr lang="en-US" sz="800" kern="1200" dirty="0" smtClean="0"/>
-        </a:p>
-      </dsp:txBody>
-      <dsp:txXfrm>
-        <a:off x="10385823" y="3823873"/>
-        <a:ext cx="678854" cy="130178"/>
-      </dsp:txXfrm>
-    </dsp:sp>
-    <dsp:sp modelId="{35F89F19-3BE9-457B-A320-CF709CA75AF1}">
-      <dsp:nvSpPr>
-        <dsp:cNvPr id="0" name=""/>
-        <dsp:cNvSpPr/>
-      </dsp:nvSpPr>
-      <dsp:spPr>
-        <a:xfrm>
-          <a:off x="9728986" y="4136301"/>
-          <a:ext cx="754282" cy="390534"/>
-        </a:xfrm>
-        <a:prstGeom prst="rect">
-          <a:avLst/>
-        </a:prstGeom>
-        <a:solidFill>
-          <a:schemeClr val="accent1">
-            <a:hueOff val="0"/>
-            <a:satOff val="0"/>
-            <a:lumOff val="0"/>
-            <a:alphaOff val="0"/>
-          </a:schemeClr>
-        </a:solidFill>
-        <a:ln w="12700" cap="flat" cmpd="sng" algn="ctr">
-          <a:solidFill>
-            <a:schemeClr val="lt1">
-              <a:hueOff val="0"/>
-              <a:satOff val="0"/>
-              <a:lumOff val="0"/>
-              <a:alphaOff val="0"/>
-            </a:schemeClr>
-          </a:solidFill>
-          <a:prstDash val="solid"/>
-          <a:miter lim="800000"/>
-        </a:ln>
-        <a:effectLst/>
-      </dsp:spPr>
-      <dsp:style>
-        <a:lnRef idx="2">
-          <a:scrgbClr r="0" g="0" b="0"/>
-        </a:lnRef>
-        <a:fillRef idx="1">
-          <a:scrgbClr r="0" g="0" b="0"/>
-        </a:fillRef>
-        <a:effectRef idx="0">
-          <a:scrgbClr r="0" g="0" b="0"/>
-        </a:effectRef>
-        <a:fontRef idx="minor">
-          <a:schemeClr val="lt1"/>
-        </a:fontRef>
-      </dsp:style>
-      <dsp:txBody>
-        <a:bodyPr spcFirstLastPara="0" vert="horz" wrap="square" lIns="6350" tIns="6350" rIns="6350" bIns="55109" numCol="1" spcCol="1270" anchor="ctr" anchorCtr="0">
-          <a:noAutofit/>
-        </a:bodyPr>
-        <a:lstStyle/>
-        <a:p>
-          <a:pPr lvl="0" algn="ctr" defTabSz="444500">
-            <a:lnSpc>
-              <a:spcPct val="90000"/>
-            </a:lnSpc>
-            <a:spcBef>
-              <a:spcPct val="0"/>
-            </a:spcBef>
-            <a:spcAft>
-              <a:spcPct val="35000"/>
-            </a:spcAft>
-          </a:pPr>
-          <a:r>
-            <a:rPr lang="en-US" sz="1000" kern="1200" dirty="0" smtClean="0">
-              <a:ln>
-                <a:noFill/>
-              </a:ln>
-            </a:rPr>
-            <a:t>User profile</a:t>
-          </a:r>
-          <a:endParaRPr lang="en-US" sz="1000" kern="1200" dirty="0">
-            <a:ln>
-              <a:noFill/>
-            </a:ln>
-          </a:endParaRPr>
-        </a:p>
-      </dsp:txBody>
-      <dsp:txXfrm>
-        <a:off x="9728986" y="4136301"/>
-        <a:ext cx="754282" cy="390534"/>
-      </dsp:txXfrm>
-    </dsp:sp>
-    <dsp:sp modelId="{EC7D588F-274C-4279-B592-07150993AB65}">
-      <dsp:nvSpPr>
-        <dsp:cNvPr id="0" name=""/>
-        <dsp:cNvSpPr/>
-      </dsp:nvSpPr>
-      <dsp:spPr>
-        <a:xfrm>
-          <a:off x="9879843" y="4440049"/>
-          <a:ext cx="678854" cy="130178"/>
-        </a:xfrm>
-        <a:prstGeom prst="rect">
-          <a:avLst/>
-        </a:prstGeom>
-        <a:solidFill>
-          <a:schemeClr val="lt1">
-            <a:alpha val="90000"/>
-            <a:hueOff val="0"/>
-            <a:satOff val="0"/>
-            <a:lumOff val="0"/>
-            <a:alphaOff val="0"/>
-          </a:schemeClr>
-        </a:solidFill>
-        <a:ln w="12700" cap="flat" cmpd="sng" algn="ctr">
-          <a:solidFill>
-            <a:schemeClr val="accent1">
-              <a:hueOff val="0"/>
-              <a:satOff val="0"/>
-              <a:lumOff val="0"/>
-              <a:alphaOff val="0"/>
-            </a:schemeClr>
-          </a:solidFill>
-          <a:prstDash val="solid"/>
-          <a:miter lim="800000"/>
-        </a:ln>
-        <a:effectLst/>
-      </dsp:spPr>
-      <dsp:style>
-        <a:lnRef idx="2">
-          <a:scrgbClr r="0" g="0" b="0"/>
-        </a:lnRef>
-        <a:fillRef idx="1">
-          <a:scrgbClr r="0" g="0" b="0"/>
-        </a:fillRef>
-        <a:effectRef idx="0">
-          <a:scrgbClr r="0" g="0" b="0"/>
-        </a:effectRef>
-        <a:fontRef idx="minor"/>
-      </dsp:style>
-      <dsp:txBody>
-        <a:bodyPr spcFirstLastPara="0" vert="horz" wrap="square" lIns="20320" tIns="5080" rIns="20320" bIns="5080" numCol="1" spcCol="1270" anchor="ctr" anchorCtr="0">
-          <a:noAutofit/>
-        </a:bodyPr>
-        <a:lstStyle/>
-        <a:p>
-          <a:pPr lvl="0" algn="r" defTabSz="355600">
-            <a:lnSpc>
-              <a:spcPct val="90000"/>
-            </a:lnSpc>
-            <a:spcBef>
-              <a:spcPct val="0"/>
-            </a:spcBef>
-            <a:spcAft>
-              <a:spcPct val="35000"/>
-            </a:spcAft>
-          </a:pPr>
-          <a:r>
-            <a:rPr lang="en-US" sz="800" kern="1200" dirty="0" err="1" smtClean="0"/>
-            <a:t>Thành</a:t>
-          </a:r>
-          <a:endParaRPr lang="en-US" sz="800" kern="1200" dirty="0"/>
-        </a:p>
-      </dsp:txBody>
-      <dsp:txXfrm>
-        <a:off x="9879843" y="4440049"/>
-        <a:ext cx="678854" cy="130178"/>
-      </dsp:txXfrm>
-    </dsp:sp>
-    <dsp:sp modelId="{DF81E026-8D62-4CFD-8127-7E01BB051911}">
-      <dsp:nvSpPr>
-        <dsp:cNvPr id="0" name=""/>
-        <dsp:cNvSpPr/>
-      </dsp:nvSpPr>
-      <dsp:spPr>
-        <a:xfrm>
-          <a:off x="10740947" y="4136301"/>
-          <a:ext cx="754282" cy="390534"/>
-        </a:xfrm>
-        <a:prstGeom prst="rect">
-          <a:avLst/>
-        </a:prstGeom>
-        <a:solidFill>
-          <a:schemeClr val="accent1">
-            <a:hueOff val="0"/>
-            <a:satOff val="0"/>
-            <a:lumOff val="0"/>
-            <a:alphaOff val="0"/>
-          </a:schemeClr>
-        </a:solidFill>
-        <a:ln w="12700" cap="flat" cmpd="sng" algn="ctr">
-          <a:solidFill>
-            <a:schemeClr val="lt1">
-              <a:hueOff val="0"/>
-              <a:satOff val="0"/>
-              <a:lumOff val="0"/>
-              <a:alphaOff val="0"/>
-            </a:schemeClr>
-          </a:solidFill>
-          <a:prstDash val="solid"/>
-          <a:miter lim="800000"/>
-        </a:ln>
-        <a:effectLst/>
-      </dsp:spPr>
-      <dsp:style>
-        <a:lnRef idx="2">
-          <a:scrgbClr r="0" g="0" b="0"/>
-        </a:lnRef>
-        <a:fillRef idx="1">
-          <a:scrgbClr r="0" g="0" b="0"/>
-        </a:fillRef>
-        <a:effectRef idx="0">
-          <a:scrgbClr r="0" g="0" b="0"/>
-        </a:effectRef>
-        <a:fontRef idx="minor">
-          <a:schemeClr val="lt1"/>
-        </a:fontRef>
-      </dsp:style>
-      <dsp:txBody>
-        <a:bodyPr spcFirstLastPara="0" vert="horz" wrap="square" lIns="6350" tIns="6350" rIns="6350" bIns="55109" numCol="1" spcCol="1270" anchor="ctr" anchorCtr="0">
-          <a:noAutofit/>
-        </a:bodyPr>
-        <a:lstStyle/>
-        <a:p>
-          <a:pPr lvl="0" algn="ctr" defTabSz="444500">
-            <a:lnSpc>
-              <a:spcPct val="90000"/>
-            </a:lnSpc>
-            <a:spcBef>
-              <a:spcPct val="0"/>
-            </a:spcBef>
-            <a:spcAft>
-              <a:spcPct val="35000"/>
-            </a:spcAft>
-          </a:pPr>
-          <a:r>
-            <a:rPr lang="en-US" sz="1000" kern="1200" dirty="0" smtClean="0">
-              <a:ln>
-                <a:noFill/>
-              </a:ln>
-            </a:rPr>
-            <a:t>Bluetooth</a:t>
-          </a:r>
-          <a:endParaRPr lang="en-US" sz="1000" kern="1200" dirty="0">
-            <a:ln>
-              <a:noFill/>
-            </a:ln>
-          </a:endParaRPr>
-        </a:p>
-      </dsp:txBody>
-      <dsp:txXfrm>
-        <a:off x="10740947" y="4136301"/>
-        <a:ext cx="754282" cy="390534"/>
-      </dsp:txXfrm>
-    </dsp:sp>
-    <dsp:sp modelId="{924AB995-52E5-4691-B0B0-CD1C97DD046B}">
-      <dsp:nvSpPr>
-        <dsp:cNvPr id="0" name=""/>
-        <dsp:cNvSpPr/>
-      </dsp:nvSpPr>
-      <dsp:spPr>
-        <a:xfrm>
-          <a:off x="10891804" y="4440049"/>
-          <a:ext cx="678854" cy="130178"/>
-        </a:xfrm>
-        <a:prstGeom prst="rect">
-          <a:avLst/>
-        </a:prstGeom>
-        <a:solidFill>
-          <a:schemeClr val="lt1">
-            <a:alpha val="90000"/>
-            <a:hueOff val="0"/>
-            <a:satOff val="0"/>
-            <a:lumOff val="0"/>
-            <a:alphaOff val="0"/>
-          </a:schemeClr>
-        </a:solidFill>
-        <a:ln w="12700" cap="flat" cmpd="sng" algn="ctr">
-          <a:solidFill>
-            <a:schemeClr val="accent1">
-              <a:hueOff val="0"/>
-              <a:satOff val="0"/>
-              <a:lumOff val="0"/>
-              <a:alphaOff val="0"/>
-            </a:schemeClr>
-          </a:solidFill>
-          <a:prstDash val="solid"/>
-          <a:miter lim="800000"/>
-        </a:ln>
-        <a:effectLst/>
-      </dsp:spPr>
-      <dsp:style>
-        <a:lnRef idx="2">
-          <a:scrgbClr r="0" g="0" b="0"/>
-        </a:lnRef>
-        <a:fillRef idx="1">
-          <a:scrgbClr r="0" g="0" b="0"/>
-        </a:fillRef>
-        <a:effectRef idx="0">
-          <a:scrgbClr r="0" g="0" b="0"/>
-        </a:effectRef>
-        <a:fontRef idx="minor"/>
-      </dsp:style>
-      <dsp:txBody>
-        <a:bodyPr spcFirstLastPara="0" vert="horz" wrap="square" lIns="20320" tIns="5080" rIns="20320" bIns="5080" numCol="1" spcCol="1270" anchor="ctr" anchorCtr="0">
-          <a:noAutofit/>
-        </a:bodyPr>
-        <a:lstStyle/>
-        <a:p>
-          <a:pPr lvl="0" algn="r" defTabSz="355600">
-            <a:lnSpc>
-              <a:spcPct val="90000"/>
-            </a:lnSpc>
-            <a:spcBef>
-              <a:spcPct val="0"/>
-            </a:spcBef>
-            <a:spcAft>
-              <a:spcPct val="35000"/>
-            </a:spcAft>
-          </a:pPr>
-          <a:r>
-            <a:rPr lang="en-US" sz="800" kern="1200" dirty="0" smtClean="0"/>
-            <a:t>Chung</a:t>
-          </a:r>
-          <a:endParaRPr lang="en-US" sz="800" kern="1200" dirty="0"/>
-        </a:p>
-      </dsp:txBody>
-      <dsp:txXfrm>
-        <a:off x="10891804" y="4440049"/>
-        <a:ext cx="678854" cy="130178"/>
-      </dsp:txXfrm>
-    </dsp:sp>
-    <dsp:sp modelId="{53E57540-F07D-4AD0-801A-F2AEFDAC6361}">
-      <dsp:nvSpPr>
-        <dsp:cNvPr id="0" name=""/>
-        <dsp:cNvSpPr/>
-      </dsp:nvSpPr>
-      <dsp:spPr>
-        <a:xfrm>
-          <a:off x="11246927" y="3520124"/>
-          <a:ext cx="754282" cy="390534"/>
-        </a:xfrm>
-        <a:prstGeom prst="rect">
-          <a:avLst/>
-        </a:prstGeom>
-        <a:solidFill>
-          <a:schemeClr val="accent1">
-            <a:hueOff val="0"/>
-            <a:satOff val="0"/>
-            <a:lumOff val="0"/>
-            <a:alphaOff val="0"/>
-          </a:schemeClr>
-        </a:solidFill>
-        <a:ln w="12700" cap="flat" cmpd="sng" algn="ctr">
-          <a:solidFill>
-            <a:schemeClr val="lt1">
-              <a:hueOff val="0"/>
-              <a:satOff val="0"/>
-              <a:lumOff val="0"/>
-              <a:alphaOff val="0"/>
-            </a:schemeClr>
-          </a:solidFill>
-          <a:prstDash val="solid"/>
-          <a:miter lim="800000"/>
-        </a:ln>
-        <a:effectLst/>
-      </dsp:spPr>
-      <dsp:style>
-        <a:lnRef idx="2">
-          <a:scrgbClr r="0" g="0" b="0"/>
-        </a:lnRef>
-        <a:fillRef idx="1">
-          <a:scrgbClr r="0" g="0" b="0"/>
-        </a:fillRef>
-        <a:effectRef idx="0">
-          <a:scrgbClr r="0" g="0" b="0"/>
-        </a:effectRef>
-        <a:fontRef idx="minor">
-          <a:schemeClr val="lt1"/>
-        </a:fontRef>
-      </dsp:style>
-      <dsp:txBody>
-        <a:bodyPr spcFirstLastPara="0" vert="horz" wrap="square" lIns="6350" tIns="6350" rIns="6350" bIns="55109" numCol="1" spcCol="1270" anchor="ctr" anchorCtr="0">
-          <a:noAutofit/>
-        </a:bodyPr>
-        <a:lstStyle/>
-        <a:p>
-          <a:pPr lvl="0" algn="ctr" defTabSz="444500">
-            <a:lnSpc>
-              <a:spcPct val="90000"/>
-            </a:lnSpc>
-            <a:spcBef>
-              <a:spcPct val="0"/>
-            </a:spcBef>
-            <a:spcAft>
-              <a:spcPct val="35000"/>
-            </a:spcAft>
-          </a:pPr>
-          <a:r>
-            <a:rPr lang="en-US" sz="1000" kern="1200" dirty="0" smtClean="0">
-              <a:ln>
-                <a:noFill/>
-              </a:ln>
-            </a:rPr>
-            <a:t>Server</a:t>
-          </a:r>
-          <a:endParaRPr lang="en-US" sz="1000" kern="1200" dirty="0">
-            <a:ln>
-              <a:noFill/>
-            </a:ln>
-          </a:endParaRPr>
-        </a:p>
-      </dsp:txBody>
-      <dsp:txXfrm>
-        <a:off x="11246927" y="3520124"/>
-        <a:ext cx="754282" cy="390534"/>
-      </dsp:txXfrm>
-    </dsp:sp>
-    <dsp:sp modelId="{9F7A1D53-E16F-4AD8-AF3E-59D7C104F119}">
-      <dsp:nvSpPr>
-        <dsp:cNvPr id="0" name=""/>
-        <dsp:cNvSpPr/>
-      </dsp:nvSpPr>
-      <dsp:spPr>
-        <a:xfrm>
-          <a:off x="11397784" y="3823873"/>
-          <a:ext cx="678854" cy="130178"/>
-        </a:xfrm>
-        <a:prstGeom prst="rect">
-          <a:avLst/>
-        </a:prstGeom>
-        <a:solidFill>
-          <a:schemeClr val="lt1">
-            <a:alpha val="90000"/>
-            <a:hueOff val="0"/>
-            <a:satOff val="0"/>
-            <a:lumOff val="0"/>
-            <a:alphaOff val="0"/>
-          </a:schemeClr>
-        </a:solidFill>
-        <a:ln w="12700" cap="flat" cmpd="sng" algn="ctr">
-          <a:solidFill>
-            <a:schemeClr val="accent1">
-              <a:hueOff val="0"/>
-              <a:satOff val="0"/>
-              <a:lumOff val="0"/>
-              <a:alphaOff val="0"/>
-            </a:schemeClr>
-          </a:solidFill>
-          <a:prstDash val="solid"/>
-          <a:miter lim="800000"/>
-        </a:ln>
-        <a:effectLst/>
-      </dsp:spPr>
-      <dsp:style>
-        <a:lnRef idx="2">
-          <a:scrgbClr r="0" g="0" b="0"/>
-        </a:lnRef>
-        <a:fillRef idx="1">
-          <a:scrgbClr r="0" g="0" b="0"/>
-        </a:fillRef>
-        <a:effectRef idx="0">
-          <a:scrgbClr r="0" g="0" b="0"/>
-        </a:effectRef>
-        <a:fontRef idx="minor"/>
-      </dsp:style>
-      <dsp:txBody>
-        <a:bodyPr spcFirstLastPara="0" vert="horz" wrap="square" lIns="20320" tIns="5080" rIns="20320" bIns="5080" numCol="1" spcCol="1270" anchor="ctr" anchorCtr="0">
-          <a:noAutofit/>
-        </a:bodyPr>
-        <a:lstStyle/>
-        <a:p>
-          <a:pPr lvl="0" algn="r" defTabSz="355600">
-            <a:lnSpc>
-              <a:spcPct val="90000"/>
-            </a:lnSpc>
-            <a:spcBef>
-              <a:spcPct val="0"/>
-            </a:spcBef>
-            <a:spcAft>
-              <a:spcPct val="35000"/>
-            </a:spcAft>
-          </a:pPr>
-          <a:r>
-            <a:rPr lang="en-US" sz="800" kern="1200" dirty="0" err="1" smtClean="0"/>
-            <a:t>Quang</a:t>
-          </a:r>
-          <a:r>
-            <a:rPr lang="en-US" sz="800" kern="1200" dirty="0" smtClean="0"/>
-            <a:t> + </a:t>
-          </a:r>
-          <a:r>
-            <a:rPr lang="en-US" sz="800" kern="1200" dirty="0" err="1" smtClean="0"/>
-            <a:t>Lý</a:t>
-          </a:r>
-          <a:endParaRPr lang="en-US" sz="800" kern="1200" dirty="0"/>
-        </a:p>
-      </dsp:txBody>
-      <dsp:txXfrm>
-        <a:off x="11397784" y="3823873"/>
-        <a:ext cx="678854" cy="130178"/>
-      </dsp:txXfrm>
-    </dsp:sp>
   </dsp:spTree>
 </dsp:drawing>
 </file>
@@ -13067,494 +8563,6 @@
       <dsp:cNvGrpSpPr/>
     </dsp:nvGrpSpPr>
     <dsp:grpSpPr/>
-    <dsp:sp modelId="{F2EE8185-ADDA-40B5-821D-4079A686539F}">
-      <dsp:nvSpPr>
-        <dsp:cNvPr id="0" name=""/>
-        <dsp:cNvSpPr/>
-      </dsp:nvSpPr>
-      <dsp:spPr>
-        <a:xfrm>
-          <a:off x="51" y="16698"/>
-          <a:ext cx="4913783" cy="806400"/>
-        </a:xfrm>
-        <a:prstGeom prst="rect">
-          <a:avLst/>
-        </a:prstGeom>
-        <a:solidFill>
-          <a:schemeClr val="accent1">
-            <a:hueOff val="0"/>
-            <a:satOff val="0"/>
-            <a:lumOff val="0"/>
-            <a:alphaOff val="0"/>
-          </a:schemeClr>
-        </a:solidFill>
-        <a:ln w="12700" cap="flat" cmpd="sng" algn="ctr">
-          <a:solidFill>
-            <a:schemeClr val="accent1">
-              <a:hueOff val="0"/>
-              <a:satOff val="0"/>
-              <a:lumOff val="0"/>
-              <a:alphaOff val="0"/>
-            </a:schemeClr>
-          </a:solidFill>
-          <a:prstDash val="solid"/>
-          <a:miter lim="800000"/>
-        </a:ln>
-        <a:effectLst/>
-      </dsp:spPr>
-      <dsp:style>
-        <a:lnRef idx="2">
-          <a:scrgbClr r="0" g="0" b="0"/>
-        </a:lnRef>
-        <a:fillRef idx="1">
-          <a:scrgbClr r="0" g="0" b="0"/>
-        </a:fillRef>
-        <a:effectRef idx="0">
-          <a:scrgbClr r="0" g="0" b="0"/>
-        </a:effectRef>
-        <a:fontRef idx="minor">
-          <a:schemeClr val="lt1"/>
-        </a:fontRef>
-      </dsp:style>
-      <dsp:txBody>
-        <a:bodyPr spcFirstLastPara="0" vert="horz" wrap="square" lIns="199136" tIns="113792" rIns="199136" bIns="113792" numCol="1" spcCol="1270" anchor="ctr" anchorCtr="0">
-          <a:noAutofit/>
-        </a:bodyPr>
-        <a:lstStyle/>
-        <a:p>
-          <a:pPr lvl="0" algn="ctr" defTabSz="1244600">
-            <a:lnSpc>
-              <a:spcPct val="90000"/>
-            </a:lnSpc>
-            <a:spcBef>
-              <a:spcPct val="0"/>
-            </a:spcBef>
-            <a:spcAft>
-              <a:spcPct val="35000"/>
-            </a:spcAft>
-          </a:pPr>
-          <a:r>
-            <a:rPr lang="en-US" sz="2800" kern="1200" dirty="0" smtClean="0"/>
-            <a:t>Server</a:t>
-          </a:r>
-          <a:endParaRPr lang="en-US" sz="2800" kern="1200" dirty="0"/>
-        </a:p>
-      </dsp:txBody>
-      <dsp:txXfrm>
-        <a:off x="51" y="16698"/>
-        <a:ext cx="4913783" cy="806400"/>
-      </dsp:txXfrm>
-    </dsp:sp>
-    <dsp:sp modelId="{50C632A4-B919-46A5-AF1A-30702345ECD3}">
-      <dsp:nvSpPr>
-        <dsp:cNvPr id="0" name=""/>
-        <dsp:cNvSpPr/>
-      </dsp:nvSpPr>
-      <dsp:spPr>
-        <a:xfrm>
-          <a:off x="51" y="823098"/>
-          <a:ext cx="4913783" cy="3511541"/>
-        </a:xfrm>
-        <a:prstGeom prst="rect">
-          <a:avLst/>
-        </a:prstGeom>
-        <a:solidFill>
-          <a:schemeClr val="accent1">
-            <a:alpha val="90000"/>
-            <a:tint val="40000"/>
-            <a:hueOff val="0"/>
-            <a:satOff val="0"/>
-            <a:lumOff val="0"/>
-            <a:alphaOff val="0"/>
-          </a:schemeClr>
-        </a:solidFill>
-        <a:ln w="12700" cap="flat" cmpd="sng" algn="ctr">
-          <a:solidFill>
-            <a:schemeClr val="accent1">
-              <a:alpha val="90000"/>
-              <a:tint val="40000"/>
-              <a:hueOff val="0"/>
-              <a:satOff val="0"/>
-              <a:lumOff val="0"/>
-              <a:alphaOff val="0"/>
-            </a:schemeClr>
-          </a:solidFill>
-          <a:prstDash val="solid"/>
-          <a:miter lim="800000"/>
-        </a:ln>
-        <a:effectLst/>
-      </dsp:spPr>
-      <dsp:style>
-        <a:lnRef idx="2">
-          <a:scrgbClr r="0" g="0" b="0"/>
-        </a:lnRef>
-        <a:fillRef idx="1">
-          <a:scrgbClr r="0" g="0" b="0"/>
-        </a:fillRef>
-        <a:effectRef idx="0">
-          <a:scrgbClr r="0" g="0" b="0"/>
-        </a:effectRef>
-        <a:fontRef idx="minor"/>
-      </dsp:style>
-      <dsp:txBody>
-        <a:bodyPr spcFirstLastPara="0" vert="horz" wrap="square" lIns="149352" tIns="149352" rIns="199136" bIns="224028" numCol="1" spcCol="1270" anchor="t" anchorCtr="0">
-          <a:noAutofit/>
-        </a:bodyPr>
-        <a:lstStyle/>
-        <a:p>
-          <a:pPr marL="285750" lvl="1" indent="-285750" algn="l" defTabSz="1244600">
-            <a:lnSpc>
-              <a:spcPct val="90000"/>
-            </a:lnSpc>
-            <a:spcBef>
-              <a:spcPct val="0"/>
-            </a:spcBef>
-            <a:spcAft>
-              <a:spcPct val="15000"/>
-            </a:spcAft>
-            <a:buChar char="••"/>
-          </a:pPr>
-          <a:r>
-            <a:rPr lang="en-US" sz="2800" kern="1200" dirty="0" smtClean="0"/>
-            <a:t>Handle result from Pi</a:t>
-          </a:r>
-          <a:endParaRPr lang="en-US" sz="2800" kern="1200" dirty="0"/>
-        </a:p>
-        <a:p>
-          <a:pPr marL="285750" lvl="1" indent="-285750" algn="l" defTabSz="1244600">
-            <a:lnSpc>
-              <a:spcPct val="90000"/>
-            </a:lnSpc>
-            <a:spcBef>
-              <a:spcPct val="0"/>
-            </a:spcBef>
-            <a:spcAft>
-              <a:spcPct val="15000"/>
-            </a:spcAft>
-            <a:buChar char="••"/>
-          </a:pPr>
-          <a:r>
-            <a:rPr lang="en-US" sz="2800" kern="1200" dirty="0" smtClean="0"/>
-            <a:t>Store user data (ID, name, mac </a:t>
-          </a:r>
-          <a:r>
-            <a:rPr lang="en-US" sz="2800" kern="1200" dirty="0" err="1" smtClean="0"/>
-            <a:t>addr</a:t>
-          </a:r>
-          <a:r>
-            <a:rPr lang="en-US" sz="2800" kern="1200" dirty="0" smtClean="0"/>
-            <a:t>…) </a:t>
-          </a:r>
-          <a:endParaRPr lang="en-US" sz="2800" kern="1200" dirty="0"/>
-        </a:p>
-        <a:p>
-          <a:pPr marL="285750" lvl="1" indent="-285750" algn="l" defTabSz="1244600">
-            <a:lnSpc>
-              <a:spcPct val="90000"/>
-            </a:lnSpc>
-            <a:spcBef>
-              <a:spcPct val="0"/>
-            </a:spcBef>
-            <a:spcAft>
-              <a:spcPct val="15000"/>
-            </a:spcAft>
-            <a:buChar char="••"/>
-          </a:pPr>
-          <a:r>
-            <a:rPr lang="en-US" sz="2800" kern="1200" dirty="0" smtClean="0"/>
-            <a:t>Store user result (height, weight, spo2, blood pressure, temperature)</a:t>
-          </a:r>
-          <a:endParaRPr lang="en-US" sz="2800" kern="1200" dirty="0"/>
-        </a:p>
-        <a:p>
-          <a:pPr marL="285750" lvl="1" indent="-285750" algn="l" defTabSz="1244600">
-            <a:lnSpc>
-              <a:spcPct val="90000"/>
-            </a:lnSpc>
-            <a:spcBef>
-              <a:spcPct val="0"/>
-            </a:spcBef>
-            <a:spcAft>
-              <a:spcPct val="15000"/>
-            </a:spcAft>
-            <a:buChar char="••"/>
-          </a:pPr>
-          <a:r>
-            <a:rPr lang="en-US" sz="2800" kern="1200" dirty="0" err="1" smtClean="0"/>
-            <a:t>Quang</a:t>
-          </a:r>
-          <a:r>
-            <a:rPr lang="en-US" sz="2800" kern="1200" dirty="0" smtClean="0"/>
-            <a:t> + Ly</a:t>
-          </a:r>
-          <a:endParaRPr lang="en-US" sz="2800" kern="1200" dirty="0"/>
-        </a:p>
-      </dsp:txBody>
-      <dsp:txXfrm>
-        <a:off x="51" y="823098"/>
-        <a:ext cx="4913783" cy="3511541"/>
-      </dsp:txXfrm>
-    </dsp:sp>
-    <dsp:sp modelId="{417FE0C0-F440-47BD-874B-4AAC1FE68571}">
-      <dsp:nvSpPr>
-        <dsp:cNvPr id="0" name=""/>
-        <dsp:cNvSpPr/>
-      </dsp:nvSpPr>
-      <dsp:spPr>
-        <a:xfrm>
-          <a:off x="5601764" y="16698"/>
-          <a:ext cx="4913783" cy="806400"/>
-        </a:xfrm>
-        <a:prstGeom prst="rect">
-          <a:avLst/>
-        </a:prstGeom>
-        <a:solidFill>
-          <a:schemeClr val="accent1">
-            <a:hueOff val="0"/>
-            <a:satOff val="0"/>
-            <a:lumOff val="0"/>
-            <a:alphaOff val="0"/>
-          </a:schemeClr>
-        </a:solidFill>
-        <a:ln w="12700" cap="flat" cmpd="sng" algn="ctr">
-          <a:solidFill>
-            <a:schemeClr val="accent1">
-              <a:hueOff val="0"/>
-              <a:satOff val="0"/>
-              <a:lumOff val="0"/>
-              <a:alphaOff val="0"/>
-            </a:schemeClr>
-          </a:solidFill>
-          <a:prstDash val="solid"/>
-          <a:miter lim="800000"/>
-        </a:ln>
-        <a:effectLst/>
-      </dsp:spPr>
-      <dsp:style>
-        <a:lnRef idx="2">
-          <a:scrgbClr r="0" g="0" b="0"/>
-        </a:lnRef>
-        <a:fillRef idx="1">
-          <a:scrgbClr r="0" g="0" b="0"/>
-        </a:fillRef>
-        <a:effectRef idx="0">
-          <a:scrgbClr r="0" g="0" b="0"/>
-        </a:effectRef>
-        <a:fontRef idx="minor">
-          <a:schemeClr val="lt1"/>
-        </a:fontRef>
-      </dsp:style>
-      <dsp:txBody>
-        <a:bodyPr spcFirstLastPara="0" vert="horz" wrap="square" lIns="199136" tIns="113792" rIns="199136" bIns="113792" numCol="1" spcCol="1270" anchor="ctr" anchorCtr="0">
-          <a:noAutofit/>
-        </a:bodyPr>
-        <a:lstStyle/>
-        <a:p>
-          <a:pPr lvl="0" algn="ctr" defTabSz="1244600">
-            <a:lnSpc>
-              <a:spcPct val="90000"/>
-            </a:lnSpc>
-            <a:spcBef>
-              <a:spcPct val="0"/>
-            </a:spcBef>
-            <a:spcAft>
-              <a:spcPct val="35000"/>
-            </a:spcAft>
-          </a:pPr>
-          <a:r>
-            <a:rPr lang="en-US" sz="2800" kern="1200" dirty="0" smtClean="0"/>
-            <a:t>Android app</a:t>
-          </a:r>
-          <a:endParaRPr lang="en-US" sz="2800" kern="1200" dirty="0"/>
-        </a:p>
-      </dsp:txBody>
-      <dsp:txXfrm>
-        <a:off x="5601764" y="16698"/>
-        <a:ext cx="4913783" cy="806400"/>
-      </dsp:txXfrm>
-    </dsp:sp>
-    <dsp:sp modelId="{ABB216B2-FB80-4CA8-AFB5-B752ADED21DE}">
-      <dsp:nvSpPr>
-        <dsp:cNvPr id="0" name=""/>
-        <dsp:cNvSpPr/>
-      </dsp:nvSpPr>
-      <dsp:spPr>
-        <a:xfrm>
-          <a:off x="5601764" y="823098"/>
-          <a:ext cx="4913783" cy="3511541"/>
-        </a:xfrm>
-        <a:prstGeom prst="rect">
-          <a:avLst/>
-        </a:prstGeom>
-        <a:solidFill>
-          <a:schemeClr val="accent1">
-            <a:alpha val="90000"/>
-            <a:tint val="40000"/>
-            <a:hueOff val="0"/>
-            <a:satOff val="0"/>
-            <a:lumOff val="0"/>
-            <a:alphaOff val="0"/>
-          </a:schemeClr>
-        </a:solidFill>
-        <a:ln w="12700" cap="flat" cmpd="sng" algn="ctr">
-          <a:solidFill>
-            <a:schemeClr val="accent1">
-              <a:alpha val="90000"/>
-              <a:tint val="40000"/>
-              <a:hueOff val="0"/>
-              <a:satOff val="0"/>
-              <a:lumOff val="0"/>
-              <a:alphaOff val="0"/>
-            </a:schemeClr>
-          </a:solidFill>
-          <a:prstDash val="solid"/>
-          <a:miter lim="800000"/>
-        </a:ln>
-        <a:effectLst/>
-      </dsp:spPr>
-      <dsp:style>
-        <a:lnRef idx="2">
-          <a:scrgbClr r="0" g="0" b="0"/>
-        </a:lnRef>
-        <a:fillRef idx="1">
-          <a:scrgbClr r="0" g="0" b="0"/>
-        </a:fillRef>
-        <a:effectRef idx="0">
-          <a:scrgbClr r="0" g="0" b="0"/>
-        </a:effectRef>
-        <a:fontRef idx="minor"/>
-      </dsp:style>
-      <dsp:txBody>
-        <a:bodyPr spcFirstLastPara="0" vert="horz" wrap="square" lIns="149352" tIns="149352" rIns="199136" bIns="224028" numCol="1" spcCol="1270" anchor="t" anchorCtr="0">
-          <a:noAutofit/>
-        </a:bodyPr>
-        <a:lstStyle/>
-        <a:p>
-          <a:pPr marL="285750" lvl="1" indent="-285750" algn="l" defTabSz="1244600">
-            <a:lnSpc>
-              <a:spcPct val="90000"/>
-            </a:lnSpc>
-            <a:spcBef>
-              <a:spcPct val="0"/>
-            </a:spcBef>
-            <a:spcAft>
-              <a:spcPct val="15000"/>
-            </a:spcAft>
-            <a:buChar char="••"/>
-          </a:pPr>
-          <a:r>
-            <a:rPr lang="en-US" sz="2800" kern="1200" dirty="0" smtClean="0"/>
-            <a:t>Bluetooth</a:t>
-          </a:r>
-          <a:endParaRPr lang="en-US" sz="2800" kern="1200" dirty="0"/>
-        </a:p>
-        <a:p>
-          <a:pPr marL="571500" lvl="2" indent="-285750" algn="l" defTabSz="1244600">
-            <a:lnSpc>
-              <a:spcPct val="90000"/>
-            </a:lnSpc>
-            <a:spcBef>
-              <a:spcPct val="0"/>
-            </a:spcBef>
-            <a:spcAft>
-              <a:spcPct val="15000"/>
-            </a:spcAft>
-            <a:buChar char="••"/>
-          </a:pPr>
-          <a:r>
-            <a:rPr lang="en-US" sz="2800" kern="1200" dirty="0" smtClean="0"/>
-            <a:t>See above Bluetooth slide</a:t>
-          </a:r>
-          <a:endParaRPr lang="en-US" sz="2800" kern="1200" dirty="0"/>
-        </a:p>
-        <a:p>
-          <a:pPr marL="571500" lvl="2" indent="-285750" algn="l" defTabSz="1244600">
-            <a:lnSpc>
-              <a:spcPct val="90000"/>
-            </a:lnSpc>
-            <a:spcBef>
-              <a:spcPct val="0"/>
-            </a:spcBef>
-            <a:spcAft>
-              <a:spcPct val="15000"/>
-            </a:spcAft>
-            <a:buChar char="••"/>
-          </a:pPr>
-          <a:r>
-            <a:rPr lang="en-US" sz="2800" kern="1200" dirty="0" smtClean="0"/>
-            <a:t>Chung</a:t>
-          </a:r>
-          <a:endParaRPr lang="en-US" sz="2800" kern="1200" dirty="0"/>
-        </a:p>
-        <a:p>
-          <a:pPr marL="285750" lvl="1" indent="-285750" algn="l" defTabSz="1244600">
-            <a:lnSpc>
-              <a:spcPct val="90000"/>
-            </a:lnSpc>
-            <a:spcBef>
-              <a:spcPct val="0"/>
-            </a:spcBef>
-            <a:spcAft>
-              <a:spcPct val="15000"/>
-            </a:spcAft>
-            <a:buChar char="••"/>
-          </a:pPr>
-          <a:r>
-            <a:rPr lang="en-US" sz="2800" kern="1200" dirty="0" smtClean="0"/>
-            <a:t>User profile</a:t>
-          </a:r>
-          <a:endParaRPr lang="en-US" sz="2800" kern="1200" dirty="0"/>
-        </a:p>
-        <a:p>
-          <a:pPr marL="571500" lvl="2" indent="-285750" algn="l" defTabSz="1244600">
-            <a:lnSpc>
-              <a:spcPct val="90000"/>
-            </a:lnSpc>
-            <a:spcBef>
-              <a:spcPct val="0"/>
-            </a:spcBef>
-            <a:spcAft>
-              <a:spcPct val="15000"/>
-            </a:spcAft>
-            <a:buChar char="••"/>
-          </a:pPr>
-          <a:r>
-            <a:rPr lang="en-US" sz="2800" kern="1200" dirty="0" smtClean="0"/>
-            <a:t>Ask mentor &amp; server team for more information </a:t>
-          </a:r>
-          <a:r>
-            <a:rPr lang="en-US" sz="2800" kern="1200" dirty="0" smtClean="0">
-              <a:sym typeface="Wingdings" panose="05000000000000000000" pitchFamily="2" charset="2"/>
-            </a:rPr>
-            <a:t>)</a:t>
-          </a:r>
-          <a:endParaRPr lang="en-US" sz="2800" kern="1200" dirty="0"/>
-        </a:p>
-        <a:p>
-          <a:pPr marL="571500" lvl="2" indent="-285750" algn="l" defTabSz="1244600">
-            <a:lnSpc>
-              <a:spcPct val="90000"/>
-            </a:lnSpc>
-            <a:spcBef>
-              <a:spcPct val="0"/>
-            </a:spcBef>
-            <a:spcAft>
-              <a:spcPct val="15000"/>
-            </a:spcAft>
-            <a:buChar char="••"/>
-          </a:pPr>
-          <a:r>
-            <a:rPr lang="en-US" sz="2800" kern="1200" dirty="0" err="1" smtClean="0"/>
-            <a:t>Thành</a:t>
-          </a:r>
-          <a:endParaRPr lang="en-US" sz="2800" kern="1200" dirty="0"/>
-        </a:p>
-      </dsp:txBody>
-      <dsp:txXfrm>
-        <a:off x="5601764" y="823098"/>
-        <a:ext cx="4913783" cy="3511541"/>
-      </dsp:txXfrm>
-    </dsp:sp>
   </dsp:spTree>
 </dsp:drawing>
 </file>
@@ -18312,7 +13320,7 @@
           <a:p>
             <a:fld id="{CA829DC8-727A-4F53-801F-7AA35DEAE48C}" type="datetimeFigureOut">
               <a:rPr lang="en-US" smtClean="0"/>
-              <a:t>3/21/2017</a:t>
+              <a:t>3/22/2017</a:t>
             </a:fld>
             <a:endParaRPr lang="en-US"/>
           </a:p>
@@ -18795,7 +13803,7 @@
           <a:p>
             <a:fld id="{198B743D-DE9C-4F5D-849D-2789155D27D5}" type="datetimeFigureOut">
               <a:rPr lang="en-US" smtClean="0"/>
-              <a:t>3/21/2017</a:t>
+              <a:t>3/22/2017</a:t>
             </a:fld>
             <a:endParaRPr lang="en-US"/>
           </a:p>
@@ -18965,7 +13973,7 @@
           <a:p>
             <a:fld id="{198B743D-DE9C-4F5D-849D-2789155D27D5}" type="datetimeFigureOut">
               <a:rPr lang="en-US" smtClean="0"/>
-              <a:t>3/21/2017</a:t>
+              <a:t>3/22/2017</a:t>
             </a:fld>
             <a:endParaRPr lang="en-US"/>
           </a:p>
@@ -19145,7 +14153,7 @@
           <a:p>
             <a:fld id="{198B743D-DE9C-4F5D-849D-2789155D27D5}" type="datetimeFigureOut">
               <a:rPr lang="en-US" smtClean="0"/>
-              <a:t>3/21/2017</a:t>
+              <a:t>3/22/2017</a:t>
             </a:fld>
             <a:endParaRPr lang="en-US"/>
           </a:p>
@@ -19315,7 +14323,7 @@
           <a:p>
             <a:fld id="{198B743D-DE9C-4F5D-849D-2789155D27D5}" type="datetimeFigureOut">
               <a:rPr lang="en-US" smtClean="0"/>
-              <a:t>3/21/2017</a:t>
+              <a:t>3/22/2017</a:t>
             </a:fld>
             <a:endParaRPr lang="en-US"/>
           </a:p>
@@ -19561,7 +14569,7 @@
           <a:p>
             <a:fld id="{198B743D-DE9C-4F5D-849D-2789155D27D5}" type="datetimeFigureOut">
               <a:rPr lang="en-US" smtClean="0"/>
-              <a:t>3/21/2017</a:t>
+              <a:t>3/22/2017</a:t>
             </a:fld>
             <a:endParaRPr lang="en-US"/>
           </a:p>
@@ -19793,7 +14801,7 @@
           <a:p>
             <a:fld id="{198B743D-DE9C-4F5D-849D-2789155D27D5}" type="datetimeFigureOut">
               <a:rPr lang="en-US" smtClean="0"/>
-              <a:t>3/21/2017</a:t>
+              <a:t>3/22/2017</a:t>
             </a:fld>
             <a:endParaRPr lang="en-US"/>
           </a:p>
@@ -20160,7 +15168,7 @@
           <a:p>
             <a:fld id="{198B743D-DE9C-4F5D-849D-2789155D27D5}" type="datetimeFigureOut">
               <a:rPr lang="en-US" smtClean="0"/>
-              <a:t>3/21/2017</a:t>
+              <a:t>3/22/2017</a:t>
             </a:fld>
             <a:endParaRPr lang="en-US"/>
           </a:p>
@@ -20278,7 +15286,7 @@
           <a:p>
             <a:fld id="{198B743D-DE9C-4F5D-849D-2789155D27D5}" type="datetimeFigureOut">
               <a:rPr lang="en-US" smtClean="0"/>
-              <a:t>3/21/2017</a:t>
+              <a:t>3/22/2017</a:t>
             </a:fld>
             <a:endParaRPr lang="en-US"/>
           </a:p>
@@ -20373,7 +15381,7 @@
           <a:p>
             <a:fld id="{198B743D-DE9C-4F5D-849D-2789155D27D5}" type="datetimeFigureOut">
               <a:rPr lang="en-US" smtClean="0"/>
-              <a:t>3/21/2017</a:t>
+              <a:t>3/22/2017</a:t>
             </a:fld>
             <a:endParaRPr lang="en-US"/>
           </a:p>
@@ -20650,7 +15658,7 @@
           <a:p>
             <a:fld id="{198B743D-DE9C-4F5D-849D-2789155D27D5}" type="datetimeFigureOut">
               <a:rPr lang="en-US" smtClean="0"/>
-              <a:t>3/21/2017</a:t>
+              <a:t>3/22/2017</a:t>
             </a:fld>
             <a:endParaRPr lang="en-US"/>
           </a:p>
@@ -20903,7 +15911,7 @@
           <a:p>
             <a:fld id="{198B743D-DE9C-4F5D-849D-2789155D27D5}" type="datetimeFigureOut">
               <a:rPr lang="en-US" smtClean="0"/>
-              <a:t>3/21/2017</a:t>
+              <a:t>3/22/2017</a:t>
             </a:fld>
             <a:endParaRPr lang="en-US"/>
           </a:p>
@@ -21116,7 +16124,7 @@
           <a:p>
             <a:fld id="{198B743D-DE9C-4F5D-849D-2789155D27D5}" type="datetimeFigureOut">
               <a:rPr lang="en-US" smtClean="0"/>
-              <a:t>3/21/2017</a:t>
+              <a:t>3/22/2017</a:t>
             </a:fld>
             <a:endParaRPr lang="en-US"/>
           </a:p>
@@ -21713,7 +16721,7 @@
         </p:spPr>
         <p:txBody>
           <a:bodyPr>
-            <a:normAutofit/>
+            <a:normAutofit lnSpcReduction="10000"/>
           </a:bodyPr>
           <a:lstStyle/>
           <a:p>
@@ -21782,6 +16790,13 @@
               <a:t>uno_finish</a:t>
             </a:r>
             <a:endParaRPr lang="en-US" dirty="0" smtClean="0"/>
+          </a:p>
+          <a:p>
+            <a:pPr lvl="1"/>
+            <a:r>
+              <a:rPr lang="en-US" dirty="0" smtClean="0"/>
+              <a:t>SPI interface</a:t>
+            </a:r>
           </a:p>
           <a:p>
             <a:r>
@@ -24232,36 +19247,6 @@
               <a:t>START +</a:t>
             </a:r>
           </a:p>
-          <a:p>
-            <a:r>
-              <a:rPr lang="en-US" sz="1400" dirty="0" smtClean="0"/>
-              <a:t>Voice</a:t>
-            </a:r>
-            <a:endParaRPr lang="en-US" sz="1400" dirty="0"/>
-          </a:p>
-        </p:txBody>
-      </p:sp>
-      <p:sp>
-        <p:nvSpPr>
-          <p:cNvPr id="8" name="TextBox 7"/>
-          <p:cNvSpPr txBox="1"/>
-          <p:nvPr/>
-        </p:nvSpPr>
-        <p:spPr>
-          <a:xfrm>
-            <a:off x="2814023" y="5115900"/>
-            <a:ext cx="581057" cy="307777"/>
-          </a:xfrm>
-          <a:prstGeom prst="rect">
-            <a:avLst/>
-          </a:prstGeom>
-          <a:noFill/>
-        </p:spPr>
-        <p:txBody>
-          <a:bodyPr wrap="none" rtlCol="0">
-            <a:spAutoFit/>
-          </a:bodyPr>
-          <a:lstStyle/>
           <a:p>
             <a:r>
               <a:rPr lang="en-US" sz="1400" dirty="0" smtClean="0"/>
